--- a/SnowCards_Requirements.pptx
+++ b/SnowCards_Requirements.pptx
@@ -6,10 +6,10 @@
     <p:sldMasterId id="2147483699" r:id="rId2"/>
   </p:sldMasterIdLst>
   <p:notesMasterIdLst>
-    <p:notesMasterId r:id="rId22"/>
+    <p:notesMasterId r:id="rId28"/>
   </p:notesMasterIdLst>
   <p:handoutMasterIdLst>
-    <p:handoutMasterId r:id="rId23"/>
+    <p:handoutMasterId r:id="rId29"/>
   </p:handoutMasterIdLst>
   <p:sldIdLst>
     <p:sldId id="309" r:id="rId3"/>
@@ -21,30 +21,36 @@
     <p:sldId id="319" r:id="rId9"/>
     <p:sldId id="315" r:id="rId10"/>
     <p:sldId id="320" r:id="rId11"/>
-    <p:sldId id="323" r:id="rId12"/>
-    <p:sldId id="321" r:id="rId13"/>
-    <p:sldId id="328" r:id="rId14"/>
-    <p:sldId id="324" r:id="rId15"/>
-    <p:sldId id="325" r:id="rId16"/>
-    <p:sldId id="326" r:id="rId17"/>
-    <p:sldId id="327" r:id="rId18"/>
-    <p:sldId id="329" r:id="rId19"/>
-    <p:sldId id="313" r:id="rId20"/>
-    <p:sldId id="312" r:id="rId21"/>
+    <p:sldId id="331" r:id="rId12"/>
+    <p:sldId id="323" r:id="rId13"/>
+    <p:sldId id="321" r:id="rId14"/>
+    <p:sldId id="328" r:id="rId15"/>
+    <p:sldId id="324" r:id="rId16"/>
+    <p:sldId id="325" r:id="rId17"/>
+    <p:sldId id="326" r:id="rId18"/>
+    <p:sldId id="327" r:id="rId19"/>
+    <p:sldId id="329" r:id="rId20"/>
+    <p:sldId id="330" r:id="rId21"/>
+    <p:sldId id="332" r:id="rId22"/>
+    <p:sldId id="333" r:id="rId23"/>
+    <p:sldId id="334" r:id="rId24"/>
+    <p:sldId id="335" r:id="rId25"/>
+    <p:sldId id="313" r:id="rId26"/>
+    <p:sldId id="312" r:id="rId27"/>
   </p:sldIdLst>
   <p:sldSz cx="12192000" cy="6858000"/>
   <p:notesSz cx="9928225" cy="6797675"/>
   <p:embeddedFontLst>
     <p:embeddedFont>
       <p:font typeface="Roboto" panose="02000000000000000000" pitchFamily="2" charset="0"/>
-      <p:regular r:id="rId24"/>
-      <p:bold r:id="rId25"/>
-      <p:italic r:id="rId26"/>
-      <p:boldItalic r:id="rId27"/>
+      <p:regular r:id="rId30"/>
+      <p:bold r:id="rId31"/>
+      <p:italic r:id="rId32"/>
+      <p:boldItalic r:id="rId33"/>
     </p:embeddedFont>
     <p:embeddedFont>
       <p:font typeface="Wingdings 2" panose="05020102010507070707" pitchFamily="18" charset="2"/>
-      <p:regular r:id="rId28"/>
+      <p:regular r:id="rId34"/>
     </p:embeddedFont>
   </p:embeddedFontLst>
   <p:defaultTextStyle>
@@ -276,7 +282,7 @@
           <a:p>
             <a:fld id="{283A9E21-4981-413F-9BAB-A1BE42E0A624}" type="datetimeFigureOut">
               <a:rPr lang="de-DE" smtClean="0"/>
-              <a:t>25.10.2025</a:t>
+              <a:t>27.10.2025</a:t>
             </a:fld>
             <a:endParaRPr lang="de-DE"/>
           </a:p>
@@ -1052,6 +1058,115 @@
         <p:cNvPr id="1" name="">
           <a:extLst>
             <a:ext uri="{FF2B5EF4-FFF2-40B4-BE49-F238E27FC236}">
+              <a16:creationId xmlns:a16="http://schemas.microsoft.com/office/drawing/2014/main" id="{1EA1716B-F653-A309-BA32-FD5F1A710110}"/>
+            </a:ext>
+          </a:extLst>
+        </p:cNvPr>
+        <p:cNvGrpSpPr/>
+        <p:nvPr/>
+      </p:nvGrpSpPr>
+      <p:grpSpPr>
+        <a:xfrm>
+          <a:off x="0" y="0"/>
+          <a:ext cx="0" cy="0"/>
+          <a:chOff x="0" y="0"/>
+          <a:chExt cx="0" cy="0"/>
+        </a:xfrm>
+      </p:grpSpPr>
+      <p:sp>
+        <p:nvSpPr>
+          <p:cNvPr id="2" name="Folienbildplatzhalter 1">
+            <a:extLst>
+              <a:ext uri="{FF2B5EF4-FFF2-40B4-BE49-F238E27FC236}">
+                <a16:creationId xmlns:a16="http://schemas.microsoft.com/office/drawing/2014/main" id="{63E0AFEB-BCF3-D1D2-C655-30E2291BDA5E}"/>
+              </a:ext>
+            </a:extLst>
+          </p:cNvPr>
+          <p:cNvSpPr>
+            <a:spLocks noGrp="1" noRot="1" noChangeAspect="1"/>
+          </p:cNvSpPr>
+          <p:nvPr>
+            <p:ph type="sldImg"/>
+          </p:nvPr>
+        </p:nvSpPr>
+        <p:spPr/>
+      </p:sp>
+      <p:sp>
+        <p:nvSpPr>
+          <p:cNvPr id="3" name="Notizenplatzhalter 2">
+            <a:extLst>
+              <a:ext uri="{FF2B5EF4-FFF2-40B4-BE49-F238E27FC236}">
+                <a16:creationId xmlns:a16="http://schemas.microsoft.com/office/drawing/2014/main" id="{A1BD80E0-10B5-10F2-DB6A-CCF35F129D8F}"/>
+              </a:ext>
+            </a:extLst>
+          </p:cNvPr>
+          <p:cNvSpPr>
+            <a:spLocks noGrp="1"/>
+          </p:cNvSpPr>
+          <p:nvPr>
+            <p:ph type="body" idx="1"/>
+          </p:nvPr>
+        </p:nvSpPr>
+        <p:spPr/>
+        <p:txBody>
+          <a:bodyPr/>
+          <a:lstStyle/>
+          <a:p>
+            <a:endParaRPr lang="de-DE"/>
+          </a:p>
+        </p:txBody>
+      </p:sp>
+      <p:sp>
+        <p:nvSpPr>
+          <p:cNvPr id="4" name="Foliennummernplatzhalter 3">
+            <a:extLst>
+              <a:ext uri="{FF2B5EF4-FFF2-40B4-BE49-F238E27FC236}">
+                <a16:creationId xmlns:a16="http://schemas.microsoft.com/office/drawing/2014/main" id="{2B8756AD-B9EF-1E81-BD54-1E24113E88C0}"/>
+              </a:ext>
+            </a:extLst>
+          </p:cNvPr>
+          <p:cNvSpPr>
+            <a:spLocks noGrp="1"/>
+          </p:cNvSpPr>
+          <p:nvPr>
+            <p:ph type="sldNum" sz="quarter" idx="5"/>
+          </p:nvPr>
+        </p:nvSpPr>
+        <p:spPr/>
+        <p:txBody>
+          <a:bodyPr/>
+          <a:lstStyle/>
+          <a:p>
+            <a:fld id="{5EB2B633-7BEC-49A7-B3BF-92E0C7E450E6}" type="slidenum">
+              <a:rPr lang="de-DE" altLang="de-DE" smtClean="0"/>
+              <a:pPr/>
+              <a:t>10</a:t>
+            </a:fld>
+            <a:endParaRPr lang="de-DE" altLang="de-DE"/>
+          </a:p>
+        </p:txBody>
+      </p:sp>
+    </p:spTree>
+    <p:extLst>
+      <p:ext uri="{BB962C8B-B14F-4D97-AF65-F5344CB8AC3E}">
+        <p14:creationId xmlns:p14="http://schemas.microsoft.com/office/powerpoint/2010/main" val="446809123"/>
+      </p:ext>
+    </p:extLst>
+  </p:cSld>
+  <p:clrMapOvr>
+    <a:masterClrMapping/>
+  </p:clrMapOvr>
+</p:notes>
+</file>
+
+<file path=ppt/notesSlides/notesSlide11.xml><?xml version="1.0" encoding="utf-8"?>
+<p:notes xmlns:a="http://schemas.openxmlformats.org/drawingml/2006/main" xmlns:r="http://schemas.openxmlformats.org/officeDocument/2006/relationships" xmlns:p="http://schemas.openxmlformats.org/presentationml/2006/main">
+  <p:cSld>
+    <p:spTree>
+      <p:nvGrpSpPr>
+        <p:cNvPr id="1" name="">
+          <a:extLst>
+            <a:ext uri="{FF2B5EF4-FFF2-40B4-BE49-F238E27FC236}">
               <a16:creationId xmlns:a16="http://schemas.microsoft.com/office/drawing/2014/main" id="{CADAE04F-CEE0-E7A8-12C5-CCAB1FC3B7B6}"/>
             </a:ext>
           </a:extLst>
@@ -1134,7 +1249,7 @@
             <a:fld id="{5EB2B633-7BEC-49A7-B3BF-92E0C7E450E6}" type="slidenum">
               <a:rPr lang="de-DE" altLang="de-DE" smtClean="0"/>
               <a:pPr/>
-              <a:t>10</a:t>
+              <a:t>11</a:t>
             </a:fld>
             <a:endParaRPr lang="de-DE" altLang="de-DE"/>
           </a:p>
@@ -1153,7 +1268,7 @@
 </p:notes>
 </file>
 
-<file path=ppt/notesSlides/notesSlide11.xml><?xml version="1.0" encoding="utf-8"?>
+<file path=ppt/notesSlides/notesSlide12.xml><?xml version="1.0" encoding="utf-8"?>
 <p:notes xmlns:a="http://schemas.openxmlformats.org/drawingml/2006/main" xmlns:r="http://schemas.openxmlformats.org/officeDocument/2006/relationships" xmlns:p="http://schemas.openxmlformats.org/presentationml/2006/main">
   <p:cSld>
     <p:spTree>
@@ -1243,7 +1358,7 @@
             <a:fld id="{5EB2B633-7BEC-49A7-B3BF-92E0C7E450E6}" type="slidenum">
               <a:rPr lang="de-DE" altLang="de-DE" smtClean="0"/>
               <a:pPr/>
-              <a:t>11</a:t>
+              <a:t>12</a:t>
             </a:fld>
             <a:endParaRPr lang="de-DE" altLang="de-DE"/>
           </a:p>
@@ -1262,7 +1377,7 @@
 </p:notes>
 </file>
 
-<file path=ppt/notesSlides/notesSlide12.xml><?xml version="1.0" encoding="utf-8"?>
+<file path=ppt/notesSlides/notesSlide13.xml><?xml version="1.0" encoding="utf-8"?>
 <p:notes xmlns:a="http://schemas.openxmlformats.org/drawingml/2006/main" xmlns:r="http://schemas.openxmlformats.org/officeDocument/2006/relationships" xmlns:p="http://schemas.openxmlformats.org/presentationml/2006/main">
   <p:cSld>
     <p:spTree>
@@ -1352,7 +1467,7 @@
             <a:fld id="{5EB2B633-7BEC-49A7-B3BF-92E0C7E450E6}" type="slidenum">
               <a:rPr lang="de-DE" altLang="de-DE" smtClean="0"/>
               <a:pPr/>
-              <a:t>12</a:t>
+              <a:t>13</a:t>
             </a:fld>
             <a:endParaRPr lang="de-DE" altLang="de-DE"/>
           </a:p>
@@ -1371,7 +1486,7 @@
 </p:notes>
 </file>
 
-<file path=ppt/notesSlides/notesSlide13.xml><?xml version="1.0" encoding="utf-8"?>
+<file path=ppt/notesSlides/notesSlide14.xml><?xml version="1.0" encoding="utf-8"?>
 <p:notes xmlns:a="http://schemas.openxmlformats.org/drawingml/2006/main" xmlns:r="http://schemas.openxmlformats.org/officeDocument/2006/relationships" xmlns:p="http://schemas.openxmlformats.org/presentationml/2006/main">
   <p:cSld>
     <p:spTree>
@@ -1461,7 +1576,7 @@
             <a:fld id="{5EB2B633-7BEC-49A7-B3BF-92E0C7E450E6}" type="slidenum">
               <a:rPr lang="de-DE" altLang="de-DE" smtClean="0"/>
               <a:pPr/>
-              <a:t>13</a:t>
+              <a:t>14</a:t>
             </a:fld>
             <a:endParaRPr lang="de-DE" altLang="de-DE"/>
           </a:p>
@@ -1480,7 +1595,7 @@
 </p:notes>
 </file>
 
-<file path=ppt/notesSlides/notesSlide14.xml><?xml version="1.0" encoding="utf-8"?>
+<file path=ppt/notesSlides/notesSlide15.xml><?xml version="1.0" encoding="utf-8"?>
 <p:notes xmlns:a="http://schemas.openxmlformats.org/drawingml/2006/main" xmlns:r="http://schemas.openxmlformats.org/officeDocument/2006/relationships" xmlns:p="http://schemas.openxmlformats.org/presentationml/2006/main">
   <p:cSld>
     <p:spTree>
@@ -1570,7 +1685,7 @@
             <a:fld id="{5EB2B633-7BEC-49A7-B3BF-92E0C7E450E6}" type="slidenum">
               <a:rPr lang="de-DE" altLang="de-DE" smtClean="0"/>
               <a:pPr/>
-              <a:t>14</a:t>
+              <a:t>15</a:t>
             </a:fld>
             <a:endParaRPr lang="de-DE" altLang="de-DE"/>
           </a:p>
@@ -1589,7 +1704,7 @@
 </p:notes>
 </file>
 
-<file path=ppt/notesSlides/notesSlide15.xml><?xml version="1.0" encoding="utf-8"?>
+<file path=ppt/notesSlides/notesSlide16.xml><?xml version="1.0" encoding="utf-8"?>
 <p:notes xmlns:a="http://schemas.openxmlformats.org/drawingml/2006/main" xmlns:r="http://schemas.openxmlformats.org/officeDocument/2006/relationships" xmlns:p="http://schemas.openxmlformats.org/presentationml/2006/main">
   <p:cSld>
     <p:spTree>
@@ -1679,7 +1794,7 @@
             <a:fld id="{5EB2B633-7BEC-49A7-B3BF-92E0C7E450E6}" type="slidenum">
               <a:rPr lang="de-DE" altLang="de-DE" smtClean="0"/>
               <a:pPr/>
-              <a:t>15</a:t>
+              <a:t>16</a:t>
             </a:fld>
             <a:endParaRPr lang="de-DE" altLang="de-DE"/>
           </a:p>
@@ -1698,7 +1813,7 @@
 </p:notes>
 </file>
 
-<file path=ppt/notesSlides/notesSlide16.xml><?xml version="1.0" encoding="utf-8"?>
+<file path=ppt/notesSlides/notesSlide17.xml><?xml version="1.0" encoding="utf-8"?>
 <p:notes xmlns:a="http://schemas.openxmlformats.org/drawingml/2006/main" xmlns:r="http://schemas.openxmlformats.org/officeDocument/2006/relationships" xmlns:p="http://schemas.openxmlformats.org/presentationml/2006/main">
   <p:cSld>
     <p:spTree>
@@ -1788,7 +1903,7 @@
             <a:fld id="{5EB2B633-7BEC-49A7-B3BF-92E0C7E450E6}" type="slidenum">
               <a:rPr lang="de-DE" altLang="de-DE" smtClean="0"/>
               <a:pPr/>
-              <a:t>16</a:t>
+              <a:t>17</a:t>
             </a:fld>
             <a:endParaRPr lang="de-DE" altLang="de-DE"/>
           </a:p>
@@ -1807,7 +1922,7 @@
 </p:notes>
 </file>
 
-<file path=ppt/notesSlides/notesSlide17.xml><?xml version="1.0" encoding="utf-8"?>
+<file path=ppt/notesSlides/notesSlide18.xml><?xml version="1.0" encoding="utf-8"?>
 <p:notes xmlns:a="http://schemas.openxmlformats.org/drawingml/2006/main" xmlns:r="http://schemas.openxmlformats.org/officeDocument/2006/relationships" xmlns:p="http://schemas.openxmlformats.org/presentationml/2006/main">
   <p:cSld>
     <p:spTree>
@@ -1897,7 +2012,7 @@
             <a:fld id="{5EB2B633-7BEC-49A7-B3BF-92E0C7E450E6}" type="slidenum">
               <a:rPr lang="de-DE" altLang="de-DE" smtClean="0"/>
               <a:pPr/>
-              <a:t>17</a:t>
+              <a:t>18</a:t>
             </a:fld>
             <a:endParaRPr lang="de-DE" altLang="de-DE"/>
           </a:p>
@@ -1916,7 +2031,637 @@
 </p:notes>
 </file>
 
-<file path=ppt/notesSlides/notesSlide18.xml><?xml version="1.0" encoding="utf-8"?>
+<file path=ppt/notesSlides/notesSlide19.xml><?xml version="1.0" encoding="utf-8"?>
+<p:notes xmlns:a="http://schemas.openxmlformats.org/drawingml/2006/main" xmlns:r="http://schemas.openxmlformats.org/officeDocument/2006/relationships" xmlns:p="http://schemas.openxmlformats.org/presentationml/2006/main">
+  <p:cSld>
+    <p:spTree>
+      <p:nvGrpSpPr>
+        <p:cNvPr id="1" name="">
+          <a:extLst>
+            <a:ext uri="{FF2B5EF4-FFF2-40B4-BE49-F238E27FC236}">
+              <a16:creationId xmlns:a16="http://schemas.microsoft.com/office/drawing/2014/main" id="{50904D27-094E-54A5-A6CB-EE59EA1D8E01}"/>
+            </a:ext>
+          </a:extLst>
+        </p:cNvPr>
+        <p:cNvGrpSpPr/>
+        <p:nvPr/>
+      </p:nvGrpSpPr>
+      <p:grpSpPr>
+        <a:xfrm>
+          <a:off x="0" y="0"/>
+          <a:ext cx="0" cy="0"/>
+          <a:chOff x="0" y="0"/>
+          <a:chExt cx="0" cy="0"/>
+        </a:xfrm>
+      </p:grpSpPr>
+      <p:sp>
+        <p:nvSpPr>
+          <p:cNvPr id="2" name="Folienbildplatzhalter 1">
+            <a:extLst>
+              <a:ext uri="{FF2B5EF4-FFF2-40B4-BE49-F238E27FC236}">
+                <a16:creationId xmlns:a16="http://schemas.microsoft.com/office/drawing/2014/main" id="{279EE86D-F81D-1D0E-5396-77DE0D346A44}"/>
+              </a:ext>
+            </a:extLst>
+          </p:cNvPr>
+          <p:cNvSpPr>
+            <a:spLocks noGrp="1" noRot="1" noChangeAspect="1"/>
+          </p:cNvSpPr>
+          <p:nvPr>
+            <p:ph type="sldImg"/>
+          </p:nvPr>
+        </p:nvSpPr>
+        <p:spPr/>
+      </p:sp>
+      <p:sp>
+        <p:nvSpPr>
+          <p:cNvPr id="3" name="Notizenplatzhalter 2">
+            <a:extLst>
+              <a:ext uri="{FF2B5EF4-FFF2-40B4-BE49-F238E27FC236}">
+                <a16:creationId xmlns:a16="http://schemas.microsoft.com/office/drawing/2014/main" id="{2E4631CC-95A3-F7A3-5E4E-0CE32464DE80}"/>
+              </a:ext>
+            </a:extLst>
+          </p:cNvPr>
+          <p:cNvSpPr>
+            <a:spLocks noGrp="1"/>
+          </p:cNvSpPr>
+          <p:nvPr>
+            <p:ph type="body" idx="1"/>
+          </p:nvPr>
+        </p:nvSpPr>
+        <p:spPr/>
+        <p:txBody>
+          <a:bodyPr/>
+          <a:lstStyle/>
+          <a:p>
+            <a:endParaRPr lang="de-DE"/>
+          </a:p>
+        </p:txBody>
+      </p:sp>
+      <p:sp>
+        <p:nvSpPr>
+          <p:cNvPr id="4" name="Foliennummernplatzhalter 3">
+            <a:extLst>
+              <a:ext uri="{FF2B5EF4-FFF2-40B4-BE49-F238E27FC236}">
+                <a16:creationId xmlns:a16="http://schemas.microsoft.com/office/drawing/2014/main" id="{D608B931-2C6B-4B54-A0AF-DD5F9BB6B434}"/>
+              </a:ext>
+            </a:extLst>
+          </p:cNvPr>
+          <p:cNvSpPr>
+            <a:spLocks noGrp="1"/>
+          </p:cNvSpPr>
+          <p:nvPr>
+            <p:ph type="sldNum" sz="quarter" idx="5"/>
+          </p:nvPr>
+        </p:nvSpPr>
+        <p:spPr/>
+        <p:txBody>
+          <a:bodyPr/>
+          <a:lstStyle/>
+          <a:p>
+            <a:fld id="{5EB2B633-7BEC-49A7-B3BF-92E0C7E450E6}" type="slidenum">
+              <a:rPr lang="de-DE" altLang="de-DE" smtClean="0"/>
+              <a:pPr/>
+              <a:t>19</a:t>
+            </a:fld>
+            <a:endParaRPr lang="de-DE" altLang="de-DE"/>
+          </a:p>
+        </p:txBody>
+      </p:sp>
+    </p:spTree>
+    <p:extLst>
+      <p:ext uri="{BB962C8B-B14F-4D97-AF65-F5344CB8AC3E}">
+        <p14:creationId xmlns:p14="http://schemas.microsoft.com/office/powerpoint/2010/main" val="2503521403"/>
+      </p:ext>
+    </p:extLst>
+  </p:cSld>
+  <p:clrMapOvr>
+    <a:masterClrMapping/>
+  </p:clrMapOvr>
+</p:notes>
+</file>
+
+<file path=ppt/notesSlides/notesSlide2.xml><?xml version="1.0" encoding="utf-8"?>
+<p:notes xmlns:a="http://schemas.openxmlformats.org/drawingml/2006/main" xmlns:r="http://schemas.openxmlformats.org/officeDocument/2006/relationships" xmlns:p="http://schemas.openxmlformats.org/presentationml/2006/main">
+  <p:cSld>
+    <p:spTree>
+      <p:nvGrpSpPr>
+        <p:cNvPr id="1" name=""/>
+        <p:cNvGrpSpPr/>
+        <p:nvPr/>
+      </p:nvGrpSpPr>
+      <p:grpSpPr>
+        <a:xfrm>
+          <a:off x="0" y="0"/>
+          <a:ext cx="0" cy="0"/>
+          <a:chOff x="0" y="0"/>
+          <a:chExt cx="0" cy="0"/>
+        </a:xfrm>
+      </p:grpSpPr>
+      <p:sp>
+        <p:nvSpPr>
+          <p:cNvPr id="2" name="Folienbildplatzhalter 1"/>
+          <p:cNvSpPr>
+            <a:spLocks noGrp="1" noRot="1" noChangeAspect="1"/>
+          </p:cNvSpPr>
+          <p:nvPr>
+            <p:ph type="sldImg"/>
+          </p:nvPr>
+        </p:nvSpPr>
+        <p:spPr/>
+      </p:sp>
+      <p:sp>
+        <p:nvSpPr>
+          <p:cNvPr id="3" name="Notizenplatzhalter 2"/>
+          <p:cNvSpPr>
+            <a:spLocks noGrp="1"/>
+          </p:cNvSpPr>
+          <p:nvPr>
+            <p:ph type="body" idx="1"/>
+          </p:nvPr>
+        </p:nvSpPr>
+        <p:spPr/>
+        <p:txBody>
+          <a:bodyPr/>
+          <a:lstStyle/>
+          <a:p>
+            <a:endParaRPr lang="de-DE"/>
+          </a:p>
+        </p:txBody>
+      </p:sp>
+      <p:sp>
+        <p:nvSpPr>
+          <p:cNvPr id="4" name="Foliennummernplatzhalter 3"/>
+          <p:cNvSpPr>
+            <a:spLocks noGrp="1"/>
+          </p:cNvSpPr>
+          <p:nvPr>
+            <p:ph type="sldNum" sz="quarter" idx="5"/>
+          </p:nvPr>
+        </p:nvSpPr>
+        <p:spPr/>
+        <p:txBody>
+          <a:bodyPr/>
+          <a:lstStyle/>
+          <a:p>
+            <a:fld id="{5EB2B633-7BEC-49A7-B3BF-92E0C7E450E6}" type="slidenum">
+              <a:rPr lang="de-DE" altLang="de-DE" smtClean="0"/>
+              <a:pPr/>
+              <a:t>2</a:t>
+            </a:fld>
+            <a:endParaRPr lang="de-DE" altLang="de-DE"/>
+          </a:p>
+        </p:txBody>
+      </p:sp>
+    </p:spTree>
+    <p:extLst>
+      <p:ext uri="{BB962C8B-B14F-4D97-AF65-F5344CB8AC3E}">
+        <p14:creationId xmlns:p14="http://schemas.microsoft.com/office/powerpoint/2010/main" val="461539919"/>
+      </p:ext>
+    </p:extLst>
+  </p:cSld>
+  <p:clrMapOvr>
+    <a:masterClrMapping/>
+  </p:clrMapOvr>
+</p:notes>
+</file>
+
+<file path=ppt/notesSlides/notesSlide20.xml><?xml version="1.0" encoding="utf-8"?>
+<p:notes xmlns:a="http://schemas.openxmlformats.org/drawingml/2006/main" xmlns:r="http://schemas.openxmlformats.org/officeDocument/2006/relationships" xmlns:p="http://schemas.openxmlformats.org/presentationml/2006/main">
+  <p:cSld>
+    <p:spTree>
+      <p:nvGrpSpPr>
+        <p:cNvPr id="1" name="">
+          <a:extLst>
+            <a:ext uri="{FF2B5EF4-FFF2-40B4-BE49-F238E27FC236}">
+              <a16:creationId xmlns:a16="http://schemas.microsoft.com/office/drawing/2014/main" id="{FDBCFDBB-41AF-9F01-A3BE-63C3D1A68CCC}"/>
+            </a:ext>
+          </a:extLst>
+        </p:cNvPr>
+        <p:cNvGrpSpPr/>
+        <p:nvPr/>
+      </p:nvGrpSpPr>
+      <p:grpSpPr>
+        <a:xfrm>
+          <a:off x="0" y="0"/>
+          <a:ext cx="0" cy="0"/>
+          <a:chOff x="0" y="0"/>
+          <a:chExt cx="0" cy="0"/>
+        </a:xfrm>
+      </p:grpSpPr>
+      <p:sp>
+        <p:nvSpPr>
+          <p:cNvPr id="2" name="Folienbildplatzhalter 1">
+            <a:extLst>
+              <a:ext uri="{FF2B5EF4-FFF2-40B4-BE49-F238E27FC236}">
+                <a16:creationId xmlns:a16="http://schemas.microsoft.com/office/drawing/2014/main" id="{95C64818-CBE8-5BFF-0106-BE793B25FE07}"/>
+              </a:ext>
+            </a:extLst>
+          </p:cNvPr>
+          <p:cNvSpPr>
+            <a:spLocks noGrp="1" noRot="1" noChangeAspect="1"/>
+          </p:cNvSpPr>
+          <p:nvPr>
+            <p:ph type="sldImg"/>
+          </p:nvPr>
+        </p:nvSpPr>
+        <p:spPr/>
+      </p:sp>
+      <p:sp>
+        <p:nvSpPr>
+          <p:cNvPr id="3" name="Notizenplatzhalter 2">
+            <a:extLst>
+              <a:ext uri="{FF2B5EF4-FFF2-40B4-BE49-F238E27FC236}">
+                <a16:creationId xmlns:a16="http://schemas.microsoft.com/office/drawing/2014/main" id="{5E629D99-1317-A67C-2667-3B69C5AC1CE1}"/>
+              </a:ext>
+            </a:extLst>
+          </p:cNvPr>
+          <p:cNvSpPr>
+            <a:spLocks noGrp="1"/>
+          </p:cNvSpPr>
+          <p:nvPr>
+            <p:ph type="body" idx="1"/>
+          </p:nvPr>
+        </p:nvSpPr>
+        <p:spPr/>
+        <p:txBody>
+          <a:bodyPr/>
+          <a:lstStyle/>
+          <a:p>
+            <a:endParaRPr lang="de-DE"/>
+          </a:p>
+        </p:txBody>
+      </p:sp>
+      <p:sp>
+        <p:nvSpPr>
+          <p:cNvPr id="4" name="Foliennummernplatzhalter 3">
+            <a:extLst>
+              <a:ext uri="{FF2B5EF4-FFF2-40B4-BE49-F238E27FC236}">
+                <a16:creationId xmlns:a16="http://schemas.microsoft.com/office/drawing/2014/main" id="{862AD8D7-5327-5784-7B0A-FDEAB134E03F}"/>
+              </a:ext>
+            </a:extLst>
+          </p:cNvPr>
+          <p:cNvSpPr>
+            <a:spLocks noGrp="1"/>
+          </p:cNvSpPr>
+          <p:nvPr>
+            <p:ph type="sldNum" sz="quarter" idx="5"/>
+          </p:nvPr>
+        </p:nvSpPr>
+        <p:spPr/>
+        <p:txBody>
+          <a:bodyPr/>
+          <a:lstStyle/>
+          <a:p>
+            <a:fld id="{5EB2B633-7BEC-49A7-B3BF-92E0C7E450E6}" type="slidenum">
+              <a:rPr lang="de-DE" altLang="de-DE" smtClean="0"/>
+              <a:pPr/>
+              <a:t>20</a:t>
+            </a:fld>
+            <a:endParaRPr lang="de-DE" altLang="de-DE"/>
+          </a:p>
+        </p:txBody>
+      </p:sp>
+    </p:spTree>
+    <p:extLst>
+      <p:ext uri="{BB962C8B-B14F-4D97-AF65-F5344CB8AC3E}">
+        <p14:creationId xmlns:p14="http://schemas.microsoft.com/office/powerpoint/2010/main" val="2908471252"/>
+      </p:ext>
+    </p:extLst>
+  </p:cSld>
+  <p:clrMapOvr>
+    <a:masterClrMapping/>
+  </p:clrMapOvr>
+</p:notes>
+</file>
+
+<file path=ppt/notesSlides/notesSlide21.xml><?xml version="1.0" encoding="utf-8"?>
+<p:notes xmlns:a="http://schemas.openxmlformats.org/drawingml/2006/main" xmlns:r="http://schemas.openxmlformats.org/officeDocument/2006/relationships" xmlns:p="http://schemas.openxmlformats.org/presentationml/2006/main">
+  <p:cSld>
+    <p:spTree>
+      <p:nvGrpSpPr>
+        <p:cNvPr id="1" name="">
+          <a:extLst>
+            <a:ext uri="{FF2B5EF4-FFF2-40B4-BE49-F238E27FC236}">
+              <a16:creationId xmlns:a16="http://schemas.microsoft.com/office/drawing/2014/main" id="{3990E30E-D924-49D1-990C-56502ED1CA26}"/>
+            </a:ext>
+          </a:extLst>
+        </p:cNvPr>
+        <p:cNvGrpSpPr/>
+        <p:nvPr/>
+      </p:nvGrpSpPr>
+      <p:grpSpPr>
+        <a:xfrm>
+          <a:off x="0" y="0"/>
+          <a:ext cx="0" cy="0"/>
+          <a:chOff x="0" y="0"/>
+          <a:chExt cx="0" cy="0"/>
+        </a:xfrm>
+      </p:grpSpPr>
+      <p:sp>
+        <p:nvSpPr>
+          <p:cNvPr id="2" name="Folienbildplatzhalter 1">
+            <a:extLst>
+              <a:ext uri="{FF2B5EF4-FFF2-40B4-BE49-F238E27FC236}">
+                <a16:creationId xmlns:a16="http://schemas.microsoft.com/office/drawing/2014/main" id="{BCF5ED5F-E6EE-6DB6-0857-69AE0517DB3A}"/>
+              </a:ext>
+            </a:extLst>
+          </p:cNvPr>
+          <p:cNvSpPr>
+            <a:spLocks noGrp="1" noRot="1" noChangeAspect="1"/>
+          </p:cNvSpPr>
+          <p:nvPr>
+            <p:ph type="sldImg"/>
+          </p:nvPr>
+        </p:nvSpPr>
+        <p:spPr/>
+      </p:sp>
+      <p:sp>
+        <p:nvSpPr>
+          <p:cNvPr id="3" name="Notizenplatzhalter 2">
+            <a:extLst>
+              <a:ext uri="{FF2B5EF4-FFF2-40B4-BE49-F238E27FC236}">
+                <a16:creationId xmlns:a16="http://schemas.microsoft.com/office/drawing/2014/main" id="{0510A7A3-C42B-2CEA-938F-C14829FB69FD}"/>
+              </a:ext>
+            </a:extLst>
+          </p:cNvPr>
+          <p:cNvSpPr>
+            <a:spLocks noGrp="1"/>
+          </p:cNvSpPr>
+          <p:nvPr>
+            <p:ph type="body" idx="1"/>
+          </p:nvPr>
+        </p:nvSpPr>
+        <p:spPr/>
+        <p:txBody>
+          <a:bodyPr/>
+          <a:lstStyle/>
+          <a:p>
+            <a:endParaRPr lang="de-DE"/>
+          </a:p>
+        </p:txBody>
+      </p:sp>
+      <p:sp>
+        <p:nvSpPr>
+          <p:cNvPr id="4" name="Foliennummernplatzhalter 3">
+            <a:extLst>
+              <a:ext uri="{FF2B5EF4-FFF2-40B4-BE49-F238E27FC236}">
+                <a16:creationId xmlns:a16="http://schemas.microsoft.com/office/drawing/2014/main" id="{1F7B37DD-5370-E3D4-2C23-61DF6023F776}"/>
+              </a:ext>
+            </a:extLst>
+          </p:cNvPr>
+          <p:cNvSpPr>
+            <a:spLocks noGrp="1"/>
+          </p:cNvSpPr>
+          <p:nvPr>
+            <p:ph type="sldNum" sz="quarter" idx="5"/>
+          </p:nvPr>
+        </p:nvSpPr>
+        <p:spPr/>
+        <p:txBody>
+          <a:bodyPr/>
+          <a:lstStyle/>
+          <a:p>
+            <a:fld id="{5EB2B633-7BEC-49A7-B3BF-92E0C7E450E6}" type="slidenum">
+              <a:rPr lang="de-DE" altLang="de-DE" smtClean="0"/>
+              <a:pPr/>
+              <a:t>21</a:t>
+            </a:fld>
+            <a:endParaRPr lang="de-DE" altLang="de-DE"/>
+          </a:p>
+        </p:txBody>
+      </p:sp>
+    </p:spTree>
+    <p:extLst>
+      <p:ext uri="{BB962C8B-B14F-4D97-AF65-F5344CB8AC3E}">
+        <p14:creationId xmlns:p14="http://schemas.microsoft.com/office/powerpoint/2010/main" val="2176519414"/>
+      </p:ext>
+    </p:extLst>
+  </p:cSld>
+  <p:clrMapOvr>
+    <a:masterClrMapping/>
+  </p:clrMapOvr>
+</p:notes>
+</file>
+
+<file path=ppt/notesSlides/notesSlide22.xml><?xml version="1.0" encoding="utf-8"?>
+<p:notes xmlns:a="http://schemas.openxmlformats.org/drawingml/2006/main" xmlns:r="http://schemas.openxmlformats.org/officeDocument/2006/relationships" xmlns:p="http://schemas.openxmlformats.org/presentationml/2006/main">
+  <p:cSld>
+    <p:spTree>
+      <p:nvGrpSpPr>
+        <p:cNvPr id="1" name="">
+          <a:extLst>
+            <a:ext uri="{FF2B5EF4-FFF2-40B4-BE49-F238E27FC236}">
+              <a16:creationId xmlns:a16="http://schemas.microsoft.com/office/drawing/2014/main" id="{60338020-5EC0-B85C-ABB3-459A38633F5B}"/>
+            </a:ext>
+          </a:extLst>
+        </p:cNvPr>
+        <p:cNvGrpSpPr/>
+        <p:nvPr/>
+      </p:nvGrpSpPr>
+      <p:grpSpPr>
+        <a:xfrm>
+          <a:off x="0" y="0"/>
+          <a:ext cx="0" cy="0"/>
+          <a:chOff x="0" y="0"/>
+          <a:chExt cx="0" cy="0"/>
+        </a:xfrm>
+      </p:grpSpPr>
+      <p:sp>
+        <p:nvSpPr>
+          <p:cNvPr id="2" name="Folienbildplatzhalter 1">
+            <a:extLst>
+              <a:ext uri="{FF2B5EF4-FFF2-40B4-BE49-F238E27FC236}">
+                <a16:creationId xmlns:a16="http://schemas.microsoft.com/office/drawing/2014/main" id="{5655160D-C9E7-C85F-4CBC-D6D0B953735C}"/>
+              </a:ext>
+            </a:extLst>
+          </p:cNvPr>
+          <p:cNvSpPr>
+            <a:spLocks noGrp="1" noRot="1" noChangeAspect="1"/>
+          </p:cNvSpPr>
+          <p:nvPr>
+            <p:ph type="sldImg"/>
+          </p:nvPr>
+        </p:nvSpPr>
+        <p:spPr/>
+      </p:sp>
+      <p:sp>
+        <p:nvSpPr>
+          <p:cNvPr id="3" name="Notizenplatzhalter 2">
+            <a:extLst>
+              <a:ext uri="{FF2B5EF4-FFF2-40B4-BE49-F238E27FC236}">
+                <a16:creationId xmlns:a16="http://schemas.microsoft.com/office/drawing/2014/main" id="{5467D15D-2E32-F6BA-6302-0271D9980467}"/>
+              </a:ext>
+            </a:extLst>
+          </p:cNvPr>
+          <p:cNvSpPr>
+            <a:spLocks noGrp="1"/>
+          </p:cNvSpPr>
+          <p:nvPr>
+            <p:ph type="body" idx="1"/>
+          </p:nvPr>
+        </p:nvSpPr>
+        <p:spPr/>
+        <p:txBody>
+          <a:bodyPr/>
+          <a:lstStyle/>
+          <a:p>
+            <a:endParaRPr lang="de-DE"/>
+          </a:p>
+        </p:txBody>
+      </p:sp>
+      <p:sp>
+        <p:nvSpPr>
+          <p:cNvPr id="4" name="Foliennummernplatzhalter 3">
+            <a:extLst>
+              <a:ext uri="{FF2B5EF4-FFF2-40B4-BE49-F238E27FC236}">
+                <a16:creationId xmlns:a16="http://schemas.microsoft.com/office/drawing/2014/main" id="{E932A902-8866-CA40-6081-1CB77BB6FB48}"/>
+              </a:ext>
+            </a:extLst>
+          </p:cNvPr>
+          <p:cNvSpPr>
+            <a:spLocks noGrp="1"/>
+          </p:cNvSpPr>
+          <p:nvPr>
+            <p:ph type="sldNum" sz="quarter" idx="5"/>
+          </p:nvPr>
+        </p:nvSpPr>
+        <p:spPr/>
+        <p:txBody>
+          <a:bodyPr/>
+          <a:lstStyle/>
+          <a:p>
+            <a:fld id="{5EB2B633-7BEC-49A7-B3BF-92E0C7E450E6}" type="slidenum">
+              <a:rPr lang="de-DE" altLang="de-DE" smtClean="0"/>
+              <a:pPr/>
+              <a:t>22</a:t>
+            </a:fld>
+            <a:endParaRPr lang="de-DE" altLang="de-DE"/>
+          </a:p>
+        </p:txBody>
+      </p:sp>
+    </p:spTree>
+    <p:extLst>
+      <p:ext uri="{BB962C8B-B14F-4D97-AF65-F5344CB8AC3E}">
+        <p14:creationId xmlns:p14="http://schemas.microsoft.com/office/powerpoint/2010/main" val="2835639666"/>
+      </p:ext>
+    </p:extLst>
+  </p:cSld>
+  <p:clrMapOvr>
+    <a:masterClrMapping/>
+  </p:clrMapOvr>
+</p:notes>
+</file>
+
+<file path=ppt/notesSlides/notesSlide23.xml><?xml version="1.0" encoding="utf-8"?>
+<p:notes xmlns:a="http://schemas.openxmlformats.org/drawingml/2006/main" xmlns:r="http://schemas.openxmlformats.org/officeDocument/2006/relationships" xmlns:p="http://schemas.openxmlformats.org/presentationml/2006/main">
+  <p:cSld>
+    <p:spTree>
+      <p:nvGrpSpPr>
+        <p:cNvPr id="1" name="">
+          <a:extLst>
+            <a:ext uri="{FF2B5EF4-FFF2-40B4-BE49-F238E27FC236}">
+              <a16:creationId xmlns:a16="http://schemas.microsoft.com/office/drawing/2014/main" id="{72DF6DE4-5E23-AAF3-B3AE-75C7824029EC}"/>
+            </a:ext>
+          </a:extLst>
+        </p:cNvPr>
+        <p:cNvGrpSpPr/>
+        <p:nvPr/>
+      </p:nvGrpSpPr>
+      <p:grpSpPr>
+        <a:xfrm>
+          <a:off x="0" y="0"/>
+          <a:ext cx="0" cy="0"/>
+          <a:chOff x="0" y="0"/>
+          <a:chExt cx="0" cy="0"/>
+        </a:xfrm>
+      </p:grpSpPr>
+      <p:sp>
+        <p:nvSpPr>
+          <p:cNvPr id="2" name="Folienbildplatzhalter 1">
+            <a:extLst>
+              <a:ext uri="{FF2B5EF4-FFF2-40B4-BE49-F238E27FC236}">
+                <a16:creationId xmlns:a16="http://schemas.microsoft.com/office/drawing/2014/main" id="{37708C4C-5020-F1D8-62D9-BA8A743A68A8}"/>
+              </a:ext>
+            </a:extLst>
+          </p:cNvPr>
+          <p:cNvSpPr>
+            <a:spLocks noGrp="1" noRot="1" noChangeAspect="1"/>
+          </p:cNvSpPr>
+          <p:nvPr>
+            <p:ph type="sldImg"/>
+          </p:nvPr>
+        </p:nvSpPr>
+        <p:spPr/>
+      </p:sp>
+      <p:sp>
+        <p:nvSpPr>
+          <p:cNvPr id="3" name="Notizenplatzhalter 2">
+            <a:extLst>
+              <a:ext uri="{FF2B5EF4-FFF2-40B4-BE49-F238E27FC236}">
+                <a16:creationId xmlns:a16="http://schemas.microsoft.com/office/drawing/2014/main" id="{566B3D76-2090-329E-3D66-32540ED9D249}"/>
+              </a:ext>
+            </a:extLst>
+          </p:cNvPr>
+          <p:cNvSpPr>
+            <a:spLocks noGrp="1"/>
+          </p:cNvSpPr>
+          <p:nvPr>
+            <p:ph type="body" idx="1"/>
+          </p:nvPr>
+        </p:nvSpPr>
+        <p:spPr/>
+        <p:txBody>
+          <a:bodyPr/>
+          <a:lstStyle/>
+          <a:p>
+            <a:endParaRPr lang="de-DE"/>
+          </a:p>
+        </p:txBody>
+      </p:sp>
+      <p:sp>
+        <p:nvSpPr>
+          <p:cNvPr id="4" name="Foliennummernplatzhalter 3">
+            <a:extLst>
+              <a:ext uri="{FF2B5EF4-FFF2-40B4-BE49-F238E27FC236}">
+                <a16:creationId xmlns:a16="http://schemas.microsoft.com/office/drawing/2014/main" id="{CC27DF2D-BDAD-108A-5BE1-3229BE8BA757}"/>
+              </a:ext>
+            </a:extLst>
+          </p:cNvPr>
+          <p:cNvSpPr>
+            <a:spLocks noGrp="1"/>
+          </p:cNvSpPr>
+          <p:nvPr>
+            <p:ph type="sldNum" sz="quarter" idx="5"/>
+          </p:nvPr>
+        </p:nvSpPr>
+        <p:spPr/>
+        <p:txBody>
+          <a:bodyPr/>
+          <a:lstStyle/>
+          <a:p>
+            <a:fld id="{5EB2B633-7BEC-49A7-B3BF-92E0C7E450E6}" type="slidenum">
+              <a:rPr lang="de-DE" altLang="de-DE" smtClean="0"/>
+              <a:pPr/>
+              <a:t>23</a:t>
+            </a:fld>
+            <a:endParaRPr lang="de-DE" altLang="de-DE"/>
+          </a:p>
+        </p:txBody>
+      </p:sp>
+    </p:spTree>
+    <p:extLst>
+      <p:ext uri="{BB962C8B-B14F-4D97-AF65-F5344CB8AC3E}">
+        <p14:creationId xmlns:p14="http://schemas.microsoft.com/office/powerpoint/2010/main" val="2927403817"/>
+      </p:ext>
+    </p:extLst>
+  </p:cSld>
+  <p:clrMapOvr>
+    <a:masterClrMapping/>
+  </p:clrMapOvr>
+</p:notes>
+</file>
+
+<file path=ppt/notesSlides/notesSlide24.xml><?xml version="1.0" encoding="utf-8"?>
 <p:notes xmlns:a="http://schemas.openxmlformats.org/drawingml/2006/main" xmlns:r="http://schemas.openxmlformats.org/officeDocument/2006/relationships" xmlns:p="http://schemas.openxmlformats.org/presentationml/2006/main">
   <p:cSld>
     <p:spTree>
@@ -2006,7 +2751,7 @@
             <a:fld id="{5EB2B633-7BEC-49A7-B3BF-92E0C7E450E6}" type="slidenum">
               <a:rPr lang="de-DE" altLang="de-DE" smtClean="0"/>
               <a:pPr/>
-              <a:t>18</a:t>
+              <a:t>24</a:t>
             </a:fld>
             <a:endParaRPr lang="de-DE" altLang="de-DE"/>
           </a:p>
@@ -2016,91 +2761,6 @@
     <p:extLst>
       <p:ext uri="{BB962C8B-B14F-4D97-AF65-F5344CB8AC3E}">
         <p14:creationId xmlns:p14="http://schemas.microsoft.com/office/powerpoint/2010/main" val="1655746941"/>
-      </p:ext>
-    </p:extLst>
-  </p:cSld>
-  <p:clrMapOvr>
-    <a:masterClrMapping/>
-  </p:clrMapOvr>
-</p:notes>
-</file>
-
-<file path=ppt/notesSlides/notesSlide2.xml><?xml version="1.0" encoding="utf-8"?>
-<p:notes xmlns:a="http://schemas.openxmlformats.org/drawingml/2006/main" xmlns:r="http://schemas.openxmlformats.org/officeDocument/2006/relationships" xmlns:p="http://schemas.openxmlformats.org/presentationml/2006/main">
-  <p:cSld>
-    <p:spTree>
-      <p:nvGrpSpPr>
-        <p:cNvPr id="1" name=""/>
-        <p:cNvGrpSpPr/>
-        <p:nvPr/>
-      </p:nvGrpSpPr>
-      <p:grpSpPr>
-        <a:xfrm>
-          <a:off x="0" y="0"/>
-          <a:ext cx="0" cy="0"/>
-          <a:chOff x="0" y="0"/>
-          <a:chExt cx="0" cy="0"/>
-        </a:xfrm>
-      </p:grpSpPr>
-      <p:sp>
-        <p:nvSpPr>
-          <p:cNvPr id="2" name="Folienbildplatzhalter 1"/>
-          <p:cNvSpPr>
-            <a:spLocks noGrp="1" noRot="1" noChangeAspect="1"/>
-          </p:cNvSpPr>
-          <p:nvPr>
-            <p:ph type="sldImg"/>
-          </p:nvPr>
-        </p:nvSpPr>
-        <p:spPr/>
-      </p:sp>
-      <p:sp>
-        <p:nvSpPr>
-          <p:cNvPr id="3" name="Notizenplatzhalter 2"/>
-          <p:cNvSpPr>
-            <a:spLocks noGrp="1"/>
-          </p:cNvSpPr>
-          <p:nvPr>
-            <p:ph type="body" idx="1"/>
-          </p:nvPr>
-        </p:nvSpPr>
-        <p:spPr/>
-        <p:txBody>
-          <a:bodyPr/>
-          <a:lstStyle/>
-          <a:p>
-            <a:endParaRPr lang="de-DE"/>
-          </a:p>
-        </p:txBody>
-      </p:sp>
-      <p:sp>
-        <p:nvSpPr>
-          <p:cNvPr id="4" name="Foliennummernplatzhalter 3"/>
-          <p:cNvSpPr>
-            <a:spLocks noGrp="1"/>
-          </p:cNvSpPr>
-          <p:nvPr>
-            <p:ph type="sldNum" sz="quarter" idx="5"/>
-          </p:nvPr>
-        </p:nvSpPr>
-        <p:spPr/>
-        <p:txBody>
-          <a:bodyPr/>
-          <a:lstStyle/>
-          <a:p>
-            <a:fld id="{5EB2B633-7BEC-49A7-B3BF-92E0C7E450E6}" type="slidenum">
-              <a:rPr lang="de-DE" altLang="de-DE" smtClean="0"/>
-              <a:pPr/>
-              <a:t>2</a:t>
-            </a:fld>
-            <a:endParaRPr lang="de-DE" altLang="de-DE"/>
-          </a:p>
-        </p:txBody>
-      </p:sp>
-    </p:spTree>
-    <p:extLst>
-      <p:ext uri="{BB962C8B-B14F-4D97-AF65-F5344CB8AC3E}">
-        <p14:creationId xmlns:p14="http://schemas.microsoft.com/office/powerpoint/2010/main" val="461539919"/>
       </p:ext>
     </p:extLst>
   </p:cSld>
@@ -8229,6 +8889,844 @@
         <p:cNvPr id="1" name="">
           <a:extLst>
             <a:ext uri="{FF2B5EF4-FFF2-40B4-BE49-F238E27FC236}">
+              <a16:creationId xmlns:a16="http://schemas.microsoft.com/office/drawing/2014/main" id="{833D4FEF-1E65-0FEF-5804-92AABA54EABF}"/>
+            </a:ext>
+          </a:extLst>
+        </p:cNvPr>
+        <p:cNvGrpSpPr/>
+        <p:nvPr/>
+      </p:nvGrpSpPr>
+      <p:grpSpPr>
+        <a:xfrm>
+          <a:off x="0" y="0"/>
+          <a:ext cx="0" cy="0"/>
+          <a:chOff x="0" y="0"/>
+          <a:chExt cx="0" cy="0"/>
+        </a:xfrm>
+      </p:grpSpPr>
+      <p:sp>
+        <p:nvSpPr>
+          <p:cNvPr id="5" name="Titel 4">
+            <a:extLst>
+              <a:ext uri="{FF2B5EF4-FFF2-40B4-BE49-F238E27FC236}">
+                <a16:creationId xmlns:a16="http://schemas.microsoft.com/office/drawing/2014/main" id="{7BE736CB-45DF-FC86-49BD-E9D267C44497}"/>
+              </a:ext>
+            </a:extLst>
+          </p:cNvPr>
+          <p:cNvSpPr>
+            <a:spLocks noGrp="1"/>
+          </p:cNvSpPr>
+          <p:nvPr>
+            <p:ph type="title"/>
+          </p:nvPr>
+        </p:nvSpPr>
+        <p:spPr>
+          <a:xfrm>
+            <a:off x="1343025" y="152400"/>
+            <a:ext cx="10656888" cy="468314"/>
+          </a:xfrm>
+        </p:spPr>
+        <p:txBody>
+          <a:bodyPr/>
+          <a:lstStyle/>
+          <a:p>
+            <a:r>
+              <a:rPr lang="de-DE"/>
+              <a:t>Funktionale Anforderungen</a:t>
+            </a:r>
+            <a:endParaRPr lang="de-DE" dirty="0"/>
+          </a:p>
+        </p:txBody>
+      </p:sp>
+      <p:grpSp>
+        <p:nvGrpSpPr>
+          <p:cNvPr id="13" name="Gruppieren 12">
+            <a:extLst>
+              <a:ext uri="{FF2B5EF4-FFF2-40B4-BE49-F238E27FC236}">
+                <a16:creationId xmlns:a16="http://schemas.microsoft.com/office/drawing/2014/main" id="{77DFE5D3-FE06-DDC4-34AA-36F5D5D52E51}"/>
+              </a:ext>
+            </a:extLst>
+          </p:cNvPr>
+          <p:cNvGrpSpPr/>
+          <p:nvPr/>
+        </p:nvGrpSpPr>
+        <p:grpSpPr>
+          <a:xfrm>
+            <a:off x="176530" y="1014171"/>
+            <a:ext cx="11823383" cy="369332"/>
+            <a:chOff x="176530" y="1113153"/>
+            <a:chExt cx="11823383" cy="369332"/>
+          </a:xfrm>
+        </p:grpSpPr>
+        <p:sp>
+          <p:nvSpPr>
+            <p:cNvPr id="3" name="Textfeld 2">
+              <a:extLst>
+                <a:ext uri="{FF2B5EF4-FFF2-40B4-BE49-F238E27FC236}">
+                  <a16:creationId xmlns:a16="http://schemas.microsoft.com/office/drawing/2014/main" id="{B6F094DE-6740-F92F-9883-8DE338CD9158}"/>
+                </a:ext>
+              </a:extLst>
+            </p:cNvPr>
+            <p:cNvSpPr txBox="1"/>
+            <p:nvPr/>
+          </p:nvSpPr>
+          <p:spPr>
+            <a:xfrm>
+              <a:off x="176530" y="1113153"/>
+              <a:ext cx="2309119" cy="369332"/>
+            </a:xfrm>
+            <a:prstGeom prst="rect">
+              <a:avLst/>
+            </a:prstGeom>
+          </p:spPr>
+          <p:style>
+            <a:lnRef idx="2">
+              <a:schemeClr val="dk1"/>
+            </a:lnRef>
+            <a:fillRef idx="1">
+              <a:schemeClr val="lt1"/>
+            </a:fillRef>
+            <a:effectRef idx="0">
+              <a:schemeClr val="dk1"/>
+            </a:effectRef>
+            <a:fontRef idx="minor">
+              <a:schemeClr val="dk1"/>
+            </a:fontRef>
+          </p:style>
+          <p:txBody>
+            <a:bodyPr wrap="square" rtlCol="0">
+              <a:spAutoFit/>
+            </a:bodyPr>
+            <a:lstStyle/>
+            <a:p>
+              <a:r>
+                <a:rPr lang="de-DE" b="1">
+                  <a:solidFill>
+                    <a:schemeClr val="accent1"/>
+                  </a:solidFill>
+                </a:rPr>
+                <a:t>Req-ID:</a:t>
+              </a:r>
+            </a:p>
+          </p:txBody>
+        </p:sp>
+        <p:sp>
+          <p:nvSpPr>
+            <p:cNvPr id="4" name="Textfeld 3">
+              <a:extLst>
+                <a:ext uri="{FF2B5EF4-FFF2-40B4-BE49-F238E27FC236}">
+                  <a16:creationId xmlns:a16="http://schemas.microsoft.com/office/drawing/2014/main" id="{AACB4E49-FEF0-437C-C3CB-E40B507B3880}"/>
+                </a:ext>
+              </a:extLst>
+            </p:cNvPr>
+            <p:cNvSpPr txBox="1"/>
+            <p:nvPr/>
+          </p:nvSpPr>
+          <p:spPr>
+            <a:xfrm>
+              <a:off x="2630905" y="1113153"/>
+              <a:ext cx="3319839" cy="369332"/>
+            </a:xfrm>
+            <a:prstGeom prst="rect">
+              <a:avLst/>
+            </a:prstGeom>
+          </p:spPr>
+          <p:style>
+            <a:lnRef idx="2">
+              <a:schemeClr val="dk1"/>
+            </a:lnRef>
+            <a:fillRef idx="1">
+              <a:schemeClr val="lt1"/>
+            </a:fillRef>
+            <a:effectRef idx="0">
+              <a:schemeClr val="dk1"/>
+            </a:effectRef>
+            <a:fontRef idx="minor">
+              <a:schemeClr val="dk1"/>
+            </a:fontRef>
+          </p:style>
+          <p:txBody>
+            <a:bodyPr wrap="square" rtlCol="0">
+              <a:spAutoFit/>
+            </a:bodyPr>
+            <a:lstStyle/>
+            <a:p>
+              <a:r>
+                <a:rPr lang="de-DE" b="1">
+                  <a:solidFill>
+                    <a:schemeClr val="accent1"/>
+                  </a:solidFill>
+                </a:rPr>
+                <a:t>Req-Type: </a:t>
+              </a:r>
+              <a:r>
+                <a:rPr lang="de-DE">
+                  <a:solidFill>
+                    <a:schemeClr val="tx1"/>
+                  </a:solidFill>
+                </a:rPr>
+                <a:t>Funktional</a:t>
+              </a:r>
+            </a:p>
+          </p:txBody>
+        </p:sp>
+        <p:sp>
+          <p:nvSpPr>
+            <p:cNvPr id="8" name="Textfeld 7">
+              <a:extLst>
+                <a:ext uri="{FF2B5EF4-FFF2-40B4-BE49-F238E27FC236}">
+                  <a16:creationId xmlns:a16="http://schemas.microsoft.com/office/drawing/2014/main" id="{7F98AE25-6A7A-DD1E-12F4-E1F1DF8575AA}"/>
+                </a:ext>
+              </a:extLst>
+            </p:cNvPr>
+            <p:cNvSpPr txBox="1"/>
+            <p:nvPr/>
+          </p:nvSpPr>
+          <p:spPr>
+            <a:xfrm>
+              <a:off x="6096000" y="1113153"/>
+              <a:ext cx="5903913" cy="369332"/>
+            </a:xfrm>
+            <a:prstGeom prst="rect">
+              <a:avLst/>
+            </a:prstGeom>
+          </p:spPr>
+          <p:style>
+            <a:lnRef idx="2">
+              <a:schemeClr val="dk1"/>
+            </a:lnRef>
+            <a:fillRef idx="1">
+              <a:schemeClr val="lt1"/>
+            </a:fillRef>
+            <a:effectRef idx="0">
+              <a:schemeClr val="dk1"/>
+            </a:effectRef>
+            <a:fontRef idx="minor">
+              <a:schemeClr val="dk1"/>
+            </a:fontRef>
+          </p:style>
+          <p:txBody>
+            <a:bodyPr wrap="square" rtlCol="0">
+              <a:spAutoFit/>
+            </a:bodyPr>
+            <a:lstStyle/>
+            <a:p>
+              <a:r>
+                <a:rPr lang="de-DE" b="1">
+                  <a:solidFill>
+                    <a:schemeClr val="accent1"/>
+                  </a:solidFill>
+                </a:rPr>
+                <a:t>Events/UC: </a:t>
+              </a:r>
+              <a:r>
+                <a:rPr lang="de-DE" sz="1700">
+                  <a:solidFill>
+                    <a:schemeClr val="tx1"/>
+                  </a:solidFill>
+                </a:rPr>
+                <a:t>Mitarbeiterinnen wollen einen Überblick über Fälle.</a:t>
+              </a:r>
+              <a:endParaRPr lang="de-DE" sz="1700">
+                <a:solidFill>
+                  <a:schemeClr val="accent1"/>
+                </a:solidFill>
+              </a:endParaRPr>
+            </a:p>
+          </p:txBody>
+        </p:sp>
+      </p:grpSp>
+      <p:grpSp>
+        <p:nvGrpSpPr>
+          <p:cNvPr id="14" name="Gruppieren 13">
+            <a:extLst>
+              <a:ext uri="{FF2B5EF4-FFF2-40B4-BE49-F238E27FC236}">
+                <a16:creationId xmlns:a16="http://schemas.microsoft.com/office/drawing/2014/main" id="{3BC29DB9-79CD-30A8-D26F-4D3F90FDDCA5}"/>
+              </a:ext>
+            </a:extLst>
+          </p:cNvPr>
+          <p:cNvGrpSpPr/>
+          <p:nvPr/>
+        </p:nvGrpSpPr>
+        <p:grpSpPr>
+          <a:xfrm>
+            <a:off x="168751" y="1549163"/>
+            <a:ext cx="11854497" cy="3112638"/>
+            <a:chOff x="160973" y="1725626"/>
+            <a:chExt cx="11854497" cy="3112638"/>
+          </a:xfrm>
+        </p:grpSpPr>
+        <p:sp>
+          <p:nvSpPr>
+            <p:cNvPr id="9" name="Textfeld 8">
+              <a:extLst>
+                <a:ext uri="{FF2B5EF4-FFF2-40B4-BE49-F238E27FC236}">
+                  <a16:creationId xmlns:a16="http://schemas.microsoft.com/office/drawing/2014/main" id="{10B15B9A-19B2-1707-4BC5-A13F9B835E62}"/>
+                </a:ext>
+              </a:extLst>
+            </p:cNvPr>
+            <p:cNvSpPr txBox="1"/>
+            <p:nvPr/>
+          </p:nvSpPr>
+          <p:spPr>
+            <a:xfrm>
+              <a:off x="160973" y="1725626"/>
+              <a:ext cx="11838940" cy="646331"/>
+            </a:xfrm>
+            <a:prstGeom prst="rect">
+              <a:avLst/>
+            </a:prstGeom>
+          </p:spPr>
+          <p:style>
+            <a:lnRef idx="2">
+              <a:schemeClr val="dk1"/>
+            </a:lnRef>
+            <a:fillRef idx="1">
+              <a:schemeClr val="lt1"/>
+            </a:fillRef>
+            <a:effectRef idx="0">
+              <a:schemeClr val="dk1"/>
+            </a:effectRef>
+            <a:fontRef idx="minor">
+              <a:schemeClr val="dk1"/>
+            </a:fontRef>
+          </p:style>
+          <p:txBody>
+            <a:bodyPr wrap="square" rtlCol="0">
+              <a:spAutoFit/>
+            </a:bodyPr>
+            <a:lstStyle/>
+            <a:p>
+              <a:r>
+                <a:rPr lang="de-DE" b="1">
+                  <a:solidFill>
+                    <a:schemeClr val="accent1"/>
+                  </a:solidFill>
+                </a:rPr>
+                <a:t>Description: </a:t>
+              </a:r>
+              <a:r>
+                <a:rPr lang="de-DE">
+                  <a:solidFill>
+                    <a:schemeClr val="tx1"/>
+                  </a:solidFill>
+                </a:rPr>
+                <a:t>Statistische Daten können zusätzlich als Diagramme und/oder Graphen angezeigt werden.</a:t>
+              </a:r>
+            </a:p>
+            <a:p>
+              <a:endParaRPr lang="de-DE"/>
+            </a:p>
+          </p:txBody>
+        </p:sp>
+        <p:sp>
+          <p:nvSpPr>
+            <p:cNvPr id="10" name="Textfeld 9">
+              <a:extLst>
+                <a:ext uri="{FF2B5EF4-FFF2-40B4-BE49-F238E27FC236}">
+                  <a16:creationId xmlns:a16="http://schemas.microsoft.com/office/drawing/2014/main" id="{BD8A6DDA-67CA-54B3-C20A-9ABD1F2347E3}"/>
+                </a:ext>
+              </a:extLst>
+            </p:cNvPr>
+            <p:cNvSpPr txBox="1"/>
+            <p:nvPr/>
+          </p:nvSpPr>
+          <p:spPr>
+            <a:xfrm>
+              <a:off x="160973" y="2533023"/>
+              <a:ext cx="11838940" cy="646331"/>
+            </a:xfrm>
+            <a:prstGeom prst="rect">
+              <a:avLst/>
+            </a:prstGeom>
+          </p:spPr>
+          <p:style>
+            <a:lnRef idx="2">
+              <a:schemeClr val="dk1"/>
+            </a:lnRef>
+            <a:fillRef idx="1">
+              <a:schemeClr val="lt1"/>
+            </a:fillRef>
+            <a:effectRef idx="0">
+              <a:schemeClr val="dk1"/>
+            </a:effectRef>
+            <a:fontRef idx="minor">
+              <a:schemeClr val="dk1"/>
+            </a:fontRef>
+          </p:style>
+          <p:txBody>
+            <a:bodyPr wrap="square" rtlCol="0">
+              <a:spAutoFit/>
+            </a:bodyPr>
+            <a:lstStyle/>
+            <a:p>
+              <a:r>
+                <a:rPr lang="de-DE" b="1">
+                  <a:solidFill>
+                    <a:schemeClr val="accent1"/>
+                  </a:solidFill>
+                </a:rPr>
+                <a:t>Rationale: </a:t>
+              </a:r>
+              <a:r>
+                <a:rPr lang="de-DE">
+                  <a:solidFill>
+                    <a:schemeClr val="tx1"/>
+                  </a:solidFill>
+                </a:rPr>
+                <a:t>Es Graphische Darstellung erleichtert Verständnis und Präsentation.</a:t>
+              </a:r>
+            </a:p>
+            <a:p>
+              <a:endParaRPr lang="de-DE"/>
+            </a:p>
+          </p:txBody>
+        </p:sp>
+        <p:sp>
+          <p:nvSpPr>
+            <p:cNvPr id="11" name="Textfeld 10">
+              <a:extLst>
+                <a:ext uri="{FF2B5EF4-FFF2-40B4-BE49-F238E27FC236}">
+                  <a16:creationId xmlns:a16="http://schemas.microsoft.com/office/drawing/2014/main" id="{CB779D47-27D8-24D9-A358-8E8314010C91}"/>
+                </a:ext>
+              </a:extLst>
+            </p:cNvPr>
+            <p:cNvSpPr txBox="1"/>
+            <p:nvPr/>
+          </p:nvSpPr>
+          <p:spPr>
+            <a:xfrm>
+              <a:off x="176530" y="3340420"/>
+              <a:ext cx="11838940" cy="646331"/>
+            </a:xfrm>
+            <a:prstGeom prst="rect">
+              <a:avLst/>
+            </a:prstGeom>
+          </p:spPr>
+          <p:style>
+            <a:lnRef idx="2">
+              <a:schemeClr val="dk1"/>
+            </a:lnRef>
+            <a:fillRef idx="1">
+              <a:schemeClr val="lt1"/>
+            </a:fillRef>
+            <a:effectRef idx="0">
+              <a:schemeClr val="dk1"/>
+            </a:effectRef>
+            <a:fontRef idx="minor">
+              <a:schemeClr val="dk1"/>
+            </a:fontRef>
+          </p:style>
+          <p:txBody>
+            <a:bodyPr wrap="square" rtlCol="0">
+              <a:spAutoFit/>
+            </a:bodyPr>
+            <a:lstStyle/>
+            <a:p>
+              <a:r>
+                <a:rPr lang="de-DE" b="1">
+                  <a:solidFill>
+                    <a:schemeClr val="accent1"/>
+                  </a:solidFill>
+                </a:rPr>
+                <a:t>Originator: </a:t>
+              </a:r>
+              <a:r>
+                <a:rPr lang="de-DE">
+                  <a:solidFill>
+                    <a:schemeClr val="tx1"/>
+                  </a:solidFill>
+                </a:rPr>
+                <a:t>Anforderungsbeschreibung, S. 4 </a:t>
+              </a:r>
+            </a:p>
+            <a:p>
+              <a:endParaRPr lang="de-DE"/>
+            </a:p>
+          </p:txBody>
+        </p:sp>
+        <p:sp>
+          <p:nvSpPr>
+            <p:cNvPr id="12" name="Textfeld 11">
+              <a:extLst>
+                <a:ext uri="{FF2B5EF4-FFF2-40B4-BE49-F238E27FC236}">
+                  <a16:creationId xmlns:a16="http://schemas.microsoft.com/office/drawing/2014/main" id="{0249D645-956A-26C3-B3C8-5D9AF862E864}"/>
+                </a:ext>
+              </a:extLst>
+            </p:cNvPr>
+            <p:cNvSpPr txBox="1"/>
+            <p:nvPr/>
+          </p:nvSpPr>
+          <p:spPr>
+            <a:xfrm>
+              <a:off x="176530" y="4191933"/>
+              <a:ext cx="11838940" cy="646331"/>
+            </a:xfrm>
+            <a:prstGeom prst="rect">
+              <a:avLst/>
+            </a:prstGeom>
+          </p:spPr>
+          <p:style>
+            <a:lnRef idx="2">
+              <a:schemeClr val="dk1"/>
+            </a:lnRef>
+            <a:fillRef idx="1">
+              <a:schemeClr val="lt1"/>
+            </a:fillRef>
+            <a:effectRef idx="0">
+              <a:schemeClr val="dk1"/>
+            </a:effectRef>
+            <a:fontRef idx="minor">
+              <a:schemeClr val="dk1"/>
+            </a:fontRef>
+          </p:style>
+          <p:txBody>
+            <a:bodyPr wrap="square" rtlCol="0">
+              <a:spAutoFit/>
+            </a:bodyPr>
+            <a:lstStyle/>
+            <a:p>
+              <a:r>
+                <a:rPr lang="de-DE" b="1">
+                  <a:solidFill>
+                    <a:schemeClr val="accent1"/>
+                  </a:solidFill>
+                </a:rPr>
+                <a:t>Fit Criterion: </a:t>
+              </a:r>
+              <a:r>
+                <a:rPr lang="de-DE"/>
+                <a:t>Nutzerin kann ausgewählte Daten im Dashboard visualisieren.</a:t>
+              </a:r>
+            </a:p>
+            <a:p>
+              <a:endParaRPr lang="de-DE"/>
+            </a:p>
+          </p:txBody>
+        </p:sp>
+      </p:grpSp>
+      <p:grpSp>
+        <p:nvGrpSpPr>
+          <p:cNvPr id="15" name="Gruppieren 14">
+            <a:extLst>
+              <a:ext uri="{FF2B5EF4-FFF2-40B4-BE49-F238E27FC236}">
+                <a16:creationId xmlns:a16="http://schemas.microsoft.com/office/drawing/2014/main" id="{40210433-D7E6-38BD-E818-B544D54A9941}"/>
+              </a:ext>
+            </a:extLst>
+          </p:cNvPr>
+          <p:cNvGrpSpPr/>
+          <p:nvPr/>
+        </p:nvGrpSpPr>
+        <p:grpSpPr>
+          <a:xfrm>
+            <a:off x="168751" y="4866983"/>
+            <a:ext cx="11823383" cy="369332"/>
+            <a:chOff x="176530" y="1113153"/>
+            <a:chExt cx="11823383" cy="369332"/>
+          </a:xfrm>
+        </p:grpSpPr>
+        <p:sp>
+          <p:nvSpPr>
+            <p:cNvPr id="16" name="Textfeld 15">
+              <a:extLst>
+                <a:ext uri="{FF2B5EF4-FFF2-40B4-BE49-F238E27FC236}">
+                  <a16:creationId xmlns:a16="http://schemas.microsoft.com/office/drawing/2014/main" id="{4415BE67-258C-F1E4-57D3-25054ED7667B}"/>
+                </a:ext>
+              </a:extLst>
+            </p:cNvPr>
+            <p:cNvSpPr txBox="1"/>
+            <p:nvPr/>
+          </p:nvSpPr>
+          <p:spPr>
+            <a:xfrm>
+              <a:off x="176530" y="1113153"/>
+              <a:ext cx="2309119" cy="369332"/>
+            </a:xfrm>
+            <a:prstGeom prst="rect">
+              <a:avLst/>
+            </a:prstGeom>
+          </p:spPr>
+          <p:style>
+            <a:lnRef idx="2">
+              <a:schemeClr val="dk1"/>
+            </a:lnRef>
+            <a:fillRef idx="1">
+              <a:schemeClr val="lt1"/>
+            </a:fillRef>
+            <a:effectRef idx="0">
+              <a:schemeClr val="dk1"/>
+            </a:effectRef>
+            <a:fontRef idx="minor">
+              <a:schemeClr val="dk1"/>
+            </a:fontRef>
+          </p:style>
+          <p:txBody>
+            <a:bodyPr wrap="square" rtlCol="0">
+              <a:spAutoFit/>
+            </a:bodyPr>
+            <a:lstStyle/>
+            <a:p>
+              <a:r>
+                <a:rPr lang="de-DE" b="1">
+                  <a:solidFill>
+                    <a:schemeClr val="accent1"/>
+                  </a:solidFill>
+                </a:rPr>
+                <a:t>Priority: </a:t>
+              </a:r>
+              <a:r>
+                <a:rPr lang="de-DE">
+                  <a:solidFill>
+                    <a:schemeClr val="tx1"/>
+                  </a:solidFill>
+                </a:rPr>
+                <a:t>Could</a:t>
+              </a:r>
+            </a:p>
+          </p:txBody>
+        </p:sp>
+        <p:sp>
+          <p:nvSpPr>
+            <p:cNvPr id="17" name="Textfeld 16">
+              <a:extLst>
+                <a:ext uri="{FF2B5EF4-FFF2-40B4-BE49-F238E27FC236}">
+                  <a16:creationId xmlns:a16="http://schemas.microsoft.com/office/drawing/2014/main" id="{8A4A4308-07AF-8C78-7976-FFC9849F8CD9}"/>
+                </a:ext>
+              </a:extLst>
+            </p:cNvPr>
+            <p:cNvSpPr txBox="1"/>
+            <p:nvPr/>
+          </p:nvSpPr>
+          <p:spPr>
+            <a:xfrm>
+              <a:off x="2630905" y="1113153"/>
+              <a:ext cx="3319839" cy="369332"/>
+            </a:xfrm>
+            <a:prstGeom prst="rect">
+              <a:avLst/>
+            </a:prstGeom>
+          </p:spPr>
+          <p:style>
+            <a:lnRef idx="2">
+              <a:schemeClr val="dk1"/>
+            </a:lnRef>
+            <a:fillRef idx="1">
+              <a:schemeClr val="lt1"/>
+            </a:fillRef>
+            <a:effectRef idx="0">
+              <a:schemeClr val="dk1"/>
+            </a:effectRef>
+            <a:fontRef idx="minor">
+              <a:schemeClr val="dk1"/>
+            </a:fontRef>
+          </p:style>
+          <p:txBody>
+            <a:bodyPr wrap="square" rtlCol="0">
+              <a:spAutoFit/>
+            </a:bodyPr>
+            <a:lstStyle/>
+            <a:p>
+              <a:r>
+                <a:rPr lang="de-DE" b="1">
+                  <a:solidFill>
+                    <a:schemeClr val="accent1"/>
+                  </a:solidFill>
+                </a:rPr>
+                <a:t>Customer Satisfaction:</a:t>
+              </a:r>
+            </a:p>
+          </p:txBody>
+        </p:sp>
+        <p:sp>
+          <p:nvSpPr>
+            <p:cNvPr id="18" name="Textfeld 17">
+              <a:extLst>
+                <a:ext uri="{FF2B5EF4-FFF2-40B4-BE49-F238E27FC236}">
+                  <a16:creationId xmlns:a16="http://schemas.microsoft.com/office/drawing/2014/main" id="{755416A1-AE2A-4F90-33B9-B1B9B157114D}"/>
+                </a:ext>
+              </a:extLst>
+            </p:cNvPr>
+            <p:cNvSpPr txBox="1"/>
+            <p:nvPr/>
+          </p:nvSpPr>
+          <p:spPr>
+            <a:xfrm>
+              <a:off x="6096000" y="1113153"/>
+              <a:ext cx="5903913" cy="369332"/>
+            </a:xfrm>
+            <a:prstGeom prst="rect">
+              <a:avLst/>
+            </a:prstGeom>
+          </p:spPr>
+          <p:style>
+            <a:lnRef idx="2">
+              <a:schemeClr val="dk1"/>
+            </a:lnRef>
+            <a:fillRef idx="1">
+              <a:schemeClr val="lt1"/>
+            </a:fillRef>
+            <a:effectRef idx="0">
+              <a:schemeClr val="dk1"/>
+            </a:effectRef>
+            <a:fontRef idx="minor">
+              <a:schemeClr val="dk1"/>
+            </a:fontRef>
+          </p:style>
+          <p:txBody>
+            <a:bodyPr wrap="square" rtlCol="0">
+              <a:spAutoFit/>
+            </a:bodyPr>
+            <a:lstStyle/>
+            <a:p>
+              <a:r>
+                <a:rPr lang="de-DE" b="1">
+                  <a:solidFill>
+                    <a:schemeClr val="accent1"/>
+                  </a:solidFill>
+                </a:rPr>
+                <a:t>Customer Dissatisfaction:</a:t>
+              </a:r>
+            </a:p>
+          </p:txBody>
+        </p:sp>
+      </p:grpSp>
+      <p:sp>
+        <p:nvSpPr>
+          <p:cNvPr id="19" name="Textfeld 18">
+            <a:extLst>
+              <a:ext uri="{FF2B5EF4-FFF2-40B4-BE49-F238E27FC236}">
+                <a16:creationId xmlns:a16="http://schemas.microsoft.com/office/drawing/2014/main" id="{349D86DD-5120-8BF3-DEA4-A90122D9F326}"/>
+              </a:ext>
+            </a:extLst>
+          </p:cNvPr>
+          <p:cNvSpPr txBox="1"/>
+          <p:nvPr/>
+        </p:nvSpPr>
+        <p:spPr>
+          <a:xfrm>
+            <a:off x="184308" y="5441496"/>
+            <a:ext cx="5766436" cy="923330"/>
+          </a:xfrm>
+          <a:prstGeom prst="rect">
+            <a:avLst/>
+          </a:prstGeom>
+        </p:spPr>
+        <p:style>
+          <a:lnRef idx="2">
+            <a:schemeClr val="dk1"/>
+          </a:lnRef>
+          <a:fillRef idx="1">
+            <a:schemeClr val="lt1"/>
+          </a:fillRef>
+          <a:effectRef idx="0">
+            <a:schemeClr val="dk1"/>
+          </a:effectRef>
+          <a:fontRef idx="minor">
+            <a:schemeClr val="dk1"/>
+          </a:fontRef>
+        </p:style>
+        <p:txBody>
+          <a:bodyPr wrap="square" rtlCol="0">
+            <a:spAutoFit/>
+          </a:bodyPr>
+          <a:lstStyle/>
+          <a:p>
+            <a:r>
+              <a:rPr lang="de-DE" b="1">
+                <a:solidFill>
+                  <a:schemeClr val="accent1"/>
+                </a:solidFill>
+              </a:rPr>
+              <a:t>Supporting Material:</a:t>
+            </a:r>
+          </a:p>
+          <a:p>
+            <a:endParaRPr lang="de-DE"/>
+          </a:p>
+          <a:p>
+            <a:endParaRPr lang="de-DE"/>
+          </a:p>
+        </p:txBody>
+      </p:sp>
+      <p:sp>
+        <p:nvSpPr>
+          <p:cNvPr id="20" name="Textfeld 19">
+            <a:extLst>
+              <a:ext uri="{FF2B5EF4-FFF2-40B4-BE49-F238E27FC236}">
+                <a16:creationId xmlns:a16="http://schemas.microsoft.com/office/drawing/2014/main" id="{5DA771D1-F4E0-E769-3223-233B8ED4EBB6}"/>
+              </a:ext>
+            </a:extLst>
+          </p:cNvPr>
+          <p:cNvSpPr txBox="1"/>
+          <p:nvPr/>
+        </p:nvSpPr>
+        <p:spPr>
+          <a:xfrm>
+            <a:off x="6103778" y="5441496"/>
+            <a:ext cx="5888356" cy="923330"/>
+          </a:xfrm>
+          <a:prstGeom prst="rect">
+            <a:avLst/>
+          </a:prstGeom>
+        </p:spPr>
+        <p:style>
+          <a:lnRef idx="2">
+            <a:schemeClr val="dk1"/>
+          </a:lnRef>
+          <a:fillRef idx="1">
+            <a:schemeClr val="lt1"/>
+          </a:fillRef>
+          <a:effectRef idx="0">
+            <a:schemeClr val="dk1"/>
+          </a:effectRef>
+          <a:fontRef idx="minor">
+            <a:schemeClr val="dk1"/>
+          </a:fontRef>
+        </p:style>
+        <p:txBody>
+          <a:bodyPr wrap="square" rtlCol="0">
+            <a:spAutoFit/>
+          </a:bodyPr>
+          <a:lstStyle/>
+          <a:p>
+            <a:r>
+              <a:rPr lang="de-DE" b="1">
+                <a:solidFill>
+                  <a:schemeClr val="accent1"/>
+                </a:solidFill>
+              </a:rPr>
+              <a:t>Conflicts:</a:t>
+            </a:r>
+          </a:p>
+          <a:p>
+            <a:endParaRPr lang="de-DE"/>
+          </a:p>
+          <a:p>
+            <a:endParaRPr lang="de-DE"/>
+          </a:p>
+        </p:txBody>
+      </p:sp>
+    </p:spTree>
+    <p:extLst>
+      <p:ext uri="{BB962C8B-B14F-4D97-AF65-F5344CB8AC3E}">
+        <p14:creationId xmlns:p14="http://schemas.microsoft.com/office/powerpoint/2010/main" val="1747506492"/>
+      </p:ext>
+    </p:extLst>
+  </p:cSld>
+  <p:clrMapOvr>
+    <a:masterClrMapping/>
+  </p:clrMapOvr>
+</p:sld>
+</file>
+
+<file path=ppt/slides/slide11.xml><?xml version="1.0" encoding="utf-8"?>
+<p:sld xmlns:a="http://schemas.openxmlformats.org/drawingml/2006/main" xmlns:r="http://schemas.openxmlformats.org/officeDocument/2006/relationships" xmlns:p="http://schemas.openxmlformats.org/presentationml/2006/main">
+  <p:cSld>
+    <p:spTree>
+      <p:nvGrpSpPr>
+        <p:cNvPr id="1" name="">
+          <a:extLst>
+            <a:ext uri="{FF2B5EF4-FFF2-40B4-BE49-F238E27FC236}">
               <a16:creationId xmlns:a16="http://schemas.microsoft.com/office/drawing/2014/main" id="{B3CE864F-61F6-644F-D26D-6D0A22D6BDCA}"/>
             </a:ext>
           </a:extLst>
@@ -9065,7 +10563,7 @@
 </p:sld>
 </file>
 
-<file path=ppt/slides/slide11.xml><?xml version="1.0" encoding="utf-8"?>
+<file path=ppt/slides/slide12.xml><?xml version="1.0" encoding="utf-8"?>
 <p:sld xmlns:a="http://schemas.openxmlformats.org/drawingml/2006/main" xmlns:r="http://schemas.openxmlformats.org/officeDocument/2006/relationships" xmlns:p="http://schemas.openxmlformats.org/presentationml/2006/main">
   <p:cSld>
     <p:spTree>
@@ -9664,7 +11162,7 @@
                     <a:schemeClr val="tx1"/>
                   </a:solidFill>
                 </a:rPr>
-                <a:t>Must</a:t>
+                <a:t>Should</a:t>
               </a:r>
             </a:p>
           </p:txBody>
@@ -9903,7 +11401,7 @@
 </p:sld>
 </file>
 
-<file path=ppt/slides/slide12.xml><?xml version="1.0" encoding="utf-8"?>
+<file path=ppt/slides/slide13.xml><?xml version="1.0" encoding="utf-8"?>
 <p:sld xmlns:a="http://schemas.openxmlformats.org/drawingml/2006/main" xmlns:r="http://schemas.openxmlformats.org/officeDocument/2006/relationships" xmlns:p="http://schemas.openxmlformats.org/presentationml/2006/main">
   <p:cSld>
     <p:spTree>
@@ -10504,7 +12002,7 @@
                     <a:schemeClr val="tx1"/>
                   </a:solidFill>
                 </a:rPr>
-                <a:t>Must</a:t>
+                <a:t>Should</a:t>
               </a:r>
             </a:p>
           </p:txBody>
@@ -10743,7 +12241,7 @@
 </p:sld>
 </file>
 
-<file path=ppt/slides/slide13.xml><?xml version="1.0" encoding="utf-8"?>
+<file path=ppt/slides/slide14.xml><?xml version="1.0" encoding="utf-8"?>
 <p:sld xmlns:a="http://schemas.openxmlformats.org/drawingml/2006/main" xmlns:r="http://schemas.openxmlformats.org/officeDocument/2006/relationships" xmlns:p="http://schemas.openxmlformats.org/presentationml/2006/main">
   <p:cSld>
     <p:spTree>
@@ -11585,7 +13083,7 @@
 </p:sld>
 </file>
 
-<file path=ppt/slides/slide14.xml><?xml version="1.0" encoding="utf-8"?>
+<file path=ppt/slides/slide15.xml><?xml version="1.0" encoding="utf-8"?>
 <p:sld xmlns:a="http://schemas.openxmlformats.org/drawingml/2006/main" xmlns:r="http://schemas.openxmlformats.org/officeDocument/2006/relationships" xmlns:p="http://schemas.openxmlformats.org/presentationml/2006/main">
   <p:cSld>
     <p:spTree>
@@ -12434,7 +13932,7 @@
 </p:sld>
 </file>
 
-<file path=ppt/slides/slide15.xml><?xml version="1.0" encoding="utf-8"?>
+<file path=ppt/slides/slide16.xml><?xml version="1.0" encoding="utf-8"?>
 <p:sld xmlns:a="http://schemas.openxmlformats.org/drawingml/2006/main" xmlns:r="http://schemas.openxmlformats.org/officeDocument/2006/relationships" xmlns:p="http://schemas.openxmlformats.org/presentationml/2006/main">
   <p:cSld>
     <p:spTree>
@@ -12678,7 +14176,7 @@
                     <a:schemeClr val="tx1"/>
                   </a:solidFill>
                 </a:rPr>
-                <a:t>Mitarbeiterin nutzt das Programm.</a:t>
+                <a:t>Mitarbeiterin startet das Programm.</a:t>
               </a:r>
               <a:endParaRPr lang="de-DE">
                 <a:solidFill>
@@ -13274,7 +14772,7 @@
 </p:sld>
 </file>
 
-<file path=ppt/slides/slide16.xml><?xml version="1.0" encoding="utf-8"?>
+<file path=ppt/slides/slide17.xml><?xml version="1.0" encoding="utf-8"?>
 <p:sld xmlns:a="http://schemas.openxmlformats.org/drawingml/2006/main" xmlns:r="http://schemas.openxmlformats.org/officeDocument/2006/relationships" xmlns:p="http://schemas.openxmlformats.org/presentationml/2006/main">
   <p:cSld>
     <p:spTree>
@@ -13604,7 +15102,7 @@
                     <a:schemeClr val="tx1"/>
                   </a:solidFill>
                 </a:rPr>
-                <a:t> Passwörter können von der Nutzerin selbst geändert werden (B/E/A). Der Admin kann auch die Passwörter der anderen Konten zurücksetzen.</a:t>
+                <a:t> Passwörter können von der Nutzerin selbst geändert werden (B/E/A). Die Administration kann auch die Passwörter der anderen Konten zurücksetzen.</a:t>
               </a:r>
               <a:endParaRPr lang="de-DE"/>
             </a:p>
@@ -14112,7 +15610,7 @@
 </p:sld>
 </file>
 
-<file path=ppt/slides/slide17.xml><?xml version="1.0" encoding="utf-8"?>
+<file path=ppt/slides/slide18.xml><?xml version="1.0" encoding="utf-8"?>
 <p:sld xmlns:a="http://schemas.openxmlformats.org/drawingml/2006/main" xmlns:r="http://schemas.openxmlformats.org/officeDocument/2006/relationships" xmlns:p="http://schemas.openxmlformats.org/presentationml/2006/main">
   <p:cSld>
     <p:spTree>
@@ -14950,7 +16448,5004 @@
 </p:sld>
 </file>
 
-<file path=ppt/slides/slide18.xml><?xml version="1.0" encoding="utf-8"?>
+<file path=ppt/slides/slide19.xml><?xml version="1.0" encoding="utf-8"?>
+<p:sld xmlns:a="http://schemas.openxmlformats.org/drawingml/2006/main" xmlns:r="http://schemas.openxmlformats.org/officeDocument/2006/relationships" xmlns:p="http://schemas.openxmlformats.org/presentationml/2006/main">
+  <p:cSld>
+    <p:spTree>
+      <p:nvGrpSpPr>
+        <p:cNvPr id="1" name="">
+          <a:extLst>
+            <a:ext uri="{FF2B5EF4-FFF2-40B4-BE49-F238E27FC236}">
+              <a16:creationId xmlns:a16="http://schemas.microsoft.com/office/drawing/2014/main" id="{40FCE793-11BF-DA97-BCF4-EE983607CF4A}"/>
+            </a:ext>
+          </a:extLst>
+        </p:cNvPr>
+        <p:cNvGrpSpPr/>
+        <p:nvPr/>
+      </p:nvGrpSpPr>
+      <p:grpSpPr>
+        <a:xfrm>
+          <a:off x="0" y="0"/>
+          <a:ext cx="0" cy="0"/>
+          <a:chOff x="0" y="0"/>
+          <a:chExt cx="0" cy="0"/>
+        </a:xfrm>
+      </p:grpSpPr>
+      <p:sp>
+        <p:nvSpPr>
+          <p:cNvPr id="5" name="Titel 4">
+            <a:extLst>
+              <a:ext uri="{FF2B5EF4-FFF2-40B4-BE49-F238E27FC236}">
+                <a16:creationId xmlns:a16="http://schemas.microsoft.com/office/drawing/2014/main" id="{DB98DC22-AB1D-2452-8163-AB8911043C15}"/>
+              </a:ext>
+            </a:extLst>
+          </p:cNvPr>
+          <p:cNvSpPr>
+            <a:spLocks noGrp="1"/>
+          </p:cNvSpPr>
+          <p:nvPr>
+            <p:ph type="title"/>
+          </p:nvPr>
+        </p:nvSpPr>
+        <p:spPr>
+          <a:xfrm>
+            <a:off x="1343025" y="152400"/>
+            <a:ext cx="10656888" cy="468314"/>
+          </a:xfrm>
+        </p:spPr>
+        <p:txBody>
+          <a:bodyPr/>
+          <a:lstStyle/>
+          <a:p>
+            <a:r>
+              <a:rPr lang="de-DE"/>
+              <a:t>Nicht-Funktionale Anforderungen</a:t>
+            </a:r>
+            <a:endParaRPr lang="de-DE" dirty="0"/>
+          </a:p>
+        </p:txBody>
+      </p:sp>
+      <p:grpSp>
+        <p:nvGrpSpPr>
+          <p:cNvPr id="13" name="Gruppieren 12">
+            <a:extLst>
+              <a:ext uri="{FF2B5EF4-FFF2-40B4-BE49-F238E27FC236}">
+                <a16:creationId xmlns:a16="http://schemas.microsoft.com/office/drawing/2014/main" id="{F81D3E6F-9A5F-B46D-4BF7-B365C881EAE8}"/>
+              </a:ext>
+            </a:extLst>
+          </p:cNvPr>
+          <p:cNvGrpSpPr/>
+          <p:nvPr/>
+        </p:nvGrpSpPr>
+        <p:grpSpPr>
+          <a:xfrm>
+            <a:off x="176530" y="1014171"/>
+            <a:ext cx="11823383" cy="369332"/>
+            <a:chOff x="176530" y="1113153"/>
+            <a:chExt cx="11823383" cy="369332"/>
+          </a:xfrm>
+        </p:grpSpPr>
+        <p:sp>
+          <p:nvSpPr>
+            <p:cNvPr id="3" name="Textfeld 2">
+              <a:extLst>
+                <a:ext uri="{FF2B5EF4-FFF2-40B4-BE49-F238E27FC236}">
+                  <a16:creationId xmlns:a16="http://schemas.microsoft.com/office/drawing/2014/main" id="{A9FDEE7A-D641-657B-3A02-247608639AFD}"/>
+                </a:ext>
+              </a:extLst>
+            </p:cNvPr>
+            <p:cNvSpPr txBox="1"/>
+            <p:nvPr/>
+          </p:nvSpPr>
+          <p:spPr>
+            <a:xfrm>
+              <a:off x="176530" y="1113153"/>
+              <a:ext cx="2309119" cy="369332"/>
+            </a:xfrm>
+            <a:prstGeom prst="rect">
+              <a:avLst/>
+            </a:prstGeom>
+          </p:spPr>
+          <p:style>
+            <a:lnRef idx="2">
+              <a:schemeClr val="dk1"/>
+            </a:lnRef>
+            <a:fillRef idx="1">
+              <a:schemeClr val="lt1"/>
+            </a:fillRef>
+            <a:effectRef idx="0">
+              <a:schemeClr val="dk1"/>
+            </a:effectRef>
+            <a:fontRef idx="minor">
+              <a:schemeClr val="dk1"/>
+            </a:fontRef>
+          </p:style>
+          <p:txBody>
+            <a:bodyPr wrap="square" rtlCol="0">
+              <a:spAutoFit/>
+            </a:bodyPr>
+            <a:lstStyle/>
+            <a:p>
+              <a:r>
+                <a:rPr lang="de-DE" b="1">
+                  <a:solidFill>
+                    <a:schemeClr val="accent1"/>
+                  </a:solidFill>
+                </a:rPr>
+                <a:t>Req-ID:</a:t>
+              </a:r>
+            </a:p>
+          </p:txBody>
+        </p:sp>
+        <p:sp>
+          <p:nvSpPr>
+            <p:cNvPr id="4" name="Textfeld 3">
+              <a:extLst>
+                <a:ext uri="{FF2B5EF4-FFF2-40B4-BE49-F238E27FC236}">
+                  <a16:creationId xmlns:a16="http://schemas.microsoft.com/office/drawing/2014/main" id="{9B0B2A2F-FF7A-7318-11F2-FA2DCAC54C00}"/>
+                </a:ext>
+              </a:extLst>
+            </p:cNvPr>
+            <p:cNvSpPr txBox="1"/>
+            <p:nvPr/>
+          </p:nvSpPr>
+          <p:spPr>
+            <a:xfrm>
+              <a:off x="2630905" y="1113153"/>
+              <a:ext cx="3319839" cy="369332"/>
+            </a:xfrm>
+            <a:prstGeom prst="rect">
+              <a:avLst/>
+            </a:prstGeom>
+          </p:spPr>
+          <p:style>
+            <a:lnRef idx="2">
+              <a:schemeClr val="dk1"/>
+            </a:lnRef>
+            <a:fillRef idx="1">
+              <a:schemeClr val="lt1"/>
+            </a:fillRef>
+            <a:effectRef idx="0">
+              <a:schemeClr val="dk1"/>
+            </a:effectRef>
+            <a:fontRef idx="minor">
+              <a:schemeClr val="dk1"/>
+            </a:fontRef>
+          </p:style>
+          <p:txBody>
+            <a:bodyPr wrap="square" rtlCol="0">
+              <a:spAutoFit/>
+            </a:bodyPr>
+            <a:lstStyle/>
+            <a:p>
+              <a:r>
+                <a:rPr lang="de-DE" b="1">
+                  <a:solidFill>
+                    <a:schemeClr val="accent1"/>
+                  </a:solidFill>
+                </a:rPr>
+                <a:t>Req-Type: </a:t>
+              </a:r>
+              <a:r>
+                <a:rPr lang="de-DE">
+                  <a:solidFill>
+                    <a:schemeClr val="tx1"/>
+                  </a:solidFill>
+                </a:rPr>
+                <a:t>Nicht-Funktional</a:t>
+              </a:r>
+            </a:p>
+          </p:txBody>
+        </p:sp>
+        <p:sp>
+          <p:nvSpPr>
+            <p:cNvPr id="8" name="Textfeld 7">
+              <a:extLst>
+                <a:ext uri="{FF2B5EF4-FFF2-40B4-BE49-F238E27FC236}">
+                  <a16:creationId xmlns:a16="http://schemas.microsoft.com/office/drawing/2014/main" id="{EE900E57-3955-FB45-32A3-165D62CE93CA}"/>
+                </a:ext>
+              </a:extLst>
+            </p:cNvPr>
+            <p:cNvSpPr txBox="1"/>
+            <p:nvPr/>
+          </p:nvSpPr>
+          <p:spPr>
+            <a:xfrm>
+              <a:off x="6096000" y="1113153"/>
+              <a:ext cx="5903913" cy="369332"/>
+            </a:xfrm>
+            <a:prstGeom prst="rect">
+              <a:avLst/>
+            </a:prstGeom>
+          </p:spPr>
+          <p:style>
+            <a:lnRef idx="2">
+              <a:schemeClr val="dk1"/>
+            </a:lnRef>
+            <a:fillRef idx="1">
+              <a:schemeClr val="lt1"/>
+            </a:fillRef>
+            <a:effectRef idx="0">
+              <a:schemeClr val="dk1"/>
+            </a:effectRef>
+            <a:fontRef idx="minor">
+              <a:schemeClr val="dk1"/>
+            </a:fontRef>
+          </p:style>
+          <p:txBody>
+            <a:bodyPr wrap="square" rtlCol="0">
+              <a:spAutoFit/>
+            </a:bodyPr>
+            <a:lstStyle/>
+            <a:p>
+              <a:r>
+                <a:rPr lang="de-DE" b="1">
+                  <a:solidFill>
+                    <a:schemeClr val="accent1"/>
+                  </a:solidFill>
+                </a:rPr>
+                <a:t>Events/UC:</a:t>
+              </a:r>
+              <a:endParaRPr lang="de-DE">
+                <a:solidFill>
+                  <a:schemeClr val="accent1"/>
+                </a:solidFill>
+              </a:endParaRPr>
+            </a:p>
+          </p:txBody>
+        </p:sp>
+      </p:grpSp>
+      <p:grpSp>
+        <p:nvGrpSpPr>
+          <p:cNvPr id="14" name="Gruppieren 13">
+            <a:extLst>
+              <a:ext uri="{FF2B5EF4-FFF2-40B4-BE49-F238E27FC236}">
+                <a16:creationId xmlns:a16="http://schemas.microsoft.com/office/drawing/2014/main" id="{F6A011CB-8997-781B-9283-E7E64FF7827C}"/>
+              </a:ext>
+            </a:extLst>
+          </p:cNvPr>
+          <p:cNvGrpSpPr/>
+          <p:nvPr/>
+        </p:nvGrpSpPr>
+        <p:grpSpPr>
+          <a:xfrm>
+            <a:off x="168751" y="1549163"/>
+            <a:ext cx="11854497" cy="3112638"/>
+            <a:chOff x="160973" y="1725626"/>
+            <a:chExt cx="11854497" cy="3112638"/>
+          </a:xfrm>
+        </p:grpSpPr>
+        <p:sp>
+          <p:nvSpPr>
+            <p:cNvPr id="9" name="Textfeld 8">
+              <a:extLst>
+                <a:ext uri="{FF2B5EF4-FFF2-40B4-BE49-F238E27FC236}">
+                  <a16:creationId xmlns:a16="http://schemas.microsoft.com/office/drawing/2014/main" id="{56656CF2-6CE9-9418-D973-26956F242A53}"/>
+                </a:ext>
+              </a:extLst>
+            </p:cNvPr>
+            <p:cNvSpPr txBox="1"/>
+            <p:nvPr/>
+          </p:nvSpPr>
+          <p:spPr>
+            <a:xfrm>
+              <a:off x="160973" y="1725626"/>
+              <a:ext cx="11838940" cy="646331"/>
+            </a:xfrm>
+            <a:prstGeom prst="rect">
+              <a:avLst/>
+            </a:prstGeom>
+          </p:spPr>
+          <p:style>
+            <a:lnRef idx="2">
+              <a:schemeClr val="dk1"/>
+            </a:lnRef>
+            <a:fillRef idx="1">
+              <a:schemeClr val="lt1"/>
+            </a:fillRef>
+            <a:effectRef idx="0">
+              <a:schemeClr val="dk1"/>
+            </a:effectRef>
+            <a:fontRef idx="minor">
+              <a:schemeClr val="dk1"/>
+            </a:fontRef>
+          </p:style>
+          <p:txBody>
+            <a:bodyPr wrap="square" rtlCol="0">
+              <a:spAutoFit/>
+            </a:bodyPr>
+            <a:lstStyle/>
+            <a:p>
+              <a:r>
+                <a:rPr lang="de-DE" b="1">
+                  <a:solidFill>
+                    <a:schemeClr val="accent1"/>
+                  </a:solidFill>
+                </a:rPr>
+                <a:t>Description: </a:t>
+              </a:r>
+              <a:r>
+                <a:rPr lang="de-DE">
+                  <a:solidFill>
+                    <a:schemeClr val="tx1"/>
+                  </a:solidFill>
+                </a:rPr>
+                <a:t>Die Applikation soll mit Client-Server-Architektur und Microservice bereitgestellt werden.</a:t>
+              </a:r>
+            </a:p>
+            <a:p>
+              <a:endParaRPr lang="de-DE"/>
+            </a:p>
+          </p:txBody>
+        </p:sp>
+        <p:sp>
+          <p:nvSpPr>
+            <p:cNvPr id="10" name="Textfeld 9">
+              <a:extLst>
+                <a:ext uri="{FF2B5EF4-FFF2-40B4-BE49-F238E27FC236}">
+                  <a16:creationId xmlns:a16="http://schemas.microsoft.com/office/drawing/2014/main" id="{870D619E-2F2B-F93C-4574-DCF5FD14DA53}"/>
+                </a:ext>
+              </a:extLst>
+            </p:cNvPr>
+            <p:cNvSpPr txBox="1"/>
+            <p:nvPr/>
+          </p:nvSpPr>
+          <p:spPr>
+            <a:xfrm>
+              <a:off x="160973" y="2533023"/>
+              <a:ext cx="11838940" cy="646331"/>
+            </a:xfrm>
+            <a:prstGeom prst="rect">
+              <a:avLst/>
+            </a:prstGeom>
+          </p:spPr>
+          <p:style>
+            <a:lnRef idx="2">
+              <a:schemeClr val="dk1"/>
+            </a:lnRef>
+            <a:fillRef idx="1">
+              <a:schemeClr val="lt1"/>
+            </a:fillRef>
+            <a:effectRef idx="0">
+              <a:schemeClr val="dk1"/>
+            </a:effectRef>
+            <a:fontRef idx="minor">
+              <a:schemeClr val="dk1"/>
+            </a:fontRef>
+          </p:style>
+          <p:txBody>
+            <a:bodyPr wrap="square" rtlCol="0">
+              <a:spAutoFit/>
+            </a:bodyPr>
+            <a:lstStyle/>
+            <a:p>
+              <a:r>
+                <a:rPr lang="de-DE" b="1">
+                  <a:solidFill>
+                    <a:schemeClr val="accent1"/>
+                  </a:solidFill>
+                </a:rPr>
+                <a:t>Rationale: </a:t>
+              </a:r>
+              <a:r>
+                <a:rPr lang="de-DE">
+                  <a:solidFill>
+                    <a:schemeClr val="tx1"/>
+                  </a:solidFill>
+                </a:rPr>
+                <a:t>Zentrale Datenhaltung.</a:t>
+              </a:r>
+            </a:p>
+            <a:p>
+              <a:endParaRPr lang="de-DE"/>
+            </a:p>
+          </p:txBody>
+        </p:sp>
+        <p:sp>
+          <p:nvSpPr>
+            <p:cNvPr id="11" name="Textfeld 10">
+              <a:extLst>
+                <a:ext uri="{FF2B5EF4-FFF2-40B4-BE49-F238E27FC236}">
+                  <a16:creationId xmlns:a16="http://schemas.microsoft.com/office/drawing/2014/main" id="{B4E7F146-2ADC-5764-7180-B311CF513DAA}"/>
+                </a:ext>
+              </a:extLst>
+            </p:cNvPr>
+            <p:cNvSpPr txBox="1"/>
+            <p:nvPr/>
+          </p:nvSpPr>
+          <p:spPr>
+            <a:xfrm>
+              <a:off x="176530" y="3340420"/>
+              <a:ext cx="11838940" cy="646331"/>
+            </a:xfrm>
+            <a:prstGeom prst="rect">
+              <a:avLst/>
+            </a:prstGeom>
+          </p:spPr>
+          <p:style>
+            <a:lnRef idx="2">
+              <a:schemeClr val="dk1"/>
+            </a:lnRef>
+            <a:fillRef idx="1">
+              <a:schemeClr val="lt1"/>
+            </a:fillRef>
+            <a:effectRef idx="0">
+              <a:schemeClr val="dk1"/>
+            </a:effectRef>
+            <a:fontRef idx="minor">
+              <a:schemeClr val="dk1"/>
+            </a:fontRef>
+          </p:style>
+          <p:txBody>
+            <a:bodyPr wrap="square" rtlCol="0">
+              <a:spAutoFit/>
+            </a:bodyPr>
+            <a:lstStyle/>
+            <a:p>
+              <a:r>
+                <a:rPr lang="de-DE" b="1">
+                  <a:solidFill>
+                    <a:schemeClr val="accent1"/>
+                  </a:solidFill>
+                </a:rPr>
+                <a:t>Originator: </a:t>
+              </a:r>
+              <a:r>
+                <a:rPr lang="de-DE">
+                  <a:solidFill>
+                    <a:schemeClr val="tx1"/>
+                  </a:solidFill>
+                </a:rPr>
+                <a:t>Anforderungsbeschreibung, S. 3 </a:t>
+              </a:r>
+            </a:p>
+            <a:p>
+              <a:endParaRPr lang="de-DE"/>
+            </a:p>
+          </p:txBody>
+        </p:sp>
+        <p:sp>
+          <p:nvSpPr>
+            <p:cNvPr id="12" name="Textfeld 11">
+              <a:extLst>
+                <a:ext uri="{FF2B5EF4-FFF2-40B4-BE49-F238E27FC236}">
+                  <a16:creationId xmlns:a16="http://schemas.microsoft.com/office/drawing/2014/main" id="{3771AA78-9A06-4A57-4C8C-34A653E83B00}"/>
+                </a:ext>
+              </a:extLst>
+            </p:cNvPr>
+            <p:cNvSpPr txBox="1"/>
+            <p:nvPr/>
+          </p:nvSpPr>
+          <p:spPr>
+            <a:xfrm>
+              <a:off x="176530" y="4191933"/>
+              <a:ext cx="11838940" cy="646331"/>
+            </a:xfrm>
+            <a:prstGeom prst="rect">
+              <a:avLst/>
+            </a:prstGeom>
+          </p:spPr>
+          <p:style>
+            <a:lnRef idx="2">
+              <a:schemeClr val="dk1"/>
+            </a:lnRef>
+            <a:fillRef idx="1">
+              <a:schemeClr val="lt1"/>
+            </a:fillRef>
+            <a:effectRef idx="0">
+              <a:schemeClr val="dk1"/>
+            </a:effectRef>
+            <a:fontRef idx="minor">
+              <a:schemeClr val="dk1"/>
+            </a:fontRef>
+          </p:style>
+          <p:txBody>
+            <a:bodyPr wrap="square" rtlCol="0">
+              <a:spAutoFit/>
+            </a:bodyPr>
+            <a:lstStyle/>
+            <a:p>
+              <a:r>
+                <a:rPr lang="de-DE" b="1">
+                  <a:solidFill>
+                    <a:schemeClr val="accent1"/>
+                  </a:solidFill>
+                </a:rPr>
+                <a:t>Fit Criterion: </a:t>
+              </a:r>
+              <a:r>
+                <a:rPr lang="de-DE">
+                  <a:solidFill>
+                    <a:schemeClr val="tx1"/>
+                  </a:solidFill>
+                </a:rPr>
+                <a:t>Anwendung lässt sich auf einem Server deployen.</a:t>
+              </a:r>
+            </a:p>
+            <a:p>
+              <a:endParaRPr lang="de-DE"/>
+            </a:p>
+          </p:txBody>
+        </p:sp>
+      </p:grpSp>
+      <p:grpSp>
+        <p:nvGrpSpPr>
+          <p:cNvPr id="15" name="Gruppieren 14">
+            <a:extLst>
+              <a:ext uri="{FF2B5EF4-FFF2-40B4-BE49-F238E27FC236}">
+                <a16:creationId xmlns:a16="http://schemas.microsoft.com/office/drawing/2014/main" id="{AAB6475F-477E-AC36-3A28-94EA250A3051}"/>
+              </a:ext>
+            </a:extLst>
+          </p:cNvPr>
+          <p:cNvGrpSpPr/>
+          <p:nvPr/>
+        </p:nvGrpSpPr>
+        <p:grpSpPr>
+          <a:xfrm>
+            <a:off x="168751" y="4866983"/>
+            <a:ext cx="11823383" cy="369332"/>
+            <a:chOff x="176530" y="1113153"/>
+            <a:chExt cx="11823383" cy="369332"/>
+          </a:xfrm>
+        </p:grpSpPr>
+        <p:sp>
+          <p:nvSpPr>
+            <p:cNvPr id="16" name="Textfeld 15">
+              <a:extLst>
+                <a:ext uri="{FF2B5EF4-FFF2-40B4-BE49-F238E27FC236}">
+                  <a16:creationId xmlns:a16="http://schemas.microsoft.com/office/drawing/2014/main" id="{C26D7B57-368A-986E-92CF-F44CE7C3A75A}"/>
+                </a:ext>
+              </a:extLst>
+            </p:cNvPr>
+            <p:cNvSpPr txBox="1"/>
+            <p:nvPr/>
+          </p:nvSpPr>
+          <p:spPr>
+            <a:xfrm>
+              <a:off x="176530" y="1113153"/>
+              <a:ext cx="2309119" cy="369332"/>
+            </a:xfrm>
+            <a:prstGeom prst="rect">
+              <a:avLst/>
+            </a:prstGeom>
+          </p:spPr>
+          <p:style>
+            <a:lnRef idx="2">
+              <a:schemeClr val="dk1"/>
+            </a:lnRef>
+            <a:fillRef idx="1">
+              <a:schemeClr val="lt1"/>
+            </a:fillRef>
+            <a:effectRef idx="0">
+              <a:schemeClr val="dk1"/>
+            </a:effectRef>
+            <a:fontRef idx="minor">
+              <a:schemeClr val="dk1"/>
+            </a:fontRef>
+          </p:style>
+          <p:txBody>
+            <a:bodyPr wrap="square" rtlCol="0">
+              <a:spAutoFit/>
+            </a:bodyPr>
+            <a:lstStyle/>
+            <a:p>
+              <a:r>
+                <a:rPr lang="de-DE" b="1">
+                  <a:solidFill>
+                    <a:schemeClr val="accent1"/>
+                  </a:solidFill>
+                </a:rPr>
+                <a:t>Priority: </a:t>
+              </a:r>
+              <a:r>
+                <a:rPr lang="de-DE">
+                  <a:solidFill>
+                    <a:schemeClr val="tx1"/>
+                  </a:solidFill>
+                </a:rPr>
+                <a:t>Must</a:t>
+              </a:r>
+            </a:p>
+          </p:txBody>
+        </p:sp>
+        <p:sp>
+          <p:nvSpPr>
+            <p:cNvPr id="17" name="Textfeld 16">
+              <a:extLst>
+                <a:ext uri="{FF2B5EF4-FFF2-40B4-BE49-F238E27FC236}">
+                  <a16:creationId xmlns:a16="http://schemas.microsoft.com/office/drawing/2014/main" id="{0DA7DA8B-1776-5F95-1745-97F1631C403C}"/>
+                </a:ext>
+              </a:extLst>
+            </p:cNvPr>
+            <p:cNvSpPr txBox="1"/>
+            <p:nvPr/>
+          </p:nvSpPr>
+          <p:spPr>
+            <a:xfrm>
+              <a:off x="2630905" y="1113153"/>
+              <a:ext cx="3319839" cy="369332"/>
+            </a:xfrm>
+            <a:prstGeom prst="rect">
+              <a:avLst/>
+            </a:prstGeom>
+          </p:spPr>
+          <p:style>
+            <a:lnRef idx="2">
+              <a:schemeClr val="dk1"/>
+            </a:lnRef>
+            <a:fillRef idx="1">
+              <a:schemeClr val="lt1"/>
+            </a:fillRef>
+            <a:effectRef idx="0">
+              <a:schemeClr val="dk1"/>
+            </a:effectRef>
+            <a:fontRef idx="minor">
+              <a:schemeClr val="dk1"/>
+            </a:fontRef>
+          </p:style>
+          <p:txBody>
+            <a:bodyPr wrap="square" rtlCol="0">
+              <a:spAutoFit/>
+            </a:bodyPr>
+            <a:lstStyle/>
+            <a:p>
+              <a:r>
+                <a:rPr lang="de-DE" b="1">
+                  <a:solidFill>
+                    <a:schemeClr val="accent1"/>
+                  </a:solidFill>
+                </a:rPr>
+                <a:t>Customer Satisfaction:</a:t>
+              </a:r>
+            </a:p>
+          </p:txBody>
+        </p:sp>
+        <p:sp>
+          <p:nvSpPr>
+            <p:cNvPr id="18" name="Textfeld 17">
+              <a:extLst>
+                <a:ext uri="{FF2B5EF4-FFF2-40B4-BE49-F238E27FC236}">
+                  <a16:creationId xmlns:a16="http://schemas.microsoft.com/office/drawing/2014/main" id="{9E16D8E6-48EC-A0E9-48E6-D34FEED58A2A}"/>
+                </a:ext>
+              </a:extLst>
+            </p:cNvPr>
+            <p:cNvSpPr txBox="1"/>
+            <p:nvPr/>
+          </p:nvSpPr>
+          <p:spPr>
+            <a:xfrm>
+              <a:off x="6096000" y="1113153"/>
+              <a:ext cx="5903913" cy="369332"/>
+            </a:xfrm>
+            <a:prstGeom prst="rect">
+              <a:avLst/>
+            </a:prstGeom>
+          </p:spPr>
+          <p:style>
+            <a:lnRef idx="2">
+              <a:schemeClr val="dk1"/>
+            </a:lnRef>
+            <a:fillRef idx="1">
+              <a:schemeClr val="lt1"/>
+            </a:fillRef>
+            <a:effectRef idx="0">
+              <a:schemeClr val="dk1"/>
+            </a:effectRef>
+            <a:fontRef idx="minor">
+              <a:schemeClr val="dk1"/>
+            </a:fontRef>
+          </p:style>
+          <p:txBody>
+            <a:bodyPr wrap="square" rtlCol="0">
+              <a:spAutoFit/>
+            </a:bodyPr>
+            <a:lstStyle/>
+            <a:p>
+              <a:r>
+                <a:rPr lang="de-DE" b="1">
+                  <a:solidFill>
+                    <a:schemeClr val="accent1"/>
+                  </a:solidFill>
+                </a:rPr>
+                <a:t>Customer Dissatisfaction:</a:t>
+              </a:r>
+            </a:p>
+          </p:txBody>
+        </p:sp>
+      </p:grpSp>
+      <p:sp>
+        <p:nvSpPr>
+          <p:cNvPr id="19" name="Textfeld 18">
+            <a:extLst>
+              <a:ext uri="{FF2B5EF4-FFF2-40B4-BE49-F238E27FC236}">
+                <a16:creationId xmlns:a16="http://schemas.microsoft.com/office/drawing/2014/main" id="{1BC9A381-44ED-5B21-5C37-B7FAE06C2B54}"/>
+              </a:ext>
+            </a:extLst>
+          </p:cNvPr>
+          <p:cNvSpPr txBox="1"/>
+          <p:nvPr/>
+        </p:nvSpPr>
+        <p:spPr>
+          <a:xfrm>
+            <a:off x="184308" y="5441496"/>
+            <a:ext cx="5766436" cy="923330"/>
+          </a:xfrm>
+          <a:prstGeom prst="rect">
+            <a:avLst/>
+          </a:prstGeom>
+        </p:spPr>
+        <p:style>
+          <a:lnRef idx="2">
+            <a:schemeClr val="dk1"/>
+          </a:lnRef>
+          <a:fillRef idx="1">
+            <a:schemeClr val="lt1"/>
+          </a:fillRef>
+          <a:effectRef idx="0">
+            <a:schemeClr val="dk1"/>
+          </a:effectRef>
+          <a:fontRef idx="minor">
+            <a:schemeClr val="dk1"/>
+          </a:fontRef>
+        </p:style>
+        <p:txBody>
+          <a:bodyPr wrap="square" rtlCol="0">
+            <a:spAutoFit/>
+          </a:bodyPr>
+          <a:lstStyle/>
+          <a:p>
+            <a:r>
+              <a:rPr lang="de-DE" b="1">
+                <a:solidFill>
+                  <a:schemeClr val="accent1"/>
+                </a:solidFill>
+              </a:rPr>
+              <a:t>Supporting Material:</a:t>
+            </a:r>
+          </a:p>
+          <a:p>
+            <a:endParaRPr lang="de-DE"/>
+          </a:p>
+          <a:p>
+            <a:endParaRPr lang="de-DE"/>
+          </a:p>
+        </p:txBody>
+      </p:sp>
+      <p:sp>
+        <p:nvSpPr>
+          <p:cNvPr id="20" name="Textfeld 19">
+            <a:extLst>
+              <a:ext uri="{FF2B5EF4-FFF2-40B4-BE49-F238E27FC236}">
+                <a16:creationId xmlns:a16="http://schemas.microsoft.com/office/drawing/2014/main" id="{8B2FF3DB-6119-F1CE-75A1-3C47892B36D8}"/>
+              </a:ext>
+            </a:extLst>
+          </p:cNvPr>
+          <p:cNvSpPr txBox="1"/>
+          <p:nvPr/>
+        </p:nvSpPr>
+        <p:spPr>
+          <a:xfrm>
+            <a:off x="6103778" y="5441496"/>
+            <a:ext cx="5888356" cy="923330"/>
+          </a:xfrm>
+          <a:prstGeom prst="rect">
+            <a:avLst/>
+          </a:prstGeom>
+        </p:spPr>
+        <p:style>
+          <a:lnRef idx="2">
+            <a:schemeClr val="dk1"/>
+          </a:lnRef>
+          <a:fillRef idx="1">
+            <a:schemeClr val="lt1"/>
+          </a:fillRef>
+          <a:effectRef idx="0">
+            <a:schemeClr val="dk1"/>
+          </a:effectRef>
+          <a:fontRef idx="minor">
+            <a:schemeClr val="dk1"/>
+          </a:fontRef>
+        </p:style>
+        <p:txBody>
+          <a:bodyPr wrap="square" rtlCol="0">
+            <a:spAutoFit/>
+          </a:bodyPr>
+          <a:lstStyle/>
+          <a:p>
+            <a:r>
+              <a:rPr lang="de-DE" b="1">
+                <a:solidFill>
+                  <a:schemeClr val="accent1"/>
+                </a:solidFill>
+              </a:rPr>
+              <a:t>Conflicts:</a:t>
+            </a:r>
+          </a:p>
+          <a:p>
+            <a:endParaRPr lang="de-DE"/>
+          </a:p>
+          <a:p>
+            <a:endParaRPr lang="de-DE"/>
+          </a:p>
+        </p:txBody>
+      </p:sp>
+    </p:spTree>
+    <p:extLst>
+      <p:ext uri="{BB962C8B-B14F-4D97-AF65-F5344CB8AC3E}">
+        <p14:creationId xmlns:p14="http://schemas.microsoft.com/office/powerpoint/2010/main" val="2095435089"/>
+      </p:ext>
+    </p:extLst>
+  </p:cSld>
+  <p:clrMapOvr>
+    <a:masterClrMapping/>
+  </p:clrMapOvr>
+</p:sld>
+</file>
+
+<file path=ppt/slides/slide2.xml><?xml version="1.0" encoding="utf-8"?>
+<p:sld xmlns:a="http://schemas.openxmlformats.org/drawingml/2006/main" xmlns:r="http://schemas.openxmlformats.org/officeDocument/2006/relationships" xmlns:p="http://schemas.openxmlformats.org/presentationml/2006/main">
+  <p:cSld>
+    <p:spTree>
+      <p:nvGrpSpPr>
+        <p:cNvPr id="1" name=""/>
+        <p:cNvGrpSpPr/>
+        <p:nvPr/>
+      </p:nvGrpSpPr>
+      <p:grpSpPr>
+        <a:xfrm>
+          <a:off x="0" y="0"/>
+          <a:ext cx="0" cy="0"/>
+          <a:chOff x="0" y="0"/>
+          <a:chExt cx="0" cy="0"/>
+        </a:xfrm>
+      </p:grpSpPr>
+      <p:sp>
+        <p:nvSpPr>
+          <p:cNvPr id="5" name="Titel 4"/>
+          <p:cNvSpPr>
+            <a:spLocks noGrp="1"/>
+          </p:cNvSpPr>
+          <p:nvPr>
+            <p:ph type="title"/>
+          </p:nvPr>
+        </p:nvSpPr>
+        <p:spPr>
+          <a:xfrm>
+            <a:off x="1343025" y="152400"/>
+            <a:ext cx="10656888" cy="468314"/>
+          </a:xfrm>
+        </p:spPr>
+        <p:txBody>
+          <a:bodyPr/>
+          <a:lstStyle/>
+          <a:p>
+            <a:r>
+              <a:rPr lang="de-DE"/>
+              <a:t>Funktionale Anforderungen</a:t>
+            </a:r>
+            <a:endParaRPr lang="de-DE" dirty="0"/>
+          </a:p>
+        </p:txBody>
+      </p:sp>
+      <p:grpSp>
+        <p:nvGrpSpPr>
+          <p:cNvPr id="13" name="Gruppieren 12">
+            <a:extLst>
+              <a:ext uri="{FF2B5EF4-FFF2-40B4-BE49-F238E27FC236}">
+                <a16:creationId xmlns:a16="http://schemas.microsoft.com/office/drawing/2014/main" id="{86640BDC-96DF-211D-0AAD-8F9E8245D8A3}"/>
+              </a:ext>
+            </a:extLst>
+          </p:cNvPr>
+          <p:cNvGrpSpPr/>
+          <p:nvPr/>
+        </p:nvGrpSpPr>
+        <p:grpSpPr>
+          <a:xfrm>
+            <a:off x="176530" y="1014171"/>
+            <a:ext cx="11823383" cy="369332"/>
+            <a:chOff x="176530" y="1113153"/>
+            <a:chExt cx="11823383" cy="369332"/>
+          </a:xfrm>
+        </p:grpSpPr>
+        <p:sp>
+          <p:nvSpPr>
+            <p:cNvPr id="3" name="Textfeld 2">
+              <a:extLst>
+                <a:ext uri="{FF2B5EF4-FFF2-40B4-BE49-F238E27FC236}">
+                  <a16:creationId xmlns:a16="http://schemas.microsoft.com/office/drawing/2014/main" id="{703A161A-894D-AFB4-3B18-1A2B8F0411D8}"/>
+                </a:ext>
+              </a:extLst>
+            </p:cNvPr>
+            <p:cNvSpPr txBox="1"/>
+            <p:nvPr/>
+          </p:nvSpPr>
+          <p:spPr>
+            <a:xfrm>
+              <a:off x="176530" y="1113153"/>
+              <a:ext cx="2309119" cy="369332"/>
+            </a:xfrm>
+            <a:prstGeom prst="rect">
+              <a:avLst/>
+            </a:prstGeom>
+          </p:spPr>
+          <p:style>
+            <a:lnRef idx="2">
+              <a:schemeClr val="dk1"/>
+            </a:lnRef>
+            <a:fillRef idx="1">
+              <a:schemeClr val="lt1"/>
+            </a:fillRef>
+            <a:effectRef idx="0">
+              <a:schemeClr val="dk1"/>
+            </a:effectRef>
+            <a:fontRef idx="minor">
+              <a:schemeClr val="dk1"/>
+            </a:fontRef>
+          </p:style>
+          <p:txBody>
+            <a:bodyPr wrap="square" rtlCol="0">
+              <a:spAutoFit/>
+            </a:bodyPr>
+            <a:lstStyle/>
+            <a:p>
+              <a:r>
+                <a:rPr lang="de-DE" b="1">
+                  <a:solidFill>
+                    <a:schemeClr val="accent1"/>
+                  </a:solidFill>
+                </a:rPr>
+                <a:t>Req-ID:</a:t>
+              </a:r>
+            </a:p>
+          </p:txBody>
+        </p:sp>
+        <p:sp>
+          <p:nvSpPr>
+            <p:cNvPr id="4" name="Textfeld 3">
+              <a:extLst>
+                <a:ext uri="{FF2B5EF4-FFF2-40B4-BE49-F238E27FC236}">
+                  <a16:creationId xmlns:a16="http://schemas.microsoft.com/office/drawing/2014/main" id="{4FB366A2-6D36-94CB-1CA9-CF4F02776B15}"/>
+                </a:ext>
+              </a:extLst>
+            </p:cNvPr>
+            <p:cNvSpPr txBox="1"/>
+            <p:nvPr/>
+          </p:nvSpPr>
+          <p:spPr>
+            <a:xfrm>
+              <a:off x="2630905" y="1113153"/>
+              <a:ext cx="3319839" cy="369332"/>
+            </a:xfrm>
+            <a:prstGeom prst="rect">
+              <a:avLst/>
+            </a:prstGeom>
+          </p:spPr>
+          <p:style>
+            <a:lnRef idx="2">
+              <a:schemeClr val="dk1"/>
+            </a:lnRef>
+            <a:fillRef idx="1">
+              <a:schemeClr val="lt1"/>
+            </a:fillRef>
+            <a:effectRef idx="0">
+              <a:schemeClr val="dk1"/>
+            </a:effectRef>
+            <a:fontRef idx="minor">
+              <a:schemeClr val="dk1"/>
+            </a:fontRef>
+          </p:style>
+          <p:txBody>
+            <a:bodyPr wrap="square" rtlCol="0">
+              <a:spAutoFit/>
+            </a:bodyPr>
+            <a:lstStyle/>
+            <a:p>
+              <a:r>
+                <a:rPr lang="de-DE" b="1">
+                  <a:solidFill>
+                    <a:schemeClr val="accent1"/>
+                  </a:solidFill>
+                </a:rPr>
+                <a:t>Req-Type: </a:t>
+              </a:r>
+              <a:r>
+                <a:rPr lang="de-DE">
+                  <a:solidFill>
+                    <a:schemeClr val="tx1"/>
+                  </a:solidFill>
+                </a:rPr>
+                <a:t>Funktional</a:t>
+              </a:r>
+            </a:p>
+          </p:txBody>
+        </p:sp>
+        <p:sp>
+          <p:nvSpPr>
+            <p:cNvPr id="8" name="Textfeld 7">
+              <a:extLst>
+                <a:ext uri="{FF2B5EF4-FFF2-40B4-BE49-F238E27FC236}">
+                  <a16:creationId xmlns:a16="http://schemas.microsoft.com/office/drawing/2014/main" id="{136A3DB1-6D6E-F9A5-43C6-8F3D94A9AB2A}"/>
+                </a:ext>
+              </a:extLst>
+            </p:cNvPr>
+            <p:cNvSpPr txBox="1"/>
+            <p:nvPr/>
+          </p:nvSpPr>
+          <p:spPr>
+            <a:xfrm>
+              <a:off x="6096000" y="1113153"/>
+              <a:ext cx="5903913" cy="369332"/>
+            </a:xfrm>
+            <a:prstGeom prst="rect">
+              <a:avLst/>
+            </a:prstGeom>
+          </p:spPr>
+          <p:style>
+            <a:lnRef idx="2">
+              <a:schemeClr val="dk1"/>
+            </a:lnRef>
+            <a:fillRef idx="1">
+              <a:schemeClr val="lt1"/>
+            </a:fillRef>
+            <a:effectRef idx="0">
+              <a:schemeClr val="dk1"/>
+            </a:effectRef>
+            <a:fontRef idx="minor">
+              <a:schemeClr val="dk1"/>
+            </a:fontRef>
+          </p:style>
+          <p:txBody>
+            <a:bodyPr wrap="square" rtlCol="0">
+              <a:spAutoFit/>
+            </a:bodyPr>
+            <a:lstStyle/>
+            <a:p>
+              <a:r>
+                <a:rPr lang="de-DE" b="1">
+                  <a:solidFill>
+                    <a:schemeClr val="accent1"/>
+                  </a:solidFill>
+                </a:rPr>
+                <a:t>Events/UC: </a:t>
+              </a:r>
+              <a:r>
+                <a:rPr lang="de-DE">
+                  <a:solidFill>
+                    <a:schemeClr val="tx1"/>
+                  </a:solidFill>
+                </a:rPr>
+                <a:t>Anruf mit einer Anfrage geht ein.</a:t>
+              </a:r>
+              <a:endParaRPr lang="de-DE" b="1">
+                <a:solidFill>
+                  <a:schemeClr val="accent1"/>
+                </a:solidFill>
+              </a:endParaRPr>
+            </a:p>
+          </p:txBody>
+        </p:sp>
+      </p:grpSp>
+      <p:grpSp>
+        <p:nvGrpSpPr>
+          <p:cNvPr id="14" name="Gruppieren 13">
+            <a:extLst>
+              <a:ext uri="{FF2B5EF4-FFF2-40B4-BE49-F238E27FC236}">
+                <a16:creationId xmlns:a16="http://schemas.microsoft.com/office/drawing/2014/main" id="{AD8734EA-33CE-1251-89ED-F9502F94C34E}"/>
+              </a:ext>
+            </a:extLst>
+          </p:cNvPr>
+          <p:cNvGrpSpPr/>
+          <p:nvPr/>
+        </p:nvGrpSpPr>
+        <p:grpSpPr>
+          <a:xfrm>
+            <a:off x="168751" y="1549163"/>
+            <a:ext cx="11854497" cy="3112638"/>
+            <a:chOff x="160973" y="1725626"/>
+            <a:chExt cx="11854497" cy="3112638"/>
+          </a:xfrm>
+        </p:grpSpPr>
+        <p:sp>
+          <p:nvSpPr>
+            <p:cNvPr id="9" name="Textfeld 8">
+              <a:extLst>
+                <a:ext uri="{FF2B5EF4-FFF2-40B4-BE49-F238E27FC236}">
+                  <a16:creationId xmlns:a16="http://schemas.microsoft.com/office/drawing/2014/main" id="{D86EE4EE-3715-702B-CB2A-AD1EC65E27CE}"/>
+                </a:ext>
+              </a:extLst>
+            </p:cNvPr>
+            <p:cNvSpPr txBox="1"/>
+            <p:nvPr/>
+          </p:nvSpPr>
+          <p:spPr>
+            <a:xfrm>
+              <a:off x="160973" y="1725626"/>
+              <a:ext cx="11838940" cy="646331"/>
+            </a:xfrm>
+            <a:prstGeom prst="rect">
+              <a:avLst/>
+            </a:prstGeom>
+          </p:spPr>
+          <p:style>
+            <a:lnRef idx="2">
+              <a:schemeClr val="dk1"/>
+            </a:lnRef>
+            <a:fillRef idx="1">
+              <a:schemeClr val="lt1"/>
+            </a:fillRef>
+            <a:effectRef idx="0">
+              <a:schemeClr val="dk1"/>
+            </a:effectRef>
+            <a:fontRef idx="minor">
+              <a:schemeClr val="dk1"/>
+            </a:fontRef>
+          </p:style>
+          <p:txBody>
+            <a:bodyPr wrap="square" rtlCol="0">
+              <a:spAutoFit/>
+            </a:bodyPr>
+            <a:lstStyle/>
+            <a:p>
+              <a:r>
+                <a:rPr lang="de-DE" b="1">
+                  <a:solidFill>
+                    <a:schemeClr val="accent1"/>
+                  </a:solidFill>
+                </a:rPr>
+                <a:t>Description: </a:t>
+              </a:r>
+              <a:r>
+                <a:rPr lang="de-DE">
+                  <a:solidFill>
+                    <a:schemeClr val="tx1"/>
+                  </a:solidFill>
+                </a:rPr>
+                <a:t>Das System stellt eine Eigabemaske für Anfragen bereit, in der alle Daten zum Fall eingetragen werden können. (B/E/A)</a:t>
+              </a:r>
+              <a:endParaRPr lang="de-DE"/>
+            </a:p>
+          </p:txBody>
+        </p:sp>
+        <p:sp>
+          <p:nvSpPr>
+            <p:cNvPr id="10" name="Textfeld 9">
+              <a:extLst>
+                <a:ext uri="{FF2B5EF4-FFF2-40B4-BE49-F238E27FC236}">
+                  <a16:creationId xmlns:a16="http://schemas.microsoft.com/office/drawing/2014/main" id="{A8D81241-0C34-036A-CB64-36987B77BDB4}"/>
+                </a:ext>
+              </a:extLst>
+            </p:cNvPr>
+            <p:cNvSpPr txBox="1"/>
+            <p:nvPr/>
+          </p:nvSpPr>
+          <p:spPr>
+            <a:xfrm>
+              <a:off x="160973" y="2533023"/>
+              <a:ext cx="11838940" cy="646331"/>
+            </a:xfrm>
+            <a:prstGeom prst="rect">
+              <a:avLst/>
+            </a:prstGeom>
+          </p:spPr>
+          <p:style>
+            <a:lnRef idx="2">
+              <a:schemeClr val="dk1"/>
+            </a:lnRef>
+            <a:fillRef idx="1">
+              <a:schemeClr val="lt1"/>
+            </a:fillRef>
+            <a:effectRef idx="0">
+              <a:schemeClr val="dk1"/>
+            </a:effectRef>
+            <a:fontRef idx="minor">
+              <a:schemeClr val="dk1"/>
+            </a:fontRef>
+          </p:style>
+          <p:txBody>
+            <a:bodyPr wrap="square" rtlCol="0">
+              <a:spAutoFit/>
+            </a:bodyPr>
+            <a:lstStyle/>
+            <a:p>
+              <a:r>
+                <a:rPr lang="de-DE" b="1">
+                  <a:solidFill>
+                    <a:schemeClr val="accent1"/>
+                  </a:solidFill>
+                </a:rPr>
+                <a:t>Rationale: </a:t>
+              </a:r>
+              <a:r>
+                <a:rPr lang="de-DE"/>
+                <a:t>Mitarbeiterinnen sollen alle wichtigen Informationen zur Anfrage digital erfassen, anstatt sie händisch zu notieren.</a:t>
+              </a:r>
+            </a:p>
+            <a:p>
+              <a:endParaRPr lang="de-DE"/>
+            </a:p>
+          </p:txBody>
+        </p:sp>
+        <p:sp>
+          <p:nvSpPr>
+            <p:cNvPr id="11" name="Textfeld 10">
+              <a:extLst>
+                <a:ext uri="{FF2B5EF4-FFF2-40B4-BE49-F238E27FC236}">
+                  <a16:creationId xmlns:a16="http://schemas.microsoft.com/office/drawing/2014/main" id="{83E6FD38-46CB-A69F-651E-03F1BE25919E}"/>
+                </a:ext>
+              </a:extLst>
+            </p:cNvPr>
+            <p:cNvSpPr txBox="1"/>
+            <p:nvPr/>
+          </p:nvSpPr>
+          <p:spPr>
+            <a:xfrm>
+              <a:off x="176530" y="3340420"/>
+              <a:ext cx="11838940" cy="646331"/>
+            </a:xfrm>
+            <a:prstGeom prst="rect">
+              <a:avLst/>
+            </a:prstGeom>
+          </p:spPr>
+          <p:style>
+            <a:lnRef idx="2">
+              <a:schemeClr val="dk1"/>
+            </a:lnRef>
+            <a:fillRef idx="1">
+              <a:schemeClr val="lt1"/>
+            </a:fillRef>
+            <a:effectRef idx="0">
+              <a:schemeClr val="dk1"/>
+            </a:effectRef>
+            <a:fontRef idx="minor">
+              <a:schemeClr val="dk1"/>
+            </a:fontRef>
+          </p:style>
+          <p:txBody>
+            <a:bodyPr wrap="square" rtlCol="0">
+              <a:spAutoFit/>
+            </a:bodyPr>
+            <a:lstStyle/>
+            <a:p>
+              <a:r>
+                <a:rPr lang="de-DE" b="1">
+                  <a:solidFill>
+                    <a:schemeClr val="accent1"/>
+                  </a:solidFill>
+                </a:rPr>
+                <a:t>Originator: </a:t>
+              </a:r>
+              <a:r>
+                <a:rPr lang="de-DE"/>
+                <a:t>Anforderungsbeschreibung, S. 2-3</a:t>
+              </a:r>
+            </a:p>
+            <a:p>
+              <a:endParaRPr lang="de-DE"/>
+            </a:p>
+          </p:txBody>
+        </p:sp>
+        <p:sp>
+          <p:nvSpPr>
+            <p:cNvPr id="12" name="Textfeld 11">
+              <a:extLst>
+                <a:ext uri="{FF2B5EF4-FFF2-40B4-BE49-F238E27FC236}">
+                  <a16:creationId xmlns:a16="http://schemas.microsoft.com/office/drawing/2014/main" id="{38CB1EB7-01B4-B1DF-6E44-DEC2840BC0FB}"/>
+                </a:ext>
+              </a:extLst>
+            </p:cNvPr>
+            <p:cNvSpPr txBox="1"/>
+            <p:nvPr/>
+          </p:nvSpPr>
+          <p:spPr>
+            <a:xfrm>
+              <a:off x="176530" y="4191933"/>
+              <a:ext cx="11838940" cy="646331"/>
+            </a:xfrm>
+            <a:prstGeom prst="rect">
+              <a:avLst/>
+            </a:prstGeom>
+          </p:spPr>
+          <p:style>
+            <a:lnRef idx="2">
+              <a:schemeClr val="dk1"/>
+            </a:lnRef>
+            <a:fillRef idx="1">
+              <a:schemeClr val="lt1"/>
+            </a:fillRef>
+            <a:effectRef idx="0">
+              <a:schemeClr val="dk1"/>
+            </a:effectRef>
+            <a:fontRef idx="minor">
+              <a:schemeClr val="dk1"/>
+            </a:fontRef>
+          </p:style>
+          <p:txBody>
+            <a:bodyPr wrap="square" rtlCol="0">
+              <a:spAutoFit/>
+            </a:bodyPr>
+            <a:lstStyle/>
+            <a:p>
+              <a:r>
+                <a:rPr lang="de-DE" b="1">
+                  <a:solidFill>
+                    <a:schemeClr val="accent1"/>
+                  </a:solidFill>
+                </a:rPr>
+                <a:t>Fit Criterion: </a:t>
+              </a:r>
+              <a:r>
+                <a:rPr lang="de-DE"/>
+                <a:t>Nutzerin kann über das Interface neue Anfragen anlegen, ausfüllen und speichern.</a:t>
+              </a:r>
+            </a:p>
+            <a:p>
+              <a:endParaRPr lang="de-DE"/>
+            </a:p>
+          </p:txBody>
+        </p:sp>
+      </p:grpSp>
+      <p:grpSp>
+        <p:nvGrpSpPr>
+          <p:cNvPr id="15" name="Gruppieren 14">
+            <a:extLst>
+              <a:ext uri="{FF2B5EF4-FFF2-40B4-BE49-F238E27FC236}">
+                <a16:creationId xmlns:a16="http://schemas.microsoft.com/office/drawing/2014/main" id="{08DBD43E-CC38-7153-C678-08B06BEF5872}"/>
+              </a:ext>
+            </a:extLst>
+          </p:cNvPr>
+          <p:cNvGrpSpPr/>
+          <p:nvPr/>
+        </p:nvGrpSpPr>
+        <p:grpSpPr>
+          <a:xfrm>
+            <a:off x="168751" y="4866983"/>
+            <a:ext cx="11823383" cy="369332"/>
+            <a:chOff x="176530" y="1113153"/>
+            <a:chExt cx="11823383" cy="369332"/>
+          </a:xfrm>
+        </p:grpSpPr>
+        <p:sp>
+          <p:nvSpPr>
+            <p:cNvPr id="16" name="Textfeld 15">
+              <a:extLst>
+                <a:ext uri="{FF2B5EF4-FFF2-40B4-BE49-F238E27FC236}">
+                  <a16:creationId xmlns:a16="http://schemas.microsoft.com/office/drawing/2014/main" id="{38A20748-45F7-2408-4EA6-ACF1BEDFD072}"/>
+                </a:ext>
+              </a:extLst>
+            </p:cNvPr>
+            <p:cNvSpPr txBox="1"/>
+            <p:nvPr/>
+          </p:nvSpPr>
+          <p:spPr>
+            <a:xfrm>
+              <a:off x="176530" y="1113153"/>
+              <a:ext cx="2309119" cy="369332"/>
+            </a:xfrm>
+            <a:prstGeom prst="rect">
+              <a:avLst/>
+            </a:prstGeom>
+          </p:spPr>
+          <p:style>
+            <a:lnRef idx="2">
+              <a:schemeClr val="dk1"/>
+            </a:lnRef>
+            <a:fillRef idx="1">
+              <a:schemeClr val="lt1"/>
+            </a:fillRef>
+            <a:effectRef idx="0">
+              <a:schemeClr val="dk1"/>
+            </a:effectRef>
+            <a:fontRef idx="minor">
+              <a:schemeClr val="dk1"/>
+            </a:fontRef>
+          </p:style>
+          <p:txBody>
+            <a:bodyPr wrap="square" rtlCol="0">
+              <a:spAutoFit/>
+            </a:bodyPr>
+            <a:lstStyle/>
+            <a:p>
+              <a:r>
+                <a:rPr lang="de-DE" b="1">
+                  <a:solidFill>
+                    <a:schemeClr val="accent1"/>
+                  </a:solidFill>
+                </a:rPr>
+                <a:t>Priority: </a:t>
+              </a:r>
+              <a:r>
+                <a:rPr lang="de-DE"/>
+                <a:t>Must</a:t>
+              </a:r>
+            </a:p>
+          </p:txBody>
+        </p:sp>
+        <p:sp>
+          <p:nvSpPr>
+            <p:cNvPr id="17" name="Textfeld 16">
+              <a:extLst>
+                <a:ext uri="{FF2B5EF4-FFF2-40B4-BE49-F238E27FC236}">
+                  <a16:creationId xmlns:a16="http://schemas.microsoft.com/office/drawing/2014/main" id="{F71C4861-1111-CD85-20EE-563A9E16BC32}"/>
+                </a:ext>
+              </a:extLst>
+            </p:cNvPr>
+            <p:cNvSpPr txBox="1"/>
+            <p:nvPr/>
+          </p:nvSpPr>
+          <p:spPr>
+            <a:xfrm>
+              <a:off x="2630905" y="1113153"/>
+              <a:ext cx="3319839" cy="369332"/>
+            </a:xfrm>
+            <a:prstGeom prst="rect">
+              <a:avLst/>
+            </a:prstGeom>
+          </p:spPr>
+          <p:style>
+            <a:lnRef idx="2">
+              <a:schemeClr val="dk1"/>
+            </a:lnRef>
+            <a:fillRef idx="1">
+              <a:schemeClr val="lt1"/>
+            </a:fillRef>
+            <a:effectRef idx="0">
+              <a:schemeClr val="dk1"/>
+            </a:effectRef>
+            <a:fontRef idx="minor">
+              <a:schemeClr val="dk1"/>
+            </a:fontRef>
+          </p:style>
+          <p:txBody>
+            <a:bodyPr wrap="square" rtlCol="0">
+              <a:spAutoFit/>
+            </a:bodyPr>
+            <a:lstStyle/>
+            <a:p>
+              <a:r>
+                <a:rPr lang="de-DE" b="1">
+                  <a:solidFill>
+                    <a:schemeClr val="accent1"/>
+                  </a:solidFill>
+                </a:rPr>
+                <a:t>Customer Satisfaction:</a:t>
+              </a:r>
+            </a:p>
+          </p:txBody>
+        </p:sp>
+        <p:sp>
+          <p:nvSpPr>
+            <p:cNvPr id="18" name="Textfeld 17">
+              <a:extLst>
+                <a:ext uri="{FF2B5EF4-FFF2-40B4-BE49-F238E27FC236}">
+                  <a16:creationId xmlns:a16="http://schemas.microsoft.com/office/drawing/2014/main" id="{19546FB2-4917-9EEA-9E26-7B1F5377766A}"/>
+                </a:ext>
+              </a:extLst>
+            </p:cNvPr>
+            <p:cNvSpPr txBox="1"/>
+            <p:nvPr/>
+          </p:nvSpPr>
+          <p:spPr>
+            <a:xfrm>
+              <a:off x="6096000" y="1113153"/>
+              <a:ext cx="5903913" cy="369332"/>
+            </a:xfrm>
+            <a:prstGeom prst="rect">
+              <a:avLst/>
+            </a:prstGeom>
+          </p:spPr>
+          <p:style>
+            <a:lnRef idx="2">
+              <a:schemeClr val="dk1"/>
+            </a:lnRef>
+            <a:fillRef idx="1">
+              <a:schemeClr val="lt1"/>
+            </a:fillRef>
+            <a:effectRef idx="0">
+              <a:schemeClr val="dk1"/>
+            </a:effectRef>
+            <a:fontRef idx="minor">
+              <a:schemeClr val="dk1"/>
+            </a:fontRef>
+          </p:style>
+          <p:txBody>
+            <a:bodyPr wrap="square" rtlCol="0">
+              <a:spAutoFit/>
+            </a:bodyPr>
+            <a:lstStyle/>
+            <a:p>
+              <a:r>
+                <a:rPr lang="de-DE" b="1">
+                  <a:solidFill>
+                    <a:schemeClr val="accent1"/>
+                  </a:solidFill>
+                </a:rPr>
+                <a:t>Customer Dissatisfaction:</a:t>
+              </a:r>
+            </a:p>
+          </p:txBody>
+        </p:sp>
+      </p:grpSp>
+      <p:sp>
+        <p:nvSpPr>
+          <p:cNvPr id="19" name="Textfeld 18">
+            <a:extLst>
+              <a:ext uri="{FF2B5EF4-FFF2-40B4-BE49-F238E27FC236}">
+                <a16:creationId xmlns:a16="http://schemas.microsoft.com/office/drawing/2014/main" id="{705DEA52-D470-70E8-3711-101EF925AEBB}"/>
+              </a:ext>
+            </a:extLst>
+          </p:cNvPr>
+          <p:cNvSpPr txBox="1"/>
+          <p:nvPr/>
+        </p:nvSpPr>
+        <p:spPr>
+          <a:xfrm>
+            <a:off x="184308" y="5441496"/>
+            <a:ext cx="5766436" cy="923330"/>
+          </a:xfrm>
+          <a:prstGeom prst="rect">
+            <a:avLst/>
+          </a:prstGeom>
+        </p:spPr>
+        <p:style>
+          <a:lnRef idx="2">
+            <a:schemeClr val="dk1"/>
+          </a:lnRef>
+          <a:fillRef idx="1">
+            <a:schemeClr val="lt1"/>
+          </a:fillRef>
+          <a:effectRef idx="0">
+            <a:schemeClr val="dk1"/>
+          </a:effectRef>
+          <a:fontRef idx="minor">
+            <a:schemeClr val="dk1"/>
+          </a:fontRef>
+        </p:style>
+        <p:txBody>
+          <a:bodyPr wrap="square" rtlCol="0">
+            <a:spAutoFit/>
+          </a:bodyPr>
+          <a:lstStyle/>
+          <a:p>
+            <a:r>
+              <a:rPr lang="de-DE" b="1">
+                <a:solidFill>
+                  <a:schemeClr val="accent1"/>
+                </a:solidFill>
+              </a:rPr>
+              <a:t>Supporting Material: </a:t>
+            </a:r>
+            <a:r>
+              <a:rPr lang="de-DE"/>
+              <a:t>Daten, die erhoben werden sollen stehen im Statistik-Bogen.</a:t>
+            </a:r>
+          </a:p>
+          <a:p>
+            <a:endParaRPr lang="de-DE"/>
+          </a:p>
+        </p:txBody>
+      </p:sp>
+      <p:sp>
+        <p:nvSpPr>
+          <p:cNvPr id="20" name="Textfeld 19">
+            <a:extLst>
+              <a:ext uri="{FF2B5EF4-FFF2-40B4-BE49-F238E27FC236}">
+                <a16:creationId xmlns:a16="http://schemas.microsoft.com/office/drawing/2014/main" id="{83C21FDF-224D-2716-2892-6ED0453AEEFD}"/>
+              </a:ext>
+            </a:extLst>
+          </p:cNvPr>
+          <p:cNvSpPr txBox="1"/>
+          <p:nvPr/>
+        </p:nvSpPr>
+        <p:spPr>
+          <a:xfrm>
+            <a:off x="6103778" y="5441496"/>
+            <a:ext cx="5888356" cy="923330"/>
+          </a:xfrm>
+          <a:prstGeom prst="rect">
+            <a:avLst/>
+          </a:prstGeom>
+        </p:spPr>
+        <p:style>
+          <a:lnRef idx="2">
+            <a:schemeClr val="dk1"/>
+          </a:lnRef>
+          <a:fillRef idx="1">
+            <a:schemeClr val="lt1"/>
+          </a:fillRef>
+          <a:effectRef idx="0">
+            <a:schemeClr val="dk1"/>
+          </a:effectRef>
+          <a:fontRef idx="minor">
+            <a:schemeClr val="dk1"/>
+          </a:fontRef>
+        </p:style>
+        <p:txBody>
+          <a:bodyPr wrap="square" rtlCol="0">
+            <a:spAutoFit/>
+          </a:bodyPr>
+          <a:lstStyle/>
+          <a:p>
+            <a:r>
+              <a:rPr lang="de-DE" b="1">
+                <a:solidFill>
+                  <a:schemeClr val="accent1"/>
+                </a:solidFill>
+              </a:rPr>
+              <a:t>Conflicts:</a:t>
+            </a:r>
+          </a:p>
+          <a:p>
+            <a:endParaRPr lang="de-DE"/>
+          </a:p>
+          <a:p>
+            <a:endParaRPr lang="de-DE"/>
+          </a:p>
+        </p:txBody>
+      </p:sp>
+    </p:spTree>
+    <p:extLst>
+      <p:ext uri="{BB962C8B-B14F-4D97-AF65-F5344CB8AC3E}">
+        <p14:creationId xmlns:p14="http://schemas.microsoft.com/office/powerpoint/2010/main" val="1982010600"/>
+      </p:ext>
+    </p:extLst>
+  </p:cSld>
+  <p:clrMapOvr>
+    <a:masterClrMapping/>
+  </p:clrMapOvr>
+</p:sld>
+</file>
+
+<file path=ppt/slides/slide20.xml><?xml version="1.0" encoding="utf-8"?>
+<p:sld xmlns:a="http://schemas.openxmlformats.org/drawingml/2006/main" xmlns:r="http://schemas.openxmlformats.org/officeDocument/2006/relationships" xmlns:p="http://schemas.openxmlformats.org/presentationml/2006/main">
+  <p:cSld>
+    <p:spTree>
+      <p:nvGrpSpPr>
+        <p:cNvPr id="1" name="">
+          <a:extLst>
+            <a:ext uri="{FF2B5EF4-FFF2-40B4-BE49-F238E27FC236}">
+              <a16:creationId xmlns:a16="http://schemas.microsoft.com/office/drawing/2014/main" id="{1395E232-BED7-F605-F2C4-805787B45470}"/>
+            </a:ext>
+          </a:extLst>
+        </p:cNvPr>
+        <p:cNvGrpSpPr/>
+        <p:nvPr/>
+      </p:nvGrpSpPr>
+      <p:grpSpPr>
+        <a:xfrm>
+          <a:off x="0" y="0"/>
+          <a:ext cx="0" cy="0"/>
+          <a:chOff x="0" y="0"/>
+          <a:chExt cx="0" cy="0"/>
+        </a:xfrm>
+      </p:grpSpPr>
+      <p:sp>
+        <p:nvSpPr>
+          <p:cNvPr id="5" name="Titel 4">
+            <a:extLst>
+              <a:ext uri="{FF2B5EF4-FFF2-40B4-BE49-F238E27FC236}">
+                <a16:creationId xmlns:a16="http://schemas.microsoft.com/office/drawing/2014/main" id="{922AC421-7165-059D-414F-ADDEE790C6AF}"/>
+              </a:ext>
+            </a:extLst>
+          </p:cNvPr>
+          <p:cNvSpPr>
+            <a:spLocks noGrp="1"/>
+          </p:cNvSpPr>
+          <p:nvPr>
+            <p:ph type="title"/>
+          </p:nvPr>
+        </p:nvSpPr>
+        <p:spPr>
+          <a:xfrm>
+            <a:off x="1343025" y="152400"/>
+            <a:ext cx="10656888" cy="468314"/>
+          </a:xfrm>
+        </p:spPr>
+        <p:txBody>
+          <a:bodyPr/>
+          <a:lstStyle/>
+          <a:p>
+            <a:r>
+              <a:rPr lang="de-DE"/>
+              <a:t>Nicht-Funktionale Anforderungen</a:t>
+            </a:r>
+            <a:endParaRPr lang="de-DE" dirty="0"/>
+          </a:p>
+        </p:txBody>
+      </p:sp>
+      <p:grpSp>
+        <p:nvGrpSpPr>
+          <p:cNvPr id="13" name="Gruppieren 12">
+            <a:extLst>
+              <a:ext uri="{FF2B5EF4-FFF2-40B4-BE49-F238E27FC236}">
+                <a16:creationId xmlns:a16="http://schemas.microsoft.com/office/drawing/2014/main" id="{9986DB6D-BEFF-1413-033A-C08B4D32D362}"/>
+              </a:ext>
+            </a:extLst>
+          </p:cNvPr>
+          <p:cNvGrpSpPr/>
+          <p:nvPr/>
+        </p:nvGrpSpPr>
+        <p:grpSpPr>
+          <a:xfrm>
+            <a:off x="176530" y="1014171"/>
+            <a:ext cx="11823383" cy="369332"/>
+            <a:chOff x="176530" y="1113153"/>
+            <a:chExt cx="11823383" cy="369332"/>
+          </a:xfrm>
+        </p:grpSpPr>
+        <p:sp>
+          <p:nvSpPr>
+            <p:cNvPr id="3" name="Textfeld 2">
+              <a:extLst>
+                <a:ext uri="{FF2B5EF4-FFF2-40B4-BE49-F238E27FC236}">
+                  <a16:creationId xmlns:a16="http://schemas.microsoft.com/office/drawing/2014/main" id="{D7D0923E-1B4C-E598-DC4B-E4091D11D4FC}"/>
+                </a:ext>
+              </a:extLst>
+            </p:cNvPr>
+            <p:cNvSpPr txBox="1"/>
+            <p:nvPr/>
+          </p:nvSpPr>
+          <p:spPr>
+            <a:xfrm>
+              <a:off x="176530" y="1113153"/>
+              <a:ext cx="2309119" cy="369332"/>
+            </a:xfrm>
+            <a:prstGeom prst="rect">
+              <a:avLst/>
+            </a:prstGeom>
+          </p:spPr>
+          <p:style>
+            <a:lnRef idx="2">
+              <a:schemeClr val="dk1"/>
+            </a:lnRef>
+            <a:fillRef idx="1">
+              <a:schemeClr val="lt1"/>
+            </a:fillRef>
+            <a:effectRef idx="0">
+              <a:schemeClr val="dk1"/>
+            </a:effectRef>
+            <a:fontRef idx="minor">
+              <a:schemeClr val="dk1"/>
+            </a:fontRef>
+          </p:style>
+          <p:txBody>
+            <a:bodyPr wrap="square" rtlCol="0">
+              <a:spAutoFit/>
+            </a:bodyPr>
+            <a:lstStyle/>
+            <a:p>
+              <a:r>
+                <a:rPr lang="de-DE" b="1">
+                  <a:solidFill>
+                    <a:schemeClr val="accent1"/>
+                  </a:solidFill>
+                </a:rPr>
+                <a:t>Req-ID:</a:t>
+              </a:r>
+            </a:p>
+          </p:txBody>
+        </p:sp>
+        <p:sp>
+          <p:nvSpPr>
+            <p:cNvPr id="4" name="Textfeld 3">
+              <a:extLst>
+                <a:ext uri="{FF2B5EF4-FFF2-40B4-BE49-F238E27FC236}">
+                  <a16:creationId xmlns:a16="http://schemas.microsoft.com/office/drawing/2014/main" id="{7554D832-CD92-8644-7BC1-2FAAB973BC25}"/>
+                </a:ext>
+              </a:extLst>
+            </p:cNvPr>
+            <p:cNvSpPr txBox="1"/>
+            <p:nvPr/>
+          </p:nvSpPr>
+          <p:spPr>
+            <a:xfrm>
+              <a:off x="2630905" y="1113153"/>
+              <a:ext cx="3319839" cy="369332"/>
+            </a:xfrm>
+            <a:prstGeom prst="rect">
+              <a:avLst/>
+            </a:prstGeom>
+          </p:spPr>
+          <p:style>
+            <a:lnRef idx="2">
+              <a:schemeClr val="dk1"/>
+            </a:lnRef>
+            <a:fillRef idx="1">
+              <a:schemeClr val="lt1"/>
+            </a:fillRef>
+            <a:effectRef idx="0">
+              <a:schemeClr val="dk1"/>
+            </a:effectRef>
+            <a:fontRef idx="minor">
+              <a:schemeClr val="dk1"/>
+            </a:fontRef>
+          </p:style>
+          <p:txBody>
+            <a:bodyPr wrap="square" rtlCol="0">
+              <a:spAutoFit/>
+            </a:bodyPr>
+            <a:lstStyle/>
+            <a:p>
+              <a:r>
+                <a:rPr lang="de-DE" b="1">
+                  <a:solidFill>
+                    <a:schemeClr val="accent1"/>
+                  </a:solidFill>
+                </a:rPr>
+                <a:t>Req-Type: </a:t>
+              </a:r>
+              <a:r>
+                <a:rPr lang="de-DE">
+                  <a:solidFill>
+                    <a:schemeClr val="tx1"/>
+                  </a:solidFill>
+                </a:rPr>
+                <a:t>Nicht-Funktional</a:t>
+              </a:r>
+            </a:p>
+          </p:txBody>
+        </p:sp>
+        <p:sp>
+          <p:nvSpPr>
+            <p:cNvPr id="8" name="Textfeld 7">
+              <a:extLst>
+                <a:ext uri="{FF2B5EF4-FFF2-40B4-BE49-F238E27FC236}">
+                  <a16:creationId xmlns:a16="http://schemas.microsoft.com/office/drawing/2014/main" id="{2AEB5D2C-CB1A-90CB-BDEA-B101BEB56432}"/>
+                </a:ext>
+              </a:extLst>
+            </p:cNvPr>
+            <p:cNvSpPr txBox="1"/>
+            <p:nvPr/>
+          </p:nvSpPr>
+          <p:spPr>
+            <a:xfrm>
+              <a:off x="6096000" y="1113153"/>
+              <a:ext cx="5903913" cy="369332"/>
+            </a:xfrm>
+            <a:prstGeom prst="rect">
+              <a:avLst/>
+            </a:prstGeom>
+          </p:spPr>
+          <p:style>
+            <a:lnRef idx="2">
+              <a:schemeClr val="dk1"/>
+            </a:lnRef>
+            <a:fillRef idx="1">
+              <a:schemeClr val="lt1"/>
+            </a:fillRef>
+            <a:effectRef idx="0">
+              <a:schemeClr val="dk1"/>
+            </a:effectRef>
+            <a:fontRef idx="minor">
+              <a:schemeClr val="dk1"/>
+            </a:fontRef>
+          </p:style>
+          <p:txBody>
+            <a:bodyPr wrap="square" rtlCol="0">
+              <a:spAutoFit/>
+            </a:bodyPr>
+            <a:lstStyle/>
+            <a:p>
+              <a:r>
+                <a:rPr lang="de-DE" b="1">
+                  <a:solidFill>
+                    <a:schemeClr val="accent1"/>
+                  </a:solidFill>
+                </a:rPr>
+                <a:t>Events/UC:</a:t>
+              </a:r>
+              <a:endParaRPr lang="de-DE">
+                <a:solidFill>
+                  <a:schemeClr val="accent1"/>
+                </a:solidFill>
+              </a:endParaRPr>
+            </a:p>
+          </p:txBody>
+        </p:sp>
+      </p:grpSp>
+      <p:grpSp>
+        <p:nvGrpSpPr>
+          <p:cNvPr id="14" name="Gruppieren 13">
+            <a:extLst>
+              <a:ext uri="{FF2B5EF4-FFF2-40B4-BE49-F238E27FC236}">
+                <a16:creationId xmlns:a16="http://schemas.microsoft.com/office/drawing/2014/main" id="{1EA2FAA8-CA74-8D31-C845-2A7EC2C36995}"/>
+              </a:ext>
+            </a:extLst>
+          </p:cNvPr>
+          <p:cNvGrpSpPr/>
+          <p:nvPr/>
+        </p:nvGrpSpPr>
+        <p:grpSpPr>
+          <a:xfrm>
+            <a:off x="168751" y="1549163"/>
+            <a:ext cx="11854497" cy="3112638"/>
+            <a:chOff x="160973" y="1725626"/>
+            <a:chExt cx="11854497" cy="3112638"/>
+          </a:xfrm>
+        </p:grpSpPr>
+        <p:sp>
+          <p:nvSpPr>
+            <p:cNvPr id="9" name="Textfeld 8">
+              <a:extLst>
+                <a:ext uri="{FF2B5EF4-FFF2-40B4-BE49-F238E27FC236}">
+                  <a16:creationId xmlns:a16="http://schemas.microsoft.com/office/drawing/2014/main" id="{A83B85A2-DA4F-AA89-3871-E3191837679B}"/>
+                </a:ext>
+              </a:extLst>
+            </p:cNvPr>
+            <p:cNvSpPr txBox="1"/>
+            <p:nvPr/>
+          </p:nvSpPr>
+          <p:spPr>
+            <a:xfrm>
+              <a:off x="160973" y="1725626"/>
+              <a:ext cx="11838940" cy="646331"/>
+            </a:xfrm>
+            <a:prstGeom prst="rect">
+              <a:avLst/>
+            </a:prstGeom>
+          </p:spPr>
+          <p:style>
+            <a:lnRef idx="2">
+              <a:schemeClr val="dk1"/>
+            </a:lnRef>
+            <a:fillRef idx="1">
+              <a:schemeClr val="lt1"/>
+            </a:fillRef>
+            <a:effectRef idx="0">
+              <a:schemeClr val="dk1"/>
+            </a:effectRef>
+            <a:fontRef idx="minor">
+              <a:schemeClr val="dk1"/>
+            </a:fontRef>
+          </p:style>
+          <p:txBody>
+            <a:bodyPr wrap="square" rtlCol="0">
+              <a:spAutoFit/>
+            </a:bodyPr>
+            <a:lstStyle/>
+            <a:p>
+              <a:r>
+                <a:rPr lang="de-DE" b="1">
+                  <a:solidFill>
+                    <a:schemeClr val="accent1"/>
+                  </a:solidFill>
+                </a:rPr>
+                <a:t>Description: </a:t>
+              </a:r>
+              <a:r>
+                <a:rPr lang="de-DE">
+                  <a:solidFill>
+                    <a:schemeClr val="tx1"/>
+                  </a:solidFill>
+                </a:rPr>
+                <a:t>Die Software wird als Docker-Image bereitgestellt.</a:t>
+              </a:r>
+            </a:p>
+            <a:p>
+              <a:endParaRPr lang="de-DE"/>
+            </a:p>
+          </p:txBody>
+        </p:sp>
+        <p:sp>
+          <p:nvSpPr>
+            <p:cNvPr id="10" name="Textfeld 9">
+              <a:extLst>
+                <a:ext uri="{FF2B5EF4-FFF2-40B4-BE49-F238E27FC236}">
+                  <a16:creationId xmlns:a16="http://schemas.microsoft.com/office/drawing/2014/main" id="{DC623F00-0ED8-9A46-33E6-B3B0735E499D}"/>
+                </a:ext>
+              </a:extLst>
+            </p:cNvPr>
+            <p:cNvSpPr txBox="1"/>
+            <p:nvPr/>
+          </p:nvSpPr>
+          <p:spPr>
+            <a:xfrm>
+              <a:off x="160973" y="2533023"/>
+              <a:ext cx="11838940" cy="646331"/>
+            </a:xfrm>
+            <a:prstGeom prst="rect">
+              <a:avLst/>
+            </a:prstGeom>
+          </p:spPr>
+          <p:style>
+            <a:lnRef idx="2">
+              <a:schemeClr val="dk1"/>
+            </a:lnRef>
+            <a:fillRef idx="1">
+              <a:schemeClr val="lt1"/>
+            </a:fillRef>
+            <a:effectRef idx="0">
+              <a:schemeClr val="dk1"/>
+            </a:effectRef>
+            <a:fontRef idx="minor">
+              <a:schemeClr val="dk1"/>
+            </a:fontRef>
+          </p:style>
+          <p:txBody>
+            <a:bodyPr wrap="square" rtlCol="0">
+              <a:spAutoFit/>
+            </a:bodyPr>
+            <a:lstStyle/>
+            <a:p>
+              <a:r>
+                <a:rPr lang="de-DE" b="1">
+                  <a:solidFill>
+                    <a:schemeClr val="accent1"/>
+                  </a:solidFill>
+                </a:rPr>
+                <a:t>Rationale: </a:t>
+              </a:r>
+              <a:r>
+                <a:rPr lang="de-DE">
+                  <a:solidFill>
+                    <a:schemeClr val="tx1"/>
+                  </a:solidFill>
+                </a:rPr>
+                <a:t>Einfache Installation und Verwendbarkeit auf jedem Rechner.</a:t>
+              </a:r>
+            </a:p>
+            <a:p>
+              <a:endParaRPr lang="de-DE"/>
+            </a:p>
+          </p:txBody>
+        </p:sp>
+        <p:sp>
+          <p:nvSpPr>
+            <p:cNvPr id="11" name="Textfeld 10">
+              <a:extLst>
+                <a:ext uri="{FF2B5EF4-FFF2-40B4-BE49-F238E27FC236}">
+                  <a16:creationId xmlns:a16="http://schemas.microsoft.com/office/drawing/2014/main" id="{3B3325E4-9518-1B4B-C8C1-524CD6EEC16D}"/>
+                </a:ext>
+              </a:extLst>
+            </p:cNvPr>
+            <p:cNvSpPr txBox="1"/>
+            <p:nvPr/>
+          </p:nvSpPr>
+          <p:spPr>
+            <a:xfrm>
+              <a:off x="176530" y="3340420"/>
+              <a:ext cx="11838940" cy="646331"/>
+            </a:xfrm>
+            <a:prstGeom prst="rect">
+              <a:avLst/>
+            </a:prstGeom>
+          </p:spPr>
+          <p:style>
+            <a:lnRef idx="2">
+              <a:schemeClr val="dk1"/>
+            </a:lnRef>
+            <a:fillRef idx="1">
+              <a:schemeClr val="lt1"/>
+            </a:fillRef>
+            <a:effectRef idx="0">
+              <a:schemeClr val="dk1"/>
+            </a:effectRef>
+            <a:fontRef idx="minor">
+              <a:schemeClr val="dk1"/>
+            </a:fontRef>
+          </p:style>
+          <p:txBody>
+            <a:bodyPr wrap="square" rtlCol="0">
+              <a:spAutoFit/>
+            </a:bodyPr>
+            <a:lstStyle/>
+            <a:p>
+              <a:r>
+                <a:rPr lang="de-DE" b="1">
+                  <a:solidFill>
+                    <a:schemeClr val="accent1"/>
+                  </a:solidFill>
+                </a:rPr>
+                <a:t>Originator: </a:t>
+              </a:r>
+              <a:r>
+                <a:rPr lang="de-DE">
+                  <a:solidFill>
+                    <a:schemeClr val="tx1"/>
+                  </a:solidFill>
+                </a:rPr>
+                <a:t>Anforderungsbeschreibung, S. 3 </a:t>
+              </a:r>
+            </a:p>
+            <a:p>
+              <a:endParaRPr lang="de-DE"/>
+            </a:p>
+          </p:txBody>
+        </p:sp>
+        <p:sp>
+          <p:nvSpPr>
+            <p:cNvPr id="12" name="Textfeld 11">
+              <a:extLst>
+                <a:ext uri="{FF2B5EF4-FFF2-40B4-BE49-F238E27FC236}">
+                  <a16:creationId xmlns:a16="http://schemas.microsoft.com/office/drawing/2014/main" id="{835F2A54-AD00-2C2D-4C9A-7DAB71FE19E3}"/>
+                </a:ext>
+              </a:extLst>
+            </p:cNvPr>
+            <p:cNvSpPr txBox="1"/>
+            <p:nvPr/>
+          </p:nvSpPr>
+          <p:spPr>
+            <a:xfrm>
+              <a:off x="176530" y="4191933"/>
+              <a:ext cx="11838940" cy="646331"/>
+            </a:xfrm>
+            <a:prstGeom prst="rect">
+              <a:avLst/>
+            </a:prstGeom>
+          </p:spPr>
+          <p:style>
+            <a:lnRef idx="2">
+              <a:schemeClr val="dk1"/>
+            </a:lnRef>
+            <a:fillRef idx="1">
+              <a:schemeClr val="lt1"/>
+            </a:fillRef>
+            <a:effectRef idx="0">
+              <a:schemeClr val="dk1"/>
+            </a:effectRef>
+            <a:fontRef idx="minor">
+              <a:schemeClr val="dk1"/>
+            </a:fontRef>
+          </p:style>
+          <p:txBody>
+            <a:bodyPr wrap="square" rtlCol="0">
+              <a:spAutoFit/>
+            </a:bodyPr>
+            <a:lstStyle/>
+            <a:p>
+              <a:r>
+                <a:rPr lang="de-DE" b="1">
+                  <a:solidFill>
+                    <a:schemeClr val="accent1"/>
+                  </a:solidFill>
+                </a:rPr>
+                <a:t>Fit Criterion: </a:t>
+              </a:r>
+              <a:r>
+                <a:rPr lang="de-DE">
+                  <a:solidFill>
+                    <a:schemeClr val="tx1"/>
+                  </a:solidFill>
+                </a:rPr>
+                <a:t>Docker Container lässt sich starten und Software funktioniert wie beschrieben.</a:t>
+              </a:r>
+            </a:p>
+            <a:p>
+              <a:endParaRPr lang="de-DE"/>
+            </a:p>
+          </p:txBody>
+        </p:sp>
+      </p:grpSp>
+      <p:grpSp>
+        <p:nvGrpSpPr>
+          <p:cNvPr id="15" name="Gruppieren 14">
+            <a:extLst>
+              <a:ext uri="{FF2B5EF4-FFF2-40B4-BE49-F238E27FC236}">
+                <a16:creationId xmlns:a16="http://schemas.microsoft.com/office/drawing/2014/main" id="{02FE6F0E-9A6F-B003-71E5-590E6EE56873}"/>
+              </a:ext>
+            </a:extLst>
+          </p:cNvPr>
+          <p:cNvGrpSpPr/>
+          <p:nvPr/>
+        </p:nvGrpSpPr>
+        <p:grpSpPr>
+          <a:xfrm>
+            <a:off x="168751" y="4866983"/>
+            <a:ext cx="11823383" cy="369332"/>
+            <a:chOff x="176530" y="1113153"/>
+            <a:chExt cx="11823383" cy="369332"/>
+          </a:xfrm>
+        </p:grpSpPr>
+        <p:sp>
+          <p:nvSpPr>
+            <p:cNvPr id="16" name="Textfeld 15">
+              <a:extLst>
+                <a:ext uri="{FF2B5EF4-FFF2-40B4-BE49-F238E27FC236}">
+                  <a16:creationId xmlns:a16="http://schemas.microsoft.com/office/drawing/2014/main" id="{30398680-F41F-E813-9303-7EC0DF132544}"/>
+                </a:ext>
+              </a:extLst>
+            </p:cNvPr>
+            <p:cNvSpPr txBox="1"/>
+            <p:nvPr/>
+          </p:nvSpPr>
+          <p:spPr>
+            <a:xfrm>
+              <a:off x="176530" y="1113153"/>
+              <a:ext cx="2309119" cy="369332"/>
+            </a:xfrm>
+            <a:prstGeom prst="rect">
+              <a:avLst/>
+            </a:prstGeom>
+          </p:spPr>
+          <p:style>
+            <a:lnRef idx="2">
+              <a:schemeClr val="dk1"/>
+            </a:lnRef>
+            <a:fillRef idx="1">
+              <a:schemeClr val="lt1"/>
+            </a:fillRef>
+            <a:effectRef idx="0">
+              <a:schemeClr val="dk1"/>
+            </a:effectRef>
+            <a:fontRef idx="minor">
+              <a:schemeClr val="dk1"/>
+            </a:fontRef>
+          </p:style>
+          <p:txBody>
+            <a:bodyPr wrap="square" rtlCol="0">
+              <a:spAutoFit/>
+            </a:bodyPr>
+            <a:lstStyle/>
+            <a:p>
+              <a:r>
+                <a:rPr lang="de-DE" b="1">
+                  <a:solidFill>
+                    <a:schemeClr val="accent1"/>
+                  </a:solidFill>
+                </a:rPr>
+                <a:t>Priority: </a:t>
+              </a:r>
+              <a:r>
+                <a:rPr lang="de-DE">
+                  <a:solidFill>
+                    <a:schemeClr val="tx1"/>
+                  </a:solidFill>
+                </a:rPr>
+                <a:t>Must</a:t>
+              </a:r>
+            </a:p>
+          </p:txBody>
+        </p:sp>
+        <p:sp>
+          <p:nvSpPr>
+            <p:cNvPr id="17" name="Textfeld 16">
+              <a:extLst>
+                <a:ext uri="{FF2B5EF4-FFF2-40B4-BE49-F238E27FC236}">
+                  <a16:creationId xmlns:a16="http://schemas.microsoft.com/office/drawing/2014/main" id="{06EA03AE-09EF-2516-CB2A-72DFE4208159}"/>
+                </a:ext>
+              </a:extLst>
+            </p:cNvPr>
+            <p:cNvSpPr txBox="1"/>
+            <p:nvPr/>
+          </p:nvSpPr>
+          <p:spPr>
+            <a:xfrm>
+              <a:off x="2630905" y="1113153"/>
+              <a:ext cx="3319839" cy="369332"/>
+            </a:xfrm>
+            <a:prstGeom prst="rect">
+              <a:avLst/>
+            </a:prstGeom>
+          </p:spPr>
+          <p:style>
+            <a:lnRef idx="2">
+              <a:schemeClr val="dk1"/>
+            </a:lnRef>
+            <a:fillRef idx="1">
+              <a:schemeClr val="lt1"/>
+            </a:fillRef>
+            <a:effectRef idx="0">
+              <a:schemeClr val="dk1"/>
+            </a:effectRef>
+            <a:fontRef idx="minor">
+              <a:schemeClr val="dk1"/>
+            </a:fontRef>
+          </p:style>
+          <p:txBody>
+            <a:bodyPr wrap="square" rtlCol="0">
+              <a:spAutoFit/>
+            </a:bodyPr>
+            <a:lstStyle/>
+            <a:p>
+              <a:r>
+                <a:rPr lang="de-DE" b="1">
+                  <a:solidFill>
+                    <a:schemeClr val="accent1"/>
+                  </a:solidFill>
+                </a:rPr>
+                <a:t>Customer Satisfaction:</a:t>
+              </a:r>
+            </a:p>
+          </p:txBody>
+        </p:sp>
+        <p:sp>
+          <p:nvSpPr>
+            <p:cNvPr id="18" name="Textfeld 17">
+              <a:extLst>
+                <a:ext uri="{FF2B5EF4-FFF2-40B4-BE49-F238E27FC236}">
+                  <a16:creationId xmlns:a16="http://schemas.microsoft.com/office/drawing/2014/main" id="{EA32BEDF-C70D-397D-DB50-E418D388797F}"/>
+                </a:ext>
+              </a:extLst>
+            </p:cNvPr>
+            <p:cNvSpPr txBox="1"/>
+            <p:nvPr/>
+          </p:nvSpPr>
+          <p:spPr>
+            <a:xfrm>
+              <a:off x="6096000" y="1113153"/>
+              <a:ext cx="5903913" cy="369332"/>
+            </a:xfrm>
+            <a:prstGeom prst="rect">
+              <a:avLst/>
+            </a:prstGeom>
+          </p:spPr>
+          <p:style>
+            <a:lnRef idx="2">
+              <a:schemeClr val="dk1"/>
+            </a:lnRef>
+            <a:fillRef idx="1">
+              <a:schemeClr val="lt1"/>
+            </a:fillRef>
+            <a:effectRef idx="0">
+              <a:schemeClr val="dk1"/>
+            </a:effectRef>
+            <a:fontRef idx="minor">
+              <a:schemeClr val="dk1"/>
+            </a:fontRef>
+          </p:style>
+          <p:txBody>
+            <a:bodyPr wrap="square" rtlCol="0">
+              <a:spAutoFit/>
+            </a:bodyPr>
+            <a:lstStyle/>
+            <a:p>
+              <a:r>
+                <a:rPr lang="de-DE" b="1">
+                  <a:solidFill>
+                    <a:schemeClr val="accent1"/>
+                  </a:solidFill>
+                </a:rPr>
+                <a:t>Customer Dissatisfaction:</a:t>
+              </a:r>
+            </a:p>
+          </p:txBody>
+        </p:sp>
+      </p:grpSp>
+      <p:sp>
+        <p:nvSpPr>
+          <p:cNvPr id="19" name="Textfeld 18">
+            <a:extLst>
+              <a:ext uri="{FF2B5EF4-FFF2-40B4-BE49-F238E27FC236}">
+                <a16:creationId xmlns:a16="http://schemas.microsoft.com/office/drawing/2014/main" id="{648BE7C4-7E7F-5CB5-191D-783EDFC5E759}"/>
+              </a:ext>
+            </a:extLst>
+          </p:cNvPr>
+          <p:cNvSpPr txBox="1"/>
+          <p:nvPr/>
+        </p:nvSpPr>
+        <p:spPr>
+          <a:xfrm>
+            <a:off x="184308" y="5441496"/>
+            <a:ext cx="5766436" cy="923330"/>
+          </a:xfrm>
+          <a:prstGeom prst="rect">
+            <a:avLst/>
+          </a:prstGeom>
+        </p:spPr>
+        <p:style>
+          <a:lnRef idx="2">
+            <a:schemeClr val="dk1"/>
+          </a:lnRef>
+          <a:fillRef idx="1">
+            <a:schemeClr val="lt1"/>
+          </a:fillRef>
+          <a:effectRef idx="0">
+            <a:schemeClr val="dk1"/>
+          </a:effectRef>
+          <a:fontRef idx="minor">
+            <a:schemeClr val="dk1"/>
+          </a:fontRef>
+        </p:style>
+        <p:txBody>
+          <a:bodyPr wrap="square" rtlCol="0">
+            <a:spAutoFit/>
+          </a:bodyPr>
+          <a:lstStyle/>
+          <a:p>
+            <a:r>
+              <a:rPr lang="de-DE" b="1">
+                <a:solidFill>
+                  <a:schemeClr val="accent1"/>
+                </a:solidFill>
+              </a:rPr>
+              <a:t>Supporting Material:</a:t>
+            </a:r>
+          </a:p>
+          <a:p>
+            <a:endParaRPr lang="de-DE"/>
+          </a:p>
+          <a:p>
+            <a:endParaRPr lang="de-DE"/>
+          </a:p>
+        </p:txBody>
+      </p:sp>
+      <p:sp>
+        <p:nvSpPr>
+          <p:cNvPr id="20" name="Textfeld 19">
+            <a:extLst>
+              <a:ext uri="{FF2B5EF4-FFF2-40B4-BE49-F238E27FC236}">
+                <a16:creationId xmlns:a16="http://schemas.microsoft.com/office/drawing/2014/main" id="{FEDEE3C1-8C23-32D7-7AD6-C429796CC5CF}"/>
+              </a:ext>
+            </a:extLst>
+          </p:cNvPr>
+          <p:cNvSpPr txBox="1"/>
+          <p:nvPr/>
+        </p:nvSpPr>
+        <p:spPr>
+          <a:xfrm>
+            <a:off x="6103778" y="5441496"/>
+            <a:ext cx="5888356" cy="923330"/>
+          </a:xfrm>
+          <a:prstGeom prst="rect">
+            <a:avLst/>
+          </a:prstGeom>
+        </p:spPr>
+        <p:style>
+          <a:lnRef idx="2">
+            <a:schemeClr val="dk1"/>
+          </a:lnRef>
+          <a:fillRef idx="1">
+            <a:schemeClr val="lt1"/>
+          </a:fillRef>
+          <a:effectRef idx="0">
+            <a:schemeClr val="dk1"/>
+          </a:effectRef>
+          <a:fontRef idx="minor">
+            <a:schemeClr val="dk1"/>
+          </a:fontRef>
+        </p:style>
+        <p:txBody>
+          <a:bodyPr wrap="square" rtlCol="0">
+            <a:spAutoFit/>
+          </a:bodyPr>
+          <a:lstStyle/>
+          <a:p>
+            <a:r>
+              <a:rPr lang="de-DE" b="1">
+                <a:solidFill>
+                  <a:schemeClr val="accent1"/>
+                </a:solidFill>
+              </a:rPr>
+              <a:t>Conflicts:</a:t>
+            </a:r>
+          </a:p>
+          <a:p>
+            <a:endParaRPr lang="de-DE"/>
+          </a:p>
+          <a:p>
+            <a:endParaRPr lang="de-DE"/>
+          </a:p>
+        </p:txBody>
+      </p:sp>
+    </p:spTree>
+    <p:extLst>
+      <p:ext uri="{BB962C8B-B14F-4D97-AF65-F5344CB8AC3E}">
+        <p14:creationId xmlns:p14="http://schemas.microsoft.com/office/powerpoint/2010/main" val="3516805568"/>
+      </p:ext>
+    </p:extLst>
+  </p:cSld>
+  <p:clrMapOvr>
+    <a:masterClrMapping/>
+  </p:clrMapOvr>
+</p:sld>
+</file>
+
+<file path=ppt/slides/slide21.xml><?xml version="1.0" encoding="utf-8"?>
+<p:sld xmlns:a="http://schemas.openxmlformats.org/drawingml/2006/main" xmlns:r="http://schemas.openxmlformats.org/officeDocument/2006/relationships" xmlns:p="http://schemas.openxmlformats.org/presentationml/2006/main">
+  <p:cSld>
+    <p:spTree>
+      <p:nvGrpSpPr>
+        <p:cNvPr id="1" name="">
+          <a:extLst>
+            <a:ext uri="{FF2B5EF4-FFF2-40B4-BE49-F238E27FC236}">
+              <a16:creationId xmlns:a16="http://schemas.microsoft.com/office/drawing/2014/main" id="{C4BAEF8A-7D93-1506-971D-B7CAADD8CE90}"/>
+            </a:ext>
+          </a:extLst>
+        </p:cNvPr>
+        <p:cNvGrpSpPr/>
+        <p:nvPr/>
+      </p:nvGrpSpPr>
+      <p:grpSpPr>
+        <a:xfrm>
+          <a:off x="0" y="0"/>
+          <a:ext cx="0" cy="0"/>
+          <a:chOff x="0" y="0"/>
+          <a:chExt cx="0" cy="0"/>
+        </a:xfrm>
+      </p:grpSpPr>
+      <p:sp>
+        <p:nvSpPr>
+          <p:cNvPr id="5" name="Titel 4">
+            <a:extLst>
+              <a:ext uri="{FF2B5EF4-FFF2-40B4-BE49-F238E27FC236}">
+                <a16:creationId xmlns:a16="http://schemas.microsoft.com/office/drawing/2014/main" id="{A3A2CC92-653F-B06D-8F7E-20006E6D1EA9}"/>
+              </a:ext>
+            </a:extLst>
+          </p:cNvPr>
+          <p:cNvSpPr>
+            <a:spLocks noGrp="1"/>
+          </p:cNvSpPr>
+          <p:nvPr>
+            <p:ph type="title"/>
+          </p:nvPr>
+        </p:nvSpPr>
+        <p:spPr>
+          <a:xfrm>
+            <a:off x="1343025" y="152400"/>
+            <a:ext cx="10656888" cy="468314"/>
+          </a:xfrm>
+        </p:spPr>
+        <p:txBody>
+          <a:bodyPr/>
+          <a:lstStyle/>
+          <a:p>
+            <a:r>
+              <a:rPr lang="de-DE"/>
+              <a:t>Nicht-Funktionale Anforderungen</a:t>
+            </a:r>
+            <a:endParaRPr lang="de-DE" dirty="0"/>
+          </a:p>
+        </p:txBody>
+      </p:sp>
+      <p:grpSp>
+        <p:nvGrpSpPr>
+          <p:cNvPr id="13" name="Gruppieren 12">
+            <a:extLst>
+              <a:ext uri="{FF2B5EF4-FFF2-40B4-BE49-F238E27FC236}">
+                <a16:creationId xmlns:a16="http://schemas.microsoft.com/office/drawing/2014/main" id="{E98FB8C7-AE39-87CA-1071-180949D3A2A1}"/>
+              </a:ext>
+            </a:extLst>
+          </p:cNvPr>
+          <p:cNvGrpSpPr/>
+          <p:nvPr/>
+        </p:nvGrpSpPr>
+        <p:grpSpPr>
+          <a:xfrm>
+            <a:off x="176530" y="1014171"/>
+            <a:ext cx="11823383" cy="369332"/>
+            <a:chOff x="176530" y="1113153"/>
+            <a:chExt cx="11823383" cy="369332"/>
+          </a:xfrm>
+        </p:grpSpPr>
+        <p:sp>
+          <p:nvSpPr>
+            <p:cNvPr id="3" name="Textfeld 2">
+              <a:extLst>
+                <a:ext uri="{FF2B5EF4-FFF2-40B4-BE49-F238E27FC236}">
+                  <a16:creationId xmlns:a16="http://schemas.microsoft.com/office/drawing/2014/main" id="{696FB42A-9737-4B74-34BB-82A7E7FB2ACD}"/>
+                </a:ext>
+              </a:extLst>
+            </p:cNvPr>
+            <p:cNvSpPr txBox="1"/>
+            <p:nvPr/>
+          </p:nvSpPr>
+          <p:spPr>
+            <a:xfrm>
+              <a:off x="176530" y="1113153"/>
+              <a:ext cx="2309119" cy="369332"/>
+            </a:xfrm>
+            <a:prstGeom prst="rect">
+              <a:avLst/>
+            </a:prstGeom>
+          </p:spPr>
+          <p:style>
+            <a:lnRef idx="2">
+              <a:schemeClr val="dk1"/>
+            </a:lnRef>
+            <a:fillRef idx="1">
+              <a:schemeClr val="lt1"/>
+            </a:fillRef>
+            <a:effectRef idx="0">
+              <a:schemeClr val="dk1"/>
+            </a:effectRef>
+            <a:fontRef idx="minor">
+              <a:schemeClr val="dk1"/>
+            </a:fontRef>
+          </p:style>
+          <p:txBody>
+            <a:bodyPr wrap="square" rtlCol="0">
+              <a:spAutoFit/>
+            </a:bodyPr>
+            <a:lstStyle/>
+            <a:p>
+              <a:r>
+                <a:rPr lang="de-DE" b="1">
+                  <a:solidFill>
+                    <a:schemeClr val="accent1"/>
+                  </a:solidFill>
+                </a:rPr>
+                <a:t>Req-ID:</a:t>
+              </a:r>
+            </a:p>
+          </p:txBody>
+        </p:sp>
+        <p:sp>
+          <p:nvSpPr>
+            <p:cNvPr id="4" name="Textfeld 3">
+              <a:extLst>
+                <a:ext uri="{FF2B5EF4-FFF2-40B4-BE49-F238E27FC236}">
+                  <a16:creationId xmlns:a16="http://schemas.microsoft.com/office/drawing/2014/main" id="{EC5FF50E-F329-C0EA-E562-B13DE1B80042}"/>
+                </a:ext>
+              </a:extLst>
+            </p:cNvPr>
+            <p:cNvSpPr txBox="1"/>
+            <p:nvPr/>
+          </p:nvSpPr>
+          <p:spPr>
+            <a:xfrm>
+              <a:off x="2630905" y="1113153"/>
+              <a:ext cx="3319839" cy="369332"/>
+            </a:xfrm>
+            <a:prstGeom prst="rect">
+              <a:avLst/>
+            </a:prstGeom>
+          </p:spPr>
+          <p:style>
+            <a:lnRef idx="2">
+              <a:schemeClr val="dk1"/>
+            </a:lnRef>
+            <a:fillRef idx="1">
+              <a:schemeClr val="lt1"/>
+            </a:fillRef>
+            <a:effectRef idx="0">
+              <a:schemeClr val="dk1"/>
+            </a:effectRef>
+            <a:fontRef idx="minor">
+              <a:schemeClr val="dk1"/>
+            </a:fontRef>
+          </p:style>
+          <p:txBody>
+            <a:bodyPr wrap="square" rtlCol="0">
+              <a:spAutoFit/>
+            </a:bodyPr>
+            <a:lstStyle/>
+            <a:p>
+              <a:r>
+                <a:rPr lang="de-DE" b="1">
+                  <a:solidFill>
+                    <a:schemeClr val="accent1"/>
+                  </a:solidFill>
+                </a:rPr>
+                <a:t>Req-Type: </a:t>
+              </a:r>
+              <a:r>
+                <a:rPr lang="de-DE">
+                  <a:solidFill>
+                    <a:schemeClr val="tx1"/>
+                  </a:solidFill>
+                </a:rPr>
+                <a:t>Nicht-Funktional</a:t>
+              </a:r>
+            </a:p>
+          </p:txBody>
+        </p:sp>
+        <p:sp>
+          <p:nvSpPr>
+            <p:cNvPr id="8" name="Textfeld 7">
+              <a:extLst>
+                <a:ext uri="{FF2B5EF4-FFF2-40B4-BE49-F238E27FC236}">
+                  <a16:creationId xmlns:a16="http://schemas.microsoft.com/office/drawing/2014/main" id="{DC829BB2-6EA8-902F-158B-150B70161CCA}"/>
+                </a:ext>
+              </a:extLst>
+            </p:cNvPr>
+            <p:cNvSpPr txBox="1"/>
+            <p:nvPr/>
+          </p:nvSpPr>
+          <p:spPr>
+            <a:xfrm>
+              <a:off x="6096000" y="1113153"/>
+              <a:ext cx="5903913" cy="369332"/>
+            </a:xfrm>
+            <a:prstGeom prst="rect">
+              <a:avLst/>
+            </a:prstGeom>
+          </p:spPr>
+          <p:style>
+            <a:lnRef idx="2">
+              <a:schemeClr val="dk1"/>
+            </a:lnRef>
+            <a:fillRef idx="1">
+              <a:schemeClr val="lt1"/>
+            </a:fillRef>
+            <a:effectRef idx="0">
+              <a:schemeClr val="dk1"/>
+            </a:effectRef>
+            <a:fontRef idx="minor">
+              <a:schemeClr val="dk1"/>
+            </a:fontRef>
+          </p:style>
+          <p:txBody>
+            <a:bodyPr wrap="square" rtlCol="0">
+              <a:spAutoFit/>
+            </a:bodyPr>
+            <a:lstStyle/>
+            <a:p>
+              <a:r>
+                <a:rPr lang="de-DE" b="1">
+                  <a:solidFill>
+                    <a:schemeClr val="accent1"/>
+                  </a:solidFill>
+                </a:rPr>
+                <a:t>Events/UC:</a:t>
+              </a:r>
+              <a:endParaRPr lang="de-DE">
+                <a:solidFill>
+                  <a:schemeClr val="accent1"/>
+                </a:solidFill>
+              </a:endParaRPr>
+            </a:p>
+          </p:txBody>
+        </p:sp>
+      </p:grpSp>
+      <p:grpSp>
+        <p:nvGrpSpPr>
+          <p:cNvPr id="14" name="Gruppieren 13">
+            <a:extLst>
+              <a:ext uri="{FF2B5EF4-FFF2-40B4-BE49-F238E27FC236}">
+                <a16:creationId xmlns:a16="http://schemas.microsoft.com/office/drawing/2014/main" id="{AD2C2333-608B-0C97-5AE1-4E17F00CE4C4}"/>
+              </a:ext>
+            </a:extLst>
+          </p:cNvPr>
+          <p:cNvGrpSpPr/>
+          <p:nvPr/>
+        </p:nvGrpSpPr>
+        <p:grpSpPr>
+          <a:xfrm>
+            <a:off x="168751" y="1549163"/>
+            <a:ext cx="11854497" cy="3112638"/>
+            <a:chOff x="160973" y="1725626"/>
+            <a:chExt cx="11854497" cy="3112638"/>
+          </a:xfrm>
+        </p:grpSpPr>
+        <p:sp>
+          <p:nvSpPr>
+            <p:cNvPr id="9" name="Textfeld 8">
+              <a:extLst>
+                <a:ext uri="{FF2B5EF4-FFF2-40B4-BE49-F238E27FC236}">
+                  <a16:creationId xmlns:a16="http://schemas.microsoft.com/office/drawing/2014/main" id="{C424478E-75AA-B620-1B2F-3EE90298ADF3}"/>
+                </a:ext>
+              </a:extLst>
+            </p:cNvPr>
+            <p:cNvSpPr txBox="1"/>
+            <p:nvPr/>
+          </p:nvSpPr>
+          <p:spPr>
+            <a:xfrm>
+              <a:off x="160973" y="1725626"/>
+              <a:ext cx="11838940" cy="646331"/>
+            </a:xfrm>
+            <a:prstGeom prst="rect">
+              <a:avLst/>
+            </a:prstGeom>
+          </p:spPr>
+          <p:style>
+            <a:lnRef idx="2">
+              <a:schemeClr val="dk1"/>
+            </a:lnRef>
+            <a:fillRef idx="1">
+              <a:schemeClr val="lt1"/>
+            </a:fillRef>
+            <a:effectRef idx="0">
+              <a:schemeClr val="dk1"/>
+            </a:effectRef>
+            <a:fontRef idx="minor">
+              <a:schemeClr val="dk1"/>
+            </a:fontRef>
+          </p:style>
+          <p:txBody>
+            <a:bodyPr wrap="square" rtlCol="0">
+              <a:spAutoFit/>
+            </a:bodyPr>
+            <a:lstStyle/>
+            <a:p>
+              <a:r>
+                <a:rPr lang="de-DE" b="1">
+                  <a:solidFill>
+                    <a:schemeClr val="accent1"/>
+                  </a:solidFill>
+                </a:rPr>
+                <a:t>Description: </a:t>
+              </a:r>
+              <a:r>
+                <a:rPr lang="de-DE">
+                  <a:solidFill>
+                    <a:schemeClr val="tx1"/>
+                  </a:solidFill>
+                </a:rPr>
+                <a:t>Installationsschritte für Software sind in README erklärt. </a:t>
+              </a:r>
+            </a:p>
+            <a:p>
+              <a:endParaRPr lang="de-DE"/>
+            </a:p>
+          </p:txBody>
+        </p:sp>
+        <p:sp>
+          <p:nvSpPr>
+            <p:cNvPr id="10" name="Textfeld 9">
+              <a:extLst>
+                <a:ext uri="{FF2B5EF4-FFF2-40B4-BE49-F238E27FC236}">
+                  <a16:creationId xmlns:a16="http://schemas.microsoft.com/office/drawing/2014/main" id="{02CFACA6-B2DE-6C78-D48C-B07B2E360E53}"/>
+                </a:ext>
+              </a:extLst>
+            </p:cNvPr>
+            <p:cNvSpPr txBox="1"/>
+            <p:nvPr/>
+          </p:nvSpPr>
+          <p:spPr>
+            <a:xfrm>
+              <a:off x="160973" y="2533023"/>
+              <a:ext cx="11838940" cy="646331"/>
+            </a:xfrm>
+            <a:prstGeom prst="rect">
+              <a:avLst/>
+            </a:prstGeom>
+          </p:spPr>
+          <p:style>
+            <a:lnRef idx="2">
+              <a:schemeClr val="dk1"/>
+            </a:lnRef>
+            <a:fillRef idx="1">
+              <a:schemeClr val="lt1"/>
+            </a:fillRef>
+            <a:effectRef idx="0">
+              <a:schemeClr val="dk1"/>
+            </a:effectRef>
+            <a:fontRef idx="minor">
+              <a:schemeClr val="dk1"/>
+            </a:fontRef>
+          </p:style>
+          <p:txBody>
+            <a:bodyPr wrap="square" rtlCol="0">
+              <a:spAutoFit/>
+            </a:bodyPr>
+            <a:lstStyle/>
+            <a:p>
+              <a:r>
+                <a:rPr lang="de-DE" b="1">
+                  <a:solidFill>
+                    <a:schemeClr val="accent1"/>
+                  </a:solidFill>
+                </a:rPr>
+                <a:t>Rationale: </a:t>
+              </a:r>
+              <a:r>
+                <a:rPr lang="de-DE">
+                  <a:solidFill>
+                    <a:schemeClr val="tx1"/>
+                  </a:solidFill>
+                </a:rPr>
+                <a:t>Erklärung zur Installation für die Kundinnen.</a:t>
+              </a:r>
+            </a:p>
+            <a:p>
+              <a:endParaRPr lang="de-DE"/>
+            </a:p>
+          </p:txBody>
+        </p:sp>
+        <p:sp>
+          <p:nvSpPr>
+            <p:cNvPr id="11" name="Textfeld 10">
+              <a:extLst>
+                <a:ext uri="{FF2B5EF4-FFF2-40B4-BE49-F238E27FC236}">
+                  <a16:creationId xmlns:a16="http://schemas.microsoft.com/office/drawing/2014/main" id="{4158EEBF-4EEB-E354-D39A-6450EA217EFF}"/>
+                </a:ext>
+              </a:extLst>
+            </p:cNvPr>
+            <p:cNvSpPr txBox="1"/>
+            <p:nvPr/>
+          </p:nvSpPr>
+          <p:spPr>
+            <a:xfrm>
+              <a:off x="176530" y="3340420"/>
+              <a:ext cx="11838940" cy="646331"/>
+            </a:xfrm>
+            <a:prstGeom prst="rect">
+              <a:avLst/>
+            </a:prstGeom>
+          </p:spPr>
+          <p:style>
+            <a:lnRef idx="2">
+              <a:schemeClr val="dk1"/>
+            </a:lnRef>
+            <a:fillRef idx="1">
+              <a:schemeClr val="lt1"/>
+            </a:fillRef>
+            <a:effectRef idx="0">
+              <a:schemeClr val="dk1"/>
+            </a:effectRef>
+            <a:fontRef idx="minor">
+              <a:schemeClr val="dk1"/>
+            </a:fontRef>
+          </p:style>
+          <p:txBody>
+            <a:bodyPr wrap="square" rtlCol="0">
+              <a:spAutoFit/>
+            </a:bodyPr>
+            <a:lstStyle/>
+            <a:p>
+              <a:r>
+                <a:rPr lang="de-DE" b="1">
+                  <a:solidFill>
+                    <a:schemeClr val="accent1"/>
+                  </a:solidFill>
+                </a:rPr>
+                <a:t>Originator: </a:t>
+              </a:r>
+              <a:r>
+                <a:rPr lang="de-DE">
+                  <a:solidFill>
+                    <a:schemeClr val="tx1"/>
+                  </a:solidFill>
+                </a:rPr>
+                <a:t>Anforderungsbeschreibung, S. 4 </a:t>
+              </a:r>
+            </a:p>
+            <a:p>
+              <a:endParaRPr lang="de-DE"/>
+            </a:p>
+          </p:txBody>
+        </p:sp>
+        <p:sp>
+          <p:nvSpPr>
+            <p:cNvPr id="12" name="Textfeld 11">
+              <a:extLst>
+                <a:ext uri="{FF2B5EF4-FFF2-40B4-BE49-F238E27FC236}">
+                  <a16:creationId xmlns:a16="http://schemas.microsoft.com/office/drawing/2014/main" id="{E63783F4-2393-8907-8C48-5AB12D082E4B}"/>
+                </a:ext>
+              </a:extLst>
+            </p:cNvPr>
+            <p:cNvSpPr txBox="1"/>
+            <p:nvPr/>
+          </p:nvSpPr>
+          <p:spPr>
+            <a:xfrm>
+              <a:off x="176530" y="4191933"/>
+              <a:ext cx="11838940" cy="646331"/>
+            </a:xfrm>
+            <a:prstGeom prst="rect">
+              <a:avLst/>
+            </a:prstGeom>
+          </p:spPr>
+          <p:style>
+            <a:lnRef idx="2">
+              <a:schemeClr val="dk1"/>
+            </a:lnRef>
+            <a:fillRef idx="1">
+              <a:schemeClr val="lt1"/>
+            </a:fillRef>
+            <a:effectRef idx="0">
+              <a:schemeClr val="dk1"/>
+            </a:effectRef>
+            <a:fontRef idx="minor">
+              <a:schemeClr val="dk1"/>
+            </a:fontRef>
+          </p:style>
+          <p:txBody>
+            <a:bodyPr wrap="square" rtlCol="0">
+              <a:spAutoFit/>
+            </a:bodyPr>
+            <a:lstStyle/>
+            <a:p>
+              <a:r>
+                <a:rPr lang="de-DE" b="1">
+                  <a:solidFill>
+                    <a:schemeClr val="accent1"/>
+                  </a:solidFill>
+                </a:rPr>
+                <a:t>Fit Criterion: </a:t>
+              </a:r>
+              <a:r>
+                <a:rPr lang="de-DE">
+                  <a:solidFill>
+                    <a:schemeClr val="tx1"/>
+                  </a:solidFill>
+                </a:rPr>
+                <a:t>Installation der Software funktioniert wie in README beschrieben.</a:t>
+              </a:r>
+            </a:p>
+            <a:p>
+              <a:endParaRPr lang="de-DE"/>
+            </a:p>
+          </p:txBody>
+        </p:sp>
+      </p:grpSp>
+      <p:grpSp>
+        <p:nvGrpSpPr>
+          <p:cNvPr id="15" name="Gruppieren 14">
+            <a:extLst>
+              <a:ext uri="{FF2B5EF4-FFF2-40B4-BE49-F238E27FC236}">
+                <a16:creationId xmlns:a16="http://schemas.microsoft.com/office/drawing/2014/main" id="{76CB6A5A-7F48-9020-EFC3-6CA440634A98}"/>
+              </a:ext>
+            </a:extLst>
+          </p:cNvPr>
+          <p:cNvGrpSpPr/>
+          <p:nvPr/>
+        </p:nvGrpSpPr>
+        <p:grpSpPr>
+          <a:xfrm>
+            <a:off x="168751" y="4866983"/>
+            <a:ext cx="11823383" cy="369332"/>
+            <a:chOff x="176530" y="1113153"/>
+            <a:chExt cx="11823383" cy="369332"/>
+          </a:xfrm>
+        </p:grpSpPr>
+        <p:sp>
+          <p:nvSpPr>
+            <p:cNvPr id="16" name="Textfeld 15">
+              <a:extLst>
+                <a:ext uri="{FF2B5EF4-FFF2-40B4-BE49-F238E27FC236}">
+                  <a16:creationId xmlns:a16="http://schemas.microsoft.com/office/drawing/2014/main" id="{45C9B127-9B1D-9540-1BB1-E2040C860179}"/>
+                </a:ext>
+              </a:extLst>
+            </p:cNvPr>
+            <p:cNvSpPr txBox="1"/>
+            <p:nvPr/>
+          </p:nvSpPr>
+          <p:spPr>
+            <a:xfrm>
+              <a:off x="176530" y="1113153"/>
+              <a:ext cx="2309119" cy="369332"/>
+            </a:xfrm>
+            <a:prstGeom prst="rect">
+              <a:avLst/>
+            </a:prstGeom>
+          </p:spPr>
+          <p:style>
+            <a:lnRef idx="2">
+              <a:schemeClr val="dk1"/>
+            </a:lnRef>
+            <a:fillRef idx="1">
+              <a:schemeClr val="lt1"/>
+            </a:fillRef>
+            <a:effectRef idx="0">
+              <a:schemeClr val="dk1"/>
+            </a:effectRef>
+            <a:fontRef idx="minor">
+              <a:schemeClr val="dk1"/>
+            </a:fontRef>
+          </p:style>
+          <p:txBody>
+            <a:bodyPr wrap="square" rtlCol="0">
+              <a:spAutoFit/>
+            </a:bodyPr>
+            <a:lstStyle/>
+            <a:p>
+              <a:r>
+                <a:rPr lang="de-DE" b="1">
+                  <a:solidFill>
+                    <a:schemeClr val="accent1"/>
+                  </a:solidFill>
+                </a:rPr>
+                <a:t>Priority: </a:t>
+              </a:r>
+              <a:r>
+                <a:rPr lang="de-DE">
+                  <a:solidFill>
+                    <a:schemeClr val="tx1"/>
+                  </a:solidFill>
+                </a:rPr>
+                <a:t>Must</a:t>
+              </a:r>
+            </a:p>
+          </p:txBody>
+        </p:sp>
+        <p:sp>
+          <p:nvSpPr>
+            <p:cNvPr id="17" name="Textfeld 16">
+              <a:extLst>
+                <a:ext uri="{FF2B5EF4-FFF2-40B4-BE49-F238E27FC236}">
+                  <a16:creationId xmlns:a16="http://schemas.microsoft.com/office/drawing/2014/main" id="{99EF90F2-90A5-4655-AB3D-54485722E066}"/>
+                </a:ext>
+              </a:extLst>
+            </p:cNvPr>
+            <p:cNvSpPr txBox="1"/>
+            <p:nvPr/>
+          </p:nvSpPr>
+          <p:spPr>
+            <a:xfrm>
+              <a:off x="2630905" y="1113153"/>
+              <a:ext cx="3319839" cy="369332"/>
+            </a:xfrm>
+            <a:prstGeom prst="rect">
+              <a:avLst/>
+            </a:prstGeom>
+          </p:spPr>
+          <p:style>
+            <a:lnRef idx="2">
+              <a:schemeClr val="dk1"/>
+            </a:lnRef>
+            <a:fillRef idx="1">
+              <a:schemeClr val="lt1"/>
+            </a:fillRef>
+            <a:effectRef idx="0">
+              <a:schemeClr val="dk1"/>
+            </a:effectRef>
+            <a:fontRef idx="minor">
+              <a:schemeClr val="dk1"/>
+            </a:fontRef>
+          </p:style>
+          <p:txBody>
+            <a:bodyPr wrap="square" rtlCol="0">
+              <a:spAutoFit/>
+            </a:bodyPr>
+            <a:lstStyle/>
+            <a:p>
+              <a:r>
+                <a:rPr lang="de-DE" b="1">
+                  <a:solidFill>
+                    <a:schemeClr val="accent1"/>
+                  </a:solidFill>
+                </a:rPr>
+                <a:t>Customer Satisfaction:</a:t>
+              </a:r>
+            </a:p>
+          </p:txBody>
+        </p:sp>
+        <p:sp>
+          <p:nvSpPr>
+            <p:cNvPr id="18" name="Textfeld 17">
+              <a:extLst>
+                <a:ext uri="{FF2B5EF4-FFF2-40B4-BE49-F238E27FC236}">
+                  <a16:creationId xmlns:a16="http://schemas.microsoft.com/office/drawing/2014/main" id="{3F33CF44-F512-1902-7BC6-21A8008578DF}"/>
+                </a:ext>
+              </a:extLst>
+            </p:cNvPr>
+            <p:cNvSpPr txBox="1"/>
+            <p:nvPr/>
+          </p:nvSpPr>
+          <p:spPr>
+            <a:xfrm>
+              <a:off x="6096000" y="1113153"/>
+              <a:ext cx="5903913" cy="369332"/>
+            </a:xfrm>
+            <a:prstGeom prst="rect">
+              <a:avLst/>
+            </a:prstGeom>
+          </p:spPr>
+          <p:style>
+            <a:lnRef idx="2">
+              <a:schemeClr val="dk1"/>
+            </a:lnRef>
+            <a:fillRef idx="1">
+              <a:schemeClr val="lt1"/>
+            </a:fillRef>
+            <a:effectRef idx="0">
+              <a:schemeClr val="dk1"/>
+            </a:effectRef>
+            <a:fontRef idx="minor">
+              <a:schemeClr val="dk1"/>
+            </a:fontRef>
+          </p:style>
+          <p:txBody>
+            <a:bodyPr wrap="square" rtlCol="0">
+              <a:spAutoFit/>
+            </a:bodyPr>
+            <a:lstStyle/>
+            <a:p>
+              <a:r>
+                <a:rPr lang="de-DE" b="1">
+                  <a:solidFill>
+                    <a:schemeClr val="accent1"/>
+                  </a:solidFill>
+                </a:rPr>
+                <a:t>Customer Dissatisfaction:</a:t>
+              </a:r>
+            </a:p>
+          </p:txBody>
+        </p:sp>
+      </p:grpSp>
+      <p:sp>
+        <p:nvSpPr>
+          <p:cNvPr id="19" name="Textfeld 18">
+            <a:extLst>
+              <a:ext uri="{FF2B5EF4-FFF2-40B4-BE49-F238E27FC236}">
+                <a16:creationId xmlns:a16="http://schemas.microsoft.com/office/drawing/2014/main" id="{9354BCD0-8CAB-291B-9993-3A3518B81AFF}"/>
+              </a:ext>
+            </a:extLst>
+          </p:cNvPr>
+          <p:cNvSpPr txBox="1"/>
+          <p:nvPr/>
+        </p:nvSpPr>
+        <p:spPr>
+          <a:xfrm>
+            <a:off x="184308" y="5441496"/>
+            <a:ext cx="5766436" cy="923330"/>
+          </a:xfrm>
+          <a:prstGeom prst="rect">
+            <a:avLst/>
+          </a:prstGeom>
+        </p:spPr>
+        <p:style>
+          <a:lnRef idx="2">
+            <a:schemeClr val="dk1"/>
+          </a:lnRef>
+          <a:fillRef idx="1">
+            <a:schemeClr val="lt1"/>
+          </a:fillRef>
+          <a:effectRef idx="0">
+            <a:schemeClr val="dk1"/>
+          </a:effectRef>
+          <a:fontRef idx="minor">
+            <a:schemeClr val="dk1"/>
+          </a:fontRef>
+        </p:style>
+        <p:txBody>
+          <a:bodyPr wrap="square" rtlCol="0">
+            <a:spAutoFit/>
+          </a:bodyPr>
+          <a:lstStyle/>
+          <a:p>
+            <a:r>
+              <a:rPr lang="de-DE" b="1">
+                <a:solidFill>
+                  <a:schemeClr val="accent1"/>
+                </a:solidFill>
+              </a:rPr>
+              <a:t>Supporting Material:</a:t>
+            </a:r>
+          </a:p>
+          <a:p>
+            <a:endParaRPr lang="de-DE"/>
+          </a:p>
+          <a:p>
+            <a:endParaRPr lang="de-DE"/>
+          </a:p>
+        </p:txBody>
+      </p:sp>
+      <p:sp>
+        <p:nvSpPr>
+          <p:cNvPr id="20" name="Textfeld 19">
+            <a:extLst>
+              <a:ext uri="{FF2B5EF4-FFF2-40B4-BE49-F238E27FC236}">
+                <a16:creationId xmlns:a16="http://schemas.microsoft.com/office/drawing/2014/main" id="{D73A936E-C60E-8377-B014-C411EF76E39C}"/>
+              </a:ext>
+            </a:extLst>
+          </p:cNvPr>
+          <p:cNvSpPr txBox="1"/>
+          <p:nvPr/>
+        </p:nvSpPr>
+        <p:spPr>
+          <a:xfrm>
+            <a:off x="6103778" y="5441496"/>
+            <a:ext cx="5888356" cy="923330"/>
+          </a:xfrm>
+          <a:prstGeom prst="rect">
+            <a:avLst/>
+          </a:prstGeom>
+        </p:spPr>
+        <p:style>
+          <a:lnRef idx="2">
+            <a:schemeClr val="dk1"/>
+          </a:lnRef>
+          <a:fillRef idx="1">
+            <a:schemeClr val="lt1"/>
+          </a:fillRef>
+          <a:effectRef idx="0">
+            <a:schemeClr val="dk1"/>
+          </a:effectRef>
+          <a:fontRef idx="minor">
+            <a:schemeClr val="dk1"/>
+          </a:fontRef>
+        </p:style>
+        <p:txBody>
+          <a:bodyPr wrap="square" rtlCol="0">
+            <a:spAutoFit/>
+          </a:bodyPr>
+          <a:lstStyle/>
+          <a:p>
+            <a:r>
+              <a:rPr lang="de-DE" b="1">
+                <a:solidFill>
+                  <a:schemeClr val="accent1"/>
+                </a:solidFill>
+              </a:rPr>
+              <a:t>Conflicts:</a:t>
+            </a:r>
+          </a:p>
+          <a:p>
+            <a:endParaRPr lang="de-DE"/>
+          </a:p>
+          <a:p>
+            <a:endParaRPr lang="de-DE"/>
+          </a:p>
+        </p:txBody>
+      </p:sp>
+    </p:spTree>
+    <p:extLst>
+      <p:ext uri="{BB962C8B-B14F-4D97-AF65-F5344CB8AC3E}">
+        <p14:creationId xmlns:p14="http://schemas.microsoft.com/office/powerpoint/2010/main" val="687908513"/>
+      </p:ext>
+    </p:extLst>
+  </p:cSld>
+  <p:clrMapOvr>
+    <a:masterClrMapping/>
+  </p:clrMapOvr>
+</p:sld>
+</file>
+
+<file path=ppt/slides/slide22.xml><?xml version="1.0" encoding="utf-8"?>
+<p:sld xmlns:a="http://schemas.openxmlformats.org/drawingml/2006/main" xmlns:r="http://schemas.openxmlformats.org/officeDocument/2006/relationships" xmlns:p="http://schemas.openxmlformats.org/presentationml/2006/main">
+  <p:cSld>
+    <p:spTree>
+      <p:nvGrpSpPr>
+        <p:cNvPr id="1" name="">
+          <a:extLst>
+            <a:ext uri="{FF2B5EF4-FFF2-40B4-BE49-F238E27FC236}">
+              <a16:creationId xmlns:a16="http://schemas.microsoft.com/office/drawing/2014/main" id="{517C85EA-978A-260C-866C-EE23E736E0CA}"/>
+            </a:ext>
+          </a:extLst>
+        </p:cNvPr>
+        <p:cNvGrpSpPr/>
+        <p:nvPr/>
+      </p:nvGrpSpPr>
+      <p:grpSpPr>
+        <a:xfrm>
+          <a:off x="0" y="0"/>
+          <a:ext cx="0" cy="0"/>
+          <a:chOff x="0" y="0"/>
+          <a:chExt cx="0" cy="0"/>
+        </a:xfrm>
+      </p:grpSpPr>
+      <p:sp>
+        <p:nvSpPr>
+          <p:cNvPr id="5" name="Titel 4">
+            <a:extLst>
+              <a:ext uri="{FF2B5EF4-FFF2-40B4-BE49-F238E27FC236}">
+                <a16:creationId xmlns:a16="http://schemas.microsoft.com/office/drawing/2014/main" id="{C86465E3-8B04-BAB9-11A7-A14CBFA562FF}"/>
+              </a:ext>
+            </a:extLst>
+          </p:cNvPr>
+          <p:cNvSpPr>
+            <a:spLocks noGrp="1"/>
+          </p:cNvSpPr>
+          <p:nvPr>
+            <p:ph type="title"/>
+          </p:nvPr>
+        </p:nvSpPr>
+        <p:spPr>
+          <a:xfrm>
+            <a:off x="1343025" y="152400"/>
+            <a:ext cx="10656888" cy="468314"/>
+          </a:xfrm>
+        </p:spPr>
+        <p:txBody>
+          <a:bodyPr/>
+          <a:lstStyle/>
+          <a:p>
+            <a:r>
+              <a:rPr lang="de-DE"/>
+              <a:t>Nicht-Funktionale Anforderungen</a:t>
+            </a:r>
+            <a:endParaRPr lang="de-DE" dirty="0"/>
+          </a:p>
+        </p:txBody>
+      </p:sp>
+      <p:grpSp>
+        <p:nvGrpSpPr>
+          <p:cNvPr id="13" name="Gruppieren 12">
+            <a:extLst>
+              <a:ext uri="{FF2B5EF4-FFF2-40B4-BE49-F238E27FC236}">
+                <a16:creationId xmlns:a16="http://schemas.microsoft.com/office/drawing/2014/main" id="{6FE3B6CC-BB0E-28BD-2578-7B2ECC1CD00C}"/>
+              </a:ext>
+            </a:extLst>
+          </p:cNvPr>
+          <p:cNvGrpSpPr/>
+          <p:nvPr/>
+        </p:nvGrpSpPr>
+        <p:grpSpPr>
+          <a:xfrm>
+            <a:off x="176530" y="1014171"/>
+            <a:ext cx="11823383" cy="369332"/>
+            <a:chOff x="176530" y="1113153"/>
+            <a:chExt cx="11823383" cy="369332"/>
+          </a:xfrm>
+        </p:grpSpPr>
+        <p:sp>
+          <p:nvSpPr>
+            <p:cNvPr id="3" name="Textfeld 2">
+              <a:extLst>
+                <a:ext uri="{FF2B5EF4-FFF2-40B4-BE49-F238E27FC236}">
+                  <a16:creationId xmlns:a16="http://schemas.microsoft.com/office/drawing/2014/main" id="{7F58610F-4679-A818-306D-164616EE38BD}"/>
+                </a:ext>
+              </a:extLst>
+            </p:cNvPr>
+            <p:cNvSpPr txBox="1"/>
+            <p:nvPr/>
+          </p:nvSpPr>
+          <p:spPr>
+            <a:xfrm>
+              <a:off x="176530" y="1113153"/>
+              <a:ext cx="2309119" cy="369332"/>
+            </a:xfrm>
+            <a:prstGeom prst="rect">
+              <a:avLst/>
+            </a:prstGeom>
+          </p:spPr>
+          <p:style>
+            <a:lnRef idx="2">
+              <a:schemeClr val="dk1"/>
+            </a:lnRef>
+            <a:fillRef idx="1">
+              <a:schemeClr val="lt1"/>
+            </a:fillRef>
+            <a:effectRef idx="0">
+              <a:schemeClr val="dk1"/>
+            </a:effectRef>
+            <a:fontRef idx="minor">
+              <a:schemeClr val="dk1"/>
+            </a:fontRef>
+          </p:style>
+          <p:txBody>
+            <a:bodyPr wrap="square" rtlCol="0">
+              <a:spAutoFit/>
+            </a:bodyPr>
+            <a:lstStyle/>
+            <a:p>
+              <a:r>
+                <a:rPr lang="de-DE" b="1">
+                  <a:solidFill>
+                    <a:schemeClr val="accent1"/>
+                  </a:solidFill>
+                </a:rPr>
+                <a:t>Req-ID:</a:t>
+              </a:r>
+            </a:p>
+          </p:txBody>
+        </p:sp>
+        <p:sp>
+          <p:nvSpPr>
+            <p:cNvPr id="4" name="Textfeld 3">
+              <a:extLst>
+                <a:ext uri="{FF2B5EF4-FFF2-40B4-BE49-F238E27FC236}">
+                  <a16:creationId xmlns:a16="http://schemas.microsoft.com/office/drawing/2014/main" id="{86CC5A54-4D34-F9CB-6AAD-10815C3A4D8B}"/>
+                </a:ext>
+              </a:extLst>
+            </p:cNvPr>
+            <p:cNvSpPr txBox="1"/>
+            <p:nvPr/>
+          </p:nvSpPr>
+          <p:spPr>
+            <a:xfrm>
+              <a:off x="2630905" y="1113153"/>
+              <a:ext cx="3319839" cy="369332"/>
+            </a:xfrm>
+            <a:prstGeom prst="rect">
+              <a:avLst/>
+            </a:prstGeom>
+          </p:spPr>
+          <p:style>
+            <a:lnRef idx="2">
+              <a:schemeClr val="dk1"/>
+            </a:lnRef>
+            <a:fillRef idx="1">
+              <a:schemeClr val="lt1"/>
+            </a:fillRef>
+            <a:effectRef idx="0">
+              <a:schemeClr val="dk1"/>
+            </a:effectRef>
+            <a:fontRef idx="minor">
+              <a:schemeClr val="dk1"/>
+            </a:fontRef>
+          </p:style>
+          <p:txBody>
+            <a:bodyPr wrap="square" rtlCol="0">
+              <a:spAutoFit/>
+            </a:bodyPr>
+            <a:lstStyle/>
+            <a:p>
+              <a:r>
+                <a:rPr lang="de-DE" b="1">
+                  <a:solidFill>
+                    <a:schemeClr val="accent1"/>
+                  </a:solidFill>
+                </a:rPr>
+                <a:t>Req-Type: </a:t>
+              </a:r>
+              <a:r>
+                <a:rPr lang="de-DE">
+                  <a:solidFill>
+                    <a:schemeClr val="tx1"/>
+                  </a:solidFill>
+                </a:rPr>
+                <a:t>Nicht-Funktional</a:t>
+              </a:r>
+            </a:p>
+          </p:txBody>
+        </p:sp>
+        <p:sp>
+          <p:nvSpPr>
+            <p:cNvPr id="8" name="Textfeld 7">
+              <a:extLst>
+                <a:ext uri="{FF2B5EF4-FFF2-40B4-BE49-F238E27FC236}">
+                  <a16:creationId xmlns:a16="http://schemas.microsoft.com/office/drawing/2014/main" id="{3051B4FC-19BC-450C-E2DB-89FE86C1E57D}"/>
+                </a:ext>
+              </a:extLst>
+            </p:cNvPr>
+            <p:cNvSpPr txBox="1"/>
+            <p:nvPr/>
+          </p:nvSpPr>
+          <p:spPr>
+            <a:xfrm>
+              <a:off x="6096000" y="1113153"/>
+              <a:ext cx="5903913" cy="369332"/>
+            </a:xfrm>
+            <a:prstGeom prst="rect">
+              <a:avLst/>
+            </a:prstGeom>
+          </p:spPr>
+          <p:style>
+            <a:lnRef idx="2">
+              <a:schemeClr val="dk1"/>
+            </a:lnRef>
+            <a:fillRef idx="1">
+              <a:schemeClr val="lt1"/>
+            </a:fillRef>
+            <a:effectRef idx="0">
+              <a:schemeClr val="dk1"/>
+            </a:effectRef>
+            <a:fontRef idx="minor">
+              <a:schemeClr val="dk1"/>
+            </a:fontRef>
+          </p:style>
+          <p:txBody>
+            <a:bodyPr wrap="square" rtlCol="0">
+              <a:spAutoFit/>
+            </a:bodyPr>
+            <a:lstStyle/>
+            <a:p>
+              <a:r>
+                <a:rPr lang="de-DE" b="1">
+                  <a:solidFill>
+                    <a:schemeClr val="accent1"/>
+                  </a:solidFill>
+                </a:rPr>
+                <a:t>Events/UC: </a:t>
+              </a:r>
+              <a:r>
+                <a:rPr lang="de-DE">
+                  <a:solidFill>
+                    <a:schemeClr val="tx1"/>
+                  </a:solidFill>
+                </a:rPr>
+                <a:t>Änderungen in der Software</a:t>
+              </a:r>
+              <a:endParaRPr lang="de-DE">
+                <a:solidFill>
+                  <a:schemeClr val="accent1"/>
+                </a:solidFill>
+              </a:endParaRPr>
+            </a:p>
+          </p:txBody>
+        </p:sp>
+      </p:grpSp>
+      <p:grpSp>
+        <p:nvGrpSpPr>
+          <p:cNvPr id="14" name="Gruppieren 13">
+            <a:extLst>
+              <a:ext uri="{FF2B5EF4-FFF2-40B4-BE49-F238E27FC236}">
+                <a16:creationId xmlns:a16="http://schemas.microsoft.com/office/drawing/2014/main" id="{7C5D9CB8-B827-9E91-4153-14124C9ABE3B}"/>
+              </a:ext>
+            </a:extLst>
+          </p:cNvPr>
+          <p:cNvGrpSpPr/>
+          <p:nvPr/>
+        </p:nvGrpSpPr>
+        <p:grpSpPr>
+          <a:xfrm>
+            <a:off x="168751" y="1549163"/>
+            <a:ext cx="11854497" cy="3112638"/>
+            <a:chOff x="160973" y="1725626"/>
+            <a:chExt cx="11854497" cy="3112638"/>
+          </a:xfrm>
+        </p:grpSpPr>
+        <p:sp>
+          <p:nvSpPr>
+            <p:cNvPr id="9" name="Textfeld 8">
+              <a:extLst>
+                <a:ext uri="{FF2B5EF4-FFF2-40B4-BE49-F238E27FC236}">
+                  <a16:creationId xmlns:a16="http://schemas.microsoft.com/office/drawing/2014/main" id="{E8A4FEB7-B413-06E3-C8F4-E40B0ADA729B}"/>
+                </a:ext>
+              </a:extLst>
+            </p:cNvPr>
+            <p:cNvSpPr txBox="1"/>
+            <p:nvPr/>
+          </p:nvSpPr>
+          <p:spPr>
+            <a:xfrm>
+              <a:off x="160973" y="1725626"/>
+              <a:ext cx="11838940" cy="646331"/>
+            </a:xfrm>
+            <a:prstGeom prst="rect">
+              <a:avLst/>
+            </a:prstGeom>
+          </p:spPr>
+          <p:style>
+            <a:lnRef idx="2">
+              <a:schemeClr val="dk1"/>
+            </a:lnRef>
+            <a:fillRef idx="1">
+              <a:schemeClr val="lt1"/>
+            </a:fillRef>
+            <a:effectRef idx="0">
+              <a:schemeClr val="dk1"/>
+            </a:effectRef>
+            <a:fontRef idx="minor">
+              <a:schemeClr val="dk1"/>
+            </a:fontRef>
+          </p:style>
+          <p:txBody>
+            <a:bodyPr wrap="square" rtlCol="0">
+              <a:spAutoFit/>
+            </a:bodyPr>
+            <a:lstStyle/>
+            <a:p>
+              <a:r>
+                <a:rPr lang="de-DE" b="1">
+                  <a:solidFill>
+                    <a:schemeClr val="accent1"/>
+                  </a:solidFill>
+                </a:rPr>
+                <a:t>Description: </a:t>
+              </a:r>
+              <a:r>
+                <a:rPr lang="de-DE">
+                  <a:solidFill>
+                    <a:schemeClr val="tx1"/>
+                  </a:solidFill>
+                </a:rPr>
+                <a:t>Automatisierte Tests durch CI/CD-Pipeline. </a:t>
+              </a:r>
+            </a:p>
+            <a:p>
+              <a:endParaRPr lang="de-DE"/>
+            </a:p>
+          </p:txBody>
+        </p:sp>
+        <p:sp>
+          <p:nvSpPr>
+            <p:cNvPr id="10" name="Textfeld 9">
+              <a:extLst>
+                <a:ext uri="{FF2B5EF4-FFF2-40B4-BE49-F238E27FC236}">
+                  <a16:creationId xmlns:a16="http://schemas.microsoft.com/office/drawing/2014/main" id="{678C76D3-8627-BEF1-3274-2DADCAFE8D3E}"/>
+                </a:ext>
+              </a:extLst>
+            </p:cNvPr>
+            <p:cNvSpPr txBox="1"/>
+            <p:nvPr/>
+          </p:nvSpPr>
+          <p:spPr>
+            <a:xfrm>
+              <a:off x="160973" y="2533023"/>
+              <a:ext cx="11838940" cy="646331"/>
+            </a:xfrm>
+            <a:prstGeom prst="rect">
+              <a:avLst/>
+            </a:prstGeom>
+          </p:spPr>
+          <p:style>
+            <a:lnRef idx="2">
+              <a:schemeClr val="dk1"/>
+            </a:lnRef>
+            <a:fillRef idx="1">
+              <a:schemeClr val="lt1"/>
+            </a:fillRef>
+            <a:effectRef idx="0">
+              <a:schemeClr val="dk1"/>
+            </a:effectRef>
+            <a:fontRef idx="minor">
+              <a:schemeClr val="dk1"/>
+            </a:fontRef>
+          </p:style>
+          <p:txBody>
+            <a:bodyPr wrap="square" rtlCol="0">
+              <a:spAutoFit/>
+            </a:bodyPr>
+            <a:lstStyle/>
+            <a:p>
+              <a:r>
+                <a:rPr lang="de-DE" b="1">
+                  <a:solidFill>
+                    <a:schemeClr val="accent1"/>
+                  </a:solidFill>
+                </a:rPr>
+                <a:t>Rationale: </a:t>
+              </a:r>
+              <a:r>
+                <a:rPr lang="de-DE">
+                  <a:solidFill>
+                    <a:schemeClr val="tx1"/>
+                  </a:solidFill>
+                </a:rPr>
+                <a:t>Stabilität und Vermeidung von Fehlern bei Softwareänderungen.</a:t>
+              </a:r>
+            </a:p>
+            <a:p>
+              <a:endParaRPr lang="de-DE"/>
+            </a:p>
+          </p:txBody>
+        </p:sp>
+        <p:sp>
+          <p:nvSpPr>
+            <p:cNvPr id="11" name="Textfeld 10">
+              <a:extLst>
+                <a:ext uri="{FF2B5EF4-FFF2-40B4-BE49-F238E27FC236}">
+                  <a16:creationId xmlns:a16="http://schemas.microsoft.com/office/drawing/2014/main" id="{F3E82756-D243-532B-9264-E7F2584F73C9}"/>
+                </a:ext>
+              </a:extLst>
+            </p:cNvPr>
+            <p:cNvSpPr txBox="1"/>
+            <p:nvPr/>
+          </p:nvSpPr>
+          <p:spPr>
+            <a:xfrm>
+              <a:off x="176530" y="3340420"/>
+              <a:ext cx="11838940" cy="646331"/>
+            </a:xfrm>
+            <a:prstGeom prst="rect">
+              <a:avLst/>
+            </a:prstGeom>
+          </p:spPr>
+          <p:style>
+            <a:lnRef idx="2">
+              <a:schemeClr val="dk1"/>
+            </a:lnRef>
+            <a:fillRef idx="1">
+              <a:schemeClr val="lt1"/>
+            </a:fillRef>
+            <a:effectRef idx="0">
+              <a:schemeClr val="dk1"/>
+            </a:effectRef>
+            <a:fontRef idx="minor">
+              <a:schemeClr val="dk1"/>
+            </a:fontRef>
+          </p:style>
+          <p:txBody>
+            <a:bodyPr wrap="square" rtlCol="0">
+              <a:spAutoFit/>
+            </a:bodyPr>
+            <a:lstStyle/>
+            <a:p>
+              <a:r>
+                <a:rPr lang="de-DE" b="1">
+                  <a:solidFill>
+                    <a:schemeClr val="accent1"/>
+                  </a:solidFill>
+                </a:rPr>
+                <a:t>Originator: </a:t>
+              </a:r>
+              <a:r>
+                <a:rPr lang="de-DE">
+                  <a:solidFill>
+                    <a:schemeClr val="tx1"/>
+                  </a:solidFill>
+                </a:rPr>
+                <a:t>Anforderungsbeschreibung, S. 4 </a:t>
+              </a:r>
+            </a:p>
+            <a:p>
+              <a:endParaRPr lang="de-DE"/>
+            </a:p>
+          </p:txBody>
+        </p:sp>
+        <p:sp>
+          <p:nvSpPr>
+            <p:cNvPr id="12" name="Textfeld 11">
+              <a:extLst>
+                <a:ext uri="{FF2B5EF4-FFF2-40B4-BE49-F238E27FC236}">
+                  <a16:creationId xmlns:a16="http://schemas.microsoft.com/office/drawing/2014/main" id="{D87DAFC6-022C-89C5-CC5F-FB887FD9AC95}"/>
+                </a:ext>
+              </a:extLst>
+            </p:cNvPr>
+            <p:cNvSpPr txBox="1"/>
+            <p:nvPr/>
+          </p:nvSpPr>
+          <p:spPr>
+            <a:xfrm>
+              <a:off x="176530" y="4191933"/>
+              <a:ext cx="11838940" cy="646331"/>
+            </a:xfrm>
+            <a:prstGeom prst="rect">
+              <a:avLst/>
+            </a:prstGeom>
+          </p:spPr>
+          <p:style>
+            <a:lnRef idx="2">
+              <a:schemeClr val="dk1"/>
+            </a:lnRef>
+            <a:fillRef idx="1">
+              <a:schemeClr val="lt1"/>
+            </a:fillRef>
+            <a:effectRef idx="0">
+              <a:schemeClr val="dk1"/>
+            </a:effectRef>
+            <a:fontRef idx="minor">
+              <a:schemeClr val="dk1"/>
+            </a:fontRef>
+          </p:style>
+          <p:txBody>
+            <a:bodyPr wrap="square" rtlCol="0">
+              <a:spAutoFit/>
+            </a:bodyPr>
+            <a:lstStyle/>
+            <a:p>
+              <a:r>
+                <a:rPr lang="de-DE" b="1">
+                  <a:solidFill>
+                    <a:schemeClr val="accent1"/>
+                  </a:solidFill>
+                </a:rPr>
+                <a:t>Fit Criterion: </a:t>
+              </a:r>
+              <a:r>
+                <a:rPr lang="de-DE">
+                  <a:solidFill>
+                    <a:schemeClr val="tx1"/>
+                  </a:solidFill>
+                </a:rPr>
+                <a:t>Pipeline führt neue Commits automatisch bei neuen Commits aus.</a:t>
+              </a:r>
+            </a:p>
+            <a:p>
+              <a:endParaRPr lang="de-DE"/>
+            </a:p>
+          </p:txBody>
+        </p:sp>
+      </p:grpSp>
+      <p:grpSp>
+        <p:nvGrpSpPr>
+          <p:cNvPr id="15" name="Gruppieren 14">
+            <a:extLst>
+              <a:ext uri="{FF2B5EF4-FFF2-40B4-BE49-F238E27FC236}">
+                <a16:creationId xmlns:a16="http://schemas.microsoft.com/office/drawing/2014/main" id="{46BD66D9-441C-8638-D9A6-F85E9F4611FB}"/>
+              </a:ext>
+            </a:extLst>
+          </p:cNvPr>
+          <p:cNvGrpSpPr/>
+          <p:nvPr/>
+        </p:nvGrpSpPr>
+        <p:grpSpPr>
+          <a:xfrm>
+            <a:off x="168751" y="4866983"/>
+            <a:ext cx="11823383" cy="369332"/>
+            <a:chOff x="176530" y="1113153"/>
+            <a:chExt cx="11823383" cy="369332"/>
+          </a:xfrm>
+        </p:grpSpPr>
+        <p:sp>
+          <p:nvSpPr>
+            <p:cNvPr id="16" name="Textfeld 15">
+              <a:extLst>
+                <a:ext uri="{FF2B5EF4-FFF2-40B4-BE49-F238E27FC236}">
+                  <a16:creationId xmlns:a16="http://schemas.microsoft.com/office/drawing/2014/main" id="{6BC36B0F-7D89-EE19-3F30-52E7C9712680}"/>
+                </a:ext>
+              </a:extLst>
+            </p:cNvPr>
+            <p:cNvSpPr txBox="1"/>
+            <p:nvPr/>
+          </p:nvSpPr>
+          <p:spPr>
+            <a:xfrm>
+              <a:off x="176530" y="1113153"/>
+              <a:ext cx="2309119" cy="369332"/>
+            </a:xfrm>
+            <a:prstGeom prst="rect">
+              <a:avLst/>
+            </a:prstGeom>
+          </p:spPr>
+          <p:style>
+            <a:lnRef idx="2">
+              <a:schemeClr val="dk1"/>
+            </a:lnRef>
+            <a:fillRef idx="1">
+              <a:schemeClr val="lt1"/>
+            </a:fillRef>
+            <a:effectRef idx="0">
+              <a:schemeClr val="dk1"/>
+            </a:effectRef>
+            <a:fontRef idx="minor">
+              <a:schemeClr val="dk1"/>
+            </a:fontRef>
+          </p:style>
+          <p:txBody>
+            <a:bodyPr wrap="square" rtlCol="0">
+              <a:spAutoFit/>
+            </a:bodyPr>
+            <a:lstStyle/>
+            <a:p>
+              <a:r>
+                <a:rPr lang="de-DE" b="1">
+                  <a:solidFill>
+                    <a:schemeClr val="accent1"/>
+                  </a:solidFill>
+                </a:rPr>
+                <a:t>Priority: </a:t>
+              </a:r>
+              <a:r>
+                <a:rPr lang="de-DE">
+                  <a:solidFill>
+                    <a:schemeClr val="tx1"/>
+                  </a:solidFill>
+                </a:rPr>
+                <a:t>Could</a:t>
+              </a:r>
+            </a:p>
+          </p:txBody>
+        </p:sp>
+        <p:sp>
+          <p:nvSpPr>
+            <p:cNvPr id="17" name="Textfeld 16">
+              <a:extLst>
+                <a:ext uri="{FF2B5EF4-FFF2-40B4-BE49-F238E27FC236}">
+                  <a16:creationId xmlns:a16="http://schemas.microsoft.com/office/drawing/2014/main" id="{A0382F28-6289-C638-32B1-046E4CF1397F}"/>
+                </a:ext>
+              </a:extLst>
+            </p:cNvPr>
+            <p:cNvSpPr txBox="1"/>
+            <p:nvPr/>
+          </p:nvSpPr>
+          <p:spPr>
+            <a:xfrm>
+              <a:off x="2630905" y="1113153"/>
+              <a:ext cx="3319839" cy="369332"/>
+            </a:xfrm>
+            <a:prstGeom prst="rect">
+              <a:avLst/>
+            </a:prstGeom>
+          </p:spPr>
+          <p:style>
+            <a:lnRef idx="2">
+              <a:schemeClr val="dk1"/>
+            </a:lnRef>
+            <a:fillRef idx="1">
+              <a:schemeClr val="lt1"/>
+            </a:fillRef>
+            <a:effectRef idx="0">
+              <a:schemeClr val="dk1"/>
+            </a:effectRef>
+            <a:fontRef idx="minor">
+              <a:schemeClr val="dk1"/>
+            </a:fontRef>
+          </p:style>
+          <p:txBody>
+            <a:bodyPr wrap="square" rtlCol="0">
+              <a:spAutoFit/>
+            </a:bodyPr>
+            <a:lstStyle/>
+            <a:p>
+              <a:r>
+                <a:rPr lang="de-DE" b="1">
+                  <a:solidFill>
+                    <a:schemeClr val="accent1"/>
+                  </a:solidFill>
+                </a:rPr>
+                <a:t>Customer Satisfaction:</a:t>
+              </a:r>
+            </a:p>
+          </p:txBody>
+        </p:sp>
+        <p:sp>
+          <p:nvSpPr>
+            <p:cNvPr id="18" name="Textfeld 17">
+              <a:extLst>
+                <a:ext uri="{FF2B5EF4-FFF2-40B4-BE49-F238E27FC236}">
+                  <a16:creationId xmlns:a16="http://schemas.microsoft.com/office/drawing/2014/main" id="{39EC7560-82F7-043C-14B5-4D6041144D15}"/>
+                </a:ext>
+              </a:extLst>
+            </p:cNvPr>
+            <p:cNvSpPr txBox="1"/>
+            <p:nvPr/>
+          </p:nvSpPr>
+          <p:spPr>
+            <a:xfrm>
+              <a:off x="6096000" y="1113153"/>
+              <a:ext cx="5903913" cy="369332"/>
+            </a:xfrm>
+            <a:prstGeom prst="rect">
+              <a:avLst/>
+            </a:prstGeom>
+          </p:spPr>
+          <p:style>
+            <a:lnRef idx="2">
+              <a:schemeClr val="dk1"/>
+            </a:lnRef>
+            <a:fillRef idx="1">
+              <a:schemeClr val="lt1"/>
+            </a:fillRef>
+            <a:effectRef idx="0">
+              <a:schemeClr val="dk1"/>
+            </a:effectRef>
+            <a:fontRef idx="minor">
+              <a:schemeClr val="dk1"/>
+            </a:fontRef>
+          </p:style>
+          <p:txBody>
+            <a:bodyPr wrap="square" rtlCol="0">
+              <a:spAutoFit/>
+            </a:bodyPr>
+            <a:lstStyle/>
+            <a:p>
+              <a:r>
+                <a:rPr lang="de-DE" b="1">
+                  <a:solidFill>
+                    <a:schemeClr val="accent1"/>
+                  </a:solidFill>
+                </a:rPr>
+                <a:t>Customer Dissatisfaction:</a:t>
+              </a:r>
+            </a:p>
+          </p:txBody>
+        </p:sp>
+      </p:grpSp>
+      <p:sp>
+        <p:nvSpPr>
+          <p:cNvPr id="19" name="Textfeld 18">
+            <a:extLst>
+              <a:ext uri="{FF2B5EF4-FFF2-40B4-BE49-F238E27FC236}">
+                <a16:creationId xmlns:a16="http://schemas.microsoft.com/office/drawing/2014/main" id="{06094B2E-9ADF-D53D-29D3-E12CD3C178C2}"/>
+              </a:ext>
+            </a:extLst>
+          </p:cNvPr>
+          <p:cNvSpPr txBox="1"/>
+          <p:nvPr/>
+        </p:nvSpPr>
+        <p:spPr>
+          <a:xfrm>
+            <a:off x="184308" y="5441496"/>
+            <a:ext cx="5766436" cy="923330"/>
+          </a:xfrm>
+          <a:prstGeom prst="rect">
+            <a:avLst/>
+          </a:prstGeom>
+        </p:spPr>
+        <p:style>
+          <a:lnRef idx="2">
+            <a:schemeClr val="dk1"/>
+          </a:lnRef>
+          <a:fillRef idx="1">
+            <a:schemeClr val="lt1"/>
+          </a:fillRef>
+          <a:effectRef idx="0">
+            <a:schemeClr val="dk1"/>
+          </a:effectRef>
+          <a:fontRef idx="minor">
+            <a:schemeClr val="dk1"/>
+          </a:fontRef>
+        </p:style>
+        <p:txBody>
+          <a:bodyPr wrap="square" rtlCol="0">
+            <a:spAutoFit/>
+          </a:bodyPr>
+          <a:lstStyle/>
+          <a:p>
+            <a:r>
+              <a:rPr lang="de-DE" b="1">
+                <a:solidFill>
+                  <a:schemeClr val="accent1"/>
+                </a:solidFill>
+              </a:rPr>
+              <a:t>Supporting Material:</a:t>
+            </a:r>
+          </a:p>
+          <a:p>
+            <a:endParaRPr lang="de-DE"/>
+          </a:p>
+          <a:p>
+            <a:endParaRPr lang="de-DE"/>
+          </a:p>
+        </p:txBody>
+      </p:sp>
+      <p:sp>
+        <p:nvSpPr>
+          <p:cNvPr id="20" name="Textfeld 19">
+            <a:extLst>
+              <a:ext uri="{FF2B5EF4-FFF2-40B4-BE49-F238E27FC236}">
+                <a16:creationId xmlns:a16="http://schemas.microsoft.com/office/drawing/2014/main" id="{379D07E7-2ACD-2C01-8AA5-990967BE8D64}"/>
+              </a:ext>
+            </a:extLst>
+          </p:cNvPr>
+          <p:cNvSpPr txBox="1"/>
+          <p:nvPr/>
+        </p:nvSpPr>
+        <p:spPr>
+          <a:xfrm>
+            <a:off x="6103778" y="5441496"/>
+            <a:ext cx="5888356" cy="923330"/>
+          </a:xfrm>
+          <a:prstGeom prst="rect">
+            <a:avLst/>
+          </a:prstGeom>
+        </p:spPr>
+        <p:style>
+          <a:lnRef idx="2">
+            <a:schemeClr val="dk1"/>
+          </a:lnRef>
+          <a:fillRef idx="1">
+            <a:schemeClr val="lt1"/>
+          </a:fillRef>
+          <a:effectRef idx="0">
+            <a:schemeClr val="dk1"/>
+          </a:effectRef>
+          <a:fontRef idx="minor">
+            <a:schemeClr val="dk1"/>
+          </a:fontRef>
+        </p:style>
+        <p:txBody>
+          <a:bodyPr wrap="square" rtlCol="0">
+            <a:spAutoFit/>
+          </a:bodyPr>
+          <a:lstStyle/>
+          <a:p>
+            <a:r>
+              <a:rPr lang="de-DE" b="1">
+                <a:solidFill>
+                  <a:schemeClr val="accent1"/>
+                </a:solidFill>
+              </a:rPr>
+              <a:t>Conflicts:</a:t>
+            </a:r>
+          </a:p>
+          <a:p>
+            <a:endParaRPr lang="de-DE"/>
+          </a:p>
+          <a:p>
+            <a:endParaRPr lang="de-DE"/>
+          </a:p>
+        </p:txBody>
+      </p:sp>
+    </p:spTree>
+    <p:extLst>
+      <p:ext uri="{BB962C8B-B14F-4D97-AF65-F5344CB8AC3E}">
+        <p14:creationId xmlns:p14="http://schemas.microsoft.com/office/powerpoint/2010/main" val="4012356867"/>
+      </p:ext>
+    </p:extLst>
+  </p:cSld>
+  <p:clrMapOvr>
+    <a:masterClrMapping/>
+  </p:clrMapOvr>
+</p:sld>
+</file>
+
+<file path=ppt/slides/slide23.xml><?xml version="1.0" encoding="utf-8"?>
+<p:sld xmlns:a="http://schemas.openxmlformats.org/drawingml/2006/main" xmlns:r="http://schemas.openxmlformats.org/officeDocument/2006/relationships" xmlns:p="http://schemas.openxmlformats.org/presentationml/2006/main">
+  <p:cSld>
+    <p:spTree>
+      <p:nvGrpSpPr>
+        <p:cNvPr id="1" name="">
+          <a:extLst>
+            <a:ext uri="{FF2B5EF4-FFF2-40B4-BE49-F238E27FC236}">
+              <a16:creationId xmlns:a16="http://schemas.microsoft.com/office/drawing/2014/main" id="{09522435-28F3-6080-B0A7-4CB499C50091}"/>
+            </a:ext>
+          </a:extLst>
+        </p:cNvPr>
+        <p:cNvGrpSpPr/>
+        <p:nvPr/>
+      </p:nvGrpSpPr>
+      <p:grpSpPr>
+        <a:xfrm>
+          <a:off x="0" y="0"/>
+          <a:ext cx="0" cy="0"/>
+          <a:chOff x="0" y="0"/>
+          <a:chExt cx="0" cy="0"/>
+        </a:xfrm>
+      </p:grpSpPr>
+      <p:sp>
+        <p:nvSpPr>
+          <p:cNvPr id="5" name="Titel 4">
+            <a:extLst>
+              <a:ext uri="{FF2B5EF4-FFF2-40B4-BE49-F238E27FC236}">
+                <a16:creationId xmlns:a16="http://schemas.microsoft.com/office/drawing/2014/main" id="{0681138F-C695-0E84-26CD-24954F4B17A4}"/>
+              </a:ext>
+            </a:extLst>
+          </p:cNvPr>
+          <p:cNvSpPr>
+            <a:spLocks noGrp="1"/>
+          </p:cNvSpPr>
+          <p:nvPr>
+            <p:ph type="title"/>
+          </p:nvPr>
+        </p:nvSpPr>
+        <p:spPr>
+          <a:xfrm>
+            <a:off x="1343025" y="152400"/>
+            <a:ext cx="10656888" cy="468314"/>
+          </a:xfrm>
+        </p:spPr>
+        <p:txBody>
+          <a:bodyPr/>
+          <a:lstStyle/>
+          <a:p>
+            <a:r>
+              <a:rPr lang="de-DE"/>
+              <a:t>Nicht-Funktionale Anforderungen</a:t>
+            </a:r>
+            <a:endParaRPr lang="de-DE" dirty="0"/>
+          </a:p>
+        </p:txBody>
+      </p:sp>
+      <p:grpSp>
+        <p:nvGrpSpPr>
+          <p:cNvPr id="13" name="Gruppieren 12">
+            <a:extLst>
+              <a:ext uri="{FF2B5EF4-FFF2-40B4-BE49-F238E27FC236}">
+                <a16:creationId xmlns:a16="http://schemas.microsoft.com/office/drawing/2014/main" id="{DD7094DA-5863-7F1C-8BC2-6BDF8A2256D8}"/>
+              </a:ext>
+            </a:extLst>
+          </p:cNvPr>
+          <p:cNvGrpSpPr/>
+          <p:nvPr/>
+        </p:nvGrpSpPr>
+        <p:grpSpPr>
+          <a:xfrm>
+            <a:off x="176530" y="1014171"/>
+            <a:ext cx="11823383" cy="369332"/>
+            <a:chOff x="176530" y="1113153"/>
+            <a:chExt cx="11823383" cy="369332"/>
+          </a:xfrm>
+        </p:grpSpPr>
+        <p:sp>
+          <p:nvSpPr>
+            <p:cNvPr id="3" name="Textfeld 2">
+              <a:extLst>
+                <a:ext uri="{FF2B5EF4-FFF2-40B4-BE49-F238E27FC236}">
+                  <a16:creationId xmlns:a16="http://schemas.microsoft.com/office/drawing/2014/main" id="{98BB007C-28F7-0BCE-983B-C549EDBA19A7}"/>
+                </a:ext>
+              </a:extLst>
+            </p:cNvPr>
+            <p:cNvSpPr txBox="1"/>
+            <p:nvPr/>
+          </p:nvSpPr>
+          <p:spPr>
+            <a:xfrm>
+              <a:off x="176530" y="1113153"/>
+              <a:ext cx="2309119" cy="369332"/>
+            </a:xfrm>
+            <a:prstGeom prst="rect">
+              <a:avLst/>
+            </a:prstGeom>
+          </p:spPr>
+          <p:style>
+            <a:lnRef idx="2">
+              <a:schemeClr val="dk1"/>
+            </a:lnRef>
+            <a:fillRef idx="1">
+              <a:schemeClr val="lt1"/>
+            </a:fillRef>
+            <a:effectRef idx="0">
+              <a:schemeClr val="dk1"/>
+            </a:effectRef>
+            <a:fontRef idx="minor">
+              <a:schemeClr val="dk1"/>
+            </a:fontRef>
+          </p:style>
+          <p:txBody>
+            <a:bodyPr wrap="square" rtlCol="0">
+              <a:spAutoFit/>
+            </a:bodyPr>
+            <a:lstStyle/>
+            <a:p>
+              <a:r>
+                <a:rPr lang="de-DE" b="1">
+                  <a:solidFill>
+                    <a:schemeClr val="accent1"/>
+                  </a:solidFill>
+                </a:rPr>
+                <a:t>Req-ID:</a:t>
+              </a:r>
+            </a:p>
+          </p:txBody>
+        </p:sp>
+        <p:sp>
+          <p:nvSpPr>
+            <p:cNvPr id="4" name="Textfeld 3">
+              <a:extLst>
+                <a:ext uri="{FF2B5EF4-FFF2-40B4-BE49-F238E27FC236}">
+                  <a16:creationId xmlns:a16="http://schemas.microsoft.com/office/drawing/2014/main" id="{33534FEB-5987-A45D-70C4-2D3CE67FF37A}"/>
+                </a:ext>
+              </a:extLst>
+            </p:cNvPr>
+            <p:cNvSpPr txBox="1"/>
+            <p:nvPr/>
+          </p:nvSpPr>
+          <p:spPr>
+            <a:xfrm>
+              <a:off x="2630905" y="1113153"/>
+              <a:ext cx="3319839" cy="369332"/>
+            </a:xfrm>
+            <a:prstGeom prst="rect">
+              <a:avLst/>
+            </a:prstGeom>
+          </p:spPr>
+          <p:style>
+            <a:lnRef idx="2">
+              <a:schemeClr val="dk1"/>
+            </a:lnRef>
+            <a:fillRef idx="1">
+              <a:schemeClr val="lt1"/>
+            </a:fillRef>
+            <a:effectRef idx="0">
+              <a:schemeClr val="dk1"/>
+            </a:effectRef>
+            <a:fontRef idx="minor">
+              <a:schemeClr val="dk1"/>
+            </a:fontRef>
+          </p:style>
+          <p:txBody>
+            <a:bodyPr wrap="square" rtlCol="0">
+              <a:spAutoFit/>
+            </a:bodyPr>
+            <a:lstStyle/>
+            <a:p>
+              <a:r>
+                <a:rPr lang="de-DE" b="1">
+                  <a:solidFill>
+                    <a:schemeClr val="accent1"/>
+                  </a:solidFill>
+                </a:rPr>
+                <a:t>Req-Type: </a:t>
+              </a:r>
+              <a:r>
+                <a:rPr lang="de-DE">
+                  <a:solidFill>
+                    <a:schemeClr val="tx1"/>
+                  </a:solidFill>
+                </a:rPr>
+                <a:t>Nicht-Funktional</a:t>
+              </a:r>
+            </a:p>
+          </p:txBody>
+        </p:sp>
+        <p:sp>
+          <p:nvSpPr>
+            <p:cNvPr id="8" name="Textfeld 7">
+              <a:extLst>
+                <a:ext uri="{FF2B5EF4-FFF2-40B4-BE49-F238E27FC236}">
+                  <a16:creationId xmlns:a16="http://schemas.microsoft.com/office/drawing/2014/main" id="{556B2DB1-8474-F552-E61C-B604D165263B}"/>
+                </a:ext>
+              </a:extLst>
+            </p:cNvPr>
+            <p:cNvSpPr txBox="1"/>
+            <p:nvPr/>
+          </p:nvSpPr>
+          <p:spPr>
+            <a:xfrm>
+              <a:off x="6096000" y="1113153"/>
+              <a:ext cx="5903913" cy="369332"/>
+            </a:xfrm>
+            <a:prstGeom prst="rect">
+              <a:avLst/>
+            </a:prstGeom>
+          </p:spPr>
+          <p:style>
+            <a:lnRef idx="2">
+              <a:schemeClr val="dk1"/>
+            </a:lnRef>
+            <a:fillRef idx="1">
+              <a:schemeClr val="lt1"/>
+            </a:fillRef>
+            <a:effectRef idx="0">
+              <a:schemeClr val="dk1"/>
+            </a:effectRef>
+            <a:fontRef idx="minor">
+              <a:schemeClr val="dk1"/>
+            </a:fontRef>
+          </p:style>
+          <p:txBody>
+            <a:bodyPr wrap="square" rtlCol="0">
+              <a:spAutoFit/>
+            </a:bodyPr>
+            <a:lstStyle/>
+            <a:p>
+              <a:r>
+                <a:rPr lang="de-DE" b="1">
+                  <a:solidFill>
+                    <a:schemeClr val="accent1"/>
+                  </a:solidFill>
+                </a:rPr>
+                <a:t>Events/UC: </a:t>
+              </a:r>
+              <a:r>
+                <a:rPr lang="de-DE">
+                  <a:solidFill>
+                    <a:schemeClr val="tx1"/>
+                  </a:solidFill>
+                </a:rPr>
+                <a:t>Erste Nutzungserfahrungen</a:t>
+              </a:r>
+              <a:endParaRPr lang="de-DE">
+                <a:solidFill>
+                  <a:schemeClr val="accent1"/>
+                </a:solidFill>
+              </a:endParaRPr>
+            </a:p>
+          </p:txBody>
+        </p:sp>
+      </p:grpSp>
+      <p:grpSp>
+        <p:nvGrpSpPr>
+          <p:cNvPr id="14" name="Gruppieren 13">
+            <a:extLst>
+              <a:ext uri="{FF2B5EF4-FFF2-40B4-BE49-F238E27FC236}">
+                <a16:creationId xmlns:a16="http://schemas.microsoft.com/office/drawing/2014/main" id="{EBF1D553-60C2-C2AD-5ABC-F1E4D72D39E0}"/>
+              </a:ext>
+            </a:extLst>
+          </p:cNvPr>
+          <p:cNvGrpSpPr/>
+          <p:nvPr/>
+        </p:nvGrpSpPr>
+        <p:grpSpPr>
+          <a:xfrm>
+            <a:off x="168751" y="1549163"/>
+            <a:ext cx="11854497" cy="3112638"/>
+            <a:chOff x="160973" y="1725626"/>
+            <a:chExt cx="11854497" cy="3112638"/>
+          </a:xfrm>
+        </p:grpSpPr>
+        <p:sp>
+          <p:nvSpPr>
+            <p:cNvPr id="9" name="Textfeld 8">
+              <a:extLst>
+                <a:ext uri="{FF2B5EF4-FFF2-40B4-BE49-F238E27FC236}">
+                  <a16:creationId xmlns:a16="http://schemas.microsoft.com/office/drawing/2014/main" id="{1B30D9E7-2393-6386-1AFB-9B570C8226B9}"/>
+                </a:ext>
+              </a:extLst>
+            </p:cNvPr>
+            <p:cNvSpPr txBox="1"/>
+            <p:nvPr/>
+          </p:nvSpPr>
+          <p:spPr>
+            <a:xfrm>
+              <a:off x="160973" y="1725626"/>
+              <a:ext cx="11838940" cy="646331"/>
+            </a:xfrm>
+            <a:prstGeom prst="rect">
+              <a:avLst/>
+            </a:prstGeom>
+          </p:spPr>
+          <p:style>
+            <a:lnRef idx="2">
+              <a:schemeClr val="dk1"/>
+            </a:lnRef>
+            <a:fillRef idx="1">
+              <a:schemeClr val="lt1"/>
+            </a:fillRef>
+            <a:effectRef idx="0">
+              <a:schemeClr val="dk1"/>
+            </a:effectRef>
+            <a:fontRef idx="minor">
+              <a:schemeClr val="dk1"/>
+            </a:fontRef>
+          </p:style>
+          <p:txBody>
+            <a:bodyPr wrap="square" rtlCol="0">
+              <a:spAutoFit/>
+            </a:bodyPr>
+            <a:lstStyle/>
+            <a:p>
+              <a:r>
+                <a:rPr lang="de-DE" b="1">
+                  <a:solidFill>
+                    <a:schemeClr val="accent1"/>
+                  </a:solidFill>
+                </a:rPr>
+                <a:t>Description: </a:t>
+              </a:r>
+              <a:r>
+                <a:rPr lang="de-DE">
+                  <a:solidFill>
+                    <a:schemeClr val="tx1"/>
+                  </a:solidFill>
+                </a:rPr>
+                <a:t>Zur Software wird eine Benutzerhandbuch mitgeliefert, dass die Funktionen und die Anwendung der Software erklärt.</a:t>
+              </a:r>
+              <a:endParaRPr lang="de-DE"/>
+            </a:p>
+          </p:txBody>
+        </p:sp>
+        <p:sp>
+          <p:nvSpPr>
+            <p:cNvPr id="10" name="Textfeld 9">
+              <a:extLst>
+                <a:ext uri="{FF2B5EF4-FFF2-40B4-BE49-F238E27FC236}">
+                  <a16:creationId xmlns:a16="http://schemas.microsoft.com/office/drawing/2014/main" id="{A2FD66F3-DBE2-5B01-CCBE-AE7AFF8AF6AF}"/>
+                </a:ext>
+              </a:extLst>
+            </p:cNvPr>
+            <p:cNvSpPr txBox="1"/>
+            <p:nvPr/>
+          </p:nvSpPr>
+          <p:spPr>
+            <a:xfrm>
+              <a:off x="160973" y="2533023"/>
+              <a:ext cx="11838940" cy="646331"/>
+            </a:xfrm>
+            <a:prstGeom prst="rect">
+              <a:avLst/>
+            </a:prstGeom>
+          </p:spPr>
+          <p:style>
+            <a:lnRef idx="2">
+              <a:schemeClr val="dk1"/>
+            </a:lnRef>
+            <a:fillRef idx="1">
+              <a:schemeClr val="lt1"/>
+            </a:fillRef>
+            <a:effectRef idx="0">
+              <a:schemeClr val="dk1"/>
+            </a:effectRef>
+            <a:fontRef idx="minor">
+              <a:schemeClr val="dk1"/>
+            </a:fontRef>
+          </p:style>
+          <p:txBody>
+            <a:bodyPr wrap="square" rtlCol="0">
+              <a:spAutoFit/>
+            </a:bodyPr>
+            <a:lstStyle/>
+            <a:p>
+              <a:r>
+                <a:rPr lang="de-DE" b="1">
+                  <a:solidFill>
+                    <a:schemeClr val="accent1"/>
+                  </a:solidFill>
+                </a:rPr>
+                <a:t>Rationale: </a:t>
+              </a:r>
+              <a:r>
+                <a:rPr lang="de-DE">
+                  <a:solidFill>
+                    <a:schemeClr val="tx1"/>
+                  </a:solidFill>
+                </a:rPr>
+                <a:t>Kundinnen sollen sich die Benutzung der Software mit dem Handbuch selbst beibringen können.</a:t>
+              </a:r>
+            </a:p>
+            <a:p>
+              <a:endParaRPr lang="de-DE"/>
+            </a:p>
+          </p:txBody>
+        </p:sp>
+        <p:sp>
+          <p:nvSpPr>
+            <p:cNvPr id="11" name="Textfeld 10">
+              <a:extLst>
+                <a:ext uri="{FF2B5EF4-FFF2-40B4-BE49-F238E27FC236}">
+                  <a16:creationId xmlns:a16="http://schemas.microsoft.com/office/drawing/2014/main" id="{73756660-C581-FED3-9287-33117BC75804}"/>
+                </a:ext>
+              </a:extLst>
+            </p:cNvPr>
+            <p:cNvSpPr txBox="1"/>
+            <p:nvPr/>
+          </p:nvSpPr>
+          <p:spPr>
+            <a:xfrm>
+              <a:off x="176530" y="3340420"/>
+              <a:ext cx="11838940" cy="646331"/>
+            </a:xfrm>
+            <a:prstGeom prst="rect">
+              <a:avLst/>
+            </a:prstGeom>
+          </p:spPr>
+          <p:style>
+            <a:lnRef idx="2">
+              <a:schemeClr val="dk1"/>
+            </a:lnRef>
+            <a:fillRef idx="1">
+              <a:schemeClr val="lt1"/>
+            </a:fillRef>
+            <a:effectRef idx="0">
+              <a:schemeClr val="dk1"/>
+            </a:effectRef>
+            <a:fontRef idx="minor">
+              <a:schemeClr val="dk1"/>
+            </a:fontRef>
+          </p:style>
+          <p:txBody>
+            <a:bodyPr wrap="square" rtlCol="0">
+              <a:spAutoFit/>
+            </a:bodyPr>
+            <a:lstStyle/>
+            <a:p>
+              <a:r>
+                <a:rPr lang="de-DE" b="1">
+                  <a:solidFill>
+                    <a:schemeClr val="accent1"/>
+                  </a:solidFill>
+                </a:rPr>
+                <a:t>Originator: </a:t>
+              </a:r>
+              <a:r>
+                <a:rPr lang="de-DE">
+                  <a:solidFill>
+                    <a:schemeClr val="tx1"/>
+                  </a:solidFill>
+                </a:rPr>
+                <a:t>Anforderungsbeschreibung, S. 4 </a:t>
+              </a:r>
+            </a:p>
+            <a:p>
+              <a:endParaRPr lang="de-DE"/>
+            </a:p>
+          </p:txBody>
+        </p:sp>
+        <p:sp>
+          <p:nvSpPr>
+            <p:cNvPr id="12" name="Textfeld 11">
+              <a:extLst>
+                <a:ext uri="{FF2B5EF4-FFF2-40B4-BE49-F238E27FC236}">
+                  <a16:creationId xmlns:a16="http://schemas.microsoft.com/office/drawing/2014/main" id="{FF555161-2E68-53AC-85A0-695609D36466}"/>
+                </a:ext>
+              </a:extLst>
+            </p:cNvPr>
+            <p:cNvSpPr txBox="1"/>
+            <p:nvPr/>
+          </p:nvSpPr>
+          <p:spPr>
+            <a:xfrm>
+              <a:off x="176530" y="4191933"/>
+              <a:ext cx="11838940" cy="646331"/>
+            </a:xfrm>
+            <a:prstGeom prst="rect">
+              <a:avLst/>
+            </a:prstGeom>
+          </p:spPr>
+          <p:style>
+            <a:lnRef idx="2">
+              <a:schemeClr val="dk1"/>
+            </a:lnRef>
+            <a:fillRef idx="1">
+              <a:schemeClr val="lt1"/>
+            </a:fillRef>
+            <a:effectRef idx="0">
+              <a:schemeClr val="dk1"/>
+            </a:effectRef>
+            <a:fontRef idx="minor">
+              <a:schemeClr val="dk1"/>
+            </a:fontRef>
+          </p:style>
+          <p:txBody>
+            <a:bodyPr wrap="square" rtlCol="0">
+              <a:spAutoFit/>
+            </a:bodyPr>
+            <a:lstStyle/>
+            <a:p>
+              <a:r>
+                <a:rPr lang="de-DE" b="1">
+                  <a:solidFill>
+                    <a:schemeClr val="accent1"/>
+                  </a:solidFill>
+                </a:rPr>
+                <a:t>Fit Criterion: </a:t>
+              </a:r>
+              <a:r>
+                <a:rPr lang="de-DE">
+                  <a:solidFill>
+                    <a:schemeClr val="tx1"/>
+                  </a:solidFill>
+                </a:rPr>
+                <a:t>Nutzerhandbuch wird als z.B. PDF bereitgestellt.</a:t>
+              </a:r>
+            </a:p>
+            <a:p>
+              <a:endParaRPr lang="de-DE"/>
+            </a:p>
+          </p:txBody>
+        </p:sp>
+      </p:grpSp>
+      <p:grpSp>
+        <p:nvGrpSpPr>
+          <p:cNvPr id="15" name="Gruppieren 14">
+            <a:extLst>
+              <a:ext uri="{FF2B5EF4-FFF2-40B4-BE49-F238E27FC236}">
+                <a16:creationId xmlns:a16="http://schemas.microsoft.com/office/drawing/2014/main" id="{472EA5D6-487D-030B-FDBC-960C1EF1FDC0}"/>
+              </a:ext>
+            </a:extLst>
+          </p:cNvPr>
+          <p:cNvGrpSpPr/>
+          <p:nvPr/>
+        </p:nvGrpSpPr>
+        <p:grpSpPr>
+          <a:xfrm>
+            <a:off x="168751" y="4866983"/>
+            <a:ext cx="11823383" cy="369332"/>
+            <a:chOff x="176530" y="1113153"/>
+            <a:chExt cx="11823383" cy="369332"/>
+          </a:xfrm>
+        </p:grpSpPr>
+        <p:sp>
+          <p:nvSpPr>
+            <p:cNvPr id="16" name="Textfeld 15">
+              <a:extLst>
+                <a:ext uri="{FF2B5EF4-FFF2-40B4-BE49-F238E27FC236}">
+                  <a16:creationId xmlns:a16="http://schemas.microsoft.com/office/drawing/2014/main" id="{36F9ACF3-E1EB-C7F3-4340-DDD362219249}"/>
+                </a:ext>
+              </a:extLst>
+            </p:cNvPr>
+            <p:cNvSpPr txBox="1"/>
+            <p:nvPr/>
+          </p:nvSpPr>
+          <p:spPr>
+            <a:xfrm>
+              <a:off x="176530" y="1113153"/>
+              <a:ext cx="2309119" cy="369332"/>
+            </a:xfrm>
+            <a:prstGeom prst="rect">
+              <a:avLst/>
+            </a:prstGeom>
+          </p:spPr>
+          <p:style>
+            <a:lnRef idx="2">
+              <a:schemeClr val="dk1"/>
+            </a:lnRef>
+            <a:fillRef idx="1">
+              <a:schemeClr val="lt1"/>
+            </a:fillRef>
+            <a:effectRef idx="0">
+              <a:schemeClr val="dk1"/>
+            </a:effectRef>
+            <a:fontRef idx="minor">
+              <a:schemeClr val="dk1"/>
+            </a:fontRef>
+          </p:style>
+          <p:txBody>
+            <a:bodyPr wrap="square" rtlCol="0">
+              <a:spAutoFit/>
+            </a:bodyPr>
+            <a:lstStyle/>
+            <a:p>
+              <a:r>
+                <a:rPr lang="de-DE" b="1">
+                  <a:solidFill>
+                    <a:schemeClr val="accent1"/>
+                  </a:solidFill>
+                </a:rPr>
+                <a:t>Priority: </a:t>
+              </a:r>
+              <a:r>
+                <a:rPr lang="de-DE">
+                  <a:solidFill>
+                    <a:schemeClr val="tx1"/>
+                  </a:solidFill>
+                </a:rPr>
+                <a:t>Should</a:t>
+              </a:r>
+            </a:p>
+          </p:txBody>
+        </p:sp>
+        <p:sp>
+          <p:nvSpPr>
+            <p:cNvPr id="17" name="Textfeld 16">
+              <a:extLst>
+                <a:ext uri="{FF2B5EF4-FFF2-40B4-BE49-F238E27FC236}">
+                  <a16:creationId xmlns:a16="http://schemas.microsoft.com/office/drawing/2014/main" id="{F735514D-09FE-D12B-4DA5-06724A96AA5E}"/>
+                </a:ext>
+              </a:extLst>
+            </p:cNvPr>
+            <p:cNvSpPr txBox="1"/>
+            <p:nvPr/>
+          </p:nvSpPr>
+          <p:spPr>
+            <a:xfrm>
+              <a:off x="2630905" y="1113153"/>
+              <a:ext cx="3319839" cy="369332"/>
+            </a:xfrm>
+            <a:prstGeom prst="rect">
+              <a:avLst/>
+            </a:prstGeom>
+          </p:spPr>
+          <p:style>
+            <a:lnRef idx="2">
+              <a:schemeClr val="dk1"/>
+            </a:lnRef>
+            <a:fillRef idx="1">
+              <a:schemeClr val="lt1"/>
+            </a:fillRef>
+            <a:effectRef idx="0">
+              <a:schemeClr val="dk1"/>
+            </a:effectRef>
+            <a:fontRef idx="minor">
+              <a:schemeClr val="dk1"/>
+            </a:fontRef>
+          </p:style>
+          <p:txBody>
+            <a:bodyPr wrap="square" rtlCol="0">
+              <a:spAutoFit/>
+            </a:bodyPr>
+            <a:lstStyle/>
+            <a:p>
+              <a:r>
+                <a:rPr lang="de-DE" b="1">
+                  <a:solidFill>
+                    <a:schemeClr val="accent1"/>
+                  </a:solidFill>
+                </a:rPr>
+                <a:t>Customer Satisfaction:</a:t>
+              </a:r>
+            </a:p>
+          </p:txBody>
+        </p:sp>
+        <p:sp>
+          <p:nvSpPr>
+            <p:cNvPr id="18" name="Textfeld 17">
+              <a:extLst>
+                <a:ext uri="{FF2B5EF4-FFF2-40B4-BE49-F238E27FC236}">
+                  <a16:creationId xmlns:a16="http://schemas.microsoft.com/office/drawing/2014/main" id="{50BC2B10-3053-37FE-1817-1E6DE57120D2}"/>
+                </a:ext>
+              </a:extLst>
+            </p:cNvPr>
+            <p:cNvSpPr txBox="1"/>
+            <p:nvPr/>
+          </p:nvSpPr>
+          <p:spPr>
+            <a:xfrm>
+              <a:off x="6096000" y="1113153"/>
+              <a:ext cx="5903913" cy="369332"/>
+            </a:xfrm>
+            <a:prstGeom prst="rect">
+              <a:avLst/>
+            </a:prstGeom>
+          </p:spPr>
+          <p:style>
+            <a:lnRef idx="2">
+              <a:schemeClr val="dk1"/>
+            </a:lnRef>
+            <a:fillRef idx="1">
+              <a:schemeClr val="lt1"/>
+            </a:fillRef>
+            <a:effectRef idx="0">
+              <a:schemeClr val="dk1"/>
+            </a:effectRef>
+            <a:fontRef idx="minor">
+              <a:schemeClr val="dk1"/>
+            </a:fontRef>
+          </p:style>
+          <p:txBody>
+            <a:bodyPr wrap="square" rtlCol="0">
+              <a:spAutoFit/>
+            </a:bodyPr>
+            <a:lstStyle/>
+            <a:p>
+              <a:r>
+                <a:rPr lang="de-DE" b="1">
+                  <a:solidFill>
+                    <a:schemeClr val="accent1"/>
+                  </a:solidFill>
+                </a:rPr>
+                <a:t>Customer Dissatisfaction:</a:t>
+              </a:r>
+            </a:p>
+          </p:txBody>
+        </p:sp>
+      </p:grpSp>
+      <p:sp>
+        <p:nvSpPr>
+          <p:cNvPr id="19" name="Textfeld 18">
+            <a:extLst>
+              <a:ext uri="{FF2B5EF4-FFF2-40B4-BE49-F238E27FC236}">
+                <a16:creationId xmlns:a16="http://schemas.microsoft.com/office/drawing/2014/main" id="{97C4FA56-B25C-370F-D7B9-437E78137688}"/>
+              </a:ext>
+            </a:extLst>
+          </p:cNvPr>
+          <p:cNvSpPr txBox="1"/>
+          <p:nvPr/>
+        </p:nvSpPr>
+        <p:spPr>
+          <a:xfrm>
+            <a:off x="184308" y="5441496"/>
+            <a:ext cx="5766436" cy="923330"/>
+          </a:xfrm>
+          <a:prstGeom prst="rect">
+            <a:avLst/>
+          </a:prstGeom>
+        </p:spPr>
+        <p:style>
+          <a:lnRef idx="2">
+            <a:schemeClr val="dk1"/>
+          </a:lnRef>
+          <a:fillRef idx="1">
+            <a:schemeClr val="lt1"/>
+          </a:fillRef>
+          <a:effectRef idx="0">
+            <a:schemeClr val="dk1"/>
+          </a:effectRef>
+          <a:fontRef idx="minor">
+            <a:schemeClr val="dk1"/>
+          </a:fontRef>
+        </p:style>
+        <p:txBody>
+          <a:bodyPr wrap="square" rtlCol="0">
+            <a:spAutoFit/>
+          </a:bodyPr>
+          <a:lstStyle/>
+          <a:p>
+            <a:r>
+              <a:rPr lang="de-DE" b="1">
+                <a:solidFill>
+                  <a:schemeClr val="accent1"/>
+                </a:solidFill>
+              </a:rPr>
+              <a:t>Supporting Material:</a:t>
+            </a:r>
+          </a:p>
+          <a:p>
+            <a:endParaRPr lang="de-DE"/>
+          </a:p>
+          <a:p>
+            <a:endParaRPr lang="de-DE"/>
+          </a:p>
+        </p:txBody>
+      </p:sp>
+      <p:sp>
+        <p:nvSpPr>
+          <p:cNvPr id="20" name="Textfeld 19">
+            <a:extLst>
+              <a:ext uri="{FF2B5EF4-FFF2-40B4-BE49-F238E27FC236}">
+                <a16:creationId xmlns:a16="http://schemas.microsoft.com/office/drawing/2014/main" id="{7D73054C-7DBA-26E2-5016-BD88EE71FAEC}"/>
+              </a:ext>
+            </a:extLst>
+          </p:cNvPr>
+          <p:cNvSpPr txBox="1"/>
+          <p:nvPr/>
+        </p:nvSpPr>
+        <p:spPr>
+          <a:xfrm>
+            <a:off x="6103778" y="5441496"/>
+            <a:ext cx="5888356" cy="923330"/>
+          </a:xfrm>
+          <a:prstGeom prst="rect">
+            <a:avLst/>
+          </a:prstGeom>
+        </p:spPr>
+        <p:style>
+          <a:lnRef idx="2">
+            <a:schemeClr val="dk1"/>
+          </a:lnRef>
+          <a:fillRef idx="1">
+            <a:schemeClr val="lt1"/>
+          </a:fillRef>
+          <a:effectRef idx="0">
+            <a:schemeClr val="dk1"/>
+          </a:effectRef>
+          <a:fontRef idx="minor">
+            <a:schemeClr val="dk1"/>
+          </a:fontRef>
+        </p:style>
+        <p:txBody>
+          <a:bodyPr wrap="square" rtlCol="0">
+            <a:spAutoFit/>
+          </a:bodyPr>
+          <a:lstStyle/>
+          <a:p>
+            <a:r>
+              <a:rPr lang="de-DE" b="1">
+                <a:solidFill>
+                  <a:schemeClr val="accent1"/>
+                </a:solidFill>
+              </a:rPr>
+              <a:t>Conflicts:</a:t>
+            </a:r>
+          </a:p>
+          <a:p>
+            <a:endParaRPr lang="de-DE"/>
+          </a:p>
+          <a:p>
+            <a:endParaRPr lang="de-DE"/>
+          </a:p>
+        </p:txBody>
+      </p:sp>
+    </p:spTree>
+    <p:extLst>
+      <p:ext uri="{BB962C8B-B14F-4D97-AF65-F5344CB8AC3E}">
+        <p14:creationId xmlns:p14="http://schemas.microsoft.com/office/powerpoint/2010/main" val="4255363985"/>
+      </p:ext>
+    </p:extLst>
+  </p:cSld>
+  <p:clrMapOvr>
+    <a:masterClrMapping/>
+  </p:clrMapOvr>
+</p:sld>
+</file>
+
+<file path=ppt/slides/slide24.xml><?xml version="1.0" encoding="utf-8"?>
 <p:sld xmlns:a="http://schemas.openxmlformats.org/drawingml/2006/main" xmlns:r="http://schemas.openxmlformats.org/officeDocument/2006/relationships" xmlns:p="http://schemas.openxmlformats.org/presentationml/2006/main">
   <p:cSld>
     <p:spTree>
@@ -15683,7 +22178,7 @@
 </p:sld>
 </file>
 
-<file path=ppt/slides/slide19.xml><?xml version="1.0" encoding="utf-8"?>
+<file path=ppt/slides/slide25.xml><?xml version="1.0" encoding="utf-8"?>
 <p:sld xmlns:a="http://schemas.openxmlformats.org/drawingml/2006/main" xmlns:r="http://schemas.openxmlformats.org/officeDocument/2006/relationships" xmlns:p="http://schemas.openxmlformats.org/presentationml/2006/main">
   <p:cSld>
     <p:spTree>
@@ -16007,821 +22502,6 @@
     <p:extLst>
       <p:ext uri="{BB962C8B-B14F-4D97-AF65-F5344CB8AC3E}">
         <p14:creationId xmlns:p14="http://schemas.microsoft.com/office/powerpoint/2010/main" val="2154150662"/>
-      </p:ext>
-    </p:extLst>
-  </p:cSld>
-  <p:clrMapOvr>
-    <a:masterClrMapping/>
-  </p:clrMapOvr>
-</p:sld>
-</file>
-
-<file path=ppt/slides/slide2.xml><?xml version="1.0" encoding="utf-8"?>
-<p:sld xmlns:a="http://schemas.openxmlformats.org/drawingml/2006/main" xmlns:r="http://schemas.openxmlformats.org/officeDocument/2006/relationships" xmlns:p="http://schemas.openxmlformats.org/presentationml/2006/main">
-  <p:cSld>
-    <p:spTree>
-      <p:nvGrpSpPr>
-        <p:cNvPr id="1" name=""/>
-        <p:cNvGrpSpPr/>
-        <p:nvPr/>
-      </p:nvGrpSpPr>
-      <p:grpSpPr>
-        <a:xfrm>
-          <a:off x="0" y="0"/>
-          <a:ext cx="0" cy="0"/>
-          <a:chOff x="0" y="0"/>
-          <a:chExt cx="0" cy="0"/>
-        </a:xfrm>
-      </p:grpSpPr>
-      <p:sp>
-        <p:nvSpPr>
-          <p:cNvPr id="5" name="Titel 4"/>
-          <p:cNvSpPr>
-            <a:spLocks noGrp="1"/>
-          </p:cNvSpPr>
-          <p:nvPr>
-            <p:ph type="title"/>
-          </p:nvPr>
-        </p:nvSpPr>
-        <p:spPr>
-          <a:xfrm>
-            <a:off x="1343025" y="152400"/>
-            <a:ext cx="10656888" cy="468314"/>
-          </a:xfrm>
-        </p:spPr>
-        <p:txBody>
-          <a:bodyPr/>
-          <a:lstStyle/>
-          <a:p>
-            <a:r>
-              <a:rPr lang="de-DE"/>
-              <a:t>Funktionale Anforderungen</a:t>
-            </a:r>
-            <a:endParaRPr lang="de-DE" dirty="0"/>
-          </a:p>
-        </p:txBody>
-      </p:sp>
-      <p:grpSp>
-        <p:nvGrpSpPr>
-          <p:cNvPr id="13" name="Gruppieren 12">
-            <a:extLst>
-              <a:ext uri="{FF2B5EF4-FFF2-40B4-BE49-F238E27FC236}">
-                <a16:creationId xmlns:a16="http://schemas.microsoft.com/office/drawing/2014/main" id="{86640BDC-96DF-211D-0AAD-8F9E8245D8A3}"/>
-              </a:ext>
-            </a:extLst>
-          </p:cNvPr>
-          <p:cNvGrpSpPr/>
-          <p:nvPr/>
-        </p:nvGrpSpPr>
-        <p:grpSpPr>
-          <a:xfrm>
-            <a:off x="176530" y="1014171"/>
-            <a:ext cx="11823383" cy="369332"/>
-            <a:chOff x="176530" y="1113153"/>
-            <a:chExt cx="11823383" cy="369332"/>
-          </a:xfrm>
-        </p:grpSpPr>
-        <p:sp>
-          <p:nvSpPr>
-            <p:cNvPr id="3" name="Textfeld 2">
-              <a:extLst>
-                <a:ext uri="{FF2B5EF4-FFF2-40B4-BE49-F238E27FC236}">
-                  <a16:creationId xmlns:a16="http://schemas.microsoft.com/office/drawing/2014/main" id="{703A161A-894D-AFB4-3B18-1A2B8F0411D8}"/>
-                </a:ext>
-              </a:extLst>
-            </p:cNvPr>
-            <p:cNvSpPr txBox="1"/>
-            <p:nvPr/>
-          </p:nvSpPr>
-          <p:spPr>
-            <a:xfrm>
-              <a:off x="176530" y="1113153"/>
-              <a:ext cx="2309119" cy="369332"/>
-            </a:xfrm>
-            <a:prstGeom prst="rect">
-              <a:avLst/>
-            </a:prstGeom>
-          </p:spPr>
-          <p:style>
-            <a:lnRef idx="2">
-              <a:schemeClr val="dk1"/>
-            </a:lnRef>
-            <a:fillRef idx="1">
-              <a:schemeClr val="lt1"/>
-            </a:fillRef>
-            <a:effectRef idx="0">
-              <a:schemeClr val="dk1"/>
-            </a:effectRef>
-            <a:fontRef idx="minor">
-              <a:schemeClr val="dk1"/>
-            </a:fontRef>
-          </p:style>
-          <p:txBody>
-            <a:bodyPr wrap="square" rtlCol="0">
-              <a:spAutoFit/>
-            </a:bodyPr>
-            <a:lstStyle/>
-            <a:p>
-              <a:r>
-                <a:rPr lang="de-DE" b="1">
-                  <a:solidFill>
-                    <a:schemeClr val="accent1"/>
-                  </a:solidFill>
-                </a:rPr>
-                <a:t>Req-ID:</a:t>
-              </a:r>
-            </a:p>
-          </p:txBody>
-        </p:sp>
-        <p:sp>
-          <p:nvSpPr>
-            <p:cNvPr id="4" name="Textfeld 3">
-              <a:extLst>
-                <a:ext uri="{FF2B5EF4-FFF2-40B4-BE49-F238E27FC236}">
-                  <a16:creationId xmlns:a16="http://schemas.microsoft.com/office/drawing/2014/main" id="{4FB366A2-6D36-94CB-1CA9-CF4F02776B15}"/>
-                </a:ext>
-              </a:extLst>
-            </p:cNvPr>
-            <p:cNvSpPr txBox="1"/>
-            <p:nvPr/>
-          </p:nvSpPr>
-          <p:spPr>
-            <a:xfrm>
-              <a:off x="2630905" y="1113153"/>
-              <a:ext cx="3319839" cy="369332"/>
-            </a:xfrm>
-            <a:prstGeom prst="rect">
-              <a:avLst/>
-            </a:prstGeom>
-          </p:spPr>
-          <p:style>
-            <a:lnRef idx="2">
-              <a:schemeClr val="dk1"/>
-            </a:lnRef>
-            <a:fillRef idx="1">
-              <a:schemeClr val="lt1"/>
-            </a:fillRef>
-            <a:effectRef idx="0">
-              <a:schemeClr val="dk1"/>
-            </a:effectRef>
-            <a:fontRef idx="minor">
-              <a:schemeClr val="dk1"/>
-            </a:fontRef>
-          </p:style>
-          <p:txBody>
-            <a:bodyPr wrap="square" rtlCol="0">
-              <a:spAutoFit/>
-            </a:bodyPr>
-            <a:lstStyle/>
-            <a:p>
-              <a:r>
-                <a:rPr lang="de-DE" b="1">
-                  <a:solidFill>
-                    <a:schemeClr val="accent1"/>
-                  </a:solidFill>
-                </a:rPr>
-                <a:t>Req-Type: </a:t>
-              </a:r>
-              <a:r>
-                <a:rPr lang="de-DE">
-                  <a:solidFill>
-                    <a:schemeClr val="tx1"/>
-                  </a:solidFill>
-                </a:rPr>
-                <a:t>Funktional</a:t>
-              </a:r>
-            </a:p>
-          </p:txBody>
-        </p:sp>
-        <p:sp>
-          <p:nvSpPr>
-            <p:cNvPr id="8" name="Textfeld 7">
-              <a:extLst>
-                <a:ext uri="{FF2B5EF4-FFF2-40B4-BE49-F238E27FC236}">
-                  <a16:creationId xmlns:a16="http://schemas.microsoft.com/office/drawing/2014/main" id="{136A3DB1-6D6E-F9A5-43C6-8F3D94A9AB2A}"/>
-                </a:ext>
-              </a:extLst>
-            </p:cNvPr>
-            <p:cNvSpPr txBox="1"/>
-            <p:nvPr/>
-          </p:nvSpPr>
-          <p:spPr>
-            <a:xfrm>
-              <a:off x="6096000" y="1113153"/>
-              <a:ext cx="5903913" cy="369332"/>
-            </a:xfrm>
-            <a:prstGeom prst="rect">
-              <a:avLst/>
-            </a:prstGeom>
-          </p:spPr>
-          <p:style>
-            <a:lnRef idx="2">
-              <a:schemeClr val="dk1"/>
-            </a:lnRef>
-            <a:fillRef idx="1">
-              <a:schemeClr val="lt1"/>
-            </a:fillRef>
-            <a:effectRef idx="0">
-              <a:schemeClr val="dk1"/>
-            </a:effectRef>
-            <a:fontRef idx="minor">
-              <a:schemeClr val="dk1"/>
-            </a:fontRef>
-          </p:style>
-          <p:txBody>
-            <a:bodyPr wrap="square" rtlCol="0">
-              <a:spAutoFit/>
-            </a:bodyPr>
-            <a:lstStyle/>
-            <a:p>
-              <a:r>
-                <a:rPr lang="de-DE" b="1">
-                  <a:solidFill>
-                    <a:schemeClr val="accent1"/>
-                  </a:solidFill>
-                </a:rPr>
-                <a:t>Events/UC: </a:t>
-              </a:r>
-              <a:r>
-                <a:rPr lang="de-DE">
-                  <a:solidFill>
-                    <a:schemeClr val="tx1"/>
-                  </a:solidFill>
-                </a:rPr>
-                <a:t>Anruf mit einer Anfrage geht ein.</a:t>
-              </a:r>
-              <a:endParaRPr lang="de-DE" b="1">
-                <a:solidFill>
-                  <a:schemeClr val="accent1"/>
-                </a:solidFill>
-              </a:endParaRPr>
-            </a:p>
-          </p:txBody>
-        </p:sp>
-      </p:grpSp>
-      <p:grpSp>
-        <p:nvGrpSpPr>
-          <p:cNvPr id="14" name="Gruppieren 13">
-            <a:extLst>
-              <a:ext uri="{FF2B5EF4-FFF2-40B4-BE49-F238E27FC236}">
-                <a16:creationId xmlns:a16="http://schemas.microsoft.com/office/drawing/2014/main" id="{AD8734EA-33CE-1251-89ED-F9502F94C34E}"/>
-              </a:ext>
-            </a:extLst>
-          </p:cNvPr>
-          <p:cNvGrpSpPr/>
-          <p:nvPr/>
-        </p:nvGrpSpPr>
-        <p:grpSpPr>
-          <a:xfrm>
-            <a:off x="168751" y="1549163"/>
-            <a:ext cx="11854497" cy="3112638"/>
-            <a:chOff x="160973" y="1725626"/>
-            <a:chExt cx="11854497" cy="3112638"/>
-          </a:xfrm>
-        </p:grpSpPr>
-        <p:sp>
-          <p:nvSpPr>
-            <p:cNvPr id="9" name="Textfeld 8">
-              <a:extLst>
-                <a:ext uri="{FF2B5EF4-FFF2-40B4-BE49-F238E27FC236}">
-                  <a16:creationId xmlns:a16="http://schemas.microsoft.com/office/drawing/2014/main" id="{D86EE4EE-3715-702B-CB2A-AD1EC65E27CE}"/>
-                </a:ext>
-              </a:extLst>
-            </p:cNvPr>
-            <p:cNvSpPr txBox="1"/>
-            <p:nvPr/>
-          </p:nvSpPr>
-          <p:spPr>
-            <a:xfrm>
-              <a:off x="160973" y="1725626"/>
-              <a:ext cx="11838940" cy="923330"/>
-            </a:xfrm>
-            <a:prstGeom prst="rect">
-              <a:avLst/>
-            </a:prstGeom>
-          </p:spPr>
-          <p:style>
-            <a:lnRef idx="2">
-              <a:schemeClr val="dk1"/>
-            </a:lnRef>
-            <a:fillRef idx="1">
-              <a:schemeClr val="lt1"/>
-            </a:fillRef>
-            <a:effectRef idx="0">
-              <a:schemeClr val="dk1"/>
-            </a:effectRef>
-            <a:fontRef idx="minor">
-              <a:schemeClr val="dk1"/>
-            </a:fontRef>
-          </p:style>
-          <p:txBody>
-            <a:bodyPr wrap="square" rtlCol="0">
-              <a:spAutoFit/>
-            </a:bodyPr>
-            <a:lstStyle/>
-            <a:p>
-              <a:r>
-                <a:rPr lang="de-DE" b="1">
-                  <a:solidFill>
-                    <a:schemeClr val="accent1"/>
-                  </a:solidFill>
-                </a:rPr>
-                <a:t>Description: </a:t>
-              </a:r>
-              <a:r>
-                <a:rPr lang="de-DE">
-                  <a:solidFill>
-                    <a:schemeClr val="tx1"/>
-                  </a:solidFill>
-                </a:rPr>
-                <a:t>Das System stellt eine Eigabemaske für Anfragen bereit, in der alle Daten zum Fall eingetragen werden können. (B/E/A)</a:t>
-              </a:r>
-            </a:p>
-            <a:p>
-              <a:endParaRPr lang="de-DE"/>
-            </a:p>
-          </p:txBody>
-        </p:sp>
-        <p:sp>
-          <p:nvSpPr>
-            <p:cNvPr id="10" name="Textfeld 9">
-              <a:extLst>
-                <a:ext uri="{FF2B5EF4-FFF2-40B4-BE49-F238E27FC236}">
-                  <a16:creationId xmlns:a16="http://schemas.microsoft.com/office/drawing/2014/main" id="{A8D81241-0C34-036A-CB64-36987B77BDB4}"/>
-                </a:ext>
-              </a:extLst>
-            </p:cNvPr>
-            <p:cNvSpPr txBox="1"/>
-            <p:nvPr/>
-          </p:nvSpPr>
-          <p:spPr>
-            <a:xfrm>
-              <a:off x="160973" y="2533023"/>
-              <a:ext cx="11838940" cy="646331"/>
-            </a:xfrm>
-            <a:prstGeom prst="rect">
-              <a:avLst/>
-            </a:prstGeom>
-          </p:spPr>
-          <p:style>
-            <a:lnRef idx="2">
-              <a:schemeClr val="dk1"/>
-            </a:lnRef>
-            <a:fillRef idx="1">
-              <a:schemeClr val="lt1"/>
-            </a:fillRef>
-            <a:effectRef idx="0">
-              <a:schemeClr val="dk1"/>
-            </a:effectRef>
-            <a:fontRef idx="minor">
-              <a:schemeClr val="dk1"/>
-            </a:fontRef>
-          </p:style>
-          <p:txBody>
-            <a:bodyPr wrap="square" rtlCol="0">
-              <a:spAutoFit/>
-            </a:bodyPr>
-            <a:lstStyle/>
-            <a:p>
-              <a:r>
-                <a:rPr lang="de-DE" b="1">
-                  <a:solidFill>
-                    <a:schemeClr val="accent1"/>
-                  </a:solidFill>
-                </a:rPr>
-                <a:t>Rationale: </a:t>
-              </a:r>
-              <a:r>
-                <a:rPr lang="de-DE"/>
-                <a:t>Mitarbeiterinnen sollen alle wichtigen Informationen zur Anfrage digital erfassen, anstatt sie händisch zu notieren.</a:t>
-              </a:r>
-            </a:p>
-            <a:p>
-              <a:endParaRPr lang="de-DE"/>
-            </a:p>
-          </p:txBody>
-        </p:sp>
-        <p:sp>
-          <p:nvSpPr>
-            <p:cNvPr id="11" name="Textfeld 10">
-              <a:extLst>
-                <a:ext uri="{FF2B5EF4-FFF2-40B4-BE49-F238E27FC236}">
-                  <a16:creationId xmlns:a16="http://schemas.microsoft.com/office/drawing/2014/main" id="{83E6FD38-46CB-A69F-651E-03F1BE25919E}"/>
-                </a:ext>
-              </a:extLst>
-            </p:cNvPr>
-            <p:cNvSpPr txBox="1"/>
-            <p:nvPr/>
-          </p:nvSpPr>
-          <p:spPr>
-            <a:xfrm>
-              <a:off x="176530" y="3340420"/>
-              <a:ext cx="11838940" cy="646331"/>
-            </a:xfrm>
-            <a:prstGeom prst="rect">
-              <a:avLst/>
-            </a:prstGeom>
-          </p:spPr>
-          <p:style>
-            <a:lnRef idx="2">
-              <a:schemeClr val="dk1"/>
-            </a:lnRef>
-            <a:fillRef idx="1">
-              <a:schemeClr val="lt1"/>
-            </a:fillRef>
-            <a:effectRef idx="0">
-              <a:schemeClr val="dk1"/>
-            </a:effectRef>
-            <a:fontRef idx="minor">
-              <a:schemeClr val="dk1"/>
-            </a:fontRef>
-          </p:style>
-          <p:txBody>
-            <a:bodyPr wrap="square" rtlCol="0">
-              <a:spAutoFit/>
-            </a:bodyPr>
-            <a:lstStyle/>
-            <a:p>
-              <a:r>
-                <a:rPr lang="de-DE" b="1">
-                  <a:solidFill>
-                    <a:schemeClr val="accent1"/>
-                  </a:solidFill>
-                </a:rPr>
-                <a:t>Originator: </a:t>
-              </a:r>
-              <a:r>
-                <a:rPr lang="de-DE"/>
-                <a:t>Anforderungsbeschreibung, S. 2-3</a:t>
-              </a:r>
-            </a:p>
-            <a:p>
-              <a:endParaRPr lang="de-DE"/>
-            </a:p>
-          </p:txBody>
-        </p:sp>
-        <p:sp>
-          <p:nvSpPr>
-            <p:cNvPr id="12" name="Textfeld 11">
-              <a:extLst>
-                <a:ext uri="{FF2B5EF4-FFF2-40B4-BE49-F238E27FC236}">
-                  <a16:creationId xmlns:a16="http://schemas.microsoft.com/office/drawing/2014/main" id="{38CB1EB7-01B4-B1DF-6E44-DEC2840BC0FB}"/>
-                </a:ext>
-              </a:extLst>
-            </p:cNvPr>
-            <p:cNvSpPr txBox="1"/>
-            <p:nvPr/>
-          </p:nvSpPr>
-          <p:spPr>
-            <a:xfrm>
-              <a:off x="176530" y="4191933"/>
-              <a:ext cx="11838940" cy="646331"/>
-            </a:xfrm>
-            <a:prstGeom prst="rect">
-              <a:avLst/>
-            </a:prstGeom>
-          </p:spPr>
-          <p:style>
-            <a:lnRef idx="2">
-              <a:schemeClr val="dk1"/>
-            </a:lnRef>
-            <a:fillRef idx="1">
-              <a:schemeClr val="lt1"/>
-            </a:fillRef>
-            <a:effectRef idx="0">
-              <a:schemeClr val="dk1"/>
-            </a:effectRef>
-            <a:fontRef idx="minor">
-              <a:schemeClr val="dk1"/>
-            </a:fontRef>
-          </p:style>
-          <p:txBody>
-            <a:bodyPr wrap="square" rtlCol="0">
-              <a:spAutoFit/>
-            </a:bodyPr>
-            <a:lstStyle/>
-            <a:p>
-              <a:r>
-                <a:rPr lang="de-DE" b="1">
-                  <a:solidFill>
-                    <a:schemeClr val="accent1"/>
-                  </a:solidFill>
-                </a:rPr>
-                <a:t>Fit Criterion: </a:t>
-              </a:r>
-              <a:r>
-                <a:rPr lang="de-DE"/>
-                <a:t>Nutzerin kann über das Interface neue Anfragen anlegen, ausfüllen und speichern.</a:t>
-              </a:r>
-            </a:p>
-            <a:p>
-              <a:endParaRPr lang="de-DE"/>
-            </a:p>
-          </p:txBody>
-        </p:sp>
-      </p:grpSp>
-      <p:grpSp>
-        <p:nvGrpSpPr>
-          <p:cNvPr id="15" name="Gruppieren 14">
-            <a:extLst>
-              <a:ext uri="{FF2B5EF4-FFF2-40B4-BE49-F238E27FC236}">
-                <a16:creationId xmlns:a16="http://schemas.microsoft.com/office/drawing/2014/main" id="{08DBD43E-CC38-7153-C678-08B06BEF5872}"/>
-              </a:ext>
-            </a:extLst>
-          </p:cNvPr>
-          <p:cNvGrpSpPr/>
-          <p:nvPr/>
-        </p:nvGrpSpPr>
-        <p:grpSpPr>
-          <a:xfrm>
-            <a:off x="168751" y="4866983"/>
-            <a:ext cx="11823383" cy="369332"/>
-            <a:chOff x="176530" y="1113153"/>
-            <a:chExt cx="11823383" cy="369332"/>
-          </a:xfrm>
-        </p:grpSpPr>
-        <p:sp>
-          <p:nvSpPr>
-            <p:cNvPr id="16" name="Textfeld 15">
-              <a:extLst>
-                <a:ext uri="{FF2B5EF4-FFF2-40B4-BE49-F238E27FC236}">
-                  <a16:creationId xmlns:a16="http://schemas.microsoft.com/office/drawing/2014/main" id="{38A20748-45F7-2408-4EA6-ACF1BEDFD072}"/>
-                </a:ext>
-              </a:extLst>
-            </p:cNvPr>
-            <p:cNvSpPr txBox="1"/>
-            <p:nvPr/>
-          </p:nvSpPr>
-          <p:spPr>
-            <a:xfrm>
-              <a:off x="176530" y="1113153"/>
-              <a:ext cx="2309119" cy="369332"/>
-            </a:xfrm>
-            <a:prstGeom prst="rect">
-              <a:avLst/>
-            </a:prstGeom>
-          </p:spPr>
-          <p:style>
-            <a:lnRef idx="2">
-              <a:schemeClr val="dk1"/>
-            </a:lnRef>
-            <a:fillRef idx="1">
-              <a:schemeClr val="lt1"/>
-            </a:fillRef>
-            <a:effectRef idx="0">
-              <a:schemeClr val="dk1"/>
-            </a:effectRef>
-            <a:fontRef idx="minor">
-              <a:schemeClr val="dk1"/>
-            </a:fontRef>
-          </p:style>
-          <p:txBody>
-            <a:bodyPr wrap="square" rtlCol="0">
-              <a:spAutoFit/>
-            </a:bodyPr>
-            <a:lstStyle/>
-            <a:p>
-              <a:r>
-                <a:rPr lang="de-DE" b="1">
-                  <a:solidFill>
-                    <a:schemeClr val="accent1"/>
-                  </a:solidFill>
-                </a:rPr>
-                <a:t>Priority: </a:t>
-              </a:r>
-              <a:r>
-                <a:rPr lang="de-DE"/>
-                <a:t>Must</a:t>
-              </a:r>
-            </a:p>
-          </p:txBody>
-        </p:sp>
-        <p:sp>
-          <p:nvSpPr>
-            <p:cNvPr id="17" name="Textfeld 16">
-              <a:extLst>
-                <a:ext uri="{FF2B5EF4-FFF2-40B4-BE49-F238E27FC236}">
-                  <a16:creationId xmlns:a16="http://schemas.microsoft.com/office/drawing/2014/main" id="{F71C4861-1111-CD85-20EE-563A9E16BC32}"/>
-                </a:ext>
-              </a:extLst>
-            </p:cNvPr>
-            <p:cNvSpPr txBox="1"/>
-            <p:nvPr/>
-          </p:nvSpPr>
-          <p:spPr>
-            <a:xfrm>
-              <a:off x="2630905" y="1113153"/>
-              <a:ext cx="3319839" cy="369332"/>
-            </a:xfrm>
-            <a:prstGeom prst="rect">
-              <a:avLst/>
-            </a:prstGeom>
-          </p:spPr>
-          <p:style>
-            <a:lnRef idx="2">
-              <a:schemeClr val="dk1"/>
-            </a:lnRef>
-            <a:fillRef idx="1">
-              <a:schemeClr val="lt1"/>
-            </a:fillRef>
-            <a:effectRef idx="0">
-              <a:schemeClr val="dk1"/>
-            </a:effectRef>
-            <a:fontRef idx="minor">
-              <a:schemeClr val="dk1"/>
-            </a:fontRef>
-          </p:style>
-          <p:txBody>
-            <a:bodyPr wrap="square" rtlCol="0">
-              <a:spAutoFit/>
-            </a:bodyPr>
-            <a:lstStyle/>
-            <a:p>
-              <a:r>
-                <a:rPr lang="de-DE" b="1">
-                  <a:solidFill>
-                    <a:schemeClr val="accent1"/>
-                  </a:solidFill>
-                </a:rPr>
-                <a:t>Customer Satisfaction:</a:t>
-              </a:r>
-            </a:p>
-          </p:txBody>
-        </p:sp>
-        <p:sp>
-          <p:nvSpPr>
-            <p:cNvPr id="18" name="Textfeld 17">
-              <a:extLst>
-                <a:ext uri="{FF2B5EF4-FFF2-40B4-BE49-F238E27FC236}">
-                  <a16:creationId xmlns:a16="http://schemas.microsoft.com/office/drawing/2014/main" id="{19546FB2-4917-9EEA-9E26-7B1F5377766A}"/>
-                </a:ext>
-              </a:extLst>
-            </p:cNvPr>
-            <p:cNvSpPr txBox="1"/>
-            <p:nvPr/>
-          </p:nvSpPr>
-          <p:spPr>
-            <a:xfrm>
-              <a:off x="6096000" y="1113153"/>
-              <a:ext cx="5903913" cy="369332"/>
-            </a:xfrm>
-            <a:prstGeom prst="rect">
-              <a:avLst/>
-            </a:prstGeom>
-          </p:spPr>
-          <p:style>
-            <a:lnRef idx="2">
-              <a:schemeClr val="dk1"/>
-            </a:lnRef>
-            <a:fillRef idx="1">
-              <a:schemeClr val="lt1"/>
-            </a:fillRef>
-            <a:effectRef idx="0">
-              <a:schemeClr val="dk1"/>
-            </a:effectRef>
-            <a:fontRef idx="minor">
-              <a:schemeClr val="dk1"/>
-            </a:fontRef>
-          </p:style>
-          <p:txBody>
-            <a:bodyPr wrap="square" rtlCol="0">
-              <a:spAutoFit/>
-            </a:bodyPr>
-            <a:lstStyle/>
-            <a:p>
-              <a:r>
-                <a:rPr lang="de-DE" b="1">
-                  <a:solidFill>
-                    <a:schemeClr val="accent1"/>
-                  </a:solidFill>
-                </a:rPr>
-                <a:t>Customer Dissatisfaction:</a:t>
-              </a:r>
-            </a:p>
-          </p:txBody>
-        </p:sp>
-      </p:grpSp>
-      <p:sp>
-        <p:nvSpPr>
-          <p:cNvPr id="19" name="Textfeld 18">
-            <a:extLst>
-              <a:ext uri="{FF2B5EF4-FFF2-40B4-BE49-F238E27FC236}">
-                <a16:creationId xmlns:a16="http://schemas.microsoft.com/office/drawing/2014/main" id="{705DEA52-D470-70E8-3711-101EF925AEBB}"/>
-              </a:ext>
-            </a:extLst>
-          </p:cNvPr>
-          <p:cNvSpPr txBox="1"/>
-          <p:nvPr/>
-        </p:nvSpPr>
-        <p:spPr>
-          <a:xfrm>
-            <a:off x="184308" y="5441496"/>
-            <a:ext cx="5766436" cy="923330"/>
-          </a:xfrm>
-          <a:prstGeom prst="rect">
-            <a:avLst/>
-          </a:prstGeom>
-        </p:spPr>
-        <p:style>
-          <a:lnRef idx="2">
-            <a:schemeClr val="dk1"/>
-          </a:lnRef>
-          <a:fillRef idx="1">
-            <a:schemeClr val="lt1"/>
-          </a:fillRef>
-          <a:effectRef idx="0">
-            <a:schemeClr val="dk1"/>
-          </a:effectRef>
-          <a:fontRef idx="minor">
-            <a:schemeClr val="dk1"/>
-          </a:fontRef>
-        </p:style>
-        <p:txBody>
-          <a:bodyPr wrap="square" rtlCol="0">
-            <a:spAutoFit/>
-          </a:bodyPr>
-          <a:lstStyle/>
-          <a:p>
-            <a:r>
-              <a:rPr lang="de-DE" b="1">
-                <a:solidFill>
-                  <a:schemeClr val="accent1"/>
-                </a:solidFill>
-              </a:rPr>
-              <a:t>Supporting Material: </a:t>
-            </a:r>
-            <a:r>
-              <a:rPr lang="de-DE"/>
-              <a:t>Daten, die erhoben werden sollen stehen im Statistik-Bogen.</a:t>
-            </a:r>
-          </a:p>
-          <a:p>
-            <a:endParaRPr lang="de-DE"/>
-          </a:p>
-        </p:txBody>
-      </p:sp>
-      <p:sp>
-        <p:nvSpPr>
-          <p:cNvPr id="20" name="Textfeld 19">
-            <a:extLst>
-              <a:ext uri="{FF2B5EF4-FFF2-40B4-BE49-F238E27FC236}">
-                <a16:creationId xmlns:a16="http://schemas.microsoft.com/office/drawing/2014/main" id="{83C21FDF-224D-2716-2892-6ED0453AEEFD}"/>
-              </a:ext>
-            </a:extLst>
-          </p:cNvPr>
-          <p:cNvSpPr txBox="1"/>
-          <p:nvPr/>
-        </p:nvSpPr>
-        <p:spPr>
-          <a:xfrm>
-            <a:off x="6103778" y="5441496"/>
-            <a:ext cx="5888356" cy="923330"/>
-          </a:xfrm>
-          <a:prstGeom prst="rect">
-            <a:avLst/>
-          </a:prstGeom>
-        </p:spPr>
-        <p:style>
-          <a:lnRef idx="2">
-            <a:schemeClr val="dk1"/>
-          </a:lnRef>
-          <a:fillRef idx="1">
-            <a:schemeClr val="lt1"/>
-          </a:fillRef>
-          <a:effectRef idx="0">
-            <a:schemeClr val="dk1"/>
-          </a:effectRef>
-          <a:fontRef idx="minor">
-            <a:schemeClr val="dk1"/>
-          </a:fontRef>
-        </p:style>
-        <p:txBody>
-          <a:bodyPr wrap="square" rtlCol="0">
-            <a:spAutoFit/>
-          </a:bodyPr>
-          <a:lstStyle/>
-          <a:p>
-            <a:r>
-              <a:rPr lang="de-DE" b="1">
-                <a:solidFill>
-                  <a:schemeClr val="accent1"/>
-                </a:solidFill>
-              </a:rPr>
-              <a:t>Conflicts:</a:t>
-            </a:r>
-          </a:p>
-          <a:p>
-            <a:endParaRPr lang="de-DE"/>
-          </a:p>
-          <a:p>
-            <a:endParaRPr lang="de-DE"/>
-          </a:p>
-        </p:txBody>
-      </p:sp>
-    </p:spTree>
-    <p:extLst>
-      <p:ext uri="{BB962C8B-B14F-4D97-AF65-F5344CB8AC3E}">
-        <p14:creationId xmlns:p14="http://schemas.microsoft.com/office/powerpoint/2010/main" val="1982010600"/>
       </p:ext>
     </p:extLst>
   </p:cSld>
@@ -18234,8 +23914,12 @@
                 <a:t>Priority: </a:t>
               </a:r>
               <a:r>
-                <a:rPr lang="de-DE"/>
-                <a:t>Must</a:t>
+                <a:rPr lang="de-DE">
+                  <a:solidFill>
+                    <a:schemeClr val="tx1"/>
+                  </a:solidFill>
+                </a:rPr>
+                <a:t>Should</a:t>
               </a:r>
             </a:p>
           </p:txBody>
@@ -19068,7 +24752,7 @@
               </a:r>
               <a:r>
                 <a:rPr lang="de-DE"/>
-                <a:t>Must</a:t>
+                <a:t>Should</a:t>
               </a:r>
             </a:p>
           </p:txBody>
@@ -22125,7 +27809,7 @@
                     <a:schemeClr val="tx1"/>
                   </a:solidFill>
                 </a:rPr>
-                <a:t>Nutzerinnen können einfache Statistiken (Ausgabe von Zahlenwerten, optional Dashboard mit Graphen) über Anfragen und Fälle für definierte Zeiträume erstellen. (B/E/A)</a:t>
+                <a:t>Nutzerinnen können einfache Statistiken (Ausgabe von Zahlenwerten) über Anfragen und Fälle für definierte Zeiträume erstellen. (B/E/A)</a:t>
               </a:r>
               <a:endParaRPr lang="de-DE"/>
             </a:p>

--- a/SnowCards_Requirements.pptx
+++ b/SnowCards_Requirements.pptx
@@ -6,10 +6,10 @@
     <p:sldMasterId id="2147483699" r:id="rId2"/>
   </p:sldMasterIdLst>
   <p:notesMasterIdLst>
-    <p:notesMasterId r:id="rId28"/>
+    <p:notesMasterId r:id="rId31"/>
   </p:notesMasterIdLst>
   <p:handoutMasterIdLst>
-    <p:handoutMasterId r:id="rId29"/>
+    <p:handoutMasterId r:id="rId32"/>
   </p:handoutMasterIdLst>
   <p:sldIdLst>
     <p:sldId id="309" r:id="rId3"/>
@@ -35,22 +35,21 @@
     <p:sldId id="333" r:id="rId23"/>
     <p:sldId id="334" r:id="rId24"/>
     <p:sldId id="335" r:id="rId25"/>
-    <p:sldId id="313" r:id="rId26"/>
-    <p:sldId id="312" r:id="rId27"/>
+    <p:sldId id="337" r:id="rId26"/>
+    <p:sldId id="341" r:id="rId27"/>
+    <p:sldId id="338" r:id="rId28"/>
+    <p:sldId id="340" r:id="rId29"/>
+    <p:sldId id="336" r:id="rId30"/>
   </p:sldIdLst>
   <p:sldSz cx="12192000" cy="6858000"/>
   <p:notesSz cx="9928225" cy="6797675"/>
   <p:embeddedFontLst>
     <p:embeddedFont>
       <p:font typeface="Roboto" panose="02000000000000000000" pitchFamily="2" charset="0"/>
-      <p:regular r:id="rId30"/>
-      <p:bold r:id="rId31"/>
-      <p:italic r:id="rId32"/>
-      <p:boldItalic r:id="rId33"/>
-    </p:embeddedFont>
-    <p:embeddedFont>
-      <p:font typeface="Wingdings 2" panose="05020102010507070707" pitchFamily="18" charset="2"/>
-      <p:regular r:id="rId34"/>
+      <p:regular r:id="rId33"/>
+      <p:bold r:id="rId34"/>
+      <p:italic r:id="rId35"/>
+      <p:boldItalic r:id="rId36"/>
     </p:embeddedFont>
   </p:embeddedFontLst>
   <p:defaultTextStyle>
@@ -282,7 +281,7 @@
           <a:p>
             <a:fld id="{283A9E21-4981-413F-9BAB-A1BE42E0A624}" type="datetimeFigureOut">
               <a:rPr lang="de-DE" smtClean="0"/>
-              <a:t>27.10.2025</a:t>
+              <a:t>28.10.2025</a:t>
             </a:fld>
             <a:endParaRPr lang="de-DE"/>
           </a:p>
@@ -2669,7 +2668,7 @@
         <p:cNvPr id="1" name="">
           <a:extLst>
             <a:ext uri="{FF2B5EF4-FFF2-40B4-BE49-F238E27FC236}">
-              <a16:creationId xmlns:a16="http://schemas.microsoft.com/office/drawing/2014/main" id="{DE33C5D6-57D5-F1E8-C9B9-C96DC8F167F5}"/>
+              <a16:creationId xmlns:a16="http://schemas.microsoft.com/office/drawing/2014/main" id="{774A92F5-EB00-452F-67A5-CB9A15E8228B}"/>
             </a:ext>
           </a:extLst>
         </p:cNvPr>
@@ -2689,7 +2688,7 @@
           <p:cNvPr id="2" name="Folienbildplatzhalter 1">
             <a:extLst>
               <a:ext uri="{FF2B5EF4-FFF2-40B4-BE49-F238E27FC236}">
-                <a16:creationId xmlns:a16="http://schemas.microsoft.com/office/drawing/2014/main" id="{8E061EB4-012A-85BD-7477-E32A7DC5175F}"/>
+                <a16:creationId xmlns:a16="http://schemas.microsoft.com/office/drawing/2014/main" id="{29A368F8-8489-6EBB-4E2C-C953B4D8D4D4}"/>
               </a:ext>
             </a:extLst>
           </p:cNvPr>
@@ -2707,7 +2706,7 @@
           <p:cNvPr id="3" name="Notizenplatzhalter 2">
             <a:extLst>
               <a:ext uri="{FF2B5EF4-FFF2-40B4-BE49-F238E27FC236}">
-                <a16:creationId xmlns:a16="http://schemas.microsoft.com/office/drawing/2014/main" id="{44D3178C-7030-53FD-0C17-3092EB2F75F9}"/>
+                <a16:creationId xmlns:a16="http://schemas.microsoft.com/office/drawing/2014/main" id="{A0E538EC-A7C6-1D61-A344-638FA0306CC4}"/>
               </a:ext>
             </a:extLst>
           </p:cNvPr>
@@ -2732,7 +2731,7 @@
           <p:cNvPr id="4" name="Foliennummernplatzhalter 3">
             <a:extLst>
               <a:ext uri="{FF2B5EF4-FFF2-40B4-BE49-F238E27FC236}">
-                <a16:creationId xmlns:a16="http://schemas.microsoft.com/office/drawing/2014/main" id="{FF37953F-6539-0162-3E81-FBC3B0A4B4C1}"/>
+                <a16:creationId xmlns:a16="http://schemas.microsoft.com/office/drawing/2014/main" id="{B19FF5AC-19BB-9320-8C40-D027093FDE38}"/>
               </a:ext>
             </a:extLst>
           </p:cNvPr>
@@ -2760,7 +2759,443 @@
     </p:spTree>
     <p:extLst>
       <p:ext uri="{BB962C8B-B14F-4D97-AF65-F5344CB8AC3E}">
-        <p14:creationId xmlns:p14="http://schemas.microsoft.com/office/powerpoint/2010/main" val="1655746941"/>
+        <p14:creationId xmlns:p14="http://schemas.microsoft.com/office/powerpoint/2010/main" val="4014503969"/>
+      </p:ext>
+    </p:extLst>
+  </p:cSld>
+  <p:clrMapOvr>
+    <a:masterClrMapping/>
+  </p:clrMapOvr>
+</p:notes>
+</file>
+
+<file path=ppt/notesSlides/notesSlide25.xml><?xml version="1.0" encoding="utf-8"?>
+<p:notes xmlns:a="http://schemas.openxmlformats.org/drawingml/2006/main" xmlns:r="http://schemas.openxmlformats.org/officeDocument/2006/relationships" xmlns:p="http://schemas.openxmlformats.org/presentationml/2006/main">
+  <p:cSld>
+    <p:spTree>
+      <p:nvGrpSpPr>
+        <p:cNvPr id="1" name="">
+          <a:extLst>
+            <a:ext uri="{FF2B5EF4-FFF2-40B4-BE49-F238E27FC236}">
+              <a16:creationId xmlns:a16="http://schemas.microsoft.com/office/drawing/2014/main" id="{BA6413A3-CFCF-2CF9-C404-75C95A88EB8F}"/>
+            </a:ext>
+          </a:extLst>
+        </p:cNvPr>
+        <p:cNvGrpSpPr/>
+        <p:nvPr/>
+      </p:nvGrpSpPr>
+      <p:grpSpPr>
+        <a:xfrm>
+          <a:off x="0" y="0"/>
+          <a:ext cx="0" cy="0"/>
+          <a:chOff x="0" y="0"/>
+          <a:chExt cx="0" cy="0"/>
+        </a:xfrm>
+      </p:grpSpPr>
+      <p:sp>
+        <p:nvSpPr>
+          <p:cNvPr id="2" name="Folienbildplatzhalter 1">
+            <a:extLst>
+              <a:ext uri="{FF2B5EF4-FFF2-40B4-BE49-F238E27FC236}">
+                <a16:creationId xmlns:a16="http://schemas.microsoft.com/office/drawing/2014/main" id="{BE562428-89C1-82E6-4286-392E50710E4B}"/>
+              </a:ext>
+            </a:extLst>
+          </p:cNvPr>
+          <p:cNvSpPr>
+            <a:spLocks noGrp="1" noRot="1" noChangeAspect="1"/>
+          </p:cNvSpPr>
+          <p:nvPr>
+            <p:ph type="sldImg"/>
+          </p:nvPr>
+        </p:nvSpPr>
+        <p:spPr/>
+      </p:sp>
+      <p:sp>
+        <p:nvSpPr>
+          <p:cNvPr id="3" name="Notizenplatzhalter 2">
+            <a:extLst>
+              <a:ext uri="{FF2B5EF4-FFF2-40B4-BE49-F238E27FC236}">
+                <a16:creationId xmlns:a16="http://schemas.microsoft.com/office/drawing/2014/main" id="{38744DE3-740B-FDB3-E6C0-AF57A9BE9ECC}"/>
+              </a:ext>
+            </a:extLst>
+          </p:cNvPr>
+          <p:cNvSpPr>
+            <a:spLocks noGrp="1"/>
+          </p:cNvSpPr>
+          <p:nvPr>
+            <p:ph type="body" idx="1"/>
+          </p:nvPr>
+        </p:nvSpPr>
+        <p:spPr/>
+        <p:txBody>
+          <a:bodyPr/>
+          <a:lstStyle/>
+          <a:p>
+            <a:endParaRPr lang="de-DE"/>
+          </a:p>
+        </p:txBody>
+      </p:sp>
+      <p:sp>
+        <p:nvSpPr>
+          <p:cNvPr id="4" name="Foliennummernplatzhalter 3">
+            <a:extLst>
+              <a:ext uri="{FF2B5EF4-FFF2-40B4-BE49-F238E27FC236}">
+                <a16:creationId xmlns:a16="http://schemas.microsoft.com/office/drawing/2014/main" id="{EBABE908-E50C-B70B-D6D7-F8F95412456F}"/>
+              </a:ext>
+            </a:extLst>
+          </p:cNvPr>
+          <p:cNvSpPr>
+            <a:spLocks noGrp="1"/>
+          </p:cNvSpPr>
+          <p:nvPr>
+            <p:ph type="sldNum" sz="quarter" idx="5"/>
+          </p:nvPr>
+        </p:nvSpPr>
+        <p:spPr/>
+        <p:txBody>
+          <a:bodyPr/>
+          <a:lstStyle/>
+          <a:p>
+            <a:fld id="{5EB2B633-7BEC-49A7-B3BF-92E0C7E450E6}" type="slidenum">
+              <a:rPr lang="de-DE" altLang="de-DE" smtClean="0"/>
+              <a:pPr/>
+              <a:t>25</a:t>
+            </a:fld>
+            <a:endParaRPr lang="de-DE" altLang="de-DE"/>
+          </a:p>
+        </p:txBody>
+      </p:sp>
+    </p:spTree>
+    <p:extLst>
+      <p:ext uri="{BB962C8B-B14F-4D97-AF65-F5344CB8AC3E}">
+        <p14:creationId xmlns:p14="http://schemas.microsoft.com/office/powerpoint/2010/main" val="784938242"/>
+      </p:ext>
+    </p:extLst>
+  </p:cSld>
+  <p:clrMapOvr>
+    <a:masterClrMapping/>
+  </p:clrMapOvr>
+</p:notes>
+</file>
+
+<file path=ppt/notesSlides/notesSlide26.xml><?xml version="1.0" encoding="utf-8"?>
+<p:notes xmlns:a="http://schemas.openxmlformats.org/drawingml/2006/main" xmlns:r="http://schemas.openxmlformats.org/officeDocument/2006/relationships" xmlns:p="http://schemas.openxmlformats.org/presentationml/2006/main">
+  <p:cSld>
+    <p:spTree>
+      <p:nvGrpSpPr>
+        <p:cNvPr id="1" name="">
+          <a:extLst>
+            <a:ext uri="{FF2B5EF4-FFF2-40B4-BE49-F238E27FC236}">
+              <a16:creationId xmlns:a16="http://schemas.microsoft.com/office/drawing/2014/main" id="{62EA09D2-CE74-9B9F-93B7-3502880FAF57}"/>
+            </a:ext>
+          </a:extLst>
+        </p:cNvPr>
+        <p:cNvGrpSpPr/>
+        <p:nvPr/>
+      </p:nvGrpSpPr>
+      <p:grpSpPr>
+        <a:xfrm>
+          <a:off x="0" y="0"/>
+          <a:ext cx="0" cy="0"/>
+          <a:chOff x="0" y="0"/>
+          <a:chExt cx="0" cy="0"/>
+        </a:xfrm>
+      </p:grpSpPr>
+      <p:sp>
+        <p:nvSpPr>
+          <p:cNvPr id="2" name="Folienbildplatzhalter 1">
+            <a:extLst>
+              <a:ext uri="{FF2B5EF4-FFF2-40B4-BE49-F238E27FC236}">
+                <a16:creationId xmlns:a16="http://schemas.microsoft.com/office/drawing/2014/main" id="{98392CB2-D5F5-3FCA-1D63-2E7217378B00}"/>
+              </a:ext>
+            </a:extLst>
+          </p:cNvPr>
+          <p:cNvSpPr>
+            <a:spLocks noGrp="1" noRot="1" noChangeAspect="1"/>
+          </p:cNvSpPr>
+          <p:nvPr>
+            <p:ph type="sldImg"/>
+          </p:nvPr>
+        </p:nvSpPr>
+        <p:spPr/>
+      </p:sp>
+      <p:sp>
+        <p:nvSpPr>
+          <p:cNvPr id="3" name="Notizenplatzhalter 2">
+            <a:extLst>
+              <a:ext uri="{FF2B5EF4-FFF2-40B4-BE49-F238E27FC236}">
+                <a16:creationId xmlns:a16="http://schemas.microsoft.com/office/drawing/2014/main" id="{EBCCD98C-2586-43D1-B8BC-2826F6774F4A}"/>
+              </a:ext>
+            </a:extLst>
+          </p:cNvPr>
+          <p:cNvSpPr>
+            <a:spLocks noGrp="1"/>
+          </p:cNvSpPr>
+          <p:nvPr>
+            <p:ph type="body" idx="1"/>
+          </p:nvPr>
+        </p:nvSpPr>
+        <p:spPr/>
+        <p:txBody>
+          <a:bodyPr/>
+          <a:lstStyle/>
+          <a:p>
+            <a:endParaRPr lang="de-DE"/>
+          </a:p>
+        </p:txBody>
+      </p:sp>
+      <p:sp>
+        <p:nvSpPr>
+          <p:cNvPr id="4" name="Foliennummernplatzhalter 3">
+            <a:extLst>
+              <a:ext uri="{FF2B5EF4-FFF2-40B4-BE49-F238E27FC236}">
+                <a16:creationId xmlns:a16="http://schemas.microsoft.com/office/drawing/2014/main" id="{81F59CFB-2D04-0D72-9FE5-FC47C105F34B}"/>
+              </a:ext>
+            </a:extLst>
+          </p:cNvPr>
+          <p:cNvSpPr>
+            <a:spLocks noGrp="1"/>
+          </p:cNvSpPr>
+          <p:nvPr>
+            <p:ph type="sldNum" sz="quarter" idx="5"/>
+          </p:nvPr>
+        </p:nvSpPr>
+        <p:spPr/>
+        <p:txBody>
+          <a:bodyPr/>
+          <a:lstStyle/>
+          <a:p>
+            <a:fld id="{5EB2B633-7BEC-49A7-B3BF-92E0C7E450E6}" type="slidenum">
+              <a:rPr lang="de-DE" altLang="de-DE" smtClean="0"/>
+              <a:pPr/>
+              <a:t>26</a:t>
+            </a:fld>
+            <a:endParaRPr lang="de-DE" altLang="de-DE"/>
+          </a:p>
+        </p:txBody>
+      </p:sp>
+    </p:spTree>
+    <p:extLst>
+      <p:ext uri="{BB962C8B-B14F-4D97-AF65-F5344CB8AC3E}">
+        <p14:creationId xmlns:p14="http://schemas.microsoft.com/office/powerpoint/2010/main" val="230066543"/>
+      </p:ext>
+    </p:extLst>
+  </p:cSld>
+  <p:clrMapOvr>
+    <a:masterClrMapping/>
+  </p:clrMapOvr>
+</p:notes>
+</file>
+
+<file path=ppt/notesSlides/notesSlide27.xml><?xml version="1.0" encoding="utf-8"?>
+<p:notes xmlns:a="http://schemas.openxmlformats.org/drawingml/2006/main" xmlns:r="http://schemas.openxmlformats.org/officeDocument/2006/relationships" xmlns:p="http://schemas.openxmlformats.org/presentationml/2006/main">
+  <p:cSld>
+    <p:spTree>
+      <p:nvGrpSpPr>
+        <p:cNvPr id="1" name="">
+          <a:extLst>
+            <a:ext uri="{FF2B5EF4-FFF2-40B4-BE49-F238E27FC236}">
+              <a16:creationId xmlns:a16="http://schemas.microsoft.com/office/drawing/2014/main" id="{408C5FB6-728E-474E-645F-F9B2D0CBDCB5}"/>
+            </a:ext>
+          </a:extLst>
+        </p:cNvPr>
+        <p:cNvGrpSpPr/>
+        <p:nvPr/>
+      </p:nvGrpSpPr>
+      <p:grpSpPr>
+        <a:xfrm>
+          <a:off x="0" y="0"/>
+          <a:ext cx="0" cy="0"/>
+          <a:chOff x="0" y="0"/>
+          <a:chExt cx="0" cy="0"/>
+        </a:xfrm>
+      </p:grpSpPr>
+      <p:sp>
+        <p:nvSpPr>
+          <p:cNvPr id="2" name="Folienbildplatzhalter 1">
+            <a:extLst>
+              <a:ext uri="{FF2B5EF4-FFF2-40B4-BE49-F238E27FC236}">
+                <a16:creationId xmlns:a16="http://schemas.microsoft.com/office/drawing/2014/main" id="{5CFA1FB2-D55F-3E23-F361-F894412A5B4F}"/>
+              </a:ext>
+            </a:extLst>
+          </p:cNvPr>
+          <p:cNvSpPr>
+            <a:spLocks noGrp="1" noRot="1" noChangeAspect="1"/>
+          </p:cNvSpPr>
+          <p:nvPr>
+            <p:ph type="sldImg"/>
+          </p:nvPr>
+        </p:nvSpPr>
+        <p:spPr/>
+      </p:sp>
+      <p:sp>
+        <p:nvSpPr>
+          <p:cNvPr id="3" name="Notizenplatzhalter 2">
+            <a:extLst>
+              <a:ext uri="{FF2B5EF4-FFF2-40B4-BE49-F238E27FC236}">
+                <a16:creationId xmlns:a16="http://schemas.microsoft.com/office/drawing/2014/main" id="{BD986AFB-2AC5-8C80-D994-2A48459167DF}"/>
+              </a:ext>
+            </a:extLst>
+          </p:cNvPr>
+          <p:cNvSpPr>
+            <a:spLocks noGrp="1"/>
+          </p:cNvSpPr>
+          <p:nvPr>
+            <p:ph type="body" idx="1"/>
+          </p:nvPr>
+        </p:nvSpPr>
+        <p:spPr/>
+        <p:txBody>
+          <a:bodyPr/>
+          <a:lstStyle/>
+          <a:p>
+            <a:endParaRPr lang="de-DE"/>
+          </a:p>
+        </p:txBody>
+      </p:sp>
+      <p:sp>
+        <p:nvSpPr>
+          <p:cNvPr id="4" name="Foliennummernplatzhalter 3">
+            <a:extLst>
+              <a:ext uri="{FF2B5EF4-FFF2-40B4-BE49-F238E27FC236}">
+                <a16:creationId xmlns:a16="http://schemas.microsoft.com/office/drawing/2014/main" id="{55F691DA-2164-C848-AF72-C201C4F97CB0}"/>
+              </a:ext>
+            </a:extLst>
+          </p:cNvPr>
+          <p:cNvSpPr>
+            <a:spLocks noGrp="1"/>
+          </p:cNvSpPr>
+          <p:nvPr>
+            <p:ph type="sldNum" sz="quarter" idx="5"/>
+          </p:nvPr>
+        </p:nvSpPr>
+        <p:spPr/>
+        <p:txBody>
+          <a:bodyPr/>
+          <a:lstStyle/>
+          <a:p>
+            <a:fld id="{5EB2B633-7BEC-49A7-B3BF-92E0C7E450E6}" type="slidenum">
+              <a:rPr lang="de-DE" altLang="de-DE" smtClean="0"/>
+              <a:pPr/>
+              <a:t>27</a:t>
+            </a:fld>
+            <a:endParaRPr lang="de-DE" altLang="de-DE"/>
+          </a:p>
+        </p:txBody>
+      </p:sp>
+    </p:spTree>
+    <p:extLst>
+      <p:ext uri="{BB962C8B-B14F-4D97-AF65-F5344CB8AC3E}">
+        <p14:creationId xmlns:p14="http://schemas.microsoft.com/office/powerpoint/2010/main" val="4236772891"/>
+      </p:ext>
+    </p:extLst>
+  </p:cSld>
+  <p:clrMapOvr>
+    <a:masterClrMapping/>
+  </p:clrMapOvr>
+</p:notes>
+</file>
+
+<file path=ppt/notesSlides/notesSlide28.xml><?xml version="1.0" encoding="utf-8"?>
+<p:notes xmlns:a="http://schemas.openxmlformats.org/drawingml/2006/main" xmlns:r="http://schemas.openxmlformats.org/officeDocument/2006/relationships" xmlns:p="http://schemas.openxmlformats.org/presentationml/2006/main">
+  <p:cSld>
+    <p:spTree>
+      <p:nvGrpSpPr>
+        <p:cNvPr id="1" name="">
+          <a:extLst>
+            <a:ext uri="{FF2B5EF4-FFF2-40B4-BE49-F238E27FC236}">
+              <a16:creationId xmlns:a16="http://schemas.microsoft.com/office/drawing/2014/main" id="{E922C58B-83E8-3DFD-9D70-8B25BA258AFA}"/>
+            </a:ext>
+          </a:extLst>
+        </p:cNvPr>
+        <p:cNvGrpSpPr/>
+        <p:nvPr/>
+      </p:nvGrpSpPr>
+      <p:grpSpPr>
+        <a:xfrm>
+          <a:off x="0" y="0"/>
+          <a:ext cx="0" cy="0"/>
+          <a:chOff x="0" y="0"/>
+          <a:chExt cx="0" cy="0"/>
+        </a:xfrm>
+      </p:grpSpPr>
+      <p:sp>
+        <p:nvSpPr>
+          <p:cNvPr id="2" name="Folienbildplatzhalter 1">
+            <a:extLst>
+              <a:ext uri="{FF2B5EF4-FFF2-40B4-BE49-F238E27FC236}">
+                <a16:creationId xmlns:a16="http://schemas.microsoft.com/office/drawing/2014/main" id="{0004AAE9-6656-234B-68F4-B2A0C82EE992}"/>
+              </a:ext>
+            </a:extLst>
+          </p:cNvPr>
+          <p:cNvSpPr>
+            <a:spLocks noGrp="1" noRot="1" noChangeAspect="1"/>
+          </p:cNvSpPr>
+          <p:nvPr>
+            <p:ph type="sldImg"/>
+          </p:nvPr>
+        </p:nvSpPr>
+        <p:spPr/>
+      </p:sp>
+      <p:sp>
+        <p:nvSpPr>
+          <p:cNvPr id="3" name="Notizenplatzhalter 2">
+            <a:extLst>
+              <a:ext uri="{FF2B5EF4-FFF2-40B4-BE49-F238E27FC236}">
+                <a16:creationId xmlns:a16="http://schemas.microsoft.com/office/drawing/2014/main" id="{41293370-268B-7D78-369E-9391F85F2BF3}"/>
+              </a:ext>
+            </a:extLst>
+          </p:cNvPr>
+          <p:cNvSpPr>
+            <a:spLocks noGrp="1"/>
+          </p:cNvSpPr>
+          <p:nvPr>
+            <p:ph type="body" idx="1"/>
+          </p:nvPr>
+        </p:nvSpPr>
+        <p:spPr/>
+        <p:txBody>
+          <a:bodyPr/>
+          <a:lstStyle/>
+          <a:p>
+            <a:endParaRPr lang="de-DE"/>
+          </a:p>
+        </p:txBody>
+      </p:sp>
+      <p:sp>
+        <p:nvSpPr>
+          <p:cNvPr id="4" name="Foliennummernplatzhalter 3">
+            <a:extLst>
+              <a:ext uri="{FF2B5EF4-FFF2-40B4-BE49-F238E27FC236}">
+                <a16:creationId xmlns:a16="http://schemas.microsoft.com/office/drawing/2014/main" id="{61BA7A18-8303-D092-A087-13B90D90EB5B}"/>
+              </a:ext>
+            </a:extLst>
+          </p:cNvPr>
+          <p:cNvSpPr>
+            <a:spLocks noGrp="1"/>
+          </p:cNvSpPr>
+          <p:nvPr>
+            <p:ph type="sldNum" sz="quarter" idx="5"/>
+          </p:nvPr>
+        </p:nvSpPr>
+        <p:spPr/>
+        <p:txBody>
+          <a:bodyPr/>
+          <a:lstStyle/>
+          <a:p>
+            <a:fld id="{5EB2B633-7BEC-49A7-B3BF-92E0C7E450E6}" type="slidenum">
+              <a:rPr lang="de-DE" altLang="de-DE" smtClean="0"/>
+              <a:pPr/>
+              <a:t>28</a:t>
+            </a:fld>
+            <a:endParaRPr lang="de-DE" altLang="de-DE"/>
+          </a:p>
+        </p:txBody>
+      </p:sp>
+    </p:spTree>
+    <p:extLst>
+      <p:ext uri="{BB962C8B-B14F-4D97-AF65-F5344CB8AC3E}">
+        <p14:creationId xmlns:p14="http://schemas.microsoft.com/office/powerpoint/2010/main" val="4256571671"/>
       </p:ext>
     </p:extLst>
   </p:cSld>
@@ -21453,7 +21888,7 @@
         <p:cNvPr id="1" name="">
           <a:extLst>
             <a:ext uri="{FF2B5EF4-FFF2-40B4-BE49-F238E27FC236}">
-              <a16:creationId xmlns:a16="http://schemas.microsoft.com/office/drawing/2014/main" id="{83F4AD2C-55AE-1A97-4624-F96E7C0C8047}"/>
+              <a16:creationId xmlns:a16="http://schemas.microsoft.com/office/drawing/2014/main" id="{14DDDCD0-2F50-FA44-B050-158DD44A5793}"/>
             </a:ext>
           </a:extLst>
         </p:cNvPr>
@@ -21473,7 +21908,7 @@
           <p:cNvPr id="5" name="Titel 4">
             <a:extLst>
               <a:ext uri="{FF2B5EF4-FFF2-40B4-BE49-F238E27FC236}">
-                <a16:creationId xmlns:a16="http://schemas.microsoft.com/office/drawing/2014/main" id="{3AC2E320-D0EF-67B2-537F-DF83FF69B511}"/>
+                <a16:creationId xmlns:a16="http://schemas.microsoft.com/office/drawing/2014/main" id="{ACE81402-8076-2FD0-D2AA-1FBF298469C3}"/>
               </a:ext>
             </a:extLst>
           </p:cNvPr>
@@ -21507,7 +21942,7 @@
           <p:cNvPr id="13" name="Gruppieren 12">
             <a:extLst>
               <a:ext uri="{FF2B5EF4-FFF2-40B4-BE49-F238E27FC236}">
-                <a16:creationId xmlns:a16="http://schemas.microsoft.com/office/drawing/2014/main" id="{4A4F0A41-D983-857E-061C-0D4381E44DB1}"/>
+                <a16:creationId xmlns:a16="http://schemas.microsoft.com/office/drawing/2014/main" id="{42F69C42-0659-796E-4FC1-F1012C2E860A}"/>
               </a:ext>
             </a:extLst>
           </p:cNvPr>
@@ -21527,7 +21962,7 @@
             <p:cNvPr id="3" name="Textfeld 2">
               <a:extLst>
                 <a:ext uri="{FF2B5EF4-FFF2-40B4-BE49-F238E27FC236}">
-                  <a16:creationId xmlns:a16="http://schemas.microsoft.com/office/drawing/2014/main" id="{C891172A-292A-C1E2-AE46-FF98488E5219}"/>
+                  <a16:creationId xmlns:a16="http://schemas.microsoft.com/office/drawing/2014/main" id="{332C6DA8-61C8-B9FD-27C8-01961AFDD1C6}"/>
                 </a:ext>
               </a:extLst>
             </p:cNvPr>
@@ -21564,7 +21999,11 @@
             <a:lstStyle/>
             <a:p>
               <a:r>
-                <a:rPr lang="de-DE"/>
+                <a:rPr lang="de-DE" b="1">
+                  <a:solidFill>
+                    <a:schemeClr val="accent1"/>
+                  </a:solidFill>
+                </a:rPr>
                 <a:t>Req-ID:</a:t>
               </a:r>
             </a:p>
@@ -21575,7 +22014,7 @@
             <p:cNvPr id="4" name="Textfeld 3">
               <a:extLst>
                 <a:ext uri="{FF2B5EF4-FFF2-40B4-BE49-F238E27FC236}">
-                  <a16:creationId xmlns:a16="http://schemas.microsoft.com/office/drawing/2014/main" id="{E7325327-8451-16CF-E3AF-70A085822821}"/>
+                  <a16:creationId xmlns:a16="http://schemas.microsoft.com/office/drawing/2014/main" id="{DE4EBA48-13CF-0B03-5BCA-1C95BE0ACAA7}"/>
                 </a:ext>
               </a:extLst>
             </p:cNvPr>
@@ -21612,8 +22051,20 @@
             <a:lstStyle/>
             <a:p>
               <a:r>
-                <a:rPr lang="de-DE"/>
-                <a:t>Req-Type:</a:t>
+                <a:rPr lang="de-DE" b="1">
+                  <a:solidFill>
+                    <a:schemeClr val="accent1"/>
+                  </a:solidFill>
+                </a:rPr>
+                <a:t>Req-Type: </a:t>
+              </a:r>
+              <a:r>
+                <a:rPr lang="de-DE">
+                  <a:solidFill>
+                    <a:schemeClr val="tx1"/>
+                  </a:solidFill>
+                </a:rPr>
+                <a:t>Nicht-Funktional</a:t>
               </a:r>
             </a:p>
           </p:txBody>
@@ -21623,7 +22074,7 @@
             <p:cNvPr id="8" name="Textfeld 7">
               <a:extLst>
                 <a:ext uri="{FF2B5EF4-FFF2-40B4-BE49-F238E27FC236}">
-                  <a16:creationId xmlns:a16="http://schemas.microsoft.com/office/drawing/2014/main" id="{87338691-D375-7A90-0ADB-5BAF9FD35397}"/>
+                  <a16:creationId xmlns:a16="http://schemas.microsoft.com/office/drawing/2014/main" id="{49DF4745-92B6-59FD-4642-17799E4F5835}"/>
                 </a:ext>
               </a:extLst>
             </p:cNvPr>
@@ -21660,9 +22111,26 @@
             <a:lstStyle/>
             <a:p>
               <a:r>
-                <a:rPr lang="de-DE"/>
-                <a:t>Events/UC:</a:t>
-              </a:r>
+                <a:rPr lang="de-DE" b="1">
+                  <a:solidFill>
+                    <a:schemeClr val="accent1"/>
+                  </a:solidFill>
+                </a:rPr>
+                <a:t>Events/UC: </a:t>
+              </a:r>
+              <a:r>
+                <a:rPr lang="de-DE">
+                  <a:solidFill>
+                    <a:schemeClr val="tx1"/>
+                  </a:solidFill>
+                </a:rPr>
+                <a:t>Anlegen einer neuen Anfrage</a:t>
+              </a:r>
+              <a:endParaRPr lang="de-DE">
+                <a:solidFill>
+                  <a:schemeClr val="accent1"/>
+                </a:solidFill>
+              </a:endParaRPr>
             </a:p>
           </p:txBody>
         </p:sp>
@@ -21672,7 +22140,7 @@
           <p:cNvPr id="14" name="Gruppieren 13">
             <a:extLst>
               <a:ext uri="{FF2B5EF4-FFF2-40B4-BE49-F238E27FC236}">
-                <a16:creationId xmlns:a16="http://schemas.microsoft.com/office/drawing/2014/main" id="{D5AF08ED-9E9F-1CA4-D46D-D2352B26D435}"/>
+                <a16:creationId xmlns:a16="http://schemas.microsoft.com/office/drawing/2014/main" id="{CF395D11-C71A-230C-E87F-15F82A008B12}"/>
               </a:ext>
             </a:extLst>
           </p:cNvPr>
@@ -21692,7 +22160,7 @@
             <p:cNvPr id="9" name="Textfeld 8">
               <a:extLst>
                 <a:ext uri="{FF2B5EF4-FFF2-40B4-BE49-F238E27FC236}">
-                  <a16:creationId xmlns:a16="http://schemas.microsoft.com/office/drawing/2014/main" id="{A5D8FE75-EA87-AC33-4B7C-56C80A2651B7}"/>
+                  <a16:creationId xmlns:a16="http://schemas.microsoft.com/office/drawing/2014/main" id="{266E9580-1EB3-B190-F07B-C2F936928C07}"/>
                 </a:ext>
               </a:extLst>
             </p:cNvPr>
@@ -21729,11 +22197,21 @@
             <a:lstStyle/>
             <a:p>
               <a:r>
-                <a:rPr lang="de-DE"/>
-                <a:t>Description:</a:t>
-              </a:r>
-            </a:p>
-            <a:p>
+                <a:rPr lang="de-DE" b="1">
+                  <a:solidFill>
+                    <a:schemeClr val="accent1"/>
+                  </a:solidFill>
+                </a:rPr>
+                <a:t>Description: </a:t>
+              </a:r>
+              <a:r>
+                <a:rPr lang="de-DE">
+                  <a:solidFill>
+                    <a:schemeClr val="tx1"/>
+                  </a:solidFill>
+                </a:rPr>
+                <a:t>Zur Ausführung von zentralen Aktionen (z.B. Anlegen einer neuen Anfrage/Fall, Statistik anzeigen) gibt es eine maximale Klicktiefe.</a:t>
+              </a:r>
               <a:endParaRPr lang="de-DE"/>
             </a:p>
           </p:txBody>
@@ -21743,7 +22221,7 @@
             <p:cNvPr id="10" name="Textfeld 9">
               <a:extLst>
                 <a:ext uri="{FF2B5EF4-FFF2-40B4-BE49-F238E27FC236}">
-                  <a16:creationId xmlns:a16="http://schemas.microsoft.com/office/drawing/2014/main" id="{55AF6DD2-5482-3DD8-0591-7BDA85815A1B}"/>
+                  <a16:creationId xmlns:a16="http://schemas.microsoft.com/office/drawing/2014/main" id="{D0598043-5B52-5502-7DDC-0421BB2CA13A}"/>
                 </a:ext>
               </a:extLst>
             </p:cNvPr>
@@ -21780,8 +22258,20 @@
             <a:lstStyle/>
             <a:p>
               <a:r>
-                <a:rPr lang="de-DE"/>
-                <a:t>Rationale:</a:t>
+                <a:rPr lang="de-DE" b="1">
+                  <a:solidFill>
+                    <a:schemeClr val="accent1"/>
+                  </a:solidFill>
+                </a:rPr>
+                <a:t>Rationale: </a:t>
+              </a:r>
+              <a:r>
+                <a:rPr lang="de-DE">
+                  <a:solidFill>
+                    <a:schemeClr val="tx1"/>
+                  </a:solidFill>
+                </a:rPr>
+                <a:t>Um die Eingabe möglichst einfach und effizient zu gestalten (UX/Performance).</a:t>
               </a:r>
             </a:p>
             <a:p>
@@ -21794,7 +22284,7 @@
             <p:cNvPr id="11" name="Textfeld 10">
               <a:extLst>
                 <a:ext uri="{FF2B5EF4-FFF2-40B4-BE49-F238E27FC236}">
-                  <a16:creationId xmlns:a16="http://schemas.microsoft.com/office/drawing/2014/main" id="{77A7454D-6D89-7A9B-02AF-20FF476AFB6A}"/>
+                  <a16:creationId xmlns:a16="http://schemas.microsoft.com/office/drawing/2014/main" id="{ABE3984A-5749-5B5F-6C2E-CF0EF49839BD}"/>
                 </a:ext>
               </a:extLst>
             </p:cNvPr>
@@ -21831,8 +22321,20 @@
             <a:lstStyle/>
             <a:p>
               <a:r>
-                <a:rPr lang="de-DE"/>
-                <a:t>Originator:</a:t>
+                <a:rPr lang="de-DE" b="1">
+                  <a:solidFill>
+                    <a:schemeClr val="accent1"/>
+                  </a:solidFill>
+                </a:rPr>
+                <a:t>Originator: </a:t>
+              </a:r>
+              <a:r>
+                <a:rPr lang="de-DE">
+                  <a:solidFill>
+                    <a:schemeClr val="tx1"/>
+                  </a:solidFill>
+                </a:rPr>
+                <a:t>Anforderungsbeschreibung, S. 4 </a:t>
               </a:r>
             </a:p>
             <a:p>
@@ -21845,7 +22347,7 @@
             <p:cNvPr id="12" name="Textfeld 11">
               <a:extLst>
                 <a:ext uri="{FF2B5EF4-FFF2-40B4-BE49-F238E27FC236}">
-                  <a16:creationId xmlns:a16="http://schemas.microsoft.com/office/drawing/2014/main" id="{EE63CEB8-5E39-C3B0-44B9-AFA55DF2A9D9}"/>
+                  <a16:creationId xmlns:a16="http://schemas.microsoft.com/office/drawing/2014/main" id="{60FAC501-091F-DDE7-78B5-233C43C7C6C5}"/>
                 </a:ext>
               </a:extLst>
             </p:cNvPr>
@@ -21882,11 +22384,21 @@
             <a:lstStyle/>
             <a:p>
               <a:r>
-                <a:rPr lang="de-DE"/>
-                <a:t>Fit Criterion:</a:t>
-              </a:r>
-            </a:p>
-            <a:p>
+                <a:rPr lang="de-DE" b="1">
+                  <a:solidFill>
+                    <a:schemeClr val="accent1"/>
+                  </a:solidFill>
+                </a:rPr>
+                <a:t>Fit Criterion: </a:t>
+              </a:r>
+              <a:r>
+                <a:rPr lang="de-DE">
+                  <a:solidFill>
+                    <a:schemeClr val="tx1"/>
+                  </a:solidFill>
+                </a:rPr>
+                <a:t>Durchschnittlich sollten nicht mehr als 4 Klicks benötigt werden, um eine neue Anfrage oder einen Fall anzulegen und zu speichern.</a:t>
+              </a:r>
               <a:endParaRPr lang="de-DE"/>
             </a:p>
           </p:txBody>
@@ -21897,7 +22409,7 @@
           <p:cNvPr id="15" name="Gruppieren 14">
             <a:extLst>
               <a:ext uri="{FF2B5EF4-FFF2-40B4-BE49-F238E27FC236}">
-                <a16:creationId xmlns:a16="http://schemas.microsoft.com/office/drawing/2014/main" id="{2F2DCD63-F769-3FB0-A78B-C95150C9527A}"/>
+                <a16:creationId xmlns:a16="http://schemas.microsoft.com/office/drawing/2014/main" id="{B2F9AFAD-DC22-1F26-3D89-104F9A0BF521}"/>
               </a:ext>
             </a:extLst>
           </p:cNvPr>
@@ -21917,7 +22429,7 @@
             <p:cNvPr id="16" name="Textfeld 15">
               <a:extLst>
                 <a:ext uri="{FF2B5EF4-FFF2-40B4-BE49-F238E27FC236}">
-                  <a16:creationId xmlns:a16="http://schemas.microsoft.com/office/drawing/2014/main" id="{6C7C81EE-B791-3429-CCCB-47A6CC312045}"/>
+                  <a16:creationId xmlns:a16="http://schemas.microsoft.com/office/drawing/2014/main" id="{6B08FF72-1520-2471-3B63-00F350117248}"/>
                 </a:ext>
               </a:extLst>
             </p:cNvPr>
@@ -21954,8 +22466,20 @@
             <a:lstStyle/>
             <a:p>
               <a:r>
-                <a:rPr lang="de-DE"/>
-                <a:t>Priority:</a:t>
+                <a:rPr lang="de-DE" b="1">
+                  <a:solidFill>
+                    <a:schemeClr val="accent1"/>
+                  </a:solidFill>
+                </a:rPr>
+                <a:t>Priority: </a:t>
+              </a:r>
+              <a:r>
+                <a:rPr lang="de-DE">
+                  <a:solidFill>
+                    <a:schemeClr val="tx1"/>
+                  </a:solidFill>
+                </a:rPr>
+                <a:t>Should</a:t>
               </a:r>
             </a:p>
           </p:txBody>
@@ -21965,7 +22489,7 @@
             <p:cNvPr id="17" name="Textfeld 16">
               <a:extLst>
                 <a:ext uri="{FF2B5EF4-FFF2-40B4-BE49-F238E27FC236}">
-                  <a16:creationId xmlns:a16="http://schemas.microsoft.com/office/drawing/2014/main" id="{D0870BE7-A229-7E7F-EFA1-03146931733D}"/>
+                  <a16:creationId xmlns:a16="http://schemas.microsoft.com/office/drawing/2014/main" id="{3988F276-110D-36EF-2D21-385B5E5E84AB}"/>
                 </a:ext>
               </a:extLst>
             </p:cNvPr>
@@ -22002,7 +22526,11 @@
             <a:lstStyle/>
             <a:p>
               <a:r>
-                <a:rPr lang="de-DE"/>
+                <a:rPr lang="de-DE" b="1">
+                  <a:solidFill>
+                    <a:schemeClr val="accent1"/>
+                  </a:solidFill>
+                </a:rPr>
                 <a:t>Customer Satisfaction:</a:t>
               </a:r>
             </a:p>
@@ -22013,7 +22541,7 @@
             <p:cNvPr id="18" name="Textfeld 17">
               <a:extLst>
                 <a:ext uri="{FF2B5EF4-FFF2-40B4-BE49-F238E27FC236}">
-                  <a16:creationId xmlns:a16="http://schemas.microsoft.com/office/drawing/2014/main" id="{65E78EB0-468A-7343-D753-C3B5229E83A8}"/>
+                  <a16:creationId xmlns:a16="http://schemas.microsoft.com/office/drawing/2014/main" id="{95553119-202E-6327-5935-42ADC4057737}"/>
                 </a:ext>
               </a:extLst>
             </p:cNvPr>
@@ -22050,7 +22578,11 @@
             <a:lstStyle/>
             <a:p>
               <a:r>
-                <a:rPr lang="de-DE"/>
+                <a:rPr lang="de-DE" b="1">
+                  <a:solidFill>
+                    <a:schemeClr val="accent1"/>
+                  </a:solidFill>
+                </a:rPr>
                 <a:t>Customer Dissatisfaction:</a:t>
               </a:r>
             </a:p>
@@ -22062,7 +22594,7 @@
           <p:cNvPr id="19" name="Textfeld 18">
             <a:extLst>
               <a:ext uri="{FF2B5EF4-FFF2-40B4-BE49-F238E27FC236}">
-                <a16:creationId xmlns:a16="http://schemas.microsoft.com/office/drawing/2014/main" id="{DD3920BD-1F31-9260-70FF-5F3293341C0A}"/>
+                <a16:creationId xmlns:a16="http://schemas.microsoft.com/office/drawing/2014/main" id="{7E8663AE-E3B3-9091-19F2-9DDDAAFE54CA}"/>
               </a:ext>
             </a:extLst>
           </p:cNvPr>
@@ -22099,7 +22631,11 @@
           <a:lstStyle/>
           <a:p>
             <a:r>
-              <a:rPr lang="de-DE"/>
+              <a:rPr lang="de-DE" b="1">
+                <a:solidFill>
+                  <a:schemeClr val="accent1"/>
+                </a:solidFill>
+              </a:rPr>
               <a:t>Supporting Material:</a:t>
             </a:r>
           </a:p>
@@ -22116,7 +22652,7 @@
           <p:cNvPr id="20" name="Textfeld 19">
             <a:extLst>
               <a:ext uri="{FF2B5EF4-FFF2-40B4-BE49-F238E27FC236}">
-                <a16:creationId xmlns:a16="http://schemas.microsoft.com/office/drawing/2014/main" id="{D3FA466C-9928-B104-6040-DDC9092171C0}"/>
+                <a16:creationId xmlns:a16="http://schemas.microsoft.com/office/drawing/2014/main" id="{1B1E6B8C-B025-9EC8-1AA6-B5FD7C0C4FE9}"/>
               </a:ext>
             </a:extLst>
           </p:cNvPr>
@@ -22153,7 +22689,11 @@
           <a:lstStyle/>
           <a:p>
             <a:r>
-              <a:rPr lang="de-DE"/>
+              <a:rPr lang="de-DE" b="1">
+                <a:solidFill>
+                  <a:schemeClr val="accent1"/>
+                </a:solidFill>
+              </a:rPr>
               <a:t>Conflicts:</a:t>
             </a:r>
           </a:p>
@@ -22168,7 +22708,7 @@
     </p:spTree>
     <p:extLst>
       <p:ext uri="{BB962C8B-B14F-4D97-AF65-F5344CB8AC3E}">
-        <p14:creationId xmlns:p14="http://schemas.microsoft.com/office/powerpoint/2010/main" val="402452192"/>
+        <p14:creationId xmlns:p14="http://schemas.microsoft.com/office/powerpoint/2010/main" val="2510484345"/>
       </p:ext>
     </p:extLst>
   </p:cSld>
@@ -22183,7 +22723,13 @@
   <p:cSld>
     <p:spTree>
       <p:nvGrpSpPr>
-        <p:cNvPr id="1" name=""/>
+        <p:cNvPr id="1" name="">
+          <a:extLst>
+            <a:ext uri="{FF2B5EF4-FFF2-40B4-BE49-F238E27FC236}">
+              <a16:creationId xmlns:a16="http://schemas.microsoft.com/office/drawing/2014/main" id="{027EA1AD-1FAF-37A6-9BD5-F1F56F9A954D}"/>
+            </a:ext>
+          </a:extLst>
+        </p:cNvPr>
         <p:cNvGrpSpPr/>
         <p:nvPr/>
       </p:nvGrpSpPr>
@@ -22197,7 +22743,13 @@
       </p:grpSpPr>
       <p:sp>
         <p:nvSpPr>
-          <p:cNvPr id="2" name="Titel 1"/>
+          <p:cNvPr id="5" name="Titel 4">
+            <a:extLst>
+              <a:ext uri="{FF2B5EF4-FFF2-40B4-BE49-F238E27FC236}">
+                <a16:creationId xmlns:a16="http://schemas.microsoft.com/office/drawing/2014/main" id="{B0D4CAC2-833C-1EB0-A381-352698CCFBE3}"/>
+              </a:ext>
+            </a:extLst>
+          </p:cNvPr>
           <p:cNvSpPr>
             <a:spLocks noGrp="1"/>
           </p:cNvSpPr>
@@ -22216,292 +22768,3315 @@
           <a:lstStyle/>
           <a:p>
             <a:r>
-              <a:rPr lang="de-DE" dirty="0"/>
-              <a:t>Barrierefreie PDF-Dokumente: Formatierungshinweise</a:t>
+              <a:rPr lang="de-DE"/>
+              <a:t>Nicht-Funktionale Anforderungen</a:t>
             </a:r>
+            <a:endParaRPr lang="de-DE" dirty="0"/>
           </a:p>
         </p:txBody>
       </p:sp>
+      <p:grpSp>
+        <p:nvGrpSpPr>
+          <p:cNvPr id="13" name="Gruppieren 12">
+            <a:extLst>
+              <a:ext uri="{FF2B5EF4-FFF2-40B4-BE49-F238E27FC236}">
+                <a16:creationId xmlns:a16="http://schemas.microsoft.com/office/drawing/2014/main" id="{549DF2D1-54FB-D549-F295-7004590DEA7C}"/>
+              </a:ext>
+            </a:extLst>
+          </p:cNvPr>
+          <p:cNvGrpSpPr/>
+          <p:nvPr/>
+        </p:nvGrpSpPr>
+        <p:grpSpPr>
+          <a:xfrm>
+            <a:off x="176530" y="1014171"/>
+            <a:ext cx="11823383" cy="369332"/>
+            <a:chOff x="176530" y="1113153"/>
+            <a:chExt cx="11823383" cy="369332"/>
+          </a:xfrm>
+        </p:grpSpPr>
+        <p:sp>
+          <p:nvSpPr>
+            <p:cNvPr id="3" name="Textfeld 2">
+              <a:extLst>
+                <a:ext uri="{FF2B5EF4-FFF2-40B4-BE49-F238E27FC236}">
+                  <a16:creationId xmlns:a16="http://schemas.microsoft.com/office/drawing/2014/main" id="{BF4D23CC-E7AF-E4D5-A872-C0FFAE061A67}"/>
+                </a:ext>
+              </a:extLst>
+            </p:cNvPr>
+            <p:cNvSpPr txBox="1"/>
+            <p:nvPr/>
+          </p:nvSpPr>
+          <p:spPr>
+            <a:xfrm>
+              <a:off x="176530" y="1113153"/>
+              <a:ext cx="2309119" cy="369332"/>
+            </a:xfrm>
+            <a:prstGeom prst="rect">
+              <a:avLst/>
+            </a:prstGeom>
+          </p:spPr>
+          <p:style>
+            <a:lnRef idx="2">
+              <a:schemeClr val="dk1"/>
+            </a:lnRef>
+            <a:fillRef idx="1">
+              <a:schemeClr val="lt1"/>
+            </a:fillRef>
+            <a:effectRef idx="0">
+              <a:schemeClr val="dk1"/>
+            </a:effectRef>
+            <a:fontRef idx="minor">
+              <a:schemeClr val="dk1"/>
+            </a:fontRef>
+          </p:style>
+          <p:txBody>
+            <a:bodyPr wrap="square" rtlCol="0">
+              <a:spAutoFit/>
+            </a:bodyPr>
+            <a:lstStyle/>
+            <a:p>
+              <a:r>
+                <a:rPr lang="de-DE" b="1">
+                  <a:solidFill>
+                    <a:schemeClr val="accent1"/>
+                  </a:solidFill>
+                </a:rPr>
+                <a:t>Req-ID:</a:t>
+              </a:r>
+            </a:p>
+          </p:txBody>
+        </p:sp>
+        <p:sp>
+          <p:nvSpPr>
+            <p:cNvPr id="4" name="Textfeld 3">
+              <a:extLst>
+                <a:ext uri="{FF2B5EF4-FFF2-40B4-BE49-F238E27FC236}">
+                  <a16:creationId xmlns:a16="http://schemas.microsoft.com/office/drawing/2014/main" id="{E9E77E92-19BA-F39D-A2E1-0C292530CAD2}"/>
+                </a:ext>
+              </a:extLst>
+            </p:cNvPr>
+            <p:cNvSpPr txBox="1"/>
+            <p:nvPr/>
+          </p:nvSpPr>
+          <p:spPr>
+            <a:xfrm>
+              <a:off x="2630905" y="1113153"/>
+              <a:ext cx="3319839" cy="369332"/>
+            </a:xfrm>
+            <a:prstGeom prst="rect">
+              <a:avLst/>
+            </a:prstGeom>
+          </p:spPr>
+          <p:style>
+            <a:lnRef idx="2">
+              <a:schemeClr val="dk1"/>
+            </a:lnRef>
+            <a:fillRef idx="1">
+              <a:schemeClr val="lt1"/>
+            </a:fillRef>
+            <a:effectRef idx="0">
+              <a:schemeClr val="dk1"/>
+            </a:effectRef>
+            <a:fontRef idx="minor">
+              <a:schemeClr val="dk1"/>
+            </a:fontRef>
+          </p:style>
+          <p:txBody>
+            <a:bodyPr wrap="square" rtlCol="0">
+              <a:spAutoFit/>
+            </a:bodyPr>
+            <a:lstStyle/>
+            <a:p>
+              <a:r>
+                <a:rPr lang="de-DE" b="1">
+                  <a:solidFill>
+                    <a:schemeClr val="accent1"/>
+                  </a:solidFill>
+                </a:rPr>
+                <a:t>Req-Type: </a:t>
+              </a:r>
+              <a:r>
+                <a:rPr lang="de-DE">
+                  <a:solidFill>
+                    <a:schemeClr val="tx1"/>
+                  </a:solidFill>
+                </a:rPr>
+                <a:t>Nicht-Funktional</a:t>
+              </a:r>
+            </a:p>
+          </p:txBody>
+        </p:sp>
+        <p:sp>
+          <p:nvSpPr>
+            <p:cNvPr id="8" name="Textfeld 7">
+              <a:extLst>
+                <a:ext uri="{FF2B5EF4-FFF2-40B4-BE49-F238E27FC236}">
+                  <a16:creationId xmlns:a16="http://schemas.microsoft.com/office/drawing/2014/main" id="{18AC09E9-0BF7-6113-54F5-7084ECA7E1E1}"/>
+                </a:ext>
+              </a:extLst>
+            </p:cNvPr>
+            <p:cNvSpPr txBox="1"/>
+            <p:nvPr/>
+          </p:nvSpPr>
+          <p:spPr>
+            <a:xfrm>
+              <a:off x="6096000" y="1113153"/>
+              <a:ext cx="5903913" cy="369332"/>
+            </a:xfrm>
+            <a:prstGeom prst="rect">
+              <a:avLst/>
+            </a:prstGeom>
+          </p:spPr>
+          <p:style>
+            <a:lnRef idx="2">
+              <a:schemeClr val="dk1"/>
+            </a:lnRef>
+            <a:fillRef idx="1">
+              <a:schemeClr val="lt1"/>
+            </a:fillRef>
+            <a:effectRef idx="0">
+              <a:schemeClr val="dk1"/>
+            </a:effectRef>
+            <a:fontRef idx="minor">
+              <a:schemeClr val="dk1"/>
+            </a:fontRef>
+          </p:style>
+          <p:txBody>
+            <a:bodyPr wrap="square" rtlCol="0">
+              <a:spAutoFit/>
+            </a:bodyPr>
+            <a:lstStyle/>
+            <a:p>
+              <a:r>
+                <a:rPr lang="de-DE" b="1">
+                  <a:solidFill>
+                    <a:schemeClr val="accent1"/>
+                  </a:solidFill>
+                </a:rPr>
+                <a:t>Events/UC: </a:t>
+              </a:r>
+              <a:r>
+                <a:rPr lang="de-DE">
+                  <a:solidFill>
+                    <a:schemeClr val="tx1"/>
+                  </a:solidFill>
+                </a:rPr>
+                <a:t>Suchen nach einem Fall</a:t>
+              </a:r>
+              <a:endParaRPr lang="de-DE">
+                <a:solidFill>
+                  <a:schemeClr val="accent1"/>
+                </a:solidFill>
+              </a:endParaRPr>
+            </a:p>
+          </p:txBody>
+        </p:sp>
+      </p:grpSp>
+      <p:grpSp>
+        <p:nvGrpSpPr>
+          <p:cNvPr id="14" name="Gruppieren 13">
+            <a:extLst>
+              <a:ext uri="{FF2B5EF4-FFF2-40B4-BE49-F238E27FC236}">
+                <a16:creationId xmlns:a16="http://schemas.microsoft.com/office/drawing/2014/main" id="{1F76D52F-4CCB-052F-E099-8A24921B4401}"/>
+              </a:ext>
+            </a:extLst>
+          </p:cNvPr>
+          <p:cNvGrpSpPr/>
+          <p:nvPr/>
+        </p:nvGrpSpPr>
+        <p:grpSpPr>
+          <a:xfrm>
+            <a:off x="168751" y="1549163"/>
+            <a:ext cx="11854497" cy="3112638"/>
+            <a:chOff x="160973" y="1725626"/>
+            <a:chExt cx="11854497" cy="3112638"/>
+          </a:xfrm>
+        </p:grpSpPr>
+        <p:sp>
+          <p:nvSpPr>
+            <p:cNvPr id="9" name="Textfeld 8">
+              <a:extLst>
+                <a:ext uri="{FF2B5EF4-FFF2-40B4-BE49-F238E27FC236}">
+                  <a16:creationId xmlns:a16="http://schemas.microsoft.com/office/drawing/2014/main" id="{28E31F22-3463-1DEF-B8DF-9ACCB463D59C}"/>
+                </a:ext>
+              </a:extLst>
+            </p:cNvPr>
+            <p:cNvSpPr txBox="1"/>
+            <p:nvPr/>
+          </p:nvSpPr>
+          <p:spPr>
+            <a:xfrm>
+              <a:off x="160973" y="1725626"/>
+              <a:ext cx="11838940" cy="646331"/>
+            </a:xfrm>
+            <a:prstGeom prst="rect">
+              <a:avLst/>
+            </a:prstGeom>
+          </p:spPr>
+          <p:style>
+            <a:lnRef idx="2">
+              <a:schemeClr val="dk1"/>
+            </a:lnRef>
+            <a:fillRef idx="1">
+              <a:schemeClr val="lt1"/>
+            </a:fillRef>
+            <a:effectRef idx="0">
+              <a:schemeClr val="dk1"/>
+            </a:effectRef>
+            <a:fontRef idx="minor">
+              <a:schemeClr val="dk1"/>
+            </a:fontRef>
+          </p:style>
+          <p:txBody>
+            <a:bodyPr wrap="square" rtlCol="0">
+              <a:spAutoFit/>
+            </a:bodyPr>
+            <a:lstStyle/>
+            <a:p>
+              <a:r>
+                <a:rPr lang="de-DE" b="1">
+                  <a:solidFill>
+                    <a:schemeClr val="accent1"/>
+                  </a:solidFill>
+                </a:rPr>
+                <a:t>Description: </a:t>
+              </a:r>
+              <a:r>
+                <a:rPr lang="de-DE">
+                  <a:solidFill>
+                    <a:schemeClr val="tx1"/>
+                  </a:solidFill>
+                </a:rPr>
+                <a:t>Seitenwechsel oder Datenabfragendürfen maximal 4 Sekunden dauern.</a:t>
+              </a:r>
+            </a:p>
+            <a:p>
+              <a:endParaRPr lang="de-DE"/>
+            </a:p>
+          </p:txBody>
+        </p:sp>
+        <p:sp>
+          <p:nvSpPr>
+            <p:cNvPr id="10" name="Textfeld 9">
+              <a:extLst>
+                <a:ext uri="{FF2B5EF4-FFF2-40B4-BE49-F238E27FC236}">
+                  <a16:creationId xmlns:a16="http://schemas.microsoft.com/office/drawing/2014/main" id="{F4F1E3B3-79C6-71C2-090A-72B3953AD27C}"/>
+                </a:ext>
+              </a:extLst>
+            </p:cNvPr>
+            <p:cNvSpPr txBox="1"/>
+            <p:nvPr/>
+          </p:nvSpPr>
+          <p:spPr>
+            <a:xfrm>
+              <a:off x="160973" y="2533023"/>
+              <a:ext cx="11838940" cy="646331"/>
+            </a:xfrm>
+            <a:prstGeom prst="rect">
+              <a:avLst/>
+            </a:prstGeom>
+          </p:spPr>
+          <p:style>
+            <a:lnRef idx="2">
+              <a:schemeClr val="dk1"/>
+            </a:lnRef>
+            <a:fillRef idx="1">
+              <a:schemeClr val="lt1"/>
+            </a:fillRef>
+            <a:effectRef idx="0">
+              <a:schemeClr val="dk1"/>
+            </a:effectRef>
+            <a:fontRef idx="minor">
+              <a:schemeClr val="dk1"/>
+            </a:fontRef>
+          </p:style>
+          <p:txBody>
+            <a:bodyPr wrap="square" rtlCol="0">
+              <a:spAutoFit/>
+            </a:bodyPr>
+            <a:lstStyle/>
+            <a:p>
+              <a:r>
+                <a:rPr lang="de-DE" b="1">
+                  <a:solidFill>
+                    <a:schemeClr val="accent1"/>
+                  </a:solidFill>
+                </a:rPr>
+                <a:t>Rationale: </a:t>
+              </a:r>
+              <a:r>
+                <a:rPr lang="de-DE">
+                  <a:solidFill>
+                    <a:schemeClr val="tx1"/>
+                  </a:solidFill>
+                </a:rPr>
+                <a:t>Um möglichst effizient arbeiten zu können (Performance).</a:t>
+              </a:r>
+            </a:p>
+            <a:p>
+              <a:endParaRPr lang="de-DE"/>
+            </a:p>
+          </p:txBody>
+        </p:sp>
+        <p:sp>
+          <p:nvSpPr>
+            <p:cNvPr id="11" name="Textfeld 10">
+              <a:extLst>
+                <a:ext uri="{FF2B5EF4-FFF2-40B4-BE49-F238E27FC236}">
+                  <a16:creationId xmlns:a16="http://schemas.microsoft.com/office/drawing/2014/main" id="{8F072F01-6F49-8D56-88A8-F0F64B66F8D7}"/>
+                </a:ext>
+              </a:extLst>
+            </p:cNvPr>
+            <p:cNvSpPr txBox="1"/>
+            <p:nvPr/>
+          </p:nvSpPr>
+          <p:spPr>
+            <a:xfrm>
+              <a:off x="176530" y="3340420"/>
+              <a:ext cx="11838940" cy="646331"/>
+            </a:xfrm>
+            <a:prstGeom prst="rect">
+              <a:avLst/>
+            </a:prstGeom>
+          </p:spPr>
+          <p:style>
+            <a:lnRef idx="2">
+              <a:schemeClr val="dk1"/>
+            </a:lnRef>
+            <a:fillRef idx="1">
+              <a:schemeClr val="lt1"/>
+            </a:fillRef>
+            <a:effectRef idx="0">
+              <a:schemeClr val="dk1"/>
+            </a:effectRef>
+            <a:fontRef idx="minor">
+              <a:schemeClr val="dk1"/>
+            </a:fontRef>
+          </p:style>
+          <p:txBody>
+            <a:bodyPr wrap="square" rtlCol="0">
+              <a:spAutoFit/>
+            </a:bodyPr>
+            <a:lstStyle/>
+            <a:p>
+              <a:r>
+                <a:rPr lang="de-DE" b="1">
+                  <a:solidFill>
+                    <a:schemeClr val="accent1"/>
+                  </a:solidFill>
+                </a:rPr>
+                <a:t>Originator: </a:t>
+              </a:r>
+              <a:r>
+                <a:rPr lang="de-DE">
+                  <a:solidFill>
+                    <a:schemeClr val="tx1"/>
+                  </a:solidFill>
+                </a:rPr>
+                <a:t>implizite Anforderung an Performance</a:t>
+              </a:r>
+            </a:p>
+            <a:p>
+              <a:endParaRPr lang="de-DE"/>
+            </a:p>
+          </p:txBody>
+        </p:sp>
+        <p:sp>
+          <p:nvSpPr>
+            <p:cNvPr id="12" name="Textfeld 11">
+              <a:extLst>
+                <a:ext uri="{FF2B5EF4-FFF2-40B4-BE49-F238E27FC236}">
+                  <a16:creationId xmlns:a16="http://schemas.microsoft.com/office/drawing/2014/main" id="{6562A2D8-1546-5EDE-5B18-D4069B1995C8}"/>
+                </a:ext>
+              </a:extLst>
+            </p:cNvPr>
+            <p:cNvSpPr txBox="1"/>
+            <p:nvPr/>
+          </p:nvSpPr>
+          <p:spPr>
+            <a:xfrm>
+              <a:off x="176530" y="4191933"/>
+              <a:ext cx="11838940" cy="646331"/>
+            </a:xfrm>
+            <a:prstGeom prst="rect">
+              <a:avLst/>
+            </a:prstGeom>
+          </p:spPr>
+          <p:style>
+            <a:lnRef idx="2">
+              <a:schemeClr val="dk1"/>
+            </a:lnRef>
+            <a:fillRef idx="1">
+              <a:schemeClr val="lt1"/>
+            </a:fillRef>
+            <a:effectRef idx="0">
+              <a:schemeClr val="dk1"/>
+            </a:effectRef>
+            <a:fontRef idx="minor">
+              <a:schemeClr val="dk1"/>
+            </a:fontRef>
+          </p:style>
+          <p:txBody>
+            <a:bodyPr wrap="square" rtlCol="0">
+              <a:spAutoFit/>
+            </a:bodyPr>
+            <a:lstStyle/>
+            <a:p>
+              <a:r>
+                <a:rPr lang="de-DE" b="1">
+                  <a:solidFill>
+                    <a:schemeClr val="accent1"/>
+                  </a:solidFill>
+                </a:rPr>
+                <a:t>Fit Criterion: </a:t>
+              </a:r>
+              <a:r>
+                <a:rPr lang="de-DE">
+                  <a:solidFill>
+                    <a:schemeClr val="tx1"/>
+                  </a:solidFill>
+                </a:rPr>
+                <a:t>95% aller Seitenaufrufe im Testsystem werden in unter 4 Sekunden geladen.</a:t>
+              </a:r>
+            </a:p>
+            <a:p>
+              <a:endParaRPr lang="de-DE">
+                <a:solidFill>
+                  <a:schemeClr val="tx1"/>
+                </a:solidFill>
+              </a:endParaRPr>
+            </a:p>
+          </p:txBody>
+        </p:sp>
+      </p:grpSp>
+      <p:grpSp>
+        <p:nvGrpSpPr>
+          <p:cNvPr id="15" name="Gruppieren 14">
+            <a:extLst>
+              <a:ext uri="{FF2B5EF4-FFF2-40B4-BE49-F238E27FC236}">
+                <a16:creationId xmlns:a16="http://schemas.microsoft.com/office/drawing/2014/main" id="{5E5B7539-D669-27E8-FBE2-F0996241DA96}"/>
+              </a:ext>
+            </a:extLst>
+          </p:cNvPr>
+          <p:cNvGrpSpPr/>
+          <p:nvPr/>
+        </p:nvGrpSpPr>
+        <p:grpSpPr>
+          <a:xfrm>
+            <a:off x="168751" y="4866983"/>
+            <a:ext cx="11823383" cy="369332"/>
+            <a:chOff x="176530" y="1113153"/>
+            <a:chExt cx="11823383" cy="369332"/>
+          </a:xfrm>
+        </p:grpSpPr>
+        <p:sp>
+          <p:nvSpPr>
+            <p:cNvPr id="16" name="Textfeld 15">
+              <a:extLst>
+                <a:ext uri="{FF2B5EF4-FFF2-40B4-BE49-F238E27FC236}">
+                  <a16:creationId xmlns:a16="http://schemas.microsoft.com/office/drawing/2014/main" id="{1B3A08B6-3CD0-359E-D198-E89F30971460}"/>
+                </a:ext>
+              </a:extLst>
+            </p:cNvPr>
+            <p:cNvSpPr txBox="1"/>
+            <p:nvPr/>
+          </p:nvSpPr>
+          <p:spPr>
+            <a:xfrm>
+              <a:off x="176530" y="1113153"/>
+              <a:ext cx="2309119" cy="369332"/>
+            </a:xfrm>
+            <a:prstGeom prst="rect">
+              <a:avLst/>
+            </a:prstGeom>
+          </p:spPr>
+          <p:style>
+            <a:lnRef idx="2">
+              <a:schemeClr val="dk1"/>
+            </a:lnRef>
+            <a:fillRef idx="1">
+              <a:schemeClr val="lt1"/>
+            </a:fillRef>
+            <a:effectRef idx="0">
+              <a:schemeClr val="dk1"/>
+            </a:effectRef>
+            <a:fontRef idx="minor">
+              <a:schemeClr val="dk1"/>
+            </a:fontRef>
+          </p:style>
+          <p:txBody>
+            <a:bodyPr wrap="square" rtlCol="0">
+              <a:spAutoFit/>
+            </a:bodyPr>
+            <a:lstStyle/>
+            <a:p>
+              <a:r>
+                <a:rPr lang="de-DE" b="1">
+                  <a:solidFill>
+                    <a:schemeClr val="accent1"/>
+                  </a:solidFill>
+                </a:rPr>
+                <a:t>Priority: </a:t>
+              </a:r>
+              <a:r>
+                <a:rPr lang="de-DE">
+                  <a:solidFill>
+                    <a:schemeClr val="tx1"/>
+                  </a:solidFill>
+                </a:rPr>
+                <a:t>Should</a:t>
+              </a:r>
+            </a:p>
+          </p:txBody>
+        </p:sp>
+        <p:sp>
+          <p:nvSpPr>
+            <p:cNvPr id="17" name="Textfeld 16">
+              <a:extLst>
+                <a:ext uri="{FF2B5EF4-FFF2-40B4-BE49-F238E27FC236}">
+                  <a16:creationId xmlns:a16="http://schemas.microsoft.com/office/drawing/2014/main" id="{C30D750A-BD14-62DA-3E47-F4C0BFDC109E}"/>
+                </a:ext>
+              </a:extLst>
+            </p:cNvPr>
+            <p:cNvSpPr txBox="1"/>
+            <p:nvPr/>
+          </p:nvSpPr>
+          <p:spPr>
+            <a:xfrm>
+              <a:off x="2630905" y="1113153"/>
+              <a:ext cx="3319839" cy="369332"/>
+            </a:xfrm>
+            <a:prstGeom prst="rect">
+              <a:avLst/>
+            </a:prstGeom>
+          </p:spPr>
+          <p:style>
+            <a:lnRef idx="2">
+              <a:schemeClr val="dk1"/>
+            </a:lnRef>
+            <a:fillRef idx="1">
+              <a:schemeClr val="lt1"/>
+            </a:fillRef>
+            <a:effectRef idx="0">
+              <a:schemeClr val="dk1"/>
+            </a:effectRef>
+            <a:fontRef idx="minor">
+              <a:schemeClr val="dk1"/>
+            </a:fontRef>
+          </p:style>
+          <p:txBody>
+            <a:bodyPr wrap="square" rtlCol="0">
+              <a:spAutoFit/>
+            </a:bodyPr>
+            <a:lstStyle/>
+            <a:p>
+              <a:r>
+                <a:rPr lang="de-DE" b="1">
+                  <a:solidFill>
+                    <a:schemeClr val="accent1"/>
+                  </a:solidFill>
+                </a:rPr>
+                <a:t>Customer Satisfaction:</a:t>
+              </a:r>
+            </a:p>
+          </p:txBody>
+        </p:sp>
+        <p:sp>
+          <p:nvSpPr>
+            <p:cNvPr id="18" name="Textfeld 17">
+              <a:extLst>
+                <a:ext uri="{FF2B5EF4-FFF2-40B4-BE49-F238E27FC236}">
+                  <a16:creationId xmlns:a16="http://schemas.microsoft.com/office/drawing/2014/main" id="{8B3DB895-16C9-40CA-55DE-EDD5CB699C1B}"/>
+                </a:ext>
+              </a:extLst>
+            </p:cNvPr>
+            <p:cNvSpPr txBox="1"/>
+            <p:nvPr/>
+          </p:nvSpPr>
+          <p:spPr>
+            <a:xfrm>
+              <a:off x="6096000" y="1113153"/>
+              <a:ext cx="5903913" cy="369332"/>
+            </a:xfrm>
+            <a:prstGeom prst="rect">
+              <a:avLst/>
+            </a:prstGeom>
+          </p:spPr>
+          <p:style>
+            <a:lnRef idx="2">
+              <a:schemeClr val="dk1"/>
+            </a:lnRef>
+            <a:fillRef idx="1">
+              <a:schemeClr val="lt1"/>
+            </a:fillRef>
+            <a:effectRef idx="0">
+              <a:schemeClr val="dk1"/>
+            </a:effectRef>
+            <a:fontRef idx="minor">
+              <a:schemeClr val="dk1"/>
+            </a:fontRef>
+          </p:style>
+          <p:txBody>
+            <a:bodyPr wrap="square" rtlCol="0">
+              <a:spAutoFit/>
+            </a:bodyPr>
+            <a:lstStyle/>
+            <a:p>
+              <a:r>
+                <a:rPr lang="de-DE" b="1">
+                  <a:solidFill>
+                    <a:schemeClr val="accent1"/>
+                  </a:solidFill>
+                </a:rPr>
+                <a:t>Customer Dissatisfaction:</a:t>
+              </a:r>
+            </a:p>
+          </p:txBody>
+        </p:sp>
+      </p:grpSp>
       <p:sp>
         <p:nvSpPr>
-          <p:cNvPr id="3" name="Textplatzhalter 2"/>
-          <p:cNvSpPr>
-            <a:spLocks noGrp="1"/>
-          </p:cNvSpPr>
-          <p:nvPr>
-            <p:ph type="body" sz="quarter" idx="13"/>
-          </p:nvPr>
-        </p:nvSpPr>
-        <p:spPr/>
-        <p:txBody>
-          <a:bodyPr>
-            <a:noAutofit/>
-          </a:bodyPr>
-          <a:lstStyle/>
-          <a:p>
-            <a:r>
-              <a:rPr lang="de-DE" dirty="0"/>
-              <a:t>Checkliste zur Erstellung barrierefreier PDF-Dokumente aus PowerPoint</a:t>
-            </a:r>
-          </a:p>
-          <a:p>
-            <a:r>
-              <a:rPr lang="de-DE" sz="1300" b="0" dirty="0"/>
-              <a:t>Ausführliche Anleitung:  </a:t>
-            </a:r>
-            <a:r>
-              <a:rPr lang="de-DE" sz="1300" b="0" dirty="0">
-                <a:hlinkClick r:id="rId2" tooltip="Link auf Formatierungshinweise"/>
-              </a:rPr>
-              <a:t>Link auf die Anleitung zur Formatierung in PowerPoint</a:t>
-            </a:r>
-            <a:br>
-              <a:rPr lang="de-DE" sz="1300" b="0" dirty="0"/>
-            </a:br>
-            <a:r>
-              <a:rPr lang="de-DE" sz="1300" b="0" dirty="0"/>
-              <a:t>Bei Fragen und Problemen: </a:t>
-            </a:r>
-            <a:r>
-              <a:rPr lang="de-DE" sz="1300" b="0" dirty="0">
-                <a:hlinkClick r:id="rId3" tooltip="Mailkontakt zur Unterstützung"/>
-              </a:rPr>
-              <a:t>support@hrz.tu-chemnitz.de</a:t>
-            </a:r>
-            <a:r>
-              <a:rPr lang="de-DE" sz="1300" b="0" dirty="0"/>
-              <a:t> </a:t>
-            </a:r>
-          </a:p>
-          <a:p>
-            <a:endParaRPr lang="de-DE" sz="1400" b="0" dirty="0"/>
-          </a:p>
-        </p:txBody>
-      </p:sp>
-      <p:pic>
-        <p:nvPicPr>
-          <p:cNvPr id="5" name="Grafik 4" descr="Icon der TU Chemnitz für Barrierefreie PDF-Dokumente "/>
-          <p:cNvPicPr>
-            <a:picLocks noChangeAspect="1"/>
-          </p:cNvPicPr>
-          <p:nvPr/>
-        </p:nvPicPr>
-        <p:blipFill>
-          <a:blip r:embed="rId4">
+          <p:cNvPr id="19" name="Textfeld 18">
             <a:extLst>
-              <a:ext uri="{28A0092B-C50C-407E-A947-70E740481C1C}">
-                <a14:useLocalDpi xmlns:a14="http://schemas.microsoft.com/office/drawing/2010/main" val="0"/>
+              <a:ext uri="{FF2B5EF4-FFF2-40B4-BE49-F238E27FC236}">
+                <a16:creationId xmlns:a16="http://schemas.microsoft.com/office/drawing/2014/main" id="{9AA124F0-72C6-E4B4-C2A4-A9A350FFD40F}"/>
               </a:ext>
             </a:extLst>
-          </a:blip>
-          <a:stretch>
-            <a:fillRect/>
-          </a:stretch>
-        </p:blipFill>
+          </p:cNvPr>
+          <p:cNvSpPr txBox="1"/>
+          <p:nvPr/>
+        </p:nvSpPr>
         <p:spPr>
           <a:xfrm>
-            <a:off x="120872" y="2013885"/>
-            <a:ext cx="761122" cy="761122"/>
+            <a:off x="184308" y="5441496"/>
+            <a:ext cx="5766436" cy="923330"/>
           </a:xfrm>
           <a:prstGeom prst="rect">
             <a:avLst/>
           </a:prstGeom>
         </p:spPr>
-      </p:pic>
+        <p:style>
+          <a:lnRef idx="2">
+            <a:schemeClr val="dk1"/>
+          </a:lnRef>
+          <a:fillRef idx="1">
+            <a:schemeClr val="lt1"/>
+          </a:fillRef>
+          <a:effectRef idx="0">
+            <a:schemeClr val="dk1"/>
+          </a:effectRef>
+          <a:fontRef idx="minor">
+            <a:schemeClr val="dk1"/>
+          </a:fontRef>
+        </p:style>
+        <p:txBody>
+          <a:bodyPr wrap="square" rtlCol="0">
+            <a:spAutoFit/>
+          </a:bodyPr>
+          <a:lstStyle/>
+          <a:p>
+            <a:r>
+              <a:rPr lang="de-DE" b="1">
+                <a:solidFill>
+                  <a:schemeClr val="accent1"/>
+                </a:solidFill>
+              </a:rPr>
+              <a:t>Supporting Material:</a:t>
+            </a:r>
+          </a:p>
+          <a:p>
+            <a:endParaRPr lang="de-DE"/>
+          </a:p>
+          <a:p>
+            <a:endParaRPr lang="de-DE"/>
+          </a:p>
+        </p:txBody>
+      </p:sp>
       <p:sp>
         <p:nvSpPr>
-          <p:cNvPr id="4" name="Textplatzhalter 3"/>
-          <p:cNvSpPr>
-            <a:spLocks noGrp="1"/>
-          </p:cNvSpPr>
-          <p:nvPr>
-            <p:ph type="body" sz="quarter" idx="11"/>
-          </p:nvPr>
+          <p:cNvPr id="20" name="Textfeld 19">
+            <a:extLst>
+              <a:ext uri="{FF2B5EF4-FFF2-40B4-BE49-F238E27FC236}">
+                <a16:creationId xmlns:a16="http://schemas.microsoft.com/office/drawing/2014/main" id="{40047E81-B88E-AD15-BE0E-735FB5C9AB51}"/>
+              </a:ext>
+            </a:extLst>
+          </p:cNvPr>
+          <p:cNvSpPr txBox="1"/>
+          <p:nvPr/>
         </p:nvSpPr>
         <p:spPr>
           <a:xfrm>
-            <a:off x="1240403" y="1954400"/>
-            <a:ext cx="10759510" cy="4593720"/>
+            <a:off x="6103778" y="5441496"/>
+            <a:ext cx="5888356" cy="923330"/>
           </a:xfrm>
+          <a:prstGeom prst="rect">
+            <a:avLst/>
+          </a:prstGeom>
         </p:spPr>
+        <p:style>
+          <a:lnRef idx="2">
+            <a:schemeClr val="dk1"/>
+          </a:lnRef>
+          <a:fillRef idx="1">
+            <a:schemeClr val="lt1"/>
+          </a:fillRef>
+          <a:effectRef idx="0">
+            <a:schemeClr val="dk1"/>
+          </a:effectRef>
+          <a:fontRef idx="minor">
+            <a:schemeClr val="dk1"/>
+          </a:fontRef>
+        </p:style>
         <p:txBody>
-          <a:bodyPr>
-            <a:noAutofit/>
+          <a:bodyPr wrap="square" rtlCol="0">
+            <a:spAutoFit/>
           </a:bodyPr>
           <a:lstStyle/>
           <a:p>
-            <a:pPr>
-              <a:buClr>
-                <a:srgbClr val="005F50"/>
-              </a:buClr>
-              <a:buFont typeface="Wingdings 2" panose="05020102010507070707" pitchFamily="18" charset="2"/>
-              <a:buChar char="*"/>
-            </a:pPr>
             <a:r>
-              <a:rPr lang="de-DE" sz="1200" dirty="0"/>
-              <a:t>Jede Folie benötigt einen </a:t>
-            </a:r>
-            <a:r>
-              <a:rPr lang="de-DE" sz="1200" b="1" dirty="0"/>
-              <a:t>Folientitel</a:t>
-            </a:r>
-            <a:r>
-              <a:rPr lang="de-DE" sz="1200" dirty="0"/>
-              <a:t>, der mit dem in der Vorlage vorgesehenen Titelmaster angelegt wird (nicht als Textfeld). Der Folientitel soll eindeutig sein und Dopplungen vermieden werden, da dies zur Navigation wichtig ist. Eine Prüfung ist über die Gliederungsansicht möglich.</a:t>
-            </a:r>
-          </a:p>
-          <a:p>
-            <a:pPr>
-              <a:buClr>
-                <a:srgbClr val="005F50"/>
-              </a:buClr>
-              <a:buFont typeface="Wingdings 2" panose="05020102010507070707" pitchFamily="18" charset="2"/>
-              <a:buChar char="*"/>
-            </a:pPr>
-            <a:r>
-              <a:rPr lang="de-DE" sz="1200" dirty="0"/>
-              <a:t>Jedes Objekt (Bilder, Diagramme, Logos, Fotos etc.) auf einer Folie braucht einen </a:t>
-            </a:r>
-            <a:r>
-              <a:rPr lang="de-DE" sz="1200" b="1" dirty="0"/>
-              <a:t>Alternativtext</a:t>
-            </a:r>
-            <a:r>
-              <a:rPr lang="de-DE" sz="1200" dirty="0"/>
-              <a:t>, um den Zweck und Inhalt prägnant zu beschreiben. Dies erfolgt durch Rechtsklick auf das Objekt und „Grafik/Diagrammbereich formatieren“ durch Eintrag unter „Beschreibung“. Alternativ kann ein Objekt auch als dekorativ markiert werden, d. h. nur wenn es Informationen vermittelt, ist ein Alternativtext nötig.</a:t>
-            </a:r>
-          </a:p>
-          <a:p>
-            <a:pPr>
-              <a:buClr>
-                <a:srgbClr val="005F50"/>
-              </a:buClr>
-              <a:buFont typeface="Wingdings 2" panose="05020102010507070707" pitchFamily="18" charset="2"/>
-              <a:buChar char="*"/>
-            </a:pPr>
-            <a:r>
-              <a:rPr lang="de-DE" sz="1200" b="1" dirty="0"/>
-              <a:t>Links</a:t>
-            </a:r>
-            <a:r>
-              <a:rPr lang="de-DE" sz="1200" dirty="0"/>
-              <a:t> müssen aktiviert sein (blaue Markierung). Zur besseren Zugänglichkeit sollte unter „Anzuzeigender Text“ im Dialogfeld „Hyperlink bearbeiten“ über den Linkzweck informiert werden (siehe Beispiel oben), statt nur die </a:t>
-            </a:r>
-            <a:r>
-              <a:rPr lang="de-DE" sz="1200" dirty="0" err="1"/>
-              <a:t>www</a:t>
-            </a:r>
-            <a:r>
-              <a:rPr lang="de-DE" sz="1200" dirty="0"/>
-              <a:t>-Adresse zu kopieren. Die Quickinfo ist ebenfalls Pflicht und enthält eine kurze Beschreibung zum Link für den Mouseover-Effekt).</a:t>
-            </a:r>
-          </a:p>
-          <a:p>
-            <a:pPr>
-              <a:buClr>
-                <a:srgbClr val="005F50"/>
-              </a:buClr>
-              <a:buFont typeface="Wingdings 2" panose="05020102010507070707" pitchFamily="18" charset="2"/>
-              <a:buChar char="*"/>
-            </a:pPr>
-            <a:r>
-              <a:rPr lang="de-DE" sz="1200" b="1" dirty="0"/>
-              <a:t>Sprachwechsel</a:t>
-            </a:r>
-            <a:r>
-              <a:rPr lang="de-DE" sz="1200" dirty="0"/>
-              <a:t> (z. B. englischsprachige Wörter oder anderssprachige Zitate) sind zu kennzeichnen, damit Sprachausgabe-Systeme diese Passagen korrekt vorlesen.</a:t>
-            </a:r>
-          </a:p>
-          <a:p>
-            <a:pPr>
-              <a:buClr>
-                <a:srgbClr val="005F50"/>
-              </a:buClr>
-              <a:buFont typeface="Wingdings 2" panose="05020102010507070707" pitchFamily="18" charset="2"/>
-              <a:buChar char="*"/>
-            </a:pPr>
-            <a:r>
-              <a:rPr lang="de-DE" sz="1200" dirty="0"/>
-              <a:t>Alle Inhaltselemente auf einer Folie werden in einer bestimmten Reihenfolge abgespeichert und in dieser von einem Sprachausgabe-System vorgelesen. Werden zu einem späteren Zeitpunkt bei der Erstellung neue Inhalte auf einer Folie eingefügt (z. B. ein Textfeld), so werden diese am Ende der Reihenfolge abgelegt. Daher muss final die </a:t>
-            </a:r>
-            <a:r>
-              <a:rPr lang="de-DE" sz="1200" b="1" dirty="0"/>
-              <a:t>Reihenfolge der Inhaltselemente </a:t>
-            </a:r>
-            <a:r>
-              <a:rPr lang="de-DE" sz="1200" dirty="0"/>
-              <a:t>überprüft und verändert werden: Dies erfolgt in der Registerkarte „Start“ &gt; Anordnen unter „Zeichnung“ &gt; Auswahlbereich. Das unterste Element wird zuerst vorgelesen, das oberste Element zuletzt!</a:t>
-            </a:r>
-            <a:r>
-              <a:rPr lang="de-DE" sz="1200" dirty="0">
+              <a:rPr lang="de-DE" b="1">
                 <a:solidFill>
-                  <a:srgbClr val="005F50"/>
+                  <a:schemeClr val="accent1"/>
                 </a:solidFill>
               </a:rPr>
-              <a:t> </a:t>
+              <a:t>Conflicts:</a:t>
             </a:r>
-            <a:r>
-              <a:rPr lang="de-DE" sz="1200" dirty="0"/>
-              <a:t>Entsprechend muss sich das Objekt, welches zuerst vorgelesen werden soll (z. B. der Folientitel) also an unterster Stelle der Liste befinden. Die Lesereihenfolge lässt sich ändern, indem das entsprechende Element mit den beiden Pfeiltasten richtig positioniert wird.</a:t>
-            </a:r>
-          </a:p>
-          <a:p>
-            <a:pPr>
-              <a:buClr>
-                <a:srgbClr val="005F50"/>
-              </a:buClr>
-              <a:buFont typeface="Wingdings 2" panose="05020102010507070707" pitchFamily="18" charset="2"/>
-              <a:buChar char="*"/>
-            </a:pPr>
-            <a:r>
-              <a:rPr lang="de-DE" sz="1200" dirty="0"/>
-              <a:t>Die Präsentation benötigt einen </a:t>
-            </a:r>
-            <a:r>
-              <a:rPr lang="de-DE" sz="1200" b="1" dirty="0"/>
-              <a:t>Dokumententitel</a:t>
-            </a:r>
-            <a:r>
-              <a:rPr lang="de-DE" sz="1200" dirty="0"/>
-              <a:t>. Diese Information hilft </a:t>
-            </a:r>
-            <a:r>
-              <a:rPr lang="de-DE" sz="1200" dirty="0" err="1"/>
-              <a:t>Nutzer_innen</a:t>
-            </a:r>
-            <a:r>
-              <a:rPr lang="de-DE" sz="1200" dirty="0"/>
-              <a:t> einer Sprachausgabe, Dateien zu finden und zuzuordnen. Dies erfolgt in der Registerkarte „Datei“ unter Informationen, wo ein aussagekräftiger Titel unter dem Bereich „Eigenschaften“ auf der rechten Seite eingetragen wird.</a:t>
-            </a:r>
-          </a:p>
-          <a:p>
-            <a:pPr>
-              <a:buClr>
-                <a:srgbClr val="005F50"/>
-              </a:buClr>
-              <a:buFont typeface="Wingdings 2" panose="05020102010507070707" pitchFamily="18" charset="2"/>
-              <a:buChar char="*"/>
-            </a:pPr>
-            <a:r>
-              <a:rPr lang="de-DE" sz="1200" dirty="0"/>
-              <a:t>Zuletzt sollte die PowerPoint-Präsentation </a:t>
-            </a:r>
-            <a:r>
-              <a:rPr lang="de-DE" sz="1200" b="1" dirty="0"/>
-              <a:t>auf Barrierefreiheit überprüft werden</a:t>
-            </a:r>
-            <a:r>
-              <a:rPr lang="de-DE" sz="1200" dirty="0"/>
-              <a:t>: Hier in der Registerkarte „Datei“ &gt; Menüpunkt „Informationen“ &gt; „Auf Probleme überprüfen“ &gt; „Barrierefreiheit überprüfen“ aufrufen. Es werden Fehler (müssen korrigiert werden), Warnungen sowie Hinweise zur Verbesserung der Barrierefreiheit angezeigt. </a:t>
-            </a:r>
+          </a:p>
+          <a:p>
+            <a:endParaRPr lang="de-DE"/>
+          </a:p>
+          <a:p>
+            <a:endParaRPr lang="de-DE"/>
           </a:p>
         </p:txBody>
       </p:sp>
     </p:spTree>
     <p:extLst>
       <p:ext uri="{BB962C8B-B14F-4D97-AF65-F5344CB8AC3E}">
-        <p14:creationId xmlns:p14="http://schemas.microsoft.com/office/powerpoint/2010/main" val="2154150662"/>
+        <p14:creationId xmlns:p14="http://schemas.microsoft.com/office/powerpoint/2010/main" val="1744373505"/>
+      </p:ext>
+    </p:extLst>
+  </p:cSld>
+  <p:clrMapOvr>
+    <a:masterClrMapping/>
+  </p:clrMapOvr>
+</p:sld>
+</file>
+
+<file path=ppt/slides/slide26.xml><?xml version="1.0" encoding="utf-8"?>
+<p:sld xmlns:a="http://schemas.openxmlformats.org/drawingml/2006/main" xmlns:r="http://schemas.openxmlformats.org/officeDocument/2006/relationships" xmlns:p="http://schemas.openxmlformats.org/presentationml/2006/main">
+  <p:cSld>
+    <p:spTree>
+      <p:nvGrpSpPr>
+        <p:cNvPr id="1" name="">
+          <a:extLst>
+            <a:ext uri="{FF2B5EF4-FFF2-40B4-BE49-F238E27FC236}">
+              <a16:creationId xmlns:a16="http://schemas.microsoft.com/office/drawing/2014/main" id="{3BA2199D-D353-0A2E-3891-3823B33BAC65}"/>
+            </a:ext>
+          </a:extLst>
+        </p:cNvPr>
+        <p:cNvGrpSpPr/>
+        <p:nvPr/>
+      </p:nvGrpSpPr>
+      <p:grpSpPr>
+        <a:xfrm>
+          <a:off x="0" y="0"/>
+          <a:ext cx="0" cy="0"/>
+          <a:chOff x="0" y="0"/>
+          <a:chExt cx="0" cy="0"/>
+        </a:xfrm>
+      </p:grpSpPr>
+      <p:sp>
+        <p:nvSpPr>
+          <p:cNvPr id="5" name="Titel 4">
+            <a:extLst>
+              <a:ext uri="{FF2B5EF4-FFF2-40B4-BE49-F238E27FC236}">
+                <a16:creationId xmlns:a16="http://schemas.microsoft.com/office/drawing/2014/main" id="{B93962B3-0A7C-A315-BD14-CD8F6D311977}"/>
+              </a:ext>
+            </a:extLst>
+          </p:cNvPr>
+          <p:cNvSpPr>
+            <a:spLocks noGrp="1"/>
+          </p:cNvSpPr>
+          <p:nvPr>
+            <p:ph type="title"/>
+          </p:nvPr>
+        </p:nvSpPr>
+        <p:spPr>
+          <a:xfrm>
+            <a:off x="1343025" y="152400"/>
+            <a:ext cx="10656888" cy="468314"/>
+          </a:xfrm>
+        </p:spPr>
+        <p:txBody>
+          <a:bodyPr/>
+          <a:lstStyle/>
+          <a:p>
+            <a:r>
+              <a:rPr lang="de-DE"/>
+              <a:t>Nicht-Funktionale Anforderungen</a:t>
+            </a:r>
+            <a:endParaRPr lang="de-DE" dirty="0"/>
+          </a:p>
+        </p:txBody>
+      </p:sp>
+      <p:grpSp>
+        <p:nvGrpSpPr>
+          <p:cNvPr id="13" name="Gruppieren 12">
+            <a:extLst>
+              <a:ext uri="{FF2B5EF4-FFF2-40B4-BE49-F238E27FC236}">
+                <a16:creationId xmlns:a16="http://schemas.microsoft.com/office/drawing/2014/main" id="{6078220F-385E-D3C0-9CAC-3D2B9DE2AEA8}"/>
+              </a:ext>
+            </a:extLst>
+          </p:cNvPr>
+          <p:cNvGrpSpPr/>
+          <p:nvPr/>
+        </p:nvGrpSpPr>
+        <p:grpSpPr>
+          <a:xfrm>
+            <a:off x="176530" y="1014171"/>
+            <a:ext cx="11823383" cy="369332"/>
+            <a:chOff x="176530" y="1113153"/>
+            <a:chExt cx="11823383" cy="369332"/>
+          </a:xfrm>
+        </p:grpSpPr>
+        <p:sp>
+          <p:nvSpPr>
+            <p:cNvPr id="3" name="Textfeld 2">
+              <a:extLst>
+                <a:ext uri="{FF2B5EF4-FFF2-40B4-BE49-F238E27FC236}">
+                  <a16:creationId xmlns:a16="http://schemas.microsoft.com/office/drawing/2014/main" id="{2551FCEA-F6A2-40C6-FA3C-6D79E846DE07}"/>
+                </a:ext>
+              </a:extLst>
+            </p:cNvPr>
+            <p:cNvSpPr txBox="1"/>
+            <p:nvPr/>
+          </p:nvSpPr>
+          <p:spPr>
+            <a:xfrm>
+              <a:off x="176530" y="1113153"/>
+              <a:ext cx="2309119" cy="369332"/>
+            </a:xfrm>
+            <a:prstGeom prst="rect">
+              <a:avLst/>
+            </a:prstGeom>
+          </p:spPr>
+          <p:style>
+            <a:lnRef idx="2">
+              <a:schemeClr val="dk1"/>
+            </a:lnRef>
+            <a:fillRef idx="1">
+              <a:schemeClr val="lt1"/>
+            </a:fillRef>
+            <a:effectRef idx="0">
+              <a:schemeClr val="dk1"/>
+            </a:effectRef>
+            <a:fontRef idx="minor">
+              <a:schemeClr val="dk1"/>
+            </a:fontRef>
+          </p:style>
+          <p:txBody>
+            <a:bodyPr wrap="square" rtlCol="0">
+              <a:spAutoFit/>
+            </a:bodyPr>
+            <a:lstStyle/>
+            <a:p>
+              <a:r>
+                <a:rPr lang="de-DE" b="1">
+                  <a:solidFill>
+                    <a:schemeClr val="accent1"/>
+                  </a:solidFill>
+                </a:rPr>
+                <a:t>Req-ID:</a:t>
+              </a:r>
+            </a:p>
+          </p:txBody>
+        </p:sp>
+        <p:sp>
+          <p:nvSpPr>
+            <p:cNvPr id="4" name="Textfeld 3">
+              <a:extLst>
+                <a:ext uri="{FF2B5EF4-FFF2-40B4-BE49-F238E27FC236}">
+                  <a16:creationId xmlns:a16="http://schemas.microsoft.com/office/drawing/2014/main" id="{76DD264B-ADE6-6F46-755C-ED0313365D0E}"/>
+                </a:ext>
+              </a:extLst>
+            </p:cNvPr>
+            <p:cNvSpPr txBox="1"/>
+            <p:nvPr/>
+          </p:nvSpPr>
+          <p:spPr>
+            <a:xfrm>
+              <a:off x="2630905" y="1113153"/>
+              <a:ext cx="3319839" cy="369332"/>
+            </a:xfrm>
+            <a:prstGeom prst="rect">
+              <a:avLst/>
+            </a:prstGeom>
+          </p:spPr>
+          <p:style>
+            <a:lnRef idx="2">
+              <a:schemeClr val="dk1"/>
+            </a:lnRef>
+            <a:fillRef idx="1">
+              <a:schemeClr val="lt1"/>
+            </a:fillRef>
+            <a:effectRef idx="0">
+              <a:schemeClr val="dk1"/>
+            </a:effectRef>
+            <a:fontRef idx="minor">
+              <a:schemeClr val="dk1"/>
+            </a:fontRef>
+          </p:style>
+          <p:txBody>
+            <a:bodyPr wrap="square" rtlCol="0">
+              <a:spAutoFit/>
+            </a:bodyPr>
+            <a:lstStyle/>
+            <a:p>
+              <a:r>
+                <a:rPr lang="de-DE" b="1">
+                  <a:solidFill>
+                    <a:schemeClr val="accent1"/>
+                  </a:solidFill>
+                </a:rPr>
+                <a:t>Req-Type: </a:t>
+              </a:r>
+              <a:r>
+                <a:rPr lang="de-DE">
+                  <a:solidFill>
+                    <a:schemeClr val="tx1"/>
+                  </a:solidFill>
+                </a:rPr>
+                <a:t>Nicht-Funktional</a:t>
+              </a:r>
+            </a:p>
+          </p:txBody>
+        </p:sp>
+        <p:sp>
+          <p:nvSpPr>
+            <p:cNvPr id="8" name="Textfeld 7">
+              <a:extLst>
+                <a:ext uri="{FF2B5EF4-FFF2-40B4-BE49-F238E27FC236}">
+                  <a16:creationId xmlns:a16="http://schemas.microsoft.com/office/drawing/2014/main" id="{28AEB0BF-D13D-34FB-564B-35E65DD9F514}"/>
+                </a:ext>
+              </a:extLst>
+            </p:cNvPr>
+            <p:cNvSpPr txBox="1"/>
+            <p:nvPr/>
+          </p:nvSpPr>
+          <p:spPr>
+            <a:xfrm>
+              <a:off x="6096000" y="1113153"/>
+              <a:ext cx="5903913" cy="369332"/>
+            </a:xfrm>
+            <a:prstGeom prst="rect">
+              <a:avLst/>
+            </a:prstGeom>
+          </p:spPr>
+          <p:style>
+            <a:lnRef idx="2">
+              <a:schemeClr val="dk1"/>
+            </a:lnRef>
+            <a:fillRef idx="1">
+              <a:schemeClr val="lt1"/>
+            </a:fillRef>
+            <a:effectRef idx="0">
+              <a:schemeClr val="dk1"/>
+            </a:effectRef>
+            <a:fontRef idx="minor">
+              <a:schemeClr val="dk1"/>
+            </a:fontRef>
+          </p:style>
+          <p:txBody>
+            <a:bodyPr wrap="square" rtlCol="0">
+              <a:spAutoFit/>
+            </a:bodyPr>
+            <a:lstStyle/>
+            <a:p>
+              <a:r>
+                <a:rPr lang="de-DE" b="1">
+                  <a:solidFill>
+                    <a:schemeClr val="accent1"/>
+                  </a:solidFill>
+                </a:rPr>
+                <a:t>Events/UC: </a:t>
+              </a:r>
+              <a:r>
+                <a:rPr lang="de-DE">
+                  <a:solidFill>
+                    <a:schemeClr val="tx1"/>
+                  </a:solidFill>
+                </a:rPr>
+                <a:t>Passwort erstellen</a:t>
+              </a:r>
+              <a:endParaRPr lang="de-DE">
+                <a:solidFill>
+                  <a:schemeClr val="accent1"/>
+                </a:solidFill>
+              </a:endParaRPr>
+            </a:p>
+          </p:txBody>
+        </p:sp>
+      </p:grpSp>
+      <p:grpSp>
+        <p:nvGrpSpPr>
+          <p:cNvPr id="14" name="Gruppieren 13">
+            <a:extLst>
+              <a:ext uri="{FF2B5EF4-FFF2-40B4-BE49-F238E27FC236}">
+                <a16:creationId xmlns:a16="http://schemas.microsoft.com/office/drawing/2014/main" id="{35F2D36A-E652-D3BD-86FB-A53E338CFCB6}"/>
+              </a:ext>
+            </a:extLst>
+          </p:cNvPr>
+          <p:cNvGrpSpPr/>
+          <p:nvPr/>
+        </p:nvGrpSpPr>
+        <p:grpSpPr>
+          <a:xfrm>
+            <a:off x="168751" y="1549163"/>
+            <a:ext cx="11854497" cy="3112638"/>
+            <a:chOff x="160973" y="1725626"/>
+            <a:chExt cx="11854497" cy="3112638"/>
+          </a:xfrm>
+        </p:grpSpPr>
+        <p:sp>
+          <p:nvSpPr>
+            <p:cNvPr id="9" name="Textfeld 8">
+              <a:extLst>
+                <a:ext uri="{FF2B5EF4-FFF2-40B4-BE49-F238E27FC236}">
+                  <a16:creationId xmlns:a16="http://schemas.microsoft.com/office/drawing/2014/main" id="{CEEBC6C1-0126-8881-37C0-CF7D70DC68AD}"/>
+                </a:ext>
+              </a:extLst>
+            </p:cNvPr>
+            <p:cNvSpPr txBox="1"/>
+            <p:nvPr/>
+          </p:nvSpPr>
+          <p:spPr>
+            <a:xfrm>
+              <a:off x="160973" y="1725626"/>
+              <a:ext cx="11838940" cy="646331"/>
+            </a:xfrm>
+            <a:prstGeom prst="rect">
+              <a:avLst/>
+            </a:prstGeom>
+          </p:spPr>
+          <p:style>
+            <a:lnRef idx="2">
+              <a:schemeClr val="dk1"/>
+            </a:lnRef>
+            <a:fillRef idx="1">
+              <a:schemeClr val="lt1"/>
+            </a:fillRef>
+            <a:effectRef idx="0">
+              <a:schemeClr val="dk1"/>
+            </a:effectRef>
+            <a:fontRef idx="minor">
+              <a:schemeClr val="dk1"/>
+            </a:fontRef>
+          </p:style>
+          <p:txBody>
+            <a:bodyPr wrap="square" rtlCol="0">
+              <a:spAutoFit/>
+            </a:bodyPr>
+            <a:lstStyle/>
+            <a:p>
+              <a:r>
+                <a:rPr lang="de-DE" b="1">
+                  <a:solidFill>
+                    <a:schemeClr val="accent1"/>
+                  </a:solidFill>
+                </a:rPr>
+                <a:t>Description: </a:t>
+              </a:r>
+              <a:r>
+                <a:rPr lang="de-DE">
+                  <a:solidFill>
+                    <a:schemeClr val="tx1"/>
+                  </a:solidFill>
+                </a:rPr>
+                <a:t>Passwörter müssen mindestens 8 Zeichen, einen Groß- und Kleinbuchstaben, eine Zahl und ein Sonderzeichen enthalten.</a:t>
+              </a:r>
+              <a:endParaRPr lang="de-DE"/>
+            </a:p>
+          </p:txBody>
+        </p:sp>
+        <p:sp>
+          <p:nvSpPr>
+            <p:cNvPr id="10" name="Textfeld 9">
+              <a:extLst>
+                <a:ext uri="{FF2B5EF4-FFF2-40B4-BE49-F238E27FC236}">
+                  <a16:creationId xmlns:a16="http://schemas.microsoft.com/office/drawing/2014/main" id="{54B835A0-200F-3623-6D1A-133D67595ABF}"/>
+                </a:ext>
+              </a:extLst>
+            </p:cNvPr>
+            <p:cNvSpPr txBox="1"/>
+            <p:nvPr/>
+          </p:nvSpPr>
+          <p:spPr>
+            <a:xfrm>
+              <a:off x="160973" y="2533023"/>
+              <a:ext cx="11838940" cy="646331"/>
+            </a:xfrm>
+            <a:prstGeom prst="rect">
+              <a:avLst/>
+            </a:prstGeom>
+          </p:spPr>
+          <p:style>
+            <a:lnRef idx="2">
+              <a:schemeClr val="dk1"/>
+            </a:lnRef>
+            <a:fillRef idx="1">
+              <a:schemeClr val="lt1"/>
+            </a:fillRef>
+            <a:effectRef idx="0">
+              <a:schemeClr val="dk1"/>
+            </a:effectRef>
+            <a:fontRef idx="minor">
+              <a:schemeClr val="dk1"/>
+            </a:fontRef>
+          </p:style>
+          <p:txBody>
+            <a:bodyPr wrap="square" rtlCol="0">
+              <a:spAutoFit/>
+            </a:bodyPr>
+            <a:lstStyle/>
+            <a:p>
+              <a:r>
+                <a:rPr lang="de-DE" b="1">
+                  <a:solidFill>
+                    <a:schemeClr val="accent1"/>
+                  </a:solidFill>
+                </a:rPr>
+                <a:t>Rationale: </a:t>
+              </a:r>
+              <a:r>
+                <a:rPr lang="de-DE">
+                  <a:solidFill>
+                    <a:schemeClr val="tx1"/>
+                  </a:solidFill>
+                </a:rPr>
+                <a:t>Schutz sensibler personenbezogener Daten.</a:t>
+              </a:r>
+            </a:p>
+            <a:p>
+              <a:endParaRPr lang="de-DE"/>
+            </a:p>
+          </p:txBody>
+        </p:sp>
+        <p:sp>
+          <p:nvSpPr>
+            <p:cNvPr id="11" name="Textfeld 10">
+              <a:extLst>
+                <a:ext uri="{FF2B5EF4-FFF2-40B4-BE49-F238E27FC236}">
+                  <a16:creationId xmlns:a16="http://schemas.microsoft.com/office/drawing/2014/main" id="{CC894096-4085-13EB-FAE4-44ECC692741F}"/>
+                </a:ext>
+              </a:extLst>
+            </p:cNvPr>
+            <p:cNvSpPr txBox="1"/>
+            <p:nvPr/>
+          </p:nvSpPr>
+          <p:spPr>
+            <a:xfrm>
+              <a:off x="176530" y="3340420"/>
+              <a:ext cx="11838940" cy="646331"/>
+            </a:xfrm>
+            <a:prstGeom prst="rect">
+              <a:avLst/>
+            </a:prstGeom>
+          </p:spPr>
+          <p:style>
+            <a:lnRef idx="2">
+              <a:schemeClr val="dk1"/>
+            </a:lnRef>
+            <a:fillRef idx="1">
+              <a:schemeClr val="lt1"/>
+            </a:fillRef>
+            <a:effectRef idx="0">
+              <a:schemeClr val="dk1"/>
+            </a:effectRef>
+            <a:fontRef idx="minor">
+              <a:schemeClr val="dk1"/>
+            </a:fontRef>
+          </p:style>
+          <p:txBody>
+            <a:bodyPr wrap="square" rtlCol="0">
+              <a:spAutoFit/>
+            </a:bodyPr>
+            <a:lstStyle/>
+            <a:p>
+              <a:r>
+                <a:rPr lang="de-DE" b="1">
+                  <a:solidFill>
+                    <a:schemeClr val="accent1"/>
+                  </a:solidFill>
+                </a:rPr>
+                <a:t>Originator: </a:t>
+              </a:r>
+              <a:r>
+                <a:rPr lang="de-DE">
+                  <a:solidFill>
+                    <a:schemeClr val="tx1"/>
+                  </a:solidFill>
+                </a:rPr>
+                <a:t>Datenschutzanforderungen</a:t>
+              </a:r>
+            </a:p>
+            <a:p>
+              <a:endParaRPr lang="de-DE"/>
+            </a:p>
+          </p:txBody>
+        </p:sp>
+        <p:sp>
+          <p:nvSpPr>
+            <p:cNvPr id="12" name="Textfeld 11">
+              <a:extLst>
+                <a:ext uri="{FF2B5EF4-FFF2-40B4-BE49-F238E27FC236}">
+                  <a16:creationId xmlns:a16="http://schemas.microsoft.com/office/drawing/2014/main" id="{76E60B2A-7298-C57F-9E31-CB76BF446BEF}"/>
+                </a:ext>
+              </a:extLst>
+            </p:cNvPr>
+            <p:cNvSpPr txBox="1"/>
+            <p:nvPr/>
+          </p:nvSpPr>
+          <p:spPr>
+            <a:xfrm>
+              <a:off x="176530" y="4191933"/>
+              <a:ext cx="11838940" cy="646331"/>
+            </a:xfrm>
+            <a:prstGeom prst="rect">
+              <a:avLst/>
+            </a:prstGeom>
+          </p:spPr>
+          <p:style>
+            <a:lnRef idx="2">
+              <a:schemeClr val="dk1"/>
+            </a:lnRef>
+            <a:fillRef idx="1">
+              <a:schemeClr val="lt1"/>
+            </a:fillRef>
+            <a:effectRef idx="0">
+              <a:schemeClr val="dk1"/>
+            </a:effectRef>
+            <a:fontRef idx="minor">
+              <a:schemeClr val="dk1"/>
+            </a:fontRef>
+          </p:style>
+          <p:txBody>
+            <a:bodyPr wrap="square" rtlCol="0">
+              <a:spAutoFit/>
+            </a:bodyPr>
+            <a:lstStyle/>
+            <a:p>
+              <a:r>
+                <a:rPr lang="de-DE" b="1">
+                  <a:solidFill>
+                    <a:schemeClr val="accent1"/>
+                  </a:solidFill>
+                </a:rPr>
+                <a:t>Fit Criterion: </a:t>
+              </a:r>
+              <a:r>
+                <a:rPr lang="de-DE">
+                  <a:solidFill>
+                    <a:schemeClr val="tx1"/>
+                  </a:solidFill>
+                </a:rPr>
+                <a:t>Das System akzeptiert nur Anforderungen, die die Kriterien erfüllen und gibt ansonsten eine Fehlermeldung aus.</a:t>
+              </a:r>
+            </a:p>
+            <a:p>
+              <a:endParaRPr lang="de-DE"/>
+            </a:p>
+          </p:txBody>
+        </p:sp>
+      </p:grpSp>
+      <p:grpSp>
+        <p:nvGrpSpPr>
+          <p:cNvPr id="15" name="Gruppieren 14">
+            <a:extLst>
+              <a:ext uri="{FF2B5EF4-FFF2-40B4-BE49-F238E27FC236}">
+                <a16:creationId xmlns:a16="http://schemas.microsoft.com/office/drawing/2014/main" id="{352B4586-B986-FB6D-FDC8-FD80AACC6D14}"/>
+              </a:ext>
+            </a:extLst>
+          </p:cNvPr>
+          <p:cNvGrpSpPr/>
+          <p:nvPr/>
+        </p:nvGrpSpPr>
+        <p:grpSpPr>
+          <a:xfrm>
+            <a:off x="168751" y="4866983"/>
+            <a:ext cx="11823383" cy="369332"/>
+            <a:chOff x="176530" y="1113153"/>
+            <a:chExt cx="11823383" cy="369332"/>
+          </a:xfrm>
+        </p:grpSpPr>
+        <p:sp>
+          <p:nvSpPr>
+            <p:cNvPr id="16" name="Textfeld 15">
+              <a:extLst>
+                <a:ext uri="{FF2B5EF4-FFF2-40B4-BE49-F238E27FC236}">
+                  <a16:creationId xmlns:a16="http://schemas.microsoft.com/office/drawing/2014/main" id="{14DA73F7-BB71-7D6E-D19F-E66531D32228}"/>
+                </a:ext>
+              </a:extLst>
+            </p:cNvPr>
+            <p:cNvSpPr txBox="1"/>
+            <p:nvPr/>
+          </p:nvSpPr>
+          <p:spPr>
+            <a:xfrm>
+              <a:off x="176530" y="1113153"/>
+              <a:ext cx="2309119" cy="369332"/>
+            </a:xfrm>
+            <a:prstGeom prst="rect">
+              <a:avLst/>
+            </a:prstGeom>
+          </p:spPr>
+          <p:style>
+            <a:lnRef idx="2">
+              <a:schemeClr val="dk1"/>
+            </a:lnRef>
+            <a:fillRef idx="1">
+              <a:schemeClr val="lt1"/>
+            </a:fillRef>
+            <a:effectRef idx="0">
+              <a:schemeClr val="dk1"/>
+            </a:effectRef>
+            <a:fontRef idx="minor">
+              <a:schemeClr val="dk1"/>
+            </a:fontRef>
+          </p:style>
+          <p:txBody>
+            <a:bodyPr wrap="square" rtlCol="0">
+              <a:spAutoFit/>
+            </a:bodyPr>
+            <a:lstStyle/>
+            <a:p>
+              <a:r>
+                <a:rPr lang="de-DE" b="1">
+                  <a:solidFill>
+                    <a:schemeClr val="accent1"/>
+                  </a:solidFill>
+                </a:rPr>
+                <a:t>Priority: </a:t>
+              </a:r>
+              <a:r>
+                <a:rPr lang="de-DE">
+                  <a:solidFill>
+                    <a:schemeClr val="tx1"/>
+                  </a:solidFill>
+                </a:rPr>
+                <a:t>Should</a:t>
+              </a:r>
+            </a:p>
+          </p:txBody>
+        </p:sp>
+        <p:sp>
+          <p:nvSpPr>
+            <p:cNvPr id="17" name="Textfeld 16">
+              <a:extLst>
+                <a:ext uri="{FF2B5EF4-FFF2-40B4-BE49-F238E27FC236}">
+                  <a16:creationId xmlns:a16="http://schemas.microsoft.com/office/drawing/2014/main" id="{3D95CE20-F15B-64E3-7175-0BA78F8590F7}"/>
+                </a:ext>
+              </a:extLst>
+            </p:cNvPr>
+            <p:cNvSpPr txBox="1"/>
+            <p:nvPr/>
+          </p:nvSpPr>
+          <p:spPr>
+            <a:xfrm>
+              <a:off x="2630905" y="1113153"/>
+              <a:ext cx="3319839" cy="369332"/>
+            </a:xfrm>
+            <a:prstGeom prst="rect">
+              <a:avLst/>
+            </a:prstGeom>
+          </p:spPr>
+          <p:style>
+            <a:lnRef idx="2">
+              <a:schemeClr val="dk1"/>
+            </a:lnRef>
+            <a:fillRef idx="1">
+              <a:schemeClr val="lt1"/>
+            </a:fillRef>
+            <a:effectRef idx="0">
+              <a:schemeClr val="dk1"/>
+            </a:effectRef>
+            <a:fontRef idx="minor">
+              <a:schemeClr val="dk1"/>
+            </a:fontRef>
+          </p:style>
+          <p:txBody>
+            <a:bodyPr wrap="square" rtlCol="0">
+              <a:spAutoFit/>
+            </a:bodyPr>
+            <a:lstStyle/>
+            <a:p>
+              <a:r>
+                <a:rPr lang="de-DE" b="1">
+                  <a:solidFill>
+                    <a:schemeClr val="accent1"/>
+                  </a:solidFill>
+                </a:rPr>
+                <a:t>Customer Satisfaction:</a:t>
+              </a:r>
+            </a:p>
+          </p:txBody>
+        </p:sp>
+        <p:sp>
+          <p:nvSpPr>
+            <p:cNvPr id="18" name="Textfeld 17">
+              <a:extLst>
+                <a:ext uri="{FF2B5EF4-FFF2-40B4-BE49-F238E27FC236}">
+                  <a16:creationId xmlns:a16="http://schemas.microsoft.com/office/drawing/2014/main" id="{5D498B67-3763-5E78-C3C0-937B8DA7A324}"/>
+                </a:ext>
+              </a:extLst>
+            </p:cNvPr>
+            <p:cNvSpPr txBox="1"/>
+            <p:nvPr/>
+          </p:nvSpPr>
+          <p:spPr>
+            <a:xfrm>
+              <a:off x="6096000" y="1113153"/>
+              <a:ext cx="5903913" cy="369332"/>
+            </a:xfrm>
+            <a:prstGeom prst="rect">
+              <a:avLst/>
+            </a:prstGeom>
+          </p:spPr>
+          <p:style>
+            <a:lnRef idx="2">
+              <a:schemeClr val="dk1"/>
+            </a:lnRef>
+            <a:fillRef idx="1">
+              <a:schemeClr val="lt1"/>
+            </a:fillRef>
+            <a:effectRef idx="0">
+              <a:schemeClr val="dk1"/>
+            </a:effectRef>
+            <a:fontRef idx="minor">
+              <a:schemeClr val="dk1"/>
+            </a:fontRef>
+          </p:style>
+          <p:txBody>
+            <a:bodyPr wrap="square" rtlCol="0">
+              <a:spAutoFit/>
+            </a:bodyPr>
+            <a:lstStyle/>
+            <a:p>
+              <a:r>
+                <a:rPr lang="de-DE" b="1">
+                  <a:solidFill>
+                    <a:schemeClr val="accent1"/>
+                  </a:solidFill>
+                </a:rPr>
+                <a:t>Customer Dissatisfaction:</a:t>
+              </a:r>
+            </a:p>
+          </p:txBody>
+        </p:sp>
+      </p:grpSp>
+      <p:sp>
+        <p:nvSpPr>
+          <p:cNvPr id="19" name="Textfeld 18">
+            <a:extLst>
+              <a:ext uri="{FF2B5EF4-FFF2-40B4-BE49-F238E27FC236}">
+                <a16:creationId xmlns:a16="http://schemas.microsoft.com/office/drawing/2014/main" id="{59B41C01-820B-0451-6451-8119774701C9}"/>
+              </a:ext>
+            </a:extLst>
+          </p:cNvPr>
+          <p:cNvSpPr txBox="1"/>
+          <p:nvPr/>
+        </p:nvSpPr>
+        <p:spPr>
+          <a:xfrm>
+            <a:off x="184308" y="5441496"/>
+            <a:ext cx="5766436" cy="923330"/>
+          </a:xfrm>
+          <a:prstGeom prst="rect">
+            <a:avLst/>
+          </a:prstGeom>
+        </p:spPr>
+        <p:style>
+          <a:lnRef idx="2">
+            <a:schemeClr val="dk1"/>
+          </a:lnRef>
+          <a:fillRef idx="1">
+            <a:schemeClr val="lt1"/>
+          </a:fillRef>
+          <a:effectRef idx="0">
+            <a:schemeClr val="dk1"/>
+          </a:effectRef>
+          <a:fontRef idx="minor">
+            <a:schemeClr val="dk1"/>
+          </a:fontRef>
+        </p:style>
+        <p:txBody>
+          <a:bodyPr wrap="square" rtlCol="0">
+            <a:spAutoFit/>
+          </a:bodyPr>
+          <a:lstStyle/>
+          <a:p>
+            <a:r>
+              <a:rPr lang="de-DE" b="1">
+                <a:solidFill>
+                  <a:schemeClr val="accent1"/>
+                </a:solidFill>
+              </a:rPr>
+              <a:t>Supporting Material:</a:t>
+            </a:r>
+          </a:p>
+          <a:p>
+            <a:endParaRPr lang="de-DE"/>
+          </a:p>
+          <a:p>
+            <a:endParaRPr lang="de-DE"/>
+          </a:p>
+        </p:txBody>
+      </p:sp>
+      <p:sp>
+        <p:nvSpPr>
+          <p:cNvPr id="20" name="Textfeld 19">
+            <a:extLst>
+              <a:ext uri="{FF2B5EF4-FFF2-40B4-BE49-F238E27FC236}">
+                <a16:creationId xmlns:a16="http://schemas.microsoft.com/office/drawing/2014/main" id="{39728F1B-D6BB-995C-9967-4CC5C6BBBBE0}"/>
+              </a:ext>
+            </a:extLst>
+          </p:cNvPr>
+          <p:cNvSpPr txBox="1"/>
+          <p:nvPr/>
+        </p:nvSpPr>
+        <p:spPr>
+          <a:xfrm>
+            <a:off x="6103778" y="5441496"/>
+            <a:ext cx="5888356" cy="923330"/>
+          </a:xfrm>
+          <a:prstGeom prst="rect">
+            <a:avLst/>
+          </a:prstGeom>
+        </p:spPr>
+        <p:style>
+          <a:lnRef idx="2">
+            <a:schemeClr val="dk1"/>
+          </a:lnRef>
+          <a:fillRef idx="1">
+            <a:schemeClr val="lt1"/>
+          </a:fillRef>
+          <a:effectRef idx="0">
+            <a:schemeClr val="dk1"/>
+          </a:effectRef>
+          <a:fontRef idx="minor">
+            <a:schemeClr val="dk1"/>
+          </a:fontRef>
+        </p:style>
+        <p:txBody>
+          <a:bodyPr wrap="square" rtlCol="0">
+            <a:spAutoFit/>
+          </a:bodyPr>
+          <a:lstStyle/>
+          <a:p>
+            <a:r>
+              <a:rPr lang="de-DE" b="1">
+                <a:solidFill>
+                  <a:schemeClr val="accent1"/>
+                </a:solidFill>
+              </a:rPr>
+              <a:t>Conflicts:</a:t>
+            </a:r>
+          </a:p>
+          <a:p>
+            <a:endParaRPr lang="de-DE"/>
+          </a:p>
+          <a:p>
+            <a:endParaRPr lang="de-DE"/>
+          </a:p>
+        </p:txBody>
+      </p:sp>
+    </p:spTree>
+    <p:extLst>
+      <p:ext uri="{BB962C8B-B14F-4D97-AF65-F5344CB8AC3E}">
+        <p14:creationId xmlns:p14="http://schemas.microsoft.com/office/powerpoint/2010/main" val="2162408001"/>
+      </p:ext>
+    </p:extLst>
+  </p:cSld>
+  <p:clrMapOvr>
+    <a:masterClrMapping/>
+  </p:clrMapOvr>
+</p:sld>
+</file>
+
+<file path=ppt/slides/slide27.xml><?xml version="1.0" encoding="utf-8"?>
+<p:sld xmlns:a="http://schemas.openxmlformats.org/drawingml/2006/main" xmlns:r="http://schemas.openxmlformats.org/officeDocument/2006/relationships" xmlns:p="http://schemas.openxmlformats.org/presentationml/2006/main">
+  <p:cSld>
+    <p:spTree>
+      <p:nvGrpSpPr>
+        <p:cNvPr id="1" name="">
+          <a:extLst>
+            <a:ext uri="{FF2B5EF4-FFF2-40B4-BE49-F238E27FC236}">
+              <a16:creationId xmlns:a16="http://schemas.microsoft.com/office/drawing/2014/main" id="{2A014A09-D063-7EF0-66E1-6D31637A667B}"/>
+            </a:ext>
+          </a:extLst>
+        </p:cNvPr>
+        <p:cNvGrpSpPr/>
+        <p:nvPr/>
+      </p:nvGrpSpPr>
+      <p:grpSpPr>
+        <a:xfrm>
+          <a:off x="0" y="0"/>
+          <a:ext cx="0" cy="0"/>
+          <a:chOff x="0" y="0"/>
+          <a:chExt cx="0" cy="0"/>
+        </a:xfrm>
+      </p:grpSpPr>
+      <p:sp>
+        <p:nvSpPr>
+          <p:cNvPr id="5" name="Titel 4">
+            <a:extLst>
+              <a:ext uri="{FF2B5EF4-FFF2-40B4-BE49-F238E27FC236}">
+                <a16:creationId xmlns:a16="http://schemas.microsoft.com/office/drawing/2014/main" id="{CF4F7675-6768-5C71-0604-3F69AB289C8B}"/>
+              </a:ext>
+            </a:extLst>
+          </p:cNvPr>
+          <p:cNvSpPr>
+            <a:spLocks noGrp="1"/>
+          </p:cNvSpPr>
+          <p:nvPr>
+            <p:ph type="title"/>
+          </p:nvPr>
+        </p:nvSpPr>
+        <p:spPr>
+          <a:xfrm>
+            <a:off x="1343025" y="152400"/>
+            <a:ext cx="10656888" cy="468314"/>
+          </a:xfrm>
+        </p:spPr>
+        <p:txBody>
+          <a:bodyPr/>
+          <a:lstStyle/>
+          <a:p>
+            <a:r>
+              <a:rPr lang="de-DE"/>
+              <a:t>Nicht-Funktionale Anforderungen</a:t>
+            </a:r>
+            <a:endParaRPr lang="de-DE" dirty="0"/>
+          </a:p>
+        </p:txBody>
+      </p:sp>
+      <p:grpSp>
+        <p:nvGrpSpPr>
+          <p:cNvPr id="13" name="Gruppieren 12">
+            <a:extLst>
+              <a:ext uri="{FF2B5EF4-FFF2-40B4-BE49-F238E27FC236}">
+                <a16:creationId xmlns:a16="http://schemas.microsoft.com/office/drawing/2014/main" id="{4735E0F9-4B53-FB46-6B7D-8AD68B346349}"/>
+              </a:ext>
+            </a:extLst>
+          </p:cNvPr>
+          <p:cNvGrpSpPr/>
+          <p:nvPr/>
+        </p:nvGrpSpPr>
+        <p:grpSpPr>
+          <a:xfrm>
+            <a:off x="176530" y="1014171"/>
+            <a:ext cx="11823383" cy="369332"/>
+            <a:chOff x="176530" y="1113153"/>
+            <a:chExt cx="11823383" cy="369332"/>
+          </a:xfrm>
+        </p:grpSpPr>
+        <p:sp>
+          <p:nvSpPr>
+            <p:cNvPr id="3" name="Textfeld 2">
+              <a:extLst>
+                <a:ext uri="{FF2B5EF4-FFF2-40B4-BE49-F238E27FC236}">
+                  <a16:creationId xmlns:a16="http://schemas.microsoft.com/office/drawing/2014/main" id="{C0BE547C-D2FC-12A8-09B6-3B11BAB12D29}"/>
+                </a:ext>
+              </a:extLst>
+            </p:cNvPr>
+            <p:cNvSpPr txBox="1"/>
+            <p:nvPr/>
+          </p:nvSpPr>
+          <p:spPr>
+            <a:xfrm>
+              <a:off x="176530" y="1113153"/>
+              <a:ext cx="2309119" cy="369332"/>
+            </a:xfrm>
+            <a:prstGeom prst="rect">
+              <a:avLst/>
+            </a:prstGeom>
+          </p:spPr>
+          <p:style>
+            <a:lnRef idx="2">
+              <a:schemeClr val="dk1"/>
+            </a:lnRef>
+            <a:fillRef idx="1">
+              <a:schemeClr val="lt1"/>
+            </a:fillRef>
+            <a:effectRef idx="0">
+              <a:schemeClr val="dk1"/>
+            </a:effectRef>
+            <a:fontRef idx="minor">
+              <a:schemeClr val="dk1"/>
+            </a:fontRef>
+          </p:style>
+          <p:txBody>
+            <a:bodyPr wrap="square" rtlCol="0">
+              <a:spAutoFit/>
+            </a:bodyPr>
+            <a:lstStyle/>
+            <a:p>
+              <a:r>
+                <a:rPr lang="de-DE" b="1">
+                  <a:solidFill>
+                    <a:schemeClr val="accent1"/>
+                  </a:solidFill>
+                </a:rPr>
+                <a:t>Req-ID:</a:t>
+              </a:r>
+            </a:p>
+          </p:txBody>
+        </p:sp>
+        <p:sp>
+          <p:nvSpPr>
+            <p:cNvPr id="4" name="Textfeld 3">
+              <a:extLst>
+                <a:ext uri="{FF2B5EF4-FFF2-40B4-BE49-F238E27FC236}">
+                  <a16:creationId xmlns:a16="http://schemas.microsoft.com/office/drawing/2014/main" id="{FA5F290C-EB6A-629E-8712-93842BA5C828}"/>
+                </a:ext>
+              </a:extLst>
+            </p:cNvPr>
+            <p:cNvSpPr txBox="1"/>
+            <p:nvPr/>
+          </p:nvSpPr>
+          <p:spPr>
+            <a:xfrm>
+              <a:off x="2630905" y="1113153"/>
+              <a:ext cx="3319839" cy="369332"/>
+            </a:xfrm>
+            <a:prstGeom prst="rect">
+              <a:avLst/>
+            </a:prstGeom>
+          </p:spPr>
+          <p:style>
+            <a:lnRef idx="2">
+              <a:schemeClr val="dk1"/>
+            </a:lnRef>
+            <a:fillRef idx="1">
+              <a:schemeClr val="lt1"/>
+            </a:fillRef>
+            <a:effectRef idx="0">
+              <a:schemeClr val="dk1"/>
+            </a:effectRef>
+            <a:fontRef idx="minor">
+              <a:schemeClr val="dk1"/>
+            </a:fontRef>
+          </p:style>
+          <p:txBody>
+            <a:bodyPr wrap="square" rtlCol="0">
+              <a:spAutoFit/>
+            </a:bodyPr>
+            <a:lstStyle/>
+            <a:p>
+              <a:r>
+                <a:rPr lang="de-DE" b="1">
+                  <a:solidFill>
+                    <a:schemeClr val="accent1"/>
+                  </a:solidFill>
+                </a:rPr>
+                <a:t>Req-Type: </a:t>
+              </a:r>
+              <a:r>
+                <a:rPr lang="de-DE">
+                  <a:solidFill>
+                    <a:schemeClr val="tx1"/>
+                  </a:solidFill>
+                </a:rPr>
+                <a:t>Nicht-Funktional</a:t>
+              </a:r>
+            </a:p>
+          </p:txBody>
+        </p:sp>
+        <p:sp>
+          <p:nvSpPr>
+            <p:cNvPr id="8" name="Textfeld 7">
+              <a:extLst>
+                <a:ext uri="{FF2B5EF4-FFF2-40B4-BE49-F238E27FC236}">
+                  <a16:creationId xmlns:a16="http://schemas.microsoft.com/office/drawing/2014/main" id="{A6B581F9-3CB3-FD9A-3148-CE9FD65ECFC7}"/>
+                </a:ext>
+              </a:extLst>
+            </p:cNvPr>
+            <p:cNvSpPr txBox="1"/>
+            <p:nvPr/>
+          </p:nvSpPr>
+          <p:spPr>
+            <a:xfrm>
+              <a:off x="6096000" y="1113153"/>
+              <a:ext cx="5903913" cy="369332"/>
+            </a:xfrm>
+            <a:prstGeom prst="rect">
+              <a:avLst/>
+            </a:prstGeom>
+          </p:spPr>
+          <p:style>
+            <a:lnRef idx="2">
+              <a:schemeClr val="dk1"/>
+            </a:lnRef>
+            <a:fillRef idx="1">
+              <a:schemeClr val="lt1"/>
+            </a:fillRef>
+            <a:effectRef idx="0">
+              <a:schemeClr val="dk1"/>
+            </a:effectRef>
+            <a:fontRef idx="minor">
+              <a:schemeClr val="dk1"/>
+            </a:fontRef>
+          </p:style>
+          <p:txBody>
+            <a:bodyPr wrap="square" rtlCol="0">
+              <a:spAutoFit/>
+            </a:bodyPr>
+            <a:lstStyle/>
+            <a:p>
+              <a:r>
+                <a:rPr lang="de-DE" b="1">
+                  <a:solidFill>
+                    <a:schemeClr val="accent1"/>
+                  </a:solidFill>
+                </a:rPr>
+                <a:t>Events/UC: </a:t>
+              </a:r>
+              <a:r>
+                <a:rPr lang="de-DE">
+                  <a:solidFill>
+                    <a:schemeClr val="tx1"/>
+                  </a:solidFill>
+                </a:rPr>
+                <a:t>Daten erheben</a:t>
+              </a:r>
+              <a:endParaRPr lang="de-DE">
+                <a:solidFill>
+                  <a:schemeClr val="accent1"/>
+                </a:solidFill>
+              </a:endParaRPr>
+            </a:p>
+          </p:txBody>
+        </p:sp>
+      </p:grpSp>
+      <p:grpSp>
+        <p:nvGrpSpPr>
+          <p:cNvPr id="14" name="Gruppieren 13">
+            <a:extLst>
+              <a:ext uri="{FF2B5EF4-FFF2-40B4-BE49-F238E27FC236}">
+                <a16:creationId xmlns:a16="http://schemas.microsoft.com/office/drawing/2014/main" id="{BA921115-6954-1402-1A48-F9285EE359A1}"/>
+              </a:ext>
+            </a:extLst>
+          </p:cNvPr>
+          <p:cNvGrpSpPr/>
+          <p:nvPr/>
+        </p:nvGrpSpPr>
+        <p:grpSpPr>
+          <a:xfrm>
+            <a:off x="168751" y="1549163"/>
+            <a:ext cx="11854497" cy="3112638"/>
+            <a:chOff x="160973" y="1725626"/>
+            <a:chExt cx="11854497" cy="3112638"/>
+          </a:xfrm>
+        </p:grpSpPr>
+        <p:sp>
+          <p:nvSpPr>
+            <p:cNvPr id="9" name="Textfeld 8">
+              <a:extLst>
+                <a:ext uri="{FF2B5EF4-FFF2-40B4-BE49-F238E27FC236}">
+                  <a16:creationId xmlns:a16="http://schemas.microsoft.com/office/drawing/2014/main" id="{AFEB80C9-04CB-EDD0-8274-62B02C0C74B3}"/>
+                </a:ext>
+              </a:extLst>
+            </p:cNvPr>
+            <p:cNvSpPr txBox="1"/>
+            <p:nvPr/>
+          </p:nvSpPr>
+          <p:spPr>
+            <a:xfrm>
+              <a:off x="160973" y="1725626"/>
+              <a:ext cx="11838940" cy="646331"/>
+            </a:xfrm>
+            <a:prstGeom prst="rect">
+              <a:avLst/>
+            </a:prstGeom>
+          </p:spPr>
+          <p:style>
+            <a:lnRef idx="2">
+              <a:schemeClr val="dk1"/>
+            </a:lnRef>
+            <a:fillRef idx="1">
+              <a:schemeClr val="lt1"/>
+            </a:fillRef>
+            <a:effectRef idx="0">
+              <a:schemeClr val="dk1"/>
+            </a:effectRef>
+            <a:fontRef idx="minor">
+              <a:schemeClr val="dk1"/>
+            </a:fontRef>
+          </p:style>
+          <p:txBody>
+            <a:bodyPr wrap="square" rtlCol="0">
+              <a:spAutoFit/>
+            </a:bodyPr>
+            <a:lstStyle/>
+            <a:p>
+              <a:r>
+                <a:rPr lang="de-DE" b="1">
+                  <a:solidFill>
+                    <a:schemeClr val="accent1"/>
+                  </a:solidFill>
+                </a:rPr>
+                <a:t>Description: </a:t>
+              </a:r>
+              <a:r>
+                <a:rPr lang="de-DE">
+                  <a:solidFill>
+                    <a:schemeClr val="tx1"/>
+                  </a:solidFill>
+                </a:rPr>
+                <a:t>Alle gespeicherten Personenbezogenen Daten werden verschlüsselt in der Datenbank abgelegt.</a:t>
+              </a:r>
+            </a:p>
+            <a:p>
+              <a:endParaRPr lang="de-DE"/>
+            </a:p>
+          </p:txBody>
+        </p:sp>
+        <p:sp>
+          <p:nvSpPr>
+            <p:cNvPr id="10" name="Textfeld 9">
+              <a:extLst>
+                <a:ext uri="{FF2B5EF4-FFF2-40B4-BE49-F238E27FC236}">
+                  <a16:creationId xmlns:a16="http://schemas.microsoft.com/office/drawing/2014/main" id="{6B18FD9E-880D-2175-B958-09213D30590D}"/>
+                </a:ext>
+              </a:extLst>
+            </p:cNvPr>
+            <p:cNvSpPr txBox="1"/>
+            <p:nvPr/>
+          </p:nvSpPr>
+          <p:spPr>
+            <a:xfrm>
+              <a:off x="160973" y="2533023"/>
+              <a:ext cx="11838940" cy="646331"/>
+            </a:xfrm>
+            <a:prstGeom prst="rect">
+              <a:avLst/>
+            </a:prstGeom>
+          </p:spPr>
+          <p:style>
+            <a:lnRef idx="2">
+              <a:schemeClr val="dk1"/>
+            </a:lnRef>
+            <a:fillRef idx="1">
+              <a:schemeClr val="lt1"/>
+            </a:fillRef>
+            <a:effectRef idx="0">
+              <a:schemeClr val="dk1"/>
+            </a:effectRef>
+            <a:fontRef idx="minor">
+              <a:schemeClr val="dk1"/>
+            </a:fontRef>
+          </p:style>
+          <p:txBody>
+            <a:bodyPr wrap="square" rtlCol="0">
+              <a:spAutoFit/>
+            </a:bodyPr>
+            <a:lstStyle/>
+            <a:p>
+              <a:r>
+                <a:rPr lang="de-DE" b="1">
+                  <a:solidFill>
+                    <a:schemeClr val="accent1"/>
+                  </a:solidFill>
+                </a:rPr>
+                <a:t>Rationale: </a:t>
+              </a:r>
+              <a:r>
+                <a:rPr lang="de-DE">
+                  <a:solidFill>
+                    <a:schemeClr val="tx1"/>
+                  </a:solidFill>
+                </a:rPr>
+                <a:t>Schutz sensibler personenbezogener Daten.</a:t>
+              </a:r>
+            </a:p>
+            <a:p>
+              <a:endParaRPr lang="de-DE"/>
+            </a:p>
+          </p:txBody>
+        </p:sp>
+        <p:sp>
+          <p:nvSpPr>
+            <p:cNvPr id="11" name="Textfeld 10">
+              <a:extLst>
+                <a:ext uri="{FF2B5EF4-FFF2-40B4-BE49-F238E27FC236}">
+                  <a16:creationId xmlns:a16="http://schemas.microsoft.com/office/drawing/2014/main" id="{7D7BA3EF-ECF5-68B0-BA3B-3F16F3C93C6E}"/>
+                </a:ext>
+              </a:extLst>
+            </p:cNvPr>
+            <p:cNvSpPr txBox="1"/>
+            <p:nvPr/>
+          </p:nvSpPr>
+          <p:spPr>
+            <a:xfrm>
+              <a:off x="176530" y="3340420"/>
+              <a:ext cx="11838940" cy="646331"/>
+            </a:xfrm>
+            <a:prstGeom prst="rect">
+              <a:avLst/>
+            </a:prstGeom>
+          </p:spPr>
+          <p:style>
+            <a:lnRef idx="2">
+              <a:schemeClr val="dk1"/>
+            </a:lnRef>
+            <a:fillRef idx="1">
+              <a:schemeClr val="lt1"/>
+            </a:fillRef>
+            <a:effectRef idx="0">
+              <a:schemeClr val="dk1"/>
+            </a:effectRef>
+            <a:fontRef idx="minor">
+              <a:schemeClr val="dk1"/>
+            </a:fontRef>
+          </p:style>
+          <p:txBody>
+            <a:bodyPr wrap="square" rtlCol="0">
+              <a:spAutoFit/>
+            </a:bodyPr>
+            <a:lstStyle/>
+            <a:p>
+              <a:r>
+                <a:rPr lang="de-DE" b="1">
+                  <a:solidFill>
+                    <a:schemeClr val="accent1"/>
+                  </a:solidFill>
+                </a:rPr>
+                <a:t>Originator: </a:t>
+              </a:r>
+              <a:r>
+                <a:rPr lang="de-DE">
+                  <a:solidFill>
+                    <a:schemeClr val="tx1"/>
+                  </a:solidFill>
+                </a:rPr>
+                <a:t>Datenschutzanforderungen</a:t>
+              </a:r>
+            </a:p>
+            <a:p>
+              <a:endParaRPr lang="de-DE"/>
+            </a:p>
+          </p:txBody>
+        </p:sp>
+        <p:sp>
+          <p:nvSpPr>
+            <p:cNvPr id="12" name="Textfeld 11">
+              <a:extLst>
+                <a:ext uri="{FF2B5EF4-FFF2-40B4-BE49-F238E27FC236}">
+                  <a16:creationId xmlns:a16="http://schemas.microsoft.com/office/drawing/2014/main" id="{55E1B174-041F-BE3A-BD31-96E432C24486}"/>
+                </a:ext>
+              </a:extLst>
+            </p:cNvPr>
+            <p:cNvSpPr txBox="1"/>
+            <p:nvPr/>
+          </p:nvSpPr>
+          <p:spPr>
+            <a:xfrm>
+              <a:off x="176530" y="4191933"/>
+              <a:ext cx="11838940" cy="646331"/>
+            </a:xfrm>
+            <a:prstGeom prst="rect">
+              <a:avLst/>
+            </a:prstGeom>
+          </p:spPr>
+          <p:style>
+            <a:lnRef idx="2">
+              <a:schemeClr val="dk1"/>
+            </a:lnRef>
+            <a:fillRef idx="1">
+              <a:schemeClr val="lt1"/>
+            </a:fillRef>
+            <a:effectRef idx="0">
+              <a:schemeClr val="dk1"/>
+            </a:effectRef>
+            <a:fontRef idx="minor">
+              <a:schemeClr val="dk1"/>
+            </a:fontRef>
+          </p:style>
+          <p:txBody>
+            <a:bodyPr wrap="square" rtlCol="0">
+              <a:spAutoFit/>
+            </a:bodyPr>
+            <a:lstStyle/>
+            <a:p>
+              <a:r>
+                <a:rPr lang="de-DE" b="1">
+                  <a:solidFill>
+                    <a:schemeClr val="accent1"/>
+                  </a:solidFill>
+                </a:rPr>
+                <a:t>Fit Criterion: </a:t>
+              </a:r>
+              <a:r>
+                <a:rPr lang="de-DE">
+                  <a:solidFill>
+                    <a:schemeClr val="tx1"/>
+                  </a:solidFill>
+                </a:rPr>
+                <a:t>Datenbank enthält nur verschlüsselte Werte für personenbezogene Felder.</a:t>
+              </a:r>
+            </a:p>
+            <a:p>
+              <a:endParaRPr lang="de-DE"/>
+            </a:p>
+          </p:txBody>
+        </p:sp>
+      </p:grpSp>
+      <p:grpSp>
+        <p:nvGrpSpPr>
+          <p:cNvPr id="15" name="Gruppieren 14">
+            <a:extLst>
+              <a:ext uri="{FF2B5EF4-FFF2-40B4-BE49-F238E27FC236}">
+                <a16:creationId xmlns:a16="http://schemas.microsoft.com/office/drawing/2014/main" id="{5BA34A11-FC37-C2D5-3C56-A8E6C2DA510E}"/>
+              </a:ext>
+            </a:extLst>
+          </p:cNvPr>
+          <p:cNvGrpSpPr/>
+          <p:nvPr/>
+        </p:nvGrpSpPr>
+        <p:grpSpPr>
+          <a:xfrm>
+            <a:off x="168751" y="4866983"/>
+            <a:ext cx="11823383" cy="369332"/>
+            <a:chOff x="176530" y="1113153"/>
+            <a:chExt cx="11823383" cy="369332"/>
+          </a:xfrm>
+        </p:grpSpPr>
+        <p:sp>
+          <p:nvSpPr>
+            <p:cNvPr id="16" name="Textfeld 15">
+              <a:extLst>
+                <a:ext uri="{FF2B5EF4-FFF2-40B4-BE49-F238E27FC236}">
+                  <a16:creationId xmlns:a16="http://schemas.microsoft.com/office/drawing/2014/main" id="{E28E27A0-D6B1-6134-7EE4-6440F21936AB}"/>
+                </a:ext>
+              </a:extLst>
+            </p:cNvPr>
+            <p:cNvSpPr txBox="1"/>
+            <p:nvPr/>
+          </p:nvSpPr>
+          <p:spPr>
+            <a:xfrm>
+              <a:off x="176530" y="1113153"/>
+              <a:ext cx="2309119" cy="369332"/>
+            </a:xfrm>
+            <a:prstGeom prst="rect">
+              <a:avLst/>
+            </a:prstGeom>
+          </p:spPr>
+          <p:style>
+            <a:lnRef idx="2">
+              <a:schemeClr val="dk1"/>
+            </a:lnRef>
+            <a:fillRef idx="1">
+              <a:schemeClr val="lt1"/>
+            </a:fillRef>
+            <a:effectRef idx="0">
+              <a:schemeClr val="dk1"/>
+            </a:effectRef>
+            <a:fontRef idx="minor">
+              <a:schemeClr val="dk1"/>
+            </a:fontRef>
+          </p:style>
+          <p:txBody>
+            <a:bodyPr wrap="square" rtlCol="0">
+              <a:spAutoFit/>
+            </a:bodyPr>
+            <a:lstStyle/>
+            <a:p>
+              <a:r>
+                <a:rPr lang="de-DE" b="1">
+                  <a:solidFill>
+                    <a:schemeClr val="accent1"/>
+                  </a:solidFill>
+                </a:rPr>
+                <a:t>Priority: </a:t>
+              </a:r>
+              <a:r>
+                <a:rPr lang="de-DE">
+                  <a:solidFill>
+                    <a:schemeClr val="tx1"/>
+                  </a:solidFill>
+                </a:rPr>
+                <a:t>Should</a:t>
+              </a:r>
+            </a:p>
+          </p:txBody>
+        </p:sp>
+        <p:sp>
+          <p:nvSpPr>
+            <p:cNvPr id="17" name="Textfeld 16">
+              <a:extLst>
+                <a:ext uri="{FF2B5EF4-FFF2-40B4-BE49-F238E27FC236}">
+                  <a16:creationId xmlns:a16="http://schemas.microsoft.com/office/drawing/2014/main" id="{E11C74AE-9FCB-2FD3-4D8C-7FB4693178B3}"/>
+                </a:ext>
+              </a:extLst>
+            </p:cNvPr>
+            <p:cNvSpPr txBox="1"/>
+            <p:nvPr/>
+          </p:nvSpPr>
+          <p:spPr>
+            <a:xfrm>
+              <a:off x="2630905" y="1113153"/>
+              <a:ext cx="3319839" cy="369332"/>
+            </a:xfrm>
+            <a:prstGeom prst="rect">
+              <a:avLst/>
+            </a:prstGeom>
+          </p:spPr>
+          <p:style>
+            <a:lnRef idx="2">
+              <a:schemeClr val="dk1"/>
+            </a:lnRef>
+            <a:fillRef idx="1">
+              <a:schemeClr val="lt1"/>
+            </a:fillRef>
+            <a:effectRef idx="0">
+              <a:schemeClr val="dk1"/>
+            </a:effectRef>
+            <a:fontRef idx="minor">
+              <a:schemeClr val="dk1"/>
+            </a:fontRef>
+          </p:style>
+          <p:txBody>
+            <a:bodyPr wrap="square" rtlCol="0">
+              <a:spAutoFit/>
+            </a:bodyPr>
+            <a:lstStyle/>
+            <a:p>
+              <a:r>
+                <a:rPr lang="de-DE" b="1">
+                  <a:solidFill>
+                    <a:schemeClr val="accent1"/>
+                  </a:solidFill>
+                </a:rPr>
+                <a:t>Customer Satisfaction:</a:t>
+              </a:r>
+            </a:p>
+          </p:txBody>
+        </p:sp>
+        <p:sp>
+          <p:nvSpPr>
+            <p:cNvPr id="18" name="Textfeld 17">
+              <a:extLst>
+                <a:ext uri="{FF2B5EF4-FFF2-40B4-BE49-F238E27FC236}">
+                  <a16:creationId xmlns:a16="http://schemas.microsoft.com/office/drawing/2014/main" id="{8D93EE61-4D37-3DB6-A83E-1D26DB313BB7}"/>
+                </a:ext>
+              </a:extLst>
+            </p:cNvPr>
+            <p:cNvSpPr txBox="1"/>
+            <p:nvPr/>
+          </p:nvSpPr>
+          <p:spPr>
+            <a:xfrm>
+              <a:off x="6096000" y="1113153"/>
+              <a:ext cx="5903913" cy="369332"/>
+            </a:xfrm>
+            <a:prstGeom prst="rect">
+              <a:avLst/>
+            </a:prstGeom>
+          </p:spPr>
+          <p:style>
+            <a:lnRef idx="2">
+              <a:schemeClr val="dk1"/>
+            </a:lnRef>
+            <a:fillRef idx="1">
+              <a:schemeClr val="lt1"/>
+            </a:fillRef>
+            <a:effectRef idx="0">
+              <a:schemeClr val="dk1"/>
+            </a:effectRef>
+            <a:fontRef idx="minor">
+              <a:schemeClr val="dk1"/>
+            </a:fontRef>
+          </p:style>
+          <p:txBody>
+            <a:bodyPr wrap="square" rtlCol="0">
+              <a:spAutoFit/>
+            </a:bodyPr>
+            <a:lstStyle/>
+            <a:p>
+              <a:r>
+                <a:rPr lang="de-DE" b="1">
+                  <a:solidFill>
+                    <a:schemeClr val="accent1"/>
+                  </a:solidFill>
+                </a:rPr>
+                <a:t>Customer Dissatisfaction:</a:t>
+              </a:r>
+            </a:p>
+          </p:txBody>
+        </p:sp>
+      </p:grpSp>
+      <p:sp>
+        <p:nvSpPr>
+          <p:cNvPr id="19" name="Textfeld 18">
+            <a:extLst>
+              <a:ext uri="{FF2B5EF4-FFF2-40B4-BE49-F238E27FC236}">
+                <a16:creationId xmlns:a16="http://schemas.microsoft.com/office/drawing/2014/main" id="{9B83F66C-EF83-FDF8-C6A5-EA91F662E639}"/>
+              </a:ext>
+            </a:extLst>
+          </p:cNvPr>
+          <p:cNvSpPr txBox="1"/>
+          <p:nvPr/>
+        </p:nvSpPr>
+        <p:spPr>
+          <a:xfrm>
+            <a:off x="184308" y="5441496"/>
+            <a:ext cx="5766436" cy="923330"/>
+          </a:xfrm>
+          <a:prstGeom prst="rect">
+            <a:avLst/>
+          </a:prstGeom>
+        </p:spPr>
+        <p:style>
+          <a:lnRef idx="2">
+            <a:schemeClr val="dk1"/>
+          </a:lnRef>
+          <a:fillRef idx="1">
+            <a:schemeClr val="lt1"/>
+          </a:fillRef>
+          <a:effectRef idx="0">
+            <a:schemeClr val="dk1"/>
+          </a:effectRef>
+          <a:fontRef idx="minor">
+            <a:schemeClr val="dk1"/>
+          </a:fontRef>
+        </p:style>
+        <p:txBody>
+          <a:bodyPr wrap="square" rtlCol="0">
+            <a:spAutoFit/>
+          </a:bodyPr>
+          <a:lstStyle/>
+          <a:p>
+            <a:r>
+              <a:rPr lang="de-DE" b="1">
+                <a:solidFill>
+                  <a:schemeClr val="accent1"/>
+                </a:solidFill>
+              </a:rPr>
+              <a:t>Supporting Material:</a:t>
+            </a:r>
+          </a:p>
+          <a:p>
+            <a:endParaRPr lang="de-DE"/>
+          </a:p>
+          <a:p>
+            <a:endParaRPr lang="de-DE"/>
+          </a:p>
+        </p:txBody>
+      </p:sp>
+      <p:sp>
+        <p:nvSpPr>
+          <p:cNvPr id="20" name="Textfeld 19">
+            <a:extLst>
+              <a:ext uri="{FF2B5EF4-FFF2-40B4-BE49-F238E27FC236}">
+                <a16:creationId xmlns:a16="http://schemas.microsoft.com/office/drawing/2014/main" id="{AA8FBD77-2629-3EB7-0EEF-9214322F656A}"/>
+              </a:ext>
+            </a:extLst>
+          </p:cNvPr>
+          <p:cNvSpPr txBox="1"/>
+          <p:nvPr/>
+        </p:nvSpPr>
+        <p:spPr>
+          <a:xfrm>
+            <a:off x="6103778" y="5441496"/>
+            <a:ext cx="5888356" cy="923330"/>
+          </a:xfrm>
+          <a:prstGeom prst="rect">
+            <a:avLst/>
+          </a:prstGeom>
+        </p:spPr>
+        <p:style>
+          <a:lnRef idx="2">
+            <a:schemeClr val="dk1"/>
+          </a:lnRef>
+          <a:fillRef idx="1">
+            <a:schemeClr val="lt1"/>
+          </a:fillRef>
+          <a:effectRef idx="0">
+            <a:schemeClr val="dk1"/>
+          </a:effectRef>
+          <a:fontRef idx="minor">
+            <a:schemeClr val="dk1"/>
+          </a:fontRef>
+        </p:style>
+        <p:txBody>
+          <a:bodyPr wrap="square" rtlCol="0">
+            <a:spAutoFit/>
+          </a:bodyPr>
+          <a:lstStyle/>
+          <a:p>
+            <a:r>
+              <a:rPr lang="de-DE" b="1">
+                <a:solidFill>
+                  <a:schemeClr val="accent1"/>
+                </a:solidFill>
+              </a:rPr>
+              <a:t>Conflicts:</a:t>
+            </a:r>
+          </a:p>
+          <a:p>
+            <a:endParaRPr lang="de-DE"/>
+          </a:p>
+          <a:p>
+            <a:endParaRPr lang="de-DE"/>
+          </a:p>
+        </p:txBody>
+      </p:sp>
+    </p:spTree>
+    <p:extLst>
+      <p:ext uri="{BB962C8B-B14F-4D97-AF65-F5344CB8AC3E}">
+        <p14:creationId xmlns:p14="http://schemas.microsoft.com/office/powerpoint/2010/main" val="2764489658"/>
+      </p:ext>
+    </p:extLst>
+  </p:cSld>
+  <p:clrMapOvr>
+    <a:masterClrMapping/>
+  </p:clrMapOvr>
+</p:sld>
+</file>
+
+<file path=ppt/slides/slide28.xml><?xml version="1.0" encoding="utf-8"?>
+<p:sld xmlns:a="http://schemas.openxmlformats.org/drawingml/2006/main" xmlns:r="http://schemas.openxmlformats.org/officeDocument/2006/relationships" xmlns:p="http://schemas.openxmlformats.org/presentationml/2006/main">
+  <p:cSld>
+    <p:spTree>
+      <p:nvGrpSpPr>
+        <p:cNvPr id="1" name="">
+          <a:extLst>
+            <a:ext uri="{FF2B5EF4-FFF2-40B4-BE49-F238E27FC236}">
+              <a16:creationId xmlns:a16="http://schemas.microsoft.com/office/drawing/2014/main" id="{AA821EF1-520C-C0DF-B3AE-5B5B67E45610}"/>
+            </a:ext>
+          </a:extLst>
+        </p:cNvPr>
+        <p:cNvGrpSpPr/>
+        <p:nvPr/>
+      </p:nvGrpSpPr>
+      <p:grpSpPr>
+        <a:xfrm>
+          <a:off x="0" y="0"/>
+          <a:ext cx="0" cy="0"/>
+          <a:chOff x="0" y="0"/>
+          <a:chExt cx="0" cy="0"/>
+        </a:xfrm>
+      </p:grpSpPr>
+      <p:sp>
+        <p:nvSpPr>
+          <p:cNvPr id="5" name="Titel 4">
+            <a:extLst>
+              <a:ext uri="{FF2B5EF4-FFF2-40B4-BE49-F238E27FC236}">
+                <a16:creationId xmlns:a16="http://schemas.microsoft.com/office/drawing/2014/main" id="{EED5AD86-CBFF-DA3A-BD4F-9BC69EE2C4BD}"/>
+              </a:ext>
+            </a:extLst>
+          </p:cNvPr>
+          <p:cNvSpPr>
+            <a:spLocks noGrp="1"/>
+          </p:cNvSpPr>
+          <p:nvPr>
+            <p:ph type="title"/>
+          </p:nvPr>
+        </p:nvSpPr>
+        <p:spPr>
+          <a:xfrm>
+            <a:off x="1343025" y="152400"/>
+            <a:ext cx="10656888" cy="468314"/>
+          </a:xfrm>
+        </p:spPr>
+        <p:txBody>
+          <a:bodyPr/>
+          <a:lstStyle/>
+          <a:p>
+            <a:r>
+              <a:rPr lang="de-DE"/>
+              <a:t>Nicht-Funktionale Anforderungen</a:t>
+            </a:r>
+            <a:endParaRPr lang="de-DE" dirty="0"/>
+          </a:p>
+        </p:txBody>
+      </p:sp>
+      <p:grpSp>
+        <p:nvGrpSpPr>
+          <p:cNvPr id="13" name="Gruppieren 12">
+            <a:extLst>
+              <a:ext uri="{FF2B5EF4-FFF2-40B4-BE49-F238E27FC236}">
+                <a16:creationId xmlns:a16="http://schemas.microsoft.com/office/drawing/2014/main" id="{140E6F01-F3E9-B5CA-EE6E-748FD9A0BC6E}"/>
+              </a:ext>
+            </a:extLst>
+          </p:cNvPr>
+          <p:cNvGrpSpPr/>
+          <p:nvPr/>
+        </p:nvGrpSpPr>
+        <p:grpSpPr>
+          <a:xfrm>
+            <a:off x="176530" y="1014171"/>
+            <a:ext cx="11823383" cy="369332"/>
+            <a:chOff x="176530" y="1113153"/>
+            <a:chExt cx="11823383" cy="369332"/>
+          </a:xfrm>
+        </p:grpSpPr>
+        <p:sp>
+          <p:nvSpPr>
+            <p:cNvPr id="3" name="Textfeld 2">
+              <a:extLst>
+                <a:ext uri="{FF2B5EF4-FFF2-40B4-BE49-F238E27FC236}">
+                  <a16:creationId xmlns:a16="http://schemas.microsoft.com/office/drawing/2014/main" id="{4D766AB2-825E-62C4-2129-24DBA3DB79F4}"/>
+                </a:ext>
+              </a:extLst>
+            </p:cNvPr>
+            <p:cNvSpPr txBox="1"/>
+            <p:nvPr/>
+          </p:nvSpPr>
+          <p:spPr>
+            <a:xfrm>
+              <a:off x="176530" y="1113153"/>
+              <a:ext cx="2309119" cy="369332"/>
+            </a:xfrm>
+            <a:prstGeom prst="rect">
+              <a:avLst/>
+            </a:prstGeom>
+          </p:spPr>
+          <p:style>
+            <a:lnRef idx="2">
+              <a:schemeClr val="dk1"/>
+            </a:lnRef>
+            <a:fillRef idx="1">
+              <a:schemeClr val="lt1"/>
+            </a:fillRef>
+            <a:effectRef idx="0">
+              <a:schemeClr val="dk1"/>
+            </a:effectRef>
+            <a:fontRef idx="minor">
+              <a:schemeClr val="dk1"/>
+            </a:fontRef>
+          </p:style>
+          <p:txBody>
+            <a:bodyPr wrap="square" rtlCol="0">
+              <a:spAutoFit/>
+            </a:bodyPr>
+            <a:lstStyle/>
+            <a:p>
+              <a:r>
+                <a:rPr lang="de-DE" b="1">
+                  <a:solidFill>
+                    <a:schemeClr val="accent1"/>
+                  </a:solidFill>
+                </a:rPr>
+                <a:t>Req-ID:</a:t>
+              </a:r>
+            </a:p>
+          </p:txBody>
+        </p:sp>
+        <p:sp>
+          <p:nvSpPr>
+            <p:cNvPr id="4" name="Textfeld 3">
+              <a:extLst>
+                <a:ext uri="{FF2B5EF4-FFF2-40B4-BE49-F238E27FC236}">
+                  <a16:creationId xmlns:a16="http://schemas.microsoft.com/office/drawing/2014/main" id="{2B576B74-E01B-986D-1516-32B1ED9A5328}"/>
+                </a:ext>
+              </a:extLst>
+            </p:cNvPr>
+            <p:cNvSpPr txBox="1"/>
+            <p:nvPr/>
+          </p:nvSpPr>
+          <p:spPr>
+            <a:xfrm>
+              <a:off x="2630905" y="1113153"/>
+              <a:ext cx="3319839" cy="369332"/>
+            </a:xfrm>
+            <a:prstGeom prst="rect">
+              <a:avLst/>
+            </a:prstGeom>
+          </p:spPr>
+          <p:style>
+            <a:lnRef idx="2">
+              <a:schemeClr val="dk1"/>
+            </a:lnRef>
+            <a:fillRef idx="1">
+              <a:schemeClr val="lt1"/>
+            </a:fillRef>
+            <a:effectRef idx="0">
+              <a:schemeClr val="dk1"/>
+            </a:effectRef>
+            <a:fontRef idx="minor">
+              <a:schemeClr val="dk1"/>
+            </a:fontRef>
+          </p:style>
+          <p:txBody>
+            <a:bodyPr wrap="square" rtlCol="0">
+              <a:spAutoFit/>
+            </a:bodyPr>
+            <a:lstStyle/>
+            <a:p>
+              <a:r>
+                <a:rPr lang="de-DE" b="1">
+                  <a:solidFill>
+                    <a:schemeClr val="accent1"/>
+                  </a:solidFill>
+                </a:rPr>
+                <a:t>Req-Type: </a:t>
+              </a:r>
+              <a:r>
+                <a:rPr lang="de-DE">
+                  <a:solidFill>
+                    <a:schemeClr val="tx1"/>
+                  </a:solidFill>
+                </a:rPr>
+                <a:t>Nicht-Funktional</a:t>
+              </a:r>
+            </a:p>
+          </p:txBody>
+        </p:sp>
+        <p:sp>
+          <p:nvSpPr>
+            <p:cNvPr id="8" name="Textfeld 7">
+              <a:extLst>
+                <a:ext uri="{FF2B5EF4-FFF2-40B4-BE49-F238E27FC236}">
+                  <a16:creationId xmlns:a16="http://schemas.microsoft.com/office/drawing/2014/main" id="{635C2471-7976-08B7-645E-74FD7FD28EC2}"/>
+                </a:ext>
+              </a:extLst>
+            </p:cNvPr>
+            <p:cNvSpPr txBox="1"/>
+            <p:nvPr/>
+          </p:nvSpPr>
+          <p:spPr>
+            <a:xfrm>
+              <a:off x="6096000" y="1113153"/>
+              <a:ext cx="5903913" cy="369332"/>
+            </a:xfrm>
+            <a:prstGeom prst="rect">
+              <a:avLst/>
+            </a:prstGeom>
+          </p:spPr>
+          <p:style>
+            <a:lnRef idx="2">
+              <a:schemeClr val="dk1"/>
+            </a:lnRef>
+            <a:fillRef idx="1">
+              <a:schemeClr val="lt1"/>
+            </a:fillRef>
+            <a:effectRef idx="0">
+              <a:schemeClr val="dk1"/>
+            </a:effectRef>
+            <a:fontRef idx="minor">
+              <a:schemeClr val="dk1"/>
+            </a:fontRef>
+          </p:style>
+          <p:txBody>
+            <a:bodyPr wrap="square" rtlCol="0">
+              <a:spAutoFit/>
+            </a:bodyPr>
+            <a:lstStyle/>
+            <a:p>
+              <a:r>
+                <a:rPr lang="de-DE" b="1">
+                  <a:solidFill>
+                    <a:schemeClr val="accent1"/>
+                  </a:solidFill>
+                </a:rPr>
+                <a:t>Events/UC: </a:t>
+              </a:r>
+              <a:r>
+                <a:rPr lang="de-DE">
+                  <a:solidFill>
+                    <a:schemeClr val="tx1"/>
+                  </a:solidFill>
+                </a:rPr>
+                <a:t>Erste Nutzungserfahrungen</a:t>
+              </a:r>
+              <a:endParaRPr lang="de-DE">
+                <a:solidFill>
+                  <a:schemeClr val="accent1"/>
+                </a:solidFill>
+              </a:endParaRPr>
+            </a:p>
+          </p:txBody>
+        </p:sp>
+      </p:grpSp>
+      <p:grpSp>
+        <p:nvGrpSpPr>
+          <p:cNvPr id="14" name="Gruppieren 13">
+            <a:extLst>
+              <a:ext uri="{FF2B5EF4-FFF2-40B4-BE49-F238E27FC236}">
+                <a16:creationId xmlns:a16="http://schemas.microsoft.com/office/drawing/2014/main" id="{4C0A2E85-28DC-1064-A6FC-C391C3EE8ADF}"/>
+              </a:ext>
+            </a:extLst>
+          </p:cNvPr>
+          <p:cNvGrpSpPr/>
+          <p:nvPr/>
+        </p:nvGrpSpPr>
+        <p:grpSpPr>
+          <a:xfrm>
+            <a:off x="168751" y="1549163"/>
+            <a:ext cx="11854497" cy="3112638"/>
+            <a:chOff x="160973" y="1725626"/>
+            <a:chExt cx="11854497" cy="3112638"/>
+          </a:xfrm>
+        </p:grpSpPr>
+        <p:sp>
+          <p:nvSpPr>
+            <p:cNvPr id="9" name="Textfeld 8">
+              <a:extLst>
+                <a:ext uri="{FF2B5EF4-FFF2-40B4-BE49-F238E27FC236}">
+                  <a16:creationId xmlns:a16="http://schemas.microsoft.com/office/drawing/2014/main" id="{2CD0B53C-CF88-FEE0-2E69-191E257251A4}"/>
+                </a:ext>
+              </a:extLst>
+            </p:cNvPr>
+            <p:cNvSpPr txBox="1"/>
+            <p:nvPr/>
+          </p:nvSpPr>
+          <p:spPr>
+            <a:xfrm>
+              <a:off x="160973" y="1725626"/>
+              <a:ext cx="11838940" cy="646331"/>
+            </a:xfrm>
+            <a:prstGeom prst="rect">
+              <a:avLst/>
+            </a:prstGeom>
+          </p:spPr>
+          <p:style>
+            <a:lnRef idx="2">
+              <a:schemeClr val="dk1"/>
+            </a:lnRef>
+            <a:fillRef idx="1">
+              <a:schemeClr val="lt1"/>
+            </a:fillRef>
+            <a:effectRef idx="0">
+              <a:schemeClr val="dk1"/>
+            </a:effectRef>
+            <a:fontRef idx="minor">
+              <a:schemeClr val="dk1"/>
+            </a:fontRef>
+          </p:style>
+          <p:txBody>
+            <a:bodyPr wrap="square" rtlCol="0">
+              <a:spAutoFit/>
+            </a:bodyPr>
+            <a:lstStyle/>
+            <a:p>
+              <a:r>
+                <a:rPr lang="de-DE" b="1">
+                  <a:solidFill>
+                    <a:schemeClr val="accent1"/>
+                  </a:solidFill>
+                </a:rPr>
+                <a:t>Description: </a:t>
+              </a:r>
+              <a:r>
+                <a:rPr lang="de-DE">
+                  <a:solidFill>
+                    <a:schemeClr val="tx1"/>
+                  </a:solidFill>
+                </a:rPr>
+                <a:t>Zur Software wird eine Benutzerhandbuch mitgeliefert, dass die Funktionen und die Anwendung der Software erklärt.</a:t>
+              </a:r>
+              <a:endParaRPr lang="de-DE"/>
+            </a:p>
+          </p:txBody>
+        </p:sp>
+        <p:sp>
+          <p:nvSpPr>
+            <p:cNvPr id="10" name="Textfeld 9">
+              <a:extLst>
+                <a:ext uri="{FF2B5EF4-FFF2-40B4-BE49-F238E27FC236}">
+                  <a16:creationId xmlns:a16="http://schemas.microsoft.com/office/drawing/2014/main" id="{FD1844B6-7779-F4D4-632F-AA873EC87E83}"/>
+                </a:ext>
+              </a:extLst>
+            </p:cNvPr>
+            <p:cNvSpPr txBox="1"/>
+            <p:nvPr/>
+          </p:nvSpPr>
+          <p:spPr>
+            <a:xfrm>
+              <a:off x="160973" y="2533023"/>
+              <a:ext cx="11838940" cy="646331"/>
+            </a:xfrm>
+            <a:prstGeom prst="rect">
+              <a:avLst/>
+            </a:prstGeom>
+          </p:spPr>
+          <p:style>
+            <a:lnRef idx="2">
+              <a:schemeClr val="dk1"/>
+            </a:lnRef>
+            <a:fillRef idx="1">
+              <a:schemeClr val="lt1"/>
+            </a:fillRef>
+            <a:effectRef idx="0">
+              <a:schemeClr val="dk1"/>
+            </a:effectRef>
+            <a:fontRef idx="minor">
+              <a:schemeClr val="dk1"/>
+            </a:fontRef>
+          </p:style>
+          <p:txBody>
+            <a:bodyPr wrap="square" rtlCol="0">
+              <a:spAutoFit/>
+            </a:bodyPr>
+            <a:lstStyle/>
+            <a:p>
+              <a:r>
+                <a:rPr lang="de-DE" b="1">
+                  <a:solidFill>
+                    <a:schemeClr val="accent1"/>
+                  </a:solidFill>
+                </a:rPr>
+                <a:t>Rationale: </a:t>
+              </a:r>
+              <a:r>
+                <a:rPr lang="de-DE">
+                  <a:solidFill>
+                    <a:schemeClr val="tx1"/>
+                  </a:solidFill>
+                </a:rPr>
+                <a:t>Kundinnen sollen sich die Benutzung der Software mit dem Handbuch selbst beibringen können.</a:t>
+              </a:r>
+            </a:p>
+            <a:p>
+              <a:endParaRPr lang="de-DE"/>
+            </a:p>
+          </p:txBody>
+        </p:sp>
+        <p:sp>
+          <p:nvSpPr>
+            <p:cNvPr id="11" name="Textfeld 10">
+              <a:extLst>
+                <a:ext uri="{FF2B5EF4-FFF2-40B4-BE49-F238E27FC236}">
+                  <a16:creationId xmlns:a16="http://schemas.microsoft.com/office/drawing/2014/main" id="{90DA42CB-9E5A-4C41-2400-E06A04360207}"/>
+                </a:ext>
+              </a:extLst>
+            </p:cNvPr>
+            <p:cNvSpPr txBox="1"/>
+            <p:nvPr/>
+          </p:nvSpPr>
+          <p:spPr>
+            <a:xfrm>
+              <a:off x="176530" y="3340420"/>
+              <a:ext cx="11838940" cy="646331"/>
+            </a:xfrm>
+            <a:prstGeom prst="rect">
+              <a:avLst/>
+            </a:prstGeom>
+          </p:spPr>
+          <p:style>
+            <a:lnRef idx="2">
+              <a:schemeClr val="dk1"/>
+            </a:lnRef>
+            <a:fillRef idx="1">
+              <a:schemeClr val="lt1"/>
+            </a:fillRef>
+            <a:effectRef idx="0">
+              <a:schemeClr val="dk1"/>
+            </a:effectRef>
+            <a:fontRef idx="minor">
+              <a:schemeClr val="dk1"/>
+            </a:fontRef>
+          </p:style>
+          <p:txBody>
+            <a:bodyPr wrap="square" rtlCol="0">
+              <a:spAutoFit/>
+            </a:bodyPr>
+            <a:lstStyle/>
+            <a:p>
+              <a:r>
+                <a:rPr lang="de-DE" b="1">
+                  <a:solidFill>
+                    <a:schemeClr val="accent1"/>
+                  </a:solidFill>
+                </a:rPr>
+                <a:t>Originator: </a:t>
+              </a:r>
+              <a:r>
+                <a:rPr lang="de-DE">
+                  <a:solidFill>
+                    <a:schemeClr val="tx1"/>
+                  </a:solidFill>
+                </a:rPr>
+                <a:t>Anforderungsbeschreibung, S. 4 </a:t>
+              </a:r>
+            </a:p>
+            <a:p>
+              <a:endParaRPr lang="de-DE"/>
+            </a:p>
+          </p:txBody>
+        </p:sp>
+        <p:sp>
+          <p:nvSpPr>
+            <p:cNvPr id="12" name="Textfeld 11">
+              <a:extLst>
+                <a:ext uri="{FF2B5EF4-FFF2-40B4-BE49-F238E27FC236}">
+                  <a16:creationId xmlns:a16="http://schemas.microsoft.com/office/drawing/2014/main" id="{C28D38B3-A382-76AA-3AB1-06DBA5782E9E}"/>
+                </a:ext>
+              </a:extLst>
+            </p:cNvPr>
+            <p:cNvSpPr txBox="1"/>
+            <p:nvPr/>
+          </p:nvSpPr>
+          <p:spPr>
+            <a:xfrm>
+              <a:off x="176530" y="4191933"/>
+              <a:ext cx="11838940" cy="646331"/>
+            </a:xfrm>
+            <a:prstGeom prst="rect">
+              <a:avLst/>
+            </a:prstGeom>
+          </p:spPr>
+          <p:style>
+            <a:lnRef idx="2">
+              <a:schemeClr val="dk1"/>
+            </a:lnRef>
+            <a:fillRef idx="1">
+              <a:schemeClr val="lt1"/>
+            </a:fillRef>
+            <a:effectRef idx="0">
+              <a:schemeClr val="dk1"/>
+            </a:effectRef>
+            <a:fontRef idx="minor">
+              <a:schemeClr val="dk1"/>
+            </a:fontRef>
+          </p:style>
+          <p:txBody>
+            <a:bodyPr wrap="square" rtlCol="0">
+              <a:spAutoFit/>
+            </a:bodyPr>
+            <a:lstStyle/>
+            <a:p>
+              <a:r>
+                <a:rPr lang="de-DE" b="1">
+                  <a:solidFill>
+                    <a:schemeClr val="accent1"/>
+                  </a:solidFill>
+                </a:rPr>
+                <a:t>Fit Criterion: </a:t>
+              </a:r>
+              <a:r>
+                <a:rPr lang="de-DE">
+                  <a:solidFill>
+                    <a:schemeClr val="tx1"/>
+                  </a:solidFill>
+                </a:rPr>
+                <a:t>Nutzerhandbuch wird als z.B. PDF bereitgestellt.</a:t>
+              </a:r>
+            </a:p>
+            <a:p>
+              <a:endParaRPr lang="de-DE"/>
+            </a:p>
+          </p:txBody>
+        </p:sp>
+      </p:grpSp>
+      <p:grpSp>
+        <p:nvGrpSpPr>
+          <p:cNvPr id="15" name="Gruppieren 14">
+            <a:extLst>
+              <a:ext uri="{FF2B5EF4-FFF2-40B4-BE49-F238E27FC236}">
+                <a16:creationId xmlns:a16="http://schemas.microsoft.com/office/drawing/2014/main" id="{0565A71A-360B-C1CF-4C67-3A5628AE0BFF}"/>
+              </a:ext>
+            </a:extLst>
+          </p:cNvPr>
+          <p:cNvGrpSpPr/>
+          <p:nvPr/>
+        </p:nvGrpSpPr>
+        <p:grpSpPr>
+          <a:xfrm>
+            <a:off x="168751" y="4866983"/>
+            <a:ext cx="11823383" cy="369332"/>
+            <a:chOff x="176530" y="1113153"/>
+            <a:chExt cx="11823383" cy="369332"/>
+          </a:xfrm>
+        </p:grpSpPr>
+        <p:sp>
+          <p:nvSpPr>
+            <p:cNvPr id="16" name="Textfeld 15">
+              <a:extLst>
+                <a:ext uri="{FF2B5EF4-FFF2-40B4-BE49-F238E27FC236}">
+                  <a16:creationId xmlns:a16="http://schemas.microsoft.com/office/drawing/2014/main" id="{822384B5-515F-E975-8CC5-BB9FA5F246A3}"/>
+                </a:ext>
+              </a:extLst>
+            </p:cNvPr>
+            <p:cNvSpPr txBox="1"/>
+            <p:nvPr/>
+          </p:nvSpPr>
+          <p:spPr>
+            <a:xfrm>
+              <a:off x="176530" y="1113153"/>
+              <a:ext cx="2309119" cy="369332"/>
+            </a:xfrm>
+            <a:prstGeom prst="rect">
+              <a:avLst/>
+            </a:prstGeom>
+          </p:spPr>
+          <p:style>
+            <a:lnRef idx="2">
+              <a:schemeClr val="dk1"/>
+            </a:lnRef>
+            <a:fillRef idx="1">
+              <a:schemeClr val="lt1"/>
+            </a:fillRef>
+            <a:effectRef idx="0">
+              <a:schemeClr val="dk1"/>
+            </a:effectRef>
+            <a:fontRef idx="minor">
+              <a:schemeClr val="dk1"/>
+            </a:fontRef>
+          </p:style>
+          <p:txBody>
+            <a:bodyPr wrap="square" rtlCol="0">
+              <a:spAutoFit/>
+            </a:bodyPr>
+            <a:lstStyle/>
+            <a:p>
+              <a:r>
+                <a:rPr lang="de-DE" b="1">
+                  <a:solidFill>
+                    <a:schemeClr val="accent1"/>
+                  </a:solidFill>
+                </a:rPr>
+                <a:t>Priority: </a:t>
+              </a:r>
+              <a:r>
+                <a:rPr lang="de-DE">
+                  <a:solidFill>
+                    <a:schemeClr val="tx1"/>
+                  </a:solidFill>
+                </a:rPr>
+                <a:t>Should</a:t>
+              </a:r>
+            </a:p>
+          </p:txBody>
+        </p:sp>
+        <p:sp>
+          <p:nvSpPr>
+            <p:cNvPr id="17" name="Textfeld 16">
+              <a:extLst>
+                <a:ext uri="{FF2B5EF4-FFF2-40B4-BE49-F238E27FC236}">
+                  <a16:creationId xmlns:a16="http://schemas.microsoft.com/office/drawing/2014/main" id="{CC785898-F021-CCA7-BF24-C52CED5E453A}"/>
+                </a:ext>
+              </a:extLst>
+            </p:cNvPr>
+            <p:cNvSpPr txBox="1"/>
+            <p:nvPr/>
+          </p:nvSpPr>
+          <p:spPr>
+            <a:xfrm>
+              <a:off x="2630905" y="1113153"/>
+              <a:ext cx="3319839" cy="369332"/>
+            </a:xfrm>
+            <a:prstGeom prst="rect">
+              <a:avLst/>
+            </a:prstGeom>
+          </p:spPr>
+          <p:style>
+            <a:lnRef idx="2">
+              <a:schemeClr val="dk1"/>
+            </a:lnRef>
+            <a:fillRef idx="1">
+              <a:schemeClr val="lt1"/>
+            </a:fillRef>
+            <a:effectRef idx="0">
+              <a:schemeClr val="dk1"/>
+            </a:effectRef>
+            <a:fontRef idx="minor">
+              <a:schemeClr val="dk1"/>
+            </a:fontRef>
+          </p:style>
+          <p:txBody>
+            <a:bodyPr wrap="square" rtlCol="0">
+              <a:spAutoFit/>
+            </a:bodyPr>
+            <a:lstStyle/>
+            <a:p>
+              <a:r>
+                <a:rPr lang="de-DE" b="1">
+                  <a:solidFill>
+                    <a:schemeClr val="accent1"/>
+                  </a:solidFill>
+                </a:rPr>
+                <a:t>Customer Satisfaction:</a:t>
+              </a:r>
+            </a:p>
+          </p:txBody>
+        </p:sp>
+        <p:sp>
+          <p:nvSpPr>
+            <p:cNvPr id="18" name="Textfeld 17">
+              <a:extLst>
+                <a:ext uri="{FF2B5EF4-FFF2-40B4-BE49-F238E27FC236}">
+                  <a16:creationId xmlns:a16="http://schemas.microsoft.com/office/drawing/2014/main" id="{31999B99-166A-050C-2B0E-E309B86F6597}"/>
+                </a:ext>
+              </a:extLst>
+            </p:cNvPr>
+            <p:cNvSpPr txBox="1"/>
+            <p:nvPr/>
+          </p:nvSpPr>
+          <p:spPr>
+            <a:xfrm>
+              <a:off x="6096000" y="1113153"/>
+              <a:ext cx="5903913" cy="369332"/>
+            </a:xfrm>
+            <a:prstGeom prst="rect">
+              <a:avLst/>
+            </a:prstGeom>
+          </p:spPr>
+          <p:style>
+            <a:lnRef idx="2">
+              <a:schemeClr val="dk1"/>
+            </a:lnRef>
+            <a:fillRef idx="1">
+              <a:schemeClr val="lt1"/>
+            </a:fillRef>
+            <a:effectRef idx="0">
+              <a:schemeClr val="dk1"/>
+            </a:effectRef>
+            <a:fontRef idx="minor">
+              <a:schemeClr val="dk1"/>
+            </a:fontRef>
+          </p:style>
+          <p:txBody>
+            <a:bodyPr wrap="square" rtlCol="0">
+              <a:spAutoFit/>
+            </a:bodyPr>
+            <a:lstStyle/>
+            <a:p>
+              <a:r>
+                <a:rPr lang="de-DE" b="1">
+                  <a:solidFill>
+                    <a:schemeClr val="accent1"/>
+                  </a:solidFill>
+                </a:rPr>
+                <a:t>Customer Dissatisfaction:</a:t>
+              </a:r>
+            </a:p>
+          </p:txBody>
+        </p:sp>
+      </p:grpSp>
+      <p:sp>
+        <p:nvSpPr>
+          <p:cNvPr id="19" name="Textfeld 18">
+            <a:extLst>
+              <a:ext uri="{FF2B5EF4-FFF2-40B4-BE49-F238E27FC236}">
+                <a16:creationId xmlns:a16="http://schemas.microsoft.com/office/drawing/2014/main" id="{D7E0DF1E-6484-D15D-4C28-EC35065A0E67}"/>
+              </a:ext>
+            </a:extLst>
+          </p:cNvPr>
+          <p:cNvSpPr txBox="1"/>
+          <p:nvPr/>
+        </p:nvSpPr>
+        <p:spPr>
+          <a:xfrm>
+            <a:off x="184308" y="5441496"/>
+            <a:ext cx="5766436" cy="923330"/>
+          </a:xfrm>
+          <a:prstGeom prst="rect">
+            <a:avLst/>
+          </a:prstGeom>
+        </p:spPr>
+        <p:style>
+          <a:lnRef idx="2">
+            <a:schemeClr val="dk1"/>
+          </a:lnRef>
+          <a:fillRef idx="1">
+            <a:schemeClr val="lt1"/>
+          </a:fillRef>
+          <a:effectRef idx="0">
+            <a:schemeClr val="dk1"/>
+          </a:effectRef>
+          <a:fontRef idx="minor">
+            <a:schemeClr val="dk1"/>
+          </a:fontRef>
+        </p:style>
+        <p:txBody>
+          <a:bodyPr wrap="square" rtlCol="0">
+            <a:spAutoFit/>
+          </a:bodyPr>
+          <a:lstStyle/>
+          <a:p>
+            <a:r>
+              <a:rPr lang="de-DE" b="1">
+                <a:solidFill>
+                  <a:schemeClr val="accent1"/>
+                </a:solidFill>
+              </a:rPr>
+              <a:t>Supporting Material:</a:t>
+            </a:r>
+          </a:p>
+          <a:p>
+            <a:endParaRPr lang="de-DE"/>
+          </a:p>
+          <a:p>
+            <a:endParaRPr lang="de-DE"/>
+          </a:p>
+        </p:txBody>
+      </p:sp>
+      <p:sp>
+        <p:nvSpPr>
+          <p:cNvPr id="20" name="Textfeld 19">
+            <a:extLst>
+              <a:ext uri="{FF2B5EF4-FFF2-40B4-BE49-F238E27FC236}">
+                <a16:creationId xmlns:a16="http://schemas.microsoft.com/office/drawing/2014/main" id="{2D07EB29-72ED-2716-FBB8-3964D1A81401}"/>
+              </a:ext>
+            </a:extLst>
+          </p:cNvPr>
+          <p:cNvSpPr txBox="1"/>
+          <p:nvPr/>
+        </p:nvSpPr>
+        <p:spPr>
+          <a:xfrm>
+            <a:off x="6103778" y="5441496"/>
+            <a:ext cx="5888356" cy="923330"/>
+          </a:xfrm>
+          <a:prstGeom prst="rect">
+            <a:avLst/>
+          </a:prstGeom>
+        </p:spPr>
+        <p:style>
+          <a:lnRef idx="2">
+            <a:schemeClr val="dk1"/>
+          </a:lnRef>
+          <a:fillRef idx="1">
+            <a:schemeClr val="lt1"/>
+          </a:fillRef>
+          <a:effectRef idx="0">
+            <a:schemeClr val="dk1"/>
+          </a:effectRef>
+          <a:fontRef idx="minor">
+            <a:schemeClr val="dk1"/>
+          </a:fontRef>
+        </p:style>
+        <p:txBody>
+          <a:bodyPr wrap="square" rtlCol="0">
+            <a:spAutoFit/>
+          </a:bodyPr>
+          <a:lstStyle/>
+          <a:p>
+            <a:r>
+              <a:rPr lang="de-DE" b="1">
+                <a:solidFill>
+                  <a:schemeClr val="accent1"/>
+                </a:solidFill>
+              </a:rPr>
+              <a:t>Conflicts:</a:t>
+            </a:r>
+          </a:p>
+          <a:p>
+            <a:endParaRPr lang="de-DE"/>
+          </a:p>
+          <a:p>
+            <a:endParaRPr lang="de-DE"/>
+          </a:p>
+        </p:txBody>
+      </p:sp>
+    </p:spTree>
+    <p:extLst>
+      <p:ext uri="{BB962C8B-B14F-4D97-AF65-F5344CB8AC3E}">
+        <p14:creationId xmlns:p14="http://schemas.microsoft.com/office/powerpoint/2010/main" val="2806367169"/>
       </p:ext>
     </p:extLst>
   </p:cSld>

--- a/SnowCards_Requirements.pptx
+++ b/SnowCards_Requirements.pptx
@@ -6,10 +6,10 @@
     <p:sldMasterId id="2147483699" r:id="rId2"/>
   </p:sldMasterIdLst>
   <p:notesMasterIdLst>
-    <p:notesMasterId r:id="rId31"/>
+    <p:notesMasterId r:id="rId30"/>
   </p:notesMasterIdLst>
   <p:handoutMasterIdLst>
-    <p:handoutMasterId r:id="rId32"/>
+    <p:handoutMasterId r:id="rId31"/>
   </p:handoutMasterIdLst>
   <p:sldIdLst>
     <p:sldId id="309" r:id="rId3"/>
@@ -39,17 +39,16 @@
     <p:sldId id="341" r:id="rId27"/>
     <p:sldId id="338" r:id="rId28"/>
     <p:sldId id="340" r:id="rId29"/>
-    <p:sldId id="336" r:id="rId30"/>
   </p:sldIdLst>
   <p:sldSz cx="12192000" cy="6858000"/>
   <p:notesSz cx="9928225" cy="6797675"/>
   <p:embeddedFontLst>
     <p:embeddedFont>
       <p:font typeface="Roboto" panose="02000000000000000000" pitchFamily="2" charset="0"/>
-      <p:regular r:id="rId33"/>
-      <p:bold r:id="rId34"/>
-      <p:italic r:id="rId35"/>
-      <p:boldItalic r:id="rId36"/>
+      <p:regular r:id="rId32"/>
+      <p:bold r:id="rId33"/>
+      <p:italic r:id="rId34"/>
+      <p:boldItalic r:id="rId35"/>
     </p:embeddedFont>
   </p:embeddedFontLst>
   <p:defaultTextStyle>
@@ -281,7 +280,7 @@
           <a:p>
             <a:fld id="{283A9E21-4981-413F-9BAB-A1BE42E0A624}" type="datetimeFigureOut">
               <a:rPr lang="de-DE" smtClean="0"/>
-              <a:t>28.10.2025</a:t>
+              <a:t>30.10.25</a:t>
             </a:fld>
             <a:endParaRPr lang="de-DE"/>
           </a:p>
@@ -3087,115 +3086,6 @@
     <p:extLst>
       <p:ext uri="{BB962C8B-B14F-4D97-AF65-F5344CB8AC3E}">
         <p14:creationId xmlns:p14="http://schemas.microsoft.com/office/powerpoint/2010/main" val="4236772891"/>
-      </p:ext>
-    </p:extLst>
-  </p:cSld>
-  <p:clrMapOvr>
-    <a:masterClrMapping/>
-  </p:clrMapOvr>
-</p:notes>
-</file>
-
-<file path=ppt/notesSlides/notesSlide28.xml><?xml version="1.0" encoding="utf-8"?>
-<p:notes xmlns:a="http://schemas.openxmlformats.org/drawingml/2006/main" xmlns:r="http://schemas.openxmlformats.org/officeDocument/2006/relationships" xmlns:p="http://schemas.openxmlformats.org/presentationml/2006/main">
-  <p:cSld>
-    <p:spTree>
-      <p:nvGrpSpPr>
-        <p:cNvPr id="1" name="">
-          <a:extLst>
-            <a:ext uri="{FF2B5EF4-FFF2-40B4-BE49-F238E27FC236}">
-              <a16:creationId xmlns:a16="http://schemas.microsoft.com/office/drawing/2014/main" id="{E922C58B-83E8-3DFD-9D70-8B25BA258AFA}"/>
-            </a:ext>
-          </a:extLst>
-        </p:cNvPr>
-        <p:cNvGrpSpPr/>
-        <p:nvPr/>
-      </p:nvGrpSpPr>
-      <p:grpSpPr>
-        <a:xfrm>
-          <a:off x="0" y="0"/>
-          <a:ext cx="0" cy="0"/>
-          <a:chOff x="0" y="0"/>
-          <a:chExt cx="0" cy="0"/>
-        </a:xfrm>
-      </p:grpSpPr>
-      <p:sp>
-        <p:nvSpPr>
-          <p:cNvPr id="2" name="Folienbildplatzhalter 1">
-            <a:extLst>
-              <a:ext uri="{FF2B5EF4-FFF2-40B4-BE49-F238E27FC236}">
-                <a16:creationId xmlns:a16="http://schemas.microsoft.com/office/drawing/2014/main" id="{0004AAE9-6656-234B-68F4-B2A0C82EE992}"/>
-              </a:ext>
-            </a:extLst>
-          </p:cNvPr>
-          <p:cNvSpPr>
-            <a:spLocks noGrp="1" noRot="1" noChangeAspect="1"/>
-          </p:cNvSpPr>
-          <p:nvPr>
-            <p:ph type="sldImg"/>
-          </p:nvPr>
-        </p:nvSpPr>
-        <p:spPr/>
-      </p:sp>
-      <p:sp>
-        <p:nvSpPr>
-          <p:cNvPr id="3" name="Notizenplatzhalter 2">
-            <a:extLst>
-              <a:ext uri="{FF2B5EF4-FFF2-40B4-BE49-F238E27FC236}">
-                <a16:creationId xmlns:a16="http://schemas.microsoft.com/office/drawing/2014/main" id="{41293370-268B-7D78-369E-9391F85F2BF3}"/>
-              </a:ext>
-            </a:extLst>
-          </p:cNvPr>
-          <p:cNvSpPr>
-            <a:spLocks noGrp="1"/>
-          </p:cNvSpPr>
-          <p:nvPr>
-            <p:ph type="body" idx="1"/>
-          </p:nvPr>
-        </p:nvSpPr>
-        <p:spPr/>
-        <p:txBody>
-          <a:bodyPr/>
-          <a:lstStyle/>
-          <a:p>
-            <a:endParaRPr lang="de-DE"/>
-          </a:p>
-        </p:txBody>
-      </p:sp>
-      <p:sp>
-        <p:nvSpPr>
-          <p:cNvPr id="4" name="Foliennummernplatzhalter 3">
-            <a:extLst>
-              <a:ext uri="{FF2B5EF4-FFF2-40B4-BE49-F238E27FC236}">
-                <a16:creationId xmlns:a16="http://schemas.microsoft.com/office/drawing/2014/main" id="{61BA7A18-8303-D092-A087-13B90D90EB5B}"/>
-              </a:ext>
-            </a:extLst>
-          </p:cNvPr>
-          <p:cNvSpPr>
-            <a:spLocks noGrp="1"/>
-          </p:cNvSpPr>
-          <p:nvPr>
-            <p:ph type="sldNum" sz="quarter" idx="5"/>
-          </p:nvPr>
-        </p:nvSpPr>
-        <p:spPr/>
-        <p:txBody>
-          <a:bodyPr/>
-          <a:lstStyle/>
-          <a:p>
-            <a:fld id="{5EB2B633-7BEC-49A7-B3BF-92E0C7E450E6}" type="slidenum">
-              <a:rPr lang="de-DE" altLang="de-DE" smtClean="0"/>
-              <a:pPr/>
-              <a:t>28</a:t>
-            </a:fld>
-            <a:endParaRPr lang="de-DE" altLang="de-DE"/>
-          </a:p>
-        </p:txBody>
-      </p:sp>
-    </p:spTree>
-    <p:extLst>
-      <p:ext uri="{BB962C8B-B14F-4D97-AF65-F5344CB8AC3E}">
-        <p14:creationId xmlns:p14="http://schemas.microsoft.com/office/powerpoint/2010/main" val="4256571671"/>
       </p:ext>
     </p:extLst>
   </p:cSld>
@@ -9435,13 +9325,34 @@
             <a:lstStyle/>
             <a:p>
               <a:r>
-                <a:rPr lang="de-DE" b="1">
+                <a:rPr lang="de-DE" b="1" dirty="0" err="1">
                   <a:solidFill>
                     <a:schemeClr val="accent1"/>
                   </a:solidFill>
                 </a:rPr>
-                <a:t>Req-ID:</a:t>
-              </a:r>
+                <a:t>Req</a:t>
+              </a:r>
+              <a:r>
+                <a:rPr lang="de-DE" b="1" dirty="0">
+                  <a:solidFill>
+                    <a:schemeClr val="accent1"/>
+                  </a:solidFill>
+                </a:rPr>
+                <a:t>-ID: </a:t>
+              </a:r>
+              <a:r>
+                <a:rPr lang="de-DE" dirty="0">
+                  <a:solidFill>
+                    <a:schemeClr val="tx1"/>
+                  </a:solidFill>
+                </a:rPr>
+                <a:t>9</a:t>
+              </a:r>
+              <a:endParaRPr lang="de-DE" b="1" dirty="0">
+                <a:solidFill>
+                  <a:schemeClr val="accent1"/>
+                </a:solidFill>
+              </a:endParaRPr>
             </a:p>
           </p:txBody>
         </p:sp>
@@ -9759,24 +9670,32 @@
             <a:lstStyle/>
             <a:p>
               <a:r>
-                <a:rPr lang="de-DE" b="1">
+                <a:rPr lang="de-DE" b="1" dirty="0" err="1">
                   <a:solidFill>
                     <a:schemeClr val="accent1"/>
                   </a:solidFill>
                 </a:rPr>
-                <a:t>Originator: </a:t>
-              </a:r>
-              <a:r>
-                <a:rPr lang="de-DE">
+                <a:t>Originator</a:t>
+              </a:r>
+              <a:r>
+                <a:rPr lang="de-DE" b="1" dirty="0">
+                  <a:solidFill>
+                    <a:schemeClr val="accent1"/>
+                  </a:solidFill>
+                </a:rPr>
+                <a:t>: </a:t>
+              </a:r>
+              <a:r>
+                <a:rPr lang="de-DE" dirty="0">
                   <a:solidFill>
                     <a:schemeClr val="tx1"/>
                   </a:solidFill>
                 </a:rPr>
-                <a:t>Anforderungsbeschreibung, S. 4 </a:t>
-              </a:r>
-            </a:p>
-            <a:p>
-              <a:endParaRPr lang="de-DE"/>
+                <a:t>Kundinnen</a:t>
+              </a:r>
+            </a:p>
+            <a:p>
+              <a:endParaRPr lang="de-DE" dirty="0"/>
             </a:p>
           </p:txBody>
         </p:sp>
@@ -10226,9 +10145,9 @@
         <p:grpSpPr>
           <a:xfrm>
             <a:off x="176530" y="1014171"/>
-            <a:ext cx="11823383" cy="369332"/>
+            <a:ext cx="11823383" cy="646331"/>
             <a:chOff x="176530" y="1113153"/>
-            <a:chExt cx="11823383" cy="369332"/>
+            <a:chExt cx="11823383" cy="646331"/>
           </a:xfrm>
         </p:grpSpPr>
         <p:sp>
@@ -10273,13 +10192,34 @@
             <a:lstStyle/>
             <a:p>
               <a:r>
-                <a:rPr lang="de-DE" b="1">
+                <a:rPr lang="de-DE" b="1" dirty="0" err="1">
                   <a:solidFill>
                     <a:schemeClr val="accent1"/>
                   </a:solidFill>
                 </a:rPr>
-                <a:t>Req-ID:</a:t>
-              </a:r>
+                <a:t>Req</a:t>
+              </a:r>
+              <a:r>
+                <a:rPr lang="de-DE" b="1" dirty="0">
+                  <a:solidFill>
+                    <a:schemeClr val="accent1"/>
+                  </a:solidFill>
+                </a:rPr>
+                <a:t>-ID:</a:t>
+              </a:r>
+              <a:r>
+                <a:rPr lang="de-DE" dirty="0">
+                  <a:solidFill>
+                    <a:schemeClr val="tx1"/>
+                  </a:solidFill>
+                </a:rPr>
+                <a:t> 10</a:t>
+              </a:r>
+              <a:endParaRPr lang="de-DE" b="1" dirty="0">
+                <a:solidFill>
+                  <a:schemeClr val="accent1"/>
+                </a:solidFill>
+              </a:endParaRPr>
             </a:p>
           </p:txBody>
         </p:sp>
@@ -10358,7 +10298,7 @@
           <p:spPr>
             <a:xfrm>
               <a:off x="6096000" y="1113153"/>
-              <a:ext cx="5903913" cy="369332"/>
+              <a:ext cx="5903913" cy="646331"/>
             </a:xfrm>
             <a:prstGeom prst="rect">
               <a:avLst/>
@@ -10385,7 +10325,7 @@
             <a:lstStyle/>
             <a:p>
               <a:r>
-                <a:rPr lang="de-DE" b="1">
+                <a:rPr lang="de-DE" b="1" dirty="0">
                   <a:solidFill>
                     <a:schemeClr val="accent1"/>
                   </a:solidFill>
@@ -10393,14 +10333,14 @@
                 <a:t>Events/UC: </a:t>
               </a:r>
               <a:r>
-                <a:rPr lang="de-DE">
+                <a:rPr lang="de-DE" dirty="0">
                   <a:solidFill>
                     <a:schemeClr val="tx1"/>
                   </a:solidFill>
                 </a:rPr>
-                <a:t>.</a:t>
-              </a:r>
-              <a:endParaRPr lang="de-DE" b="1">
+                <a:t>Statistik soll beim Gesetzgeber abgegeben werden</a:t>
+              </a:r>
+              <a:endParaRPr lang="de-DE" b="1" dirty="0">
                 <a:solidFill>
                   <a:schemeClr val="accent1"/>
                 </a:solidFill>
@@ -10597,24 +10537,32 @@
             <a:lstStyle/>
             <a:p>
               <a:r>
-                <a:rPr lang="de-DE" b="1">
+                <a:rPr lang="de-DE" b="1" dirty="0" err="1">
                   <a:solidFill>
                     <a:schemeClr val="accent1"/>
                   </a:solidFill>
                 </a:rPr>
-                <a:t>Originator: </a:t>
-              </a:r>
-              <a:r>
-                <a:rPr lang="de-DE">
+                <a:t>Originator</a:t>
+              </a:r>
+              <a:r>
+                <a:rPr lang="de-DE" b="1" dirty="0">
+                  <a:solidFill>
+                    <a:schemeClr val="accent1"/>
+                  </a:solidFill>
+                </a:rPr>
+                <a:t>: </a:t>
+              </a:r>
+              <a:r>
+                <a:rPr lang="de-DE" dirty="0">
                   <a:solidFill>
                     <a:schemeClr val="tx1"/>
                   </a:solidFill>
                 </a:rPr>
-                <a:t>Anforderungsbeschreibung, S. 3 </a:t>
-              </a:r>
-            </a:p>
-            <a:p>
-              <a:endParaRPr lang="de-DE"/>
+                <a:t>Kundinnen</a:t>
+              </a:r>
+            </a:p>
+            <a:p>
+              <a:endParaRPr lang="de-DE" dirty="0"/>
             </a:p>
           </p:txBody>
         </p:sp>
@@ -11117,13 +11065,34 @@
             <a:lstStyle/>
             <a:p>
               <a:r>
-                <a:rPr lang="de-DE" b="1">
+                <a:rPr lang="de-DE" b="1" dirty="0" err="1">
                   <a:solidFill>
                     <a:schemeClr val="accent1"/>
                   </a:solidFill>
                 </a:rPr>
-                <a:t>Req-ID:</a:t>
-              </a:r>
+                <a:t>Req</a:t>
+              </a:r>
+              <a:r>
+                <a:rPr lang="de-DE" b="1" dirty="0">
+                  <a:solidFill>
+                    <a:schemeClr val="accent1"/>
+                  </a:solidFill>
+                </a:rPr>
+                <a:t>-ID:</a:t>
+              </a:r>
+              <a:r>
+                <a:rPr lang="de-DE" dirty="0">
+                  <a:solidFill>
+                    <a:schemeClr val="tx1"/>
+                  </a:solidFill>
+                </a:rPr>
+                <a:t> 11</a:t>
+              </a:r>
+              <a:endParaRPr lang="de-DE" b="1" dirty="0">
+                <a:solidFill>
+                  <a:schemeClr val="accent1"/>
+                </a:solidFill>
+              </a:endParaRPr>
             </a:p>
           </p:txBody>
         </p:sp>
@@ -11376,7 +11345,7 @@
             <a:lstStyle/>
             <a:p>
               <a:r>
-                <a:rPr lang="de-DE" b="1">
+                <a:rPr lang="de-DE" b="1" dirty="0">
                   <a:solidFill>
                     <a:schemeClr val="accent1"/>
                   </a:solidFill>
@@ -11384,16 +11353,16 @@
                 <a:t>Rationale: </a:t>
               </a:r>
               <a:r>
-                <a:rPr lang="de-DE">
+                <a:rPr lang="de-DE" dirty="0">
                   <a:solidFill>
                     <a:schemeClr val="tx1"/>
                   </a:solidFill>
                 </a:rPr>
-                <a:t>Statistiken, die erfahrungsgemäß häufig benötigt werden sollen schnell erstellt werden können.</a:t>
-              </a:r>
-            </a:p>
-            <a:p>
-              <a:endParaRPr lang="de-DE"/>
+                <a:t>Statistiken, die erfahrungsgemäß häufig benötigt werden, sollen schnell erstellt werden können.</a:t>
+              </a:r>
+            </a:p>
+            <a:p>
+              <a:endParaRPr lang="de-DE" dirty="0"/>
             </a:p>
           </p:txBody>
         </p:sp>
@@ -11439,24 +11408,32 @@
             <a:lstStyle/>
             <a:p>
               <a:r>
-                <a:rPr lang="de-DE" b="1">
+                <a:rPr lang="de-DE" b="1" dirty="0" err="1">
                   <a:solidFill>
                     <a:schemeClr val="accent1"/>
                   </a:solidFill>
                 </a:rPr>
-                <a:t>Originator: </a:t>
-              </a:r>
-              <a:r>
-                <a:rPr lang="de-DE">
+                <a:t>Originator</a:t>
+              </a:r>
+              <a:r>
+                <a:rPr lang="de-DE" b="1" dirty="0">
+                  <a:solidFill>
+                    <a:schemeClr val="accent1"/>
+                  </a:solidFill>
+                </a:rPr>
+                <a:t>: </a:t>
+              </a:r>
+              <a:r>
+                <a:rPr lang="de-DE" dirty="0">
                   <a:solidFill>
                     <a:schemeClr val="tx1"/>
                   </a:solidFill>
                 </a:rPr>
-                <a:t>Anforderungsbeschreibung, S. 3 </a:t>
-              </a:r>
-            </a:p>
-            <a:p>
-              <a:endParaRPr lang="de-DE"/>
+                <a:t>Kundinnen</a:t>
+              </a:r>
+            </a:p>
+            <a:p>
+              <a:endParaRPr lang="de-DE" dirty="0"/>
             </a:p>
           </p:txBody>
         </p:sp>
@@ -11955,13 +11932,34 @@
             <a:lstStyle/>
             <a:p>
               <a:r>
-                <a:rPr lang="de-DE" b="1">
+                <a:rPr lang="de-DE" b="1" dirty="0" err="1">
                   <a:solidFill>
                     <a:schemeClr val="accent1"/>
                   </a:solidFill>
                 </a:rPr>
-                <a:t>Req-ID:</a:t>
-              </a:r>
+                <a:t>Req</a:t>
+              </a:r>
+              <a:r>
+                <a:rPr lang="de-DE" b="1" dirty="0">
+                  <a:solidFill>
+                    <a:schemeClr val="accent1"/>
+                  </a:solidFill>
+                </a:rPr>
+                <a:t>-ID:</a:t>
+              </a:r>
+              <a:r>
+                <a:rPr lang="de-DE" dirty="0">
+                  <a:solidFill>
+                    <a:schemeClr val="tx1"/>
+                  </a:solidFill>
+                </a:rPr>
+                <a:t> 12</a:t>
+              </a:r>
+              <a:endParaRPr lang="de-DE" b="1" dirty="0">
+                <a:solidFill>
+                  <a:schemeClr val="accent1"/>
+                </a:solidFill>
+              </a:endParaRPr>
             </a:p>
           </p:txBody>
         </p:sp>
@@ -12279,24 +12277,32 @@
             <a:lstStyle/>
             <a:p>
               <a:r>
-                <a:rPr lang="de-DE" b="1">
+                <a:rPr lang="de-DE" b="1" dirty="0" err="1">
                   <a:solidFill>
                     <a:schemeClr val="accent1"/>
                   </a:solidFill>
                 </a:rPr>
-                <a:t>Originator: </a:t>
-              </a:r>
-              <a:r>
-                <a:rPr lang="de-DE">
+                <a:t>Originator</a:t>
+              </a:r>
+              <a:r>
+                <a:rPr lang="de-DE" b="1" dirty="0">
+                  <a:solidFill>
+                    <a:schemeClr val="accent1"/>
+                  </a:solidFill>
+                </a:rPr>
+                <a:t>: </a:t>
+              </a:r>
+              <a:r>
+                <a:rPr lang="de-DE" dirty="0">
                   <a:solidFill>
                     <a:schemeClr val="tx1"/>
                   </a:solidFill>
                 </a:rPr>
-                <a:t>Anforderungsbeschreibung, S. 3 </a:t>
-              </a:r>
-            </a:p>
-            <a:p>
-              <a:endParaRPr lang="de-DE"/>
+                <a:t>Kundinnen</a:t>
+              </a:r>
+            </a:p>
+            <a:p>
+              <a:endParaRPr lang="de-DE" dirty="0"/>
             </a:p>
           </p:txBody>
         </p:sp>
@@ -12795,13 +12801,34 @@
             <a:lstStyle/>
             <a:p>
               <a:r>
-                <a:rPr lang="de-DE" b="1">
+                <a:rPr lang="de-DE" b="1" dirty="0" err="1">
                   <a:solidFill>
                     <a:schemeClr val="accent1"/>
                   </a:solidFill>
                 </a:rPr>
-                <a:t>Req-ID:</a:t>
-              </a:r>
+                <a:t>Req</a:t>
+              </a:r>
+              <a:r>
+                <a:rPr lang="de-DE" b="1" dirty="0">
+                  <a:solidFill>
+                    <a:schemeClr val="accent1"/>
+                  </a:solidFill>
+                </a:rPr>
+                <a:t>-ID:</a:t>
+              </a:r>
+              <a:r>
+                <a:rPr lang="de-DE" dirty="0">
+                  <a:solidFill>
+                    <a:schemeClr val="tx1"/>
+                  </a:solidFill>
+                </a:rPr>
+                <a:t> 13</a:t>
+              </a:r>
+              <a:endParaRPr lang="de-DE" b="1" dirty="0">
+                <a:solidFill>
+                  <a:schemeClr val="accent1"/>
+                </a:solidFill>
+              </a:endParaRPr>
             </a:p>
           </p:txBody>
         </p:sp>
@@ -13119,24 +13146,32 @@
             <a:lstStyle/>
             <a:p>
               <a:r>
-                <a:rPr lang="de-DE" b="1">
+                <a:rPr lang="de-DE" b="1" dirty="0" err="1">
                   <a:solidFill>
                     <a:schemeClr val="accent1"/>
                   </a:solidFill>
                 </a:rPr>
-                <a:t>Originator: </a:t>
-              </a:r>
-              <a:r>
-                <a:rPr lang="de-DE">
+                <a:t>Originator</a:t>
+              </a:r>
+              <a:r>
+                <a:rPr lang="de-DE" b="1" dirty="0">
+                  <a:solidFill>
+                    <a:schemeClr val="accent1"/>
+                  </a:solidFill>
+                </a:rPr>
+                <a:t>: </a:t>
+              </a:r>
+              <a:r>
+                <a:rPr lang="de-DE" dirty="0">
                   <a:solidFill>
                     <a:schemeClr val="tx1"/>
                   </a:solidFill>
                 </a:rPr>
-                <a:t>Anforderungsbeschreibung, S. 3 </a:t>
-              </a:r>
-            </a:p>
-            <a:p>
-              <a:endParaRPr lang="de-DE"/>
+                <a:t>Kundinnen/Praktikumsleitung</a:t>
+              </a:r>
+            </a:p>
+            <a:p>
+              <a:endParaRPr lang="de-DE" dirty="0"/>
             </a:p>
           </p:txBody>
         </p:sp>
@@ -13637,13 +13672,34 @@
             <a:lstStyle/>
             <a:p>
               <a:r>
-                <a:rPr lang="de-DE" b="1">
+                <a:rPr lang="de-DE" b="1" dirty="0" err="1">
                   <a:solidFill>
                     <a:schemeClr val="accent1"/>
                   </a:solidFill>
                 </a:rPr>
-                <a:t>Req-ID:</a:t>
-              </a:r>
+                <a:t>Req</a:t>
+              </a:r>
+              <a:r>
+                <a:rPr lang="de-DE" b="1" dirty="0">
+                  <a:solidFill>
+                    <a:schemeClr val="accent1"/>
+                  </a:solidFill>
+                </a:rPr>
+                <a:t>-ID:</a:t>
+              </a:r>
+              <a:r>
+                <a:rPr lang="de-DE" dirty="0">
+                  <a:solidFill>
+                    <a:schemeClr val="tx1"/>
+                  </a:solidFill>
+                </a:rPr>
+                <a:t> 14</a:t>
+              </a:r>
+              <a:endParaRPr lang="de-DE" b="1" dirty="0">
+                <a:solidFill>
+                  <a:schemeClr val="accent1"/>
+                </a:solidFill>
+              </a:endParaRPr>
             </a:p>
           </p:txBody>
         </p:sp>
@@ -13689,34 +13745,29 @@
             <a:lstStyle/>
             <a:p>
               <a:r>
-                <a:rPr lang="de-DE" b="1">
+                <a:rPr lang="de-DE" b="1" dirty="0" err="1">
                   <a:solidFill>
                     <a:schemeClr val="accent1"/>
                   </a:solidFill>
                 </a:rPr>
-                <a:t>Req-Type: </a:t>
-              </a:r>
-              <a:r>
-                <a:rPr lang="de-DE">
+                <a:t>Req</a:t>
+              </a:r>
+              <a:r>
+                <a:rPr lang="de-DE" b="1" dirty="0">
+                  <a:solidFill>
+                    <a:schemeClr val="accent1"/>
+                  </a:solidFill>
+                </a:rPr>
+                <a:t>-Type: </a:t>
+              </a:r>
+              <a:r>
+                <a:rPr lang="de-DE" dirty="0">
                   <a:solidFill>
                     <a:schemeClr val="tx1"/>
                   </a:solidFill>
                 </a:rPr>
                 <a:t>Funktional</a:t>
               </a:r>
-              <a:r>
-                <a:rPr lang="de-DE">
-                  <a:solidFill>
-                    <a:srgbClr val="FF0000"/>
-                  </a:solidFill>
-                </a:rPr>
-                <a:t>??</a:t>
-              </a:r>
-              <a:endParaRPr lang="de-DE">
-                <a:solidFill>
-                  <a:schemeClr val="tx1"/>
-                </a:solidFill>
-              </a:endParaRPr>
             </a:p>
           </p:txBody>
         </p:sp>
@@ -13970,24 +14021,32 @@
             <a:lstStyle/>
             <a:p>
               <a:r>
-                <a:rPr lang="de-DE" b="1">
+                <a:rPr lang="de-DE" b="1" dirty="0" err="1">
                   <a:solidFill>
                     <a:schemeClr val="accent1"/>
                   </a:solidFill>
                 </a:rPr>
-                <a:t>Originator: </a:t>
-              </a:r>
-              <a:r>
-                <a:rPr lang="de-DE">
+                <a:t>Originator</a:t>
+              </a:r>
+              <a:r>
+                <a:rPr lang="de-DE" b="1" dirty="0">
+                  <a:solidFill>
+                    <a:schemeClr val="accent1"/>
+                  </a:solidFill>
+                </a:rPr>
+                <a:t>: </a:t>
+              </a:r>
+              <a:r>
+                <a:rPr lang="de-DE" dirty="0">
                   <a:solidFill>
                     <a:schemeClr val="tx1"/>
                   </a:solidFill>
                 </a:rPr>
-                <a:t>Anforderungsbeschreibung, S. 3 </a:t>
-              </a:r>
-            </a:p>
-            <a:p>
-              <a:endParaRPr lang="de-DE"/>
+                <a:t>Praktikumsleitung</a:t>
+              </a:r>
+            </a:p>
+            <a:p>
+              <a:endParaRPr lang="de-DE" dirty="0"/>
             </a:p>
           </p:txBody>
         </p:sp>
@@ -14033,22 +14092,54 @@
             <a:lstStyle/>
             <a:p>
               <a:r>
-                <a:rPr lang="de-DE" b="1">
+                <a:rPr lang="de-DE" b="1" dirty="0">
                   <a:solidFill>
                     <a:schemeClr val="accent1"/>
                   </a:solidFill>
                 </a:rPr>
-                <a:t>Fit Criterion: </a:t>
-              </a:r>
-              <a:r>
-                <a:rPr lang="de-DE">
+                <a:t>Fit </a:t>
+              </a:r>
+              <a:r>
+                <a:rPr lang="de-DE" b="1" dirty="0" err="1">
+                  <a:solidFill>
+                    <a:schemeClr val="accent1"/>
+                  </a:solidFill>
+                </a:rPr>
+                <a:t>Criterion</a:t>
+              </a:r>
+              <a:r>
+                <a:rPr lang="de-DE" b="1" dirty="0">
+                  <a:solidFill>
+                    <a:schemeClr val="accent1"/>
+                  </a:solidFill>
+                </a:rPr>
+                <a:t>: </a:t>
+              </a:r>
+              <a:r>
+                <a:rPr lang="de-DE" dirty="0">
                   <a:solidFill>
                     <a:schemeClr val="tx1"/>
                   </a:solidFill>
                 </a:rPr>
-                <a:t>Das System wird mit einem bestehenden Administrationskonto geliefert und es können weitere Konten über den/die Administrator:in erstellt werden.</a:t>
-              </a:r>
-              <a:endParaRPr lang="de-DE"/>
+                <a:t>Das System wird mit einem bestehenden Administrationskonto geliefert und es können weitere Konten über den/die </a:t>
+              </a:r>
+              <a:r>
+                <a:rPr lang="de-DE" dirty="0" err="1">
+                  <a:solidFill>
+                    <a:schemeClr val="tx1"/>
+                  </a:solidFill>
+                </a:rPr>
+                <a:t>Administrator:in</a:t>
+              </a:r>
+              <a:r>
+                <a:rPr lang="de-DE" dirty="0">
+                  <a:solidFill>
+                    <a:schemeClr val="tx1"/>
+                  </a:solidFill>
+                </a:rPr>
+                <a:t> erstellt werden.</a:t>
+              </a:r>
+              <a:endParaRPr lang="de-DE" dirty="0"/>
             </a:p>
           </p:txBody>
         </p:sp>
@@ -14486,13 +14577,34 @@
             <a:lstStyle/>
             <a:p>
               <a:r>
-                <a:rPr lang="de-DE" b="1">
+                <a:rPr lang="de-DE" b="1" dirty="0" err="1">
                   <a:solidFill>
                     <a:schemeClr val="accent1"/>
                   </a:solidFill>
                 </a:rPr>
-                <a:t>Req-ID:</a:t>
-              </a:r>
+                <a:t>Req</a:t>
+              </a:r>
+              <a:r>
+                <a:rPr lang="de-DE" b="1" dirty="0">
+                  <a:solidFill>
+                    <a:schemeClr val="accent1"/>
+                  </a:solidFill>
+                </a:rPr>
+                <a:t>-ID:</a:t>
+              </a:r>
+              <a:r>
+                <a:rPr lang="de-DE" dirty="0">
+                  <a:solidFill>
+                    <a:schemeClr val="tx1"/>
+                  </a:solidFill>
+                </a:rPr>
+                <a:t> 15</a:t>
+              </a:r>
+              <a:endParaRPr lang="de-DE" b="1" dirty="0">
+                <a:solidFill>
+                  <a:schemeClr val="accent1"/>
+                </a:solidFill>
+              </a:endParaRPr>
             </a:p>
           </p:txBody>
         </p:sp>
@@ -14808,24 +14920,32 @@
             <a:lstStyle/>
             <a:p>
               <a:r>
-                <a:rPr lang="de-DE" b="1">
+                <a:rPr lang="de-DE" b="1" dirty="0" err="1">
                   <a:solidFill>
                     <a:schemeClr val="accent1"/>
                   </a:solidFill>
                 </a:rPr>
-                <a:t>Originator: </a:t>
-              </a:r>
-              <a:r>
-                <a:rPr lang="de-DE">
+                <a:t>Originator</a:t>
+              </a:r>
+              <a:r>
+                <a:rPr lang="de-DE" b="1" dirty="0">
+                  <a:solidFill>
+                    <a:schemeClr val="accent1"/>
+                  </a:solidFill>
+                </a:rPr>
+                <a:t>: </a:t>
+              </a:r>
+              <a:r>
+                <a:rPr lang="de-DE" dirty="0">
                   <a:solidFill>
                     <a:schemeClr val="tx1"/>
                   </a:solidFill>
                 </a:rPr>
-                <a:t>Anforderungsbeschreibung, S. 3 </a:t>
-              </a:r>
-            </a:p>
-            <a:p>
-              <a:endParaRPr lang="de-DE"/>
+                <a:t>Kundinnen/Praktikumsleitung</a:t>
+              </a:r>
+            </a:p>
+            <a:p>
+              <a:endParaRPr lang="de-DE" dirty="0"/>
             </a:p>
           </p:txBody>
         </p:sp>
@@ -15326,13 +15446,34 @@
             <a:lstStyle/>
             <a:p>
               <a:r>
-                <a:rPr lang="de-DE" b="1">
+                <a:rPr lang="de-DE" b="1" dirty="0" err="1">
                   <a:solidFill>
                     <a:schemeClr val="accent1"/>
                   </a:solidFill>
                 </a:rPr>
-                <a:t>Req-ID:</a:t>
-              </a:r>
+                <a:t>Req</a:t>
+              </a:r>
+              <a:r>
+                <a:rPr lang="de-DE" b="1" dirty="0">
+                  <a:solidFill>
+                    <a:schemeClr val="accent1"/>
+                  </a:solidFill>
+                </a:rPr>
+                <a:t>-ID: </a:t>
+              </a:r>
+              <a:r>
+                <a:rPr lang="de-DE" dirty="0">
+                  <a:solidFill>
+                    <a:schemeClr val="tx1"/>
+                  </a:solidFill>
+                </a:rPr>
+                <a:t>16</a:t>
+              </a:r>
+              <a:endParaRPr lang="de-DE" b="1" dirty="0">
+                <a:solidFill>
+                  <a:schemeClr val="accent1"/>
+                </a:solidFill>
+              </a:endParaRPr>
             </a:p>
           </p:txBody>
         </p:sp>
@@ -15646,24 +15787,32 @@
             <a:lstStyle/>
             <a:p>
               <a:r>
-                <a:rPr lang="de-DE" b="1">
+                <a:rPr lang="de-DE" b="1" dirty="0" err="1">
                   <a:solidFill>
                     <a:schemeClr val="accent1"/>
                   </a:solidFill>
                 </a:rPr>
-                <a:t>Originator: </a:t>
-              </a:r>
-              <a:r>
-                <a:rPr lang="de-DE">
+                <a:t>Originator</a:t>
+              </a:r>
+              <a:r>
+                <a:rPr lang="de-DE" b="1" dirty="0">
+                  <a:solidFill>
+                    <a:schemeClr val="accent1"/>
+                  </a:solidFill>
+                </a:rPr>
+                <a:t>: </a:t>
+              </a:r>
+              <a:r>
+                <a:rPr lang="de-DE" dirty="0">
                   <a:solidFill>
                     <a:schemeClr val="tx1"/>
                   </a:solidFill>
                 </a:rPr>
-                <a:t>Anforderungsbeschreibung, S. 3 </a:t>
-              </a:r>
-            </a:p>
-            <a:p>
-              <a:endParaRPr lang="de-DE"/>
+                <a:t>Kundinnen/Praktikumsleitung</a:t>
+              </a:r>
+            </a:p>
+            <a:p>
+              <a:endParaRPr lang="de-DE" dirty="0"/>
             </a:p>
           </p:txBody>
         </p:sp>
@@ -16164,13 +16313,34 @@
             <a:lstStyle/>
             <a:p>
               <a:r>
-                <a:rPr lang="de-DE" b="1">
+                <a:rPr lang="de-DE" b="1" dirty="0" err="1">
                   <a:solidFill>
                     <a:schemeClr val="accent1"/>
                   </a:solidFill>
                 </a:rPr>
-                <a:t>Req-ID:</a:t>
-              </a:r>
+                <a:t>Req</a:t>
+              </a:r>
+              <a:r>
+                <a:rPr lang="de-DE" b="1" dirty="0">
+                  <a:solidFill>
+                    <a:schemeClr val="accent1"/>
+                  </a:solidFill>
+                </a:rPr>
+                <a:t>-ID:</a:t>
+              </a:r>
+              <a:r>
+                <a:rPr lang="de-DE" dirty="0">
+                  <a:solidFill>
+                    <a:schemeClr val="tx1"/>
+                  </a:solidFill>
+                </a:rPr>
+                <a:t> 17</a:t>
+              </a:r>
+              <a:endParaRPr lang="de-DE" b="1" dirty="0">
+                <a:solidFill>
+                  <a:schemeClr val="accent1"/>
+                </a:solidFill>
+              </a:endParaRPr>
             </a:p>
           </p:txBody>
         </p:sp>
@@ -16486,24 +16656,32 @@
             <a:lstStyle/>
             <a:p>
               <a:r>
-                <a:rPr lang="de-DE" b="1">
+                <a:rPr lang="de-DE" b="1" dirty="0" err="1">
                   <a:solidFill>
                     <a:schemeClr val="accent1"/>
                   </a:solidFill>
                 </a:rPr>
-                <a:t>Originator: </a:t>
-              </a:r>
-              <a:r>
-                <a:rPr lang="de-DE">
+                <a:t>Originator</a:t>
+              </a:r>
+              <a:r>
+                <a:rPr lang="de-DE" b="1" dirty="0">
+                  <a:solidFill>
+                    <a:schemeClr val="accent1"/>
+                  </a:solidFill>
+                </a:rPr>
+                <a:t>: </a:t>
+              </a:r>
+              <a:r>
+                <a:rPr lang="de-DE" dirty="0">
                   <a:solidFill>
                     <a:schemeClr val="tx1"/>
                   </a:solidFill>
                 </a:rPr>
-                <a:t>Anforderungsbeschreibung, S. 3 </a:t>
-              </a:r>
-            </a:p>
-            <a:p>
-              <a:endParaRPr lang="de-DE"/>
+                <a:t>Kundinnen/Praktikumsleitung</a:t>
+              </a:r>
+            </a:p>
+            <a:p>
+              <a:endParaRPr lang="de-DE" dirty="0"/>
             </a:p>
           </p:txBody>
         </p:sp>
@@ -17002,13 +17180,34 @@
             <a:lstStyle/>
             <a:p>
               <a:r>
-                <a:rPr lang="de-DE" b="1">
+                <a:rPr lang="de-DE" b="1" dirty="0" err="1">
                   <a:solidFill>
                     <a:schemeClr val="accent1"/>
                   </a:solidFill>
                 </a:rPr>
-                <a:t>Req-ID:</a:t>
-              </a:r>
+                <a:t>Req</a:t>
+              </a:r>
+              <a:r>
+                <a:rPr lang="de-DE" b="1" dirty="0">
+                  <a:solidFill>
+                    <a:schemeClr val="accent1"/>
+                  </a:solidFill>
+                </a:rPr>
+                <a:t>-ID: </a:t>
+              </a:r>
+              <a:r>
+                <a:rPr lang="de-DE" dirty="0">
+                  <a:solidFill>
+                    <a:schemeClr val="tx1"/>
+                  </a:solidFill>
+                </a:rPr>
+                <a:t>18</a:t>
+              </a:r>
+              <a:endParaRPr lang="de-DE" b="1" dirty="0">
+                <a:solidFill>
+                  <a:schemeClr val="accent1"/>
+                </a:solidFill>
+              </a:endParaRPr>
             </a:p>
           </p:txBody>
         </p:sp>
@@ -17318,24 +17517,32 @@
             <a:lstStyle/>
             <a:p>
               <a:r>
-                <a:rPr lang="de-DE" b="1">
+                <a:rPr lang="de-DE" b="1" dirty="0" err="1">
                   <a:solidFill>
                     <a:schemeClr val="accent1"/>
                   </a:solidFill>
                 </a:rPr>
-                <a:t>Originator: </a:t>
-              </a:r>
-              <a:r>
-                <a:rPr lang="de-DE">
+                <a:t>Originator</a:t>
+              </a:r>
+              <a:r>
+                <a:rPr lang="de-DE" b="1" dirty="0">
+                  <a:solidFill>
+                    <a:schemeClr val="accent1"/>
+                  </a:solidFill>
+                </a:rPr>
+                <a:t>: </a:t>
+              </a:r>
+              <a:r>
+                <a:rPr lang="de-DE" dirty="0">
                   <a:solidFill>
                     <a:schemeClr val="tx1"/>
                   </a:solidFill>
                 </a:rPr>
-                <a:t>Anforderungsbeschreibung, S. 3 </a:t>
-              </a:r>
-            </a:p>
-            <a:p>
-              <a:endParaRPr lang="de-DE"/>
+                <a:t>Praktikumsleitung</a:t>
+              </a:r>
+            </a:p>
+            <a:p>
+              <a:endParaRPr lang="de-DE" dirty="0"/>
             </a:p>
           </p:txBody>
         </p:sp>
@@ -17824,13 +18031,34 @@
             <a:lstStyle/>
             <a:p>
               <a:r>
-                <a:rPr lang="de-DE" b="1">
+                <a:rPr lang="de-DE" b="1" dirty="0" err="1">
                   <a:solidFill>
                     <a:schemeClr val="accent1"/>
                   </a:solidFill>
                 </a:rPr>
-                <a:t>Req-ID:</a:t>
-              </a:r>
+                <a:t>Req</a:t>
+              </a:r>
+              <a:r>
+                <a:rPr lang="de-DE" b="1" dirty="0">
+                  <a:solidFill>
+                    <a:schemeClr val="accent1"/>
+                  </a:solidFill>
+                </a:rPr>
+                <a:t>-ID: </a:t>
+              </a:r>
+              <a:r>
+                <a:rPr lang="de-DE" dirty="0">
+                  <a:solidFill>
+                    <a:schemeClr val="tx1"/>
+                  </a:solidFill>
+                </a:rPr>
+                <a:t>1</a:t>
+              </a:r>
+              <a:endParaRPr lang="de-DE" b="1" dirty="0">
+                <a:solidFill>
+                  <a:schemeClr val="accent1"/>
+                </a:solidFill>
+              </a:endParaRPr>
             </a:p>
           </p:txBody>
         </p:sp>
@@ -17876,15 +18104,23 @@
             <a:lstStyle/>
             <a:p>
               <a:r>
-                <a:rPr lang="de-DE" b="1">
+                <a:rPr lang="de-DE" b="1" dirty="0" err="1">
                   <a:solidFill>
                     <a:schemeClr val="accent1"/>
                   </a:solidFill>
                 </a:rPr>
-                <a:t>Req-Type: </a:t>
-              </a:r>
-              <a:r>
-                <a:rPr lang="de-DE">
+                <a:t>Req</a:t>
+              </a:r>
+              <a:r>
+                <a:rPr lang="de-DE" b="1" dirty="0">
+                  <a:solidFill>
+                    <a:schemeClr val="accent1"/>
+                  </a:solidFill>
+                </a:rPr>
+                <a:t>-Type: </a:t>
+              </a:r>
+              <a:r>
+                <a:rPr lang="de-DE" dirty="0">
                   <a:solidFill>
                     <a:schemeClr val="tx1"/>
                   </a:solidFill>
@@ -18142,20 +18378,33 @@
             <a:lstStyle/>
             <a:p>
               <a:r>
-                <a:rPr lang="de-DE" b="1">
+                <a:rPr lang="de-DE" b="1" dirty="0" err="1">
                   <a:solidFill>
                     <a:schemeClr val="accent1"/>
                   </a:solidFill>
                 </a:rPr>
-                <a:t>Originator: </a:t>
-              </a:r>
-              <a:r>
-                <a:rPr lang="de-DE"/>
-                <a:t>Anforderungsbeschreibung, S. 2-3</a:t>
-              </a:r>
-            </a:p>
-            <a:p>
-              <a:endParaRPr lang="de-DE"/>
+                <a:t>Originator</a:t>
+              </a:r>
+              <a:r>
+                <a:rPr lang="de-DE" b="1" dirty="0">
+                  <a:solidFill>
+                    <a:schemeClr val="accent1"/>
+                  </a:solidFill>
+                </a:rPr>
+                <a:t>: </a:t>
+              </a:r>
+              <a:r>
+                <a:rPr lang="de-DE" dirty="0">
+                  <a:solidFill>
+                    <a:schemeClr val="tx1"/>
+                  </a:solidFill>
+                </a:rPr>
+                <a:t>Kundinnen</a:t>
+              </a:r>
+              <a:endParaRPr lang="de-DE" dirty="0"/>
+            </a:p>
+            <a:p>
+              <a:endParaRPr lang="de-DE" dirty="0"/>
             </a:p>
           </p:txBody>
         </p:sp>
@@ -18649,13 +18898,34 @@
             <a:lstStyle/>
             <a:p>
               <a:r>
-                <a:rPr lang="de-DE" b="1">
+                <a:rPr lang="de-DE" b="1" dirty="0" err="1">
                   <a:solidFill>
                     <a:schemeClr val="accent1"/>
                   </a:solidFill>
                 </a:rPr>
-                <a:t>Req-ID:</a:t>
-              </a:r>
+                <a:t>Req</a:t>
+              </a:r>
+              <a:r>
+                <a:rPr lang="de-DE" b="1" dirty="0">
+                  <a:solidFill>
+                    <a:schemeClr val="accent1"/>
+                  </a:solidFill>
+                </a:rPr>
+                <a:t>-ID:</a:t>
+              </a:r>
+              <a:r>
+                <a:rPr lang="de-DE" dirty="0">
+                  <a:solidFill>
+                    <a:schemeClr val="tx1"/>
+                  </a:solidFill>
+                </a:rPr>
+                <a:t> 19</a:t>
+              </a:r>
+              <a:endParaRPr lang="de-DE" b="1" dirty="0">
+                <a:solidFill>
+                  <a:schemeClr val="accent1"/>
+                </a:solidFill>
+              </a:endParaRPr>
             </a:p>
           </p:txBody>
         </p:sp>
@@ -18965,24 +19235,32 @@
             <a:lstStyle/>
             <a:p>
               <a:r>
-                <a:rPr lang="de-DE" b="1">
+                <a:rPr lang="de-DE" b="1" dirty="0" err="1">
                   <a:solidFill>
                     <a:schemeClr val="accent1"/>
                   </a:solidFill>
                 </a:rPr>
-                <a:t>Originator: </a:t>
-              </a:r>
-              <a:r>
-                <a:rPr lang="de-DE">
+                <a:t>Originator</a:t>
+              </a:r>
+              <a:r>
+                <a:rPr lang="de-DE" b="1" dirty="0">
+                  <a:solidFill>
+                    <a:schemeClr val="accent1"/>
+                  </a:solidFill>
+                </a:rPr>
+                <a:t>: </a:t>
+              </a:r>
+              <a:r>
+                <a:rPr lang="de-DE" dirty="0">
                   <a:solidFill>
                     <a:schemeClr val="tx1"/>
                   </a:solidFill>
                 </a:rPr>
-                <a:t>Anforderungsbeschreibung, S. 3 </a:t>
-              </a:r>
-            </a:p>
-            <a:p>
-              <a:endParaRPr lang="de-DE"/>
+                <a:t>Praktikumsleitung</a:t>
+              </a:r>
+            </a:p>
+            <a:p>
+              <a:endParaRPr lang="de-DE" dirty="0"/>
             </a:p>
           </p:txBody>
         </p:sp>
@@ -19483,13 +19761,34 @@
             <a:lstStyle/>
             <a:p>
               <a:r>
-                <a:rPr lang="de-DE" b="1">
+                <a:rPr lang="de-DE" b="1" dirty="0" err="1">
                   <a:solidFill>
                     <a:schemeClr val="accent1"/>
                   </a:solidFill>
                 </a:rPr>
-                <a:t>Req-ID:</a:t>
-              </a:r>
+                <a:t>Req</a:t>
+              </a:r>
+              <a:r>
+                <a:rPr lang="de-DE" b="1" dirty="0">
+                  <a:solidFill>
+                    <a:schemeClr val="accent1"/>
+                  </a:solidFill>
+                </a:rPr>
+                <a:t>-ID:</a:t>
+              </a:r>
+              <a:r>
+                <a:rPr lang="de-DE" dirty="0">
+                  <a:solidFill>
+                    <a:schemeClr val="tx1"/>
+                  </a:solidFill>
+                </a:rPr>
+                <a:t> 20</a:t>
+              </a:r>
+              <a:endParaRPr lang="de-DE" b="1" dirty="0">
+                <a:solidFill>
+                  <a:schemeClr val="accent1"/>
+                </a:solidFill>
+              </a:endParaRPr>
             </a:p>
           </p:txBody>
         </p:sp>
@@ -19595,14 +19894,38 @@
             <a:lstStyle/>
             <a:p>
               <a:r>
-                <a:rPr lang="de-DE" b="1">
+                <a:rPr lang="de-DE" b="1" dirty="0">
                   <a:solidFill>
                     <a:schemeClr val="accent1"/>
                   </a:solidFill>
                 </a:rPr>
                 <a:t>Events/UC:</a:t>
               </a:r>
-              <a:endParaRPr lang="de-DE">
+              <a:r>
+                <a:rPr lang="de-DE" dirty="0">
+                  <a:solidFill>
+                    <a:schemeClr val="tx1"/>
+                  </a:solidFill>
+                </a:rPr>
+                <a:t> Kundinnen wollen Programm </a:t>
+              </a:r>
+              <a:r>
+                <a:rPr lang="de-DE" dirty="0" err="1">
+                  <a:solidFill>
+                    <a:schemeClr val="tx1"/>
+                  </a:solidFill>
+                </a:rPr>
+                <a:t>instalieren</a:t>
+              </a:r>
+              <a:r>
+                <a:rPr lang="de-DE" dirty="0">
+                  <a:solidFill>
+                    <a:schemeClr val="tx1"/>
+                  </a:solidFill>
+                </a:rPr>
+                <a:t>/nutzen</a:t>
+              </a:r>
+              <a:endParaRPr lang="de-DE" dirty="0">
                 <a:solidFill>
                   <a:schemeClr val="accent1"/>
                 </a:solidFill>
@@ -19799,24 +20122,32 @@
             <a:lstStyle/>
             <a:p>
               <a:r>
-                <a:rPr lang="de-DE" b="1">
+                <a:rPr lang="de-DE" b="1" dirty="0" err="1">
                   <a:solidFill>
                     <a:schemeClr val="accent1"/>
                   </a:solidFill>
                 </a:rPr>
-                <a:t>Originator: </a:t>
-              </a:r>
-              <a:r>
-                <a:rPr lang="de-DE">
+                <a:t>Originator</a:t>
+              </a:r>
+              <a:r>
+                <a:rPr lang="de-DE" b="1" dirty="0">
+                  <a:solidFill>
+                    <a:schemeClr val="accent1"/>
+                  </a:solidFill>
+                </a:rPr>
+                <a:t>: </a:t>
+              </a:r>
+              <a:r>
+                <a:rPr lang="de-DE" dirty="0">
                   <a:solidFill>
                     <a:schemeClr val="tx1"/>
                   </a:solidFill>
                 </a:rPr>
-                <a:t>Anforderungsbeschreibung, S. 4 </a:t>
-              </a:r>
-            </a:p>
-            <a:p>
-              <a:endParaRPr lang="de-DE"/>
+                <a:t>Praktikumsleitung</a:t>
+              </a:r>
+            </a:p>
+            <a:p>
+              <a:endParaRPr lang="de-DE" dirty="0"/>
             </a:p>
           </p:txBody>
         </p:sp>
@@ -20317,13 +20648,34 @@
             <a:lstStyle/>
             <a:p>
               <a:r>
-                <a:rPr lang="de-DE" b="1">
+                <a:rPr lang="de-DE" b="1" dirty="0" err="1">
                   <a:solidFill>
                     <a:schemeClr val="accent1"/>
                   </a:solidFill>
                 </a:rPr>
-                <a:t>Req-ID:</a:t>
-              </a:r>
+                <a:t>Req</a:t>
+              </a:r>
+              <a:r>
+                <a:rPr lang="de-DE" b="1" dirty="0">
+                  <a:solidFill>
+                    <a:schemeClr val="accent1"/>
+                  </a:solidFill>
+                </a:rPr>
+                <a:t>-ID:</a:t>
+              </a:r>
+              <a:r>
+                <a:rPr lang="de-DE" dirty="0">
+                  <a:solidFill>
+                    <a:schemeClr val="tx1"/>
+                  </a:solidFill>
+                </a:rPr>
+                <a:t> 21</a:t>
+              </a:r>
+              <a:endParaRPr lang="de-DE" b="1" dirty="0">
+                <a:solidFill>
+                  <a:schemeClr val="accent1"/>
+                </a:solidFill>
+              </a:endParaRPr>
             </a:p>
           </p:txBody>
         </p:sp>
@@ -20641,24 +20993,32 @@
             <a:lstStyle/>
             <a:p>
               <a:r>
-                <a:rPr lang="de-DE" b="1">
+                <a:rPr lang="de-DE" b="1" dirty="0" err="1">
                   <a:solidFill>
                     <a:schemeClr val="accent1"/>
                   </a:solidFill>
                 </a:rPr>
-                <a:t>Originator: </a:t>
-              </a:r>
-              <a:r>
-                <a:rPr lang="de-DE">
+                <a:t>Originator</a:t>
+              </a:r>
+              <a:r>
+                <a:rPr lang="de-DE" b="1" dirty="0">
+                  <a:solidFill>
+                    <a:schemeClr val="accent1"/>
+                  </a:solidFill>
+                </a:rPr>
+                <a:t>: </a:t>
+              </a:r>
+              <a:r>
+                <a:rPr lang="de-DE" dirty="0">
                   <a:solidFill>
                     <a:schemeClr val="tx1"/>
                   </a:solidFill>
                 </a:rPr>
-                <a:t>Anforderungsbeschreibung, S. 4 </a:t>
-              </a:r>
-            </a:p>
-            <a:p>
-              <a:endParaRPr lang="de-DE"/>
+                <a:t>Praktikumsleitung</a:t>
+              </a:r>
+            </a:p>
+            <a:p>
+              <a:endParaRPr lang="de-DE" dirty="0"/>
             </a:p>
           </p:txBody>
         </p:sp>
@@ -21159,13 +21519,34 @@
             <a:lstStyle/>
             <a:p>
               <a:r>
-                <a:rPr lang="de-DE" b="1">
+                <a:rPr lang="de-DE" b="1" dirty="0" err="1">
                   <a:solidFill>
                     <a:schemeClr val="accent1"/>
                   </a:solidFill>
                 </a:rPr>
-                <a:t>Req-ID:</a:t>
-              </a:r>
+                <a:t>Req</a:t>
+              </a:r>
+              <a:r>
+                <a:rPr lang="de-DE" b="1" dirty="0">
+                  <a:solidFill>
+                    <a:schemeClr val="accent1"/>
+                  </a:solidFill>
+                </a:rPr>
+                <a:t>-ID:</a:t>
+              </a:r>
+              <a:r>
+                <a:rPr lang="de-DE" dirty="0">
+                  <a:solidFill>
+                    <a:schemeClr val="tx1"/>
+                  </a:solidFill>
+                </a:rPr>
+                <a:t> 22</a:t>
+              </a:r>
+              <a:endParaRPr lang="de-DE" b="1" dirty="0">
+                <a:solidFill>
+                  <a:schemeClr val="accent1"/>
+                </a:solidFill>
+              </a:endParaRPr>
             </a:p>
           </p:txBody>
         </p:sp>
@@ -21481,24 +21862,32 @@
             <a:lstStyle/>
             <a:p>
               <a:r>
-                <a:rPr lang="de-DE" b="1">
+                <a:rPr lang="de-DE" b="1" dirty="0" err="1">
                   <a:solidFill>
                     <a:schemeClr val="accent1"/>
                   </a:solidFill>
                 </a:rPr>
-                <a:t>Originator: </a:t>
-              </a:r>
-              <a:r>
-                <a:rPr lang="de-DE">
+                <a:t>Originator</a:t>
+              </a:r>
+              <a:r>
+                <a:rPr lang="de-DE" b="1" dirty="0">
+                  <a:solidFill>
+                    <a:schemeClr val="accent1"/>
+                  </a:solidFill>
+                </a:rPr>
+                <a:t>: </a:t>
+              </a:r>
+              <a:r>
+                <a:rPr lang="de-DE" dirty="0">
                   <a:solidFill>
                     <a:schemeClr val="tx1"/>
                   </a:solidFill>
                 </a:rPr>
-                <a:t>Anforderungsbeschreibung, S. 4 </a:t>
-              </a:r>
-            </a:p>
-            <a:p>
-              <a:endParaRPr lang="de-DE"/>
+                <a:t>Praktikumsleitung</a:t>
+              </a:r>
+            </a:p>
+            <a:p>
+              <a:endParaRPr lang="de-DE" dirty="0"/>
             </a:p>
           </p:txBody>
         </p:sp>
@@ -21999,13 +22388,34 @@
             <a:lstStyle/>
             <a:p>
               <a:r>
-                <a:rPr lang="de-DE" b="1">
+                <a:rPr lang="de-DE" b="1" dirty="0" err="1">
                   <a:solidFill>
                     <a:schemeClr val="accent1"/>
                   </a:solidFill>
                 </a:rPr>
-                <a:t>Req-ID:</a:t>
-              </a:r>
+                <a:t>Req</a:t>
+              </a:r>
+              <a:r>
+                <a:rPr lang="de-DE" b="1" dirty="0">
+                  <a:solidFill>
+                    <a:schemeClr val="accent1"/>
+                  </a:solidFill>
+                </a:rPr>
+                <a:t>-ID:</a:t>
+              </a:r>
+              <a:r>
+                <a:rPr lang="de-DE" dirty="0">
+                  <a:solidFill>
+                    <a:schemeClr val="tx1"/>
+                  </a:solidFill>
+                </a:rPr>
+                <a:t> 23</a:t>
+              </a:r>
+              <a:endParaRPr lang="de-DE" b="1" dirty="0">
+                <a:solidFill>
+                  <a:schemeClr val="accent1"/>
+                </a:solidFill>
+              </a:endParaRPr>
             </a:p>
           </p:txBody>
         </p:sp>
@@ -22321,24 +22731,32 @@
             <a:lstStyle/>
             <a:p>
               <a:r>
-                <a:rPr lang="de-DE" b="1">
+                <a:rPr lang="de-DE" b="1" dirty="0" err="1">
                   <a:solidFill>
                     <a:schemeClr val="accent1"/>
                   </a:solidFill>
                 </a:rPr>
-                <a:t>Originator: </a:t>
-              </a:r>
-              <a:r>
-                <a:rPr lang="de-DE">
+                <a:t>Originator</a:t>
+              </a:r>
+              <a:r>
+                <a:rPr lang="de-DE" b="1" dirty="0">
+                  <a:solidFill>
+                    <a:schemeClr val="accent1"/>
+                  </a:solidFill>
+                </a:rPr>
+                <a:t>: </a:t>
+              </a:r>
+              <a:r>
+                <a:rPr lang="de-DE" dirty="0">
                   <a:solidFill>
                     <a:schemeClr val="tx1"/>
                   </a:solidFill>
                 </a:rPr>
-                <a:t>Anforderungsbeschreibung, S. 4 </a:t>
-              </a:r>
-            </a:p>
-            <a:p>
-              <a:endParaRPr lang="de-DE"/>
+                <a:t>Gruppe</a:t>
+              </a:r>
+            </a:p>
+            <a:p>
+              <a:endParaRPr lang="de-DE" dirty="0"/>
             </a:p>
           </p:txBody>
         </p:sp>
@@ -22526,13 +22944,42 @@
             <a:lstStyle/>
             <a:p>
               <a:r>
-                <a:rPr lang="de-DE" b="1">
+                <a:rPr lang="de-DE" b="1" dirty="0">
                   <a:solidFill>
                     <a:schemeClr val="accent1"/>
                   </a:solidFill>
                 </a:rPr>
-                <a:t>Customer Satisfaction:</a:t>
-              </a:r>
+                <a:t>Customer </a:t>
+              </a:r>
+              <a:r>
+                <a:rPr lang="de-DE" b="1" dirty="0" err="1">
+                  <a:solidFill>
+                    <a:schemeClr val="accent1"/>
+                  </a:solidFill>
+                </a:rPr>
+                <a:t>Satisfaction</a:t>
+              </a:r>
+              <a:r>
+                <a:rPr lang="de-DE" b="1" dirty="0">
+                  <a:solidFill>
+                    <a:schemeClr val="accent1"/>
+                  </a:solidFill>
+                </a:rPr>
+                <a:t>:</a:t>
+              </a:r>
+              <a:r>
+                <a:rPr lang="de-DE" dirty="0">
+                  <a:solidFill>
+                    <a:schemeClr val="tx1"/>
+                  </a:solidFill>
+                </a:rPr>
+                <a:t> high</a:t>
+              </a:r>
+              <a:endParaRPr lang="de-DE" b="1" dirty="0">
+                <a:solidFill>
+                  <a:schemeClr val="accent1"/>
+                </a:solidFill>
+              </a:endParaRPr>
             </a:p>
           </p:txBody>
         </p:sp>
@@ -22837,13 +23284,34 @@
             <a:lstStyle/>
             <a:p>
               <a:r>
-                <a:rPr lang="de-DE" b="1">
+                <a:rPr lang="de-DE" b="1" dirty="0" err="1">
                   <a:solidFill>
                     <a:schemeClr val="accent1"/>
                   </a:solidFill>
                 </a:rPr>
-                <a:t>Req-ID:</a:t>
-              </a:r>
+                <a:t>Req</a:t>
+              </a:r>
+              <a:r>
+                <a:rPr lang="de-DE" b="1" dirty="0">
+                  <a:solidFill>
+                    <a:schemeClr val="accent1"/>
+                  </a:solidFill>
+                </a:rPr>
+                <a:t>-ID:</a:t>
+              </a:r>
+              <a:r>
+                <a:rPr lang="de-DE" dirty="0">
+                  <a:solidFill>
+                    <a:schemeClr val="tx1"/>
+                  </a:solidFill>
+                </a:rPr>
+                <a:t> 24</a:t>
+              </a:r>
+              <a:endParaRPr lang="de-DE" b="1" dirty="0">
+                <a:solidFill>
+                  <a:schemeClr val="accent1"/>
+                </a:solidFill>
+              </a:endParaRPr>
             </a:p>
           </p:txBody>
         </p:sp>
@@ -23035,7 +23503,7 @@
             <a:lstStyle/>
             <a:p>
               <a:r>
-                <a:rPr lang="de-DE" b="1">
+                <a:rPr lang="de-DE" b="1" dirty="0">
                   <a:solidFill>
                     <a:schemeClr val="accent1"/>
                   </a:solidFill>
@@ -23043,16 +23511,16 @@
                 <a:t>Description: </a:t>
               </a:r>
               <a:r>
-                <a:rPr lang="de-DE">
+                <a:rPr lang="de-DE" dirty="0">
                   <a:solidFill>
                     <a:schemeClr val="tx1"/>
                   </a:solidFill>
                 </a:rPr>
-                <a:t>Seitenwechsel oder Datenabfragendürfen maximal 4 Sekunden dauern.</a:t>
-              </a:r>
-            </a:p>
-            <a:p>
-              <a:endParaRPr lang="de-DE"/>
+                <a:t>Seitenwechsel oder Datenabfragen dürfen maximal 4 Sekunden dauern.</a:t>
+              </a:r>
+            </a:p>
+            <a:p>
+              <a:endParaRPr lang="de-DE" dirty="0"/>
             </a:p>
           </p:txBody>
         </p:sp>
@@ -23161,24 +23629,32 @@
             <a:lstStyle/>
             <a:p>
               <a:r>
-                <a:rPr lang="de-DE" b="1">
+                <a:rPr lang="de-DE" b="1" dirty="0" err="1">
                   <a:solidFill>
                     <a:schemeClr val="accent1"/>
                   </a:solidFill>
                 </a:rPr>
-                <a:t>Originator: </a:t>
-              </a:r>
-              <a:r>
-                <a:rPr lang="de-DE">
+                <a:t>Originator</a:t>
+              </a:r>
+              <a:r>
+                <a:rPr lang="de-DE" b="1" dirty="0">
+                  <a:solidFill>
+                    <a:schemeClr val="accent1"/>
+                  </a:solidFill>
+                </a:rPr>
+                <a:t>: </a:t>
+              </a:r>
+              <a:r>
+                <a:rPr lang="de-DE" dirty="0">
                   <a:solidFill>
                     <a:schemeClr val="tx1"/>
                   </a:solidFill>
                 </a:rPr>
-                <a:t>implizite Anforderung an Performance</a:t>
-              </a:r>
-            </a:p>
-            <a:p>
-              <a:endParaRPr lang="de-DE"/>
+                <a:t>Gruppe </a:t>
+              </a:r>
+            </a:p>
+            <a:p>
+              <a:endParaRPr lang="de-DE" dirty="0"/>
             </a:p>
           </p:txBody>
         </p:sp>
@@ -23683,13 +24159,34 @@
             <a:lstStyle/>
             <a:p>
               <a:r>
-                <a:rPr lang="de-DE" b="1">
+                <a:rPr lang="de-DE" b="1" dirty="0" err="1">
                   <a:solidFill>
                     <a:schemeClr val="accent1"/>
                   </a:solidFill>
                 </a:rPr>
-                <a:t>Req-ID:</a:t>
-              </a:r>
+                <a:t>Req</a:t>
+              </a:r>
+              <a:r>
+                <a:rPr lang="de-DE" b="1" dirty="0">
+                  <a:solidFill>
+                    <a:schemeClr val="accent1"/>
+                  </a:solidFill>
+                </a:rPr>
+                <a:t>-ID: </a:t>
+              </a:r>
+              <a:r>
+                <a:rPr lang="de-DE" dirty="0">
+                  <a:solidFill>
+                    <a:schemeClr val="tx1"/>
+                  </a:solidFill>
+                </a:rPr>
+                <a:t>25</a:t>
+              </a:r>
+              <a:endParaRPr lang="de-DE" b="1" dirty="0">
+                <a:solidFill>
+                  <a:schemeClr val="accent1"/>
+                </a:solidFill>
+              </a:endParaRPr>
             </a:p>
           </p:txBody>
         </p:sp>
@@ -24005,24 +24502,32 @@
             <a:lstStyle/>
             <a:p>
               <a:r>
-                <a:rPr lang="de-DE" b="1">
+                <a:rPr lang="de-DE" b="1" dirty="0" err="1">
                   <a:solidFill>
                     <a:schemeClr val="accent1"/>
                   </a:solidFill>
                 </a:rPr>
-                <a:t>Originator: </a:t>
-              </a:r>
-              <a:r>
-                <a:rPr lang="de-DE">
+                <a:t>Originator</a:t>
+              </a:r>
+              <a:r>
+                <a:rPr lang="de-DE" b="1" dirty="0">
+                  <a:solidFill>
+                    <a:schemeClr val="accent1"/>
+                  </a:solidFill>
+                </a:rPr>
+                <a:t>: </a:t>
+              </a:r>
+              <a:r>
+                <a:rPr lang="de-DE" dirty="0">
                   <a:solidFill>
                     <a:schemeClr val="tx1"/>
                   </a:solidFill>
                 </a:rPr>
-                <a:t>Datenschutzanforderungen</a:t>
-              </a:r>
-            </a:p>
-            <a:p>
-              <a:endParaRPr lang="de-DE"/>
+                <a:t>Gruppe</a:t>
+              </a:r>
+            </a:p>
+            <a:p>
+              <a:endParaRPr lang="de-DE" dirty="0"/>
             </a:p>
           </p:txBody>
         </p:sp>
@@ -24523,13 +25028,34 @@
             <a:lstStyle/>
             <a:p>
               <a:r>
-                <a:rPr lang="de-DE" b="1">
+                <a:rPr lang="de-DE" b="1" dirty="0" err="1">
                   <a:solidFill>
                     <a:schemeClr val="accent1"/>
                   </a:solidFill>
                 </a:rPr>
-                <a:t>Req-ID:</a:t>
-              </a:r>
+                <a:t>Req</a:t>
+              </a:r>
+              <a:r>
+                <a:rPr lang="de-DE" b="1" dirty="0">
+                  <a:solidFill>
+                    <a:schemeClr val="accent1"/>
+                  </a:solidFill>
+                </a:rPr>
+                <a:t>-ID:</a:t>
+              </a:r>
+              <a:r>
+                <a:rPr lang="de-DE" dirty="0">
+                  <a:solidFill>
+                    <a:schemeClr val="tx1"/>
+                  </a:solidFill>
+                </a:rPr>
+                <a:t> 26</a:t>
+              </a:r>
+              <a:endParaRPr lang="de-DE" b="1" dirty="0">
+                <a:solidFill>
+                  <a:schemeClr val="accent1"/>
+                </a:solidFill>
+              </a:endParaRPr>
             </a:p>
           </p:txBody>
         </p:sp>
@@ -24847,24 +25373,32 @@
             <a:lstStyle/>
             <a:p>
               <a:r>
-                <a:rPr lang="de-DE" b="1">
+                <a:rPr lang="de-DE" b="1" dirty="0" err="1">
                   <a:solidFill>
                     <a:schemeClr val="accent1"/>
                   </a:solidFill>
                 </a:rPr>
-                <a:t>Originator: </a:t>
-              </a:r>
-              <a:r>
-                <a:rPr lang="de-DE">
+                <a:t>Originator</a:t>
+              </a:r>
+              <a:r>
+                <a:rPr lang="de-DE" b="1" dirty="0">
+                  <a:solidFill>
+                    <a:schemeClr val="accent1"/>
+                  </a:solidFill>
+                </a:rPr>
+                <a:t>: </a:t>
+              </a:r>
+              <a:r>
+                <a:rPr lang="de-DE" dirty="0">
                   <a:solidFill>
                     <a:schemeClr val="tx1"/>
                   </a:solidFill>
                 </a:rPr>
-                <a:t>Datenschutzanforderungen</a:t>
-              </a:r>
-            </a:p>
-            <a:p>
-              <a:endParaRPr lang="de-DE"/>
+                <a:t>Gruppe</a:t>
+              </a:r>
+            </a:p>
+            <a:p>
+              <a:endParaRPr lang="de-DE" dirty="0"/>
             </a:p>
           </p:txBody>
         </p:sp>
@@ -25246,846 +25780,6 @@
 </p:sld>
 </file>
 
-<file path=ppt/slides/slide28.xml><?xml version="1.0" encoding="utf-8"?>
-<p:sld xmlns:a="http://schemas.openxmlformats.org/drawingml/2006/main" xmlns:r="http://schemas.openxmlformats.org/officeDocument/2006/relationships" xmlns:p="http://schemas.openxmlformats.org/presentationml/2006/main">
-  <p:cSld>
-    <p:spTree>
-      <p:nvGrpSpPr>
-        <p:cNvPr id="1" name="">
-          <a:extLst>
-            <a:ext uri="{FF2B5EF4-FFF2-40B4-BE49-F238E27FC236}">
-              <a16:creationId xmlns:a16="http://schemas.microsoft.com/office/drawing/2014/main" id="{AA821EF1-520C-C0DF-B3AE-5B5B67E45610}"/>
-            </a:ext>
-          </a:extLst>
-        </p:cNvPr>
-        <p:cNvGrpSpPr/>
-        <p:nvPr/>
-      </p:nvGrpSpPr>
-      <p:grpSpPr>
-        <a:xfrm>
-          <a:off x="0" y="0"/>
-          <a:ext cx="0" cy="0"/>
-          <a:chOff x="0" y="0"/>
-          <a:chExt cx="0" cy="0"/>
-        </a:xfrm>
-      </p:grpSpPr>
-      <p:sp>
-        <p:nvSpPr>
-          <p:cNvPr id="5" name="Titel 4">
-            <a:extLst>
-              <a:ext uri="{FF2B5EF4-FFF2-40B4-BE49-F238E27FC236}">
-                <a16:creationId xmlns:a16="http://schemas.microsoft.com/office/drawing/2014/main" id="{EED5AD86-CBFF-DA3A-BD4F-9BC69EE2C4BD}"/>
-              </a:ext>
-            </a:extLst>
-          </p:cNvPr>
-          <p:cNvSpPr>
-            <a:spLocks noGrp="1"/>
-          </p:cNvSpPr>
-          <p:nvPr>
-            <p:ph type="title"/>
-          </p:nvPr>
-        </p:nvSpPr>
-        <p:spPr>
-          <a:xfrm>
-            <a:off x="1343025" y="152400"/>
-            <a:ext cx="10656888" cy="468314"/>
-          </a:xfrm>
-        </p:spPr>
-        <p:txBody>
-          <a:bodyPr/>
-          <a:lstStyle/>
-          <a:p>
-            <a:r>
-              <a:rPr lang="de-DE"/>
-              <a:t>Nicht-Funktionale Anforderungen</a:t>
-            </a:r>
-            <a:endParaRPr lang="de-DE" dirty="0"/>
-          </a:p>
-        </p:txBody>
-      </p:sp>
-      <p:grpSp>
-        <p:nvGrpSpPr>
-          <p:cNvPr id="13" name="Gruppieren 12">
-            <a:extLst>
-              <a:ext uri="{FF2B5EF4-FFF2-40B4-BE49-F238E27FC236}">
-                <a16:creationId xmlns:a16="http://schemas.microsoft.com/office/drawing/2014/main" id="{140E6F01-F3E9-B5CA-EE6E-748FD9A0BC6E}"/>
-              </a:ext>
-            </a:extLst>
-          </p:cNvPr>
-          <p:cNvGrpSpPr/>
-          <p:nvPr/>
-        </p:nvGrpSpPr>
-        <p:grpSpPr>
-          <a:xfrm>
-            <a:off x="176530" y="1014171"/>
-            <a:ext cx="11823383" cy="369332"/>
-            <a:chOff x="176530" y="1113153"/>
-            <a:chExt cx="11823383" cy="369332"/>
-          </a:xfrm>
-        </p:grpSpPr>
-        <p:sp>
-          <p:nvSpPr>
-            <p:cNvPr id="3" name="Textfeld 2">
-              <a:extLst>
-                <a:ext uri="{FF2B5EF4-FFF2-40B4-BE49-F238E27FC236}">
-                  <a16:creationId xmlns:a16="http://schemas.microsoft.com/office/drawing/2014/main" id="{4D766AB2-825E-62C4-2129-24DBA3DB79F4}"/>
-                </a:ext>
-              </a:extLst>
-            </p:cNvPr>
-            <p:cNvSpPr txBox="1"/>
-            <p:nvPr/>
-          </p:nvSpPr>
-          <p:spPr>
-            <a:xfrm>
-              <a:off x="176530" y="1113153"/>
-              <a:ext cx="2309119" cy="369332"/>
-            </a:xfrm>
-            <a:prstGeom prst="rect">
-              <a:avLst/>
-            </a:prstGeom>
-          </p:spPr>
-          <p:style>
-            <a:lnRef idx="2">
-              <a:schemeClr val="dk1"/>
-            </a:lnRef>
-            <a:fillRef idx="1">
-              <a:schemeClr val="lt1"/>
-            </a:fillRef>
-            <a:effectRef idx="0">
-              <a:schemeClr val="dk1"/>
-            </a:effectRef>
-            <a:fontRef idx="minor">
-              <a:schemeClr val="dk1"/>
-            </a:fontRef>
-          </p:style>
-          <p:txBody>
-            <a:bodyPr wrap="square" rtlCol="0">
-              <a:spAutoFit/>
-            </a:bodyPr>
-            <a:lstStyle/>
-            <a:p>
-              <a:r>
-                <a:rPr lang="de-DE" b="1">
-                  <a:solidFill>
-                    <a:schemeClr val="accent1"/>
-                  </a:solidFill>
-                </a:rPr>
-                <a:t>Req-ID:</a:t>
-              </a:r>
-            </a:p>
-          </p:txBody>
-        </p:sp>
-        <p:sp>
-          <p:nvSpPr>
-            <p:cNvPr id="4" name="Textfeld 3">
-              <a:extLst>
-                <a:ext uri="{FF2B5EF4-FFF2-40B4-BE49-F238E27FC236}">
-                  <a16:creationId xmlns:a16="http://schemas.microsoft.com/office/drawing/2014/main" id="{2B576B74-E01B-986D-1516-32B1ED9A5328}"/>
-                </a:ext>
-              </a:extLst>
-            </p:cNvPr>
-            <p:cNvSpPr txBox="1"/>
-            <p:nvPr/>
-          </p:nvSpPr>
-          <p:spPr>
-            <a:xfrm>
-              <a:off x="2630905" y="1113153"/>
-              <a:ext cx="3319839" cy="369332"/>
-            </a:xfrm>
-            <a:prstGeom prst="rect">
-              <a:avLst/>
-            </a:prstGeom>
-          </p:spPr>
-          <p:style>
-            <a:lnRef idx="2">
-              <a:schemeClr val="dk1"/>
-            </a:lnRef>
-            <a:fillRef idx="1">
-              <a:schemeClr val="lt1"/>
-            </a:fillRef>
-            <a:effectRef idx="0">
-              <a:schemeClr val="dk1"/>
-            </a:effectRef>
-            <a:fontRef idx="minor">
-              <a:schemeClr val="dk1"/>
-            </a:fontRef>
-          </p:style>
-          <p:txBody>
-            <a:bodyPr wrap="square" rtlCol="0">
-              <a:spAutoFit/>
-            </a:bodyPr>
-            <a:lstStyle/>
-            <a:p>
-              <a:r>
-                <a:rPr lang="de-DE" b="1">
-                  <a:solidFill>
-                    <a:schemeClr val="accent1"/>
-                  </a:solidFill>
-                </a:rPr>
-                <a:t>Req-Type: </a:t>
-              </a:r>
-              <a:r>
-                <a:rPr lang="de-DE">
-                  <a:solidFill>
-                    <a:schemeClr val="tx1"/>
-                  </a:solidFill>
-                </a:rPr>
-                <a:t>Nicht-Funktional</a:t>
-              </a:r>
-            </a:p>
-          </p:txBody>
-        </p:sp>
-        <p:sp>
-          <p:nvSpPr>
-            <p:cNvPr id="8" name="Textfeld 7">
-              <a:extLst>
-                <a:ext uri="{FF2B5EF4-FFF2-40B4-BE49-F238E27FC236}">
-                  <a16:creationId xmlns:a16="http://schemas.microsoft.com/office/drawing/2014/main" id="{635C2471-7976-08B7-645E-74FD7FD28EC2}"/>
-                </a:ext>
-              </a:extLst>
-            </p:cNvPr>
-            <p:cNvSpPr txBox="1"/>
-            <p:nvPr/>
-          </p:nvSpPr>
-          <p:spPr>
-            <a:xfrm>
-              <a:off x="6096000" y="1113153"/>
-              <a:ext cx="5903913" cy="369332"/>
-            </a:xfrm>
-            <a:prstGeom prst="rect">
-              <a:avLst/>
-            </a:prstGeom>
-          </p:spPr>
-          <p:style>
-            <a:lnRef idx="2">
-              <a:schemeClr val="dk1"/>
-            </a:lnRef>
-            <a:fillRef idx="1">
-              <a:schemeClr val="lt1"/>
-            </a:fillRef>
-            <a:effectRef idx="0">
-              <a:schemeClr val="dk1"/>
-            </a:effectRef>
-            <a:fontRef idx="minor">
-              <a:schemeClr val="dk1"/>
-            </a:fontRef>
-          </p:style>
-          <p:txBody>
-            <a:bodyPr wrap="square" rtlCol="0">
-              <a:spAutoFit/>
-            </a:bodyPr>
-            <a:lstStyle/>
-            <a:p>
-              <a:r>
-                <a:rPr lang="de-DE" b="1">
-                  <a:solidFill>
-                    <a:schemeClr val="accent1"/>
-                  </a:solidFill>
-                </a:rPr>
-                <a:t>Events/UC: </a:t>
-              </a:r>
-              <a:r>
-                <a:rPr lang="de-DE">
-                  <a:solidFill>
-                    <a:schemeClr val="tx1"/>
-                  </a:solidFill>
-                </a:rPr>
-                <a:t>Erste Nutzungserfahrungen</a:t>
-              </a:r>
-              <a:endParaRPr lang="de-DE">
-                <a:solidFill>
-                  <a:schemeClr val="accent1"/>
-                </a:solidFill>
-              </a:endParaRPr>
-            </a:p>
-          </p:txBody>
-        </p:sp>
-      </p:grpSp>
-      <p:grpSp>
-        <p:nvGrpSpPr>
-          <p:cNvPr id="14" name="Gruppieren 13">
-            <a:extLst>
-              <a:ext uri="{FF2B5EF4-FFF2-40B4-BE49-F238E27FC236}">
-                <a16:creationId xmlns:a16="http://schemas.microsoft.com/office/drawing/2014/main" id="{4C0A2E85-28DC-1064-A6FC-C391C3EE8ADF}"/>
-              </a:ext>
-            </a:extLst>
-          </p:cNvPr>
-          <p:cNvGrpSpPr/>
-          <p:nvPr/>
-        </p:nvGrpSpPr>
-        <p:grpSpPr>
-          <a:xfrm>
-            <a:off x="168751" y="1549163"/>
-            <a:ext cx="11854497" cy="3112638"/>
-            <a:chOff x="160973" y="1725626"/>
-            <a:chExt cx="11854497" cy="3112638"/>
-          </a:xfrm>
-        </p:grpSpPr>
-        <p:sp>
-          <p:nvSpPr>
-            <p:cNvPr id="9" name="Textfeld 8">
-              <a:extLst>
-                <a:ext uri="{FF2B5EF4-FFF2-40B4-BE49-F238E27FC236}">
-                  <a16:creationId xmlns:a16="http://schemas.microsoft.com/office/drawing/2014/main" id="{2CD0B53C-CF88-FEE0-2E69-191E257251A4}"/>
-                </a:ext>
-              </a:extLst>
-            </p:cNvPr>
-            <p:cNvSpPr txBox="1"/>
-            <p:nvPr/>
-          </p:nvSpPr>
-          <p:spPr>
-            <a:xfrm>
-              <a:off x="160973" y="1725626"/>
-              <a:ext cx="11838940" cy="646331"/>
-            </a:xfrm>
-            <a:prstGeom prst="rect">
-              <a:avLst/>
-            </a:prstGeom>
-          </p:spPr>
-          <p:style>
-            <a:lnRef idx="2">
-              <a:schemeClr val="dk1"/>
-            </a:lnRef>
-            <a:fillRef idx="1">
-              <a:schemeClr val="lt1"/>
-            </a:fillRef>
-            <a:effectRef idx="0">
-              <a:schemeClr val="dk1"/>
-            </a:effectRef>
-            <a:fontRef idx="minor">
-              <a:schemeClr val="dk1"/>
-            </a:fontRef>
-          </p:style>
-          <p:txBody>
-            <a:bodyPr wrap="square" rtlCol="0">
-              <a:spAutoFit/>
-            </a:bodyPr>
-            <a:lstStyle/>
-            <a:p>
-              <a:r>
-                <a:rPr lang="de-DE" b="1">
-                  <a:solidFill>
-                    <a:schemeClr val="accent1"/>
-                  </a:solidFill>
-                </a:rPr>
-                <a:t>Description: </a:t>
-              </a:r>
-              <a:r>
-                <a:rPr lang="de-DE">
-                  <a:solidFill>
-                    <a:schemeClr val="tx1"/>
-                  </a:solidFill>
-                </a:rPr>
-                <a:t>Zur Software wird eine Benutzerhandbuch mitgeliefert, dass die Funktionen und die Anwendung der Software erklärt.</a:t>
-              </a:r>
-              <a:endParaRPr lang="de-DE"/>
-            </a:p>
-          </p:txBody>
-        </p:sp>
-        <p:sp>
-          <p:nvSpPr>
-            <p:cNvPr id="10" name="Textfeld 9">
-              <a:extLst>
-                <a:ext uri="{FF2B5EF4-FFF2-40B4-BE49-F238E27FC236}">
-                  <a16:creationId xmlns:a16="http://schemas.microsoft.com/office/drawing/2014/main" id="{FD1844B6-7779-F4D4-632F-AA873EC87E83}"/>
-                </a:ext>
-              </a:extLst>
-            </p:cNvPr>
-            <p:cNvSpPr txBox="1"/>
-            <p:nvPr/>
-          </p:nvSpPr>
-          <p:spPr>
-            <a:xfrm>
-              <a:off x="160973" y="2533023"/>
-              <a:ext cx="11838940" cy="646331"/>
-            </a:xfrm>
-            <a:prstGeom prst="rect">
-              <a:avLst/>
-            </a:prstGeom>
-          </p:spPr>
-          <p:style>
-            <a:lnRef idx="2">
-              <a:schemeClr val="dk1"/>
-            </a:lnRef>
-            <a:fillRef idx="1">
-              <a:schemeClr val="lt1"/>
-            </a:fillRef>
-            <a:effectRef idx="0">
-              <a:schemeClr val="dk1"/>
-            </a:effectRef>
-            <a:fontRef idx="minor">
-              <a:schemeClr val="dk1"/>
-            </a:fontRef>
-          </p:style>
-          <p:txBody>
-            <a:bodyPr wrap="square" rtlCol="0">
-              <a:spAutoFit/>
-            </a:bodyPr>
-            <a:lstStyle/>
-            <a:p>
-              <a:r>
-                <a:rPr lang="de-DE" b="1">
-                  <a:solidFill>
-                    <a:schemeClr val="accent1"/>
-                  </a:solidFill>
-                </a:rPr>
-                <a:t>Rationale: </a:t>
-              </a:r>
-              <a:r>
-                <a:rPr lang="de-DE">
-                  <a:solidFill>
-                    <a:schemeClr val="tx1"/>
-                  </a:solidFill>
-                </a:rPr>
-                <a:t>Kundinnen sollen sich die Benutzung der Software mit dem Handbuch selbst beibringen können.</a:t>
-              </a:r>
-            </a:p>
-            <a:p>
-              <a:endParaRPr lang="de-DE"/>
-            </a:p>
-          </p:txBody>
-        </p:sp>
-        <p:sp>
-          <p:nvSpPr>
-            <p:cNvPr id="11" name="Textfeld 10">
-              <a:extLst>
-                <a:ext uri="{FF2B5EF4-FFF2-40B4-BE49-F238E27FC236}">
-                  <a16:creationId xmlns:a16="http://schemas.microsoft.com/office/drawing/2014/main" id="{90DA42CB-9E5A-4C41-2400-E06A04360207}"/>
-                </a:ext>
-              </a:extLst>
-            </p:cNvPr>
-            <p:cNvSpPr txBox="1"/>
-            <p:nvPr/>
-          </p:nvSpPr>
-          <p:spPr>
-            <a:xfrm>
-              <a:off x="176530" y="3340420"/>
-              <a:ext cx="11838940" cy="646331"/>
-            </a:xfrm>
-            <a:prstGeom prst="rect">
-              <a:avLst/>
-            </a:prstGeom>
-          </p:spPr>
-          <p:style>
-            <a:lnRef idx="2">
-              <a:schemeClr val="dk1"/>
-            </a:lnRef>
-            <a:fillRef idx="1">
-              <a:schemeClr val="lt1"/>
-            </a:fillRef>
-            <a:effectRef idx="0">
-              <a:schemeClr val="dk1"/>
-            </a:effectRef>
-            <a:fontRef idx="minor">
-              <a:schemeClr val="dk1"/>
-            </a:fontRef>
-          </p:style>
-          <p:txBody>
-            <a:bodyPr wrap="square" rtlCol="0">
-              <a:spAutoFit/>
-            </a:bodyPr>
-            <a:lstStyle/>
-            <a:p>
-              <a:r>
-                <a:rPr lang="de-DE" b="1">
-                  <a:solidFill>
-                    <a:schemeClr val="accent1"/>
-                  </a:solidFill>
-                </a:rPr>
-                <a:t>Originator: </a:t>
-              </a:r>
-              <a:r>
-                <a:rPr lang="de-DE">
-                  <a:solidFill>
-                    <a:schemeClr val="tx1"/>
-                  </a:solidFill>
-                </a:rPr>
-                <a:t>Anforderungsbeschreibung, S. 4 </a:t>
-              </a:r>
-            </a:p>
-            <a:p>
-              <a:endParaRPr lang="de-DE"/>
-            </a:p>
-          </p:txBody>
-        </p:sp>
-        <p:sp>
-          <p:nvSpPr>
-            <p:cNvPr id="12" name="Textfeld 11">
-              <a:extLst>
-                <a:ext uri="{FF2B5EF4-FFF2-40B4-BE49-F238E27FC236}">
-                  <a16:creationId xmlns:a16="http://schemas.microsoft.com/office/drawing/2014/main" id="{C28D38B3-A382-76AA-3AB1-06DBA5782E9E}"/>
-                </a:ext>
-              </a:extLst>
-            </p:cNvPr>
-            <p:cNvSpPr txBox="1"/>
-            <p:nvPr/>
-          </p:nvSpPr>
-          <p:spPr>
-            <a:xfrm>
-              <a:off x="176530" y="4191933"/>
-              <a:ext cx="11838940" cy="646331"/>
-            </a:xfrm>
-            <a:prstGeom prst="rect">
-              <a:avLst/>
-            </a:prstGeom>
-          </p:spPr>
-          <p:style>
-            <a:lnRef idx="2">
-              <a:schemeClr val="dk1"/>
-            </a:lnRef>
-            <a:fillRef idx="1">
-              <a:schemeClr val="lt1"/>
-            </a:fillRef>
-            <a:effectRef idx="0">
-              <a:schemeClr val="dk1"/>
-            </a:effectRef>
-            <a:fontRef idx="minor">
-              <a:schemeClr val="dk1"/>
-            </a:fontRef>
-          </p:style>
-          <p:txBody>
-            <a:bodyPr wrap="square" rtlCol="0">
-              <a:spAutoFit/>
-            </a:bodyPr>
-            <a:lstStyle/>
-            <a:p>
-              <a:r>
-                <a:rPr lang="de-DE" b="1">
-                  <a:solidFill>
-                    <a:schemeClr val="accent1"/>
-                  </a:solidFill>
-                </a:rPr>
-                <a:t>Fit Criterion: </a:t>
-              </a:r>
-              <a:r>
-                <a:rPr lang="de-DE">
-                  <a:solidFill>
-                    <a:schemeClr val="tx1"/>
-                  </a:solidFill>
-                </a:rPr>
-                <a:t>Nutzerhandbuch wird als z.B. PDF bereitgestellt.</a:t>
-              </a:r>
-            </a:p>
-            <a:p>
-              <a:endParaRPr lang="de-DE"/>
-            </a:p>
-          </p:txBody>
-        </p:sp>
-      </p:grpSp>
-      <p:grpSp>
-        <p:nvGrpSpPr>
-          <p:cNvPr id="15" name="Gruppieren 14">
-            <a:extLst>
-              <a:ext uri="{FF2B5EF4-FFF2-40B4-BE49-F238E27FC236}">
-                <a16:creationId xmlns:a16="http://schemas.microsoft.com/office/drawing/2014/main" id="{0565A71A-360B-C1CF-4C67-3A5628AE0BFF}"/>
-              </a:ext>
-            </a:extLst>
-          </p:cNvPr>
-          <p:cNvGrpSpPr/>
-          <p:nvPr/>
-        </p:nvGrpSpPr>
-        <p:grpSpPr>
-          <a:xfrm>
-            <a:off x="168751" y="4866983"/>
-            <a:ext cx="11823383" cy="369332"/>
-            <a:chOff x="176530" y="1113153"/>
-            <a:chExt cx="11823383" cy="369332"/>
-          </a:xfrm>
-        </p:grpSpPr>
-        <p:sp>
-          <p:nvSpPr>
-            <p:cNvPr id="16" name="Textfeld 15">
-              <a:extLst>
-                <a:ext uri="{FF2B5EF4-FFF2-40B4-BE49-F238E27FC236}">
-                  <a16:creationId xmlns:a16="http://schemas.microsoft.com/office/drawing/2014/main" id="{822384B5-515F-E975-8CC5-BB9FA5F246A3}"/>
-                </a:ext>
-              </a:extLst>
-            </p:cNvPr>
-            <p:cNvSpPr txBox="1"/>
-            <p:nvPr/>
-          </p:nvSpPr>
-          <p:spPr>
-            <a:xfrm>
-              <a:off x="176530" y="1113153"/>
-              <a:ext cx="2309119" cy="369332"/>
-            </a:xfrm>
-            <a:prstGeom prst="rect">
-              <a:avLst/>
-            </a:prstGeom>
-          </p:spPr>
-          <p:style>
-            <a:lnRef idx="2">
-              <a:schemeClr val="dk1"/>
-            </a:lnRef>
-            <a:fillRef idx="1">
-              <a:schemeClr val="lt1"/>
-            </a:fillRef>
-            <a:effectRef idx="0">
-              <a:schemeClr val="dk1"/>
-            </a:effectRef>
-            <a:fontRef idx="minor">
-              <a:schemeClr val="dk1"/>
-            </a:fontRef>
-          </p:style>
-          <p:txBody>
-            <a:bodyPr wrap="square" rtlCol="0">
-              <a:spAutoFit/>
-            </a:bodyPr>
-            <a:lstStyle/>
-            <a:p>
-              <a:r>
-                <a:rPr lang="de-DE" b="1">
-                  <a:solidFill>
-                    <a:schemeClr val="accent1"/>
-                  </a:solidFill>
-                </a:rPr>
-                <a:t>Priority: </a:t>
-              </a:r>
-              <a:r>
-                <a:rPr lang="de-DE">
-                  <a:solidFill>
-                    <a:schemeClr val="tx1"/>
-                  </a:solidFill>
-                </a:rPr>
-                <a:t>Should</a:t>
-              </a:r>
-            </a:p>
-          </p:txBody>
-        </p:sp>
-        <p:sp>
-          <p:nvSpPr>
-            <p:cNvPr id="17" name="Textfeld 16">
-              <a:extLst>
-                <a:ext uri="{FF2B5EF4-FFF2-40B4-BE49-F238E27FC236}">
-                  <a16:creationId xmlns:a16="http://schemas.microsoft.com/office/drawing/2014/main" id="{CC785898-F021-CCA7-BF24-C52CED5E453A}"/>
-                </a:ext>
-              </a:extLst>
-            </p:cNvPr>
-            <p:cNvSpPr txBox="1"/>
-            <p:nvPr/>
-          </p:nvSpPr>
-          <p:spPr>
-            <a:xfrm>
-              <a:off x="2630905" y="1113153"/>
-              <a:ext cx="3319839" cy="369332"/>
-            </a:xfrm>
-            <a:prstGeom prst="rect">
-              <a:avLst/>
-            </a:prstGeom>
-          </p:spPr>
-          <p:style>
-            <a:lnRef idx="2">
-              <a:schemeClr val="dk1"/>
-            </a:lnRef>
-            <a:fillRef idx="1">
-              <a:schemeClr val="lt1"/>
-            </a:fillRef>
-            <a:effectRef idx="0">
-              <a:schemeClr val="dk1"/>
-            </a:effectRef>
-            <a:fontRef idx="minor">
-              <a:schemeClr val="dk1"/>
-            </a:fontRef>
-          </p:style>
-          <p:txBody>
-            <a:bodyPr wrap="square" rtlCol="0">
-              <a:spAutoFit/>
-            </a:bodyPr>
-            <a:lstStyle/>
-            <a:p>
-              <a:r>
-                <a:rPr lang="de-DE" b="1">
-                  <a:solidFill>
-                    <a:schemeClr val="accent1"/>
-                  </a:solidFill>
-                </a:rPr>
-                <a:t>Customer Satisfaction:</a:t>
-              </a:r>
-            </a:p>
-          </p:txBody>
-        </p:sp>
-        <p:sp>
-          <p:nvSpPr>
-            <p:cNvPr id="18" name="Textfeld 17">
-              <a:extLst>
-                <a:ext uri="{FF2B5EF4-FFF2-40B4-BE49-F238E27FC236}">
-                  <a16:creationId xmlns:a16="http://schemas.microsoft.com/office/drawing/2014/main" id="{31999B99-166A-050C-2B0E-E309B86F6597}"/>
-                </a:ext>
-              </a:extLst>
-            </p:cNvPr>
-            <p:cNvSpPr txBox="1"/>
-            <p:nvPr/>
-          </p:nvSpPr>
-          <p:spPr>
-            <a:xfrm>
-              <a:off x="6096000" y="1113153"/>
-              <a:ext cx="5903913" cy="369332"/>
-            </a:xfrm>
-            <a:prstGeom prst="rect">
-              <a:avLst/>
-            </a:prstGeom>
-          </p:spPr>
-          <p:style>
-            <a:lnRef idx="2">
-              <a:schemeClr val="dk1"/>
-            </a:lnRef>
-            <a:fillRef idx="1">
-              <a:schemeClr val="lt1"/>
-            </a:fillRef>
-            <a:effectRef idx="0">
-              <a:schemeClr val="dk1"/>
-            </a:effectRef>
-            <a:fontRef idx="minor">
-              <a:schemeClr val="dk1"/>
-            </a:fontRef>
-          </p:style>
-          <p:txBody>
-            <a:bodyPr wrap="square" rtlCol="0">
-              <a:spAutoFit/>
-            </a:bodyPr>
-            <a:lstStyle/>
-            <a:p>
-              <a:r>
-                <a:rPr lang="de-DE" b="1">
-                  <a:solidFill>
-                    <a:schemeClr val="accent1"/>
-                  </a:solidFill>
-                </a:rPr>
-                <a:t>Customer Dissatisfaction:</a:t>
-              </a:r>
-            </a:p>
-          </p:txBody>
-        </p:sp>
-      </p:grpSp>
-      <p:sp>
-        <p:nvSpPr>
-          <p:cNvPr id="19" name="Textfeld 18">
-            <a:extLst>
-              <a:ext uri="{FF2B5EF4-FFF2-40B4-BE49-F238E27FC236}">
-                <a16:creationId xmlns:a16="http://schemas.microsoft.com/office/drawing/2014/main" id="{D7E0DF1E-6484-D15D-4C28-EC35065A0E67}"/>
-              </a:ext>
-            </a:extLst>
-          </p:cNvPr>
-          <p:cNvSpPr txBox="1"/>
-          <p:nvPr/>
-        </p:nvSpPr>
-        <p:spPr>
-          <a:xfrm>
-            <a:off x="184308" y="5441496"/>
-            <a:ext cx="5766436" cy="923330"/>
-          </a:xfrm>
-          <a:prstGeom prst="rect">
-            <a:avLst/>
-          </a:prstGeom>
-        </p:spPr>
-        <p:style>
-          <a:lnRef idx="2">
-            <a:schemeClr val="dk1"/>
-          </a:lnRef>
-          <a:fillRef idx="1">
-            <a:schemeClr val="lt1"/>
-          </a:fillRef>
-          <a:effectRef idx="0">
-            <a:schemeClr val="dk1"/>
-          </a:effectRef>
-          <a:fontRef idx="minor">
-            <a:schemeClr val="dk1"/>
-          </a:fontRef>
-        </p:style>
-        <p:txBody>
-          <a:bodyPr wrap="square" rtlCol="0">
-            <a:spAutoFit/>
-          </a:bodyPr>
-          <a:lstStyle/>
-          <a:p>
-            <a:r>
-              <a:rPr lang="de-DE" b="1">
-                <a:solidFill>
-                  <a:schemeClr val="accent1"/>
-                </a:solidFill>
-              </a:rPr>
-              <a:t>Supporting Material:</a:t>
-            </a:r>
-          </a:p>
-          <a:p>
-            <a:endParaRPr lang="de-DE"/>
-          </a:p>
-          <a:p>
-            <a:endParaRPr lang="de-DE"/>
-          </a:p>
-        </p:txBody>
-      </p:sp>
-      <p:sp>
-        <p:nvSpPr>
-          <p:cNvPr id="20" name="Textfeld 19">
-            <a:extLst>
-              <a:ext uri="{FF2B5EF4-FFF2-40B4-BE49-F238E27FC236}">
-                <a16:creationId xmlns:a16="http://schemas.microsoft.com/office/drawing/2014/main" id="{2D07EB29-72ED-2716-FBB8-3964D1A81401}"/>
-              </a:ext>
-            </a:extLst>
-          </p:cNvPr>
-          <p:cNvSpPr txBox="1"/>
-          <p:nvPr/>
-        </p:nvSpPr>
-        <p:spPr>
-          <a:xfrm>
-            <a:off x="6103778" y="5441496"/>
-            <a:ext cx="5888356" cy="923330"/>
-          </a:xfrm>
-          <a:prstGeom prst="rect">
-            <a:avLst/>
-          </a:prstGeom>
-        </p:spPr>
-        <p:style>
-          <a:lnRef idx="2">
-            <a:schemeClr val="dk1"/>
-          </a:lnRef>
-          <a:fillRef idx="1">
-            <a:schemeClr val="lt1"/>
-          </a:fillRef>
-          <a:effectRef idx="0">
-            <a:schemeClr val="dk1"/>
-          </a:effectRef>
-          <a:fontRef idx="minor">
-            <a:schemeClr val="dk1"/>
-          </a:fontRef>
-        </p:style>
-        <p:txBody>
-          <a:bodyPr wrap="square" rtlCol="0">
-            <a:spAutoFit/>
-          </a:bodyPr>
-          <a:lstStyle/>
-          <a:p>
-            <a:r>
-              <a:rPr lang="de-DE" b="1">
-                <a:solidFill>
-                  <a:schemeClr val="accent1"/>
-                </a:solidFill>
-              </a:rPr>
-              <a:t>Conflicts:</a:t>
-            </a:r>
-          </a:p>
-          <a:p>
-            <a:endParaRPr lang="de-DE"/>
-          </a:p>
-          <a:p>
-            <a:endParaRPr lang="de-DE"/>
-          </a:p>
-        </p:txBody>
-      </p:sp>
-    </p:spTree>
-    <p:extLst>
-      <p:ext uri="{BB962C8B-B14F-4D97-AF65-F5344CB8AC3E}">
-        <p14:creationId xmlns:p14="http://schemas.microsoft.com/office/powerpoint/2010/main" val="2806367169"/>
-      </p:ext>
-    </p:extLst>
-  </p:cSld>
-  <p:clrMapOvr>
-    <a:masterClrMapping/>
-  </p:clrMapOvr>
-</p:sld>
-</file>
-
 <file path=ppt/slides/slide3.xml><?xml version="1.0" encoding="utf-8"?>
 <p:sld xmlns:a="http://schemas.openxmlformats.org/drawingml/2006/main" xmlns:r="http://schemas.openxmlformats.org/officeDocument/2006/relationships" xmlns:p="http://schemas.openxmlformats.org/presentationml/2006/main">
   <p:cSld>
@@ -26205,13 +25899,34 @@
             <a:lstStyle/>
             <a:p>
               <a:r>
-                <a:rPr lang="de-DE" b="1">
+                <a:rPr lang="de-DE" b="1" dirty="0" err="1">
                   <a:solidFill>
                     <a:schemeClr val="accent1"/>
                   </a:solidFill>
                 </a:rPr>
-                <a:t>Req-ID:</a:t>
-              </a:r>
+                <a:t>Req</a:t>
+              </a:r>
+              <a:r>
+                <a:rPr lang="de-DE" b="1" dirty="0">
+                  <a:solidFill>
+                    <a:schemeClr val="accent1"/>
+                  </a:solidFill>
+                </a:rPr>
+                <a:t>-ID: </a:t>
+              </a:r>
+              <a:r>
+                <a:rPr lang="de-DE" dirty="0">
+                  <a:solidFill>
+                    <a:schemeClr val="tx1"/>
+                  </a:solidFill>
+                </a:rPr>
+                <a:t>2</a:t>
+              </a:r>
+              <a:endParaRPr lang="de-DE" b="1" dirty="0">
+                <a:solidFill>
+                  <a:schemeClr val="accent1"/>
+                </a:solidFill>
+              </a:endParaRPr>
             </a:p>
           </p:txBody>
         </p:sp>
@@ -26317,7 +26032,7 @@
             <a:lstStyle/>
             <a:p>
               <a:r>
-                <a:rPr lang="de-DE" b="1">
+                <a:rPr lang="de-DE" b="1" dirty="0">
                   <a:solidFill>
                     <a:schemeClr val="accent1"/>
                   </a:solidFill>
@@ -26325,14 +26040,14 @@
                 <a:t>Events/UC: </a:t>
               </a:r>
               <a:r>
-                <a:rPr lang="de-DE">
+                <a:rPr lang="de-DE" dirty="0">
                   <a:solidFill>
                     <a:schemeClr val="tx1"/>
                   </a:solidFill>
                 </a:rPr>
-                <a:t>Anruf zu einem Fall geht ein.</a:t>
-              </a:r>
-              <a:endParaRPr lang="de-DE" b="1">
+                <a:t>Anruf zu einer Anfrage geht ein.</a:t>
+              </a:r>
+              <a:endParaRPr lang="de-DE" b="1" dirty="0">
                 <a:solidFill>
                   <a:schemeClr val="accent1"/>
                 </a:solidFill>
@@ -26403,7 +26118,7 @@
             <a:lstStyle/>
             <a:p>
               <a:r>
-                <a:rPr lang="de-DE" b="1">
+                <a:rPr lang="de-DE" b="1" dirty="0">
                   <a:solidFill>
                     <a:schemeClr val="accent1"/>
                   </a:solidFill>
@@ -26411,14 +26126,30 @@
                 <a:t>Description: </a:t>
               </a:r>
               <a:r>
-                <a:rPr lang="de-DE">
+                <a:rPr lang="de-DE" dirty="0">
                   <a:solidFill>
                     <a:schemeClr val="tx1"/>
                   </a:solidFill>
                 </a:rPr>
-                <a:t>Das System stellt eine Eigabemaske für Beratungsfälle bereit, in der alle Daten zum Fall eingetragen werden können. (B/E/A)</a:t>
-              </a:r>
-              <a:endParaRPr lang="de-DE"/>
+                <a:t>Das System stellt eine </a:t>
+              </a:r>
+              <a:r>
+                <a:rPr lang="de-DE" dirty="0" err="1">
+                  <a:solidFill>
+                    <a:schemeClr val="tx1"/>
+                  </a:solidFill>
+                </a:rPr>
+                <a:t>Eigabemaske</a:t>
+              </a:r>
+              <a:r>
+                <a:rPr lang="de-DE" dirty="0">
+                  <a:solidFill>
+                    <a:schemeClr val="tx1"/>
+                  </a:solidFill>
+                </a:rPr>
+                <a:t> für Beratungsanfragen bereit, in der alle Daten zum Fall eingetragen werden können. (B/E/A)</a:t>
+              </a:r>
+              <a:endParaRPr lang="de-DE" dirty="0"/>
             </a:p>
           </p:txBody>
         </p:sp>
@@ -26523,20 +26254,28 @@
             <a:lstStyle/>
             <a:p>
               <a:r>
-                <a:rPr lang="de-DE" b="1">
+                <a:rPr lang="de-DE" b="1" dirty="0" err="1">
                   <a:solidFill>
                     <a:schemeClr val="accent1"/>
                   </a:solidFill>
                 </a:rPr>
-                <a:t>Originator: </a:t>
-              </a:r>
-              <a:r>
-                <a:rPr lang="de-DE"/>
-                <a:t>Anforderungsbeschreibung, S. 2-3</a:t>
-              </a:r>
-            </a:p>
-            <a:p>
-              <a:endParaRPr lang="de-DE"/>
+                <a:t>Originator</a:t>
+              </a:r>
+              <a:r>
+                <a:rPr lang="de-DE" b="1" dirty="0">
+                  <a:solidFill>
+                    <a:schemeClr val="accent1"/>
+                  </a:solidFill>
+                </a:rPr>
+                <a:t>: </a:t>
+              </a:r>
+              <a:r>
+                <a:rPr lang="de-DE" dirty="0"/>
+                <a:t>Kundinnen</a:t>
+              </a:r>
+            </a:p>
+            <a:p>
+              <a:endParaRPr lang="de-DE" dirty="0"/>
             </a:p>
           </p:txBody>
         </p:sp>
@@ -27030,13 +26769,34 @@
             <a:lstStyle/>
             <a:p>
               <a:r>
-                <a:rPr lang="de-DE" b="1">
+                <a:rPr lang="de-DE" b="1" dirty="0" err="1">
                   <a:solidFill>
                     <a:schemeClr val="accent1"/>
                   </a:solidFill>
                 </a:rPr>
-                <a:t>Req-ID:</a:t>
-              </a:r>
+                <a:t>Req</a:t>
+              </a:r>
+              <a:r>
+                <a:rPr lang="de-DE" b="1" dirty="0">
+                  <a:solidFill>
+                    <a:schemeClr val="accent1"/>
+                  </a:solidFill>
+                </a:rPr>
+                <a:t>-ID: </a:t>
+              </a:r>
+              <a:r>
+                <a:rPr lang="de-DE" dirty="0">
+                  <a:solidFill>
+                    <a:schemeClr val="tx1"/>
+                  </a:solidFill>
+                </a:rPr>
+                <a:t>3</a:t>
+              </a:r>
+              <a:endParaRPr lang="de-DE" b="1" dirty="0">
+                <a:solidFill>
+                  <a:schemeClr val="accent1"/>
+                </a:solidFill>
+              </a:endParaRPr>
             </a:p>
           </p:txBody>
         </p:sp>
@@ -27345,20 +27105,28 @@
             <a:lstStyle/>
             <a:p>
               <a:r>
-                <a:rPr lang="de-DE" b="1">
+                <a:rPr lang="de-DE" b="1" dirty="0" err="1">
                   <a:solidFill>
                     <a:schemeClr val="accent1"/>
                   </a:solidFill>
                 </a:rPr>
-                <a:t>Originator: </a:t>
-              </a:r>
-              <a:r>
-                <a:rPr lang="de-DE"/>
-                <a:t>Anforderungsbeschreibung, S. 2</a:t>
-              </a:r>
-            </a:p>
-            <a:p>
-              <a:endParaRPr lang="de-DE"/>
+                <a:t>Originator</a:t>
+              </a:r>
+              <a:r>
+                <a:rPr lang="de-DE" b="1" dirty="0">
+                  <a:solidFill>
+                    <a:schemeClr val="accent1"/>
+                  </a:solidFill>
+                </a:rPr>
+                <a:t>: </a:t>
+              </a:r>
+              <a:r>
+                <a:rPr lang="de-DE" dirty="0"/>
+                <a:t>Kundinnen</a:t>
+              </a:r>
+            </a:p>
+            <a:p>
+              <a:endParaRPr lang="de-DE" dirty="0"/>
             </a:p>
           </p:txBody>
         </p:sp>
@@ -27856,13 +27624,34 @@
             <a:lstStyle/>
             <a:p>
               <a:r>
-                <a:rPr lang="de-DE" b="1">
+                <a:rPr lang="de-DE" b="1" dirty="0" err="1">
                   <a:solidFill>
                     <a:schemeClr val="accent1"/>
                   </a:solidFill>
                 </a:rPr>
-                <a:t>Req-ID:</a:t>
-              </a:r>
+                <a:t>Req</a:t>
+              </a:r>
+              <a:r>
+                <a:rPr lang="de-DE" b="1" dirty="0">
+                  <a:solidFill>
+                    <a:schemeClr val="accent1"/>
+                  </a:solidFill>
+                </a:rPr>
+                <a:t>-ID: </a:t>
+              </a:r>
+              <a:r>
+                <a:rPr lang="de-DE" dirty="0">
+                  <a:solidFill>
+                    <a:schemeClr val="tx1"/>
+                  </a:solidFill>
+                </a:rPr>
+                <a:t>4</a:t>
+              </a:r>
+              <a:endParaRPr lang="de-DE" b="1" dirty="0">
+                <a:solidFill>
+                  <a:schemeClr val="accent1"/>
+                </a:solidFill>
+              </a:endParaRPr>
             </a:p>
           </p:txBody>
         </p:sp>
@@ -27968,7 +27757,7 @@
             <a:lstStyle/>
             <a:p>
               <a:r>
-                <a:rPr lang="de-DE" b="1">
+                <a:rPr lang="de-DE" b="1" dirty="0">
                   <a:solidFill>
                     <a:schemeClr val="accent1"/>
                   </a:solidFill>
@@ -27976,22 +27765,22 @@
                 <a:t>Events/UC: </a:t>
               </a:r>
               <a:r>
-                <a:rPr lang="de-DE">
+                <a:rPr lang="de-DE" dirty="0">
                   <a:solidFill>
                     <a:schemeClr val="tx1"/>
                   </a:solidFill>
                 </a:rPr>
-                <a:t>Ein Anfrage oder ein Fall wird gespeichert</a:t>
-              </a:r>
-              <a:r>
-                <a:rPr lang="de-DE" b="1">
+                <a:t>Eine Anfrage oder ein Fall wird gespeichert</a:t>
+              </a:r>
+              <a:r>
+                <a:rPr lang="de-DE" b="1" dirty="0">
                   <a:solidFill>
                     <a:schemeClr val="tx1"/>
                   </a:solidFill>
                 </a:rPr>
                 <a:t>.</a:t>
               </a:r>
-              <a:endParaRPr lang="de-DE" b="1">
+              <a:endParaRPr lang="de-DE" b="1" dirty="0">
                 <a:solidFill>
                   <a:schemeClr val="accent1"/>
                 </a:solidFill>
@@ -28123,7 +27912,7 @@
             <a:lstStyle/>
             <a:p>
               <a:r>
-                <a:rPr lang="de-DE" b="1">
+                <a:rPr lang="de-DE" b="1" dirty="0">
                   <a:solidFill>
                     <a:schemeClr val="accent1"/>
                   </a:solidFill>
@@ -28131,12 +27920,12 @@
                 <a:t>Rationale: </a:t>
               </a:r>
               <a:r>
-                <a:rPr lang="de-DE"/>
-                <a:t>Die Nutzerinnen sollen nicht ausversehen vergessen ein Feld auszufüllen.</a:t>
-              </a:r>
-            </a:p>
-            <a:p>
-              <a:endParaRPr lang="de-DE"/>
+                <a:rPr lang="de-DE" dirty="0"/>
+                <a:t>Die Nutzerinnen sollen nicht aus Versehen vergessen ein Feld auszufüllen.</a:t>
+              </a:r>
+            </a:p>
+            <a:p>
+              <a:endParaRPr lang="de-DE" dirty="0"/>
             </a:p>
           </p:txBody>
         </p:sp>
@@ -28182,20 +27971,28 @@
             <a:lstStyle/>
             <a:p>
               <a:r>
-                <a:rPr lang="de-DE" b="1">
+                <a:rPr lang="de-DE" b="1" dirty="0" err="1">
                   <a:solidFill>
                     <a:schemeClr val="accent1"/>
                   </a:solidFill>
                 </a:rPr>
-                <a:t>Originator: </a:t>
-              </a:r>
-              <a:r>
-                <a:rPr lang="de-DE"/>
-                <a:t>Anforderungsbeschreibung, S. 2</a:t>
-              </a:r>
-            </a:p>
-            <a:p>
-              <a:endParaRPr lang="de-DE"/>
+                <a:t>Originator</a:t>
+              </a:r>
+              <a:r>
+                <a:rPr lang="de-DE" b="1" dirty="0">
+                  <a:solidFill>
+                    <a:schemeClr val="accent1"/>
+                  </a:solidFill>
+                </a:rPr>
+                <a:t>: </a:t>
+              </a:r>
+              <a:r>
+                <a:rPr lang="de-DE" dirty="0"/>
+                <a:t>Kundinnen/Praktikumsleitung </a:t>
+              </a:r>
+            </a:p>
+            <a:p>
+              <a:endParaRPr lang="de-DE" dirty="0"/>
             </a:p>
           </p:txBody>
         </p:sp>
@@ -28689,13 +28486,34 @@
             <a:lstStyle/>
             <a:p>
               <a:r>
-                <a:rPr lang="de-DE" b="1">
+                <a:rPr lang="de-DE" b="1" dirty="0" err="1">
                   <a:solidFill>
                     <a:schemeClr val="accent1"/>
                   </a:solidFill>
                 </a:rPr>
-                <a:t>Req-ID:</a:t>
-              </a:r>
+                <a:t>Req</a:t>
+              </a:r>
+              <a:r>
+                <a:rPr lang="de-DE" b="1" dirty="0">
+                  <a:solidFill>
+                    <a:schemeClr val="accent1"/>
+                  </a:solidFill>
+                </a:rPr>
+                <a:t>-ID: </a:t>
+              </a:r>
+              <a:r>
+                <a:rPr lang="de-DE" dirty="0">
+                  <a:solidFill>
+                    <a:schemeClr val="tx1"/>
+                  </a:solidFill>
+                </a:rPr>
+                <a:t>5</a:t>
+              </a:r>
+              <a:endParaRPr lang="de-DE" b="1" dirty="0">
+                <a:solidFill>
+                  <a:schemeClr val="accent1"/>
+                </a:solidFill>
+              </a:endParaRPr>
             </a:p>
           </p:txBody>
         </p:sp>
@@ -29002,20 +28820,28 @@
             <a:lstStyle/>
             <a:p>
               <a:r>
-                <a:rPr lang="de-DE" b="1">
+                <a:rPr lang="de-DE" b="1" dirty="0" err="1">
                   <a:solidFill>
                     <a:schemeClr val="accent1"/>
                   </a:solidFill>
                 </a:rPr>
-                <a:t>Originator: </a:t>
-              </a:r>
-              <a:r>
-                <a:rPr lang="de-DE"/>
-                <a:t>Anforderungsbeschreibung, S. 2</a:t>
-              </a:r>
-            </a:p>
-            <a:p>
-              <a:endParaRPr lang="de-DE"/>
+                <a:t>Originator</a:t>
+              </a:r>
+              <a:r>
+                <a:rPr lang="de-DE" b="1" dirty="0">
+                  <a:solidFill>
+                    <a:schemeClr val="accent1"/>
+                  </a:solidFill>
+                </a:rPr>
+                <a:t>: </a:t>
+              </a:r>
+              <a:r>
+                <a:rPr lang="de-DE" dirty="0"/>
+                <a:t>Kundinnen</a:t>
+              </a:r>
+            </a:p>
+            <a:p>
+              <a:endParaRPr lang="de-DE" dirty="0"/>
             </a:p>
           </p:txBody>
         </p:sp>
@@ -29520,13 +29346,34 @@
             <a:lstStyle/>
             <a:p>
               <a:r>
-                <a:rPr lang="de-DE" b="1">
+                <a:rPr lang="de-DE" b="1" dirty="0" err="1">
                   <a:solidFill>
                     <a:schemeClr val="accent1"/>
                   </a:solidFill>
                 </a:rPr>
-                <a:t>Req-ID:</a:t>
-              </a:r>
+                <a:t>Req</a:t>
+              </a:r>
+              <a:r>
+                <a:rPr lang="de-DE" b="1" dirty="0">
+                  <a:solidFill>
+                    <a:schemeClr val="accent1"/>
+                  </a:solidFill>
+                </a:rPr>
+                <a:t>-ID:</a:t>
+              </a:r>
+              <a:r>
+                <a:rPr lang="de-DE" dirty="0">
+                  <a:solidFill>
+                    <a:schemeClr val="tx1"/>
+                  </a:solidFill>
+                </a:rPr>
+                <a:t> 6</a:t>
+              </a:r>
+              <a:endParaRPr lang="de-DE" b="1" dirty="0">
+                <a:solidFill>
+                  <a:schemeClr val="accent1"/>
+                </a:solidFill>
+              </a:endParaRPr>
             </a:p>
           </p:txBody>
         </p:sp>
@@ -29835,20 +29682,28 @@
             <a:lstStyle/>
             <a:p>
               <a:r>
-                <a:rPr lang="de-DE" b="1">
+                <a:rPr lang="de-DE" b="1" dirty="0" err="1">
                   <a:solidFill>
                     <a:schemeClr val="accent1"/>
                   </a:solidFill>
                 </a:rPr>
-                <a:t>Originator: </a:t>
-              </a:r>
-              <a:r>
-                <a:rPr lang="de-DE"/>
-                <a:t>Anforderungsbeschreibung, S. 2</a:t>
-              </a:r>
-            </a:p>
-            <a:p>
-              <a:endParaRPr lang="de-DE"/>
+                <a:t>Originator</a:t>
+              </a:r>
+              <a:r>
+                <a:rPr lang="de-DE" b="1" dirty="0">
+                  <a:solidFill>
+                    <a:schemeClr val="accent1"/>
+                  </a:solidFill>
+                </a:rPr>
+                <a:t>: </a:t>
+              </a:r>
+              <a:r>
+                <a:rPr lang="de-DE" dirty="0"/>
+                <a:t>Kundinnen </a:t>
+              </a:r>
+            </a:p>
+            <a:p>
+              <a:endParaRPr lang="de-DE" dirty="0"/>
             </a:p>
           </p:txBody>
         </p:sp>
@@ -30342,13 +30197,34 @@
             <a:lstStyle/>
             <a:p>
               <a:r>
-                <a:rPr lang="de-DE" b="1">
+                <a:rPr lang="de-DE" b="1" dirty="0" err="1">
                   <a:solidFill>
                     <a:schemeClr val="accent1"/>
                   </a:solidFill>
                 </a:rPr>
-                <a:t>Req-ID:</a:t>
-              </a:r>
+                <a:t>Req</a:t>
+              </a:r>
+              <a:r>
+                <a:rPr lang="de-DE" b="1" dirty="0">
+                  <a:solidFill>
+                    <a:schemeClr val="accent1"/>
+                  </a:solidFill>
+                </a:rPr>
+                <a:t>-ID:</a:t>
+              </a:r>
+              <a:r>
+                <a:rPr lang="de-DE" dirty="0">
+                  <a:solidFill>
+                    <a:schemeClr val="tx1"/>
+                  </a:solidFill>
+                </a:rPr>
+                <a:t> 7</a:t>
+              </a:r>
+              <a:endParaRPr lang="de-DE" b="1" dirty="0">
+                <a:solidFill>
+                  <a:schemeClr val="accent1"/>
+                </a:solidFill>
+              </a:endParaRPr>
             </a:p>
           </p:txBody>
         </p:sp>
@@ -30666,20 +30542,28 @@
             <a:lstStyle/>
             <a:p>
               <a:r>
-                <a:rPr lang="de-DE" b="1">
+                <a:rPr lang="de-DE" b="1" dirty="0" err="1">
                   <a:solidFill>
                     <a:schemeClr val="accent1"/>
                   </a:solidFill>
                 </a:rPr>
-                <a:t>Originator: </a:t>
-              </a:r>
-              <a:r>
-                <a:rPr lang="de-DE"/>
-                <a:t>Gruppe </a:t>
-              </a:r>
-            </a:p>
-            <a:p>
-              <a:endParaRPr lang="de-DE"/>
+                <a:t>Originator</a:t>
+              </a:r>
+              <a:r>
+                <a:rPr lang="de-DE" b="1" dirty="0">
+                  <a:solidFill>
+                    <a:schemeClr val="accent1"/>
+                  </a:solidFill>
+                </a:rPr>
+                <a:t>: </a:t>
+              </a:r>
+              <a:r>
+                <a:rPr lang="de-DE" dirty="0"/>
+                <a:t>Gruppe/Kundinnen </a:t>
+              </a:r>
+            </a:p>
+            <a:p>
+              <a:endParaRPr lang="de-DE" dirty="0"/>
             </a:p>
           </p:txBody>
         </p:sp>
@@ -31173,13 +31057,34 @@
             <a:lstStyle/>
             <a:p>
               <a:r>
-                <a:rPr lang="de-DE" b="1">
+                <a:rPr lang="de-DE" b="1" dirty="0" err="1">
                   <a:solidFill>
                     <a:schemeClr val="accent1"/>
                   </a:solidFill>
                 </a:rPr>
-                <a:t>Req-ID:</a:t>
-              </a:r>
+                <a:t>Req</a:t>
+              </a:r>
+              <a:r>
+                <a:rPr lang="de-DE" b="1" dirty="0">
+                  <a:solidFill>
+                    <a:schemeClr val="accent1"/>
+                  </a:solidFill>
+                </a:rPr>
+                <a:t>-ID: </a:t>
+              </a:r>
+              <a:r>
+                <a:rPr lang="de-DE" dirty="0">
+                  <a:solidFill>
+                    <a:schemeClr val="tx1"/>
+                  </a:solidFill>
+                </a:rPr>
+                <a:t>8</a:t>
+              </a:r>
+              <a:endParaRPr lang="de-DE" b="1" dirty="0">
+                <a:solidFill>
+                  <a:schemeClr val="accent1"/>
+                </a:solidFill>
+              </a:endParaRPr>
             </a:p>
           </p:txBody>
         </p:sp>
@@ -31495,24 +31400,32 @@
             <a:lstStyle/>
             <a:p>
               <a:r>
-                <a:rPr lang="de-DE" b="1">
+                <a:rPr lang="de-DE" b="1" dirty="0" err="1">
                   <a:solidFill>
                     <a:schemeClr val="accent1"/>
                   </a:solidFill>
                 </a:rPr>
-                <a:t>Originator: </a:t>
-              </a:r>
-              <a:r>
-                <a:rPr lang="de-DE">
+                <a:t>Originator</a:t>
+              </a:r>
+              <a:r>
+                <a:rPr lang="de-DE" b="1" dirty="0">
+                  <a:solidFill>
+                    <a:schemeClr val="accent1"/>
+                  </a:solidFill>
+                </a:rPr>
+                <a:t>: </a:t>
+              </a:r>
+              <a:r>
+                <a:rPr lang="de-DE" dirty="0">
                   <a:solidFill>
                     <a:schemeClr val="tx1"/>
                   </a:solidFill>
                 </a:rPr>
-                <a:t>Anforderungsbeschreibung, S. 2 </a:t>
-              </a:r>
-            </a:p>
-            <a:p>
-              <a:endParaRPr lang="de-DE"/>
+                <a:t>Kundinnen</a:t>
+              </a:r>
+            </a:p>
+            <a:p>
+              <a:endParaRPr lang="de-DE" dirty="0"/>
             </a:p>
           </p:txBody>
         </p:sp>

--- a/SnowCards_Requirements.pptx
+++ b/SnowCards_Requirements.pptx
@@ -8135,7 +8135,7 @@
           <p:spPr>
             <a:xfrm>
               <a:off x="176530" y="1113153"/>
-              <a:ext cx="2309119" cy="369332"/>
+              <a:ext cx="2309119" cy="368300"/>
             </a:xfrm>
             <a:prstGeom prst="rect">
               <a:avLst/>
@@ -8183,7 +8183,7 @@
                     <a:schemeClr val="tx1"/>
                   </a:solidFill>
                 </a:rPr>
-                <a:t>9</a:t>
+                <a:t>9A</a:t>
               </a:r>
               <a:endParaRPr lang="de-DE" b="1" dirty="0">
                 <a:solidFill>
@@ -8941,7 +8941,7 @@
           <p:spPr>
             <a:xfrm>
               <a:off x="176530" y="1113153"/>
-              <a:ext cx="2309119" cy="369332"/>
+              <a:ext cx="2309119" cy="368300"/>
             </a:xfrm>
             <a:prstGeom prst="rect">
               <a:avLst/>
@@ -8989,7 +8989,7 @@
                     <a:schemeClr val="tx1"/>
                   </a:solidFill>
                 </a:rPr>
-                <a:t> 10</a:t>
+                <a:t> 10A</a:t>
               </a:r>
               <a:endParaRPr lang="de-DE" b="1" dirty="0">
                 <a:solidFill>
@@ -9749,7 +9749,7 @@
           <p:spPr>
             <a:xfrm>
               <a:off x="176530" y="1113153"/>
-              <a:ext cx="2309119" cy="369332"/>
+              <a:ext cx="2309119" cy="368300"/>
             </a:xfrm>
             <a:prstGeom prst="rect">
               <a:avLst/>
@@ -9797,7 +9797,7 @@
                     <a:schemeClr val="tx1"/>
                   </a:solidFill>
                 </a:rPr>
-                <a:t> 11</a:t>
+                <a:t> 11A</a:t>
               </a:r>
               <a:endParaRPr lang="de-DE" b="1" dirty="0">
                 <a:solidFill>
@@ -10549,7 +10549,7 @@
           <p:spPr>
             <a:xfrm>
               <a:off x="176530" y="1113153"/>
-              <a:ext cx="2309119" cy="369332"/>
+              <a:ext cx="2309119" cy="368300"/>
             </a:xfrm>
             <a:prstGeom prst="rect">
               <a:avLst/>
@@ -10597,7 +10597,7 @@
                     <a:schemeClr val="tx1"/>
                   </a:solidFill>
                 </a:rPr>
-                <a:t> 12</a:t>
+                <a:t> 12A</a:t>
               </a:r>
               <a:endParaRPr lang="de-DE" b="1" dirty="0">
                 <a:solidFill>
@@ -11356,7 +11356,7 @@
           <p:spPr>
             <a:xfrm>
               <a:off x="176530" y="1113153"/>
-              <a:ext cx="2309119" cy="369332"/>
+              <a:ext cx="2309119" cy="368300"/>
             </a:xfrm>
             <a:prstGeom prst="rect">
               <a:avLst/>
@@ -11404,7 +11404,7 @@
                     <a:schemeClr val="tx1"/>
                   </a:solidFill>
                 </a:rPr>
-                <a:t> 13</a:t>
+                <a:t> 13A</a:t>
               </a:r>
               <a:endParaRPr lang="de-DE" b="1" dirty="0">
                 <a:solidFill>
@@ -12170,7 +12170,7 @@
           <p:spPr>
             <a:xfrm>
               <a:off x="176530" y="1113153"/>
-              <a:ext cx="2309119" cy="369332"/>
+              <a:ext cx="2309119" cy="368300"/>
             </a:xfrm>
             <a:prstGeom prst="rect">
               <a:avLst/>
@@ -12218,7 +12218,7 @@
                     <a:schemeClr val="tx1"/>
                   </a:solidFill>
                 </a:rPr>
-                <a:t> 14</a:t>
+                <a:t> 14A</a:t>
               </a:r>
               <a:endParaRPr lang="de-DE" b="1" dirty="0">
                 <a:solidFill>
@@ -13003,7 +13003,7 @@
           <p:spPr>
             <a:xfrm>
               <a:off x="176530" y="1113153"/>
-              <a:ext cx="2309119" cy="369332"/>
+              <a:ext cx="2309119" cy="368300"/>
             </a:xfrm>
             <a:prstGeom prst="rect">
               <a:avLst/>
@@ -13051,7 +13051,7 @@
                     <a:schemeClr val="tx1"/>
                   </a:solidFill>
                 </a:rPr>
-                <a:t> 15</a:t>
+                <a:t> 15A</a:t>
               </a:r>
               <a:endParaRPr lang="de-DE" b="1" dirty="0">
                 <a:solidFill>
@@ -13810,7 +13810,7 @@
           <p:spPr>
             <a:xfrm>
               <a:off x="176530" y="1113153"/>
-              <a:ext cx="2309119" cy="369332"/>
+              <a:ext cx="2309119" cy="368300"/>
             </a:xfrm>
             <a:prstGeom prst="rect">
               <a:avLst/>
@@ -13858,7 +13858,7 @@
                     <a:schemeClr val="tx1"/>
                   </a:solidFill>
                 </a:rPr>
-                <a:t>16</a:t>
+                <a:t>16A</a:t>
               </a:r>
               <a:endParaRPr lang="de-DE" b="1" dirty="0">
                 <a:solidFill>
@@ -14610,7 +14610,7 @@
           <p:spPr>
             <a:xfrm>
               <a:off x="176530" y="1113153"/>
-              <a:ext cx="2309119" cy="369332"/>
+              <a:ext cx="2309119" cy="368300"/>
             </a:xfrm>
             <a:prstGeom prst="rect">
               <a:avLst/>
@@ -14658,7 +14658,7 @@
                     <a:schemeClr val="tx1"/>
                   </a:solidFill>
                 </a:rPr>
-                <a:t> 17</a:t>
+                <a:t> 17A</a:t>
               </a:r>
               <a:endParaRPr lang="de-DE" b="1" dirty="0">
                 <a:solidFill>
@@ -15410,7 +15410,7 @@
           <p:spPr>
             <a:xfrm>
               <a:off x="176530" y="1113153"/>
-              <a:ext cx="2309119" cy="369332"/>
+              <a:ext cx="2309119" cy="368300"/>
             </a:xfrm>
             <a:prstGeom prst="rect">
               <a:avLst/>
@@ -15458,7 +15458,7 @@
                     <a:schemeClr val="tx1"/>
                   </a:solidFill>
                 </a:rPr>
-                <a:t>18</a:t>
+                <a:t>1B</a:t>
               </a:r>
               <a:endParaRPr lang="de-DE" b="1" dirty="0">
                 <a:solidFill>
@@ -16216,7 +16216,7 @@
           <p:spPr>
             <a:xfrm>
               <a:off x="176530" y="1113153"/>
-              <a:ext cx="2309119" cy="369332"/>
+              <a:ext cx="2309119" cy="368300"/>
             </a:xfrm>
             <a:prstGeom prst="rect">
               <a:avLst/>
@@ -16264,7 +16264,7 @@
                     <a:schemeClr val="tx1"/>
                   </a:solidFill>
                 </a:rPr>
-                <a:t>1</a:t>
+                <a:t>1A</a:t>
               </a:r>
               <a:endParaRPr lang="de-DE" b="1" dirty="0">
                 <a:solidFill>
@@ -17000,7 +17000,7 @@
           <p:spPr>
             <a:xfrm>
               <a:off x="176530" y="1113153"/>
-              <a:ext cx="2309119" cy="369332"/>
+              <a:ext cx="2309119" cy="368300"/>
             </a:xfrm>
             <a:prstGeom prst="rect">
               <a:avLst/>
@@ -17048,7 +17048,7 @@
                     <a:schemeClr val="tx1"/>
                   </a:solidFill>
                 </a:rPr>
-                <a:t> 19</a:t>
+                <a:t> 2B</a:t>
               </a:r>
               <a:endParaRPr lang="de-DE" b="1" dirty="0">
                 <a:solidFill>
@@ -17806,7 +17806,7 @@
           <p:spPr>
             <a:xfrm>
               <a:off x="176530" y="1113153"/>
-              <a:ext cx="2309119" cy="369332"/>
+              <a:ext cx="2309119" cy="368300"/>
             </a:xfrm>
             <a:prstGeom prst="rect">
               <a:avLst/>
@@ -17854,7 +17854,7 @@
                     <a:schemeClr val="tx1"/>
                   </a:solidFill>
                 </a:rPr>
-                <a:t> 20</a:t>
+                <a:t> 3B</a:t>
               </a:r>
               <a:endParaRPr lang="de-DE" b="1" dirty="0">
                 <a:solidFill>
@@ -18636,7 +18636,7 @@
           <p:spPr>
             <a:xfrm>
               <a:off x="176530" y="1113153"/>
-              <a:ext cx="2309119" cy="369332"/>
+              <a:ext cx="2309119" cy="368300"/>
             </a:xfrm>
             <a:prstGeom prst="rect">
               <a:avLst/>
@@ -18684,7 +18684,7 @@
                     <a:schemeClr val="tx1"/>
                   </a:solidFill>
                 </a:rPr>
-                <a:t> 21</a:t>
+                <a:t> 4B</a:t>
               </a:r>
               <a:endParaRPr lang="de-DE" b="1" dirty="0">
                 <a:solidFill>
@@ -19450,7 +19450,7 @@
           <p:spPr>
             <a:xfrm>
               <a:off x="176530" y="1113153"/>
-              <a:ext cx="2309119" cy="369332"/>
+              <a:ext cx="2309119" cy="368300"/>
             </a:xfrm>
             <a:prstGeom prst="rect">
               <a:avLst/>
@@ -19498,7 +19498,7 @@
                     <a:schemeClr val="tx1"/>
                   </a:solidFill>
                 </a:rPr>
-                <a:t> 22</a:t>
+                <a:t> 5B</a:t>
               </a:r>
               <a:endParaRPr lang="de-DE" b="1" dirty="0">
                 <a:solidFill>
@@ -20257,7 +20257,7 @@
           <p:spPr>
             <a:xfrm>
               <a:off x="176530" y="1113153"/>
-              <a:ext cx="2309119" cy="369332"/>
+              <a:ext cx="2309119" cy="368300"/>
             </a:xfrm>
             <a:prstGeom prst="rect">
               <a:avLst/>
@@ -20305,7 +20305,7 @@
                     <a:schemeClr val="tx1"/>
                   </a:solidFill>
                 </a:rPr>
-                <a:t> 23</a:t>
+                <a:t> 6B</a:t>
               </a:r>
               <a:endParaRPr lang="de-DE" b="1" dirty="0">
                 <a:solidFill>
@@ -21081,7 +21081,7 @@
           <p:spPr>
             <a:xfrm>
               <a:off x="176530" y="1113153"/>
-              <a:ext cx="2309119" cy="369332"/>
+              <a:ext cx="2309119" cy="368300"/>
             </a:xfrm>
             <a:prstGeom prst="rect">
               <a:avLst/>
@@ -21129,7 +21129,7 @@
                     <a:schemeClr val="tx1"/>
                   </a:solidFill>
                 </a:rPr>
-                <a:t> 24</a:t>
+                <a:t> 7B</a:t>
               </a:r>
               <a:endParaRPr lang="de-DE" b="1" dirty="0">
                 <a:solidFill>
@@ -21901,7 +21901,7 @@
           <p:spPr>
             <a:xfrm>
               <a:off x="176530" y="1113153"/>
-              <a:ext cx="2309119" cy="369332"/>
+              <a:ext cx="2309119" cy="368300"/>
             </a:xfrm>
             <a:prstGeom prst="rect">
               <a:avLst/>
@@ -21949,7 +21949,7 @@
                     <a:schemeClr val="tx1"/>
                   </a:solidFill>
                 </a:rPr>
-                <a:t>25</a:t>
+                <a:t>8B</a:t>
               </a:r>
               <a:endParaRPr lang="de-DE" b="1" dirty="0">
                 <a:solidFill>
@@ -22708,7 +22708,7 @@
           <p:spPr>
             <a:xfrm>
               <a:off x="176530" y="1113153"/>
-              <a:ext cx="2309119" cy="369332"/>
+              <a:ext cx="2309119" cy="368300"/>
             </a:xfrm>
             <a:prstGeom prst="rect">
               <a:avLst/>
@@ -22756,7 +22756,7 @@
                     <a:schemeClr val="tx1"/>
                   </a:solidFill>
                 </a:rPr>
-                <a:t> 26</a:t>
+                <a:t> 9B</a:t>
               </a:r>
               <a:endParaRPr lang="de-DE" b="1" dirty="0">
                 <a:solidFill>
@@ -23570,7 +23570,7 @@
                     <a:schemeClr val="tx1"/>
                   </a:solidFill>
                 </a:rPr>
-                <a:t> 27</a:t>
+                <a:t> 10B</a:t>
               </a:r>
               <a:endParaRPr lang="de-DE" b="1" dirty="0">
                 <a:solidFill>
@@ -24326,7 +24326,7 @@
           <p:spPr>
             <a:xfrm>
               <a:off x="176530" y="1113153"/>
-              <a:ext cx="2309119" cy="369332"/>
+              <a:ext cx="2309119" cy="368300"/>
             </a:xfrm>
             <a:prstGeom prst="rect">
               <a:avLst/>
@@ -24374,7 +24374,7 @@
                     <a:schemeClr val="tx1"/>
                   </a:solidFill>
                 </a:rPr>
-                <a:t>2</a:t>
+                <a:t>2A</a:t>
               </a:r>
               <a:endParaRPr lang="de-DE" b="1" dirty="0">
                 <a:solidFill>
@@ -25114,7 +25114,7 @@
           <p:spPr>
             <a:xfrm>
               <a:off x="176530" y="1113153"/>
-              <a:ext cx="2309119" cy="369332"/>
+              <a:ext cx="2309119" cy="368300"/>
             </a:xfrm>
             <a:prstGeom prst="rect">
               <a:avLst/>
@@ -25162,7 +25162,7 @@
                     <a:schemeClr val="tx1"/>
                   </a:solidFill>
                 </a:rPr>
-                <a:t>3</a:t>
+                <a:t>3A</a:t>
               </a:r>
               <a:endParaRPr lang="de-DE" b="1" dirty="0">
                 <a:solidFill>
@@ -25895,7 +25895,7 @@
           <p:spPr>
             <a:xfrm>
               <a:off x="176530" y="1113153"/>
-              <a:ext cx="2309119" cy="369332"/>
+              <a:ext cx="2309119" cy="368300"/>
             </a:xfrm>
             <a:prstGeom prst="rect">
               <a:avLst/>
@@ -25943,7 +25943,7 @@
                     <a:schemeClr val="tx1"/>
                   </a:solidFill>
                 </a:rPr>
-                <a:t>4</a:t>
+                <a:t>4A</a:t>
               </a:r>
               <a:endParaRPr lang="de-DE" b="1" dirty="0">
                 <a:solidFill>
@@ -26679,7 +26679,7 @@
           <p:spPr>
             <a:xfrm>
               <a:off x="176530" y="1113153"/>
-              <a:ext cx="2309119" cy="369332"/>
+              <a:ext cx="2309119" cy="368300"/>
             </a:xfrm>
             <a:prstGeom prst="rect">
               <a:avLst/>
@@ -26727,7 +26727,7 @@
                     <a:schemeClr val="tx1"/>
                   </a:solidFill>
                 </a:rPr>
-                <a:t>5</a:t>
+                <a:t>5A</a:t>
               </a:r>
               <a:endParaRPr lang="de-DE" b="1" dirty="0">
                 <a:solidFill>
@@ -27470,7 +27470,7 @@
           <p:spPr>
             <a:xfrm>
               <a:off x="176530" y="1113153"/>
-              <a:ext cx="2309119" cy="369332"/>
+              <a:ext cx="2309119" cy="368300"/>
             </a:xfrm>
             <a:prstGeom prst="rect">
               <a:avLst/>
@@ -27518,7 +27518,7 @@
                     <a:schemeClr val="tx1"/>
                   </a:solidFill>
                 </a:rPr>
-                <a:t> 6</a:t>
+                <a:t> 6A</a:t>
               </a:r>
               <a:endParaRPr lang="de-DE" b="1" dirty="0">
                 <a:solidFill>
@@ -28253,7 +28253,7 @@
           <p:spPr>
             <a:xfrm>
               <a:off x="176530" y="1113153"/>
-              <a:ext cx="2309119" cy="369332"/>
+              <a:ext cx="2309119" cy="368300"/>
             </a:xfrm>
             <a:prstGeom prst="rect">
               <a:avLst/>
@@ -28301,7 +28301,7 @@
                     <a:schemeClr val="tx1"/>
                   </a:solidFill>
                 </a:rPr>
-                <a:t> 7</a:t>
+                <a:t> 7A</a:t>
               </a:r>
               <a:endParaRPr lang="de-DE" b="1" dirty="0">
                 <a:solidFill>
@@ -29048,7 +29048,7 @@
           <p:spPr>
             <a:xfrm>
               <a:off x="176530" y="1113153"/>
-              <a:ext cx="2309119" cy="369332"/>
+              <a:ext cx="2309119" cy="368300"/>
             </a:xfrm>
             <a:prstGeom prst="rect">
               <a:avLst/>
@@ -29096,7 +29096,7 @@
                     <a:schemeClr val="tx1"/>
                   </a:solidFill>
                 </a:rPr>
-                <a:t>8</a:t>
+                <a:t>8A</a:t>
               </a:r>
               <a:endParaRPr lang="de-DE" b="1" dirty="0">
                 <a:solidFill>

--- a/SnowCards_Requirements.pptx
+++ b/SnowCards_Requirements.pptx
@@ -3,60 +3,61 @@
 <p:presentation xmlns:a="http://schemas.openxmlformats.org/drawingml/2006/main" xmlns:r="http://schemas.openxmlformats.org/officeDocument/2006/relationships" xmlns:p="http://schemas.openxmlformats.org/presentationml/2006/main" showSpecialPlsOnTitleSld="0" embedTrueTypeFonts="1" autoCompressPictures="0">
   <p:sldMasterIdLst>
     <p:sldMasterId id="2147483648" r:id="rId1"/>
-    <p:sldMasterId id="2147483653" r:id="rId3"/>
+    <p:sldMasterId id="2147483653" r:id="rId2"/>
   </p:sldMasterIdLst>
   <p:notesMasterIdLst>
-    <p:notesMasterId r:id="rId5"/>
+    <p:notesMasterId r:id="rId32"/>
   </p:notesMasterIdLst>
   <p:handoutMasterIdLst>
     <p:handoutMasterId r:id="rId33"/>
   </p:handoutMasterIdLst>
   <p:sldIdLst>
-    <p:sldId id="309" r:id="rId4"/>
-    <p:sldId id="311" r:id="rId6"/>
-    <p:sldId id="314" r:id="rId7"/>
-    <p:sldId id="316" r:id="rId8"/>
-    <p:sldId id="317" r:id="rId9"/>
-    <p:sldId id="318" r:id="rId10"/>
-    <p:sldId id="319" r:id="rId11"/>
-    <p:sldId id="315" r:id="rId12"/>
-    <p:sldId id="320" r:id="rId13"/>
-    <p:sldId id="331" r:id="rId14"/>
-    <p:sldId id="323" r:id="rId15"/>
-    <p:sldId id="321" r:id="rId16"/>
-    <p:sldId id="328" r:id="rId17"/>
-    <p:sldId id="324" r:id="rId18"/>
-    <p:sldId id="325" r:id="rId19"/>
-    <p:sldId id="326" r:id="rId20"/>
-    <p:sldId id="327" r:id="rId21"/>
-    <p:sldId id="329" r:id="rId22"/>
-    <p:sldId id="330" r:id="rId23"/>
-    <p:sldId id="332" r:id="rId24"/>
-    <p:sldId id="333" r:id="rId25"/>
-    <p:sldId id="334" r:id="rId26"/>
-    <p:sldId id="335" r:id="rId27"/>
-    <p:sldId id="337" r:id="rId28"/>
-    <p:sldId id="341" r:id="rId29"/>
-    <p:sldId id="338" r:id="rId30"/>
-    <p:sldId id="340" r:id="rId31"/>
-    <p:sldId id="344" r:id="rId32"/>
+    <p:sldId id="309" r:id="rId3"/>
+    <p:sldId id="311" r:id="rId4"/>
+    <p:sldId id="314" r:id="rId5"/>
+    <p:sldId id="316" r:id="rId6"/>
+    <p:sldId id="317" r:id="rId7"/>
+    <p:sldId id="318" r:id="rId8"/>
+    <p:sldId id="319" r:id="rId9"/>
+    <p:sldId id="315" r:id="rId10"/>
+    <p:sldId id="320" r:id="rId11"/>
+    <p:sldId id="331" r:id="rId12"/>
+    <p:sldId id="323" r:id="rId13"/>
+    <p:sldId id="321" r:id="rId14"/>
+    <p:sldId id="328" r:id="rId15"/>
+    <p:sldId id="324" r:id="rId16"/>
+    <p:sldId id="325" r:id="rId17"/>
+    <p:sldId id="326" r:id="rId18"/>
+    <p:sldId id="327" r:id="rId19"/>
+    <p:sldId id="329" r:id="rId20"/>
+    <p:sldId id="330" r:id="rId21"/>
+    <p:sldId id="332" r:id="rId22"/>
+    <p:sldId id="333" r:id="rId23"/>
+    <p:sldId id="334" r:id="rId24"/>
+    <p:sldId id="335" r:id="rId25"/>
+    <p:sldId id="337" r:id="rId26"/>
+    <p:sldId id="341" r:id="rId27"/>
+    <p:sldId id="338" r:id="rId28"/>
+    <p:sldId id="340" r:id="rId29"/>
+    <p:sldId id="344" r:id="rId30"/>
+    <p:sldId id="345" r:id="rId31"/>
   </p:sldIdLst>
   <p:sldSz cx="12192000" cy="6858000"/>
   <p:notesSz cx="9928225" cy="6797675"/>
   <p:embeddedFontLst>
     <p:embeddedFont>
-      <p:font typeface="Roboto" panose="02000000000000000000" pitchFamily="2" charset="0"/>
-      <p:regular r:id="rId37"/>
-      <p:bold r:id="rId38"/>
-      <p:italic r:id="rId39"/>
-      <p:boldItalic r:id="rId40"/>
+      <p:font typeface="Calibri" panose="020F0502020204030204" pitchFamily="34" charset="0"/>
+      <p:regular r:id="rId34"/>
+      <p:bold r:id="rId35"/>
+      <p:italic r:id="rId36"/>
+      <p:boldItalic r:id="rId37"/>
     </p:embeddedFont>
     <p:embeddedFont>
-      <p:font typeface="Calibri" panose="020F0502020204030204" charset="0"/>
-      <p:regular r:id="rId41"/>
-      <p:bold r:id="rId42"/>
-      <p:italic r:id="rId43"/>
-      <p:boldItalic r:id="rId44"/>
+      <p:font typeface="Roboto" panose="020B0604020202020204" charset="0"/>
+      <p:regular r:id="rId38"/>
+      <p:bold r:id="rId39"/>
+      <p:italic r:id="rId40"/>
+      <p:boldItalic r:id="rId41"/>
     </p:embeddedFont>
   </p:embeddedFontLst>
   <p:defaultTextStyle>
@@ -184,6 +185,25 @@
       </a:defRPr>
     </a:lvl9pPr>
   </p:defaultTextStyle>
+  <p:extLst>
+    <p:ext uri="{EFAFB233-063F-42B5-8137-9DF3F51BA10A}">
+      <p15:sldGuideLst xmlns:p15="http://schemas.microsoft.com/office/powerpoint/2012/main"/>
+    </p:ext>
+    <p:ext uri="{2D200454-40CA-4A62-9FC3-DE9A4176ACB9}">
+      <p15:notesGuideLst xmlns:p15="http://schemas.microsoft.com/office/powerpoint/2012/main">
+        <p15:guide id="1" orient="horz" pos="2142">
+          <p15:clr>
+            <a:srgbClr val="A4A3A4"/>
+          </p15:clr>
+        </p15:guide>
+        <p15:guide id="2" pos="3130">
+          <p15:clr>
+            <a:srgbClr val="A4A3A4"/>
+          </p15:clr>
+        </p15:guide>
+      </p15:notesGuideLst>
+    </p:ext>
+  </p:extLst>
 </p:presentation>
 </file>
 
@@ -269,6 +289,7 @@
           <a:p>
             <a:fld id="{283A9E21-4981-413F-9BAB-A1BE42E0A624}" type="datetimeFigureOut">
               <a:rPr lang="de-DE" smtClean="0"/>
+              <a:t>02.11.2025</a:t>
             </a:fld>
             <a:endParaRPr lang="de-DE"/>
           </a:p>
@@ -334,12 +355,18 @@
           <a:p>
             <a:fld id="{B01872BD-D2C1-4FAA-A740-0001980793A7}" type="slidenum">
               <a:rPr lang="de-DE" smtClean="0"/>
+              <a:t>‹Nr.›</a:t>
             </a:fld>
             <a:endParaRPr lang="de-DE"/>
           </a:p>
         </p:txBody>
       </p:sp>
     </p:spTree>
+    <p:extLst>
+      <p:ext uri="{BB962C8B-B14F-4D97-AF65-F5344CB8AC3E}">
+        <p14:creationId xmlns:p14="http://schemas.microsoft.com/office/powerpoint/2010/main" val="1998451684"/>
+      </p:ext>
+    </p:extLst>
   </p:cSld>
   <p:clrMap bg1="lt1" tx1="dk1" bg2="lt2" tx2="dk2" accent1="accent1" accent2="accent2" accent3="accent3" accent4="accent4" accent5="accent5" accent6="accent6" hlink="hlink" folHlink="folHlink"/>
 </p:handoutMaster>
@@ -617,7 +644,6 @@
               <a:rPr lang="de-DE" noProof="0"/>
               <a:t>Textmasterformate durch Klicken bearbeiten</a:t>
             </a:r>
-            <a:endParaRPr lang="de-DE" noProof="0"/>
           </a:p>
           <a:p>
             <a:pPr lvl="1"/>
@@ -625,7 +651,6 @@
               <a:rPr lang="de-DE" noProof="0"/>
               <a:t>Zweite Ebene</a:t>
             </a:r>
-            <a:endParaRPr lang="de-DE" noProof="0"/>
           </a:p>
           <a:p>
             <a:pPr lvl="2"/>
@@ -633,7 +658,6 @@
               <a:rPr lang="de-DE" noProof="0"/>
               <a:t>Dritte Ebene</a:t>
             </a:r>
-            <a:endParaRPr lang="de-DE" noProof="0"/>
           </a:p>
           <a:p>
             <a:pPr lvl="3"/>
@@ -641,7 +665,6 @@
               <a:rPr lang="de-DE" noProof="0"/>
               <a:t>Vierte Ebene</a:t>
             </a:r>
-            <a:endParaRPr lang="de-DE" noProof="0"/>
           </a:p>
           <a:p>
             <a:pPr lvl="4"/>
@@ -649,7 +672,6 @@
               <a:rPr lang="de-DE" noProof="0"/>
               <a:t>Fünfte Ebene</a:t>
             </a:r>
-            <a:endParaRPr lang="de-DE" noProof="0"/>
           </a:p>
         </p:txBody>
       </p:sp>
@@ -785,12 +807,18 @@
           <a:p>
             <a:fld id="{5EB2B633-7BEC-49A7-B3BF-92E0C7E450E6}" type="slidenum">
               <a:rPr lang="de-DE" altLang="de-DE"/>
+              <a:t>‹Nr.›</a:t>
             </a:fld>
             <a:endParaRPr lang="de-DE" altLang="de-DE"/>
           </a:p>
         </p:txBody>
       </p:sp>
     </p:spTree>
+    <p:extLst>
+      <p:ext uri="{BB962C8B-B14F-4D97-AF65-F5344CB8AC3E}">
+        <p14:creationId xmlns:p14="http://schemas.microsoft.com/office/powerpoint/2010/main" val="3218089403"/>
+      </p:ext>
+    </p:extLst>
   </p:cSld>
   <p:clrMap bg1="lt1" tx1="dk1" bg2="lt2" tx2="dk2" accent1="accent1" accent2="accent2" accent3="accent3" accent4="accent4" accent5="accent5" accent6="accent6" hlink="hlink" folHlink="folHlink"/>
   <p:notesStyle>
@@ -983,12 +1011,18 @@
           <a:p>
             <a:fld id="{5EB2B633-7BEC-49A7-B3BF-92E0C7E450E6}" type="slidenum">
               <a:rPr lang="de-DE" altLang="de-DE" smtClean="0"/>
+              <a:t>1</a:t>
             </a:fld>
             <a:endParaRPr lang="de-DE" altLang="de-DE"/>
           </a:p>
         </p:txBody>
       </p:sp>
     </p:spTree>
+    <p:extLst>
+      <p:ext uri="{BB962C8B-B14F-4D97-AF65-F5344CB8AC3E}">
+        <p14:creationId xmlns:p14="http://schemas.microsoft.com/office/powerpoint/2010/main" val="1779874259"/>
+      </p:ext>
+    </p:extLst>
   </p:cSld>
   <p:clrMapOvr>
     <a:masterClrMapping/>
@@ -1061,12 +1095,18 @@
           <a:p>
             <a:fld id="{5EB2B633-7BEC-49A7-B3BF-92E0C7E450E6}" type="slidenum">
               <a:rPr lang="de-DE" altLang="de-DE" smtClean="0"/>
+              <a:t>10</a:t>
             </a:fld>
             <a:endParaRPr lang="de-DE" altLang="de-DE"/>
           </a:p>
         </p:txBody>
       </p:sp>
     </p:spTree>
+    <p:extLst>
+      <p:ext uri="{BB962C8B-B14F-4D97-AF65-F5344CB8AC3E}">
+        <p14:creationId xmlns:p14="http://schemas.microsoft.com/office/powerpoint/2010/main" val="864079397"/>
+      </p:ext>
+    </p:extLst>
   </p:cSld>
   <p:clrMapOvr>
     <a:masterClrMapping/>
@@ -1139,12 +1179,18 @@
           <a:p>
             <a:fld id="{5EB2B633-7BEC-49A7-B3BF-92E0C7E450E6}" type="slidenum">
               <a:rPr lang="de-DE" altLang="de-DE" smtClean="0"/>
+              <a:t>11</a:t>
             </a:fld>
             <a:endParaRPr lang="de-DE" altLang="de-DE"/>
           </a:p>
         </p:txBody>
       </p:sp>
     </p:spTree>
+    <p:extLst>
+      <p:ext uri="{BB962C8B-B14F-4D97-AF65-F5344CB8AC3E}">
+        <p14:creationId xmlns:p14="http://schemas.microsoft.com/office/powerpoint/2010/main" val="1395032667"/>
+      </p:ext>
+    </p:extLst>
   </p:cSld>
   <p:clrMapOvr>
     <a:masterClrMapping/>
@@ -1217,12 +1263,18 @@
           <a:p>
             <a:fld id="{5EB2B633-7BEC-49A7-B3BF-92E0C7E450E6}" type="slidenum">
               <a:rPr lang="de-DE" altLang="de-DE" smtClean="0"/>
+              <a:t>12</a:t>
             </a:fld>
             <a:endParaRPr lang="de-DE" altLang="de-DE"/>
           </a:p>
         </p:txBody>
       </p:sp>
     </p:spTree>
+    <p:extLst>
+      <p:ext uri="{BB962C8B-B14F-4D97-AF65-F5344CB8AC3E}">
+        <p14:creationId xmlns:p14="http://schemas.microsoft.com/office/powerpoint/2010/main" val="349600754"/>
+      </p:ext>
+    </p:extLst>
   </p:cSld>
   <p:clrMapOvr>
     <a:masterClrMapping/>
@@ -1295,12 +1347,18 @@
           <a:p>
             <a:fld id="{5EB2B633-7BEC-49A7-B3BF-92E0C7E450E6}" type="slidenum">
               <a:rPr lang="de-DE" altLang="de-DE" smtClean="0"/>
+              <a:t>13</a:t>
             </a:fld>
             <a:endParaRPr lang="de-DE" altLang="de-DE"/>
           </a:p>
         </p:txBody>
       </p:sp>
     </p:spTree>
+    <p:extLst>
+      <p:ext uri="{BB962C8B-B14F-4D97-AF65-F5344CB8AC3E}">
+        <p14:creationId xmlns:p14="http://schemas.microsoft.com/office/powerpoint/2010/main" val="1014502332"/>
+      </p:ext>
+    </p:extLst>
   </p:cSld>
   <p:clrMapOvr>
     <a:masterClrMapping/>
@@ -1373,12 +1431,18 @@
           <a:p>
             <a:fld id="{5EB2B633-7BEC-49A7-B3BF-92E0C7E450E6}" type="slidenum">
               <a:rPr lang="de-DE" altLang="de-DE" smtClean="0"/>
+              <a:t>14</a:t>
             </a:fld>
             <a:endParaRPr lang="de-DE" altLang="de-DE"/>
           </a:p>
         </p:txBody>
       </p:sp>
     </p:spTree>
+    <p:extLst>
+      <p:ext uri="{BB962C8B-B14F-4D97-AF65-F5344CB8AC3E}">
+        <p14:creationId xmlns:p14="http://schemas.microsoft.com/office/powerpoint/2010/main" val="3053593933"/>
+      </p:ext>
+    </p:extLst>
   </p:cSld>
   <p:clrMapOvr>
     <a:masterClrMapping/>
@@ -1451,12 +1515,18 @@
           <a:p>
             <a:fld id="{5EB2B633-7BEC-49A7-B3BF-92E0C7E450E6}" type="slidenum">
               <a:rPr lang="de-DE" altLang="de-DE" smtClean="0"/>
+              <a:t>15</a:t>
             </a:fld>
             <a:endParaRPr lang="de-DE" altLang="de-DE"/>
           </a:p>
         </p:txBody>
       </p:sp>
     </p:spTree>
+    <p:extLst>
+      <p:ext uri="{BB962C8B-B14F-4D97-AF65-F5344CB8AC3E}">
+        <p14:creationId xmlns:p14="http://schemas.microsoft.com/office/powerpoint/2010/main" val="823569954"/>
+      </p:ext>
+    </p:extLst>
   </p:cSld>
   <p:clrMapOvr>
     <a:masterClrMapping/>
@@ -1529,12 +1599,18 @@
           <a:p>
             <a:fld id="{5EB2B633-7BEC-49A7-B3BF-92E0C7E450E6}" type="slidenum">
               <a:rPr lang="de-DE" altLang="de-DE" smtClean="0"/>
+              <a:t>16</a:t>
             </a:fld>
             <a:endParaRPr lang="de-DE" altLang="de-DE"/>
           </a:p>
         </p:txBody>
       </p:sp>
     </p:spTree>
+    <p:extLst>
+      <p:ext uri="{BB962C8B-B14F-4D97-AF65-F5344CB8AC3E}">
+        <p14:creationId xmlns:p14="http://schemas.microsoft.com/office/powerpoint/2010/main" val="2864619222"/>
+      </p:ext>
+    </p:extLst>
   </p:cSld>
   <p:clrMapOvr>
     <a:masterClrMapping/>
@@ -1607,12 +1683,18 @@
           <a:p>
             <a:fld id="{5EB2B633-7BEC-49A7-B3BF-92E0C7E450E6}" type="slidenum">
               <a:rPr lang="de-DE" altLang="de-DE" smtClean="0"/>
+              <a:t>17</a:t>
             </a:fld>
             <a:endParaRPr lang="de-DE" altLang="de-DE"/>
           </a:p>
         </p:txBody>
       </p:sp>
     </p:spTree>
+    <p:extLst>
+      <p:ext uri="{BB962C8B-B14F-4D97-AF65-F5344CB8AC3E}">
+        <p14:creationId xmlns:p14="http://schemas.microsoft.com/office/powerpoint/2010/main" val="1582695963"/>
+      </p:ext>
+    </p:extLst>
   </p:cSld>
   <p:clrMapOvr>
     <a:masterClrMapping/>
@@ -1685,12 +1767,18 @@
           <a:p>
             <a:fld id="{5EB2B633-7BEC-49A7-B3BF-92E0C7E450E6}" type="slidenum">
               <a:rPr lang="de-DE" altLang="de-DE" smtClean="0"/>
+              <a:t>18</a:t>
             </a:fld>
             <a:endParaRPr lang="de-DE" altLang="de-DE"/>
           </a:p>
         </p:txBody>
       </p:sp>
     </p:spTree>
+    <p:extLst>
+      <p:ext uri="{BB962C8B-B14F-4D97-AF65-F5344CB8AC3E}">
+        <p14:creationId xmlns:p14="http://schemas.microsoft.com/office/powerpoint/2010/main" val="3229464740"/>
+      </p:ext>
+    </p:extLst>
   </p:cSld>
   <p:clrMapOvr>
     <a:masterClrMapping/>
@@ -1763,12 +1851,18 @@
           <a:p>
             <a:fld id="{5EB2B633-7BEC-49A7-B3BF-92E0C7E450E6}" type="slidenum">
               <a:rPr lang="de-DE" altLang="de-DE" smtClean="0"/>
+              <a:t>19</a:t>
             </a:fld>
             <a:endParaRPr lang="de-DE" altLang="de-DE"/>
           </a:p>
         </p:txBody>
       </p:sp>
     </p:spTree>
+    <p:extLst>
+      <p:ext uri="{BB962C8B-B14F-4D97-AF65-F5344CB8AC3E}">
+        <p14:creationId xmlns:p14="http://schemas.microsoft.com/office/powerpoint/2010/main" val="2415388817"/>
+      </p:ext>
+    </p:extLst>
   </p:cSld>
   <p:clrMapOvr>
     <a:masterClrMapping/>
@@ -1841,12 +1935,18 @@
           <a:p>
             <a:fld id="{5EB2B633-7BEC-49A7-B3BF-92E0C7E450E6}" type="slidenum">
               <a:rPr lang="de-DE" altLang="de-DE" smtClean="0"/>
+              <a:t>2</a:t>
             </a:fld>
             <a:endParaRPr lang="de-DE" altLang="de-DE"/>
           </a:p>
         </p:txBody>
       </p:sp>
     </p:spTree>
+    <p:extLst>
+      <p:ext uri="{BB962C8B-B14F-4D97-AF65-F5344CB8AC3E}">
+        <p14:creationId xmlns:p14="http://schemas.microsoft.com/office/powerpoint/2010/main" val="1188752921"/>
+      </p:ext>
+    </p:extLst>
   </p:cSld>
   <p:clrMapOvr>
     <a:masterClrMapping/>
@@ -1919,12 +2019,18 @@
           <a:p>
             <a:fld id="{5EB2B633-7BEC-49A7-B3BF-92E0C7E450E6}" type="slidenum">
               <a:rPr lang="de-DE" altLang="de-DE" smtClean="0"/>
+              <a:t>20</a:t>
             </a:fld>
             <a:endParaRPr lang="de-DE" altLang="de-DE"/>
           </a:p>
         </p:txBody>
       </p:sp>
     </p:spTree>
+    <p:extLst>
+      <p:ext uri="{BB962C8B-B14F-4D97-AF65-F5344CB8AC3E}">
+        <p14:creationId xmlns:p14="http://schemas.microsoft.com/office/powerpoint/2010/main" val="1209809401"/>
+      </p:ext>
+    </p:extLst>
   </p:cSld>
   <p:clrMapOvr>
     <a:masterClrMapping/>
@@ -1997,12 +2103,18 @@
           <a:p>
             <a:fld id="{5EB2B633-7BEC-49A7-B3BF-92E0C7E450E6}" type="slidenum">
               <a:rPr lang="de-DE" altLang="de-DE" smtClean="0"/>
+              <a:t>21</a:t>
             </a:fld>
             <a:endParaRPr lang="de-DE" altLang="de-DE"/>
           </a:p>
         </p:txBody>
       </p:sp>
     </p:spTree>
+    <p:extLst>
+      <p:ext uri="{BB962C8B-B14F-4D97-AF65-F5344CB8AC3E}">
+        <p14:creationId xmlns:p14="http://schemas.microsoft.com/office/powerpoint/2010/main" val="3260897299"/>
+      </p:ext>
+    </p:extLst>
   </p:cSld>
   <p:clrMapOvr>
     <a:masterClrMapping/>
@@ -2075,12 +2187,18 @@
           <a:p>
             <a:fld id="{5EB2B633-7BEC-49A7-B3BF-92E0C7E450E6}" type="slidenum">
               <a:rPr lang="de-DE" altLang="de-DE" smtClean="0"/>
+              <a:t>22</a:t>
             </a:fld>
             <a:endParaRPr lang="de-DE" altLang="de-DE"/>
           </a:p>
         </p:txBody>
       </p:sp>
     </p:spTree>
+    <p:extLst>
+      <p:ext uri="{BB962C8B-B14F-4D97-AF65-F5344CB8AC3E}">
+        <p14:creationId xmlns:p14="http://schemas.microsoft.com/office/powerpoint/2010/main" val="1352925050"/>
+      </p:ext>
+    </p:extLst>
   </p:cSld>
   <p:clrMapOvr>
     <a:masterClrMapping/>
@@ -2153,12 +2271,18 @@
           <a:p>
             <a:fld id="{5EB2B633-7BEC-49A7-B3BF-92E0C7E450E6}" type="slidenum">
               <a:rPr lang="de-DE" altLang="de-DE" smtClean="0"/>
+              <a:t>23</a:t>
             </a:fld>
             <a:endParaRPr lang="de-DE" altLang="de-DE"/>
           </a:p>
         </p:txBody>
       </p:sp>
     </p:spTree>
+    <p:extLst>
+      <p:ext uri="{BB962C8B-B14F-4D97-AF65-F5344CB8AC3E}">
+        <p14:creationId xmlns:p14="http://schemas.microsoft.com/office/powerpoint/2010/main" val="2915324409"/>
+      </p:ext>
+    </p:extLst>
   </p:cSld>
   <p:clrMapOvr>
     <a:masterClrMapping/>
@@ -2231,12 +2355,18 @@
           <a:p>
             <a:fld id="{5EB2B633-7BEC-49A7-B3BF-92E0C7E450E6}" type="slidenum">
               <a:rPr lang="de-DE" altLang="de-DE" smtClean="0"/>
+              <a:t>24</a:t>
             </a:fld>
             <a:endParaRPr lang="de-DE" altLang="de-DE"/>
           </a:p>
         </p:txBody>
       </p:sp>
     </p:spTree>
+    <p:extLst>
+      <p:ext uri="{BB962C8B-B14F-4D97-AF65-F5344CB8AC3E}">
+        <p14:creationId xmlns:p14="http://schemas.microsoft.com/office/powerpoint/2010/main" val="1291034986"/>
+      </p:ext>
+    </p:extLst>
   </p:cSld>
   <p:clrMapOvr>
     <a:masterClrMapping/>
@@ -2309,12 +2439,18 @@
           <a:p>
             <a:fld id="{5EB2B633-7BEC-49A7-B3BF-92E0C7E450E6}" type="slidenum">
               <a:rPr lang="de-DE" altLang="de-DE" smtClean="0"/>
+              <a:t>25</a:t>
             </a:fld>
             <a:endParaRPr lang="de-DE" altLang="de-DE"/>
           </a:p>
         </p:txBody>
       </p:sp>
     </p:spTree>
+    <p:extLst>
+      <p:ext uri="{BB962C8B-B14F-4D97-AF65-F5344CB8AC3E}">
+        <p14:creationId xmlns:p14="http://schemas.microsoft.com/office/powerpoint/2010/main" val="1192507692"/>
+      </p:ext>
+    </p:extLst>
   </p:cSld>
   <p:clrMapOvr>
     <a:masterClrMapping/>
@@ -2387,12 +2523,18 @@
           <a:p>
             <a:fld id="{5EB2B633-7BEC-49A7-B3BF-92E0C7E450E6}" type="slidenum">
               <a:rPr lang="de-DE" altLang="de-DE" smtClean="0"/>
+              <a:t>26</a:t>
             </a:fld>
             <a:endParaRPr lang="de-DE" altLang="de-DE"/>
           </a:p>
         </p:txBody>
       </p:sp>
     </p:spTree>
+    <p:extLst>
+      <p:ext uri="{BB962C8B-B14F-4D97-AF65-F5344CB8AC3E}">
+        <p14:creationId xmlns:p14="http://schemas.microsoft.com/office/powerpoint/2010/main" val="1420418380"/>
+      </p:ext>
+    </p:extLst>
   </p:cSld>
   <p:clrMapOvr>
     <a:masterClrMapping/>
@@ -2465,12 +2607,18 @@
           <a:p>
             <a:fld id="{5EB2B633-7BEC-49A7-B3BF-92E0C7E450E6}" type="slidenum">
               <a:rPr lang="de-DE" altLang="de-DE" smtClean="0"/>
+              <a:t>27</a:t>
             </a:fld>
             <a:endParaRPr lang="de-DE" altLang="de-DE"/>
           </a:p>
         </p:txBody>
       </p:sp>
     </p:spTree>
+    <p:extLst>
+      <p:ext uri="{BB962C8B-B14F-4D97-AF65-F5344CB8AC3E}">
+        <p14:creationId xmlns:p14="http://schemas.microsoft.com/office/powerpoint/2010/main" val="2191291786"/>
+      </p:ext>
+    </p:extLst>
   </p:cSld>
   <p:clrMapOvr>
     <a:masterClrMapping/>
@@ -2543,12 +2691,102 @@
           <a:p>
             <a:fld id="{5EB2B633-7BEC-49A7-B3BF-92E0C7E450E6}" type="slidenum">
               <a:rPr lang="de-DE" altLang="de-DE" smtClean="0"/>
+              <a:t>28</a:t>
             </a:fld>
             <a:endParaRPr lang="de-DE" altLang="de-DE"/>
           </a:p>
         </p:txBody>
       </p:sp>
     </p:spTree>
+    <p:extLst>
+      <p:ext uri="{BB962C8B-B14F-4D97-AF65-F5344CB8AC3E}">
+        <p14:creationId xmlns:p14="http://schemas.microsoft.com/office/powerpoint/2010/main" val="1600472823"/>
+      </p:ext>
+    </p:extLst>
+  </p:cSld>
+  <p:clrMapOvr>
+    <a:masterClrMapping/>
+  </p:clrMapOvr>
+</p:notes>
+</file>
+
+<file path=ppt/notesSlides/notesSlide29.xml><?xml version="1.0" encoding="utf-8"?>
+<p:notes xmlns:a="http://schemas.openxmlformats.org/drawingml/2006/main" xmlns:r="http://schemas.openxmlformats.org/officeDocument/2006/relationships" xmlns:p="http://schemas.openxmlformats.org/presentationml/2006/main">
+  <p:cSld>
+    <p:spTree>
+      <p:nvGrpSpPr>
+        <p:cNvPr id="1" name=""/>
+        <p:cNvGrpSpPr/>
+        <p:nvPr/>
+      </p:nvGrpSpPr>
+      <p:grpSpPr>
+        <a:xfrm>
+          <a:off x="0" y="0"/>
+          <a:ext cx="0" cy="0"/>
+          <a:chOff x="0" y="0"/>
+          <a:chExt cx="0" cy="0"/>
+        </a:xfrm>
+      </p:grpSpPr>
+      <p:sp>
+        <p:nvSpPr>
+          <p:cNvPr id="2" name="Folienbildplatzhalter 1"/>
+          <p:cNvSpPr>
+            <a:spLocks noGrp="1" noRot="1" noChangeAspect="1"/>
+          </p:cNvSpPr>
+          <p:nvPr>
+            <p:ph type="sldImg"/>
+          </p:nvPr>
+        </p:nvSpPr>
+        <p:spPr/>
+      </p:sp>
+      <p:sp>
+        <p:nvSpPr>
+          <p:cNvPr id="3" name="Notizenplatzhalter 2"/>
+          <p:cNvSpPr>
+            <a:spLocks noGrp="1"/>
+          </p:cNvSpPr>
+          <p:nvPr>
+            <p:ph type="body" idx="1"/>
+          </p:nvPr>
+        </p:nvSpPr>
+        <p:spPr/>
+        <p:txBody>
+          <a:bodyPr/>
+          <a:lstStyle/>
+          <a:p>
+            <a:endParaRPr lang="de-DE"/>
+          </a:p>
+        </p:txBody>
+      </p:sp>
+      <p:sp>
+        <p:nvSpPr>
+          <p:cNvPr id="4" name="Foliennummernplatzhalter 3"/>
+          <p:cNvSpPr>
+            <a:spLocks noGrp="1"/>
+          </p:cNvSpPr>
+          <p:nvPr>
+            <p:ph type="sldNum" sz="quarter" idx="5"/>
+          </p:nvPr>
+        </p:nvSpPr>
+        <p:spPr/>
+        <p:txBody>
+          <a:bodyPr/>
+          <a:lstStyle/>
+          <a:p>
+            <a:fld id="{5EB2B633-7BEC-49A7-B3BF-92E0C7E450E6}" type="slidenum">
+              <a:rPr lang="de-DE" altLang="de-DE" smtClean="0"/>
+              <a:t>29</a:t>
+            </a:fld>
+            <a:endParaRPr lang="de-DE" altLang="de-DE"/>
+          </a:p>
+        </p:txBody>
+      </p:sp>
+    </p:spTree>
+    <p:extLst>
+      <p:ext uri="{BB962C8B-B14F-4D97-AF65-F5344CB8AC3E}">
+        <p14:creationId xmlns:p14="http://schemas.microsoft.com/office/powerpoint/2010/main" val="2284370070"/>
+      </p:ext>
+    </p:extLst>
   </p:cSld>
   <p:clrMapOvr>
     <a:masterClrMapping/>
@@ -2621,12 +2859,18 @@
           <a:p>
             <a:fld id="{5EB2B633-7BEC-49A7-B3BF-92E0C7E450E6}" type="slidenum">
               <a:rPr lang="de-DE" altLang="de-DE" smtClean="0"/>
+              <a:t>3</a:t>
             </a:fld>
             <a:endParaRPr lang="de-DE" altLang="de-DE"/>
           </a:p>
         </p:txBody>
       </p:sp>
     </p:spTree>
+    <p:extLst>
+      <p:ext uri="{BB962C8B-B14F-4D97-AF65-F5344CB8AC3E}">
+        <p14:creationId xmlns:p14="http://schemas.microsoft.com/office/powerpoint/2010/main" val="3776702564"/>
+      </p:ext>
+    </p:extLst>
   </p:cSld>
   <p:clrMapOvr>
     <a:masterClrMapping/>
@@ -2699,12 +2943,18 @@
           <a:p>
             <a:fld id="{5EB2B633-7BEC-49A7-B3BF-92E0C7E450E6}" type="slidenum">
               <a:rPr lang="de-DE" altLang="de-DE" smtClean="0"/>
+              <a:t>4</a:t>
             </a:fld>
             <a:endParaRPr lang="de-DE" altLang="de-DE"/>
           </a:p>
         </p:txBody>
       </p:sp>
     </p:spTree>
+    <p:extLst>
+      <p:ext uri="{BB962C8B-B14F-4D97-AF65-F5344CB8AC3E}">
+        <p14:creationId xmlns:p14="http://schemas.microsoft.com/office/powerpoint/2010/main" val="994058267"/>
+      </p:ext>
+    </p:extLst>
   </p:cSld>
   <p:clrMapOvr>
     <a:masterClrMapping/>
@@ -2777,12 +3027,18 @@
           <a:p>
             <a:fld id="{5EB2B633-7BEC-49A7-B3BF-92E0C7E450E6}" type="slidenum">
               <a:rPr lang="de-DE" altLang="de-DE" smtClean="0"/>
+              <a:t>5</a:t>
             </a:fld>
             <a:endParaRPr lang="de-DE" altLang="de-DE"/>
           </a:p>
         </p:txBody>
       </p:sp>
     </p:spTree>
+    <p:extLst>
+      <p:ext uri="{BB962C8B-B14F-4D97-AF65-F5344CB8AC3E}">
+        <p14:creationId xmlns:p14="http://schemas.microsoft.com/office/powerpoint/2010/main" val="509853165"/>
+      </p:ext>
+    </p:extLst>
   </p:cSld>
   <p:clrMapOvr>
     <a:masterClrMapping/>
@@ -2855,12 +3111,18 @@
           <a:p>
             <a:fld id="{5EB2B633-7BEC-49A7-B3BF-92E0C7E450E6}" type="slidenum">
               <a:rPr lang="de-DE" altLang="de-DE" smtClean="0"/>
+              <a:t>6</a:t>
             </a:fld>
             <a:endParaRPr lang="de-DE" altLang="de-DE"/>
           </a:p>
         </p:txBody>
       </p:sp>
     </p:spTree>
+    <p:extLst>
+      <p:ext uri="{BB962C8B-B14F-4D97-AF65-F5344CB8AC3E}">
+        <p14:creationId xmlns:p14="http://schemas.microsoft.com/office/powerpoint/2010/main" val="2140122089"/>
+      </p:ext>
+    </p:extLst>
   </p:cSld>
   <p:clrMapOvr>
     <a:masterClrMapping/>
@@ -2933,12 +3195,18 @@
           <a:p>
             <a:fld id="{5EB2B633-7BEC-49A7-B3BF-92E0C7E450E6}" type="slidenum">
               <a:rPr lang="de-DE" altLang="de-DE" smtClean="0"/>
+              <a:t>7</a:t>
             </a:fld>
             <a:endParaRPr lang="de-DE" altLang="de-DE"/>
           </a:p>
         </p:txBody>
       </p:sp>
     </p:spTree>
+    <p:extLst>
+      <p:ext uri="{BB962C8B-B14F-4D97-AF65-F5344CB8AC3E}">
+        <p14:creationId xmlns:p14="http://schemas.microsoft.com/office/powerpoint/2010/main" val="150810161"/>
+      </p:ext>
+    </p:extLst>
   </p:cSld>
   <p:clrMapOvr>
     <a:masterClrMapping/>
@@ -3011,12 +3279,18 @@
           <a:p>
             <a:fld id="{5EB2B633-7BEC-49A7-B3BF-92E0C7E450E6}" type="slidenum">
               <a:rPr lang="de-DE" altLang="de-DE" smtClean="0"/>
+              <a:t>8</a:t>
             </a:fld>
             <a:endParaRPr lang="de-DE" altLang="de-DE"/>
           </a:p>
         </p:txBody>
       </p:sp>
     </p:spTree>
+    <p:extLst>
+      <p:ext uri="{BB962C8B-B14F-4D97-AF65-F5344CB8AC3E}">
+        <p14:creationId xmlns:p14="http://schemas.microsoft.com/office/powerpoint/2010/main" val="2746378199"/>
+      </p:ext>
+    </p:extLst>
   </p:cSld>
   <p:clrMapOvr>
     <a:masterClrMapping/>
@@ -3089,12 +3363,18 @@
           <a:p>
             <a:fld id="{5EB2B633-7BEC-49A7-B3BF-92E0C7E450E6}" type="slidenum">
               <a:rPr lang="de-DE" altLang="de-DE" smtClean="0"/>
+              <a:t>9</a:t>
             </a:fld>
             <a:endParaRPr lang="de-DE" altLang="de-DE"/>
           </a:p>
         </p:txBody>
       </p:sp>
     </p:spTree>
+    <p:extLst>
+      <p:ext uri="{BB962C8B-B14F-4D97-AF65-F5344CB8AC3E}">
+        <p14:creationId xmlns:p14="http://schemas.microsoft.com/office/powerpoint/2010/main" val="1586361569"/>
+      </p:ext>
+    </p:extLst>
   </p:cSld>
   <p:clrMapOvr>
     <a:masterClrMapping/>
@@ -3227,7 +3507,6 @@
               <a:rPr lang="de-DE"/>
               <a:t>Mastertextformat bearbeiten</a:t>
             </a:r>
-            <a:endParaRPr lang="de-DE"/>
           </a:p>
         </p:txBody>
       </p:sp>
@@ -3328,7 +3607,6 @@
               <a:rPr lang="de-DE" dirty="0"/>
               <a:t>Titelmasterformat durch Klicken bearbeiten</a:t>
             </a:r>
-            <a:endParaRPr lang="de-DE" dirty="0"/>
           </a:p>
         </p:txBody>
       </p:sp>
@@ -3398,7 +3676,6 @@
               <a:rPr lang="de-DE" dirty="0"/>
               <a:t>Textmasterformat bearbeiten</a:t>
             </a:r>
-            <a:endParaRPr lang="de-DE" dirty="0"/>
           </a:p>
         </p:txBody>
       </p:sp>
@@ -3437,7 +3714,6 @@
               <a:rPr lang="de-DE" dirty="0"/>
               <a:t>Bild durch Klicken auf Symbol hinzufügen</a:t>
             </a:r>
-            <a:endParaRPr lang="de-DE" dirty="0"/>
           </a:p>
         </p:txBody>
       </p:sp>
@@ -3502,7 +3778,6 @@
               <a:rPr lang="de-DE" dirty="0"/>
               <a:t>Textmasterformat bearbeiten</a:t>
             </a:r>
-            <a:endParaRPr lang="de-DE" dirty="0"/>
           </a:p>
           <a:p>
             <a:pPr lvl="1"/>
@@ -3510,7 +3785,6 @@
               <a:rPr lang="de-DE" dirty="0"/>
               <a:t>Zweite Ebene</a:t>
             </a:r>
-            <a:endParaRPr lang="de-DE" dirty="0"/>
           </a:p>
           <a:p>
             <a:pPr lvl="2"/>
@@ -3518,7 +3792,6 @@
               <a:rPr lang="de-DE" dirty="0"/>
               <a:t>Dritte Ebene</a:t>
             </a:r>
-            <a:endParaRPr lang="de-DE" dirty="0"/>
           </a:p>
           <a:p>
             <a:pPr lvl="3"/>
@@ -3526,7 +3799,6 @@
               <a:rPr lang="de-DE" dirty="0"/>
               <a:t>Vierte Ebene</a:t>
             </a:r>
-            <a:endParaRPr lang="de-DE" dirty="0"/>
           </a:p>
           <a:p>
             <a:pPr lvl="4"/>
@@ -3534,7 +3806,6 @@
               <a:rPr lang="de-DE" dirty="0"/>
               <a:t>Fünfte Ebene</a:t>
             </a:r>
-            <a:endParaRPr lang="de-DE" dirty="0"/>
           </a:p>
         </p:txBody>
       </p:sp>
@@ -3573,7 +3844,6 @@
               <a:rPr lang="de-DE" dirty="0"/>
               <a:t>Bild durch Klicken auf Symbol hinzufügen</a:t>
             </a:r>
-            <a:endParaRPr lang="de-DE" dirty="0"/>
           </a:p>
         </p:txBody>
       </p:sp>
@@ -3638,7 +3908,6 @@
               <a:rPr lang="de-DE" dirty="0"/>
               <a:t>Textmasterformat bearbeiten</a:t>
             </a:r>
-            <a:endParaRPr lang="de-DE" dirty="0"/>
           </a:p>
           <a:p>
             <a:pPr lvl="1"/>
@@ -3646,7 +3915,6 @@
               <a:rPr lang="de-DE" dirty="0"/>
               <a:t>Zweite Ebene</a:t>
             </a:r>
-            <a:endParaRPr lang="de-DE" dirty="0"/>
           </a:p>
           <a:p>
             <a:pPr lvl="2"/>
@@ -3654,7 +3922,6 @@
               <a:rPr lang="de-DE" dirty="0"/>
               <a:t>Dritte Ebene</a:t>
             </a:r>
-            <a:endParaRPr lang="de-DE" dirty="0"/>
           </a:p>
           <a:p>
             <a:pPr lvl="3"/>
@@ -3662,7 +3929,6 @@
               <a:rPr lang="de-DE" dirty="0"/>
               <a:t>Vierte Ebene</a:t>
             </a:r>
-            <a:endParaRPr lang="de-DE" dirty="0"/>
           </a:p>
           <a:p>
             <a:pPr lvl="4"/>
@@ -3670,7 +3936,6 @@
               <a:rPr lang="de-DE" dirty="0"/>
               <a:t>Fünfte Ebene</a:t>
             </a:r>
-            <a:endParaRPr lang="de-DE" dirty="0"/>
           </a:p>
         </p:txBody>
       </p:sp>
@@ -3709,7 +3974,6 @@
               <a:rPr lang="de-DE" dirty="0"/>
               <a:t>Bild durch Klicken auf Symbol hinzufügen</a:t>
             </a:r>
-            <a:endParaRPr lang="de-DE" dirty="0"/>
           </a:p>
         </p:txBody>
       </p:sp>
@@ -3774,7 +4038,6 @@
               <a:rPr lang="de-DE" dirty="0"/>
               <a:t>Textmasterformat bearbeiten</a:t>
             </a:r>
-            <a:endParaRPr lang="de-DE" dirty="0"/>
           </a:p>
           <a:p>
             <a:pPr lvl="1"/>
@@ -3782,7 +4045,6 @@
               <a:rPr lang="de-DE" dirty="0"/>
               <a:t>Zweite Ebene</a:t>
             </a:r>
-            <a:endParaRPr lang="de-DE" dirty="0"/>
           </a:p>
           <a:p>
             <a:pPr lvl="2"/>
@@ -3790,7 +4052,6 @@
               <a:rPr lang="de-DE" dirty="0"/>
               <a:t>Dritte Ebene</a:t>
             </a:r>
-            <a:endParaRPr lang="de-DE" dirty="0"/>
           </a:p>
           <a:p>
             <a:pPr lvl="3"/>
@@ -3798,7 +4059,6 @@
               <a:rPr lang="de-DE" dirty="0"/>
               <a:t>Vierte Ebene</a:t>
             </a:r>
-            <a:endParaRPr lang="de-DE" dirty="0"/>
           </a:p>
           <a:p>
             <a:pPr lvl="4"/>
@@ -3806,7 +4066,6 @@
               <a:rPr lang="de-DE" dirty="0"/>
               <a:t>Fünfte Ebene</a:t>
             </a:r>
-            <a:endParaRPr lang="de-DE" dirty="0"/>
           </a:p>
         </p:txBody>
       </p:sp>
@@ -3943,7 +4202,6 @@
               <a:rPr lang="de-DE"/>
               <a:t>Mastertextformat bearbeiten</a:t>
             </a:r>
-            <a:endParaRPr lang="de-DE"/>
           </a:p>
         </p:txBody>
       </p:sp>
@@ -4101,7 +4359,6 @@
               <a:rPr lang="de-DE" dirty="0"/>
               <a:t>Logo</a:t>
             </a:r>
-            <a:endParaRPr lang="de-DE" dirty="0"/>
           </a:p>
         </p:txBody>
       </p:sp>
@@ -4167,7 +4424,6 @@
               <a:rPr lang="de-DE"/>
               <a:t>Mastertextformat bearbeiten</a:t>
             </a:r>
-            <a:endParaRPr lang="de-DE"/>
           </a:p>
         </p:txBody>
       </p:sp>
@@ -4275,7 +4531,6 @@
               <a:rPr lang="de-DE" dirty="0"/>
               <a:t>Logo</a:t>
             </a:r>
-            <a:endParaRPr lang="de-DE" dirty="0"/>
           </a:p>
         </p:txBody>
       </p:sp>
@@ -4345,7 +4600,6 @@
               <a:rPr lang="de-DE"/>
               <a:t>Mastertextformat bearbeiten</a:t>
             </a:r>
-            <a:endParaRPr lang="de-DE"/>
           </a:p>
         </p:txBody>
       </p:sp>
@@ -4638,7 +4892,6 @@
               <a:rPr lang="de-DE"/>
               <a:t>Mastertextformat bearbeiten</a:t>
             </a:r>
-            <a:endParaRPr lang="de-DE"/>
           </a:p>
         </p:txBody>
       </p:sp>
@@ -4700,7 +4953,6 @@
               <a:rPr lang="de-DE" dirty="0"/>
               <a:t>Titelmasterformat durch Klicken bearbeiten</a:t>
             </a:r>
-            <a:endParaRPr lang="de-DE" dirty="0"/>
           </a:p>
         </p:txBody>
       </p:sp>
@@ -4770,7 +5022,6 @@
               <a:rPr lang="de-DE" dirty="0"/>
               <a:t>Textmasterformat bearbeiten</a:t>
             </a:r>
-            <a:endParaRPr lang="de-DE" dirty="0"/>
           </a:p>
         </p:txBody>
       </p:sp>
@@ -4835,7 +5086,6 @@
               <a:rPr lang="de-DE" dirty="0"/>
               <a:t>Textmasterformat bearbeiten</a:t>
             </a:r>
-            <a:endParaRPr lang="de-DE" dirty="0"/>
           </a:p>
           <a:p>
             <a:pPr lvl="1"/>
@@ -4843,7 +5093,6 @@
               <a:rPr lang="de-DE" dirty="0"/>
               <a:t>Zweite Ebene</a:t>
             </a:r>
-            <a:endParaRPr lang="de-DE" dirty="0"/>
           </a:p>
           <a:p>
             <a:pPr lvl="2"/>
@@ -4851,7 +5100,6 @@
               <a:rPr lang="de-DE" dirty="0"/>
               <a:t>Dritte Ebene</a:t>
             </a:r>
-            <a:endParaRPr lang="de-DE" dirty="0"/>
           </a:p>
           <a:p>
             <a:pPr lvl="3"/>
@@ -4859,7 +5107,6 @@
               <a:rPr lang="de-DE" dirty="0"/>
               <a:t>Vierte Ebene</a:t>
             </a:r>
-            <a:endParaRPr lang="de-DE" dirty="0"/>
           </a:p>
           <a:p>
             <a:pPr lvl="4"/>
@@ -4867,7 +5114,6 @@
               <a:rPr lang="de-DE" dirty="0"/>
               <a:t>Fünfte Ebene</a:t>
             </a:r>
-            <a:endParaRPr lang="de-DE" dirty="0"/>
           </a:p>
         </p:txBody>
       </p:sp>
@@ -4929,7 +5175,6 @@
               <a:rPr lang="de-DE" dirty="0"/>
               <a:t>Titelmasterformat durch Klicken bearbeiten</a:t>
             </a:r>
-            <a:endParaRPr lang="de-DE" dirty="0"/>
           </a:p>
         </p:txBody>
       </p:sp>
@@ -4999,7 +5244,6 @@
               <a:rPr lang="de-DE" dirty="0"/>
               <a:t>Textmasterformat bearbeiten</a:t>
             </a:r>
-            <a:endParaRPr lang="de-DE" dirty="0"/>
           </a:p>
         </p:txBody>
       </p:sp>
@@ -5038,7 +5282,6 @@
               <a:rPr lang="de-DE" dirty="0"/>
               <a:t>Bild durch Klicken auf Symbol hinzufügen</a:t>
             </a:r>
-            <a:endParaRPr lang="de-DE" dirty="0"/>
           </a:p>
         </p:txBody>
       </p:sp>
@@ -5103,7 +5346,6 @@
               <a:rPr lang="de-DE" dirty="0"/>
               <a:t>Textmasterformat bearbeiten</a:t>
             </a:r>
-            <a:endParaRPr lang="de-DE" dirty="0"/>
           </a:p>
           <a:p>
             <a:pPr lvl="1"/>
@@ -5111,7 +5353,6 @@
               <a:rPr lang="de-DE" dirty="0"/>
               <a:t>Zweite Ebene</a:t>
             </a:r>
-            <a:endParaRPr lang="de-DE" dirty="0"/>
           </a:p>
           <a:p>
             <a:pPr lvl="2"/>
@@ -5119,7 +5360,6 @@
               <a:rPr lang="de-DE" dirty="0"/>
               <a:t>Dritte Ebene</a:t>
             </a:r>
-            <a:endParaRPr lang="de-DE" dirty="0"/>
           </a:p>
           <a:p>
             <a:pPr lvl="3"/>
@@ -5127,7 +5367,6 @@
               <a:rPr lang="de-DE" dirty="0"/>
               <a:t>Vierte Ebene</a:t>
             </a:r>
-            <a:endParaRPr lang="de-DE" dirty="0"/>
           </a:p>
           <a:p>
             <a:pPr lvl="4"/>
@@ -5135,7 +5374,6 @@
               <a:rPr lang="de-DE" dirty="0"/>
               <a:t>Fünfte Ebene</a:t>
             </a:r>
-            <a:endParaRPr lang="de-DE" dirty="0"/>
           </a:p>
         </p:txBody>
       </p:sp>
@@ -5197,7 +5435,6 @@
               <a:rPr lang="de-DE" dirty="0"/>
               <a:t>Titelmasterformat durch Klicken bearbeiten</a:t>
             </a:r>
-            <a:endParaRPr lang="de-DE" dirty="0"/>
           </a:p>
         </p:txBody>
       </p:sp>
@@ -5267,7 +5504,6 @@
               <a:rPr lang="de-DE" dirty="0"/>
               <a:t>Textmasterformat bearbeiten</a:t>
             </a:r>
-            <a:endParaRPr lang="de-DE" dirty="0"/>
           </a:p>
         </p:txBody>
       </p:sp>
@@ -5306,7 +5542,6 @@
               <a:rPr lang="de-DE" dirty="0"/>
               <a:t>Bild durch Klicken auf Symbol hinzufügen</a:t>
             </a:r>
-            <a:endParaRPr lang="de-DE" dirty="0"/>
           </a:p>
         </p:txBody>
       </p:sp>
@@ -5371,7 +5606,6 @@
               <a:rPr lang="de-DE" dirty="0"/>
               <a:t>Textmasterformat bearbeiten</a:t>
             </a:r>
-            <a:endParaRPr lang="de-DE" dirty="0"/>
           </a:p>
           <a:p>
             <a:pPr lvl="1"/>
@@ -5379,7 +5613,6 @@
               <a:rPr lang="de-DE" dirty="0"/>
               <a:t>Zweite Ebene</a:t>
             </a:r>
-            <a:endParaRPr lang="de-DE" dirty="0"/>
           </a:p>
         </p:txBody>
       </p:sp>
@@ -5418,7 +5651,6 @@
               <a:rPr lang="de-DE" dirty="0"/>
               <a:t>Bild durch Klicken auf Symbol hinzufügen</a:t>
             </a:r>
-            <a:endParaRPr lang="de-DE" dirty="0"/>
           </a:p>
         </p:txBody>
       </p:sp>
@@ -5483,7 +5715,6 @@
               <a:rPr lang="de-DE" dirty="0"/>
               <a:t>Textmasterformat bearbeiten</a:t>
             </a:r>
-            <a:endParaRPr lang="de-DE" dirty="0"/>
           </a:p>
           <a:p>
             <a:pPr lvl="1"/>
@@ -5491,7 +5722,6 @@
               <a:rPr lang="de-DE" dirty="0"/>
               <a:t>Zweite Ebene</a:t>
             </a:r>
-            <a:endParaRPr lang="de-DE" dirty="0"/>
           </a:p>
         </p:txBody>
       </p:sp>
@@ -5553,7 +5783,6 @@
               <a:rPr lang="de-DE" dirty="0"/>
               <a:t>Titelmasterformat durch Klicken bearbeiten</a:t>
             </a:r>
-            <a:endParaRPr lang="de-DE" dirty="0"/>
           </a:p>
         </p:txBody>
       </p:sp>
@@ -5623,7 +5852,6 @@
               <a:rPr lang="de-DE" dirty="0"/>
               <a:t>Textmasterformat bearbeiten</a:t>
             </a:r>
-            <a:endParaRPr lang="de-DE" dirty="0"/>
           </a:p>
         </p:txBody>
       </p:sp>
@@ -5662,7 +5890,6 @@
               <a:rPr lang="de-DE" dirty="0"/>
               <a:t>Bild durch Klicken auf Symbol hinzufügen</a:t>
             </a:r>
-            <a:endParaRPr lang="de-DE" dirty="0"/>
           </a:p>
         </p:txBody>
       </p:sp>
@@ -5727,7 +5954,6 @@
               <a:rPr lang="de-DE" dirty="0"/>
               <a:t>Textmasterformat bearbeiten</a:t>
             </a:r>
-            <a:endParaRPr lang="de-DE" dirty="0"/>
           </a:p>
           <a:p>
             <a:pPr lvl="1"/>
@@ -5735,7 +5961,6 @@
               <a:rPr lang="de-DE" dirty="0"/>
               <a:t>Zweite Ebene</a:t>
             </a:r>
-            <a:endParaRPr lang="de-DE" dirty="0"/>
           </a:p>
           <a:p>
             <a:pPr lvl="2"/>
@@ -5743,7 +5968,6 @@
               <a:rPr lang="de-DE" dirty="0"/>
               <a:t>Dritte Ebene</a:t>
             </a:r>
-            <a:endParaRPr lang="de-DE" dirty="0"/>
           </a:p>
           <a:p>
             <a:pPr lvl="3"/>
@@ -5751,7 +5975,6 @@
               <a:rPr lang="de-DE" dirty="0"/>
               <a:t>Vierte Ebene</a:t>
             </a:r>
-            <a:endParaRPr lang="de-DE" dirty="0"/>
           </a:p>
           <a:p>
             <a:pPr lvl="4"/>
@@ -5759,7 +5982,6 @@
               <a:rPr lang="de-DE" dirty="0"/>
               <a:t>Fünfte Ebene</a:t>
             </a:r>
-            <a:endParaRPr lang="de-DE" dirty="0"/>
           </a:p>
         </p:txBody>
       </p:sp>
@@ -5821,7 +6043,6 @@
               <a:rPr lang="de-DE" dirty="0"/>
               <a:t>Titelmasterformat durch Klicken bearbeiten</a:t>
             </a:r>
-            <a:endParaRPr lang="de-DE" dirty="0"/>
           </a:p>
         </p:txBody>
       </p:sp>
@@ -5862,7 +6083,6 @@
               <a:rPr lang="de-DE" dirty="0"/>
               <a:t>Logo</a:t>
             </a:r>
-            <a:endParaRPr lang="de-DE" dirty="0"/>
           </a:p>
         </p:txBody>
       </p:sp>
@@ -5932,7 +6152,6 @@
               <a:rPr lang="de-DE" dirty="0"/>
               <a:t>Textmasterformat bearbeiten</a:t>
             </a:r>
-            <a:endParaRPr lang="de-DE" dirty="0"/>
           </a:p>
         </p:txBody>
       </p:sp>
@@ -5997,7 +6216,6 @@
               <a:rPr lang="de-DE" dirty="0"/>
               <a:t>Textmasterformat bearbeiten</a:t>
             </a:r>
-            <a:endParaRPr lang="de-DE" dirty="0"/>
           </a:p>
           <a:p>
             <a:pPr lvl="1"/>
@@ -6005,7 +6223,6 @@
               <a:rPr lang="de-DE" dirty="0"/>
               <a:t>Zweite Ebene</a:t>
             </a:r>
-            <a:endParaRPr lang="de-DE" dirty="0"/>
           </a:p>
           <a:p>
             <a:pPr lvl="2"/>
@@ -6013,7 +6230,6 @@
               <a:rPr lang="de-DE" dirty="0"/>
               <a:t>Dritte Ebene</a:t>
             </a:r>
-            <a:endParaRPr lang="de-DE" dirty="0"/>
           </a:p>
           <a:p>
             <a:pPr lvl="3"/>
@@ -6021,7 +6237,6 @@
               <a:rPr lang="de-DE" dirty="0"/>
               <a:t>Vierte Ebene</a:t>
             </a:r>
-            <a:endParaRPr lang="de-DE" dirty="0"/>
           </a:p>
           <a:p>
             <a:pPr lvl="4"/>
@@ -6029,7 +6244,6 @@
               <a:rPr lang="de-DE" dirty="0"/>
               <a:t>Fünfte Ebene</a:t>
             </a:r>
-            <a:endParaRPr lang="de-DE" dirty="0"/>
           </a:p>
         </p:txBody>
       </p:sp>
@@ -6380,14 +6594,6 @@
               </a:rPr>
               <a:t> ∙ Prof. Dr. Fips Folienmaster </a:t>
             </a:r>
-            <a:endParaRPr lang="de-DE" sz="1400" kern="1200" dirty="0">
-              <a:solidFill>
-                <a:schemeClr val="tx1"/>
-              </a:solidFill>
-              <a:latin typeface="Roboto" panose="02000000000000000000" pitchFamily="2" charset="0"/>
-              <a:ea typeface="Roboto" panose="02000000000000000000" pitchFamily="2" charset="0"/>
-              <a:cs typeface="Arial" panose="020B0604020202020204" pitchFamily="34" charset="0"/>
-            </a:endParaRPr>
           </a:p>
         </p:txBody>
       </p:sp>
@@ -6551,10 +6757,6 @@
               </a:rPr>
               <a:t>www.tu-chemnitz.de</a:t>
             </a:r>
-            <a:endParaRPr lang="de-DE" sz="1400" dirty="0">
-              <a:latin typeface="Roboto" panose="02000000000000000000" pitchFamily="2" charset="0"/>
-              <a:ea typeface="Roboto" panose="02000000000000000000" pitchFamily="2" charset="0"/>
-            </a:endParaRPr>
           </a:p>
         </p:txBody>
       </p:sp>
@@ -6567,7 +6769,7 @@
           <p:nvPr userDrawn="1"/>
         </p:nvPicPr>
         <p:blipFill>
-          <a:blip r:embed="rId5">
+          <a:blip r:embed="rId6">
             <a:extLst>
               <a:ext uri="{28A0092B-C50C-407E-A947-70E740481C1C}">
                 <a14:useLocalDpi xmlns:a14="http://schemas.microsoft.com/office/drawing/2010/main" val="0"/>
@@ -7286,10 +7488,6 @@
               </a:rPr>
               <a:t>www.tu-chemnitz.de</a:t>
             </a:r>
-            <a:endParaRPr lang="de-DE" sz="1400" dirty="0">
-              <a:latin typeface="Roboto" panose="02000000000000000000" pitchFamily="2" charset="0"/>
-              <a:ea typeface="Roboto" panose="02000000000000000000" pitchFamily="2" charset="0"/>
-            </a:endParaRPr>
           </a:p>
         </p:txBody>
       </p:sp>
@@ -7444,6 +7642,7 @@
                 <a:latin typeface="Roboto" panose="02000000000000000000" pitchFamily="2" charset="0"/>
                 <a:ea typeface="Roboto" panose="02000000000000000000" pitchFamily="2" charset="0"/>
               </a:rPr>
+              <a:t>‹Nr.›</a:t>
             </a:fld>
             <a:endParaRPr lang="de-DE" sz="1400" dirty="0">
               <a:latin typeface="Roboto" panose="02000000000000000000" pitchFamily="2" charset="0"/>
@@ -7648,14 +7847,6 @@
               </a:rPr>
               <a:t> ∙ Prof. Dr. Fips Folienmaster </a:t>
             </a:r>
-            <a:endParaRPr lang="de-DE" sz="1400" kern="1200" dirty="0">
-              <a:solidFill>
-                <a:schemeClr val="tx1"/>
-              </a:solidFill>
-              <a:latin typeface="Roboto" panose="02000000000000000000" pitchFamily="2" charset="0"/>
-              <a:ea typeface="Roboto" panose="02000000000000000000" pitchFamily="2" charset="0"/>
-              <a:cs typeface="Arial" panose="020B0604020202020204" pitchFamily="34" charset="0"/>
-            </a:endParaRPr>
           </a:p>
         </p:txBody>
       </p:sp>
@@ -7668,7 +7859,7 @@
           <p:nvPr userDrawn="1"/>
         </p:nvPicPr>
         <p:blipFill>
-          <a:blip r:embed="rId7">
+          <a:blip r:embed="rId8">
             <a:extLst>
               <a:ext uri="{28A0092B-C50C-407E-A947-70E740481C1C}">
                 <a14:useLocalDpi xmlns:a14="http://schemas.microsoft.com/office/drawing/2010/main" val="0"/>
@@ -8244,11 +8435,6 @@
                 </a:rPr>
                 <a:t>Funktional</a:t>
               </a:r>
-              <a:endParaRPr lang="de-DE">
-                <a:solidFill>
-                  <a:schemeClr val="tx1"/>
-                </a:solidFill>
-              </a:endParaRPr>
             </a:p>
           </p:txBody>
         </p:sp>
@@ -8377,11 +8563,6 @@
                 </a:rPr>
                 <a:t>Statistische Daten können zusätzlich als Diagramme und/oder Graphen angezeigt werden.</a:t>
               </a:r>
-              <a:endParaRPr lang="de-DE">
-                <a:solidFill>
-                  <a:schemeClr val="tx1"/>
-                </a:solidFill>
-              </a:endParaRPr>
             </a:p>
             <a:p>
               <a:endParaRPr lang="de-DE"/>
@@ -8439,11 +8620,6 @@
                 </a:rPr>
                 <a:t>Es Graphische Darstellung erleichtert Verständnis und Präsentation.</a:t>
               </a:r>
-              <a:endParaRPr lang="de-DE">
-                <a:solidFill>
-                  <a:schemeClr val="tx1"/>
-                </a:solidFill>
-              </a:endParaRPr>
             </a:p>
             <a:p>
               <a:endParaRPr lang="de-DE"/>
@@ -8509,11 +8685,6 @@
                 </a:rPr>
                 <a:t>Kundinnen</a:t>
               </a:r>
-              <a:endParaRPr lang="de-DE" dirty="0">
-                <a:solidFill>
-                  <a:schemeClr val="tx1"/>
-                </a:solidFill>
-              </a:endParaRPr>
             </a:p>
             <a:p>
               <a:endParaRPr lang="de-DE" dirty="0"/>
@@ -8567,7 +8738,6 @@
                 <a:rPr lang="de-DE"/>
                 <a:t>Nutzerin kann ausgewählte Daten im Dashboard visualisieren.</a:t>
               </a:r>
-              <a:endParaRPr lang="de-DE"/>
             </a:p>
             <a:p>
               <a:endParaRPr lang="de-DE"/>
@@ -8640,11 +8810,6 @@
                 </a:rPr>
                 <a:t>Could</a:t>
               </a:r>
-              <a:endParaRPr lang="de-DE">
-                <a:solidFill>
-                  <a:schemeClr val="tx1"/>
-                </a:solidFill>
-              </a:endParaRPr>
             </a:p>
           </p:txBody>
         </p:sp>
@@ -8691,11 +8856,6 @@
                 </a:rPr>
                 <a:t>Customer Satisfaction:</a:t>
               </a:r>
-              <a:endParaRPr lang="de-DE" b="1">
-                <a:solidFill>
-                  <a:schemeClr val="accent1"/>
-                </a:solidFill>
-              </a:endParaRPr>
             </a:p>
           </p:txBody>
         </p:sp>
@@ -8742,11 +8902,6 @@
                 </a:rPr>
                 <a:t>Customer Dissatisfaction:</a:t>
               </a:r>
-              <a:endParaRPr lang="de-DE" b="1">
-                <a:solidFill>
-                  <a:schemeClr val="accent1"/>
-                </a:solidFill>
-              </a:endParaRPr>
             </a:p>
           </p:txBody>
         </p:sp>
@@ -8794,11 +8949,6 @@
               </a:rPr>
               <a:t>Supporting Material:</a:t>
             </a:r>
-            <a:endParaRPr lang="de-DE" b="1">
-              <a:solidFill>
-                <a:schemeClr val="accent1"/>
-              </a:solidFill>
-            </a:endParaRPr>
           </a:p>
           <a:p>
             <a:endParaRPr lang="de-DE"/>
@@ -8851,11 +9001,6 @@
               </a:rPr>
               <a:t>Conflicts:</a:t>
             </a:r>
-            <a:endParaRPr lang="de-DE" b="1">
-              <a:solidFill>
-                <a:schemeClr val="accent1"/>
-              </a:solidFill>
-            </a:endParaRPr>
           </a:p>
           <a:p>
             <a:endParaRPr lang="de-DE"/>
@@ -9050,11 +9195,6 @@
                 </a:rPr>
                 <a:t>Funktional</a:t>
               </a:r>
-              <a:endParaRPr lang="de-DE">
-                <a:solidFill>
-                  <a:schemeClr val="tx1"/>
-                </a:solidFill>
-              </a:endParaRPr>
             </a:p>
           </p:txBody>
         </p:sp>
@@ -9183,11 +9323,6 @@
                 </a:rPr>
                 <a:t>Es gibt drei vordefinierte Presets zur Erstellung von Statistiken. </a:t>
               </a:r>
-              <a:endParaRPr lang="de-DE">
-                <a:solidFill>
-                  <a:schemeClr val="tx1"/>
-                </a:solidFill>
-              </a:endParaRPr>
             </a:p>
             <a:p>
               <a:endParaRPr lang="de-DE"/>
@@ -9245,11 +9380,6 @@
                 </a:rPr>
                 <a:t>Statistiken, die vom Gesetzgeber vorgegeben sind, sollen direkt geladen werden können.</a:t>
               </a:r>
-              <a:endParaRPr lang="de-DE">
-                <a:solidFill>
-                  <a:schemeClr val="tx1"/>
-                </a:solidFill>
-              </a:endParaRPr>
             </a:p>
             <a:p>
               <a:endParaRPr lang="de-DE"/>
@@ -9315,11 +9445,6 @@
                 </a:rPr>
                 <a:t>Kundinnen</a:t>
               </a:r>
-              <a:endParaRPr lang="de-DE" dirty="0">
-                <a:solidFill>
-                  <a:schemeClr val="tx1"/>
-                </a:solidFill>
-              </a:endParaRPr>
             </a:p>
             <a:p>
               <a:endParaRPr lang="de-DE" dirty="0"/>
@@ -9373,7 +9498,6 @@
                 <a:rPr lang="de-DE"/>
                 <a:t>Im Statistikbereich gibt es drei Module, die direkt die jweilige Statistik mit den jeweiligen Daten ausgibt.</a:t>
               </a:r>
-              <a:endParaRPr lang="de-DE"/>
             </a:p>
             <a:p>
               <a:endParaRPr lang="de-DE"/>
@@ -9446,11 +9570,6 @@
                 </a:rPr>
                 <a:t>Must</a:t>
               </a:r>
-              <a:endParaRPr lang="de-DE">
-                <a:solidFill>
-                  <a:schemeClr val="tx1"/>
-                </a:solidFill>
-              </a:endParaRPr>
             </a:p>
           </p:txBody>
         </p:sp>
@@ -9497,11 +9616,6 @@
                 </a:rPr>
                 <a:t>Customer Satisfaction:</a:t>
               </a:r>
-              <a:endParaRPr lang="de-DE" b="1">
-                <a:solidFill>
-                  <a:schemeClr val="accent1"/>
-                </a:solidFill>
-              </a:endParaRPr>
             </a:p>
           </p:txBody>
         </p:sp>
@@ -9548,11 +9662,6 @@
                 </a:rPr>
                 <a:t>Customer Dissatisfaction:</a:t>
               </a:r>
-              <a:endParaRPr lang="de-DE" b="1">
-                <a:solidFill>
-                  <a:schemeClr val="accent1"/>
-                </a:solidFill>
-              </a:endParaRPr>
             </a:p>
           </p:txBody>
         </p:sp>
@@ -9612,7 +9721,6 @@
               <a:rPr lang="de-DE"/>
               <a:t>“Statistische Angaben zu den Fachberatungsstellen Sexualisierte Gewalt”.</a:t>
             </a:r>
-            <a:endParaRPr lang="de-DE"/>
           </a:p>
         </p:txBody>
       </p:sp>
@@ -9659,11 +9767,6 @@
               </a:rPr>
               <a:t>Conflicts:</a:t>
             </a:r>
-            <a:endParaRPr lang="de-DE" b="1">
-              <a:solidFill>
-                <a:schemeClr val="accent1"/>
-              </a:solidFill>
-            </a:endParaRPr>
           </a:p>
           <a:p>
             <a:endParaRPr lang="de-DE"/>
@@ -9858,11 +9961,6 @@
                 </a:rPr>
                 <a:t>Funktional</a:t>
               </a:r>
-              <a:endParaRPr lang="de-DE">
-                <a:solidFill>
-                  <a:schemeClr val="tx1"/>
-                </a:solidFill>
-              </a:endParaRPr>
             </a:p>
           </p:txBody>
         </p:sp>
@@ -10046,11 +10144,6 @@
                 </a:rPr>
                 <a:t>Statistiken, die erfahrungsgemäß häufig benötigt werden, sollen schnell erstellt werden können.</a:t>
               </a:r>
-              <a:endParaRPr lang="de-DE" dirty="0">
-                <a:solidFill>
-                  <a:schemeClr val="tx1"/>
-                </a:solidFill>
-              </a:endParaRPr>
             </a:p>
             <a:p>
               <a:endParaRPr lang="de-DE" dirty="0"/>
@@ -10116,11 +10209,6 @@
                 </a:rPr>
                 <a:t>Kundinnen</a:t>
               </a:r>
-              <a:endParaRPr lang="de-DE" dirty="0">
-                <a:solidFill>
-                  <a:schemeClr val="tx1"/>
-                </a:solidFill>
-              </a:endParaRPr>
             </a:p>
             <a:p>
               <a:endParaRPr lang="de-DE" dirty="0"/>
@@ -10248,11 +10336,6 @@
                 </a:rPr>
                 <a:t>Should</a:t>
               </a:r>
-              <a:endParaRPr lang="de-DE">
-                <a:solidFill>
-                  <a:schemeClr val="tx1"/>
-                </a:solidFill>
-              </a:endParaRPr>
             </a:p>
           </p:txBody>
         </p:sp>
@@ -10299,11 +10382,6 @@
                 </a:rPr>
                 <a:t>Customer Satisfaction:</a:t>
               </a:r>
-              <a:endParaRPr lang="de-DE" b="1">
-                <a:solidFill>
-                  <a:schemeClr val="accent1"/>
-                </a:solidFill>
-              </a:endParaRPr>
             </a:p>
           </p:txBody>
         </p:sp>
@@ -10350,11 +10428,6 @@
                 </a:rPr>
                 <a:t>Customer Dissatisfaction:</a:t>
               </a:r>
-              <a:endParaRPr lang="de-DE" b="1">
-                <a:solidFill>
-                  <a:schemeClr val="accent1"/>
-                </a:solidFill>
-              </a:endParaRPr>
             </a:p>
           </p:txBody>
         </p:sp>
@@ -10402,11 +10475,6 @@
               </a:rPr>
               <a:t>Supporting Material:</a:t>
             </a:r>
-            <a:endParaRPr lang="de-DE" b="1">
-              <a:solidFill>
-                <a:schemeClr val="accent1"/>
-              </a:solidFill>
-            </a:endParaRPr>
           </a:p>
           <a:p>
             <a:endParaRPr lang="de-DE"/>
@@ -10459,11 +10527,6 @@
               </a:rPr>
               <a:t>Conflicts:</a:t>
             </a:r>
-            <a:endParaRPr lang="de-DE" b="1">
-              <a:solidFill>
-                <a:schemeClr val="accent1"/>
-              </a:solidFill>
-            </a:endParaRPr>
           </a:p>
           <a:p>
             <a:endParaRPr lang="de-DE"/>
@@ -10658,11 +10721,6 @@
                 </a:rPr>
                 <a:t>Funktional</a:t>
               </a:r>
-              <a:endParaRPr lang="de-DE">
-                <a:solidFill>
-                  <a:schemeClr val="tx1"/>
-                </a:solidFill>
-              </a:endParaRPr>
             </a:p>
           </p:txBody>
         </p:sp>
@@ -10791,11 +10849,6 @@
                 </a:rPr>
                 <a:t>Bestehende Presets können verwaltet und gelöscht werden. (E/A)</a:t>
               </a:r>
-              <a:endParaRPr lang="de-DE">
-                <a:solidFill>
-                  <a:schemeClr val="tx1"/>
-                </a:solidFill>
-              </a:endParaRPr>
             </a:p>
             <a:p>
               <a:endParaRPr lang="de-DE"/>
@@ -10853,11 +10906,6 @@
                 </a:rPr>
                 <a:t>Falls Fehler bei der Erstellung eines Presets gemacht wurden oder falls ein Preset nicht mehr benötigt wird.</a:t>
               </a:r>
-              <a:endParaRPr lang="de-DE">
-                <a:solidFill>
-                  <a:schemeClr val="tx1"/>
-                </a:solidFill>
-              </a:endParaRPr>
             </a:p>
             <a:p>
               <a:endParaRPr lang="de-DE"/>
@@ -10923,11 +10971,6 @@
                 </a:rPr>
                 <a:t>Kundinnen</a:t>
               </a:r>
-              <a:endParaRPr lang="de-DE" dirty="0">
-                <a:solidFill>
-                  <a:schemeClr val="tx1"/>
-                </a:solidFill>
-              </a:endParaRPr>
             </a:p>
             <a:p>
               <a:endParaRPr lang="de-DE" dirty="0"/>
@@ -11055,11 +11098,6 @@
                 </a:rPr>
                 <a:t>Should</a:t>
               </a:r>
-              <a:endParaRPr lang="de-DE">
-                <a:solidFill>
-                  <a:schemeClr val="tx1"/>
-                </a:solidFill>
-              </a:endParaRPr>
             </a:p>
           </p:txBody>
         </p:sp>
@@ -11106,11 +11144,6 @@
                 </a:rPr>
                 <a:t>Customer Satisfaction:</a:t>
               </a:r>
-              <a:endParaRPr lang="de-DE" b="1">
-                <a:solidFill>
-                  <a:schemeClr val="accent1"/>
-                </a:solidFill>
-              </a:endParaRPr>
             </a:p>
           </p:txBody>
         </p:sp>
@@ -11157,11 +11190,6 @@
                 </a:rPr>
                 <a:t>Customer Dissatisfaction:</a:t>
               </a:r>
-              <a:endParaRPr lang="de-DE" b="1">
-                <a:solidFill>
-                  <a:schemeClr val="accent1"/>
-                </a:solidFill>
-              </a:endParaRPr>
             </a:p>
           </p:txBody>
         </p:sp>
@@ -11209,11 +11237,6 @@
               </a:rPr>
               <a:t>Supporting Material:</a:t>
             </a:r>
-            <a:endParaRPr lang="de-DE" b="1">
-              <a:solidFill>
-                <a:schemeClr val="accent1"/>
-              </a:solidFill>
-            </a:endParaRPr>
           </a:p>
           <a:p>
             <a:endParaRPr lang="de-DE"/>
@@ -11266,11 +11289,6 @@
               </a:rPr>
               <a:t>Conflicts:</a:t>
             </a:r>
-            <a:endParaRPr lang="de-DE" b="1">
-              <a:solidFill>
-                <a:schemeClr val="accent1"/>
-              </a:solidFill>
-            </a:endParaRPr>
           </a:p>
           <a:p>
             <a:endParaRPr lang="de-DE"/>
@@ -11465,11 +11483,6 @@
                 </a:rPr>
                 <a:t>Funktional</a:t>
               </a:r>
-              <a:endParaRPr lang="de-DE">
-                <a:solidFill>
-                  <a:schemeClr val="tx1"/>
-                </a:solidFill>
-              </a:endParaRPr>
             </a:p>
           </p:txBody>
         </p:sp>
@@ -11598,11 +11611,6 @@
                 </a:rPr>
                 <a:t>Im Export der Statistikdaten in mindestens PDF-, CSV-, und XLSX-Formate. (B/E/A)</a:t>
               </a:r>
-              <a:endParaRPr lang="de-DE">
-                <a:solidFill>
-                  <a:schemeClr val="tx1"/>
-                </a:solidFill>
-              </a:endParaRPr>
             </a:p>
             <a:p>
               <a:endParaRPr lang="de-DE"/>
@@ -11660,11 +11668,6 @@
                 </a:rPr>
                 <a:t>Statistiken müssen weitergegeben und archiviert werden können.</a:t>
               </a:r>
-              <a:endParaRPr lang="de-DE">
-                <a:solidFill>
-                  <a:schemeClr val="tx1"/>
-                </a:solidFill>
-              </a:endParaRPr>
             </a:p>
             <a:p>
               <a:endParaRPr lang="de-DE"/>
@@ -11730,11 +11733,6 @@
                 </a:rPr>
                 <a:t>Kundinnen/Praktikumsleitung</a:t>
               </a:r>
-              <a:endParaRPr lang="de-DE" dirty="0">
-                <a:solidFill>
-                  <a:schemeClr val="tx1"/>
-                </a:solidFill>
-              </a:endParaRPr>
             </a:p>
             <a:p>
               <a:endParaRPr lang="de-DE" dirty="0"/>
@@ -11792,11 +11790,6 @@
                 </a:rPr>
                 <a:t>Download-Button mit der Auswahl PDF, CVS oder XLSX.</a:t>
               </a:r>
-              <a:endParaRPr lang="de-DE">
-                <a:solidFill>
-                  <a:schemeClr val="tx1"/>
-                </a:solidFill>
-              </a:endParaRPr>
             </a:p>
             <a:p>
               <a:endParaRPr lang="de-DE"/>
@@ -11869,11 +11862,6 @@
                 </a:rPr>
                 <a:t>Must</a:t>
               </a:r>
-              <a:endParaRPr lang="de-DE">
-                <a:solidFill>
-                  <a:schemeClr val="tx1"/>
-                </a:solidFill>
-              </a:endParaRPr>
             </a:p>
           </p:txBody>
         </p:sp>
@@ -11920,11 +11908,6 @@
                 </a:rPr>
                 <a:t>Customer Satisfaction:</a:t>
               </a:r>
-              <a:endParaRPr lang="de-DE" b="1">
-                <a:solidFill>
-                  <a:schemeClr val="accent1"/>
-                </a:solidFill>
-              </a:endParaRPr>
             </a:p>
           </p:txBody>
         </p:sp>
@@ -11971,11 +11954,6 @@
                 </a:rPr>
                 <a:t>Customer Dissatisfaction:</a:t>
               </a:r>
-              <a:endParaRPr lang="de-DE" b="1">
-                <a:solidFill>
-                  <a:schemeClr val="accent1"/>
-                </a:solidFill>
-              </a:endParaRPr>
             </a:p>
           </p:txBody>
         </p:sp>
@@ -12023,11 +12001,6 @@
               </a:rPr>
               <a:t>Supporting Material:</a:t>
             </a:r>
-            <a:endParaRPr lang="de-DE" b="1">
-              <a:solidFill>
-                <a:schemeClr val="accent1"/>
-              </a:solidFill>
-            </a:endParaRPr>
           </a:p>
           <a:p>
             <a:endParaRPr lang="de-DE"/>
@@ -12080,11 +12053,6 @@
               </a:rPr>
               <a:t>Conflicts:</a:t>
             </a:r>
-            <a:endParaRPr lang="de-DE" b="1">
-              <a:solidFill>
-                <a:schemeClr val="accent1"/>
-              </a:solidFill>
-            </a:endParaRPr>
           </a:p>
           <a:p>
             <a:endParaRPr lang="de-DE"/>
@@ -12287,11 +12255,6 @@
                 </a:rPr>
                 <a:t>Funktional</a:t>
               </a:r>
-              <a:endParaRPr lang="de-DE" dirty="0">
-                <a:solidFill>
-                  <a:schemeClr val="tx1"/>
-                </a:solidFill>
-              </a:endParaRPr>
             </a:p>
           </p:txBody>
         </p:sp>
@@ -12538,11 +12501,6 @@
                 </a:rPr>
                 <a:t>Praktikumsleitung</a:t>
               </a:r>
-              <a:endParaRPr lang="de-DE" dirty="0">
-                <a:solidFill>
-                  <a:schemeClr val="tx1"/>
-                </a:solidFill>
-              </a:endParaRPr>
             </a:p>
             <a:p>
               <a:endParaRPr lang="de-DE" dirty="0"/>
@@ -12702,11 +12660,6 @@
                 </a:rPr>
                 <a:t>Must</a:t>
               </a:r>
-              <a:endParaRPr lang="de-DE">
-                <a:solidFill>
-                  <a:schemeClr val="tx1"/>
-                </a:solidFill>
-              </a:endParaRPr>
             </a:p>
           </p:txBody>
         </p:sp>
@@ -12753,11 +12706,6 @@
                 </a:rPr>
                 <a:t>Customer Satisfaction:</a:t>
               </a:r>
-              <a:endParaRPr lang="de-DE" b="1">
-                <a:solidFill>
-                  <a:schemeClr val="accent1"/>
-                </a:solidFill>
-              </a:endParaRPr>
             </a:p>
           </p:txBody>
         </p:sp>
@@ -12804,11 +12752,6 @@
                 </a:rPr>
                 <a:t>Customer Dissatisfaction:</a:t>
               </a:r>
-              <a:endParaRPr lang="de-DE" b="1">
-                <a:solidFill>
-                  <a:schemeClr val="accent1"/>
-                </a:solidFill>
-              </a:endParaRPr>
             </a:p>
           </p:txBody>
         </p:sp>
@@ -12856,11 +12799,6 @@
               </a:rPr>
               <a:t>Supporting Material:</a:t>
             </a:r>
-            <a:endParaRPr lang="de-DE" b="1">
-              <a:solidFill>
-                <a:schemeClr val="accent1"/>
-              </a:solidFill>
-            </a:endParaRPr>
           </a:p>
           <a:p>
             <a:endParaRPr lang="de-DE"/>
@@ -12913,11 +12851,6 @@
               </a:rPr>
               <a:t>Conflicts:</a:t>
             </a:r>
-            <a:endParaRPr lang="de-DE" b="1">
-              <a:solidFill>
-                <a:schemeClr val="accent1"/>
-              </a:solidFill>
-            </a:endParaRPr>
           </a:p>
           <a:p>
             <a:endParaRPr lang="de-DE"/>
@@ -13112,11 +13045,6 @@
                 </a:rPr>
                 <a:t>Funktional</a:t>
               </a:r>
-              <a:endParaRPr lang="de-DE">
-                <a:solidFill>
-                  <a:schemeClr val="tx1"/>
-                </a:solidFill>
-              </a:endParaRPr>
             </a:p>
           </p:txBody>
         </p:sp>
@@ -13300,11 +13228,6 @@
                 </a:rPr>
                 <a:t>Schutz sensibler Daten.</a:t>
               </a:r>
-              <a:endParaRPr lang="de-DE">
-                <a:solidFill>
-                  <a:schemeClr val="tx1"/>
-                </a:solidFill>
-              </a:endParaRPr>
             </a:p>
             <a:p>
               <a:endParaRPr lang="de-DE"/>
@@ -13370,11 +13293,6 @@
                 </a:rPr>
                 <a:t>Kundinnen/Praktikumsleitung</a:t>
               </a:r>
-              <a:endParaRPr lang="de-DE" dirty="0">
-                <a:solidFill>
-                  <a:schemeClr val="tx1"/>
-                </a:solidFill>
-              </a:endParaRPr>
             </a:p>
             <a:p>
               <a:endParaRPr lang="de-DE" dirty="0"/>
@@ -13432,11 +13350,6 @@
                 </a:rPr>
                 <a:t>Es gibt ein Anmeldebereich beim Starten bzw. Abmelden mit den Feldern [Benutzername] und [Passwort].</a:t>
               </a:r>
-              <a:endParaRPr lang="de-DE">
-                <a:solidFill>
-                  <a:schemeClr val="tx1"/>
-                </a:solidFill>
-              </a:endParaRPr>
             </a:p>
             <a:p>
               <a:endParaRPr lang="de-DE"/>
@@ -13509,11 +13422,6 @@
                 </a:rPr>
                 <a:t>Must</a:t>
               </a:r>
-              <a:endParaRPr lang="de-DE">
-                <a:solidFill>
-                  <a:schemeClr val="tx1"/>
-                </a:solidFill>
-              </a:endParaRPr>
             </a:p>
           </p:txBody>
         </p:sp>
@@ -13560,11 +13468,6 @@
                 </a:rPr>
                 <a:t>Customer Satisfaction:</a:t>
               </a:r>
-              <a:endParaRPr lang="de-DE" b="1">
-                <a:solidFill>
-                  <a:schemeClr val="accent1"/>
-                </a:solidFill>
-              </a:endParaRPr>
             </a:p>
           </p:txBody>
         </p:sp>
@@ -13611,11 +13514,6 @@
                 </a:rPr>
                 <a:t>Customer Dissatisfaction:</a:t>
               </a:r>
-              <a:endParaRPr lang="de-DE" b="1">
-                <a:solidFill>
-                  <a:schemeClr val="accent1"/>
-                </a:solidFill>
-              </a:endParaRPr>
             </a:p>
           </p:txBody>
         </p:sp>
@@ -13663,11 +13561,6 @@
               </a:rPr>
               <a:t>Supporting Material:</a:t>
             </a:r>
-            <a:endParaRPr lang="de-DE" b="1">
-              <a:solidFill>
-                <a:schemeClr val="accent1"/>
-              </a:solidFill>
-            </a:endParaRPr>
           </a:p>
           <a:p>
             <a:endParaRPr lang="de-DE"/>
@@ -13720,11 +13613,6 @@
               </a:rPr>
               <a:t>Conflicts:</a:t>
             </a:r>
-            <a:endParaRPr lang="de-DE" b="1">
-              <a:solidFill>
-                <a:schemeClr val="accent1"/>
-              </a:solidFill>
-            </a:endParaRPr>
           </a:p>
           <a:p>
             <a:endParaRPr lang="de-DE"/>
@@ -13919,11 +13807,6 @@
                 </a:rPr>
                 <a:t>Funktional</a:t>
               </a:r>
-              <a:endParaRPr lang="de-DE">
-                <a:solidFill>
-                  <a:schemeClr val="tx1"/>
-                </a:solidFill>
-              </a:endParaRPr>
             </a:p>
           </p:txBody>
         </p:sp>
@@ -14170,11 +14053,6 @@
                 </a:rPr>
                 <a:t>Kundinnen/Praktikumsleitung</a:t>
               </a:r>
-              <a:endParaRPr lang="de-DE" dirty="0">
-                <a:solidFill>
-                  <a:schemeClr val="tx1"/>
-                </a:solidFill>
-              </a:endParaRPr>
             </a:p>
             <a:p>
               <a:endParaRPr lang="de-DE" dirty="0"/>
@@ -14232,11 +14110,6 @@
                 </a:rPr>
                 <a:t>Es gibt einen Bereich [Passwort ändern] in jedem Nutzerkonto.</a:t>
               </a:r>
-              <a:endParaRPr lang="de-DE">
-                <a:solidFill>
-                  <a:schemeClr val="tx1"/>
-                </a:solidFill>
-              </a:endParaRPr>
             </a:p>
             <a:p>
               <a:endParaRPr lang="de-DE"/>
@@ -14309,11 +14182,6 @@
                 </a:rPr>
                 <a:t>Must</a:t>
               </a:r>
-              <a:endParaRPr lang="de-DE">
-                <a:solidFill>
-                  <a:schemeClr val="tx1"/>
-                </a:solidFill>
-              </a:endParaRPr>
             </a:p>
           </p:txBody>
         </p:sp>
@@ -14360,11 +14228,6 @@
                 </a:rPr>
                 <a:t>Customer Satisfaction:</a:t>
               </a:r>
-              <a:endParaRPr lang="de-DE" b="1">
-                <a:solidFill>
-                  <a:schemeClr val="accent1"/>
-                </a:solidFill>
-              </a:endParaRPr>
             </a:p>
           </p:txBody>
         </p:sp>
@@ -14411,11 +14274,6 @@
                 </a:rPr>
                 <a:t>Customer Dissatisfaction:</a:t>
               </a:r>
-              <a:endParaRPr lang="de-DE" b="1">
-                <a:solidFill>
-                  <a:schemeClr val="accent1"/>
-                </a:solidFill>
-              </a:endParaRPr>
             </a:p>
           </p:txBody>
         </p:sp>
@@ -14463,11 +14321,6 @@
               </a:rPr>
               <a:t>Supporting Material:</a:t>
             </a:r>
-            <a:endParaRPr lang="de-DE" b="1">
-              <a:solidFill>
-                <a:schemeClr val="accent1"/>
-              </a:solidFill>
-            </a:endParaRPr>
           </a:p>
           <a:p>
             <a:endParaRPr lang="de-DE"/>
@@ -14520,11 +14373,6 @@
               </a:rPr>
               <a:t>Conflicts:</a:t>
             </a:r>
-            <a:endParaRPr lang="de-DE" b="1">
-              <a:solidFill>
-                <a:schemeClr val="accent1"/>
-              </a:solidFill>
-            </a:endParaRPr>
           </a:p>
           <a:p>
             <a:endParaRPr lang="de-DE"/>
@@ -14719,11 +14567,6 @@
                 </a:rPr>
                 <a:t>Funktional</a:t>
               </a:r>
-              <a:endParaRPr lang="de-DE">
-                <a:solidFill>
-                  <a:schemeClr val="tx1"/>
-                </a:solidFill>
-              </a:endParaRPr>
             </a:p>
           </p:txBody>
         </p:sp>
@@ -14907,11 +14750,6 @@
                 </a:rPr>
                 <a:t>Nutzerinnenverwaltung muss intern durchführbar sein.</a:t>
               </a:r>
-              <a:endParaRPr lang="de-DE">
-                <a:solidFill>
-                  <a:schemeClr val="tx1"/>
-                </a:solidFill>
-              </a:endParaRPr>
             </a:p>
             <a:p>
               <a:endParaRPr lang="de-DE"/>
@@ -14977,11 +14815,6 @@
                 </a:rPr>
                 <a:t>Kundinnen/Praktikumsleitung</a:t>
               </a:r>
-              <a:endParaRPr lang="de-DE" dirty="0">
-                <a:solidFill>
-                  <a:schemeClr val="tx1"/>
-                </a:solidFill>
-              </a:endParaRPr>
             </a:p>
             <a:p>
               <a:endParaRPr lang="de-DE" dirty="0"/>
@@ -15109,11 +14942,6 @@
                 </a:rPr>
                 <a:t>Must</a:t>
               </a:r>
-              <a:endParaRPr lang="de-DE">
-                <a:solidFill>
-                  <a:schemeClr val="tx1"/>
-                </a:solidFill>
-              </a:endParaRPr>
             </a:p>
           </p:txBody>
         </p:sp>
@@ -15160,11 +14988,6 @@
                 </a:rPr>
                 <a:t>Customer Satisfaction:</a:t>
               </a:r>
-              <a:endParaRPr lang="de-DE" b="1">
-                <a:solidFill>
-                  <a:schemeClr val="accent1"/>
-                </a:solidFill>
-              </a:endParaRPr>
             </a:p>
           </p:txBody>
         </p:sp>
@@ -15211,11 +15034,6 @@
                 </a:rPr>
                 <a:t>Customer Dissatisfaction:</a:t>
               </a:r>
-              <a:endParaRPr lang="de-DE" b="1">
-                <a:solidFill>
-                  <a:schemeClr val="accent1"/>
-                </a:solidFill>
-              </a:endParaRPr>
             </a:p>
           </p:txBody>
         </p:sp>
@@ -15263,11 +15081,6 @@
               </a:rPr>
               <a:t>Supporting Material:</a:t>
             </a:r>
-            <a:endParaRPr lang="de-DE" b="1">
-              <a:solidFill>
-                <a:schemeClr val="accent1"/>
-              </a:solidFill>
-            </a:endParaRPr>
           </a:p>
           <a:p>
             <a:endParaRPr lang="de-DE"/>
@@ -15320,11 +15133,6 @@
               </a:rPr>
               <a:t>Conflicts:</a:t>
             </a:r>
-            <a:endParaRPr lang="de-DE" b="1">
-              <a:solidFill>
-                <a:schemeClr val="accent1"/>
-              </a:solidFill>
-            </a:endParaRPr>
           </a:p>
           <a:p>
             <a:endParaRPr lang="de-DE"/>
@@ -15519,11 +15327,6 @@
                 </a:rPr>
                 <a:t>Nicht-Funktional</a:t>
               </a:r>
-              <a:endParaRPr lang="de-DE">
-                <a:solidFill>
-                  <a:schemeClr val="tx1"/>
-                </a:solidFill>
-              </a:endParaRPr>
             </a:p>
           </p:txBody>
         </p:sp>
@@ -15644,11 +15447,6 @@
                 </a:rPr>
                 <a:t>Die Applikation soll mit Client-Server-Architektur und Microservice bereitgestellt werden.</a:t>
               </a:r>
-              <a:endParaRPr lang="de-DE">
-                <a:solidFill>
-                  <a:schemeClr val="tx1"/>
-                </a:solidFill>
-              </a:endParaRPr>
             </a:p>
             <a:p>
               <a:endParaRPr lang="de-DE"/>
@@ -15706,11 +15504,6 @@
                 </a:rPr>
                 <a:t>Zentrale Datenhaltung.</a:t>
               </a:r>
-              <a:endParaRPr lang="de-DE">
-                <a:solidFill>
-                  <a:schemeClr val="tx1"/>
-                </a:solidFill>
-              </a:endParaRPr>
             </a:p>
             <a:p>
               <a:endParaRPr lang="de-DE"/>
@@ -15776,11 +15569,6 @@
                 </a:rPr>
                 <a:t>Praktikumsleitung</a:t>
               </a:r>
-              <a:endParaRPr lang="de-DE" dirty="0">
-                <a:solidFill>
-                  <a:schemeClr val="tx1"/>
-                </a:solidFill>
-              </a:endParaRPr>
             </a:p>
             <a:p>
               <a:endParaRPr lang="de-DE" dirty="0"/>
@@ -15838,11 +15626,6 @@
                 </a:rPr>
                 <a:t>Anwendung lässt sich auf einem Server deployen.</a:t>
               </a:r>
-              <a:endParaRPr lang="de-DE">
-                <a:solidFill>
-                  <a:schemeClr val="tx1"/>
-                </a:solidFill>
-              </a:endParaRPr>
             </a:p>
             <a:p>
               <a:endParaRPr lang="de-DE"/>
@@ -15915,11 +15698,6 @@
                 </a:rPr>
                 <a:t>Must</a:t>
               </a:r>
-              <a:endParaRPr lang="de-DE">
-                <a:solidFill>
-                  <a:schemeClr val="tx1"/>
-                </a:solidFill>
-              </a:endParaRPr>
             </a:p>
           </p:txBody>
         </p:sp>
@@ -15966,11 +15744,6 @@
                 </a:rPr>
                 <a:t>Customer Satisfaction:</a:t>
               </a:r>
-              <a:endParaRPr lang="de-DE" b="1">
-                <a:solidFill>
-                  <a:schemeClr val="accent1"/>
-                </a:solidFill>
-              </a:endParaRPr>
             </a:p>
           </p:txBody>
         </p:sp>
@@ -16017,11 +15790,6 @@
                 </a:rPr>
                 <a:t>Customer Dissatisfaction:</a:t>
               </a:r>
-              <a:endParaRPr lang="de-DE" b="1">
-                <a:solidFill>
-                  <a:schemeClr val="accent1"/>
-                </a:solidFill>
-              </a:endParaRPr>
             </a:p>
           </p:txBody>
         </p:sp>
@@ -16069,11 +15837,6 @@
               </a:rPr>
               <a:t>Supporting Material:</a:t>
             </a:r>
-            <a:endParaRPr lang="de-DE" b="1">
-              <a:solidFill>
-                <a:schemeClr val="accent1"/>
-              </a:solidFill>
-            </a:endParaRPr>
           </a:p>
           <a:p>
             <a:endParaRPr lang="de-DE"/>
@@ -16126,11 +15889,6 @@
               </a:rPr>
               <a:t>Conflicts:</a:t>
             </a:r>
-            <a:endParaRPr lang="de-DE" b="1">
-              <a:solidFill>
-                <a:schemeClr val="accent1"/>
-              </a:solidFill>
-            </a:endParaRPr>
           </a:p>
           <a:p>
             <a:endParaRPr lang="de-DE"/>
@@ -16333,11 +16091,6 @@
                 </a:rPr>
                 <a:t>Funktional</a:t>
               </a:r>
-              <a:endParaRPr lang="de-DE" dirty="0">
-                <a:solidFill>
-                  <a:schemeClr val="tx1"/>
-                </a:solidFill>
-              </a:endParaRPr>
             </a:p>
           </p:txBody>
         </p:sp>
@@ -16517,7 +16270,6 @@
                 <a:rPr lang="de-DE"/>
                 <a:t>Mitarbeiterinnen sollen alle wichtigen Informationen zur Anfrage digital erfassen, anstatt sie händisch zu notieren.</a:t>
               </a:r>
-              <a:endParaRPr lang="de-DE"/>
             </a:p>
             <a:p>
               <a:endParaRPr lang="de-DE"/>
@@ -16637,7 +16389,6 @@
                 <a:rPr lang="de-DE"/>
                 <a:t>Nutzerin kann über das Interface neue Anfragen anlegen, ausfüllen und speichern.</a:t>
               </a:r>
-              <a:endParaRPr lang="de-DE"/>
             </a:p>
             <a:p>
               <a:endParaRPr lang="de-DE"/>
@@ -16706,7 +16457,6 @@
                 <a:rPr lang="de-DE"/>
                 <a:t>Must</a:t>
               </a:r>
-              <a:endParaRPr lang="de-DE"/>
             </a:p>
           </p:txBody>
         </p:sp>
@@ -16753,11 +16503,6 @@
                 </a:rPr>
                 <a:t>Customer Satisfaction:</a:t>
               </a:r>
-              <a:endParaRPr lang="de-DE" b="1">
-                <a:solidFill>
-                  <a:schemeClr val="accent1"/>
-                </a:solidFill>
-              </a:endParaRPr>
             </a:p>
           </p:txBody>
         </p:sp>
@@ -16804,11 +16549,6 @@
                 </a:rPr>
                 <a:t>Customer Dissatisfaction:</a:t>
               </a:r>
-              <a:endParaRPr lang="de-DE" b="1">
-                <a:solidFill>
-                  <a:schemeClr val="accent1"/>
-                </a:solidFill>
-              </a:endParaRPr>
             </a:p>
           </p:txBody>
         </p:sp>
@@ -16860,7 +16600,6 @@
               <a:rPr lang="de-DE"/>
               <a:t>Daten, die erhoben werden sollen stehen im Statistik-Bogen.</a:t>
             </a:r>
-            <a:endParaRPr lang="de-DE"/>
           </a:p>
           <a:p>
             <a:endParaRPr lang="de-DE"/>
@@ -16910,11 +16649,6 @@
               </a:rPr>
               <a:t>Conflicts:</a:t>
             </a:r>
-            <a:endParaRPr lang="de-DE" b="1">
-              <a:solidFill>
-                <a:schemeClr val="accent1"/>
-              </a:solidFill>
-            </a:endParaRPr>
           </a:p>
           <a:p>
             <a:endParaRPr lang="de-DE"/>
@@ -17109,11 +16843,6 @@
                 </a:rPr>
                 <a:t>Nicht-Funktional</a:t>
               </a:r>
-              <a:endParaRPr lang="de-DE">
-                <a:solidFill>
-                  <a:schemeClr val="tx1"/>
-                </a:solidFill>
-              </a:endParaRPr>
             </a:p>
           </p:txBody>
         </p:sp>
@@ -17234,11 +16963,6 @@
                 </a:rPr>
                 <a:t>Die Software wird als Docker-Image bereitgestellt.</a:t>
               </a:r>
-              <a:endParaRPr lang="de-DE">
-                <a:solidFill>
-                  <a:schemeClr val="tx1"/>
-                </a:solidFill>
-              </a:endParaRPr>
             </a:p>
             <a:p>
               <a:endParaRPr lang="de-DE"/>
@@ -17296,11 +17020,6 @@
                 </a:rPr>
                 <a:t>Einfache Installation und Verwendbarkeit auf jedem Rechner.</a:t>
               </a:r>
-              <a:endParaRPr lang="de-DE">
-                <a:solidFill>
-                  <a:schemeClr val="tx1"/>
-                </a:solidFill>
-              </a:endParaRPr>
             </a:p>
             <a:p>
               <a:endParaRPr lang="de-DE"/>
@@ -17366,11 +17085,6 @@
                 </a:rPr>
                 <a:t>Praktikumsleitung</a:t>
               </a:r>
-              <a:endParaRPr lang="de-DE" dirty="0">
-                <a:solidFill>
-                  <a:schemeClr val="tx1"/>
-                </a:solidFill>
-              </a:endParaRPr>
             </a:p>
             <a:p>
               <a:endParaRPr lang="de-DE" dirty="0"/>
@@ -17428,11 +17142,6 @@
                 </a:rPr>
                 <a:t>Docker Container lässt sich starten und Software funktioniert wie beschrieben.</a:t>
               </a:r>
-              <a:endParaRPr lang="de-DE">
-                <a:solidFill>
-                  <a:schemeClr val="tx1"/>
-                </a:solidFill>
-              </a:endParaRPr>
             </a:p>
             <a:p>
               <a:endParaRPr lang="de-DE"/>
@@ -17505,11 +17214,6 @@
                 </a:rPr>
                 <a:t>Must</a:t>
               </a:r>
-              <a:endParaRPr lang="de-DE">
-                <a:solidFill>
-                  <a:schemeClr val="tx1"/>
-                </a:solidFill>
-              </a:endParaRPr>
             </a:p>
           </p:txBody>
         </p:sp>
@@ -17556,11 +17260,6 @@
                 </a:rPr>
                 <a:t>Customer Satisfaction:</a:t>
               </a:r>
-              <a:endParaRPr lang="de-DE" b="1">
-                <a:solidFill>
-                  <a:schemeClr val="accent1"/>
-                </a:solidFill>
-              </a:endParaRPr>
             </a:p>
           </p:txBody>
         </p:sp>
@@ -17607,11 +17306,6 @@
                 </a:rPr>
                 <a:t>Customer Dissatisfaction:</a:t>
               </a:r>
-              <a:endParaRPr lang="de-DE" b="1">
-                <a:solidFill>
-                  <a:schemeClr val="accent1"/>
-                </a:solidFill>
-              </a:endParaRPr>
             </a:p>
           </p:txBody>
         </p:sp>
@@ -17659,11 +17353,6 @@
               </a:rPr>
               <a:t>Supporting Material:</a:t>
             </a:r>
-            <a:endParaRPr lang="de-DE" b="1">
-              <a:solidFill>
-                <a:schemeClr val="accent1"/>
-              </a:solidFill>
-            </a:endParaRPr>
           </a:p>
           <a:p>
             <a:endParaRPr lang="de-DE"/>
@@ -17716,11 +17405,6 @@
               </a:rPr>
               <a:t>Conflicts:</a:t>
             </a:r>
-            <a:endParaRPr lang="de-DE" b="1">
-              <a:solidFill>
-                <a:schemeClr val="accent1"/>
-              </a:solidFill>
-            </a:endParaRPr>
           </a:p>
           <a:p>
             <a:endParaRPr lang="de-DE"/>
@@ -17915,11 +17599,6 @@
                 </a:rPr>
                 <a:t>Nicht-Funktional</a:t>
               </a:r>
-              <a:endParaRPr lang="de-DE">
-                <a:solidFill>
-                  <a:schemeClr val="tx1"/>
-                </a:solidFill>
-              </a:endParaRPr>
             </a:p>
           </p:txBody>
         </p:sp>
@@ -18064,11 +17743,6 @@
                 </a:rPr>
                 <a:t>Installationsschritte für Software sind in README erklärt. </a:t>
               </a:r>
-              <a:endParaRPr lang="de-DE">
-                <a:solidFill>
-                  <a:schemeClr val="tx1"/>
-                </a:solidFill>
-              </a:endParaRPr>
             </a:p>
             <a:p>
               <a:endParaRPr lang="de-DE"/>
@@ -18126,11 +17800,6 @@
                 </a:rPr>
                 <a:t>Erklärung zur Installation für die Kundinnen.</a:t>
               </a:r>
-              <a:endParaRPr lang="de-DE">
-                <a:solidFill>
-                  <a:schemeClr val="tx1"/>
-                </a:solidFill>
-              </a:endParaRPr>
             </a:p>
             <a:p>
               <a:endParaRPr lang="de-DE"/>
@@ -18196,11 +17865,6 @@
                 </a:rPr>
                 <a:t>Praktikumsleitung</a:t>
               </a:r>
-              <a:endParaRPr lang="de-DE" dirty="0">
-                <a:solidFill>
-                  <a:schemeClr val="tx1"/>
-                </a:solidFill>
-              </a:endParaRPr>
             </a:p>
             <a:p>
               <a:endParaRPr lang="de-DE" dirty="0"/>
@@ -18258,11 +17922,6 @@
                 </a:rPr>
                 <a:t>Installation der Software funktioniert wie in README beschrieben.</a:t>
               </a:r>
-              <a:endParaRPr lang="de-DE">
-                <a:solidFill>
-                  <a:schemeClr val="tx1"/>
-                </a:solidFill>
-              </a:endParaRPr>
             </a:p>
             <a:p>
               <a:endParaRPr lang="de-DE"/>
@@ -18335,11 +17994,6 @@
                 </a:rPr>
                 <a:t>Must</a:t>
               </a:r>
-              <a:endParaRPr lang="de-DE">
-                <a:solidFill>
-                  <a:schemeClr val="tx1"/>
-                </a:solidFill>
-              </a:endParaRPr>
             </a:p>
           </p:txBody>
         </p:sp>
@@ -18386,11 +18040,6 @@
                 </a:rPr>
                 <a:t>Customer Satisfaction:</a:t>
               </a:r>
-              <a:endParaRPr lang="de-DE" b="1">
-                <a:solidFill>
-                  <a:schemeClr val="accent1"/>
-                </a:solidFill>
-              </a:endParaRPr>
             </a:p>
           </p:txBody>
         </p:sp>
@@ -18437,11 +18086,6 @@
                 </a:rPr>
                 <a:t>Customer Dissatisfaction:</a:t>
               </a:r>
-              <a:endParaRPr lang="de-DE" b="1">
-                <a:solidFill>
-                  <a:schemeClr val="accent1"/>
-                </a:solidFill>
-              </a:endParaRPr>
             </a:p>
           </p:txBody>
         </p:sp>
@@ -18489,11 +18133,6 @@
               </a:rPr>
               <a:t>Supporting Material:</a:t>
             </a:r>
-            <a:endParaRPr lang="de-DE" b="1">
-              <a:solidFill>
-                <a:schemeClr val="accent1"/>
-              </a:solidFill>
-            </a:endParaRPr>
           </a:p>
           <a:p>
             <a:endParaRPr lang="de-DE"/>
@@ -18546,11 +18185,6 @@
               </a:rPr>
               <a:t>Conflicts:</a:t>
             </a:r>
-            <a:endParaRPr lang="de-DE" b="1">
-              <a:solidFill>
-                <a:schemeClr val="accent1"/>
-              </a:solidFill>
-            </a:endParaRPr>
           </a:p>
           <a:p>
             <a:endParaRPr lang="de-DE"/>
@@ -18745,11 +18379,6 @@
                 </a:rPr>
                 <a:t>Nicht-Funktional</a:t>
               </a:r>
-              <a:endParaRPr lang="de-DE">
-                <a:solidFill>
-                  <a:schemeClr val="tx1"/>
-                </a:solidFill>
-              </a:endParaRPr>
             </a:p>
           </p:txBody>
         </p:sp>
@@ -18878,11 +18507,6 @@
                 </a:rPr>
                 <a:t>Automatisierte Tests durch CI/CD-Pipeline. </a:t>
               </a:r>
-              <a:endParaRPr lang="de-DE">
-                <a:solidFill>
-                  <a:schemeClr val="tx1"/>
-                </a:solidFill>
-              </a:endParaRPr>
             </a:p>
             <a:p>
               <a:endParaRPr lang="de-DE"/>
@@ -18940,11 +18564,6 @@
                 </a:rPr>
                 <a:t>Stabilität und Vermeidung von Fehlern bei Softwareänderungen.</a:t>
               </a:r>
-              <a:endParaRPr lang="de-DE">
-                <a:solidFill>
-                  <a:schemeClr val="tx1"/>
-                </a:solidFill>
-              </a:endParaRPr>
             </a:p>
             <a:p>
               <a:endParaRPr lang="de-DE"/>
@@ -19010,11 +18629,6 @@
                 </a:rPr>
                 <a:t>Praktikumsleitung</a:t>
               </a:r>
-              <a:endParaRPr lang="de-DE" dirty="0">
-                <a:solidFill>
-                  <a:schemeClr val="tx1"/>
-                </a:solidFill>
-              </a:endParaRPr>
             </a:p>
             <a:p>
               <a:endParaRPr lang="de-DE" dirty="0"/>
@@ -19072,11 +18686,6 @@
                 </a:rPr>
                 <a:t>Pipeline führt neue Commits automatisch bei neuen Commits aus.</a:t>
               </a:r>
-              <a:endParaRPr lang="de-DE">
-                <a:solidFill>
-                  <a:schemeClr val="tx1"/>
-                </a:solidFill>
-              </a:endParaRPr>
             </a:p>
             <a:p>
               <a:endParaRPr lang="de-DE"/>
@@ -19149,11 +18758,6 @@
                 </a:rPr>
                 <a:t>Could</a:t>
               </a:r>
-              <a:endParaRPr lang="de-DE">
-                <a:solidFill>
-                  <a:schemeClr val="tx1"/>
-                </a:solidFill>
-              </a:endParaRPr>
             </a:p>
           </p:txBody>
         </p:sp>
@@ -19200,11 +18804,6 @@
                 </a:rPr>
                 <a:t>Customer Satisfaction:</a:t>
               </a:r>
-              <a:endParaRPr lang="de-DE" b="1">
-                <a:solidFill>
-                  <a:schemeClr val="accent1"/>
-                </a:solidFill>
-              </a:endParaRPr>
             </a:p>
           </p:txBody>
         </p:sp>
@@ -19251,11 +18850,6 @@
                 </a:rPr>
                 <a:t>Customer Dissatisfaction:</a:t>
               </a:r>
-              <a:endParaRPr lang="de-DE" b="1">
-                <a:solidFill>
-                  <a:schemeClr val="accent1"/>
-                </a:solidFill>
-              </a:endParaRPr>
             </a:p>
           </p:txBody>
         </p:sp>
@@ -19303,11 +18897,6 @@
               </a:rPr>
               <a:t>Supporting Material:</a:t>
             </a:r>
-            <a:endParaRPr lang="de-DE" b="1">
-              <a:solidFill>
-                <a:schemeClr val="accent1"/>
-              </a:solidFill>
-            </a:endParaRPr>
           </a:p>
           <a:p>
             <a:endParaRPr lang="de-DE"/>
@@ -19360,11 +18949,6 @@
               </a:rPr>
               <a:t>Conflicts:</a:t>
             </a:r>
-            <a:endParaRPr lang="de-DE" b="1">
-              <a:solidFill>
-                <a:schemeClr val="accent1"/>
-              </a:solidFill>
-            </a:endParaRPr>
           </a:p>
           <a:p>
             <a:endParaRPr lang="de-DE"/>
@@ -19559,11 +19143,6 @@
                 </a:rPr>
                 <a:t>Nicht-Funktional</a:t>
               </a:r>
-              <a:endParaRPr lang="de-DE">
-                <a:solidFill>
-                  <a:schemeClr val="tx1"/>
-                </a:solidFill>
-              </a:endParaRPr>
             </a:p>
           </p:txBody>
         </p:sp>
@@ -19747,11 +19326,6 @@
                 </a:rPr>
                 <a:t>Kundinnen sollen sich die Benutzung der Software mit dem Handbuch selbst beibringen können.</a:t>
               </a:r>
-              <a:endParaRPr lang="de-DE">
-                <a:solidFill>
-                  <a:schemeClr val="tx1"/>
-                </a:solidFill>
-              </a:endParaRPr>
             </a:p>
             <a:p>
               <a:endParaRPr lang="de-DE"/>
@@ -19817,11 +19391,6 @@
                 </a:rPr>
                 <a:t>Praktikumsleitung</a:t>
               </a:r>
-              <a:endParaRPr lang="de-DE" dirty="0">
-                <a:solidFill>
-                  <a:schemeClr val="tx1"/>
-                </a:solidFill>
-              </a:endParaRPr>
             </a:p>
             <a:p>
               <a:endParaRPr lang="de-DE" dirty="0"/>
@@ -19879,11 +19448,6 @@
                 </a:rPr>
                 <a:t>Nutzerhandbuch wird als z.B. PDF bereitgestellt.</a:t>
               </a:r>
-              <a:endParaRPr lang="de-DE">
-                <a:solidFill>
-                  <a:schemeClr val="tx1"/>
-                </a:solidFill>
-              </a:endParaRPr>
             </a:p>
             <a:p>
               <a:endParaRPr lang="de-DE"/>
@@ -19956,11 +19520,6 @@
                 </a:rPr>
                 <a:t>Should</a:t>
               </a:r>
-              <a:endParaRPr lang="de-DE">
-                <a:solidFill>
-                  <a:schemeClr val="tx1"/>
-                </a:solidFill>
-              </a:endParaRPr>
             </a:p>
           </p:txBody>
         </p:sp>
@@ -20007,11 +19566,6 @@
                 </a:rPr>
                 <a:t>Customer Satisfaction:</a:t>
               </a:r>
-              <a:endParaRPr lang="de-DE" b="1">
-                <a:solidFill>
-                  <a:schemeClr val="accent1"/>
-                </a:solidFill>
-              </a:endParaRPr>
             </a:p>
           </p:txBody>
         </p:sp>
@@ -20058,11 +19612,6 @@
                 </a:rPr>
                 <a:t>Customer Dissatisfaction:</a:t>
               </a:r>
-              <a:endParaRPr lang="de-DE" b="1">
-                <a:solidFill>
-                  <a:schemeClr val="accent1"/>
-                </a:solidFill>
-              </a:endParaRPr>
             </a:p>
           </p:txBody>
         </p:sp>
@@ -20110,11 +19659,6 @@
               </a:rPr>
               <a:t>Supporting Material:</a:t>
             </a:r>
-            <a:endParaRPr lang="de-DE" b="1">
-              <a:solidFill>
-                <a:schemeClr val="accent1"/>
-              </a:solidFill>
-            </a:endParaRPr>
           </a:p>
           <a:p>
             <a:endParaRPr lang="de-DE"/>
@@ -20167,11 +19711,6 @@
               </a:rPr>
               <a:t>Conflicts:</a:t>
             </a:r>
-            <a:endParaRPr lang="de-DE" b="1">
-              <a:solidFill>
-                <a:schemeClr val="accent1"/>
-              </a:solidFill>
-            </a:endParaRPr>
           </a:p>
           <a:p>
             <a:endParaRPr lang="de-DE"/>
@@ -20366,11 +19905,6 @@
                 </a:rPr>
                 <a:t>Nicht-Funktional</a:t>
               </a:r>
-              <a:endParaRPr lang="de-DE">
-                <a:solidFill>
-                  <a:schemeClr val="tx1"/>
-                </a:solidFill>
-              </a:endParaRPr>
             </a:p>
           </p:txBody>
         </p:sp>
@@ -20554,11 +20088,6 @@
                 </a:rPr>
                 <a:t>Um die Eingabe möglichst einfach und effizient zu gestalten (UX/Performance).</a:t>
               </a:r>
-              <a:endParaRPr lang="de-DE">
-                <a:solidFill>
-                  <a:schemeClr val="tx1"/>
-                </a:solidFill>
-              </a:endParaRPr>
             </a:p>
             <a:p>
               <a:endParaRPr lang="de-DE"/>
@@ -20624,11 +20153,6 @@
                 </a:rPr>
                 <a:t>Gruppe</a:t>
               </a:r>
-              <a:endParaRPr lang="de-DE" dirty="0">
-                <a:solidFill>
-                  <a:schemeClr val="tx1"/>
-                </a:solidFill>
-              </a:endParaRPr>
             </a:p>
             <a:p>
               <a:endParaRPr lang="de-DE" dirty="0"/>
@@ -20756,11 +20280,6 @@
                 </a:rPr>
                 <a:t>Should</a:t>
               </a:r>
-              <a:endParaRPr lang="de-DE">
-                <a:solidFill>
-                  <a:schemeClr val="tx1"/>
-                </a:solidFill>
-              </a:endParaRPr>
             </a:p>
           </p:txBody>
         </p:sp>
@@ -20882,11 +20401,6 @@
                 </a:rPr>
                 <a:t>Customer Dissatisfaction:</a:t>
               </a:r>
-              <a:endParaRPr lang="de-DE" b="1">
-                <a:solidFill>
-                  <a:schemeClr val="accent1"/>
-                </a:solidFill>
-              </a:endParaRPr>
             </a:p>
           </p:txBody>
         </p:sp>
@@ -20934,11 +20448,6 @@
               </a:rPr>
               <a:t>Supporting Material:</a:t>
             </a:r>
-            <a:endParaRPr lang="de-DE" b="1">
-              <a:solidFill>
-                <a:schemeClr val="accent1"/>
-              </a:solidFill>
-            </a:endParaRPr>
           </a:p>
           <a:p>
             <a:endParaRPr lang="de-DE"/>
@@ -20991,11 +20500,6 @@
               </a:rPr>
               <a:t>Conflicts:</a:t>
             </a:r>
-            <a:endParaRPr lang="de-DE" b="1">
-              <a:solidFill>
-                <a:schemeClr val="accent1"/>
-              </a:solidFill>
-            </a:endParaRPr>
           </a:p>
           <a:p>
             <a:endParaRPr lang="de-DE"/>
@@ -21190,11 +20694,6 @@
                 </a:rPr>
                 <a:t>Nicht-Funktional</a:t>
               </a:r>
-              <a:endParaRPr lang="de-DE">
-                <a:solidFill>
-                  <a:schemeClr val="tx1"/>
-                </a:solidFill>
-              </a:endParaRPr>
             </a:p>
           </p:txBody>
         </p:sp>
@@ -21267,9 +20766,9 @@
         <p:grpSpPr>
           <a:xfrm>
             <a:off x="168751" y="1549163"/>
-            <a:ext cx="11854497" cy="3388327"/>
+            <a:ext cx="11854497" cy="3112638"/>
             <a:chOff x="160973" y="1725626"/>
-            <a:chExt cx="11854497" cy="3388327"/>
+            <a:chExt cx="11854497" cy="3112638"/>
           </a:xfrm>
         </p:grpSpPr>
         <p:sp>
@@ -21378,11 +20877,6 @@
                 </a:rPr>
                 <a:t>Um möglichst effizient arbeiten zu können (Performance).</a:t>
               </a:r>
-              <a:endParaRPr lang="de-DE">
-                <a:solidFill>
-                  <a:schemeClr val="tx1"/>
-                </a:solidFill>
-              </a:endParaRPr>
             </a:p>
             <a:p>
               <a:endParaRPr lang="de-DE"/>
@@ -21448,11 +20942,6 @@
                 </a:rPr>
                 <a:t>Gruppe </a:t>
               </a:r>
-              <a:endParaRPr lang="de-DE" dirty="0">
-                <a:solidFill>
-                  <a:schemeClr val="tx1"/>
-                </a:solidFill>
-              </a:endParaRPr>
             </a:p>
             <a:p>
               <a:endParaRPr lang="de-DE" dirty="0"/>
@@ -21468,7 +20957,7 @@
           <p:spPr>
             <a:xfrm>
               <a:off x="176530" y="4191933"/>
-              <a:ext cx="11838940" cy="922020"/>
+              <a:ext cx="11838940" cy="646331"/>
             </a:xfrm>
             <a:prstGeom prst="rect">
               <a:avLst/>
@@ -21495,15 +20984,31 @@
             <a:lstStyle/>
             <a:p>
               <a:r>
-                <a:rPr lang="de-DE" b="1">
-                  <a:solidFill>
-                    <a:schemeClr val="accent1"/>
-                  </a:solidFill>
-                </a:rPr>
-                <a:t>Fit Criterion: </a:t>
-              </a:r>
-              <a:r>
-                <a:rPr lang="de-DE">
+                <a:rPr lang="de-DE" b="1" dirty="0">
+                  <a:solidFill>
+                    <a:schemeClr val="accent1"/>
+                  </a:solidFill>
+                </a:rPr>
+                <a:t>Fit </a:t>
+              </a:r>
+              <a:r>
+                <a:rPr lang="de-DE" b="1" dirty="0" err="1">
+                  <a:solidFill>
+                    <a:schemeClr val="accent1"/>
+                  </a:solidFill>
+                </a:rPr>
+                <a:t>Criterion</a:t>
+              </a:r>
+              <a:r>
+                <a:rPr lang="de-DE" b="1" dirty="0">
+                  <a:solidFill>
+                    <a:schemeClr val="accent1"/>
+                  </a:solidFill>
+                </a:rPr>
+                <a:t>: </a:t>
+              </a:r>
+              <a:r>
+                <a:rPr lang="de-DE" dirty="0">
                   <a:solidFill>
                     <a:schemeClr val="tx1"/>
                   </a:solidFill>
@@ -21517,16 +21022,18 @@
                   </a:solidFill>
                   <a:sym typeface="+mn-ea"/>
                 </a:rPr>
-                <a:t> (i7-7700, Nvidea GTX1060, 16GB Ram, HDD)</a:t>
-              </a:r>
-              <a:endParaRPr lang="de-DE">
-                <a:solidFill>
-                  <a:schemeClr val="tx1"/>
-                </a:solidFill>
-              </a:endParaRPr>
-            </a:p>
-            <a:p>
-              <a:endParaRPr lang="de-DE">
+                <a:t> (i7-7700, Nvidea GTX1060, 16GB Ram, HDD</a:t>
+              </a:r>
+              <a:r>
+                <a:rPr lang="de-DE" dirty="0" smtClean="0">
+                  <a:solidFill>
+                    <a:schemeClr val="tx1"/>
+                  </a:solidFill>
+                  <a:sym typeface="+mn-ea"/>
+                </a:rPr>
+                <a:t>)</a:t>
+              </a:r>
+              <a:endParaRPr lang="de-DE" dirty="0">
                 <a:solidFill>
                   <a:schemeClr val="tx1"/>
                 </a:solidFill>
@@ -21600,11 +21107,6 @@
                 </a:rPr>
                 <a:t>Should</a:t>
               </a:r>
-              <a:endParaRPr lang="de-DE">
-                <a:solidFill>
-                  <a:schemeClr val="tx1"/>
-                </a:solidFill>
-              </a:endParaRPr>
             </a:p>
           </p:txBody>
         </p:sp>
@@ -21651,11 +21153,6 @@
                 </a:rPr>
                 <a:t>Customer Satisfaction:</a:t>
               </a:r>
-              <a:endParaRPr lang="de-DE" b="1">
-                <a:solidFill>
-                  <a:schemeClr val="accent1"/>
-                </a:solidFill>
-              </a:endParaRPr>
             </a:p>
           </p:txBody>
         </p:sp>
@@ -21702,11 +21199,6 @@
                 </a:rPr>
                 <a:t>Customer Dissatisfaction:</a:t>
               </a:r>
-              <a:endParaRPr lang="de-DE" b="1">
-                <a:solidFill>
-                  <a:schemeClr val="accent1"/>
-                </a:solidFill>
-              </a:endParaRPr>
             </a:p>
           </p:txBody>
         </p:sp>
@@ -21754,11 +21246,6 @@
               </a:rPr>
               <a:t>Supporting Material:</a:t>
             </a:r>
-            <a:endParaRPr lang="de-DE" b="1">
-              <a:solidFill>
-                <a:schemeClr val="accent1"/>
-              </a:solidFill>
-            </a:endParaRPr>
           </a:p>
           <a:p>
             <a:endParaRPr lang="de-DE"/>
@@ -21811,11 +21298,6 @@
               </a:rPr>
               <a:t>Conflicts:</a:t>
             </a:r>
-            <a:endParaRPr lang="de-DE" b="1">
-              <a:solidFill>
-                <a:schemeClr val="accent1"/>
-              </a:solidFill>
-            </a:endParaRPr>
           </a:p>
           <a:p>
             <a:endParaRPr lang="de-DE"/>
@@ -22010,11 +21492,6 @@
                 </a:rPr>
                 <a:t>Nicht-Funktional</a:t>
               </a:r>
-              <a:endParaRPr lang="de-DE">
-                <a:solidFill>
-                  <a:schemeClr val="tx1"/>
-                </a:solidFill>
-              </a:endParaRPr>
             </a:p>
           </p:txBody>
         </p:sp>
@@ -22128,7 +21605,7 @@
             <a:lstStyle/>
             <a:p>
               <a:r>
-                <a:rPr lang="de-DE" b="1">
+                <a:rPr lang="de-DE" b="1" dirty="0">
                   <a:solidFill>
                     <a:schemeClr val="accent1"/>
                   </a:solidFill>
@@ -22136,14 +21613,14 @@
                 <a:t>Description: </a:t>
               </a:r>
               <a:r>
-                <a:rPr lang="de-DE">
+                <a:rPr lang="de-DE" dirty="0">
                   <a:solidFill>
                     <a:schemeClr val="tx1"/>
                   </a:solidFill>
                 </a:rPr>
                 <a:t>Passwörter müssen mindestens 8 Zeichen, einen Groß- und Kleinbuchstaben, eine Zahl und ein Sonderzeichen enthalten.</a:t>
               </a:r>
-              <a:endParaRPr lang="de-DE"/>
+              <a:endParaRPr lang="de-DE" dirty="0"/>
             </a:p>
           </p:txBody>
         </p:sp>
@@ -22198,11 +21675,6 @@
                 </a:rPr>
                 <a:t>Schutz sensibler personenbezogener Daten.</a:t>
               </a:r>
-              <a:endParaRPr lang="de-DE">
-                <a:solidFill>
-                  <a:schemeClr val="tx1"/>
-                </a:solidFill>
-              </a:endParaRPr>
             </a:p>
             <a:p>
               <a:endParaRPr lang="de-DE"/>
@@ -22268,11 +21740,6 @@
                 </a:rPr>
                 <a:t>Gruppe</a:t>
               </a:r>
-              <a:endParaRPr lang="de-DE" dirty="0">
-                <a:solidFill>
-                  <a:schemeClr val="tx1"/>
-                </a:solidFill>
-              </a:endParaRPr>
             </a:p>
             <a:p>
               <a:endParaRPr lang="de-DE" dirty="0"/>
@@ -22330,11 +21797,6 @@
                 </a:rPr>
                 <a:t>Das System akzeptiert nur Anforderungen, die die Kriterien erfüllen und gibt ansonsten eine Fehlermeldung aus.</a:t>
               </a:r>
-              <a:endParaRPr lang="de-DE">
-                <a:solidFill>
-                  <a:schemeClr val="tx1"/>
-                </a:solidFill>
-              </a:endParaRPr>
             </a:p>
             <a:p>
               <a:endParaRPr lang="de-DE"/>
@@ -22407,11 +21869,6 @@
                 </a:rPr>
                 <a:t>Should</a:t>
               </a:r>
-              <a:endParaRPr lang="de-DE">
-                <a:solidFill>
-                  <a:schemeClr val="tx1"/>
-                </a:solidFill>
-              </a:endParaRPr>
             </a:p>
           </p:txBody>
         </p:sp>
@@ -22458,11 +21915,6 @@
                 </a:rPr>
                 <a:t>Customer Satisfaction:</a:t>
               </a:r>
-              <a:endParaRPr lang="de-DE" b="1">
-                <a:solidFill>
-                  <a:schemeClr val="accent1"/>
-                </a:solidFill>
-              </a:endParaRPr>
             </a:p>
           </p:txBody>
         </p:sp>
@@ -22509,11 +21961,6 @@
                 </a:rPr>
                 <a:t>Customer Dissatisfaction:</a:t>
               </a:r>
-              <a:endParaRPr lang="de-DE" b="1">
-                <a:solidFill>
-                  <a:schemeClr val="accent1"/>
-                </a:solidFill>
-              </a:endParaRPr>
             </a:p>
           </p:txBody>
         </p:sp>
@@ -22561,11 +22008,6 @@
               </a:rPr>
               <a:t>Supporting Material:</a:t>
             </a:r>
-            <a:endParaRPr lang="de-DE" b="1">
-              <a:solidFill>
-                <a:schemeClr val="accent1"/>
-              </a:solidFill>
-            </a:endParaRPr>
           </a:p>
           <a:p>
             <a:endParaRPr lang="de-DE"/>
@@ -22618,11 +22060,6 @@
               </a:rPr>
               <a:t>Conflicts:</a:t>
             </a:r>
-            <a:endParaRPr lang="de-DE" b="1">
-              <a:solidFill>
-                <a:schemeClr val="accent1"/>
-              </a:solidFill>
-            </a:endParaRPr>
           </a:p>
           <a:p>
             <a:endParaRPr lang="de-DE"/>
@@ -22817,11 +22254,6 @@
                 </a:rPr>
                 <a:t>Nicht-Funktional</a:t>
               </a:r>
-              <a:endParaRPr lang="de-DE">
-                <a:solidFill>
-                  <a:schemeClr val="tx1"/>
-                </a:solidFill>
-              </a:endParaRPr>
             </a:p>
           </p:txBody>
         </p:sp>
@@ -22861,7 +22293,7 @@
             <a:lstStyle/>
             <a:p>
               <a:r>
-                <a:rPr lang="de-DE" b="1">
+                <a:rPr lang="de-DE" b="1" dirty="0" smtClean="0">
                   <a:solidFill>
                     <a:schemeClr val="accent1"/>
                   </a:solidFill>
@@ -22869,14 +22301,14 @@
                 <a:t>Events/UC: </a:t>
               </a:r>
               <a:r>
-                <a:rPr lang="de-DE">
+                <a:rPr lang="de-DE" dirty="0" smtClean="0">
                   <a:solidFill>
                     <a:schemeClr val="tx1"/>
                   </a:solidFill>
                 </a:rPr>
-                <a:t>Daten erheben</a:t>
-              </a:r>
-              <a:endParaRPr lang="de-DE">
+                <a:t>Datensicherheit</a:t>
+              </a:r>
+              <a:endParaRPr lang="de-DE" dirty="0">
                 <a:solidFill>
                   <a:schemeClr val="accent1"/>
                 </a:solidFill>
@@ -22935,7 +22367,7 @@
             <a:lstStyle/>
             <a:p>
               <a:r>
-                <a:rPr lang="de-DE" b="1">
+                <a:rPr lang="de-DE" b="1" dirty="0">
                   <a:solidFill>
                     <a:schemeClr val="accent1"/>
                   </a:solidFill>
@@ -22943,21 +22375,49 @@
                 <a:t>Description: </a:t>
               </a:r>
               <a:r>
-                <a:rPr lang="de-DE">
+                <a:rPr lang="de-DE" dirty="0">
                   <a:solidFill>
                     <a:schemeClr val="tx1"/>
                   </a:solidFill>
                 </a:rPr>
-                <a:t>Alle gespeicherten Personenbezogenen Daten werden verschlüsselt in der Datenbank abgelegt.</a:t>
-              </a:r>
-              <a:endParaRPr lang="de-DE">
+                <a:t>Alle gespeicherten Personenbezogenen Daten werden verschlüsselt in </a:t>
+              </a:r>
+              <a:r>
+                <a:rPr lang="de-DE" dirty="0" smtClean="0">
+                  <a:solidFill>
+                    <a:schemeClr val="tx1"/>
+                  </a:solidFill>
+                </a:rPr>
+                <a:t>einer </a:t>
+              </a:r>
+              <a:r>
+                <a:rPr lang="de-DE" dirty="0">
+                  <a:solidFill>
+                    <a:schemeClr val="tx1"/>
+                  </a:solidFill>
+                </a:rPr>
+                <a:t>Datenbank abgelegt</a:t>
+              </a:r>
+              <a:r>
+                <a:rPr lang="de-DE" dirty="0" smtClean="0">
+                  <a:solidFill>
+                    <a:schemeClr val="tx1"/>
+                  </a:solidFill>
+                </a:rPr>
+                <a:t>. Dafür wird</a:t>
+              </a:r>
+              <a:endParaRPr lang="de-DE" dirty="0">
                 <a:solidFill>
                   <a:schemeClr val="tx1"/>
                 </a:solidFill>
               </a:endParaRPr>
             </a:p>
             <a:p>
-              <a:endParaRPr lang="de-DE"/>
+              <a:r>
+                <a:rPr lang="de-DE" dirty="0" smtClean="0"/>
+                <a:t>AES GCM (Galois/Counter Mode) 256 Bit (32 Byte) verwendet. Der Key wird durch das TPM geschützt.</a:t>
+              </a:r>
+              <a:endParaRPr lang="de-DE" dirty="0"/>
             </a:p>
           </p:txBody>
         </p:sp>
@@ -23012,11 +22472,6 @@
                 </a:rPr>
                 <a:t>Schutz sensibler personenbezogener Daten.</a:t>
               </a:r>
-              <a:endParaRPr lang="de-DE">
-                <a:solidFill>
-                  <a:schemeClr val="tx1"/>
-                </a:solidFill>
-              </a:endParaRPr>
             </a:p>
             <a:p>
               <a:endParaRPr lang="de-DE"/>
@@ -23082,11 +22537,6 @@
                 </a:rPr>
                 <a:t>Gruppe</a:t>
               </a:r>
-              <a:endParaRPr lang="de-DE" dirty="0">
-                <a:solidFill>
-                  <a:schemeClr val="tx1"/>
-                </a:solidFill>
-              </a:endParaRPr>
             </a:p>
             <a:p>
               <a:endParaRPr lang="de-DE" dirty="0"/>
@@ -23129,29 +22579,69 @@
             <a:lstStyle/>
             <a:p>
               <a:r>
-                <a:rPr lang="de-DE" b="1">
-                  <a:solidFill>
-                    <a:schemeClr val="accent1"/>
-                  </a:solidFill>
-                </a:rPr>
-                <a:t>Fit Criterion: </a:t>
-              </a:r>
-              <a:r>
-                <a:rPr lang="de-DE">
+                <a:rPr lang="de-DE" b="1" dirty="0">
+                  <a:solidFill>
+                    <a:schemeClr val="accent1"/>
+                  </a:solidFill>
+                </a:rPr>
+                <a:t>Fit </a:t>
+              </a:r>
+              <a:r>
+                <a:rPr lang="de-DE" b="1" dirty="0" err="1">
+                  <a:solidFill>
+                    <a:schemeClr val="accent1"/>
+                  </a:solidFill>
+                </a:rPr>
+                <a:t>Criterion</a:t>
+              </a:r>
+              <a:r>
+                <a:rPr lang="de-DE" b="1" dirty="0">
+                  <a:solidFill>
+                    <a:schemeClr val="accent1"/>
+                  </a:solidFill>
+                </a:rPr>
+                <a:t>: </a:t>
+              </a:r>
+              <a:r>
+                <a:rPr lang="de-DE" dirty="0">
                   <a:solidFill>
                     <a:schemeClr val="tx1"/>
                   </a:solidFill>
                 </a:rPr>
-                <a:t>Datenbank enthält nur verschlüsselte Werte für personenbezogene Felder.</a:t>
-              </a:r>
-              <a:endParaRPr lang="de-DE">
+                <a:t>Datenbank enthält nur verschlüsselte Werte </a:t>
+              </a:r>
+              <a:r>
+                <a:rPr lang="de-DE" dirty="0" smtClean="0">
+                  <a:solidFill>
+                    <a:schemeClr val="tx1"/>
+                  </a:solidFill>
+                </a:rPr>
+                <a:t>für sensible </a:t>
+              </a:r>
+              <a:r>
+                <a:rPr lang="de-DE" dirty="0">
+                  <a:solidFill>
+                    <a:schemeClr val="tx1"/>
+                  </a:solidFill>
+                </a:rPr>
+                <a:t>personenbezogene </a:t>
+              </a:r>
+              <a:r>
+                <a:rPr lang="de-DE" dirty="0" smtClean="0">
+                  <a:solidFill>
+                    <a:schemeClr val="tx1"/>
+                  </a:solidFill>
+                </a:rPr>
+                <a:t>Daten.</a:t>
+              </a:r>
+              <a:endParaRPr lang="de-DE" dirty="0">
                 <a:solidFill>
                   <a:schemeClr val="tx1"/>
                 </a:solidFill>
               </a:endParaRPr>
             </a:p>
             <a:p>
-              <a:endParaRPr lang="de-DE"/>
+              <a:endParaRPr lang="de-DE" dirty="0"/>
             </a:p>
           </p:txBody>
         </p:sp>
@@ -23221,11 +22711,6 @@
                 </a:rPr>
                 <a:t>Should</a:t>
               </a:r>
-              <a:endParaRPr lang="de-DE">
-                <a:solidFill>
-                  <a:schemeClr val="tx1"/>
-                </a:solidFill>
-              </a:endParaRPr>
             </a:p>
           </p:txBody>
         </p:sp>
@@ -23272,11 +22757,6 @@
                 </a:rPr>
                 <a:t>Customer Satisfaction:</a:t>
               </a:r>
-              <a:endParaRPr lang="de-DE" b="1">
-                <a:solidFill>
-                  <a:schemeClr val="accent1"/>
-                </a:solidFill>
-              </a:endParaRPr>
             </a:p>
           </p:txBody>
         </p:sp>
@@ -23323,11 +22803,6 @@
                 </a:rPr>
                 <a:t>Customer Dissatisfaction:</a:t>
               </a:r>
-              <a:endParaRPr lang="de-DE" b="1">
-                <a:solidFill>
-                  <a:schemeClr val="accent1"/>
-                </a:solidFill>
-              </a:endParaRPr>
             </a:p>
           </p:txBody>
         </p:sp>
@@ -23375,11 +22850,6 @@
               </a:rPr>
               <a:t>Supporting Material:</a:t>
             </a:r>
-            <a:endParaRPr lang="de-DE" b="1">
-              <a:solidFill>
-                <a:schemeClr val="accent1"/>
-              </a:solidFill>
-            </a:endParaRPr>
           </a:p>
           <a:p>
             <a:endParaRPr lang="de-DE"/>
@@ -23432,11 +22902,6 @@
               </a:rPr>
               <a:t>Conflicts:</a:t>
             </a:r>
-            <a:endParaRPr lang="de-DE" b="1">
-              <a:solidFill>
-                <a:schemeClr val="accent1"/>
-              </a:solidFill>
-            </a:endParaRPr>
           </a:p>
           <a:p>
             <a:endParaRPr lang="de-DE"/>
@@ -23631,11 +23096,6 @@
                 </a:rPr>
                 <a:t>Nicht-Funktional</a:t>
               </a:r>
-              <a:endParaRPr lang="de-DE">
-                <a:solidFill>
-                  <a:schemeClr val="tx1"/>
-                </a:solidFill>
-              </a:endParaRPr>
             </a:p>
           </p:txBody>
         </p:sp>
@@ -23819,11 +23279,6 @@
                 </a:rPr>
                 <a:t>Um möglichst effizient arbeiten zu können (Performance).</a:t>
               </a:r>
-              <a:endParaRPr lang="de-DE">
-                <a:solidFill>
-                  <a:schemeClr val="tx1"/>
-                </a:solidFill>
-              </a:endParaRPr>
             </a:p>
             <a:p>
               <a:endParaRPr lang="de-DE"/>
@@ -23889,11 +23344,6 @@
                 </a:rPr>
                 <a:t>Gruppe/Kundinnen </a:t>
               </a:r>
-              <a:endParaRPr lang="de-DE" dirty="0">
-                <a:solidFill>
-                  <a:schemeClr val="tx1"/>
-                </a:solidFill>
-              </a:endParaRPr>
             </a:p>
             <a:p>
               <a:endParaRPr lang="de-DE" dirty="0"/>
@@ -23951,11 +23401,6 @@
                 </a:rPr>
                 <a:t>Beim Speichern eines Falles wird das Datum als letztes Bearbeitungsdatum mit gespeichert, wonach später beim Suchen eines Falls sortiert werden kann.</a:t>
               </a:r>
-              <a:endParaRPr lang="de-DE">
-                <a:solidFill>
-                  <a:schemeClr val="tx1"/>
-                </a:solidFill>
-              </a:endParaRPr>
             </a:p>
           </p:txBody>
         </p:sp>
@@ -24025,11 +23470,6 @@
                 </a:rPr>
                 <a:t>Should</a:t>
               </a:r>
-              <a:endParaRPr lang="de-DE">
-                <a:solidFill>
-                  <a:schemeClr val="tx1"/>
-                </a:solidFill>
-              </a:endParaRPr>
             </a:p>
           </p:txBody>
         </p:sp>
@@ -24076,11 +23516,6 @@
                 </a:rPr>
                 <a:t>Customer Satisfaction:</a:t>
               </a:r>
-              <a:endParaRPr lang="de-DE" b="1">
-                <a:solidFill>
-                  <a:schemeClr val="accent1"/>
-                </a:solidFill>
-              </a:endParaRPr>
             </a:p>
           </p:txBody>
         </p:sp>
@@ -24127,11 +23562,6 @@
                 </a:rPr>
                 <a:t>Customer Dissatisfaction:</a:t>
               </a:r>
-              <a:endParaRPr lang="de-DE" b="1">
-                <a:solidFill>
-                  <a:schemeClr val="accent1"/>
-                </a:solidFill>
-              </a:endParaRPr>
             </a:p>
           </p:txBody>
         </p:sp>
@@ -24179,11 +23609,6 @@
               </a:rPr>
               <a:t>Supporting Material:</a:t>
             </a:r>
-            <a:endParaRPr lang="de-DE" b="1">
-              <a:solidFill>
-                <a:schemeClr val="accent1"/>
-              </a:solidFill>
-            </a:endParaRPr>
           </a:p>
           <a:p>
             <a:endParaRPr lang="de-DE"/>
@@ -24236,11 +23661,6 @@
               </a:rPr>
               <a:t>Conflicts:</a:t>
             </a:r>
-            <a:endParaRPr lang="de-DE" b="1">
-              <a:solidFill>
-                <a:schemeClr val="accent1"/>
-              </a:solidFill>
-            </a:endParaRPr>
           </a:p>
           <a:p>
             <a:endParaRPr lang="de-DE"/>
@@ -24251,6 +23671,846 @@
         </p:txBody>
       </p:sp>
     </p:spTree>
+  </p:cSld>
+  <p:clrMapOvr>
+    <a:masterClrMapping/>
+  </p:clrMapOvr>
+</p:sld>
+</file>
+
+<file path=ppt/slides/slide29.xml><?xml version="1.0" encoding="utf-8"?>
+<p:sld xmlns:a="http://schemas.openxmlformats.org/drawingml/2006/main" xmlns:r="http://schemas.openxmlformats.org/officeDocument/2006/relationships" xmlns:p="http://schemas.openxmlformats.org/presentationml/2006/main">
+  <p:cSld>
+    <p:spTree>
+      <p:nvGrpSpPr>
+        <p:cNvPr id="1" name=""/>
+        <p:cNvGrpSpPr/>
+        <p:nvPr/>
+      </p:nvGrpSpPr>
+      <p:grpSpPr>
+        <a:xfrm>
+          <a:off x="0" y="0"/>
+          <a:ext cx="0" cy="0"/>
+          <a:chOff x="0" y="0"/>
+          <a:chExt cx="0" cy="0"/>
+        </a:xfrm>
+      </p:grpSpPr>
+      <p:sp>
+        <p:nvSpPr>
+          <p:cNvPr id="5" name="Titel 4"/>
+          <p:cNvSpPr>
+            <a:spLocks noGrp="1"/>
+          </p:cNvSpPr>
+          <p:nvPr>
+            <p:ph type="title"/>
+          </p:nvPr>
+        </p:nvSpPr>
+        <p:spPr>
+          <a:xfrm>
+            <a:off x="1343025" y="152400"/>
+            <a:ext cx="10656888" cy="468314"/>
+          </a:xfrm>
+        </p:spPr>
+        <p:txBody>
+          <a:bodyPr/>
+          <a:lstStyle/>
+          <a:p>
+            <a:r>
+              <a:rPr lang="de-DE"/>
+              <a:t>Nicht-Funktionale Anforderungen</a:t>
+            </a:r>
+            <a:endParaRPr lang="de-DE" dirty="0"/>
+          </a:p>
+        </p:txBody>
+      </p:sp>
+      <p:grpSp>
+        <p:nvGrpSpPr>
+          <p:cNvPr id="13" name="Gruppieren 12"/>
+          <p:cNvGrpSpPr/>
+          <p:nvPr/>
+        </p:nvGrpSpPr>
+        <p:grpSpPr>
+          <a:xfrm>
+            <a:off x="176530" y="1014171"/>
+            <a:ext cx="11823383" cy="369332"/>
+            <a:chOff x="176530" y="1113153"/>
+            <a:chExt cx="11823383" cy="369332"/>
+          </a:xfrm>
+        </p:grpSpPr>
+        <p:sp>
+          <p:nvSpPr>
+            <p:cNvPr id="3" name="Textfeld 2"/>
+            <p:cNvSpPr txBox="1"/>
+            <p:nvPr/>
+          </p:nvSpPr>
+          <p:spPr>
+            <a:xfrm>
+              <a:off x="176530" y="1113153"/>
+              <a:ext cx="2309119" cy="368300"/>
+            </a:xfrm>
+            <a:prstGeom prst="rect">
+              <a:avLst/>
+            </a:prstGeom>
+          </p:spPr>
+          <p:style>
+            <a:lnRef idx="2">
+              <a:schemeClr val="dk1"/>
+            </a:lnRef>
+            <a:fillRef idx="1">
+              <a:schemeClr val="lt1"/>
+            </a:fillRef>
+            <a:effectRef idx="0">
+              <a:schemeClr val="dk1"/>
+            </a:effectRef>
+            <a:fontRef idx="minor">
+              <a:schemeClr val="dk1"/>
+            </a:fontRef>
+          </p:style>
+          <p:txBody>
+            <a:bodyPr wrap="square" rtlCol="0">
+              <a:spAutoFit/>
+            </a:bodyPr>
+            <a:lstStyle/>
+            <a:p>
+              <a:r>
+                <a:rPr lang="de-DE" b="1" dirty="0" err="1">
+                  <a:solidFill>
+                    <a:schemeClr val="accent1"/>
+                  </a:solidFill>
+                </a:rPr>
+                <a:t>Req</a:t>
+              </a:r>
+              <a:r>
+                <a:rPr lang="de-DE" b="1" dirty="0">
+                  <a:solidFill>
+                    <a:schemeClr val="accent1"/>
+                  </a:solidFill>
+                </a:rPr>
+                <a:t>-ID:</a:t>
+              </a:r>
+              <a:r>
+                <a:rPr lang="de-DE" dirty="0">
+                  <a:solidFill>
+                    <a:schemeClr val="tx1"/>
+                  </a:solidFill>
+                </a:rPr>
+                <a:t> </a:t>
+              </a:r>
+              <a:r>
+                <a:rPr lang="de-DE" dirty="0" smtClean="0">
+                  <a:solidFill>
+                    <a:schemeClr val="tx1"/>
+                  </a:solidFill>
+                </a:rPr>
+                <a:t>11B</a:t>
+              </a:r>
+              <a:endParaRPr lang="de-DE" b="1" dirty="0">
+                <a:solidFill>
+                  <a:schemeClr val="accent1"/>
+                </a:solidFill>
+              </a:endParaRPr>
+            </a:p>
+          </p:txBody>
+        </p:sp>
+        <p:sp>
+          <p:nvSpPr>
+            <p:cNvPr id="4" name="Textfeld 3"/>
+            <p:cNvSpPr txBox="1"/>
+            <p:nvPr/>
+          </p:nvSpPr>
+          <p:spPr>
+            <a:xfrm>
+              <a:off x="2630905" y="1113153"/>
+              <a:ext cx="3319839" cy="369332"/>
+            </a:xfrm>
+            <a:prstGeom prst="rect">
+              <a:avLst/>
+            </a:prstGeom>
+          </p:spPr>
+          <p:style>
+            <a:lnRef idx="2">
+              <a:schemeClr val="dk1"/>
+            </a:lnRef>
+            <a:fillRef idx="1">
+              <a:schemeClr val="lt1"/>
+            </a:fillRef>
+            <a:effectRef idx="0">
+              <a:schemeClr val="dk1"/>
+            </a:effectRef>
+            <a:fontRef idx="minor">
+              <a:schemeClr val="dk1"/>
+            </a:fontRef>
+          </p:style>
+          <p:txBody>
+            <a:bodyPr wrap="square" rtlCol="0">
+              <a:spAutoFit/>
+            </a:bodyPr>
+            <a:lstStyle/>
+            <a:p>
+              <a:r>
+                <a:rPr lang="de-DE" b="1">
+                  <a:solidFill>
+                    <a:schemeClr val="accent1"/>
+                  </a:solidFill>
+                </a:rPr>
+                <a:t>Req-Type: </a:t>
+              </a:r>
+              <a:r>
+                <a:rPr lang="de-DE">
+                  <a:solidFill>
+                    <a:schemeClr val="tx1"/>
+                  </a:solidFill>
+                </a:rPr>
+                <a:t>Nicht-Funktional</a:t>
+              </a:r>
+            </a:p>
+          </p:txBody>
+        </p:sp>
+        <p:sp>
+          <p:nvSpPr>
+            <p:cNvPr id="8" name="Textfeld 7"/>
+            <p:cNvSpPr txBox="1"/>
+            <p:nvPr/>
+          </p:nvSpPr>
+          <p:spPr>
+            <a:xfrm>
+              <a:off x="6096000" y="1113153"/>
+              <a:ext cx="5903913" cy="369332"/>
+            </a:xfrm>
+            <a:prstGeom prst="rect">
+              <a:avLst/>
+            </a:prstGeom>
+          </p:spPr>
+          <p:style>
+            <a:lnRef idx="2">
+              <a:schemeClr val="dk1"/>
+            </a:lnRef>
+            <a:fillRef idx="1">
+              <a:schemeClr val="lt1"/>
+            </a:fillRef>
+            <a:effectRef idx="0">
+              <a:schemeClr val="dk1"/>
+            </a:effectRef>
+            <a:fontRef idx="minor">
+              <a:schemeClr val="dk1"/>
+            </a:fontRef>
+          </p:style>
+          <p:txBody>
+            <a:bodyPr wrap="square" rtlCol="0">
+              <a:spAutoFit/>
+            </a:bodyPr>
+            <a:lstStyle/>
+            <a:p>
+              <a:r>
+                <a:rPr lang="de-DE" b="1" dirty="0">
+                  <a:solidFill>
+                    <a:schemeClr val="accent1"/>
+                  </a:solidFill>
+                </a:rPr>
+                <a:t>Events/UC: </a:t>
+              </a:r>
+              <a:r>
+                <a:rPr lang="de-DE" dirty="0" smtClean="0">
+                  <a:solidFill>
+                    <a:schemeClr val="tx1"/>
+                  </a:solidFill>
+                </a:rPr>
+                <a:t>Passwörter </a:t>
+              </a:r>
+              <a:r>
+                <a:rPr lang="de-DE" dirty="0" err="1" smtClean="0">
+                  <a:solidFill>
+                    <a:schemeClr val="tx1"/>
+                  </a:solidFill>
+                </a:rPr>
+                <a:t>Hashen</a:t>
+              </a:r>
+              <a:endParaRPr lang="de-DE" dirty="0">
+                <a:solidFill>
+                  <a:schemeClr val="accent1"/>
+                </a:solidFill>
+              </a:endParaRPr>
+            </a:p>
+          </p:txBody>
+        </p:sp>
+      </p:grpSp>
+      <p:grpSp>
+        <p:nvGrpSpPr>
+          <p:cNvPr id="14" name="Gruppieren 13"/>
+          <p:cNvGrpSpPr/>
+          <p:nvPr/>
+        </p:nvGrpSpPr>
+        <p:grpSpPr>
+          <a:xfrm>
+            <a:off x="168751" y="1549163"/>
+            <a:ext cx="11854497" cy="3112638"/>
+            <a:chOff x="160973" y="1725626"/>
+            <a:chExt cx="11854497" cy="3112638"/>
+          </a:xfrm>
+        </p:grpSpPr>
+        <p:sp>
+          <p:nvSpPr>
+            <p:cNvPr id="9" name="Textfeld 8"/>
+            <p:cNvSpPr txBox="1"/>
+            <p:nvPr/>
+          </p:nvSpPr>
+          <p:spPr>
+            <a:xfrm>
+              <a:off x="160973" y="1725626"/>
+              <a:ext cx="11838940" cy="646331"/>
+            </a:xfrm>
+            <a:prstGeom prst="rect">
+              <a:avLst/>
+            </a:prstGeom>
+          </p:spPr>
+          <p:style>
+            <a:lnRef idx="2">
+              <a:schemeClr val="dk1"/>
+            </a:lnRef>
+            <a:fillRef idx="1">
+              <a:schemeClr val="lt1"/>
+            </a:fillRef>
+            <a:effectRef idx="0">
+              <a:schemeClr val="dk1"/>
+            </a:effectRef>
+            <a:fontRef idx="minor">
+              <a:schemeClr val="dk1"/>
+            </a:fontRef>
+          </p:style>
+          <p:txBody>
+            <a:bodyPr wrap="square" rtlCol="0">
+              <a:spAutoFit/>
+            </a:bodyPr>
+            <a:lstStyle/>
+            <a:p>
+              <a:r>
+                <a:rPr lang="de-DE" b="1" dirty="0">
+                  <a:solidFill>
+                    <a:schemeClr val="accent1"/>
+                  </a:solidFill>
+                </a:rPr>
+                <a:t>Description: </a:t>
+              </a:r>
+              <a:r>
+                <a:rPr lang="de-DE" dirty="0" smtClean="0">
+                  <a:solidFill>
+                    <a:schemeClr val="tx1"/>
+                  </a:solidFill>
+                </a:rPr>
+                <a:t>Die Passwörter werden mit Hilfe von Argon2 </a:t>
+              </a:r>
+              <a:r>
+                <a:rPr lang="de-DE" dirty="0" err="1" smtClean="0">
+                  <a:solidFill>
+                    <a:schemeClr val="tx1"/>
+                  </a:solidFill>
+                </a:rPr>
+                <a:t>gehasht</a:t>
+              </a:r>
+              <a:r>
+                <a:rPr lang="de-DE" dirty="0" smtClean="0">
+                  <a:solidFill>
+                    <a:schemeClr val="tx1"/>
+                  </a:solidFill>
+                </a:rPr>
+                <a:t>, das bedeutet in eine nicht umkehrbare Form gebracht. Das sorgt für eine sichere Aufbewahrung. Sie liegen in einer Datenbank getrennt von den Anmeldenamen.</a:t>
+              </a:r>
+              <a:endParaRPr lang="de-DE" dirty="0"/>
+            </a:p>
+          </p:txBody>
+        </p:sp>
+        <p:sp>
+          <p:nvSpPr>
+            <p:cNvPr id="10" name="Textfeld 9"/>
+            <p:cNvSpPr txBox="1"/>
+            <p:nvPr/>
+          </p:nvSpPr>
+          <p:spPr>
+            <a:xfrm>
+              <a:off x="160973" y="2533023"/>
+              <a:ext cx="11838940" cy="646331"/>
+            </a:xfrm>
+            <a:prstGeom prst="rect">
+              <a:avLst/>
+            </a:prstGeom>
+          </p:spPr>
+          <p:style>
+            <a:lnRef idx="2">
+              <a:schemeClr val="dk1"/>
+            </a:lnRef>
+            <a:fillRef idx="1">
+              <a:schemeClr val="lt1"/>
+            </a:fillRef>
+            <a:effectRef idx="0">
+              <a:schemeClr val="dk1"/>
+            </a:effectRef>
+            <a:fontRef idx="minor">
+              <a:schemeClr val="dk1"/>
+            </a:fontRef>
+          </p:style>
+          <p:txBody>
+            <a:bodyPr wrap="square" rtlCol="0">
+              <a:spAutoFit/>
+            </a:bodyPr>
+            <a:lstStyle/>
+            <a:p>
+              <a:r>
+                <a:rPr lang="de-DE" b="1" dirty="0" smtClean="0">
+                  <a:solidFill>
+                    <a:schemeClr val="accent1"/>
+                  </a:solidFill>
+                </a:rPr>
+                <a:t>Rationale: </a:t>
+              </a:r>
+              <a:r>
+                <a:rPr lang="de-DE" dirty="0" smtClean="0">
+                  <a:solidFill>
+                    <a:schemeClr val="tx1"/>
+                  </a:solidFill>
+                </a:rPr>
+                <a:t>Schutz der Passwörter vor Datenlecks und Hacking.</a:t>
+              </a:r>
+              <a:endParaRPr lang="de-DE" dirty="0">
+                <a:solidFill>
+                  <a:schemeClr val="tx1"/>
+                </a:solidFill>
+              </a:endParaRPr>
+            </a:p>
+            <a:p>
+              <a:endParaRPr lang="de-DE" dirty="0"/>
+            </a:p>
+          </p:txBody>
+        </p:sp>
+        <p:sp>
+          <p:nvSpPr>
+            <p:cNvPr id="11" name="Textfeld 10"/>
+            <p:cNvSpPr txBox="1"/>
+            <p:nvPr/>
+          </p:nvSpPr>
+          <p:spPr>
+            <a:xfrm>
+              <a:off x="176530" y="3340420"/>
+              <a:ext cx="11838940" cy="646331"/>
+            </a:xfrm>
+            <a:prstGeom prst="rect">
+              <a:avLst/>
+            </a:prstGeom>
+          </p:spPr>
+          <p:style>
+            <a:lnRef idx="2">
+              <a:schemeClr val="dk1"/>
+            </a:lnRef>
+            <a:fillRef idx="1">
+              <a:schemeClr val="lt1"/>
+            </a:fillRef>
+            <a:effectRef idx="0">
+              <a:schemeClr val="dk1"/>
+            </a:effectRef>
+            <a:fontRef idx="minor">
+              <a:schemeClr val="dk1"/>
+            </a:fontRef>
+          </p:style>
+          <p:txBody>
+            <a:bodyPr wrap="square" rtlCol="0">
+              <a:spAutoFit/>
+            </a:bodyPr>
+            <a:lstStyle/>
+            <a:p>
+              <a:r>
+                <a:rPr lang="de-DE" b="1" dirty="0" err="1">
+                  <a:solidFill>
+                    <a:schemeClr val="accent1"/>
+                  </a:solidFill>
+                </a:rPr>
+                <a:t>Originator</a:t>
+              </a:r>
+              <a:r>
+                <a:rPr lang="de-DE" b="1" dirty="0">
+                  <a:solidFill>
+                    <a:schemeClr val="accent1"/>
+                  </a:solidFill>
+                </a:rPr>
+                <a:t>: </a:t>
+              </a:r>
+              <a:r>
+                <a:rPr lang="de-DE" dirty="0" smtClean="0">
+                  <a:solidFill>
+                    <a:schemeClr val="tx1"/>
+                  </a:solidFill>
+                </a:rPr>
+                <a:t>Gruppe</a:t>
+              </a:r>
+            </a:p>
+            <a:p>
+              <a:endParaRPr lang="de-DE" dirty="0"/>
+            </a:p>
+          </p:txBody>
+        </p:sp>
+        <p:sp>
+          <p:nvSpPr>
+            <p:cNvPr id="12" name="Textfeld 11"/>
+            <p:cNvSpPr txBox="1"/>
+            <p:nvPr/>
+          </p:nvSpPr>
+          <p:spPr>
+            <a:xfrm>
+              <a:off x="176530" y="4191933"/>
+              <a:ext cx="11838940" cy="646331"/>
+            </a:xfrm>
+            <a:prstGeom prst="rect">
+              <a:avLst/>
+            </a:prstGeom>
+          </p:spPr>
+          <p:style>
+            <a:lnRef idx="2">
+              <a:schemeClr val="dk1"/>
+            </a:lnRef>
+            <a:fillRef idx="1">
+              <a:schemeClr val="lt1"/>
+            </a:fillRef>
+            <a:effectRef idx="0">
+              <a:schemeClr val="dk1"/>
+            </a:effectRef>
+            <a:fontRef idx="minor">
+              <a:schemeClr val="dk1"/>
+            </a:fontRef>
+          </p:style>
+          <p:txBody>
+            <a:bodyPr wrap="square" rtlCol="0">
+              <a:spAutoFit/>
+            </a:bodyPr>
+            <a:lstStyle/>
+            <a:p>
+              <a:r>
+                <a:rPr lang="de-DE" b="1" dirty="0">
+                  <a:solidFill>
+                    <a:schemeClr val="accent1"/>
+                  </a:solidFill>
+                </a:rPr>
+                <a:t>Fit </a:t>
+              </a:r>
+              <a:r>
+                <a:rPr lang="de-DE" b="1" dirty="0" err="1">
+                  <a:solidFill>
+                    <a:schemeClr val="accent1"/>
+                  </a:solidFill>
+                </a:rPr>
+                <a:t>Criterion</a:t>
+              </a:r>
+              <a:r>
+                <a:rPr lang="de-DE" b="1" dirty="0">
+                  <a:solidFill>
+                    <a:schemeClr val="accent1"/>
+                  </a:solidFill>
+                </a:rPr>
+                <a:t>: </a:t>
+              </a:r>
+              <a:r>
+                <a:rPr lang="de-DE" dirty="0" smtClean="0">
+                  <a:solidFill>
+                    <a:schemeClr val="tx1"/>
+                  </a:solidFill>
+                </a:rPr>
+                <a:t>Datenbank enthält nur die </a:t>
+              </a:r>
+              <a:r>
+                <a:rPr lang="de-DE" dirty="0" err="1" smtClean="0">
+                  <a:solidFill>
+                    <a:schemeClr val="tx1"/>
+                  </a:solidFill>
+                </a:rPr>
+                <a:t>gehashten</a:t>
+              </a:r>
+              <a:r>
+                <a:rPr lang="de-DE" smtClean="0">
+                  <a:solidFill>
+                    <a:schemeClr val="tx1"/>
+                  </a:solidFill>
+                </a:rPr>
+                <a:t> Passwörter.</a:t>
+              </a:r>
+            </a:p>
+            <a:p>
+              <a:endParaRPr lang="de-DE" dirty="0">
+                <a:solidFill>
+                  <a:schemeClr val="tx1"/>
+                </a:solidFill>
+              </a:endParaRPr>
+            </a:p>
+          </p:txBody>
+        </p:sp>
+      </p:grpSp>
+      <p:grpSp>
+        <p:nvGrpSpPr>
+          <p:cNvPr id="15" name="Gruppieren 14"/>
+          <p:cNvGrpSpPr/>
+          <p:nvPr/>
+        </p:nvGrpSpPr>
+        <p:grpSpPr>
+          <a:xfrm>
+            <a:off x="168751" y="4866983"/>
+            <a:ext cx="11823383" cy="369332"/>
+            <a:chOff x="176530" y="1113153"/>
+            <a:chExt cx="11823383" cy="369332"/>
+          </a:xfrm>
+        </p:grpSpPr>
+        <p:sp>
+          <p:nvSpPr>
+            <p:cNvPr id="16" name="Textfeld 15"/>
+            <p:cNvSpPr txBox="1"/>
+            <p:nvPr/>
+          </p:nvSpPr>
+          <p:spPr>
+            <a:xfrm>
+              <a:off x="176530" y="1113153"/>
+              <a:ext cx="2309119" cy="369332"/>
+            </a:xfrm>
+            <a:prstGeom prst="rect">
+              <a:avLst/>
+            </a:prstGeom>
+          </p:spPr>
+          <p:style>
+            <a:lnRef idx="2">
+              <a:schemeClr val="dk1"/>
+            </a:lnRef>
+            <a:fillRef idx="1">
+              <a:schemeClr val="lt1"/>
+            </a:fillRef>
+            <a:effectRef idx="0">
+              <a:schemeClr val="dk1"/>
+            </a:effectRef>
+            <a:fontRef idx="minor">
+              <a:schemeClr val="dk1"/>
+            </a:fontRef>
+          </p:style>
+          <p:txBody>
+            <a:bodyPr wrap="square" rtlCol="0">
+              <a:spAutoFit/>
+            </a:bodyPr>
+            <a:lstStyle/>
+            <a:p>
+              <a:r>
+                <a:rPr lang="de-DE" b="1">
+                  <a:solidFill>
+                    <a:schemeClr val="accent1"/>
+                  </a:solidFill>
+                </a:rPr>
+                <a:t>Priority: </a:t>
+              </a:r>
+              <a:r>
+                <a:rPr lang="de-DE">
+                  <a:solidFill>
+                    <a:schemeClr val="tx1"/>
+                  </a:solidFill>
+                </a:rPr>
+                <a:t>Should</a:t>
+              </a:r>
+            </a:p>
+          </p:txBody>
+        </p:sp>
+        <p:sp>
+          <p:nvSpPr>
+            <p:cNvPr id="17" name="Textfeld 16"/>
+            <p:cNvSpPr txBox="1"/>
+            <p:nvPr/>
+          </p:nvSpPr>
+          <p:spPr>
+            <a:xfrm>
+              <a:off x="2630905" y="1113153"/>
+              <a:ext cx="3319839" cy="369332"/>
+            </a:xfrm>
+            <a:prstGeom prst="rect">
+              <a:avLst/>
+            </a:prstGeom>
+          </p:spPr>
+          <p:style>
+            <a:lnRef idx="2">
+              <a:schemeClr val="dk1"/>
+            </a:lnRef>
+            <a:fillRef idx="1">
+              <a:schemeClr val="lt1"/>
+            </a:fillRef>
+            <a:effectRef idx="0">
+              <a:schemeClr val="dk1"/>
+            </a:effectRef>
+            <a:fontRef idx="minor">
+              <a:schemeClr val="dk1"/>
+            </a:fontRef>
+          </p:style>
+          <p:txBody>
+            <a:bodyPr wrap="square" rtlCol="0">
+              <a:spAutoFit/>
+            </a:bodyPr>
+            <a:lstStyle/>
+            <a:p>
+              <a:r>
+                <a:rPr lang="de-DE" b="1">
+                  <a:solidFill>
+                    <a:schemeClr val="accent1"/>
+                  </a:solidFill>
+                </a:rPr>
+                <a:t>Customer Satisfaction:</a:t>
+              </a:r>
+            </a:p>
+          </p:txBody>
+        </p:sp>
+        <p:sp>
+          <p:nvSpPr>
+            <p:cNvPr id="18" name="Textfeld 17"/>
+            <p:cNvSpPr txBox="1"/>
+            <p:nvPr/>
+          </p:nvSpPr>
+          <p:spPr>
+            <a:xfrm>
+              <a:off x="6096000" y="1113153"/>
+              <a:ext cx="5903913" cy="369332"/>
+            </a:xfrm>
+            <a:prstGeom prst="rect">
+              <a:avLst/>
+            </a:prstGeom>
+          </p:spPr>
+          <p:style>
+            <a:lnRef idx="2">
+              <a:schemeClr val="dk1"/>
+            </a:lnRef>
+            <a:fillRef idx="1">
+              <a:schemeClr val="lt1"/>
+            </a:fillRef>
+            <a:effectRef idx="0">
+              <a:schemeClr val="dk1"/>
+            </a:effectRef>
+            <a:fontRef idx="minor">
+              <a:schemeClr val="dk1"/>
+            </a:fontRef>
+          </p:style>
+          <p:txBody>
+            <a:bodyPr wrap="square" rtlCol="0">
+              <a:spAutoFit/>
+            </a:bodyPr>
+            <a:lstStyle/>
+            <a:p>
+              <a:r>
+                <a:rPr lang="de-DE" b="1">
+                  <a:solidFill>
+                    <a:schemeClr val="accent1"/>
+                  </a:solidFill>
+                </a:rPr>
+                <a:t>Customer Dissatisfaction:</a:t>
+              </a:r>
+            </a:p>
+          </p:txBody>
+        </p:sp>
+      </p:grpSp>
+      <p:sp>
+        <p:nvSpPr>
+          <p:cNvPr id="19" name="Textfeld 18"/>
+          <p:cNvSpPr txBox="1"/>
+          <p:nvPr/>
+        </p:nvSpPr>
+        <p:spPr>
+          <a:xfrm>
+            <a:off x="184308" y="5441496"/>
+            <a:ext cx="5766436" cy="923330"/>
+          </a:xfrm>
+          <a:prstGeom prst="rect">
+            <a:avLst/>
+          </a:prstGeom>
+        </p:spPr>
+        <p:style>
+          <a:lnRef idx="2">
+            <a:schemeClr val="dk1"/>
+          </a:lnRef>
+          <a:fillRef idx="1">
+            <a:schemeClr val="lt1"/>
+          </a:fillRef>
+          <a:effectRef idx="0">
+            <a:schemeClr val="dk1"/>
+          </a:effectRef>
+          <a:fontRef idx="minor">
+            <a:schemeClr val="dk1"/>
+          </a:fontRef>
+        </p:style>
+        <p:txBody>
+          <a:bodyPr wrap="square" rtlCol="0">
+            <a:spAutoFit/>
+          </a:bodyPr>
+          <a:lstStyle/>
+          <a:p>
+            <a:r>
+              <a:rPr lang="de-DE" b="1">
+                <a:solidFill>
+                  <a:schemeClr val="accent1"/>
+                </a:solidFill>
+              </a:rPr>
+              <a:t>Supporting Material:</a:t>
+            </a:r>
+          </a:p>
+          <a:p>
+            <a:endParaRPr lang="de-DE"/>
+          </a:p>
+          <a:p>
+            <a:endParaRPr lang="de-DE"/>
+          </a:p>
+        </p:txBody>
+      </p:sp>
+      <p:sp>
+        <p:nvSpPr>
+          <p:cNvPr id="20" name="Textfeld 19"/>
+          <p:cNvSpPr txBox="1"/>
+          <p:nvPr/>
+        </p:nvSpPr>
+        <p:spPr>
+          <a:xfrm>
+            <a:off x="6103778" y="5441496"/>
+            <a:ext cx="5888356" cy="923330"/>
+          </a:xfrm>
+          <a:prstGeom prst="rect">
+            <a:avLst/>
+          </a:prstGeom>
+        </p:spPr>
+        <p:style>
+          <a:lnRef idx="2">
+            <a:schemeClr val="dk1"/>
+          </a:lnRef>
+          <a:fillRef idx="1">
+            <a:schemeClr val="lt1"/>
+          </a:fillRef>
+          <a:effectRef idx="0">
+            <a:schemeClr val="dk1"/>
+          </a:effectRef>
+          <a:fontRef idx="minor">
+            <a:schemeClr val="dk1"/>
+          </a:fontRef>
+        </p:style>
+        <p:txBody>
+          <a:bodyPr wrap="square" rtlCol="0">
+            <a:spAutoFit/>
+          </a:bodyPr>
+          <a:lstStyle/>
+          <a:p>
+            <a:r>
+              <a:rPr lang="de-DE" b="1">
+                <a:solidFill>
+                  <a:schemeClr val="accent1"/>
+                </a:solidFill>
+              </a:rPr>
+              <a:t>Conflicts:</a:t>
+            </a:r>
+          </a:p>
+          <a:p>
+            <a:endParaRPr lang="de-DE"/>
+          </a:p>
+          <a:p>
+            <a:endParaRPr lang="de-DE"/>
+          </a:p>
+        </p:txBody>
+      </p:sp>
+    </p:spTree>
+    <p:extLst>
+      <p:ext uri="{BB962C8B-B14F-4D97-AF65-F5344CB8AC3E}">
+        <p14:creationId xmlns:p14="http://schemas.microsoft.com/office/powerpoint/2010/main" val="2161373643"/>
+      </p:ext>
+    </p:extLst>
   </p:cSld>
   <p:clrMapOvr>
     <a:masterClrMapping/>
@@ -24435,11 +24695,6 @@
                 </a:rPr>
                 <a:t>Funktional</a:t>
               </a:r>
-              <a:endParaRPr lang="de-DE">
-                <a:solidFill>
-                  <a:schemeClr val="tx1"/>
-                </a:solidFill>
-              </a:endParaRPr>
             </a:p>
           </p:txBody>
         </p:sp>
@@ -24635,7 +24890,6 @@
                 <a:rPr lang="de-DE"/>
                 <a:t>Mitarbeiterinnen sollen alle wichtigen Informationen zum Fall digital erfassen, anstatt sie händisch zu notieren.</a:t>
               </a:r>
-              <a:endParaRPr lang="de-DE"/>
             </a:p>
             <a:p>
               <a:endParaRPr lang="de-DE"/>
@@ -24697,7 +24951,6 @@
                 <a:rPr lang="de-DE" dirty="0"/>
                 <a:t>Kundinnen</a:t>
               </a:r>
-              <a:endParaRPr lang="de-DE" dirty="0"/>
             </a:p>
             <a:p>
               <a:endParaRPr lang="de-DE" dirty="0"/>
@@ -24751,7 +25004,6 @@
                 <a:rPr lang="de-DE"/>
                 <a:t>Nutzerin kann über das Interface neue Fälle anlegen, ausfüllen und speichern.</a:t>
               </a:r>
-              <a:endParaRPr lang="de-DE"/>
             </a:p>
             <a:p>
               <a:endParaRPr lang="de-DE"/>
@@ -24820,7 +25072,6 @@
                 <a:rPr lang="de-DE"/>
                 <a:t>Must</a:t>
               </a:r>
-              <a:endParaRPr lang="de-DE"/>
             </a:p>
           </p:txBody>
         </p:sp>
@@ -24867,11 +25118,6 @@
                 </a:rPr>
                 <a:t>Customer Satisfaction:</a:t>
               </a:r>
-              <a:endParaRPr lang="de-DE" b="1">
-                <a:solidFill>
-                  <a:schemeClr val="accent1"/>
-                </a:solidFill>
-              </a:endParaRPr>
             </a:p>
           </p:txBody>
         </p:sp>
@@ -24918,11 +25164,6 @@
                 </a:rPr>
                 <a:t>Customer Dissatisfaction:</a:t>
               </a:r>
-              <a:endParaRPr lang="de-DE" b="1">
-                <a:solidFill>
-                  <a:schemeClr val="accent1"/>
-                </a:solidFill>
-              </a:endParaRPr>
             </a:p>
           </p:txBody>
         </p:sp>
@@ -24974,7 +25215,6 @@
               <a:rPr lang="de-DE"/>
               <a:t>Daten, die erhoben werden sollen stehen im Statistik-Bogen.</a:t>
             </a:r>
-            <a:endParaRPr lang="de-DE"/>
           </a:p>
           <a:p>
             <a:endParaRPr lang="de-DE"/>
@@ -25024,11 +25264,6 @@
               </a:rPr>
               <a:t>Conflicts:</a:t>
             </a:r>
-            <a:endParaRPr lang="de-DE" b="1">
-              <a:solidFill>
-                <a:schemeClr val="accent1"/>
-              </a:solidFill>
-            </a:endParaRPr>
           </a:p>
           <a:p>
             <a:endParaRPr lang="de-DE"/>
@@ -25223,11 +25458,6 @@
                 </a:rPr>
                 <a:t>Funktional</a:t>
               </a:r>
-              <a:endParaRPr lang="de-DE">
-                <a:solidFill>
-                  <a:schemeClr val="tx1"/>
-                </a:solidFill>
-              </a:endParaRPr>
             </a:p>
           </p:txBody>
         </p:sp>
@@ -25407,7 +25637,6 @@
                 <a:rPr lang="de-DE"/>
                 <a:t>Es ist aufgrund von anstehenden Gesetzesänderungen wahrscheinlich, dass sich die zu erfassenden Informationen verändern werden.</a:t>
               </a:r>
-              <a:endParaRPr lang="de-DE"/>
             </a:p>
           </p:txBody>
         </p:sp>
@@ -25466,7 +25695,6 @@
                 <a:rPr lang="de-DE" dirty="0"/>
                 <a:t>Kundinnen</a:t>
               </a:r>
-              <a:endParaRPr lang="de-DE" dirty="0"/>
             </a:p>
             <a:p>
               <a:endParaRPr lang="de-DE" dirty="0"/>
@@ -25520,7 +25748,6 @@
                 <a:rPr lang="de-DE"/>
                 <a:t>Nutzerin kann über das Interface die Eingabemaske bearbeiten und neue Felder hinzufügen. Dabei können Sie auswählen, um welche Art der Eingabe es sich handelt (Text, Anzahl, Datum, Auswahl).</a:t>
               </a:r>
-              <a:endParaRPr lang="de-DE"/>
             </a:p>
           </p:txBody>
         </p:sp>
@@ -25590,11 +25817,6 @@
                 </a:rPr>
                 <a:t>Should</a:t>
               </a:r>
-              <a:endParaRPr lang="de-DE">
-                <a:solidFill>
-                  <a:schemeClr val="tx1"/>
-                </a:solidFill>
-              </a:endParaRPr>
             </a:p>
           </p:txBody>
         </p:sp>
@@ -25641,11 +25863,6 @@
                 </a:rPr>
                 <a:t>Customer Satisfaction:</a:t>
               </a:r>
-              <a:endParaRPr lang="de-DE" b="1">
-                <a:solidFill>
-                  <a:schemeClr val="accent1"/>
-                </a:solidFill>
-              </a:endParaRPr>
             </a:p>
           </p:txBody>
         </p:sp>
@@ -25692,11 +25909,6 @@
                 </a:rPr>
                 <a:t>Customer Dissatisfaction:</a:t>
               </a:r>
-              <a:endParaRPr lang="de-DE" b="1">
-                <a:solidFill>
-                  <a:schemeClr val="accent1"/>
-                </a:solidFill>
-              </a:endParaRPr>
             </a:p>
           </p:txBody>
         </p:sp>
@@ -25744,11 +25956,6 @@
               </a:rPr>
               <a:t>Supporting Material:</a:t>
             </a:r>
-            <a:endParaRPr lang="de-DE" b="1">
-              <a:solidFill>
-                <a:schemeClr val="accent1"/>
-              </a:solidFill>
-            </a:endParaRPr>
           </a:p>
           <a:p>
             <a:endParaRPr lang="de-DE" b="1">
@@ -25805,11 +26012,6 @@
               </a:rPr>
               <a:t>Conflicts:</a:t>
             </a:r>
-            <a:endParaRPr lang="de-DE" b="1">
-              <a:solidFill>
-                <a:schemeClr val="accent1"/>
-              </a:solidFill>
-            </a:endParaRPr>
           </a:p>
           <a:p>
             <a:endParaRPr lang="de-DE"/>
@@ -26004,11 +26206,6 @@
                 </a:rPr>
                 <a:t>Funktional</a:t>
               </a:r>
-              <a:endParaRPr lang="de-DE">
-                <a:solidFill>
-                  <a:schemeClr val="tx1"/>
-                </a:solidFill>
-              </a:endParaRPr>
             </a:p>
           </p:txBody>
         </p:sp>
@@ -26196,7 +26393,6 @@
                 <a:rPr lang="de-DE" dirty="0"/>
                 <a:t>Die Nutzerinnen sollen nicht aus Versehen vergessen ein Feld auszufüllen.</a:t>
               </a:r>
-              <a:endParaRPr lang="de-DE" dirty="0"/>
             </a:p>
             <a:p>
               <a:endParaRPr lang="de-DE" dirty="0"/>
@@ -26258,7 +26454,6 @@
                 <a:rPr lang="de-DE" dirty="0"/>
                 <a:t>Kundinnen/Praktikumsleitung </a:t>
               </a:r>
-              <a:endParaRPr lang="de-DE" dirty="0"/>
             </a:p>
             <a:p>
               <a:endParaRPr lang="de-DE" dirty="0"/>
@@ -26312,7 +26507,6 @@
                 <a:rPr lang="de-DE"/>
                 <a:t>Beim Speichern unvollständiger Eingaben erscheint eine Meldung mit den Optionen [Nachtragen] oder [trotzdem speichern].</a:t>
               </a:r>
-              <a:endParaRPr lang="de-DE"/>
             </a:p>
           </p:txBody>
         </p:sp>
@@ -26378,7 +26572,6 @@
                 <a:rPr lang="de-DE"/>
                 <a:t>Should</a:t>
               </a:r>
-              <a:endParaRPr lang="de-DE"/>
             </a:p>
           </p:txBody>
         </p:sp>
@@ -26425,11 +26618,6 @@
                 </a:rPr>
                 <a:t>Customer Satisfaction:</a:t>
               </a:r>
-              <a:endParaRPr lang="de-DE" b="1">
-                <a:solidFill>
-                  <a:schemeClr val="accent1"/>
-                </a:solidFill>
-              </a:endParaRPr>
             </a:p>
           </p:txBody>
         </p:sp>
@@ -26476,11 +26664,6 @@
                 </a:rPr>
                 <a:t>Customer Dissatisfaction:</a:t>
               </a:r>
-              <a:endParaRPr lang="de-DE" b="1">
-                <a:solidFill>
-                  <a:schemeClr val="accent1"/>
-                </a:solidFill>
-              </a:endParaRPr>
             </a:p>
           </p:txBody>
         </p:sp>
@@ -26528,11 +26711,6 @@
               </a:rPr>
               <a:t>Supporting Material:</a:t>
             </a:r>
-            <a:endParaRPr lang="de-DE" b="1">
-              <a:solidFill>
-                <a:schemeClr val="accent1"/>
-              </a:solidFill>
-            </a:endParaRPr>
           </a:p>
           <a:p>
             <a:endParaRPr lang="de-DE" b="1">
@@ -26589,11 +26767,6 @@
               </a:rPr>
               <a:t>Conflicts:</a:t>
             </a:r>
-            <a:endParaRPr lang="de-DE" b="1">
-              <a:solidFill>
-                <a:schemeClr val="accent1"/>
-              </a:solidFill>
-            </a:endParaRPr>
           </a:p>
           <a:p>
             <a:endParaRPr lang="de-DE"/>
@@ -26788,11 +26961,6 @@
                 </a:rPr>
                 <a:t>Funktional</a:t>
               </a:r>
-              <a:endParaRPr lang="de-DE">
-                <a:solidFill>
-                  <a:schemeClr val="tx1"/>
-                </a:solidFill>
-              </a:endParaRPr>
             </a:p>
           </p:txBody>
         </p:sp>
@@ -26847,11 +27015,6 @@
                 </a:rPr>
                 <a:t>weitere Beratungstermine.</a:t>
               </a:r>
-              <a:endParaRPr lang="de-DE">
-                <a:solidFill>
-                  <a:schemeClr val="tx1"/>
-                </a:solidFill>
-              </a:endParaRPr>
             </a:p>
           </p:txBody>
         </p:sp>
@@ -26972,7 +27135,6 @@
                 <a:rPr lang="de-DE"/>
                 <a:t>Beratungen sind fortlaufend, also müssen Fälle aktualisiert werden können.</a:t>
               </a:r>
-              <a:endParaRPr lang="de-DE"/>
             </a:p>
             <a:p>
               <a:endParaRPr lang="de-DE"/>
@@ -27034,7 +27196,6 @@
                 <a:rPr lang="de-DE" dirty="0"/>
                 <a:t>Kundinnen</a:t>
               </a:r>
-              <a:endParaRPr lang="de-DE" dirty="0"/>
             </a:p>
             <a:p>
               <a:endParaRPr lang="de-DE" dirty="0"/>
@@ -27092,11 +27253,6 @@
                 </a:rPr>
                 <a:t>Nutzerin kann bestimmte Fälle über Filter finden (Alias, Wohnort, Alter, Geschlechtsidentität,…). Der zuletzt bearbeitete Fall soll explizit aufrufbar sein.</a:t>
               </a:r>
-              <a:endParaRPr lang="de-DE">
-                <a:solidFill>
-                  <a:schemeClr val="tx1"/>
-                </a:solidFill>
-              </a:endParaRPr>
             </a:p>
             <a:p>
               <a:endParaRPr lang="de-DE">
@@ -27169,7 +27325,6 @@
                 <a:rPr lang="de-DE"/>
                 <a:t>Must</a:t>
               </a:r>
-              <a:endParaRPr lang="de-DE"/>
             </a:p>
           </p:txBody>
         </p:sp>
@@ -27216,11 +27371,6 @@
                 </a:rPr>
                 <a:t>Customer Satisfaction:</a:t>
               </a:r>
-              <a:endParaRPr lang="de-DE" b="1">
-                <a:solidFill>
-                  <a:schemeClr val="accent1"/>
-                </a:solidFill>
-              </a:endParaRPr>
             </a:p>
           </p:txBody>
         </p:sp>
@@ -27267,11 +27417,6 @@
                 </a:rPr>
                 <a:t>Customer Dissatisfaction:</a:t>
               </a:r>
-              <a:endParaRPr lang="de-DE" b="1">
-                <a:solidFill>
-                  <a:schemeClr val="accent1"/>
-                </a:solidFill>
-              </a:endParaRPr>
             </a:p>
           </p:txBody>
         </p:sp>
@@ -27319,11 +27464,6 @@
               </a:rPr>
               <a:t>Supporting Material:</a:t>
             </a:r>
-            <a:endParaRPr lang="de-DE" b="1">
-              <a:solidFill>
-                <a:schemeClr val="accent1"/>
-              </a:solidFill>
-            </a:endParaRPr>
           </a:p>
           <a:p>
             <a:endParaRPr lang="de-DE" b="1">
@@ -27380,11 +27520,6 @@
               </a:rPr>
               <a:t>Conflicts:</a:t>
             </a:r>
-            <a:endParaRPr lang="de-DE" b="1">
-              <a:solidFill>
-                <a:schemeClr val="accent1"/>
-              </a:solidFill>
-            </a:endParaRPr>
           </a:p>
           <a:p>
             <a:endParaRPr lang="de-DE"/>
@@ -27579,11 +27714,6 @@
                 </a:rPr>
                 <a:t>Funktional</a:t>
               </a:r>
-              <a:endParaRPr lang="de-DE">
-                <a:solidFill>
-                  <a:schemeClr val="tx1"/>
-                </a:solidFill>
-              </a:endParaRPr>
             </a:p>
           </p:txBody>
         </p:sp>
@@ -27638,11 +27768,6 @@
                 </a:rPr>
                 <a:t>z.B nachträgliche Terminzusage per E-Mail.</a:t>
               </a:r>
-              <a:endParaRPr lang="de-DE">
-                <a:solidFill>
-                  <a:schemeClr val="tx1"/>
-                </a:solidFill>
-              </a:endParaRPr>
             </a:p>
           </p:txBody>
         </p:sp>
@@ -27712,11 +27837,6 @@
                 </a:rPr>
                 <a:t>Nutzerinnen können nach allen Anfragen eines bestimmten Tages suchen und diese bearbeiten. (B/E/A)</a:t>
               </a:r>
-              <a:endParaRPr lang="de-DE">
-                <a:solidFill>
-                  <a:schemeClr val="tx1"/>
-                </a:solidFill>
-              </a:endParaRPr>
             </a:p>
             <a:p>
               <a:endParaRPr lang="de-DE"/>
@@ -27770,7 +27890,6 @@
                 <a:rPr lang="de-DE"/>
                 <a:t>Die Nachträgliche Informationen müssen nachgetragen werden können.</a:t>
               </a:r>
-              <a:endParaRPr lang="de-DE"/>
             </a:p>
             <a:p>
               <a:endParaRPr lang="de-DE"/>
@@ -27832,7 +27951,6 @@
                 <a:rPr lang="de-DE" dirty="0"/>
                 <a:t>Kundinnen </a:t>
               </a:r>
-              <a:endParaRPr lang="de-DE" dirty="0"/>
             </a:p>
             <a:p>
               <a:endParaRPr lang="de-DE" dirty="0"/>
@@ -27886,7 +28004,6 @@
                 <a:rPr lang="de-DE"/>
                 <a:t>Es gibt ein Suchfeld, in dem nach Anfragen zu einem bestimmten Tag gefiltert werden kann und die Anfragen können bearbeitet werden.</a:t>
               </a:r>
-              <a:endParaRPr lang="de-DE"/>
             </a:p>
           </p:txBody>
         </p:sp>
@@ -27952,7 +28069,6 @@
                 <a:rPr lang="de-DE"/>
                 <a:t>Must</a:t>
               </a:r>
-              <a:endParaRPr lang="de-DE"/>
             </a:p>
           </p:txBody>
         </p:sp>
@@ -27999,11 +28115,6 @@
                 </a:rPr>
                 <a:t>Customer Satisfaction:</a:t>
               </a:r>
-              <a:endParaRPr lang="de-DE" b="1">
-                <a:solidFill>
-                  <a:schemeClr val="accent1"/>
-                </a:solidFill>
-              </a:endParaRPr>
             </a:p>
           </p:txBody>
         </p:sp>
@@ -28050,11 +28161,6 @@
                 </a:rPr>
                 <a:t>Customer Dissatisfaction:</a:t>
               </a:r>
-              <a:endParaRPr lang="de-DE" b="1">
-                <a:solidFill>
-                  <a:schemeClr val="accent1"/>
-                </a:solidFill>
-              </a:endParaRPr>
             </a:p>
           </p:txBody>
         </p:sp>
@@ -28102,11 +28208,6 @@
               </a:rPr>
               <a:t>Supporting Material:</a:t>
             </a:r>
-            <a:endParaRPr lang="de-DE" b="1">
-              <a:solidFill>
-                <a:schemeClr val="accent1"/>
-              </a:solidFill>
-            </a:endParaRPr>
           </a:p>
           <a:p>
             <a:endParaRPr lang="de-DE" b="1">
@@ -28163,11 +28264,6 @@
               </a:rPr>
               <a:t>Conflicts:</a:t>
             </a:r>
-            <a:endParaRPr lang="de-DE" b="1">
-              <a:solidFill>
-                <a:schemeClr val="accent1"/>
-              </a:solidFill>
-            </a:endParaRPr>
           </a:p>
           <a:p>
             <a:endParaRPr lang="de-DE"/>
@@ -28362,11 +28458,6 @@
                 </a:rPr>
                 <a:t>Funktional</a:t>
               </a:r>
-              <a:endParaRPr lang="de-DE">
-                <a:solidFill>
-                  <a:schemeClr val="tx1"/>
-                </a:solidFill>
-              </a:endParaRPr>
             </a:p>
           </p:txBody>
         </p:sp>
@@ -28495,11 +28586,6 @@
                 </a:rPr>
                 <a:t>Aus einer vorangegangenen Anfrage können die Daten für einen neuen Fall übertragen werden. (B/E/A)</a:t>
               </a:r>
-              <a:endParaRPr lang="de-DE">
-                <a:solidFill>
-                  <a:schemeClr val="tx1"/>
-                </a:solidFill>
-              </a:endParaRPr>
             </a:p>
             <a:p>
               <a:endParaRPr lang="de-DE"/>
@@ -28557,11 +28643,6 @@
                 </a:rPr>
                 <a:t>Wenn aus einer Anfrage ein Fall resultiert, sollen nicht alle wichtigen Daten erneut eingetippt werden müssen.</a:t>
               </a:r>
-              <a:endParaRPr lang="de-DE">
-                <a:solidFill>
-                  <a:schemeClr val="tx1"/>
-                </a:solidFill>
-              </a:endParaRPr>
             </a:p>
             <a:p>
               <a:endParaRPr lang="de-DE"/>
@@ -28623,7 +28704,6 @@
                 <a:rPr lang="de-DE" dirty="0"/>
                 <a:t>Gruppe/Kundinnen </a:t>
               </a:r>
-              <a:endParaRPr lang="de-DE" dirty="0"/>
             </a:p>
             <a:p>
               <a:endParaRPr lang="de-DE" dirty="0"/>
@@ -28677,7 +28757,6 @@
                 <a:rPr lang="de-DE"/>
                 <a:t>Nutzerin kann in einer Anfrage ein Feld anklicken, wodurch die Daten direkt in einen neuen Fall importiert werden. Oder Nutzerin kann beim Anlegen eines neuen Falls die Daten einer Anfrage importieren.</a:t>
               </a:r>
-              <a:endParaRPr lang="de-DE"/>
             </a:p>
           </p:txBody>
         </p:sp>
@@ -28747,11 +28826,6 @@
                 </a:rPr>
                 <a:t>Could</a:t>
               </a:r>
-              <a:endParaRPr lang="de-DE">
-                <a:solidFill>
-                  <a:schemeClr val="tx1"/>
-                </a:solidFill>
-              </a:endParaRPr>
             </a:p>
           </p:txBody>
         </p:sp>
@@ -28798,11 +28872,6 @@
                 </a:rPr>
                 <a:t>Customer Satisfaction:</a:t>
               </a:r>
-              <a:endParaRPr lang="de-DE" b="1">
-                <a:solidFill>
-                  <a:schemeClr val="accent1"/>
-                </a:solidFill>
-              </a:endParaRPr>
             </a:p>
           </p:txBody>
         </p:sp>
@@ -28849,11 +28918,6 @@
                 </a:rPr>
                 <a:t>Customer Dissatisfaction:</a:t>
               </a:r>
-              <a:endParaRPr lang="de-DE" b="1">
-                <a:solidFill>
-                  <a:schemeClr val="accent1"/>
-                </a:solidFill>
-              </a:endParaRPr>
             </a:p>
           </p:txBody>
         </p:sp>
@@ -28901,11 +28965,6 @@
               </a:rPr>
               <a:t>Supporting Material:</a:t>
             </a:r>
-            <a:endParaRPr lang="de-DE" b="1">
-              <a:solidFill>
-                <a:schemeClr val="accent1"/>
-              </a:solidFill>
-            </a:endParaRPr>
           </a:p>
           <a:p>
             <a:endParaRPr lang="de-DE"/>
@@ -28958,11 +29017,6 @@
               </a:rPr>
               <a:t>Conflicts:</a:t>
             </a:r>
-            <a:endParaRPr lang="de-DE" b="1">
-              <a:solidFill>
-                <a:schemeClr val="accent1"/>
-              </a:solidFill>
-            </a:endParaRPr>
           </a:p>
           <a:p>
             <a:endParaRPr lang="de-DE"/>
@@ -29157,11 +29211,6 @@
                 </a:rPr>
                 <a:t>Funktional</a:t>
               </a:r>
-              <a:endParaRPr lang="de-DE">
-                <a:solidFill>
-                  <a:schemeClr val="tx1"/>
-                </a:solidFill>
-              </a:endParaRPr>
             </a:p>
           </p:txBody>
         </p:sp>
@@ -29345,11 +29394,6 @@
                 </a:rPr>
                 <a:t>Es müssen regelmäßig Berichte und Zahlen für Fördermittel erstellt werden.</a:t>
               </a:r>
-              <a:endParaRPr lang="de-DE">
-                <a:solidFill>
-                  <a:schemeClr val="tx1"/>
-                </a:solidFill>
-              </a:endParaRPr>
             </a:p>
             <a:p>
               <a:endParaRPr lang="de-DE"/>
@@ -29415,11 +29459,6 @@
                 </a:rPr>
                 <a:t>Kundinnen</a:t>
               </a:r>
-              <a:endParaRPr lang="de-DE" dirty="0">
-                <a:solidFill>
-                  <a:schemeClr val="tx1"/>
-                </a:solidFill>
-              </a:endParaRPr>
             </a:p>
             <a:p>
               <a:endParaRPr lang="de-DE" dirty="0"/>
@@ -29473,7 +29512,6 @@
                 <a:rPr lang="de-DE"/>
                 <a:t>Im Statistikbereich können diejenigen Attribute gefiltert werden, über die eine Statistik berechnet wird.</a:t>
               </a:r>
-              <a:endParaRPr lang="de-DE"/>
             </a:p>
             <a:p>
               <a:endParaRPr lang="de-DE"/>
@@ -29546,11 +29584,6 @@
                 </a:rPr>
                 <a:t>Must</a:t>
               </a:r>
-              <a:endParaRPr lang="de-DE">
-                <a:solidFill>
-                  <a:schemeClr val="tx1"/>
-                </a:solidFill>
-              </a:endParaRPr>
             </a:p>
           </p:txBody>
         </p:sp>
@@ -29597,11 +29630,6 @@
                 </a:rPr>
                 <a:t>Customer Satisfaction:</a:t>
               </a:r>
-              <a:endParaRPr lang="de-DE" b="1">
-                <a:solidFill>
-                  <a:schemeClr val="accent1"/>
-                </a:solidFill>
-              </a:endParaRPr>
             </a:p>
           </p:txBody>
         </p:sp>
@@ -29648,11 +29676,6 @@
                 </a:rPr>
                 <a:t>Customer Dissatisfaction:</a:t>
               </a:r>
-              <a:endParaRPr lang="de-DE" b="1">
-                <a:solidFill>
-                  <a:schemeClr val="accent1"/>
-                </a:solidFill>
-              </a:endParaRPr>
             </a:p>
           </p:txBody>
         </p:sp>
@@ -29700,11 +29723,6 @@
               </a:rPr>
               <a:t>Supporting Material:</a:t>
             </a:r>
-            <a:endParaRPr lang="de-DE" b="1">
-              <a:solidFill>
-                <a:schemeClr val="accent1"/>
-              </a:solidFill>
-            </a:endParaRPr>
           </a:p>
           <a:p>
             <a:endParaRPr lang="de-DE"/>
@@ -29757,11 +29775,6 @@
               </a:rPr>
               <a:t>Conflicts:</a:t>
             </a:r>
-            <a:endParaRPr lang="de-DE" b="1">
-              <a:solidFill>
-                <a:schemeClr val="accent1"/>
-              </a:solidFill>
-            </a:endParaRPr>
           </a:p>
           <a:p>
             <a:endParaRPr lang="de-DE"/>
@@ -29999,6 +30012,7 @@
       </a:bgFillStyleLst>
     </a:fmtScheme>
   </a:themeElements>
+  <a:objectDefaults/>
   <a:extraClrSchemeLst>
     <a:extraClrScheme>
       <a:clrScheme name="4 1">
@@ -30752,6 +30766,8 @@
       </a:bgFillStyleLst>
     </a:fmtScheme>
   </a:themeElements>
+  <a:objectDefaults/>
+  <a:extraClrSchemeLst/>
   <a:extLst>
     <a:ext uri="{05A4C25C-085E-4340-85A3-A5531E510DB2}">
       <thm15:themeFamily xmlns:thm15="http://schemas.microsoft.com/office/thememl/2012/main" name="Office Theme" id="{62F939B6-93AF-4DB8-9C6B-D6C7DFDC589F}" vid="{4A3C46E8-61CC-4603-A589-7422A47A8E4A}"/>
@@ -31040,6 +31056,8 @@
       </a:bgFillStyleLst>
     </a:fmtScheme>
   </a:themeElements>
+  <a:objectDefaults/>
+  <a:extraClrSchemeLst/>
   <a:extLst>
     <a:ext uri="{05A4C25C-085E-4340-85A3-A5531E510DB2}">
       <thm15:themeFamily xmlns:thm15="http://schemas.microsoft.com/office/thememl/2012/main" name="Office Theme" id="{62F939B6-93AF-4DB8-9C6B-D6C7DFDC589F}" vid="{4A3C46E8-61CC-4603-A589-7422A47A8E4A}"/>
@@ -31299,6 +31317,8 @@
       </a:bgFillStyleLst>
     </a:fmtScheme>
   </a:themeElements>
+  <a:objectDefaults/>
+  <a:extraClrSchemeLst/>
   <a:extLst>
     <a:ext uri="{05A4C25C-085E-4340-85A3-A5531E510DB2}">
       <thm15:themeFamily xmlns:thm15="http://schemas.microsoft.com/office/thememl/2012/main" name="Office Theme" id="{62F939B6-93AF-4DB8-9C6B-D6C7DFDC589F}" vid="{4A3C46E8-61CC-4603-A589-7422A47A8E4A}"/>

--- a/SnowCards_Requirements.pptx
+++ b/SnowCards_Requirements.pptx
@@ -182,6 +182,11 @@
     <p:ext uri="{EFAFB233-063F-42B5-8137-9DF3F51BA10A}">
       <p15:sldGuideLst xmlns:p15="http://schemas.microsoft.com/office/powerpoint/2012/main">
         <p15:guide id="1" orient="horz" pos="2160" userDrawn="1">
+          <p15:clr>
+            <a:srgbClr val="A4A3A4"/>
+          </p15:clr>
+        </p15:guide>
+        <p15:guide id="2" pos="3840">
           <p15:clr>
             <a:srgbClr val="A4A3A4"/>
           </p15:clr>
@@ -19792,8 +19797,8 @@
         </p:nvSpPr>
         <p:spPr>
           <a:xfrm>
-            <a:off x="176529" y="5513314"/>
-            <a:ext cx="5766436" cy="923330"/>
+            <a:off x="215423" y="5651813"/>
+            <a:ext cx="5766436" cy="646331"/>
           </a:xfrm>
           <a:prstGeom prst="rect">
             <a:avLst/>
@@ -19837,7 +19842,19 @@
             </a:r>
             <a:r>
               <a:rPr lang="de-DE" dirty="0"/>
-              <a:t>Daten, die erhoben werden sollen stehen im Statistik-Bogen.</a:t>
+              <a:t>Anforderungsbeschreibung,</a:t>
+            </a:r>
+            <a:r>
+              <a:rPr lang="de-DE" b="1" dirty="0">
+                <a:solidFill>
+                  <a:schemeClr val="accent1"/>
+                </a:solidFill>
+              </a:rPr>
+              <a:t> </a:t>
+            </a:r>
+            <a:r>
+              <a:rPr lang="de-DE" dirty="0"/>
+              <a:t>S.2</a:t>
             </a:r>
           </a:p>
           <a:p>
@@ -19859,8 +19876,8 @@
         </p:nvSpPr>
         <p:spPr>
           <a:xfrm>
-            <a:off x="6088221" y="5513314"/>
-            <a:ext cx="5888356" cy="923330"/>
+            <a:off x="6088221" y="5651813"/>
+            <a:ext cx="5888356" cy="646331"/>
           </a:xfrm>
           <a:prstGeom prst="rect">
             <a:avLst/>
@@ -19909,12 +19926,6 @@
           </a:p>
           <a:p>
             <a:endParaRPr lang="de-DE" dirty="0"/>
-          </a:p>
-          <a:p>
-            <a:r>
-              <a:rPr lang="de-DE" dirty="0"/>
-              <a:t> </a:t>
-            </a:r>
           </a:p>
         </p:txBody>
       </p:sp>

--- a/SnowCards_Requirements.pptx
+++ b/SnowCards_Requirements.pptx
@@ -3,61 +3,54 @@
 <p:presentation xmlns:a="http://schemas.openxmlformats.org/drawingml/2006/main" xmlns:r="http://schemas.openxmlformats.org/officeDocument/2006/relationships" xmlns:p="http://schemas.openxmlformats.org/presentationml/2006/main" showSpecialPlsOnTitleSld="0" embedTrueTypeFonts="1" autoCompressPictures="0">
   <p:sldMasterIdLst>
     <p:sldMasterId id="2147483648" r:id="rId1"/>
-    <p:sldMasterId id="2147483653" r:id="rId3"/>
+    <p:sldMasterId id="2147483653" r:id="rId2"/>
   </p:sldMasterIdLst>
   <p:notesMasterIdLst>
-    <p:notesMasterId r:id="rId5"/>
+    <p:notesMasterId r:id="rId32"/>
   </p:notesMasterIdLst>
   <p:handoutMasterIdLst>
-    <p:handoutMasterId r:id="rId34"/>
+    <p:handoutMasterId r:id="rId33"/>
   </p:handoutMasterIdLst>
   <p:sldIdLst>
-    <p:sldId id="342" r:id="rId4"/>
-    <p:sldId id="311" r:id="rId6"/>
-    <p:sldId id="314" r:id="rId7"/>
-    <p:sldId id="316" r:id="rId8"/>
-    <p:sldId id="317" r:id="rId9"/>
-    <p:sldId id="318" r:id="rId10"/>
-    <p:sldId id="319" r:id="rId11"/>
-    <p:sldId id="315" r:id="rId12"/>
-    <p:sldId id="320" r:id="rId13"/>
-    <p:sldId id="331" r:id="rId14"/>
-    <p:sldId id="323" r:id="rId15"/>
-    <p:sldId id="321" r:id="rId16"/>
-    <p:sldId id="328" r:id="rId17"/>
-    <p:sldId id="324" r:id="rId18"/>
-    <p:sldId id="325" r:id="rId19"/>
-    <p:sldId id="326" r:id="rId20"/>
-    <p:sldId id="327" r:id="rId21"/>
-    <p:sldId id="329" r:id="rId22"/>
-    <p:sldId id="336" r:id="rId23"/>
-    <p:sldId id="330" r:id="rId24"/>
-    <p:sldId id="332" r:id="rId25"/>
-    <p:sldId id="333" r:id="rId26"/>
-    <p:sldId id="334" r:id="rId27"/>
-    <p:sldId id="335" r:id="rId28"/>
-    <p:sldId id="337" r:id="rId29"/>
-    <p:sldId id="341" r:id="rId30"/>
-    <p:sldId id="338" r:id="rId31"/>
-    <p:sldId id="340" r:id="rId32"/>
-    <p:sldId id="343" r:id="rId33"/>
+    <p:sldId id="342" r:id="rId3"/>
+    <p:sldId id="311" r:id="rId4"/>
+    <p:sldId id="314" r:id="rId5"/>
+    <p:sldId id="316" r:id="rId6"/>
+    <p:sldId id="317" r:id="rId7"/>
+    <p:sldId id="318" r:id="rId8"/>
+    <p:sldId id="319" r:id="rId9"/>
+    <p:sldId id="315" r:id="rId10"/>
+    <p:sldId id="320" r:id="rId11"/>
+    <p:sldId id="331" r:id="rId12"/>
+    <p:sldId id="323" r:id="rId13"/>
+    <p:sldId id="321" r:id="rId14"/>
+    <p:sldId id="328" r:id="rId15"/>
+    <p:sldId id="324" r:id="rId16"/>
+    <p:sldId id="325" r:id="rId17"/>
+    <p:sldId id="326" r:id="rId18"/>
+    <p:sldId id="327" r:id="rId19"/>
+    <p:sldId id="329" r:id="rId20"/>
+    <p:sldId id="336" r:id="rId21"/>
+    <p:sldId id="330" r:id="rId22"/>
+    <p:sldId id="332" r:id="rId23"/>
+    <p:sldId id="333" r:id="rId24"/>
+    <p:sldId id="334" r:id="rId25"/>
+    <p:sldId id="335" r:id="rId26"/>
+    <p:sldId id="337" r:id="rId27"/>
+    <p:sldId id="341" r:id="rId28"/>
+    <p:sldId id="338" r:id="rId29"/>
+    <p:sldId id="340" r:id="rId30"/>
+    <p:sldId id="343" r:id="rId31"/>
   </p:sldIdLst>
   <p:sldSz cx="12192000" cy="6858000"/>
   <p:notesSz cx="9928225" cy="6797675"/>
   <p:embeddedFontLst>
     <p:embeddedFont>
       <p:font typeface="Roboto" panose="02000000000000000000" pitchFamily="2" charset="0"/>
-      <p:regular r:id="rId38"/>
-      <p:bold r:id="rId39"/>
-      <p:italic r:id="rId40"/>
-      <p:boldItalic r:id="rId41"/>
-    </p:embeddedFont>
-    <p:embeddedFont>
-      <p:font typeface="Calibri" panose="020F0502020204030204" charset="0"/>
-      <p:regular r:id="rId42"/>
-      <p:bold r:id="rId43"/>
-      <p:italic r:id="rId44"/>
-      <p:boldItalic r:id="rId45"/>
+      <p:regular r:id="rId34"/>
+      <p:bold r:id="rId35"/>
+      <p:italic r:id="rId36"/>
+      <p:boldItalic r:id="rId37"/>
     </p:embeddedFont>
   </p:embeddedFontLst>
   <p:defaultTextStyle>
@@ -200,6 +193,20 @@
         </p15:guide>
       </p15:sldGuideLst>
     </p:ext>
+    <p:ext uri="{2D200454-40CA-4A62-9FC3-DE9A4176ACB9}">
+      <p15:notesGuideLst xmlns:p15="http://schemas.microsoft.com/office/powerpoint/2012/main">
+        <p15:guide id="1" orient="horz" pos="2142">
+          <p15:clr>
+            <a:srgbClr val="A4A3A4"/>
+          </p15:clr>
+        </p15:guide>
+        <p15:guide id="2" pos="3130">
+          <p15:clr>
+            <a:srgbClr val="A4A3A4"/>
+          </p15:clr>
+        </p15:guide>
+      </p15:notesGuideLst>
+    </p:ext>
   </p:extLst>
 </p:presentation>
 </file>
@@ -286,6 +293,7 @@
           <a:p>
             <a:fld id="{283A9E21-4981-413F-9BAB-A1BE42E0A624}" type="datetimeFigureOut">
               <a:rPr lang="de-DE" smtClean="0"/>
+              <a:t>04.11.2025</a:t>
             </a:fld>
             <a:endParaRPr lang="de-DE"/>
           </a:p>
@@ -351,12 +359,18 @@
           <a:p>
             <a:fld id="{B01872BD-D2C1-4FAA-A740-0001980793A7}" type="slidenum">
               <a:rPr lang="de-DE" smtClean="0"/>
+              <a:t>‹Nr.›</a:t>
             </a:fld>
             <a:endParaRPr lang="de-DE"/>
           </a:p>
         </p:txBody>
       </p:sp>
     </p:spTree>
+    <p:extLst>
+      <p:ext uri="{BB962C8B-B14F-4D97-AF65-F5344CB8AC3E}">
+        <p14:creationId xmlns:p14="http://schemas.microsoft.com/office/powerpoint/2010/main" val="1"/>
+      </p:ext>
+    </p:extLst>
   </p:cSld>
   <p:clrMap bg1="lt1" tx1="dk1" bg2="lt2" tx2="dk2" accent1="accent1" accent2="accent2" accent3="accent3" accent4="accent4" accent5="accent5" accent6="accent6" hlink="hlink" folHlink="folHlink"/>
 </p:handoutMaster>
@@ -634,7 +648,6 @@
               <a:rPr lang="de-DE" noProof="0"/>
               <a:t>Textmasterformate durch Klicken bearbeiten</a:t>
             </a:r>
-            <a:endParaRPr lang="de-DE" noProof="0"/>
           </a:p>
           <a:p>
             <a:pPr lvl="1"/>
@@ -642,7 +655,6 @@
               <a:rPr lang="de-DE" noProof="0"/>
               <a:t>Zweite Ebene</a:t>
             </a:r>
-            <a:endParaRPr lang="de-DE" noProof="0"/>
           </a:p>
           <a:p>
             <a:pPr lvl="2"/>
@@ -650,7 +662,6 @@
               <a:rPr lang="de-DE" noProof="0"/>
               <a:t>Dritte Ebene</a:t>
             </a:r>
-            <a:endParaRPr lang="de-DE" noProof="0"/>
           </a:p>
           <a:p>
             <a:pPr lvl="3"/>
@@ -658,7 +669,6 @@
               <a:rPr lang="de-DE" noProof="0"/>
               <a:t>Vierte Ebene</a:t>
             </a:r>
-            <a:endParaRPr lang="de-DE" noProof="0"/>
           </a:p>
           <a:p>
             <a:pPr lvl="4"/>
@@ -666,7 +676,6 @@
               <a:rPr lang="de-DE" noProof="0"/>
               <a:t>Fünfte Ebene</a:t>
             </a:r>
-            <a:endParaRPr lang="de-DE" noProof="0"/>
           </a:p>
         </p:txBody>
       </p:sp>
@@ -802,6 +811,7 @@
           <a:p>
             <a:fld id="{5EB2B633-7BEC-49A7-B3BF-92E0C7E450E6}" type="slidenum">
               <a:rPr lang="de-DE" altLang="de-DE"/>
+              <a:t>‹Nr.›</a:t>
             </a:fld>
             <a:endParaRPr lang="de-DE" altLang="de-DE"/>
           </a:p>
@@ -1000,6 +1010,7 @@
           <a:p>
             <a:fld id="{5EB2B633-7BEC-49A7-B3BF-92E0C7E450E6}" type="slidenum">
               <a:rPr lang="de-DE" altLang="de-DE" smtClean="0"/>
+              <a:t>1</a:t>
             </a:fld>
             <a:endParaRPr lang="de-DE" altLang="de-DE"/>
           </a:p>
@@ -1078,6 +1089,7 @@
           <a:p>
             <a:fld id="{5EB2B633-7BEC-49A7-B3BF-92E0C7E450E6}" type="slidenum">
               <a:rPr lang="de-DE" altLang="de-DE" smtClean="0"/>
+              <a:t>10</a:t>
             </a:fld>
             <a:endParaRPr lang="de-DE" altLang="de-DE"/>
           </a:p>
@@ -1156,6 +1168,7 @@
           <a:p>
             <a:fld id="{5EB2B633-7BEC-49A7-B3BF-92E0C7E450E6}" type="slidenum">
               <a:rPr lang="de-DE" altLang="de-DE" smtClean="0"/>
+              <a:t>11</a:t>
             </a:fld>
             <a:endParaRPr lang="de-DE" altLang="de-DE"/>
           </a:p>
@@ -1234,6 +1247,7 @@
           <a:p>
             <a:fld id="{5EB2B633-7BEC-49A7-B3BF-92E0C7E450E6}" type="slidenum">
               <a:rPr lang="de-DE" altLang="de-DE" smtClean="0"/>
+              <a:t>12</a:t>
             </a:fld>
             <a:endParaRPr lang="de-DE" altLang="de-DE"/>
           </a:p>
@@ -1312,6 +1326,7 @@
           <a:p>
             <a:fld id="{5EB2B633-7BEC-49A7-B3BF-92E0C7E450E6}" type="slidenum">
               <a:rPr lang="de-DE" altLang="de-DE" smtClean="0"/>
+              <a:t>13</a:t>
             </a:fld>
             <a:endParaRPr lang="de-DE" altLang="de-DE"/>
           </a:p>
@@ -1390,6 +1405,7 @@
           <a:p>
             <a:fld id="{5EB2B633-7BEC-49A7-B3BF-92E0C7E450E6}" type="slidenum">
               <a:rPr lang="de-DE" altLang="de-DE" smtClean="0"/>
+              <a:t>14</a:t>
             </a:fld>
             <a:endParaRPr lang="de-DE" altLang="de-DE"/>
           </a:p>
@@ -1468,6 +1484,7 @@
           <a:p>
             <a:fld id="{5EB2B633-7BEC-49A7-B3BF-92E0C7E450E6}" type="slidenum">
               <a:rPr lang="de-DE" altLang="de-DE" smtClean="0"/>
+              <a:t>15</a:t>
             </a:fld>
             <a:endParaRPr lang="de-DE" altLang="de-DE"/>
           </a:p>
@@ -1546,6 +1563,7 @@
           <a:p>
             <a:fld id="{5EB2B633-7BEC-49A7-B3BF-92E0C7E450E6}" type="slidenum">
               <a:rPr lang="de-DE" altLang="de-DE" smtClean="0"/>
+              <a:t>16</a:t>
             </a:fld>
             <a:endParaRPr lang="de-DE" altLang="de-DE"/>
           </a:p>
@@ -1624,6 +1642,7 @@
           <a:p>
             <a:fld id="{5EB2B633-7BEC-49A7-B3BF-92E0C7E450E6}" type="slidenum">
               <a:rPr lang="de-DE" altLang="de-DE" smtClean="0"/>
+              <a:t>17</a:t>
             </a:fld>
             <a:endParaRPr lang="de-DE" altLang="de-DE"/>
           </a:p>
@@ -1702,6 +1721,7 @@
           <a:p>
             <a:fld id="{5EB2B633-7BEC-49A7-B3BF-92E0C7E450E6}" type="slidenum">
               <a:rPr lang="de-DE" altLang="de-DE" smtClean="0"/>
+              <a:t>18</a:t>
             </a:fld>
             <a:endParaRPr lang="de-DE" altLang="de-DE"/>
           </a:p>
@@ -1780,6 +1800,7 @@
           <a:p>
             <a:fld id="{5EB2B633-7BEC-49A7-B3BF-92E0C7E450E6}" type="slidenum">
               <a:rPr lang="de-DE" altLang="de-DE" smtClean="0"/>
+              <a:t>19</a:t>
             </a:fld>
             <a:endParaRPr lang="de-DE" altLang="de-DE"/>
           </a:p>
@@ -1858,6 +1879,7 @@
           <a:p>
             <a:fld id="{5EB2B633-7BEC-49A7-B3BF-92E0C7E450E6}" type="slidenum">
               <a:rPr lang="de-DE" altLang="de-DE" smtClean="0"/>
+              <a:t>2</a:t>
             </a:fld>
             <a:endParaRPr lang="de-DE" altLang="de-DE"/>
           </a:p>
@@ -1936,6 +1958,7 @@
           <a:p>
             <a:fld id="{5EB2B633-7BEC-49A7-B3BF-92E0C7E450E6}" type="slidenum">
               <a:rPr lang="de-DE" altLang="de-DE" smtClean="0"/>
+              <a:t>20</a:t>
             </a:fld>
             <a:endParaRPr lang="de-DE" altLang="de-DE"/>
           </a:p>
@@ -2014,6 +2037,7 @@
           <a:p>
             <a:fld id="{5EB2B633-7BEC-49A7-B3BF-92E0C7E450E6}" type="slidenum">
               <a:rPr lang="de-DE" altLang="de-DE" smtClean="0"/>
+              <a:t>21</a:t>
             </a:fld>
             <a:endParaRPr lang="de-DE" altLang="de-DE"/>
           </a:p>
@@ -2092,6 +2116,7 @@
           <a:p>
             <a:fld id="{5EB2B633-7BEC-49A7-B3BF-92E0C7E450E6}" type="slidenum">
               <a:rPr lang="de-DE" altLang="de-DE" smtClean="0"/>
+              <a:t>22</a:t>
             </a:fld>
             <a:endParaRPr lang="de-DE" altLang="de-DE"/>
           </a:p>
@@ -2170,6 +2195,7 @@
           <a:p>
             <a:fld id="{5EB2B633-7BEC-49A7-B3BF-92E0C7E450E6}" type="slidenum">
               <a:rPr lang="de-DE" altLang="de-DE" smtClean="0"/>
+              <a:t>23</a:t>
             </a:fld>
             <a:endParaRPr lang="de-DE" altLang="de-DE"/>
           </a:p>
@@ -2248,6 +2274,7 @@
           <a:p>
             <a:fld id="{5EB2B633-7BEC-49A7-B3BF-92E0C7E450E6}" type="slidenum">
               <a:rPr lang="de-DE" altLang="de-DE" smtClean="0"/>
+              <a:t>24</a:t>
             </a:fld>
             <a:endParaRPr lang="de-DE" altLang="de-DE"/>
           </a:p>
@@ -2326,6 +2353,7 @@
           <a:p>
             <a:fld id="{5EB2B633-7BEC-49A7-B3BF-92E0C7E450E6}" type="slidenum">
               <a:rPr lang="de-DE" altLang="de-DE" smtClean="0"/>
+              <a:t>25</a:t>
             </a:fld>
             <a:endParaRPr lang="de-DE" altLang="de-DE"/>
           </a:p>
@@ -2404,6 +2432,7 @@
           <a:p>
             <a:fld id="{5EB2B633-7BEC-49A7-B3BF-92E0C7E450E6}" type="slidenum">
               <a:rPr lang="de-DE" altLang="de-DE" smtClean="0"/>
+              <a:t>26</a:t>
             </a:fld>
             <a:endParaRPr lang="de-DE" altLang="de-DE"/>
           </a:p>
@@ -2482,6 +2511,7 @@
           <a:p>
             <a:fld id="{5EB2B633-7BEC-49A7-B3BF-92E0C7E450E6}" type="slidenum">
               <a:rPr lang="de-DE" altLang="de-DE" smtClean="0"/>
+              <a:t>27</a:t>
             </a:fld>
             <a:endParaRPr lang="de-DE" altLang="de-DE"/>
           </a:p>
@@ -2560,6 +2590,7 @@
           <a:p>
             <a:fld id="{5EB2B633-7BEC-49A7-B3BF-92E0C7E450E6}" type="slidenum">
               <a:rPr lang="de-DE" altLang="de-DE" smtClean="0"/>
+              <a:t>28</a:t>
             </a:fld>
             <a:endParaRPr lang="de-DE" altLang="de-DE"/>
           </a:p>
@@ -2638,6 +2669,7 @@
           <a:p>
             <a:fld id="{5EB2B633-7BEC-49A7-B3BF-92E0C7E450E6}" type="slidenum">
               <a:rPr lang="de-DE" altLang="de-DE" smtClean="0"/>
+              <a:t>29</a:t>
             </a:fld>
             <a:endParaRPr lang="de-DE" altLang="de-DE"/>
           </a:p>
@@ -2716,6 +2748,7 @@
           <a:p>
             <a:fld id="{5EB2B633-7BEC-49A7-B3BF-92E0C7E450E6}" type="slidenum">
               <a:rPr lang="de-DE" altLang="de-DE" smtClean="0"/>
+              <a:t>3</a:t>
             </a:fld>
             <a:endParaRPr lang="de-DE" altLang="de-DE"/>
           </a:p>
@@ -2794,6 +2827,7 @@
           <a:p>
             <a:fld id="{5EB2B633-7BEC-49A7-B3BF-92E0C7E450E6}" type="slidenum">
               <a:rPr lang="de-DE" altLang="de-DE" smtClean="0"/>
+              <a:t>4</a:t>
             </a:fld>
             <a:endParaRPr lang="de-DE" altLang="de-DE"/>
           </a:p>
@@ -2872,6 +2906,7 @@
           <a:p>
             <a:fld id="{5EB2B633-7BEC-49A7-B3BF-92E0C7E450E6}" type="slidenum">
               <a:rPr lang="de-DE" altLang="de-DE" smtClean="0"/>
+              <a:t>5</a:t>
             </a:fld>
             <a:endParaRPr lang="de-DE" altLang="de-DE"/>
           </a:p>
@@ -2950,6 +2985,7 @@
           <a:p>
             <a:fld id="{5EB2B633-7BEC-49A7-B3BF-92E0C7E450E6}" type="slidenum">
               <a:rPr lang="de-DE" altLang="de-DE" smtClean="0"/>
+              <a:t>6</a:t>
             </a:fld>
             <a:endParaRPr lang="de-DE" altLang="de-DE"/>
           </a:p>
@@ -3028,6 +3064,7 @@
           <a:p>
             <a:fld id="{5EB2B633-7BEC-49A7-B3BF-92E0C7E450E6}" type="slidenum">
               <a:rPr lang="de-DE" altLang="de-DE" smtClean="0"/>
+              <a:t>7</a:t>
             </a:fld>
             <a:endParaRPr lang="de-DE" altLang="de-DE"/>
           </a:p>
@@ -3106,6 +3143,7 @@
           <a:p>
             <a:fld id="{5EB2B633-7BEC-49A7-B3BF-92E0C7E450E6}" type="slidenum">
               <a:rPr lang="de-DE" altLang="de-DE" smtClean="0"/>
+              <a:t>8</a:t>
             </a:fld>
             <a:endParaRPr lang="de-DE" altLang="de-DE"/>
           </a:p>
@@ -3184,6 +3222,7 @@
           <a:p>
             <a:fld id="{5EB2B633-7BEC-49A7-B3BF-92E0C7E450E6}" type="slidenum">
               <a:rPr lang="de-DE" altLang="de-DE" smtClean="0"/>
+              <a:t>9</a:t>
             </a:fld>
             <a:endParaRPr lang="de-DE" altLang="de-DE"/>
           </a:p>
@@ -3322,7 +3361,6 @@
               <a:rPr lang="de-DE"/>
               <a:t>Mastertextformat bearbeiten</a:t>
             </a:r>
-            <a:endParaRPr lang="de-DE"/>
           </a:p>
         </p:txBody>
       </p:sp>
@@ -3423,7 +3461,6 @@
               <a:rPr lang="de-DE" dirty="0"/>
               <a:t>Titelmasterformat durch Klicken bearbeiten</a:t>
             </a:r>
-            <a:endParaRPr lang="de-DE" dirty="0"/>
           </a:p>
         </p:txBody>
       </p:sp>
@@ -3493,7 +3530,6 @@
               <a:rPr lang="de-DE" dirty="0"/>
               <a:t>Textmasterformat bearbeiten</a:t>
             </a:r>
-            <a:endParaRPr lang="de-DE" dirty="0"/>
           </a:p>
         </p:txBody>
       </p:sp>
@@ -3532,7 +3568,6 @@
               <a:rPr lang="de-DE" dirty="0"/>
               <a:t>Bild durch Klicken auf Symbol hinzufügen</a:t>
             </a:r>
-            <a:endParaRPr lang="de-DE" dirty="0"/>
           </a:p>
         </p:txBody>
       </p:sp>
@@ -3597,7 +3632,6 @@
               <a:rPr lang="de-DE" dirty="0"/>
               <a:t>Textmasterformat bearbeiten</a:t>
             </a:r>
-            <a:endParaRPr lang="de-DE" dirty="0"/>
           </a:p>
           <a:p>
             <a:pPr lvl="1"/>
@@ -3605,7 +3639,6 @@
               <a:rPr lang="de-DE" dirty="0"/>
               <a:t>Zweite Ebene</a:t>
             </a:r>
-            <a:endParaRPr lang="de-DE" dirty="0"/>
           </a:p>
           <a:p>
             <a:pPr lvl="2"/>
@@ -3613,7 +3646,6 @@
               <a:rPr lang="de-DE" dirty="0"/>
               <a:t>Dritte Ebene</a:t>
             </a:r>
-            <a:endParaRPr lang="de-DE" dirty="0"/>
           </a:p>
           <a:p>
             <a:pPr lvl="3"/>
@@ -3621,7 +3653,6 @@
               <a:rPr lang="de-DE" dirty="0"/>
               <a:t>Vierte Ebene</a:t>
             </a:r>
-            <a:endParaRPr lang="de-DE" dirty="0"/>
           </a:p>
           <a:p>
             <a:pPr lvl="4"/>
@@ -3629,7 +3660,6 @@
               <a:rPr lang="de-DE" dirty="0"/>
               <a:t>Fünfte Ebene</a:t>
             </a:r>
-            <a:endParaRPr lang="de-DE" dirty="0"/>
           </a:p>
         </p:txBody>
       </p:sp>
@@ -3668,7 +3698,6 @@
               <a:rPr lang="de-DE" dirty="0"/>
               <a:t>Bild durch Klicken auf Symbol hinzufügen</a:t>
             </a:r>
-            <a:endParaRPr lang="de-DE" dirty="0"/>
           </a:p>
         </p:txBody>
       </p:sp>
@@ -3733,7 +3762,6 @@
               <a:rPr lang="de-DE" dirty="0"/>
               <a:t>Textmasterformat bearbeiten</a:t>
             </a:r>
-            <a:endParaRPr lang="de-DE" dirty="0"/>
           </a:p>
           <a:p>
             <a:pPr lvl="1"/>
@@ -3741,7 +3769,6 @@
               <a:rPr lang="de-DE" dirty="0"/>
               <a:t>Zweite Ebene</a:t>
             </a:r>
-            <a:endParaRPr lang="de-DE" dirty="0"/>
           </a:p>
           <a:p>
             <a:pPr lvl="2"/>
@@ -3749,7 +3776,6 @@
               <a:rPr lang="de-DE" dirty="0"/>
               <a:t>Dritte Ebene</a:t>
             </a:r>
-            <a:endParaRPr lang="de-DE" dirty="0"/>
           </a:p>
           <a:p>
             <a:pPr lvl="3"/>
@@ -3757,7 +3783,6 @@
               <a:rPr lang="de-DE" dirty="0"/>
               <a:t>Vierte Ebene</a:t>
             </a:r>
-            <a:endParaRPr lang="de-DE" dirty="0"/>
           </a:p>
           <a:p>
             <a:pPr lvl="4"/>
@@ -3765,7 +3790,6 @@
               <a:rPr lang="de-DE" dirty="0"/>
               <a:t>Fünfte Ebene</a:t>
             </a:r>
-            <a:endParaRPr lang="de-DE" dirty="0"/>
           </a:p>
         </p:txBody>
       </p:sp>
@@ -3804,7 +3828,6 @@
               <a:rPr lang="de-DE" dirty="0"/>
               <a:t>Bild durch Klicken auf Symbol hinzufügen</a:t>
             </a:r>
-            <a:endParaRPr lang="de-DE" dirty="0"/>
           </a:p>
         </p:txBody>
       </p:sp>
@@ -3869,7 +3892,6 @@
               <a:rPr lang="de-DE" dirty="0"/>
               <a:t>Textmasterformat bearbeiten</a:t>
             </a:r>
-            <a:endParaRPr lang="de-DE" dirty="0"/>
           </a:p>
           <a:p>
             <a:pPr lvl="1"/>
@@ -3877,7 +3899,6 @@
               <a:rPr lang="de-DE" dirty="0"/>
               <a:t>Zweite Ebene</a:t>
             </a:r>
-            <a:endParaRPr lang="de-DE" dirty="0"/>
           </a:p>
           <a:p>
             <a:pPr lvl="2"/>
@@ -3885,7 +3906,6 @@
               <a:rPr lang="de-DE" dirty="0"/>
               <a:t>Dritte Ebene</a:t>
             </a:r>
-            <a:endParaRPr lang="de-DE" dirty="0"/>
           </a:p>
           <a:p>
             <a:pPr lvl="3"/>
@@ -3893,7 +3913,6 @@
               <a:rPr lang="de-DE" dirty="0"/>
               <a:t>Vierte Ebene</a:t>
             </a:r>
-            <a:endParaRPr lang="de-DE" dirty="0"/>
           </a:p>
           <a:p>
             <a:pPr lvl="4"/>
@@ -3901,7 +3920,6 @@
               <a:rPr lang="de-DE" dirty="0"/>
               <a:t>Fünfte Ebene</a:t>
             </a:r>
-            <a:endParaRPr lang="de-DE" dirty="0"/>
           </a:p>
         </p:txBody>
       </p:sp>
@@ -4038,7 +4056,6 @@
               <a:rPr lang="de-DE"/>
               <a:t>Mastertextformat bearbeiten</a:t>
             </a:r>
-            <a:endParaRPr lang="de-DE"/>
           </a:p>
         </p:txBody>
       </p:sp>
@@ -4196,7 +4213,6 @@
               <a:rPr lang="de-DE" dirty="0"/>
               <a:t>Logo</a:t>
             </a:r>
-            <a:endParaRPr lang="de-DE" dirty="0"/>
           </a:p>
         </p:txBody>
       </p:sp>
@@ -4262,7 +4278,6 @@
               <a:rPr lang="de-DE"/>
               <a:t>Mastertextformat bearbeiten</a:t>
             </a:r>
-            <a:endParaRPr lang="de-DE"/>
           </a:p>
         </p:txBody>
       </p:sp>
@@ -4370,7 +4385,6 @@
               <a:rPr lang="de-DE" dirty="0"/>
               <a:t>Logo</a:t>
             </a:r>
-            <a:endParaRPr lang="de-DE" dirty="0"/>
           </a:p>
         </p:txBody>
       </p:sp>
@@ -4440,7 +4454,6 @@
               <a:rPr lang="de-DE"/>
               <a:t>Mastertextformat bearbeiten</a:t>
             </a:r>
-            <a:endParaRPr lang="de-DE"/>
           </a:p>
         </p:txBody>
       </p:sp>
@@ -4733,7 +4746,6 @@
               <a:rPr lang="de-DE"/>
               <a:t>Mastertextformat bearbeiten</a:t>
             </a:r>
-            <a:endParaRPr lang="de-DE"/>
           </a:p>
         </p:txBody>
       </p:sp>
@@ -4795,7 +4807,6 @@
               <a:rPr lang="de-DE" dirty="0"/>
               <a:t>Titelmasterformat durch Klicken bearbeiten</a:t>
             </a:r>
-            <a:endParaRPr lang="de-DE" dirty="0"/>
           </a:p>
         </p:txBody>
       </p:sp>
@@ -4865,7 +4876,6 @@
               <a:rPr lang="de-DE" dirty="0"/>
               <a:t>Textmasterformat bearbeiten</a:t>
             </a:r>
-            <a:endParaRPr lang="de-DE" dirty="0"/>
           </a:p>
         </p:txBody>
       </p:sp>
@@ -4930,7 +4940,6 @@
               <a:rPr lang="de-DE" dirty="0"/>
               <a:t>Textmasterformat bearbeiten</a:t>
             </a:r>
-            <a:endParaRPr lang="de-DE" dirty="0"/>
           </a:p>
           <a:p>
             <a:pPr lvl="1"/>
@@ -4938,7 +4947,6 @@
               <a:rPr lang="de-DE" dirty="0"/>
               <a:t>Zweite Ebene</a:t>
             </a:r>
-            <a:endParaRPr lang="de-DE" dirty="0"/>
           </a:p>
           <a:p>
             <a:pPr lvl="2"/>
@@ -4946,7 +4954,6 @@
               <a:rPr lang="de-DE" dirty="0"/>
               <a:t>Dritte Ebene</a:t>
             </a:r>
-            <a:endParaRPr lang="de-DE" dirty="0"/>
           </a:p>
           <a:p>
             <a:pPr lvl="3"/>
@@ -4954,7 +4961,6 @@
               <a:rPr lang="de-DE" dirty="0"/>
               <a:t>Vierte Ebene</a:t>
             </a:r>
-            <a:endParaRPr lang="de-DE" dirty="0"/>
           </a:p>
           <a:p>
             <a:pPr lvl="4"/>
@@ -4962,7 +4968,6 @@
               <a:rPr lang="de-DE" dirty="0"/>
               <a:t>Fünfte Ebene</a:t>
             </a:r>
-            <a:endParaRPr lang="de-DE" dirty="0"/>
           </a:p>
         </p:txBody>
       </p:sp>
@@ -5024,7 +5029,6 @@
               <a:rPr lang="de-DE" dirty="0"/>
               <a:t>Titelmasterformat durch Klicken bearbeiten</a:t>
             </a:r>
-            <a:endParaRPr lang="de-DE" dirty="0"/>
           </a:p>
         </p:txBody>
       </p:sp>
@@ -5094,7 +5098,6 @@
               <a:rPr lang="de-DE" dirty="0"/>
               <a:t>Textmasterformat bearbeiten</a:t>
             </a:r>
-            <a:endParaRPr lang="de-DE" dirty="0"/>
           </a:p>
         </p:txBody>
       </p:sp>
@@ -5133,7 +5136,6 @@
               <a:rPr lang="de-DE" dirty="0"/>
               <a:t>Bild durch Klicken auf Symbol hinzufügen</a:t>
             </a:r>
-            <a:endParaRPr lang="de-DE" dirty="0"/>
           </a:p>
         </p:txBody>
       </p:sp>
@@ -5198,7 +5200,6 @@
               <a:rPr lang="de-DE" dirty="0"/>
               <a:t>Textmasterformat bearbeiten</a:t>
             </a:r>
-            <a:endParaRPr lang="de-DE" dirty="0"/>
           </a:p>
           <a:p>
             <a:pPr lvl="1"/>
@@ -5206,7 +5207,6 @@
               <a:rPr lang="de-DE" dirty="0"/>
               <a:t>Zweite Ebene</a:t>
             </a:r>
-            <a:endParaRPr lang="de-DE" dirty="0"/>
           </a:p>
           <a:p>
             <a:pPr lvl="2"/>
@@ -5214,7 +5214,6 @@
               <a:rPr lang="de-DE" dirty="0"/>
               <a:t>Dritte Ebene</a:t>
             </a:r>
-            <a:endParaRPr lang="de-DE" dirty="0"/>
           </a:p>
           <a:p>
             <a:pPr lvl="3"/>
@@ -5222,7 +5221,6 @@
               <a:rPr lang="de-DE" dirty="0"/>
               <a:t>Vierte Ebene</a:t>
             </a:r>
-            <a:endParaRPr lang="de-DE" dirty="0"/>
           </a:p>
           <a:p>
             <a:pPr lvl="4"/>
@@ -5230,7 +5228,6 @@
               <a:rPr lang="de-DE" dirty="0"/>
               <a:t>Fünfte Ebene</a:t>
             </a:r>
-            <a:endParaRPr lang="de-DE" dirty="0"/>
           </a:p>
         </p:txBody>
       </p:sp>
@@ -5292,7 +5289,6 @@
               <a:rPr lang="de-DE" dirty="0"/>
               <a:t>Titelmasterformat durch Klicken bearbeiten</a:t>
             </a:r>
-            <a:endParaRPr lang="de-DE" dirty="0"/>
           </a:p>
         </p:txBody>
       </p:sp>
@@ -5362,7 +5358,6 @@
               <a:rPr lang="de-DE" dirty="0"/>
               <a:t>Textmasterformat bearbeiten</a:t>
             </a:r>
-            <a:endParaRPr lang="de-DE" dirty="0"/>
           </a:p>
         </p:txBody>
       </p:sp>
@@ -5401,7 +5396,6 @@
               <a:rPr lang="de-DE" dirty="0"/>
               <a:t>Bild durch Klicken auf Symbol hinzufügen</a:t>
             </a:r>
-            <a:endParaRPr lang="de-DE" dirty="0"/>
           </a:p>
         </p:txBody>
       </p:sp>
@@ -5466,7 +5460,6 @@
               <a:rPr lang="de-DE" dirty="0"/>
               <a:t>Textmasterformat bearbeiten</a:t>
             </a:r>
-            <a:endParaRPr lang="de-DE" dirty="0"/>
           </a:p>
           <a:p>
             <a:pPr lvl="1"/>
@@ -5474,7 +5467,6 @@
               <a:rPr lang="de-DE" dirty="0"/>
               <a:t>Zweite Ebene</a:t>
             </a:r>
-            <a:endParaRPr lang="de-DE" dirty="0"/>
           </a:p>
         </p:txBody>
       </p:sp>
@@ -5513,7 +5505,6 @@
               <a:rPr lang="de-DE" dirty="0"/>
               <a:t>Bild durch Klicken auf Symbol hinzufügen</a:t>
             </a:r>
-            <a:endParaRPr lang="de-DE" dirty="0"/>
           </a:p>
         </p:txBody>
       </p:sp>
@@ -5578,7 +5569,6 @@
               <a:rPr lang="de-DE" dirty="0"/>
               <a:t>Textmasterformat bearbeiten</a:t>
             </a:r>
-            <a:endParaRPr lang="de-DE" dirty="0"/>
           </a:p>
           <a:p>
             <a:pPr lvl="1"/>
@@ -5586,7 +5576,6 @@
               <a:rPr lang="de-DE" dirty="0"/>
               <a:t>Zweite Ebene</a:t>
             </a:r>
-            <a:endParaRPr lang="de-DE" dirty="0"/>
           </a:p>
         </p:txBody>
       </p:sp>
@@ -5648,7 +5637,6 @@
               <a:rPr lang="de-DE" dirty="0"/>
               <a:t>Titelmasterformat durch Klicken bearbeiten</a:t>
             </a:r>
-            <a:endParaRPr lang="de-DE" dirty="0"/>
           </a:p>
         </p:txBody>
       </p:sp>
@@ -5718,7 +5706,6 @@
               <a:rPr lang="de-DE" dirty="0"/>
               <a:t>Textmasterformat bearbeiten</a:t>
             </a:r>
-            <a:endParaRPr lang="de-DE" dirty="0"/>
           </a:p>
         </p:txBody>
       </p:sp>
@@ -5757,7 +5744,6 @@
               <a:rPr lang="de-DE" dirty="0"/>
               <a:t>Bild durch Klicken auf Symbol hinzufügen</a:t>
             </a:r>
-            <a:endParaRPr lang="de-DE" dirty="0"/>
           </a:p>
         </p:txBody>
       </p:sp>
@@ -5822,7 +5808,6 @@
               <a:rPr lang="de-DE" dirty="0"/>
               <a:t>Textmasterformat bearbeiten</a:t>
             </a:r>
-            <a:endParaRPr lang="de-DE" dirty="0"/>
           </a:p>
           <a:p>
             <a:pPr lvl="1"/>
@@ -5830,7 +5815,6 @@
               <a:rPr lang="de-DE" dirty="0"/>
               <a:t>Zweite Ebene</a:t>
             </a:r>
-            <a:endParaRPr lang="de-DE" dirty="0"/>
           </a:p>
           <a:p>
             <a:pPr lvl="2"/>
@@ -5838,7 +5822,6 @@
               <a:rPr lang="de-DE" dirty="0"/>
               <a:t>Dritte Ebene</a:t>
             </a:r>
-            <a:endParaRPr lang="de-DE" dirty="0"/>
           </a:p>
           <a:p>
             <a:pPr lvl="3"/>
@@ -5846,7 +5829,6 @@
               <a:rPr lang="de-DE" dirty="0"/>
               <a:t>Vierte Ebene</a:t>
             </a:r>
-            <a:endParaRPr lang="de-DE" dirty="0"/>
           </a:p>
           <a:p>
             <a:pPr lvl="4"/>
@@ -5854,7 +5836,6 @@
               <a:rPr lang="de-DE" dirty="0"/>
               <a:t>Fünfte Ebene</a:t>
             </a:r>
-            <a:endParaRPr lang="de-DE" dirty="0"/>
           </a:p>
         </p:txBody>
       </p:sp>
@@ -5916,7 +5897,6 @@
               <a:rPr lang="de-DE" dirty="0"/>
               <a:t>Titelmasterformat durch Klicken bearbeiten</a:t>
             </a:r>
-            <a:endParaRPr lang="de-DE" dirty="0"/>
           </a:p>
         </p:txBody>
       </p:sp>
@@ -5957,7 +5937,6 @@
               <a:rPr lang="de-DE" dirty="0"/>
               <a:t>Logo</a:t>
             </a:r>
-            <a:endParaRPr lang="de-DE" dirty="0"/>
           </a:p>
         </p:txBody>
       </p:sp>
@@ -6027,7 +6006,6 @@
               <a:rPr lang="de-DE" dirty="0"/>
               <a:t>Textmasterformat bearbeiten</a:t>
             </a:r>
-            <a:endParaRPr lang="de-DE" dirty="0"/>
           </a:p>
         </p:txBody>
       </p:sp>
@@ -6092,7 +6070,6 @@
               <a:rPr lang="de-DE" dirty="0"/>
               <a:t>Textmasterformat bearbeiten</a:t>
             </a:r>
-            <a:endParaRPr lang="de-DE" dirty="0"/>
           </a:p>
           <a:p>
             <a:pPr lvl="1"/>
@@ -6100,7 +6077,6 @@
               <a:rPr lang="de-DE" dirty="0"/>
               <a:t>Zweite Ebene</a:t>
             </a:r>
-            <a:endParaRPr lang="de-DE" dirty="0"/>
           </a:p>
           <a:p>
             <a:pPr lvl="2"/>
@@ -6108,7 +6084,6 @@
               <a:rPr lang="de-DE" dirty="0"/>
               <a:t>Dritte Ebene</a:t>
             </a:r>
-            <a:endParaRPr lang="de-DE" dirty="0"/>
           </a:p>
           <a:p>
             <a:pPr lvl="3"/>
@@ -6116,7 +6091,6 @@
               <a:rPr lang="de-DE" dirty="0"/>
               <a:t>Vierte Ebene</a:t>
             </a:r>
-            <a:endParaRPr lang="de-DE" dirty="0"/>
           </a:p>
           <a:p>
             <a:pPr lvl="4"/>
@@ -6124,7 +6098,6 @@
               <a:rPr lang="de-DE" dirty="0"/>
               <a:t>Fünfte Ebene</a:t>
             </a:r>
-            <a:endParaRPr lang="de-DE" dirty="0"/>
           </a:p>
         </p:txBody>
       </p:sp>
@@ -6448,24 +6421,35 @@
                 <a:ea typeface="Roboto" panose="02000000000000000000" pitchFamily="2" charset="0"/>
                 <a:cs typeface="Arial" panose="020B0604020202020204" pitchFamily="34" charset="0"/>
               </a:rPr>
-              <a:t> ∙ TT</a:t>
+              <a:t> </a:t>
             </a:r>
             <a:r>
-              <a:rPr lang="de-DE" sz="1400" dirty="0">
+              <a:rPr lang="de-DE" sz="1400" kern="1200">
+                <a:solidFill>
+                  <a:schemeClr val="tx1"/>
+                </a:solidFill>
+                <a:latin typeface="Roboto" panose="02000000000000000000" pitchFamily="2" charset="0"/>
+                <a:ea typeface="Roboto" panose="02000000000000000000" pitchFamily="2" charset="0"/>
+                <a:cs typeface="Arial" panose="020B0604020202020204" pitchFamily="34" charset="0"/>
+              </a:rPr>
+              <a:t>∙ 04</a:t>
+            </a:r>
+            <a:r>
+              <a:rPr lang="de-DE" sz="1400">
                 <a:latin typeface="Roboto" panose="02000000000000000000" pitchFamily="2" charset="0"/>
                 <a:ea typeface="Roboto" panose="02000000000000000000" pitchFamily="2" charset="0"/>
               </a:rPr>
               <a:t>. Monat</a:t>
             </a:r>
             <a:r>
-              <a:rPr lang="de-DE" sz="1400" baseline="0" dirty="0">
+              <a:rPr lang="de-DE" sz="1400" baseline="0">
                 <a:latin typeface="Roboto" panose="02000000000000000000" pitchFamily="2" charset="0"/>
                 <a:ea typeface="Roboto" panose="02000000000000000000" pitchFamily="2" charset="0"/>
               </a:rPr>
-              <a:t> 2021</a:t>
+              <a:t> 2025</a:t>
             </a:r>
             <a:r>
-              <a:rPr lang="de-DE" sz="1400" kern="1200" dirty="0">
+              <a:rPr lang="de-DE" sz="1400" kern="1200">
                 <a:solidFill>
                   <a:schemeClr val="tx1"/>
                 </a:solidFill>
@@ -6473,7 +6457,7 @@
                 <a:ea typeface="Roboto" panose="02000000000000000000" pitchFamily="2" charset="0"/>
                 <a:cs typeface="Arial" panose="020B0604020202020204" pitchFamily="34" charset="0"/>
               </a:rPr>
-              <a:t> ∙ Prof. Dr. Fips Folienmaster </a:t>
+              <a:t> ∙ Softwareengineering Gruppe 2</a:t>
             </a:r>
             <a:endParaRPr lang="de-DE" sz="1400" kern="1200" dirty="0">
               <a:solidFill>
@@ -6646,10 +6630,6 @@
               </a:rPr>
               <a:t>www.tu-chemnitz.de</a:t>
             </a:r>
-            <a:endParaRPr lang="de-DE" sz="1400" dirty="0">
-              <a:latin typeface="Roboto" panose="02000000000000000000" pitchFamily="2" charset="0"/>
-              <a:ea typeface="Roboto" panose="02000000000000000000" pitchFamily="2" charset="0"/>
-            </a:endParaRPr>
           </a:p>
         </p:txBody>
       </p:sp>
@@ -6662,7 +6642,7 @@
           <p:nvPr userDrawn="1"/>
         </p:nvPicPr>
         <p:blipFill>
-          <a:blip r:embed="rId5">
+          <a:blip r:embed="rId6">
             <a:extLst>
               <a:ext uri="{28A0092B-C50C-407E-A947-70E740481C1C}">
                 <a14:useLocalDpi xmlns:a14="http://schemas.microsoft.com/office/drawing/2010/main" val="0"/>
@@ -7381,10 +7361,6 @@
               </a:rPr>
               <a:t>www.tu-chemnitz.de</a:t>
             </a:r>
-            <a:endParaRPr lang="de-DE" sz="1400" dirty="0">
-              <a:latin typeface="Roboto" panose="02000000000000000000" pitchFamily="2" charset="0"/>
-              <a:ea typeface="Roboto" panose="02000000000000000000" pitchFamily="2" charset="0"/>
-            </a:endParaRPr>
           </a:p>
         </p:txBody>
       </p:sp>
@@ -7539,6 +7515,7 @@
                 <a:latin typeface="Roboto" panose="02000000000000000000" pitchFamily="2" charset="0"/>
                 <a:ea typeface="Roboto" panose="02000000000000000000" pitchFamily="2" charset="0"/>
               </a:rPr>
+              <a:t>‹Nr.›</a:t>
             </a:fld>
             <a:endParaRPr lang="de-DE" sz="1400" dirty="0">
               <a:latin typeface="Roboto" panose="02000000000000000000" pitchFamily="2" charset="0"/>
@@ -7701,14 +7678,14 @@
               <a:defRPr/>
             </a:pPr>
             <a:r>
-              <a:rPr lang="de-DE" sz="1400" dirty="0">
+              <a:rPr lang="de-DE" sz="1400">
                 <a:latin typeface="Roboto" panose="02000000000000000000" pitchFamily="2" charset="0"/>
                 <a:ea typeface="Roboto" panose="02000000000000000000" pitchFamily="2" charset="0"/>
               </a:rPr>
               <a:t>Chemnitz</a:t>
             </a:r>
             <a:r>
-              <a:rPr lang="de-DE" sz="1400" kern="1200" dirty="0">
+              <a:rPr lang="de-DE" sz="1400" kern="1200">
                 <a:solidFill>
                   <a:schemeClr val="tx1"/>
                 </a:solidFill>
@@ -7716,24 +7693,24 @@
                 <a:ea typeface="Roboto" panose="02000000000000000000" pitchFamily="2" charset="0"/>
                 <a:cs typeface="Arial" panose="020B0604020202020204" pitchFamily="34" charset="0"/>
               </a:rPr>
-              <a:t> ∙ TT</a:t>
+              <a:t> ∙ 04</a:t>
             </a:r>
             <a:r>
-              <a:rPr lang="de-DE" sz="1400" dirty="0">
+              <a:rPr lang="de-DE" sz="1400">
                 <a:latin typeface="Roboto" panose="02000000000000000000" pitchFamily="2" charset="0"/>
                 <a:ea typeface="Roboto" panose="02000000000000000000" pitchFamily="2" charset="0"/>
               </a:rPr>
               <a:t>. Monat</a:t>
             </a:r>
             <a:r>
-              <a:rPr lang="de-DE" sz="1400" baseline="0" dirty="0">
+              <a:rPr lang="de-DE" sz="1400" baseline="0">
                 <a:latin typeface="Roboto" panose="02000000000000000000" pitchFamily="2" charset="0"/>
                 <a:ea typeface="Roboto" panose="02000000000000000000" pitchFamily="2" charset="0"/>
               </a:rPr>
-              <a:t> 2021</a:t>
+              <a:t> 2025</a:t>
             </a:r>
             <a:r>
-              <a:rPr lang="de-DE" sz="1400" kern="1200" dirty="0">
+              <a:rPr lang="de-DE" sz="1400" kern="1200">
                 <a:solidFill>
                   <a:schemeClr val="tx1"/>
                 </a:solidFill>
@@ -7741,7 +7718,7 @@
                 <a:ea typeface="Roboto" panose="02000000000000000000" pitchFamily="2" charset="0"/>
                 <a:cs typeface="Arial" panose="020B0604020202020204" pitchFamily="34" charset="0"/>
               </a:rPr>
-              <a:t> ∙ Prof. Dr. Fips Folienmaster </a:t>
+              <a:t> ∙ Softwareengineering Gruppe 2</a:t>
             </a:r>
             <a:endParaRPr lang="de-DE" sz="1400" kern="1200" dirty="0">
               <a:solidFill>
@@ -7763,7 +7740,7 @@
           <p:nvPr userDrawn="1"/>
         </p:nvPicPr>
         <p:blipFill>
-          <a:blip r:embed="rId7">
+          <a:blip r:embed="rId8">
             <a:extLst>
               <a:ext uri="{28A0092B-C50C-407E-A947-70E740481C1C}">
                 <a14:useLocalDpi xmlns:a14="http://schemas.microsoft.com/office/drawing/2010/main" val="0"/>
@@ -8119,6 +8096,13 @@
               <a:rPr lang="de-DE"/>
               <a:t>1. Meilenstein: Requirements</a:t>
             </a:r>
+            <a:br>
+              <a:rPr lang="de-DE"/>
+            </a:br>
+            <a:r>
+              <a:rPr lang="de-DE"/>
+              <a:t>Softwareengineering WS 25/26</a:t>
+            </a:r>
             <a:endParaRPr lang="de-DE" dirty="0"/>
           </a:p>
         </p:txBody>
@@ -8138,22 +8122,44 @@
           <a:bodyPr/>
           <a:lstStyle/>
           <a:p>
-            <a:endParaRPr lang="de-DE"/>
+            <a:pPr algn="ctr"/>
+            <a:r>
+              <a:rPr lang="de-DE"/>
+              <a:t>Funktionale und nicht funktionale Anforderungen</a:t>
+            </a:r>
           </a:p>
         </p:txBody>
       </p:sp>
-      <p:sp>
-        <p:nvSpPr>
-          <p:cNvPr id="3" name="Bildplatzhalter 2" descr="wird beim einfügen des Bildes eingesetzt&#10;"/>
-          <p:cNvSpPr>
-            <a:spLocks noGrp="1"/>
-          </p:cNvSpPr>
-          <p:nvPr>
-            <p:ph type="pic" sz="quarter" idx="10"/>
-          </p:nvPr>
-        </p:nvSpPr>
-        <p:spPr/>
-      </p:sp>
+      <p:pic>
+        <p:nvPicPr>
+          <p:cNvPr id="5" name="Grafik 4" descr="Ein Bild, das Text, Kleidung, Screenshot, Schuhwerk enthält.&#10;&#10;KI-generierte Inhalte können fehlerhaft sein.">
+            <a:extLst>
+              <a:ext uri="{FF2B5EF4-FFF2-40B4-BE49-F238E27FC236}">
+                <a16:creationId xmlns:a16="http://schemas.microsoft.com/office/drawing/2014/main" id="{8B758787-DB6B-08E1-9A0C-D26B8F251769}"/>
+              </a:ext>
+            </a:extLst>
+          </p:cNvPr>
+          <p:cNvPicPr>
+            <a:picLocks noChangeAspect="1"/>
+          </p:cNvPicPr>
+          <p:nvPr/>
+        </p:nvPicPr>
+        <p:blipFill>
+          <a:blip r:embed="rId3"/>
+          <a:stretch>
+            <a:fillRect/>
+          </a:stretch>
+        </p:blipFill>
+        <p:spPr>
+          <a:xfrm>
+            <a:off x="3544234" y="2432562"/>
+            <a:ext cx="5103532" cy="3657526"/>
+          </a:xfrm>
+          <a:prstGeom prst="rect">
+            <a:avLst/>
+          </a:prstGeom>
+        </p:spPr>
+      </p:pic>
     </p:spTree>
   </p:cSld>
   <p:clrMapOvr>
@@ -8270,10 +8276,18 @@
                     <a:schemeClr val="accent1"/>
                   </a:solidFill>
                 </a:rPr>
-                <a:t>-ID: </a:t>
-              </a:r>
-              <a:r>
-                <a:rPr lang="de-DE" dirty="0">
+                <a:t>-ID</a:t>
+              </a:r>
+              <a:r>
+                <a:rPr lang="de-DE" b="1">
+                  <a:solidFill>
+                    <a:schemeClr val="accent1"/>
+                  </a:solidFill>
+                </a:rPr>
+                <a:t>: </a:t>
+              </a:r>
+              <a:r>
+                <a:rPr lang="de-DE">
                   <a:solidFill>
                     <a:schemeClr val="tx1"/>
                   </a:solidFill>
@@ -8339,11 +8353,6 @@
                 </a:rPr>
                 <a:t>Funktional</a:t>
               </a:r>
-              <a:endParaRPr lang="de-DE">
-                <a:solidFill>
-                  <a:schemeClr val="tx1"/>
-                </a:solidFill>
-              </a:endParaRPr>
             </a:p>
           </p:txBody>
         </p:sp>
@@ -8472,11 +8481,6 @@
                 </a:rPr>
                 <a:t>Statistische Daten können zusätzlich als Diagramme und/oder Graphen angezeigt werden.</a:t>
               </a:r>
-              <a:endParaRPr lang="de-DE">
-                <a:solidFill>
-                  <a:schemeClr val="tx1"/>
-                </a:solidFill>
-              </a:endParaRPr>
             </a:p>
             <a:p>
               <a:endParaRPr lang="de-DE"/>
@@ -8534,11 +8538,6 @@
                 </a:rPr>
                 <a:t>Es Graphische Darstellung erleichtert Verständnis und Präsentation.</a:t>
               </a:r>
-              <a:endParaRPr lang="de-DE">
-                <a:solidFill>
-                  <a:schemeClr val="tx1"/>
-                </a:solidFill>
-              </a:endParaRPr>
             </a:p>
             <a:p>
               <a:endParaRPr lang="de-DE"/>
@@ -8589,7 +8588,7 @@
                 <a:t>Originator</a:t>
               </a:r>
               <a:r>
-                <a:rPr lang="de-DE" b="1" dirty="0">
+                <a:rPr lang="de-DE" b="1">
                   <a:solidFill>
                     <a:schemeClr val="accent1"/>
                   </a:solidFill>
@@ -8597,12 +8596,12 @@
                 <a:t>: </a:t>
               </a:r>
               <a:r>
-                <a:rPr lang="de-DE" dirty="0">
+                <a:rPr lang="de-DE">
                   <a:solidFill>
                     <a:schemeClr val="tx1"/>
                   </a:solidFill>
                 </a:rPr>
-                <a:t>Kundinnen</a:t>
+                <a:t>Kundinnen, Gesetzgeber</a:t>
               </a:r>
               <a:endParaRPr lang="de-DE" dirty="0">
                 <a:solidFill>
@@ -8662,7 +8661,6 @@
                 <a:rPr lang="de-DE"/>
                 <a:t>Nutzerin kann ausgewählte Daten im Dashboard visualisieren.</a:t>
               </a:r>
-              <a:endParaRPr lang="de-DE"/>
             </a:p>
             <a:p>
               <a:endParaRPr lang="de-DE"/>
@@ -8693,7 +8691,7 @@
           <p:spPr>
             <a:xfrm>
               <a:off x="176530" y="1113153"/>
-              <a:ext cx="2309119" cy="369332"/>
+              <a:ext cx="2309119" cy="646331"/>
             </a:xfrm>
             <a:prstGeom prst="rect">
               <a:avLst/>
@@ -8735,6 +8733,8 @@
                 </a:rPr>
                 <a:t>Could</a:t>
               </a:r>
+            </a:p>
+            <a:p>
               <a:endParaRPr lang="de-DE">
                 <a:solidFill>
                   <a:schemeClr val="tx1"/>
@@ -9142,10 +9142,18 @@
                     <a:schemeClr val="accent1"/>
                   </a:solidFill>
                 </a:rPr>
-                <a:t>-ID: </a:t>
-              </a:r>
-              <a:r>
-                <a:rPr lang="de-DE" dirty="0">
+                <a:t>-ID</a:t>
+              </a:r>
+              <a:r>
+                <a:rPr lang="de-DE" b="1">
+                  <a:solidFill>
+                    <a:schemeClr val="accent1"/>
+                  </a:solidFill>
+                </a:rPr>
+                <a:t>: </a:t>
+              </a:r>
+              <a:r>
+                <a:rPr lang="de-DE">
                   <a:solidFill>
                     <a:schemeClr val="tx1"/>
                   </a:solidFill>
@@ -9211,11 +9219,6 @@
                 </a:rPr>
                 <a:t>Funktional</a:t>
               </a:r>
-              <a:endParaRPr lang="de-DE">
-                <a:solidFill>
-                  <a:schemeClr val="tx1"/>
-                </a:solidFill>
-              </a:endParaRPr>
             </a:p>
           </p:txBody>
         </p:sp>
@@ -9268,13 +9271,8 @@
                     <a:schemeClr val="tx1"/>
                   </a:solidFill>
                 </a:rPr>
-                <a:t>.</a:t>
-              </a:r>
-              <a:endParaRPr lang="de-DE" b="1">
-                <a:solidFill>
-                  <a:schemeClr val="accent1"/>
-                </a:solidFill>
-              </a:endParaRPr>
+                <a:t>jährliches Erstellen von Statistiken</a:t>
+              </a:r>
             </a:p>
           </p:txBody>
         </p:sp>
@@ -9344,11 +9342,6 @@
                 </a:rPr>
                 <a:t>Es gibt drei vordefinierte Presets zur Erstellung von Statistiken. </a:t>
               </a:r>
-              <a:endParaRPr lang="de-DE">
-                <a:solidFill>
-                  <a:schemeClr val="tx1"/>
-                </a:solidFill>
-              </a:endParaRPr>
             </a:p>
             <a:p>
               <a:endParaRPr lang="de-DE"/>
@@ -9406,11 +9399,6 @@
                 </a:rPr>
                 <a:t>Statistiken, die vom Gesetzgeber vorgegeben sind, sollen direkt geladen werden können.</a:t>
               </a:r>
-              <a:endParaRPr lang="de-DE">
-                <a:solidFill>
-                  <a:schemeClr val="tx1"/>
-                </a:solidFill>
-              </a:endParaRPr>
             </a:p>
             <a:p>
               <a:endParaRPr lang="de-DE"/>
@@ -9476,11 +9464,6 @@
                 </a:rPr>
                 <a:t>Kundinnen</a:t>
               </a:r>
-              <a:endParaRPr lang="de-DE" dirty="0">
-                <a:solidFill>
-                  <a:schemeClr val="tx1"/>
-                </a:solidFill>
-              </a:endParaRPr>
             </a:p>
             <a:p>
               <a:endParaRPr lang="de-DE" dirty="0"/>
@@ -9534,7 +9517,6 @@
                 <a:rPr lang="de-DE"/>
                 <a:t>Im Statistikbereich gibt es drei Module, die direkt die jweilige Statistik mit den jeweiligen Daten ausgibt.</a:t>
               </a:r>
-              <a:endParaRPr lang="de-DE"/>
             </a:p>
             <a:p>
               <a:endParaRPr lang="de-DE"/>
@@ -9551,9 +9533,9 @@
         <p:grpSpPr>
           <a:xfrm>
             <a:off x="168751" y="4866983"/>
-            <a:ext cx="11823383" cy="923330"/>
+            <a:ext cx="11823383" cy="646331"/>
             <a:chOff x="176530" y="1113153"/>
-            <a:chExt cx="11823383" cy="923330"/>
+            <a:chExt cx="11823383" cy="646331"/>
           </a:xfrm>
         </p:grpSpPr>
         <p:sp>
@@ -9565,7 +9547,7 @@
           <p:spPr>
             <a:xfrm>
               <a:off x="176530" y="1113153"/>
-              <a:ext cx="2309119" cy="369332"/>
+              <a:ext cx="2309119" cy="646331"/>
             </a:xfrm>
             <a:prstGeom prst="rect">
               <a:avLst/>
@@ -9607,6 +9589,8 @@
                 </a:rPr>
                 <a:t>Must</a:t>
               </a:r>
+            </a:p>
+            <a:p>
               <a:endParaRPr lang="de-DE">
                 <a:solidFill>
                   <a:schemeClr val="tx1"/>
@@ -9624,7 +9608,7 @@
           <p:spPr>
             <a:xfrm>
               <a:off x="2630905" y="1113153"/>
-              <a:ext cx="3319839" cy="923330"/>
+              <a:ext cx="3319839" cy="615553"/>
             </a:xfrm>
             <a:prstGeom prst="rect">
               <a:avLst/>
@@ -9675,7 +9659,7 @@
                 <a:t>: </a:t>
               </a:r>
               <a:r>
-                <a:rPr lang="de-DE" dirty="0"/>
+                <a:rPr lang="de-DE" sz="1600" dirty="0"/>
                 <a:t>Berichte schnell exportierbar (PDF, CSV, XLSX).</a:t>
               </a:r>
               <a:endParaRPr lang="de-DE" b="1" dirty="0">
@@ -9695,7 +9679,7 @@
           <p:spPr>
             <a:xfrm>
               <a:off x="6096000" y="1113153"/>
-              <a:ext cx="5903913" cy="369332"/>
+              <a:ext cx="5903913" cy="646331"/>
             </a:xfrm>
             <a:prstGeom prst="rect">
               <a:avLst/>
@@ -9747,8 +9731,14 @@
               </a:r>
               <a:r>
                 <a:rPr lang="de-DE" dirty="0"/>
-                <a:t>Formatierung kann abweichen.</a:t>
-              </a:r>
+                <a:t>Formatierung kann </a:t>
+              </a:r>
+              <a:r>
+                <a:rPr lang="de-DE"/>
+                <a:t>abweichen.</a:t>
+              </a:r>
+            </a:p>
+            <a:p>
               <a:endParaRPr lang="de-DE" b="1" dirty="0">
                 <a:solidFill>
                   <a:schemeClr val="accent1"/>
@@ -9766,7 +9756,7 @@
         </p:nvSpPr>
         <p:spPr>
           <a:xfrm>
-            <a:off x="168751" y="5843829"/>
+            <a:off x="168751" y="5718497"/>
             <a:ext cx="5766436" cy="646331"/>
           </a:xfrm>
           <a:prstGeom prst="rect">
@@ -9821,11 +9811,6 @@
               </a:rPr>
               <a:t>S.3</a:t>
             </a:r>
-            <a:endParaRPr lang="de-DE" dirty="0">
-              <a:solidFill>
-                <a:schemeClr val="tx1"/>
-              </a:solidFill>
-            </a:endParaRPr>
           </a:p>
           <a:p>
             <a:endParaRPr lang="de-DE" dirty="0"/>
@@ -9840,7 +9825,7 @@
         </p:nvSpPr>
         <p:spPr>
           <a:xfrm>
-            <a:off x="6088221" y="5843828"/>
+            <a:off x="6088221" y="5718496"/>
             <a:ext cx="5888356" cy="646331"/>
           </a:xfrm>
           <a:prstGeom prst="rect">
@@ -10014,10 +9999,18 @@
                     <a:schemeClr val="accent1"/>
                   </a:solidFill>
                 </a:rPr>
-                <a:t>-ID: </a:t>
-              </a:r>
-              <a:r>
-                <a:rPr lang="de-DE" dirty="0">
+                <a:t>-ID</a:t>
+              </a:r>
+              <a:r>
+                <a:rPr lang="de-DE" b="1">
+                  <a:solidFill>
+                    <a:schemeClr val="accent1"/>
+                  </a:solidFill>
+                </a:rPr>
+                <a:t>: </a:t>
+              </a:r>
+              <a:r>
+                <a:rPr lang="de-DE">
                   <a:solidFill>
                     <a:schemeClr val="tx1"/>
                   </a:solidFill>
@@ -10083,11 +10076,6 @@
                 </a:rPr>
                 <a:t>Funktional</a:t>
               </a:r>
-              <a:endParaRPr lang="de-DE">
-                <a:solidFill>
-                  <a:schemeClr val="tx1"/>
-                </a:solidFill>
-              </a:endParaRPr>
             </a:p>
           </p:txBody>
         </p:sp>
@@ -10271,11 +10259,6 @@
                 </a:rPr>
                 <a:t>Statistiken, die erfahrungsgemäß häufig benötigt werden sollen schnell erstellt werden können.</a:t>
               </a:r>
-              <a:endParaRPr lang="de-DE">
-                <a:solidFill>
-                  <a:schemeClr val="tx1"/>
-                </a:solidFill>
-              </a:endParaRPr>
             </a:p>
             <a:p>
               <a:endParaRPr lang="de-DE"/>
@@ -10341,11 +10324,6 @@
                 </a:rPr>
                 <a:t>Kundinnen</a:t>
               </a:r>
-              <a:endParaRPr lang="de-DE" dirty="0">
-                <a:solidFill>
-                  <a:schemeClr val="tx1"/>
-                </a:solidFill>
-              </a:endParaRPr>
             </a:p>
             <a:p>
               <a:endParaRPr lang="de-DE" dirty="0"/>
@@ -10417,9 +10395,9 @@
         <p:grpSpPr>
           <a:xfrm>
             <a:off x="168751" y="4866983"/>
-            <a:ext cx="11823383" cy="923330"/>
+            <a:ext cx="11823383" cy="646331"/>
             <a:chOff x="176530" y="1113153"/>
-            <a:chExt cx="11823383" cy="923330"/>
+            <a:chExt cx="11823383" cy="646331"/>
           </a:xfrm>
         </p:grpSpPr>
         <p:sp>
@@ -10431,7 +10409,7 @@
           <p:spPr>
             <a:xfrm>
               <a:off x="176530" y="1113153"/>
-              <a:ext cx="2309119" cy="369332"/>
+              <a:ext cx="2309119" cy="646331"/>
             </a:xfrm>
             <a:prstGeom prst="rect">
               <a:avLst/>
@@ -10473,6 +10451,8 @@
                 </a:rPr>
                 <a:t>Should</a:t>
               </a:r>
+            </a:p>
+            <a:p>
               <a:endParaRPr lang="de-DE">
                 <a:solidFill>
                   <a:schemeClr val="tx1"/>
@@ -10490,7 +10470,7 @@
           <p:spPr>
             <a:xfrm>
               <a:off x="2630905" y="1113153"/>
-              <a:ext cx="3319839" cy="923330"/>
+              <a:ext cx="3319839" cy="553998"/>
             </a:xfrm>
             <a:prstGeom prst="rect">
               <a:avLst/>
@@ -10541,7 +10521,7 @@
                 <a:t>: </a:t>
               </a:r>
               <a:r>
-                <a:rPr lang="de-DE" dirty="0"/>
+                <a:rPr lang="de-DE" sz="1200" dirty="0"/>
                 <a:t>Häufige Filtereinstellungen schnell wiederverwendbar.</a:t>
               </a:r>
               <a:endParaRPr lang="de-DE" b="1" dirty="0">
@@ -10632,7 +10612,7 @@
         </p:nvSpPr>
         <p:spPr>
           <a:xfrm>
-            <a:off x="184308" y="5843829"/>
+            <a:off x="192087" y="5718497"/>
             <a:ext cx="5766436" cy="646331"/>
           </a:xfrm>
           <a:prstGeom prst="rect">
@@ -10706,7 +10686,7 @@
         </p:nvSpPr>
         <p:spPr>
           <a:xfrm>
-            <a:off x="6088221" y="5843828"/>
+            <a:off x="6096000" y="5718496"/>
             <a:ext cx="5888356" cy="646331"/>
           </a:xfrm>
           <a:prstGeom prst="rect">
@@ -10880,10 +10860,18 @@
                     <a:schemeClr val="accent1"/>
                   </a:solidFill>
                 </a:rPr>
-                <a:t>-ID: </a:t>
-              </a:r>
-              <a:r>
-                <a:rPr lang="de-DE" dirty="0">
+                <a:t>-ID</a:t>
+              </a:r>
+              <a:r>
+                <a:rPr lang="de-DE" b="1">
+                  <a:solidFill>
+                    <a:schemeClr val="accent1"/>
+                  </a:solidFill>
+                </a:rPr>
+                <a:t>: </a:t>
+              </a:r>
+              <a:r>
+                <a:rPr lang="de-DE">
                   <a:solidFill>
                     <a:schemeClr val="tx1"/>
                   </a:solidFill>
@@ -10949,11 +10937,6 @@
                 </a:rPr>
                 <a:t>Funktional</a:t>
               </a:r>
-              <a:endParaRPr lang="de-DE">
-                <a:solidFill>
-                  <a:schemeClr val="tx1"/>
-                </a:solidFill>
-              </a:endParaRPr>
             </a:p>
           </p:txBody>
         </p:sp>
@@ -11001,12 +10984,20 @@
                 <a:t>Events/UC:</a:t>
               </a:r>
               <a:r>
+                <a:rPr lang="de-DE" b="1">
+                  <a:solidFill>
+                    <a:schemeClr val="tx1"/>
+                  </a:solidFill>
+                </a:rPr>
+                <a:t> </a:t>
+              </a:r>
+              <a:r>
                 <a:rPr lang="de-DE">
                   <a:solidFill>
                     <a:schemeClr val="tx1"/>
                   </a:solidFill>
                 </a:rPr>
-                <a:t>.</a:t>
+                <a:t>ein Preset wird nichtmehr benötigt</a:t>
               </a:r>
               <a:endParaRPr lang="de-DE">
                 <a:solidFill>
@@ -11082,11 +11073,6 @@
                 </a:rPr>
                 <a:t>Bestehende Presets können verwaltet und gelöscht werden. (E/A)</a:t>
               </a:r>
-              <a:endParaRPr lang="de-DE">
-                <a:solidFill>
-                  <a:schemeClr val="tx1"/>
-                </a:solidFill>
-              </a:endParaRPr>
             </a:p>
             <a:p>
               <a:endParaRPr lang="de-DE"/>
@@ -11144,11 +11130,6 @@
                 </a:rPr>
                 <a:t>Falls Fehler bei der Erstellung eines Presets gemacht wurden oder falls ein Preset nicht mehr benötigt wird.</a:t>
               </a:r>
-              <a:endParaRPr lang="de-DE">
-                <a:solidFill>
-                  <a:schemeClr val="tx1"/>
-                </a:solidFill>
-              </a:endParaRPr>
             </a:p>
             <a:p>
               <a:endParaRPr lang="de-DE"/>
@@ -11214,11 +11195,6 @@
                 </a:rPr>
                 <a:t>Kundinnen</a:t>
               </a:r>
-              <a:endParaRPr lang="de-DE" dirty="0">
-                <a:solidFill>
-                  <a:schemeClr val="tx1"/>
-                </a:solidFill>
-              </a:endParaRPr>
             </a:p>
             <a:p>
               <a:endParaRPr lang="de-DE" dirty="0"/>
@@ -11304,7 +11280,7 @@
           <p:spPr>
             <a:xfrm>
               <a:off x="176530" y="1113153"/>
-              <a:ext cx="2309119" cy="369332"/>
+              <a:ext cx="2309119" cy="646331"/>
             </a:xfrm>
             <a:prstGeom prst="rect">
               <a:avLst/>
@@ -11346,6 +11322,8 @@
                 </a:rPr>
                 <a:t>Should</a:t>
               </a:r>
+            </a:p>
+            <a:p>
               <a:endParaRPr lang="de-DE">
                 <a:solidFill>
                   <a:schemeClr val="tx1"/>
@@ -11488,7 +11466,6 @@
                 <a:rPr lang="de-DE" dirty="0"/>
                 <a:t>Risiko unbeabsichtigter Löschung.</a:t>
               </a:r>
-              <a:endParaRPr lang="de-DE" dirty="0"/>
             </a:p>
             <a:p>
               <a:endParaRPr lang="de-DE" b="1" dirty="0">
@@ -11756,10 +11733,18 @@
                     <a:schemeClr val="accent1"/>
                   </a:solidFill>
                 </a:rPr>
-                <a:t>-ID: </a:t>
-              </a:r>
-              <a:r>
-                <a:rPr lang="de-DE" dirty="0">
+                <a:t>-ID</a:t>
+              </a:r>
+              <a:r>
+                <a:rPr lang="de-DE" b="1">
+                  <a:solidFill>
+                    <a:schemeClr val="accent1"/>
+                  </a:solidFill>
+                </a:rPr>
+                <a:t>: </a:t>
+              </a:r>
+              <a:r>
+                <a:rPr lang="de-DE">
                   <a:solidFill>
                     <a:schemeClr val="tx1"/>
                   </a:solidFill>
@@ -11825,11 +11810,6 @@
                 </a:rPr>
                 <a:t>Funktional</a:t>
               </a:r>
-              <a:endParaRPr lang="de-DE">
-                <a:solidFill>
-                  <a:schemeClr val="tx1"/>
-                </a:solidFill>
-              </a:endParaRPr>
             </a:p>
           </p:txBody>
         </p:sp>
@@ -11958,11 +11938,6 @@
                 </a:rPr>
                 <a:t>Im Export der Statistikdaten in mindestens PDF-, CSV-, und XLSX-Formate. (B/E/A)</a:t>
               </a:r>
-              <a:endParaRPr lang="de-DE">
-                <a:solidFill>
-                  <a:schemeClr val="tx1"/>
-                </a:solidFill>
-              </a:endParaRPr>
             </a:p>
             <a:p>
               <a:endParaRPr lang="de-DE"/>
@@ -12020,11 +11995,6 @@
                 </a:rPr>
                 <a:t>Statistiken müssen weitergegeben und archiviert werden können.</a:t>
               </a:r>
-              <a:endParaRPr lang="de-DE">
-                <a:solidFill>
-                  <a:schemeClr val="tx1"/>
-                </a:solidFill>
-              </a:endParaRPr>
             </a:p>
             <a:p>
               <a:endParaRPr lang="de-DE"/>
@@ -12090,11 +12060,6 @@
                 </a:rPr>
                 <a:t>Kundinnen/Praktikumsleitung</a:t>
               </a:r>
-              <a:endParaRPr lang="de-DE" dirty="0">
-                <a:solidFill>
-                  <a:schemeClr val="tx1"/>
-                </a:solidFill>
-              </a:endParaRPr>
             </a:p>
             <a:p>
               <a:endParaRPr lang="de-DE" dirty="0"/>
@@ -12152,11 +12117,6 @@
                 </a:rPr>
                 <a:t>Download-Button mit der Auswahl PDF, CVS oder XLSX.</a:t>
               </a:r>
-              <a:endParaRPr lang="de-DE">
-                <a:solidFill>
-                  <a:schemeClr val="tx1"/>
-                </a:solidFill>
-              </a:endParaRPr>
             </a:p>
             <a:p>
               <a:endParaRPr lang="de-DE"/>
@@ -12187,7 +12147,7 @@
           <p:spPr>
             <a:xfrm>
               <a:off x="176530" y="1113153"/>
-              <a:ext cx="2309119" cy="369332"/>
+              <a:ext cx="2309119" cy="646331"/>
             </a:xfrm>
             <a:prstGeom prst="rect">
               <a:avLst/>
@@ -12229,6 +12189,8 @@
                 </a:rPr>
                 <a:t>Must</a:t>
               </a:r>
+            </a:p>
+            <a:p>
               <a:endParaRPr lang="de-DE">
                 <a:solidFill>
                   <a:schemeClr val="tx1"/>
@@ -12317,7 +12279,7 @@
           <p:spPr>
             <a:xfrm>
               <a:off x="6096000" y="1113153"/>
-              <a:ext cx="5903913" cy="369332"/>
+              <a:ext cx="5903913" cy="646331"/>
             </a:xfrm>
             <a:prstGeom prst="rect">
               <a:avLst/>
@@ -12369,8 +12331,14 @@
               </a:r>
               <a:r>
                 <a:rPr lang="de-DE" dirty="0"/>
-                <a:t>Kompatibilitätsprobleme möglich.</a:t>
-              </a:r>
+                <a:t>Kompatibilitätsprobleme </a:t>
+              </a:r>
+              <a:r>
+                <a:rPr lang="de-DE"/>
+                <a:t>möglich.</a:t>
+              </a:r>
+            </a:p>
+            <a:p>
               <a:endParaRPr lang="de-DE" b="1" dirty="0">
                 <a:solidFill>
                   <a:schemeClr val="accent1"/>
@@ -12517,7 +12485,6 @@
               <a:rPr lang="de-DE" dirty="0"/>
               <a:t>Flexibilität vs. Dateigröße.</a:t>
             </a:r>
-            <a:endParaRPr lang="de-DE" dirty="0"/>
           </a:p>
           <a:p>
             <a:endParaRPr lang="de-DE" dirty="0"/>
@@ -12640,10 +12607,18 @@
                     <a:schemeClr val="accent1"/>
                   </a:solidFill>
                 </a:rPr>
-                <a:t>-ID: </a:t>
-              </a:r>
-              <a:r>
-                <a:rPr lang="de-DE" dirty="0">
+                <a:t>-ID</a:t>
+              </a:r>
+              <a:r>
+                <a:rPr lang="de-DE" b="1">
+                  <a:solidFill>
+                    <a:schemeClr val="accent1"/>
+                  </a:solidFill>
+                </a:rPr>
+                <a:t>: </a:t>
+              </a:r>
+              <a:r>
+                <a:rPr lang="de-DE">
                   <a:solidFill>
                     <a:schemeClr val="tx1"/>
                   </a:solidFill>
@@ -12717,11 +12692,6 @@
                 </a:rPr>
                 <a:t>Funktional</a:t>
               </a:r>
-              <a:endParaRPr lang="de-DE" dirty="0">
-                <a:solidFill>
-                  <a:schemeClr val="tx1"/>
-                </a:solidFill>
-              </a:endParaRPr>
             </a:p>
           </p:txBody>
         </p:sp>
@@ -12968,11 +12938,6 @@
                 </a:rPr>
                 <a:t>Praktikumsleitung</a:t>
               </a:r>
-              <a:endParaRPr lang="de-DE" dirty="0">
-                <a:solidFill>
-                  <a:schemeClr val="tx1"/>
-                </a:solidFill>
-              </a:endParaRPr>
             </a:p>
             <a:p>
               <a:endParaRPr lang="de-DE" dirty="0"/>
@@ -13076,9 +13041,9 @@
         <p:grpSpPr>
           <a:xfrm>
             <a:off x="168751" y="4866983"/>
-            <a:ext cx="11823383" cy="923330"/>
+            <a:ext cx="11823383" cy="646331"/>
             <a:chOff x="176530" y="1113153"/>
-            <a:chExt cx="11823383" cy="923330"/>
+            <a:chExt cx="11823383" cy="646331"/>
           </a:xfrm>
         </p:grpSpPr>
         <p:sp>
@@ -13090,7 +13055,7 @@
           <p:spPr>
             <a:xfrm>
               <a:off x="176530" y="1113153"/>
-              <a:ext cx="2309119" cy="369332"/>
+              <a:ext cx="2309119" cy="646331"/>
             </a:xfrm>
             <a:prstGeom prst="rect">
               <a:avLst/>
@@ -13132,6 +13097,8 @@
                 </a:rPr>
                 <a:t>Must</a:t>
               </a:r>
+            </a:p>
+            <a:p>
               <a:endParaRPr lang="de-DE">
                 <a:solidFill>
                   <a:schemeClr val="tx1"/>
@@ -13149,7 +13116,7 @@
           <p:spPr>
             <a:xfrm>
               <a:off x="2630905" y="1113153"/>
-              <a:ext cx="3319839" cy="923330"/>
+              <a:ext cx="3319839" cy="615553"/>
             </a:xfrm>
             <a:prstGeom prst="rect">
               <a:avLst/>
@@ -13200,7 +13167,7 @@
                 <a:t>: </a:t>
               </a:r>
               <a:r>
-                <a:rPr lang="de-DE" dirty="0"/>
+                <a:rPr lang="de-DE" sz="1600" dirty="0"/>
                 <a:t>Klare Rechteverteilung erhöht Sicherheit.</a:t>
               </a:r>
               <a:endParaRPr lang="de-DE" b="1" dirty="0">
@@ -13220,7 +13187,7 @@
           <p:spPr>
             <a:xfrm>
               <a:off x="6096000" y="1113153"/>
-              <a:ext cx="5903913" cy="369332"/>
+              <a:ext cx="5903913" cy="646331"/>
             </a:xfrm>
             <a:prstGeom prst="rect">
               <a:avLst/>
@@ -13272,8 +13239,14 @@
               </a:r>
               <a:r>
                 <a:rPr lang="de-DE" dirty="0"/>
-                <a:t>Höherer Verwaltungsaufwand.</a:t>
-              </a:r>
+                <a:t>Höherer </a:t>
+              </a:r>
+              <a:r>
+                <a:rPr lang="de-DE"/>
+                <a:t>Verwaltungsaufwand.</a:t>
+              </a:r>
+            </a:p>
+            <a:p>
               <a:endParaRPr lang="de-DE" b="1" dirty="0">
                 <a:solidFill>
                   <a:schemeClr val="accent1"/>
@@ -13291,7 +13264,7 @@
         </p:nvSpPr>
         <p:spPr>
           <a:xfrm>
-            <a:off x="168751" y="5843829"/>
+            <a:off x="176530" y="5687718"/>
             <a:ext cx="5766436" cy="646331"/>
           </a:xfrm>
           <a:prstGeom prst="rect">
@@ -13373,7 +13346,7 @@
         </p:nvSpPr>
         <p:spPr>
           <a:xfrm>
-            <a:off x="6088221" y="5843829"/>
+            <a:off x="6096000" y="5687718"/>
             <a:ext cx="5888356" cy="646331"/>
           </a:xfrm>
           <a:prstGeom prst="rect">
@@ -13547,10 +13520,18 @@
                     <a:schemeClr val="accent1"/>
                   </a:solidFill>
                 </a:rPr>
-                <a:t>-ID: </a:t>
-              </a:r>
-              <a:r>
-                <a:rPr lang="de-DE" dirty="0">
+                <a:t>-ID</a:t>
+              </a:r>
+              <a:r>
+                <a:rPr lang="de-DE" b="1">
+                  <a:solidFill>
+                    <a:schemeClr val="accent1"/>
+                  </a:solidFill>
+                </a:rPr>
+                <a:t>: </a:t>
+              </a:r>
+              <a:r>
+                <a:rPr lang="de-DE">
                   <a:solidFill>
                     <a:schemeClr val="tx1"/>
                   </a:solidFill>
@@ -13616,11 +13597,6 @@
                 </a:rPr>
                 <a:t>Funktional</a:t>
               </a:r>
-              <a:endParaRPr lang="de-DE">
-                <a:solidFill>
-                  <a:schemeClr val="tx1"/>
-                </a:solidFill>
-              </a:endParaRPr>
             </a:p>
           </p:txBody>
         </p:sp>
@@ -13804,11 +13780,6 @@
                 </a:rPr>
                 <a:t>Schutz sensibler Daten.</a:t>
               </a:r>
-              <a:endParaRPr lang="de-DE">
-                <a:solidFill>
-                  <a:schemeClr val="tx1"/>
-                </a:solidFill>
-              </a:endParaRPr>
             </a:p>
             <a:p>
               <a:endParaRPr lang="de-DE"/>
@@ -13859,7 +13830,7 @@
                 <a:t>Originator</a:t>
               </a:r>
               <a:r>
-                <a:rPr lang="de-DE" b="1" dirty="0">
+                <a:rPr lang="de-DE" b="1">
                   <a:solidFill>
                     <a:schemeClr val="accent1"/>
                   </a:solidFill>
@@ -13867,18 +13838,13 @@
                 <a:t>: </a:t>
               </a:r>
               <a:r>
-                <a:rPr lang="de-DE" dirty="0">
+                <a:rPr lang="de-DE">
                   <a:solidFill>
                     <a:schemeClr val="tx1"/>
                   </a:solidFill>
                 </a:rPr>
-                <a:t>Kundinnen/Praktikumsleitung</a:t>
-              </a:r>
-              <a:endParaRPr lang="de-DE" dirty="0">
-                <a:solidFill>
-                  <a:schemeClr val="tx1"/>
-                </a:solidFill>
-              </a:endParaRPr>
+                <a:t>Kundinnen</a:t>
+              </a:r>
             </a:p>
             <a:p>
               <a:endParaRPr lang="de-DE" dirty="0"/>
@@ -13936,11 +13902,6 @@
                 </a:rPr>
                 <a:t>Es gibt ein Anmeldebereich beim Starten bzw. Abmelden mit den Feldern [Benutzername] und [Passwort].</a:t>
               </a:r>
-              <a:endParaRPr lang="de-DE">
-                <a:solidFill>
-                  <a:schemeClr val="tx1"/>
-                </a:solidFill>
-              </a:endParaRPr>
             </a:p>
             <a:p>
               <a:endParaRPr lang="de-DE"/>
@@ -13971,7 +13932,7 @@
           <p:spPr>
             <a:xfrm>
               <a:off x="176530" y="1113153"/>
-              <a:ext cx="2309119" cy="369332"/>
+              <a:ext cx="2309119" cy="646331"/>
             </a:xfrm>
             <a:prstGeom prst="rect">
               <a:avLst/>
@@ -14013,6 +13974,8 @@
                 </a:rPr>
                 <a:t>Must</a:t>
               </a:r>
+            </a:p>
+            <a:p>
               <a:endParaRPr lang="de-DE">
                 <a:solidFill>
                   <a:schemeClr val="tx1"/>
@@ -14101,7 +14064,7 @@
           <p:spPr>
             <a:xfrm>
               <a:off x="6096000" y="1113153"/>
-              <a:ext cx="5903913" cy="369332"/>
+              <a:ext cx="5903913" cy="646331"/>
             </a:xfrm>
             <a:prstGeom prst="rect">
               <a:avLst/>
@@ -14153,8 +14116,14 @@
               </a:r>
               <a:r>
                 <a:rPr lang="de-DE" dirty="0"/>
-                <a:t>Häufiges Login stört Arbeitsfluss.</a:t>
-              </a:r>
+                <a:t>Häufiges Login stört </a:t>
+              </a:r>
+              <a:r>
+                <a:rPr lang="de-DE"/>
+                <a:t>Arbeitsfluss.</a:t>
+              </a:r>
+            </a:p>
+            <a:p>
               <a:endParaRPr lang="de-DE" b="1" dirty="0">
                 <a:solidFill>
                   <a:schemeClr val="accent1"/>
@@ -14293,7 +14262,6 @@
               <a:rPr lang="de-DE" dirty="0"/>
               <a:t>Sicherheit vs. Komfort.</a:t>
             </a:r>
-            <a:endParaRPr lang="de-DE" dirty="0"/>
           </a:p>
           <a:p>
             <a:endParaRPr lang="de-DE" dirty="0"/>
@@ -14416,10 +14384,18 @@
                     <a:schemeClr val="accent1"/>
                   </a:solidFill>
                 </a:rPr>
-                <a:t>-ID: </a:t>
-              </a:r>
-              <a:r>
-                <a:rPr lang="de-DE" dirty="0">
+                <a:t>-ID</a:t>
+              </a:r>
+              <a:r>
+                <a:rPr lang="de-DE" b="1">
+                  <a:solidFill>
+                    <a:schemeClr val="accent1"/>
+                  </a:solidFill>
+                </a:rPr>
+                <a:t>: </a:t>
+              </a:r>
+              <a:r>
+                <a:rPr lang="de-DE">
                   <a:solidFill>
                     <a:schemeClr val="tx1"/>
                   </a:solidFill>
@@ -14485,11 +14461,6 @@
                 </a:rPr>
                 <a:t>Funktional</a:t>
               </a:r>
-              <a:endParaRPr lang="de-DE">
-                <a:solidFill>
-                  <a:schemeClr val="tx1"/>
-                </a:solidFill>
-              </a:endParaRPr>
             </a:p>
           </p:txBody>
         </p:sp>
@@ -14736,11 +14707,6 @@
                 </a:rPr>
                 <a:t>Kundinnen/Praktikumsleitung</a:t>
               </a:r>
-              <a:endParaRPr lang="de-DE" dirty="0">
-                <a:solidFill>
-                  <a:schemeClr val="tx1"/>
-                </a:solidFill>
-              </a:endParaRPr>
             </a:p>
             <a:p>
               <a:endParaRPr lang="de-DE" dirty="0"/>
@@ -14798,11 +14764,6 @@
                 </a:rPr>
                 <a:t>Es gibt einen Bereich [Passwort ändern] in jedem Nutzerkonto.</a:t>
               </a:r>
-              <a:endParaRPr lang="de-DE">
-                <a:solidFill>
-                  <a:schemeClr val="tx1"/>
-                </a:solidFill>
-              </a:endParaRPr>
             </a:p>
             <a:p>
               <a:endParaRPr lang="de-DE"/>
@@ -14833,7 +14794,7 @@
           <p:spPr>
             <a:xfrm>
               <a:off x="176530" y="1113153"/>
-              <a:ext cx="2309119" cy="369332"/>
+              <a:ext cx="2309119" cy="646331"/>
             </a:xfrm>
             <a:prstGeom prst="rect">
               <a:avLst/>
@@ -14875,6 +14836,8 @@
                 </a:rPr>
                 <a:t>Must</a:t>
               </a:r>
+            </a:p>
+            <a:p>
               <a:endParaRPr lang="de-DE">
                 <a:solidFill>
                   <a:schemeClr val="tx1"/>
@@ -14963,7 +14926,7 @@
           <p:spPr>
             <a:xfrm>
               <a:off x="6096000" y="1113153"/>
-              <a:ext cx="5903913" cy="369332"/>
+              <a:ext cx="5903913" cy="646331"/>
             </a:xfrm>
             <a:prstGeom prst="rect">
               <a:avLst/>
@@ -15015,8 +14978,14 @@
               </a:r>
               <a:r>
                 <a:rPr lang="de-DE" dirty="0"/>
-                <a:t>Benutzer kann Passwort vergessen.</a:t>
-              </a:r>
+                <a:t>Benutzer kann Passwort </a:t>
+              </a:r>
+              <a:r>
+                <a:rPr lang="de-DE"/>
+                <a:t>vergessen.</a:t>
+              </a:r>
+            </a:p>
+            <a:p>
               <a:endParaRPr lang="de-DE" b="1" dirty="0">
                 <a:solidFill>
                   <a:schemeClr val="accent1"/>
@@ -15290,10 +15259,18 @@
                     <a:schemeClr val="accent1"/>
                   </a:solidFill>
                 </a:rPr>
-                <a:t>-ID: </a:t>
-              </a:r>
-              <a:r>
-                <a:rPr lang="de-DE" dirty="0">
+                <a:t>-ID</a:t>
+              </a:r>
+              <a:r>
+                <a:rPr lang="de-DE" b="1">
+                  <a:solidFill>
+                    <a:schemeClr val="accent1"/>
+                  </a:solidFill>
+                </a:rPr>
+                <a:t>: </a:t>
+              </a:r>
+              <a:r>
+                <a:rPr lang="de-DE">
                   <a:solidFill>
                     <a:schemeClr val="tx1"/>
                   </a:solidFill>
@@ -15359,11 +15336,6 @@
                 </a:rPr>
                 <a:t>Funktional</a:t>
               </a:r>
-              <a:endParaRPr lang="de-DE">
-                <a:solidFill>
-                  <a:schemeClr val="tx1"/>
-                </a:solidFill>
-              </a:endParaRPr>
             </a:p>
           </p:txBody>
         </p:sp>
@@ -15547,11 +15519,6 @@
                 </a:rPr>
                 <a:t>Nutzerinnenverwaltung muss intern durchführbar sein.</a:t>
               </a:r>
-              <a:endParaRPr lang="de-DE">
-                <a:solidFill>
-                  <a:schemeClr val="tx1"/>
-                </a:solidFill>
-              </a:endParaRPr>
             </a:p>
             <a:p>
               <a:endParaRPr lang="de-DE"/>
@@ -15617,11 +15584,6 @@
                 </a:rPr>
                 <a:t>Kundinnen/Praktikumsleitung</a:t>
               </a:r>
-              <a:endParaRPr lang="de-DE" dirty="0">
-                <a:solidFill>
-                  <a:schemeClr val="tx1"/>
-                </a:solidFill>
-              </a:endParaRPr>
             </a:p>
             <a:p>
               <a:endParaRPr lang="de-DE" dirty="0"/>
@@ -15693,9 +15655,9 @@
         <p:grpSpPr>
           <a:xfrm>
             <a:off x="168751" y="4866983"/>
-            <a:ext cx="11823383" cy="923330"/>
+            <a:ext cx="11823383" cy="646331"/>
             <a:chOff x="176530" y="1113153"/>
-            <a:chExt cx="11823383" cy="923330"/>
+            <a:chExt cx="11823383" cy="646331"/>
           </a:xfrm>
         </p:grpSpPr>
         <p:sp>
@@ -15707,7 +15669,7 @@
           <p:spPr>
             <a:xfrm>
               <a:off x="176530" y="1113153"/>
-              <a:ext cx="2309119" cy="369332"/>
+              <a:ext cx="2309119" cy="646331"/>
             </a:xfrm>
             <a:prstGeom prst="rect">
               <a:avLst/>
@@ -15749,6 +15711,8 @@
                 </a:rPr>
                 <a:t>Must</a:t>
               </a:r>
+            </a:p>
+            <a:p>
               <a:endParaRPr lang="de-DE">
                 <a:solidFill>
                   <a:schemeClr val="tx1"/>
@@ -15766,7 +15730,7 @@
           <p:spPr>
             <a:xfrm>
               <a:off x="2630905" y="1113153"/>
-              <a:ext cx="3319839" cy="923330"/>
+              <a:ext cx="3319839" cy="615553"/>
             </a:xfrm>
             <a:prstGeom prst="rect">
               <a:avLst/>
@@ -15817,7 +15781,7 @@
                 <a:t>: </a:t>
               </a:r>
               <a:r>
-                <a:rPr lang="de-DE" dirty="0"/>
+                <a:rPr lang="de-DE" sz="1600" dirty="0"/>
                 <a:t>Administrator behält volle Kontrolle.</a:t>
               </a:r>
               <a:endParaRPr lang="de-DE" b="1" dirty="0">
@@ -15837,7 +15801,7 @@
           <p:spPr>
             <a:xfrm>
               <a:off x="6096000" y="1113153"/>
-              <a:ext cx="5903913" cy="369332"/>
+              <a:ext cx="5903913" cy="646331"/>
             </a:xfrm>
             <a:prstGeom prst="rect">
               <a:avLst/>
@@ -15889,8 +15853,14 @@
               </a:r>
               <a:r>
                 <a:rPr lang="de-DE" dirty="0"/>
-                <a:t>Falsche Rechtezuweisung möglich.</a:t>
-              </a:r>
+                <a:t>Falsche Rechtezuweisung </a:t>
+              </a:r>
+              <a:r>
+                <a:rPr lang="de-DE"/>
+                <a:t>möglich.</a:t>
+              </a:r>
+            </a:p>
+            <a:p>
               <a:endParaRPr lang="de-DE" b="1" dirty="0">
                 <a:solidFill>
                   <a:schemeClr val="accent1"/>
@@ -15908,7 +15878,7 @@
         </p:nvSpPr>
         <p:spPr>
           <a:xfrm>
-            <a:off x="168751" y="5843829"/>
+            <a:off x="160973" y="5718496"/>
             <a:ext cx="5766436" cy="646331"/>
           </a:xfrm>
           <a:prstGeom prst="rect">
@@ -15982,7 +15952,7 @@
         </p:nvSpPr>
         <p:spPr>
           <a:xfrm>
-            <a:off x="6103778" y="5843829"/>
+            <a:off x="6096000" y="5718496"/>
             <a:ext cx="5888356" cy="646331"/>
           </a:xfrm>
           <a:prstGeom prst="rect">
@@ -16086,10 +16056,13 @@
           <a:lstStyle/>
           <a:p>
             <a:r>
+              <a:rPr lang="de-DE"/>
+              <a:t>Funktionale </a:t>
+            </a:r>
+            <a:r>
               <a:rPr lang="de-DE" dirty="0"/>
-              <a:t>Nicht-Funktionale Anforderungen</a:t>
+              <a:t>Anforderungen</a:t>
             </a:r>
-            <a:endParaRPr lang="de-DE" dirty="0"/>
           </a:p>
         </p:txBody>
       </p:sp>
@@ -16156,11 +16129,27 @@
                     <a:schemeClr val="accent1"/>
                   </a:solidFill>
                 </a:rPr>
-                <a:t>-ID: </a:t>
-              </a:r>
-              <a:r>
-                <a:rPr lang="de-DE" dirty="0"/>
-                <a:t>FA-18</a:t>
+                <a:t>-ID</a:t>
+              </a:r>
+              <a:r>
+                <a:rPr lang="de-DE" b="1">
+                  <a:solidFill>
+                    <a:schemeClr val="accent1"/>
+                  </a:solidFill>
+                </a:rPr>
+                <a:t>: </a:t>
+              </a:r>
+              <a:r>
+                <a:rPr lang="de-DE">
+                  <a:solidFill>
+                    <a:schemeClr val="tx1"/>
+                  </a:solidFill>
+                </a:rPr>
+                <a:t>FA</a:t>
+              </a:r>
+              <a:r>
+                <a:rPr lang="de-DE"/>
+                <a:t>-18</a:t>
               </a:r>
               <a:endParaRPr lang="de-DE" b="1" dirty="0">
                 <a:solidFill>
@@ -16219,13 +16208,8 @@
                     <a:schemeClr val="tx1"/>
                   </a:solidFill>
                 </a:rPr>
-                <a:t>Nicht-Funktional</a:t>
-              </a:r>
-              <a:endParaRPr lang="de-DE">
-                <a:solidFill>
-                  <a:schemeClr val="tx1"/>
-                </a:solidFill>
-              </a:endParaRPr>
+                <a:t>Funktional</a:t>
+              </a:r>
             </a:p>
           </p:txBody>
         </p:sp>
@@ -16354,11 +16338,6 @@
                 </a:rPr>
                 <a:t>Nutzerinnen sollen in der Laage sein ihren zuletzt bearbeiteten Fall, ohne explizites Suchen, zu öffnen.</a:t>
               </a:r>
-              <a:endParaRPr lang="de-DE" dirty="0">
-                <a:solidFill>
-                  <a:schemeClr val="tx1"/>
-                </a:solidFill>
-              </a:endParaRPr>
             </a:p>
             <a:p>
               <a:endParaRPr lang="de-DE" dirty="0"/>
@@ -16416,11 +16395,6 @@
                 </a:rPr>
                 <a:t>Schnelles Weiterarbeiten am letzen Fall. Um möglichst effizient arbeiten zu können (Performance).</a:t>
               </a:r>
-              <a:endParaRPr lang="de-DE" dirty="0">
-                <a:solidFill>
-                  <a:schemeClr val="tx1"/>
-                </a:solidFill>
-              </a:endParaRPr>
             </a:p>
             <a:p>
               <a:endParaRPr lang="de-DE" dirty="0"/>
@@ -16486,11 +16460,6 @@
                 </a:rPr>
                 <a:t>Gruppe/Kundinnen </a:t>
               </a:r>
-              <a:endParaRPr lang="de-DE" dirty="0">
-                <a:solidFill>
-                  <a:schemeClr val="tx1"/>
-                </a:solidFill>
-              </a:endParaRPr>
             </a:p>
             <a:p>
               <a:endParaRPr lang="de-DE" dirty="0"/>
@@ -16564,11 +16533,6 @@
                 </a:rPr>
                 <a:t>Auf dem Dashboard gibt es einen extra Knopf, der die Eingabemaske für den zuletzt bearbeiteten Fall öffnet</a:t>
               </a:r>
-              <a:endParaRPr lang="de-DE" dirty="0">
-                <a:solidFill>
-                  <a:schemeClr val="tx1"/>
-                </a:solidFill>
-              </a:endParaRPr>
             </a:p>
             <a:p>
               <a:endParaRPr lang="de-DE" dirty="0">
@@ -16589,9 +16553,9 @@
         <p:grpSpPr>
           <a:xfrm>
             <a:off x="168751" y="4866983"/>
-            <a:ext cx="11823383" cy="645160"/>
+            <a:ext cx="11823383" cy="646331"/>
             <a:chOff x="176530" y="1113153"/>
-            <a:chExt cx="11823383" cy="645160"/>
+            <a:chExt cx="11823383" cy="646331"/>
           </a:xfrm>
         </p:grpSpPr>
         <p:sp>
@@ -16603,7 +16567,7 @@
           <p:spPr>
             <a:xfrm>
               <a:off x="176530" y="1113153"/>
-              <a:ext cx="2309119" cy="369332"/>
+              <a:ext cx="2309119" cy="646331"/>
             </a:xfrm>
             <a:prstGeom prst="rect">
               <a:avLst/>
@@ -16645,6 +16609,8 @@
                 </a:rPr>
                 <a:t>Should</a:t>
               </a:r>
+            </a:p>
+            <a:p>
               <a:endParaRPr lang="de-DE">
                 <a:solidFill>
                   <a:schemeClr val="tx1"/>
@@ -16851,7 +16817,6 @@
               <a:rPr lang="de-DE" dirty="0"/>
               <a:t>Technische Anforderungen, S.4</a:t>
             </a:r>
-            <a:endParaRPr lang="de-DE" dirty="0"/>
           </a:p>
           <a:p>
             <a:endParaRPr lang="de-DE" dirty="0"/>
@@ -17040,10 +17005,18 @@
                     <a:schemeClr val="accent1"/>
                   </a:solidFill>
                 </a:rPr>
-                <a:t>-ID:</a:t>
-              </a:r>
-              <a:r>
-                <a:rPr lang="de-DE" dirty="0">
+                <a:t>-ID</a:t>
+              </a:r>
+              <a:r>
+                <a:rPr lang="de-DE" b="1">
+                  <a:solidFill>
+                    <a:schemeClr val="accent1"/>
+                  </a:solidFill>
+                </a:rPr>
+                <a:t>:</a:t>
+              </a:r>
+              <a:r>
+                <a:rPr lang="de-DE">
                   <a:solidFill>
                     <a:schemeClr val="tx1"/>
                   </a:solidFill>
@@ -17051,7 +17024,7 @@
                 <a:t> </a:t>
               </a:r>
               <a:r>
-                <a:rPr lang="de-DE" dirty="0"/>
+                <a:rPr lang="de-DE"/>
                 <a:t>FA-01</a:t>
               </a:r>
               <a:endParaRPr lang="de-DE" b="1" dirty="0">
@@ -17113,11 +17086,6 @@
                 </a:rPr>
                 <a:t>Funktional</a:t>
               </a:r>
-              <a:endParaRPr lang="de-DE">
-                <a:solidFill>
-                  <a:schemeClr val="tx1"/>
-                </a:solidFill>
-              </a:endParaRPr>
             </a:p>
           </p:txBody>
         </p:sp>
@@ -17297,7 +17265,6 @@
                 <a:rPr lang="de-DE"/>
                 <a:t>Mitarbeiterinnen sollen alle wichtigen Informationen zur Anfrage digital erfassen, anstatt sie händisch zu notieren.</a:t>
               </a:r>
-              <a:endParaRPr lang="de-DE"/>
             </a:p>
             <a:p>
               <a:endParaRPr lang="de-DE"/>
@@ -17417,7 +17384,6 @@
                 <a:rPr lang="de-DE"/>
                 <a:t>Nutzerin kann über das Interface neue Anfragen anlegen, ausfüllen und speichern.</a:t>
               </a:r>
-              <a:endParaRPr lang="de-DE"/>
             </a:p>
             <a:p>
               <a:endParaRPr lang="de-DE"/>
@@ -17448,7 +17414,7 @@
           <p:spPr>
             <a:xfrm>
               <a:off x="176530" y="1113153"/>
-              <a:ext cx="2309119" cy="369332"/>
+              <a:ext cx="2309119" cy="646331"/>
             </a:xfrm>
             <a:prstGeom prst="rect">
               <a:avLst/>
@@ -17486,6 +17452,8 @@
                 <a:rPr lang="de-DE"/>
                 <a:t>Must</a:t>
               </a:r>
+            </a:p>
+            <a:p>
               <a:endParaRPr lang="de-DE"/>
             </a:p>
           </p:txBody>
@@ -17700,7 +17668,6 @@
               <a:rPr lang="de-DE" dirty="0"/>
               <a:t>S.2</a:t>
             </a:r>
-            <a:endParaRPr lang="de-DE" dirty="0"/>
           </a:p>
           <a:p>
             <a:endParaRPr lang="de-DE" dirty="0"/>
@@ -17762,7 +17729,6 @@
               <a:rPr lang="de-DE" dirty="0"/>
               <a:t>Benutzerfreundlichkeit vs. Vollständigkeit.</a:t>
             </a:r>
-            <a:endParaRPr lang="de-DE" dirty="0"/>
           </a:p>
           <a:p>
             <a:endParaRPr lang="de-DE" dirty="0"/>
@@ -17950,11 +17916,6 @@
                 </a:rPr>
                 <a:t>Nicht-Funktional</a:t>
               </a:r>
-              <a:endParaRPr lang="de-DE">
-                <a:solidFill>
-                  <a:schemeClr val="tx1"/>
-                </a:solidFill>
-              </a:endParaRPr>
             </a:p>
           </p:txBody>
         </p:sp>
@@ -18075,11 +18036,6 @@
                 </a:rPr>
                 <a:t>Die Applikation soll mit Client-Server-Architektur und Microservice bereitgestellt werden.</a:t>
               </a:r>
-              <a:endParaRPr lang="de-DE">
-                <a:solidFill>
-                  <a:schemeClr val="tx1"/>
-                </a:solidFill>
-              </a:endParaRPr>
             </a:p>
             <a:p>
               <a:endParaRPr lang="de-DE"/>
@@ -18137,11 +18093,6 @@
                 </a:rPr>
                 <a:t>Zentrale Datenhaltung.</a:t>
               </a:r>
-              <a:endParaRPr lang="de-DE">
-                <a:solidFill>
-                  <a:schemeClr val="tx1"/>
-                </a:solidFill>
-              </a:endParaRPr>
             </a:p>
             <a:p>
               <a:endParaRPr lang="de-DE"/>
@@ -18207,11 +18158,6 @@
                 </a:rPr>
                 <a:t>Praktikumsleitung</a:t>
               </a:r>
-              <a:endParaRPr lang="de-DE" dirty="0">
-                <a:solidFill>
-                  <a:schemeClr val="tx1"/>
-                </a:solidFill>
-              </a:endParaRPr>
             </a:p>
             <a:p>
               <a:endParaRPr lang="de-DE" dirty="0"/>
@@ -18269,11 +18215,6 @@
                 </a:rPr>
                 <a:t>Anwendung lässt sich auf einem Server deployen.</a:t>
               </a:r>
-              <a:endParaRPr lang="de-DE">
-                <a:solidFill>
-                  <a:schemeClr val="tx1"/>
-                </a:solidFill>
-              </a:endParaRPr>
             </a:p>
             <a:p>
               <a:endParaRPr lang="de-DE"/>
@@ -18290,9 +18231,9 @@
         <p:grpSpPr>
           <a:xfrm>
             <a:off x="168751" y="4866983"/>
-            <a:ext cx="11838373" cy="923330"/>
+            <a:ext cx="11838373" cy="646331"/>
             <a:chOff x="176530" y="1113153"/>
-            <a:chExt cx="11838373" cy="923330"/>
+            <a:chExt cx="11838373" cy="646331"/>
           </a:xfrm>
         </p:grpSpPr>
         <p:sp>
@@ -18304,7 +18245,7 @@
           <p:spPr>
             <a:xfrm>
               <a:off x="176530" y="1113153"/>
-              <a:ext cx="2309119" cy="369332"/>
+              <a:ext cx="2309119" cy="646331"/>
             </a:xfrm>
             <a:prstGeom prst="rect">
               <a:avLst/>
@@ -18346,6 +18287,8 @@
                 </a:rPr>
                 <a:t>Must</a:t>
               </a:r>
+            </a:p>
+            <a:p>
               <a:endParaRPr lang="de-DE">
                 <a:solidFill>
                   <a:schemeClr val="tx1"/>
@@ -18363,7 +18306,7 @@
           <p:spPr>
             <a:xfrm>
               <a:off x="2630905" y="1113153"/>
-              <a:ext cx="3319839" cy="923330"/>
+              <a:ext cx="3319839" cy="615553"/>
             </a:xfrm>
             <a:prstGeom prst="rect">
               <a:avLst/>
@@ -18414,7 +18357,7 @@
                 <a:t>: </a:t>
               </a:r>
               <a:r>
-                <a:rPr lang="de-DE" dirty="0"/>
+                <a:rPr lang="de-DE" sz="1600" dirty="0"/>
                 <a:t>Zentrale Datenhaltung, skalierbar und wartbar.</a:t>
               </a:r>
               <a:endParaRPr lang="de-DE" b="1" dirty="0">
@@ -18488,7 +18431,6 @@
                 <a:rPr lang="de-DE" dirty="0"/>
                 <a:t>Komplexerer Aufbau.</a:t>
               </a:r>
-              <a:endParaRPr lang="de-DE" dirty="0"/>
             </a:p>
             <a:p>
               <a:endParaRPr lang="de-DE" b="1" dirty="0">
@@ -18508,7 +18450,7 @@
         </p:nvSpPr>
         <p:spPr>
           <a:xfrm>
-            <a:off x="168751" y="5824403"/>
+            <a:off x="168751" y="5687718"/>
             <a:ext cx="5766436" cy="646331"/>
           </a:xfrm>
           <a:prstGeom prst="rect">
@@ -18582,7 +18524,7 @@
         </p:nvSpPr>
         <p:spPr>
           <a:xfrm>
-            <a:off x="6088221" y="5837058"/>
+            <a:off x="6088221" y="5700373"/>
             <a:ext cx="5888356" cy="646331"/>
           </a:xfrm>
           <a:prstGeom prst="rect">
@@ -18821,11 +18763,6 @@
                 </a:rPr>
                 <a:t>Nicht-Funktional</a:t>
               </a:r>
-              <a:endParaRPr lang="de-DE">
-                <a:solidFill>
-                  <a:schemeClr val="tx1"/>
-                </a:solidFill>
-              </a:endParaRPr>
             </a:p>
           </p:txBody>
         </p:sp>
@@ -18946,11 +18883,6 @@
                 </a:rPr>
                 <a:t>Die Software wird als Docker-Image bereitgestellt.</a:t>
               </a:r>
-              <a:endParaRPr lang="de-DE">
-                <a:solidFill>
-                  <a:schemeClr val="tx1"/>
-                </a:solidFill>
-              </a:endParaRPr>
             </a:p>
             <a:p>
               <a:endParaRPr lang="de-DE"/>
@@ -19008,11 +18940,6 @@
                 </a:rPr>
                 <a:t>Einfache Installation und Verwendbarkeit auf jedem Rechner.</a:t>
               </a:r>
-              <a:endParaRPr lang="de-DE">
-                <a:solidFill>
-                  <a:schemeClr val="tx1"/>
-                </a:solidFill>
-              </a:endParaRPr>
             </a:p>
             <a:p>
               <a:endParaRPr lang="de-DE"/>
@@ -19078,11 +19005,6 @@
                 </a:rPr>
                 <a:t>Praktikumsleitung</a:t>
               </a:r>
-              <a:endParaRPr lang="de-DE" dirty="0">
-                <a:solidFill>
-                  <a:schemeClr val="tx1"/>
-                </a:solidFill>
-              </a:endParaRPr>
             </a:p>
             <a:p>
               <a:endParaRPr lang="de-DE" dirty="0"/>
@@ -19140,11 +19062,6 @@
                 </a:rPr>
                 <a:t>Docker Container lässt sich starten und Software funktioniert wie beschrieben.</a:t>
               </a:r>
-              <a:endParaRPr lang="de-DE">
-                <a:solidFill>
-                  <a:schemeClr val="tx1"/>
-                </a:solidFill>
-              </a:endParaRPr>
             </a:p>
             <a:p>
               <a:endParaRPr lang="de-DE"/>
@@ -19175,7 +19092,7 @@
           <p:spPr>
             <a:xfrm>
               <a:off x="176530" y="1113153"/>
-              <a:ext cx="2309119" cy="369332"/>
+              <a:ext cx="2309119" cy="646331"/>
             </a:xfrm>
             <a:prstGeom prst="rect">
               <a:avLst/>
@@ -19217,6 +19134,8 @@
                 </a:rPr>
                 <a:t>Must</a:t>
               </a:r>
+            </a:p>
+            <a:p>
               <a:endParaRPr lang="de-DE">
                 <a:solidFill>
                   <a:schemeClr val="tx1"/>
@@ -19305,7 +19224,7 @@
           <p:spPr>
             <a:xfrm>
               <a:off x="6096000" y="1113153"/>
-              <a:ext cx="5903913" cy="369332"/>
+              <a:ext cx="5903913" cy="646331"/>
             </a:xfrm>
             <a:prstGeom prst="rect">
               <a:avLst/>
@@ -19357,8 +19276,14 @@
               </a:r>
               <a:r>
                 <a:rPr lang="de-DE" dirty="0"/>
-                <a:t>Docker-Kenntnisse erforderlich.</a:t>
-              </a:r>
+                <a:t>Docker-Kenntnisse </a:t>
+              </a:r>
+              <a:r>
+                <a:rPr lang="de-DE"/>
+                <a:t>erforderlich.</a:t>
+              </a:r>
+            </a:p>
+            <a:p>
               <a:endParaRPr lang="de-DE" b="1" dirty="0">
                 <a:solidFill>
                   <a:schemeClr val="accent1"/>
@@ -19689,11 +19614,6 @@
                 </a:rPr>
                 <a:t>Nicht-Funktional</a:t>
               </a:r>
-              <a:endParaRPr lang="de-DE">
-                <a:solidFill>
-                  <a:schemeClr val="tx1"/>
-                </a:solidFill>
-              </a:endParaRPr>
             </a:p>
           </p:txBody>
         </p:sp>
@@ -19814,11 +19734,6 @@
                 </a:rPr>
                 <a:t>Installationsschritte für Software sind in README erklärt. </a:t>
               </a:r>
-              <a:endParaRPr lang="de-DE">
-                <a:solidFill>
-                  <a:schemeClr val="tx1"/>
-                </a:solidFill>
-              </a:endParaRPr>
             </a:p>
             <a:p>
               <a:endParaRPr lang="de-DE"/>
@@ -19876,11 +19791,6 @@
                 </a:rPr>
                 <a:t>Erklärung zur Installation für die Kundinnen.</a:t>
               </a:r>
-              <a:endParaRPr lang="de-DE">
-                <a:solidFill>
-                  <a:schemeClr val="tx1"/>
-                </a:solidFill>
-              </a:endParaRPr>
             </a:p>
             <a:p>
               <a:endParaRPr lang="de-DE"/>
@@ -19946,11 +19856,6 @@
                 </a:rPr>
                 <a:t>Praktikumsleitung </a:t>
               </a:r>
-              <a:endParaRPr lang="de-DE" dirty="0">
-                <a:solidFill>
-                  <a:schemeClr val="tx1"/>
-                </a:solidFill>
-              </a:endParaRPr>
             </a:p>
             <a:p>
               <a:endParaRPr lang="de-DE" dirty="0"/>
@@ -20008,11 +19913,6 @@
                 </a:rPr>
                 <a:t>Installation der Software funktioniert wie in README beschrieben.</a:t>
               </a:r>
-              <a:endParaRPr lang="de-DE">
-                <a:solidFill>
-                  <a:schemeClr val="tx1"/>
-                </a:solidFill>
-              </a:endParaRPr>
             </a:p>
             <a:p>
               <a:endParaRPr lang="de-DE"/>
@@ -20029,9 +19929,9 @@
         <p:grpSpPr>
           <a:xfrm>
             <a:off x="168751" y="4866983"/>
-            <a:ext cx="11823383" cy="923330"/>
+            <a:ext cx="11823383" cy="646331"/>
             <a:chOff x="176530" y="1113153"/>
-            <a:chExt cx="11823383" cy="923330"/>
+            <a:chExt cx="11823383" cy="646331"/>
           </a:xfrm>
         </p:grpSpPr>
         <p:sp>
@@ -20043,7 +19943,7 @@
           <p:spPr>
             <a:xfrm>
               <a:off x="176530" y="1113153"/>
-              <a:ext cx="2309119" cy="369332"/>
+              <a:ext cx="2309119" cy="646331"/>
             </a:xfrm>
             <a:prstGeom prst="rect">
               <a:avLst/>
@@ -20085,6 +19985,8 @@
                 </a:rPr>
                 <a:t>Must</a:t>
               </a:r>
+            </a:p>
+            <a:p>
               <a:endParaRPr lang="de-DE">
                 <a:solidFill>
                   <a:schemeClr val="tx1"/>
@@ -20102,7 +20004,7 @@
           <p:spPr>
             <a:xfrm>
               <a:off x="2630905" y="1113153"/>
-              <a:ext cx="3319839" cy="923330"/>
+              <a:ext cx="3319839" cy="615553"/>
             </a:xfrm>
             <a:prstGeom prst="rect">
               <a:avLst/>
@@ -20153,7 +20055,7 @@
                 <a:t>: </a:t>
               </a:r>
               <a:r>
-                <a:rPr lang="de-DE" dirty="0"/>
+                <a:rPr lang="de-DE" sz="1600" dirty="0"/>
                 <a:t>Installation verständlich dokumentiert.</a:t>
               </a:r>
               <a:endParaRPr lang="de-DE" b="1" dirty="0">
@@ -20173,7 +20075,7 @@
           <p:spPr>
             <a:xfrm>
               <a:off x="6096000" y="1113153"/>
-              <a:ext cx="5903913" cy="369332"/>
+              <a:ext cx="5903913" cy="646331"/>
             </a:xfrm>
             <a:prstGeom prst="rect">
               <a:avLst/>
@@ -20225,8 +20127,14 @@
               </a:r>
               <a:r>
                 <a:rPr lang="de-DE" dirty="0"/>
-                <a:t>Regelmäßige Pflege nötig.</a:t>
-              </a:r>
+                <a:t>Regelmäßige Pflege </a:t>
+              </a:r>
+              <a:r>
+                <a:rPr lang="de-DE"/>
+                <a:t>nötig.</a:t>
+              </a:r>
+            </a:p>
+            <a:p>
               <a:endParaRPr lang="de-DE" b="1" dirty="0">
                 <a:solidFill>
                   <a:schemeClr val="accent1"/>
@@ -20244,7 +20152,7 @@
         </p:nvSpPr>
         <p:spPr>
           <a:xfrm>
-            <a:off x="168751" y="5843829"/>
+            <a:off x="168751" y="5718496"/>
             <a:ext cx="5766436" cy="646331"/>
           </a:xfrm>
           <a:prstGeom prst="rect">
@@ -20318,7 +20226,7 @@
         </p:nvSpPr>
         <p:spPr>
           <a:xfrm>
-            <a:off x="6088221" y="5843829"/>
+            <a:off x="6088221" y="5718496"/>
             <a:ext cx="5888356" cy="646331"/>
           </a:xfrm>
           <a:prstGeom prst="rect">
@@ -20557,11 +20465,6 @@
                 </a:rPr>
                 <a:t>Nicht-Funktional</a:t>
               </a:r>
-              <a:endParaRPr lang="de-DE">
-                <a:solidFill>
-                  <a:schemeClr val="tx1"/>
-                </a:solidFill>
-              </a:endParaRPr>
             </a:p>
           </p:txBody>
         </p:sp>
@@ -20690,11 +20593,6 @@
                 </a:rPr>
                 <a:t>Automatisierte Tests durch CI/CD-Pipeline. </a:t>
               </a:r>
-              <a:endParaRPr lang="de-DE">
-                <a:solidFill>
-                  <a:schemeClr val="tx1"/>
-                </a:solidFill>
-              </a:endParaRPr>
             </a:p>
             <a:p>
               <a:endParaRPr lang="de-DE"/>
@@ -20752,11 +20650,6 @@
                 </a:rPr>
                 <a:t>Stabilität und Vermeidung von Fehlern bei Softwareänderungen.</a:t>
               </a:r>
-              <a:endParaRPr lang="de-DE">
-                <a:solidFill>
-                  <a:schemeClr val="tx1"/>
-                </a:solidFill>
-              </a:endParaRPr>
             </a:p>
             <a:p>
               <a:endParaRPr lang="de-DE"/>
@@ -20822,11 +20715,6 @@
                 </a:rPr>
                 <a:t>Praktikumsleitung </a:t>
               </a:r>
-              <a:endParaRPr lang="de-DE" dirty="0">
-                <a:solidFill>
-                  <a:schemeClr val="tx1"/>
-                </a:solidFill>
-              </a:endParaRPr>
             </a:p>
             <a:p>
               <a:endParaRPr lang="de-DE" dirty="0"/>
@@ -20884,11 +20772,6 @@
                 </a:rPr>
                 <a:t>Pipeline führt neue Commits automatisch bei neuen Commits aus.</a:t>
               </a:r>
-              <a:endParaRPr lang="de-DE">
-                <a:solidFill>
-                  <a:schemeClr val="tx1"/>
-                </a:solidFill>
-              </a:endParaRPr>
             </a:p>
             <a:p>
               <a:endParaRPr lang="de-DE"/>
@@ -20919,7 +20802,7 @@
           <p:spPr>
             <a:xfrm>
               <a:off x="176530" y="1113153"/>
-              <a:ext cx="2309119" cy="369332"/>
+              <a:ext cx="2309119" cy="646331"/>
             </a:xfrm>
             <a:prstGeom prst="rect">
               <a:avLst/>
@@ -20961,6 +20844,8 @@
                 </a:rPr>
                 <a:t>Could</a:t>
               </a:r>
+            </a:p>
+            <a:p>
               <a:endParaRPr lang="de-DE">
                 <a:solidFill>
                   <a:schemeClr val="tx1"/>
@@ -21103,7 +20988,6 @@
                 <a:rPr lang="de-DE" dirty="0"/>
                 <a:t>Einrichtung aufwendig.</a:t>
               </a:r>
-              <a:endParaRPr lang="de-DE" dirty="0"/>
             </a:p>
             <a:p>
               <a:endParaRPr lang="de-DE" b="1" dirty="0">
@@ -21444,11 +21328,6 @@
                 </a:rPr>
                 <a:t>Nicht-Funktional</a:t>
               </a:r>
-              <a:endParaRPr lang="de-DE">
-                <a:solidFill>
-                  <a:schemeClr val="tx1"/>
-                </a:solidFill>
-              </a:endParaRPr>
             </a:p>
           </p:txBody>
         </p:sp>
@@ -21632,11 +21511,6 @@
                 </a:rPr>
                 <a:t>Kundinnen sollen sich die Benutzung der Software mit dem Handbuch selbst beibringen können.</a:t>
               </a:r>
-              <a:endParaRPr lang="de-DE">
-                <a:solidFill>
-                  <a:schemeClr val="tx1"/>
-                </a:solidFill>
-              </a:endParaRPr>
             </a:p>
             <a:p>
               <a:endParaRPr lang="de-DE"/>
@@ -21702,11 +21576,6 @@
                 </a:rPr>
                 <a:t>Praktikumsleitung</a:t>
               </a:r>
-              <a:endParaRPr lang="de-DE" dirty="0">
-                <a:solidFill>
-                  <a:schemeClr val="tx1"/>
-                </a:solidFill>
-              </a:endParaRPr>
             </a:p>
             <a:p>
               <a:endParaRPr lang="de-DE" dirty="0"/>
@@ -21764,11 +21633,6 @@
                 </a:rPr>
                 <a:t>Nutzerhandbuch wird als z.B. PDF bereitgestellt.</a:t>
               </a:r>
-              <a:endParaRPr lang="de-DE">
-                <a:solidFill>
-                  <a:schemeClr val="tx1"/>
-                </a:solidFill>
-              </a:endParaRPr>
             </a:p>
             <a:p>
               <a:endParaRPr lang="de-DE"/>
@@ -21799,7 +21663,7 @@
           <p:spPr>
             <a:xfrm>
               <a:off x="176530" y="1113153"/>
-              <a:ext cx="2309119" cy="369332"/>
+              <a:ext cx="2309119" cy="646331"/>
             </a:xfrm>
             <a:prstGeom prst="rect">
               <a:avLst/>
@@ -21841,6 +21705,8 @@
                 </a:rPr>
                 <a:t>Should</a:t>
               </a:r>
+            </a:p>
+            <a:p>
               <a:endParaRPr lang="de-DE">
                 <a:solidFill>
                   <a:schemeClr val="tx1"/>
@@ -21983,7 +21849,6 @@
                 <a:rPr lang="de-DE" dirty="0"/>
                 <a:t>Pflege des Handbuchs erforderlich.</a:t>
               </a:r>
-              <a:endParaRPr lang="de-DE" dirty="0"/>
             </a:p>
             <a:p>
               <a:endParaRPr lang="de-DE" b="1" dirty="0">
@@ -22312,11 +22177,6 @@
                 </a:rPr>
                 <a:t>Nicht-Funktional</a:t>
               </a:r>
-              <a:endParaRPr lang="de-DE">
-                <a:solidFill>
-                  <a:schemeClr val="tx1"/>
-                </a:solidFill>
-              </a:endParaRPr>
             </a:p>
           </p:txBody>
         </p:sp>
@@ -22500,11 +22360,6 @@
                 </a:rPr>
                 <a:t>Um die Eingabe möglichst einfach und effizient zu gestalten (UX/Performance).</a:t>
               </a:r>
-              <a:endParaRPr lang="de-DE">
-                <a:solidFill>
-                  <a:schemeClr val="tx1"/>
-                </a:solidFill>
-              </a:endParaRPr>
             </a:p>
             <a:p>
               <a:endParaRPr lang="de-DE"/>
@@ -22555,7 +22410,7 @@
                 <a:t>Originator</a:t>
               </a:r>
               <a:r>
-                <a:rPr lang="de-DE" b="1" dirty="0">
+                <a:rPr lang="de-DE" b="1">
                   <a:solidFill>
                     <a:schemeClr val="accent1"/>
                   </a:solidFill>
@@ -22563,12 +22418,12 @@
                 <a:t>: </a:t>
               </a:r>
               <a:r>
-                <a:rPr lang="de-DE" dirty="0">
+                <a:rPr lang="de-DE">
                   <a:solidFill>
                     <a:schemeClr val="tx1"/>
                   </a:solidFill>
                 </a:rPr>
-                <a:t>Gruppe</a:t>
+                <a:t>Kundinnen</a:t>
               </a:r>
               <a:endParaRPr lang="de-DE" dirty="0">
                 <a:solidFill>
@@ -22660,7 +22515,7 @@
           <p:spPr>
             <a:xfrm>
               <a:off x="176530" y="1113153"/>
-              <a:ext cx="2309119" cy="369332"/>
+              <a:ext cx="2309119" cy="646331"/>
             </a:xfrm>
             <a:prstGeom prst="rect">
               <a:avLst/>
@@ -22702,6 +22557,8 @@
                 </a:rPr>
                 <a:t>Should</a:t>
               </a:r>
+            </a:p>
+            <a:p>
               <a:endParaRPr lang="de-DE">
                 <a:solidFill>
                   <a:schemeClr val="tx1"/>
@@ -22844,7 +22701,6 @@
                 <a:rPr lang="de-DE" dirty="0"/>
                 <a:t>Komplexe Vorgänge eingeschränkt.</a:t>
               </a:r>
-              <a:endParaRPr lang="de-DE" dirty="0"/>
             </a:p>
             <a:p>
               <a:endParaRPr lang="de-DE" b="1" dirty="0">
@@ -22988,7 +22844,6 @@
               <a:rPr lang="de-DE" dirty="0"/>
               <a:t> </a:t>
             </a:r>
-            <a:endParaRPr lang="de-DE" dirty="0"/>
           </a:p>
         </p:txBody>
       </p:sp>
@@ -23173,11 +23028,6 @@
                 </a:rPr>
                 <a:t>Nicht-Funktional</a:t>
               </a:r>
-              <a:endParaRPr lang="de-DE">
-                <a:solidFill>
-                  <a:schemeClr val="tx1"/>
-                </a:solidFill>
-              </a:endParaRPr>
             </a:p>
           </p:txBody>
         </p:sp>
@@ -23306,11 +23156,6 @@
                 </a:rPr>
                 <a:t>Seitenwechsel oder Datenabfragendürfen maximal 4 Sekunden dauern.</a:t>
               </a:r>
-              <a:endParaRPr lang="de-DE">
-                <a:solidFill>
-                  <a:schemeClr val="tx1"/>
-                </a:solidFill>
-              </a:endParaRPr>
             </a:p>
             <a:p>
               <a:endParaRPr lang="de-DE"/>
@@ -23368,11 +23213,6 @@
                 </a:rPr>
                 <a:t>Um möglichst effizient arbeiten zu können (Performance).</a:t>
               </a:r>
-              <a:endParaRPr lang="de-DE">
-                <a:solidFill>
-                  <a:schemeClr val="tx1"/>
-                </a:solidFill>
-              </a:endParaRPr>
             </a:p>
             <a:p>
               <a:endParaRPr lang="de-DE"/>
@@ -23438,11 +23278,6 @@
                 </a:rPr>
                 <a:t>Gruppe</a:t>
               </a:r>
-              <a:endParaRPr lang="de-DE" dirty="0">
-                <a:solidFill>
-                  <a:schemeClr val="tx1"/>
-                </a:solidFill>
-              </a:endParaRPr>
             </a:p>
             <a:p>
               <a:endParaRPr lang="de-DE" dirty="0"/>
@@ -23575,7 +23410,7 @@
           <p:spPr>
             <a:xfrm>
               <a:off x="176530" y="1113153"/>
-              <a:ext cx="2309119" cy="369332"/>
+              <a:ext cx="2309119" cy="646331"/>
             </a:xfrm>
             <a:prstGeom prst="rect">
               <a:avLst/>
@@ -23617,6 +23452,8 @@
                 </a:rPr>
                 <a:t>Should</a:t>
               </a:r>
+            </a:p>
+            <a:p>
               <a:endParaRPr lang="de-DE">
                 <a:solidFill>
                   <a:schemeClr val="tx1"/>
@@ -24081,11 +23918,6 @@
                 </a:rPr>
                 <a:t>Nicht-Funktional</a:t>
               </a:r>
-              <a:endParaRPr lang="de-DE">
-                <a:solidFill>
-                  <a:schemeClr val="tx1"/>
-                </a:solidFill>
-              </a:endParaRPr>
             </a:p>
           </p:txBody>
         </p:sp>
@@ -24269,11 +24101,6 @@
                 </a:rPr>
                 <a:t>Schutz sensibler personenbezogener Daten.</a:t>
               </a:r>
-              <a:endParaRPr lang="de-DE">
-                <a:solidFill>
-                  <a:schemeClr val="tx1"/>
-                </a:solidFill>
-              </a:endParaRPr>
             </a:p>
             <a:p>
               <a:endParaRPr lang="de-DE"/>
@@ -24339,11 +24166,6 @@
                 </a:rPr>
                 <a:t>Gruppe</a:t>
               </a:r>
-              <a:endParaRPr lang="de-DE" dirty="0">
-                <a:solidFill>
-                  <a:schemeClr val="tx1"/>
-                </a:solidFill>
-              </a:endParaRPr>
             </a:p>
             <a:p>
               <a:endParaRPr lang="de-DE" dirty="0"/>
@@ -24401,11 +24223,6 @@
                 </a:rPr>
                 <a:t>Das System akzeptiert nur Anforderungen, die die Kriterien erfüllen und gibt ansonsten eine Fehlermeldung aus.</a:t>
               </a:r>
-              <a:endParaRPr lang="de-DE">
-                <a:solidFill>
-                  <a:schemeClr val="tx1"/>
-                </a:solidFill>
-              </a:endParaRPr>
             </a:p>
             <a:p>
               <a:endParaRPr lang="de-DE"/>
@@ -24436,7 +24253,7 @@
           <p:spPr>
             <a:xfrm>
               <a:off x="176530" y="1113153"/>
-              <a:ext cx="2309119" cy="369332"/>
+              <a:ext cx="2309119" cy="646331"/>
             </a:xfrm>
             <a:prstGeom prst="rect">
               <a:avLst/>
@@ -24478,6 +24295,8 @@
                 </a:rPr>
                 <a:t>Should</a:t>
               </a:r>
+            </a:p>
+            <a:p>
               <a:endParaRPr lang="de-DE">
                 <a:solidFill>
                   <a:schemeClr val="tx1"/>
@@ -24566,7 +24385,7 @@
           <p:spPr>
             <a:xfrm>
               <a:off x="6096000" y="1113153"/>
-              <a:ext cx="5903913" cy="369332"/>
+              <a:ext cx="5903913" cy="646331"/>
             </a:xfrm>
             <a:prstGeom prst="rect">
               <a:avLst/>
@@ -24618,8 +24437,14 @@
               </a:r>
               <a:r>
                 <a:rPr lang="de-DE" dirty="0"/>
-                <a:t>Passwörter schwer zu merken.</a:t>
-              </a:r>
+                <a:t>Passwörter schwer zu </a:t>
+              </a:r>
+              <a:r>
+                <a:rPr lang="de-DE"/>
+                <a:t>merken.</a:t>
+              </a:r>
+            </a:p>
+            <a:p>
               <a:endParaRPr lang="de-DE" b="1" dirty="0">
                 <a:solidFill>
                   <a:schemeClr val="accent1"/>
@@ -24684,7 +24509,6 @@
               <a:rPr lang="de-DE" dirty="0"/>
               <a:t>Technische Anforderungen, S.4</a:t>
             </a:r>
-            <a:endParaRPr lang="de-DE" dirty="0"/>
           </a:p>
           <a:p>
             <a:endParaRPr lang="de-DE" dirty="0"/>
@@ -24938,11 +24762,6 @@
                 </a:rPr>
                 <a:t>Nicht-Funktional</a:t>
               </a:r>
-              <a:endParaRPr lang="de-DE">
-                <a:solidFill>
-                  <a:schemeClr val="tx1"/>
-                </a:solidFill>
-              </a:endParaRPr>
             </a:p>
           </p:txBody>
         </p:sp>
@@ -25071,18 +24890,12 @@
                 </a:rPr>
                 <a:t>Alle gespeicherten Personenbezogenen Daten werden verschlüsselt in einer Datenbank abgelegt. Dafür wird</a:t>
               </a:r>
-              <a:endParaRPr lang="de-DE" dirty="0">
-                <a:solidFill>
-                  <a:schemeClr val="tx1"/>
-                </a:solidFill>
-              </a:endParaRPr>
             </a:p>
             <a:p>
               <a:r>
                 <a:rPr lang="de-DE" dirty="0"/>
                 <a:t>AES GCM (Galois/Counter Mode) 256 Bit (32 Byte) verwendet. Der Key wird durch das TPM geschützt.</a:t>
               </a:r>
-              <a:endParaRPr lang="de-DE" dirty="0"/>
             </a:p>
           </p:txBody>
         </p:sp>
@@ -25137,11 +24950,6 @@
                 </a:rPr>
                 <a:t>Schutz sensibler personenbezogener Daten.</a:t>
               </a:r>
-              <a:endParaRPr lang="de-DE">
-                <a:solidFill>
-                  <a:schemeClr val="tx1"/>
-                </a:solidFill>
-              </a:endParaRPr>
             </a:p>
             <a:p>
               <a:endParaRPr lang="de-DE"/>
@@ -25207,11 +25015,6 @@
                 </a:rPr>
                 <a:t>Gruppe</a:t>
               </a:r>
-              <a:endParaRPr lang="de-DE" dirty="0">
-                <a:solidFill>
-                  <a:schemeClr val="tx1"/>
-                </a:solidFill>
-              </a:endParaRPr>
             </a:p>
             <a:p>
               <a:endParaRPr lang="de-DE" dirty="0"/>
@@ -25285,11 +25088,6 @@
                 </a:rPr>
                 <a:t>Datenbank enthält nur verschlüsselte Werte für personenbezogene Daten.</a:t>
               </a:r>
-              <a:endParaRPr lang="de-DE" dirty="0">
-                <a:solidFill>
-                  <a:schemeClr val="tx1"/>
-                </a:solidFill>
-              </a:endParaRPr>
             </a:p>
             <a:p>
               <a:endParaRPr lang="de-DE" dirty="0"/>
@@ -25320,7 +25118,7 @@
           <p:spPr>
             <a:xfrm>
               <a:off x="176530" y="1113153"/>
-              <a:ext cx="2309119" cy="369332"/>
+              <a:ext cx="2309119" cy="646331"/>
             </a:xfrm>
             <a:prstGeom prst="rect">
               <a:avLst/>
@@ -25362,6 +25160,8 @@
                 </a:rPr>
                 <a:t>Should</a:t>
               </a:r>
+            </a:p>
+            <a:p>
               <a:endParaRPr lang="de-DE">
                 <a:solidFill>
                   <a:schemeClr val="tx1"/>
@@ -25568,7 +25368,6 @@
               <a:rPr lang="de-DE" dirty="0"/>
               <a:t>Technische Anforderungen, S.4</a:t>
             </a:r>
-            <a:endParaRPr lang="de-DE" dirty="0"/>
           </a:p>
           <a:p>
             <a:endParaRPr lang="de-DE" dirty="0"/>
@@ -25630,7 +25429,6 @@
               <a:rPr lang="de-DE" dirty="0"/>
               <a:t>Sicherheit vs. Performance.</a:t>
             </a:r>
-            <a:endParaRPr lang="de-DE" dirty="0"/>
           </a:p>
           <a:p>
             <a:endParaRPr lang="de-DE" dirty="0"/>
@@ -25686,7 +25484,6 @@
               <a:rPr lang="de-DE" dirty="0"/>
               <a:t>Nicht-Funktionale Anforderungen</a:t>
             </a:r>
-            <a:endParaRPr lang="de-DE" dirty="0"/>
           </a:p>
         </p:txBody>
       </p:sp>
@@ -25818,11 +25615,6 @@
                 </a:rPr>
                 <a:t>Nicht-Funktional</a:t>
               </a:r>
-              <a:endParaRPr lang="de-DE">
-                <a:solidFill>
-                  <a:schemeClr val="tx1"/>
-                </a:solidFill>
-              </a:endParaRPr>
             </a:p>
           </p:txBody>
         </p:sp>
@@ -26030,11 +25822,6 @@
                 </a:rPr>
                 <a:t>Schutz der Passwörter vor Datenlecks und Hacking.</a:t>
               </a:r>
-              <a:endParaRPr lang="de-DE" dirty="0">
-                <a:solidFill>
-                  <a:schemeClr val="tx1"/>
-                </a:solidFill>
-              </a:endParaRPr>
             </a:p>
             <a:p>
               <a:endParaRPr lang="de-DE" dirty="0"/>
@@ -26100,11 +25887,6 @@
                 </a:rPr>
                 <a:t>Gruppe </a:t>
               </a:r>
-              <a:endParaRPr lang="de-DE" dirty="0">
-                <a:solidFill>
-                  <a:schemeClr val="tx1"/>
-                </a:solidFill>
-              </a:endParaRPr>
             </a:p>
             <a:p>
               <a:endParaRPr lang="de-DE" dirty="0"/>
@@ -26194,11 +25976,6 @@
                 </a:rPr>
                 <a:t> Passwörter.</a:t>
               </a:r>
-              <a:endParaRPr lang="de-DE" dirty="0">
-                <a:solidFill>
-                  <a:schemeClr val="tx1"/>
-                </a:solidFill>
-              </a:endParaRPr>
             </a:p>
             <a:p>
               <a:endParaRPr lang="de-DE" dirty="0">
@@ -26219,9 +25996,9 @@
         <p:grpSpPr>
           <a:xfrm>
             <a:off x="168751" y="4866983"/>
-            <a:ext cx="11823383" cy="923330"/>
+            <a:ext cx="11823383" cy="646331"/>
             <a:chOff x="176530" y="1113153"/>
-            <a:chExt cx="11823383" cy="923330"/>
+            <a:chExt cx="11823383" cy="646331"/>
           </a:xfrm>
         </p:grpSpPr>
         <p:sp>
@@ -26233,7 +26010,7 @@
           <p:spPr>
             <a:xfrm>
               <a:off x="176530" y="1113153"/>
-              <a:ext cx="2309119" cy="369332"/>
+              <a:ext cx="2309119" cy="646331"/>
             </a:xfrm>
             <a:prstGeom prst="rect">
               <a:avLst/>
@@ -26275,6 +26052,8 @@
                 </a:rPr>
                 <a:t>Should</a:t>
               </a:r>
+            </a:p>
+            <a:p>
               <a:endParaRPr lang="de-DE">
                 <a:solidFill>
                   <a:schemeClr val="tx1"/>
@@ -26292,7 +26071,7 @@
           <p:spPr>
             <a:xfrm>
               <a:off x="2630905" y="1113153"/>
-              <a:ext cx="3319839" cy="923330"/>
+              <a:ext cx="3319839" cy="584775"/>
             </a:xfrm>
             <a:prstGeom prst="rect">
               <a:avLst/>
@@ -26343,7 +26122,7 @@
                 <a:t>: </a:t>
               </a:r>
               <a:r>
-                <a:rPr lang="de-DE" dirty="0"/>
+                <a:rPr lang="de-DE" sz="1400" dirty="0"/>
                 <a:t>Erhöhte Sicherheit bei der Passwortspeicherung.</a:t>
               </a:r>
               <a:endParaRPr lang="de-DE" b="1" dirty="0">
@@ -26434,7 +26213,7 @@
         </p:nvSpPr>
         <p:spPr>
           <a:xfrm>
-            <a:off x="184308" y="5843829"/>
+            <a:off x="184308" y="5718497"/>
             <a:ext cx="5766436" cy="646331"/>
           </a:xfrm>
           <a:prstGeom prst="rect">
@@ -26481,7 +26260,6 @@
               <a:rPr lang="de-DE" dirty="0"/>
               <a:t>Technische Anforderungen, S.4</a:t>
             </a:r>
-            <a:endParaRPr lang="de-DE" dirty="0"/>
           </a:p>
           <a:p>
             <a:endParaRPr lang="de-DE" dirty="0"/>
@@ -26496,7 +26274,7 @@
         </p:nvSpPr>
         <p:spPr>
           <a:xfrm>
-            <a:off x="6103778" y="5843828"/>
+            <a:off x="6103778" y="5718496"/>
             <a:ext cx="5888356" cy="646331"/>
           </a:xfrm>
           <a:prstGeom prst="rect">
@@ -26543,7 +26321,6 @@
               <a:rPr lang="de-DE" dirty="0"/>
               <a:t>Sicherheit vs. Benutzerfreundlichkeit.</a:t>
             </a:r>
-            <a:endParaRPr lang="de-DE" dirty="0"/>
           </a:p>
           <a:p>
             <a:endParaRPr lang="de-DE" dirty="0"/>
@@ -26666,10 +26443,18 @@
                     <a:schemeClr val="accent1"/>
                   </a:solidFill>
                 </a:rPr>
-                <a:t>-ID:</a:t>
-              </a:r>
-              <a:r>
-                <a:rPr lang="de-DE" b="1" dirty="0">
+                <a:t>-ID</a:t>
+              </a:r>
+              <a:r>
+                <a:rPr lang="de-DE" b="1">
+                  <a:solidFill>
+                    <a:schemeClr val="accent1"/>
+                  </a:solidFill>
+                </a:rPr>
+                <a:t>:</a:t>
+              </a:r>
+              <a:r>
+                <a:rPr lang="de-DE" b="1">
                   <a:solidFill>
                     <a:schemeClr val="tx1"/>
                   </a:solidFill>
@@ -26677,7 +26462,7 @@
                 <a:t> </a:t>
               </a:r>
               <a:r>
-                <a:rPr lang="de-DE" dirty="0">
+                <a:rPr lang="de-DE">
                   <a:solidFill>
                     <a:schemeClr val="tx1"/>
                   </a:solidFill>
@@ -26743,11 +26528,6 @@
                 </a:rPr>
                 <a:t>Funktional</a:t>
               </a:r>
-              <a:endParaRPr lang="de-DE">
-                <a:solidFill>
-                  <a:schemeClr val="tx1"/>
-                </a:solidFill>
-              </a:endParaRPr>
             </a:p>
           </p:txBody>
         </p:sp>
@@ -26927,7 +26707,6 @@
                 <a:rPr lang="de-DE"/>
                 <a:t>Mitarbeiterinnen sollen alle wichtigen Informationen zum Fall digital erfassen, anstatt sie händisch zu notieren.</a:t>
               </a:r>
-              <a:endParaRPr lang="de-DE"/>
             </a:p>
             <a:p>
               <a:endParaRPr lang="de-DE"/>
@@ -27047,7 +26826,6 @@
                 <a:rPr lang="de-DE"/>
                 <a:t>Nutzerin kann über das Interface neue Fälle anlegen, ausfüllen und speichern.</a:t>
               </a:r>
-              <a:endParaRPr lang="de-DE"/>
             </a:p>
             <a:p>
               <a:endParaRPr lang="de-DE"/>
@@ -27064,9 +26842,9 @@
         <p:grpSpPr>
           <a:xfrm>
             <a:off x="168751" y="4866983"/>
-            <a:ext cx="11823383" cy="923330"/>
+            <a:ext cx="11823383" cy="646331"/>
             <a:chOff x="176530" y="1113153"/>
-            <a:chExt cx="11823383" cy="923330"/>
+            <a:chExt cx="11823383" cy="646331"/>
           </a:xfrm>
         </p:grpSpPr>
         <p:sp>
@@ -27078,7 +26856,7 @@
           <p:spPr>
             <a:xfrm>
               <a:off x="176530" y="1113153"/>
-              <a:ext cx="2309119" cy="369332"/>
+              <a:ext cx="2309119" cy="646331"/>
             </a:xfrm>
             <a:prstGeom prst="rect">
               <a:avLst/>
@@ -27116,6 +26894,8 @@
                 <a:rPr lang="de-DE"/>
                 <a:t>Must</a:t>
               </a:r>
+            </a:p>
+            <a:p>
               <a:endParaRPr lang="de-DE"/>
             </a:p>
           </p:txBody>
@@ -27129,7 +26909,7 @@
           <p:spPr>
             <a:xfrm>
               <a:off x="2630905" y="1113153"/>
-              <a:ext cx="3319839" cy="923330"/>
+              <a:ext cx="3319839" cy="584775"/>
             </a:xfrm>
             <a:prstGeom prst="rect">
               <a:avLst/>
@@ -27177,10 +26957,18 @@
                     <a:schemeClr val="accent1"/>
                   </a:solidFill>
                 </a:rPr>
-                <a:t>: </a:t>
-              </a:r>
-              <a:r>
-                <a:rPr lang="de-DE" dirty="0"/>
+                <a:t>:</a:t>
+              </a:r>
+              <a:r>
+                <a:rPr lang="de-DE" sz="1400" b="1" dirty="0">
+                  <a:solidFill>
+                    <a:schemeClr val="accent1"/>
+                  </a:solidFill>
+                </a:rPr>
+                <a:t> </a:t>
+              </a:r>
+              <a:r>
+                <a:rPr lang="de-DE" sz="1400" dirty="0"/>
                 <a:t>Schnelle Nachbearbeitung bereits erfasster Fälle.</a:t>
               </a:r>
               <a:endParaRPr lang="de-DE" b="1" dirty="0">
@@ -27330,7 +27118,6 @@
               <a:rPr lang="de-DE" dirty="0"/>
               <a:t>S.2</a:t>
             </a:r>
-            <a:endParaRPr lang="de-DE" dirty="0"/>
           </a:p>
           <a:p>
             <a:endParaRPr lang="de-DE" dirty="0"/>
@@ -27392,7 +27179,6 @@
               <a:rPr lang="de-DE" dirty="0"/>
               <a:t>Schnelligkeit vs. Korrektheit.</a:t>
             </a:r>
-            <a:endParaRPr lang="de-DE" dirty="0"/>
           </a:p>
           <a:p>
             <a:endParaRPr lang="de-DE" b="1" dirty="0">
@@ -27519,10 +27305,18 @@
                     <a:schemeClr val="accent1"/>
                   </a:solidFill>
                 </a:rPr>
-                <a:t>-ID: </a:t>
-              </a:r>
-              <a:r>
-                <a:rPr lang="de-DE" dirty="0">
+                <a:t>-ID</a:t>
+              </a:r>
+              <a:r>
+                <a:rPr lang="de-DE" b="1">
+                  <a:solidFill>
+                    <a:schemeClr val="accent1"/>
+                  </a:solidFill>
+                </a:rPr>
+                <a:t>: </a:t>
+              </a:r>
+              <a:r>
+                <a:rPr lang="de-DE">
                   <a:solidFill>
                     <a:schemeClr val="tx1"/>
                   </a:solidFill>
@@ -27588,11 +27382,6 @@
                 </a:rPr>
                 <a:t>Funktional</a:t>
               </a:r>
-              <a:endParaRPr lang="de-DE">
-                <a:solidFill>
-                  <a:schemeClr val="tx1"/>
-                </a:solidFill>
-              </a:endParaRPr>
             </a:p>
           </p:txBody>
         </p:sp>
@@ -27772,7 +27561,6 @@
                 <a:rPr lang="de-DE"/>
                 <a:t>Es ist aufgrund von anstehenden Gesetzesänderungen wahrscheinlich, dass sich die zu erfassenden Informationen verändern werden.</a:t>
               </a:r>
-              <a:endParaRPr lang="de-DE"/>
             </a:p>
           </p:txBody>
         </p:sp>
@@ -27831,7 +27619,6 @@
                 <a:rPr lang="de-DE" dirty="0"/>
                 <a:t>Kundinnen</a:t>
               </a:r>
-              <a:endParaRPr lang="de-DE" dirty="0"/>
             </a:p>
             <a:p>
               <a:endParaRPr lang="de-DE" dirty="0"/>
@@ -27885,7 +27672,6 @@
                 <a:rPr lang="de-DE"/>
                 <a:t>Nutzerin kann über das Interface die Eingabemaske bearbeiten und neue Felder hinzufügen. Dabei können Sie auswählen, um welche Art der Eingabe es sich handelt (Text, Anzahl, Datum, Auswahl).</a:t>
               </a:r>
-              <a:endParaRPr lang="de-DE"/>
             </a:p>
           </p:txBody>
         </p:sp>
@@ -27899,9 +27685,9 @@
         <p:grpSpPr>
           <a:xfrm>
             <a:off x="168751" y="4866983"/>
-            <a:ext cx="11823383" cy="923330"/>
+            <a:ext cx="11823383" cy="646331"/>
             <a:chOff x="176530" y="1113153"/>
-            <a:chExt cx="11823383" cy="923330"/>
+            <a:chExt cx="11823383" cy="646331"/>
           </a:xfrm>
         </p:grpSpPr>
         <p:sp>
@@ -27913,7 +27699,7 @@
           <p:spPr>
             <a:xfrm>
               <a:off x="176530" y="1113153"/>
-              <a:ext cx="2309119" cy="369332"/>
+              <a:ext cx="2309119" cy="646331"/>
             </a:xfrm>
             <a:prstGeom prst="rect">
               <a:avLst/>
@@ -27955,6 +27741,8 @@
                 </a:rPr>
                 <a:t>Should</a:t>
               </a:r>
+            </a:p>
+            <a:p>
               <a:endParaRPr lang="de-DE">
                 <a:solidFill>
                   <a:schemeClr val="tx1"/>
@@ -27972,7 +27760,7 @@
           <p:spPr>
             <a:xfrm>
               <a:off x="2630905" y="1113153"/>
-              <a:ext cx="3319839" cy="923330"/>
+              <a:ext cx="3319839" cy="584775"/>
             </a:xfrm>
             <a:prstGeom prst="rect">
               <a:avLst/>
@@ -28023,7 +27811,7 @@
                 <a:t>: </a:t>
               </a:r>
               <a:r>
-                <a:rPr lang="de-DE" dirty="0"/>
+                <a:rPr lang="de-DE" sz="1400" dirty="0"/>
                 <a:t>Konsistente und reproduzierbare Statistiken.</a:t>
               </a:r>
               <a:endParaRPr lang="de-DE" b="1" dirty="0">
@@ -28247,7 +28035,6 @@
               <a:rPr lang="de-DE" dirty="0"/>
               <a:t>Flexibilität vs. Zuverlässigkeit.</a:t>
             </a:r>
-            <a:endParaRPr lang="de-DE" dirty="0"/>
           </a:p>
           <a:p>
             <a:endParaRPr lang="de-DE" b="1" dirty="0">
@@ -28374,10 +28161,18 @@
                     <a:schemeClr val="accent1"/>
                   </a:solidFill>
                 </a:rPr>
-                <a:t>-ID: </a:t>
-              </a:r>
-              <a:r>
-                <a:rPr lang="de-DE" dirty="0">
+                <a:t>-ID</a:t>
+              </a:r>
+              <a:r>
+                <a:rPr lang="de-DE" b="1">
+                  <a:solidFill>
+                    <a:schemeClr val="accent1"/>
+                  </a:solidFill>
+                </a:rPr>
+                <a:t>: </a:t>
+              </a:r>
+              <a:r>
+                <a:rPr lang="de-DE">
                   <a:solidFill>
                     <a:schemeClr val="tx1"/>
                   </a:solidFill>
@@ -28443,11 +28238,6 @@
                 </a:rPr>
                 <a:t>Funktional</a:t>
               </a:r>
-              <a:endParaRPr lang="de-DE">
-                <a:solidFill>
-                  <a:schemeClr val="tx1"/>
-                </a:solidFill>
-              </a:endParaRPr>
             </a:p>
           </p:txBody>
         </p:sp>
@@ -28635,7 +28425,6 @@
                 <a:rPr lang="de-DE" dirty="0"/>
                 <a:t>Die Nutzerinnen sollen nicht aus Versehen vergessen ein Feld auszufüllen.</a:t>
               </a:r>
-              <a:endParaRPr lang="de-DE" dirty="0"/>
             </a:p>
             <a:p>
               <a:endParaRPr lang="de-DE" dirty="0"/>
@@ -28697,7 +28486,6 @@
                 <a:rPr lang="de-DE" dirty="0"/>
                 <a:t>Kundinnen/Praktikumsleitung </a:t>
               </a:r>
-              <a:endParaRPr lang="de-DE" dirty="0"/>
             </a:p>
             <a:p>
               <a:endParaRPr lang="de-DE" dirty="0"/>
@@ -28751,7 +28539,6 @@
                 <a:rPr lang="de-DE"/>
                 <a:t>Beim Speichern unvollständiger Eingaben erscheint eine Meldung mit den Optionen [Nachtragen] oder [trotzdem speichern].</a:t>
               </a:r>
-              <a:endParaRPr lang="de-DE"/>
             </a:p>
           </p:txBody>
         </p:sp>
@@ -28765,9 +28552,9 @@
         <p:grpSpPr>
           <a:xfrm>
             <a:off x="168751" y="4866983"/>
-            <a:ext cx="11823383" cy="923330"/>
+            <a:ext cx="11823383" cy="646331"/>
             <a:chOff x="176530" y="1113153"/>
-            <a:chExt cx="11823383" cy="923330"/>
+            <a:chExt cx="11823383" cy="646331"/>
           </a:xfrm>
         </p:grpSpPr>
         <p:sp>
@@ -28779,7 +28566,7 @@
           <p:spPr>
             <a:xfrm>
               <a:off x="176530" y="1113153"/>
-              <a:ext cx="2309119" cy="369332"/>
+              <a:ext cx="2309119" cy="646331"/>
             </a:xfrm>
             <a:prstGeom prst="rect">
               <a:avLst/>
@@ -28817,6 +28604,8 @@
                 <a:rPr lang="de-DE"/>
                 <a:t>Should</a:t>
               </a:r>
+            </a:p>
+            <a:p>
               <a:endParaRPr lang="de-DE"/>
             </a:p>
           </p:txBody>
@@ -28830,7 +28619,7 @@
           <p:spPr>
             <a:xfrm>
               <a:off x="2630905" y="1113153"/>
-              <a:ext cx="3319839" cy="923330"/>
+              <a:ext cx="3319839" cy="584775"/>
             </a:xfrm>
             <a:prstGeom prst="rect">
               <a:avLst/>
@@ -28881,7 +28670,7 @@
                 <a:t>: </a:t>
               </a:r>
               <a:r>
-                <a:rPr lang="de-DE" dirty="0"/>
+                <a:rPr lang="de-DE" sz="1400" dirty="0"/>
                 <a:t>Pflichtfelder sichern die Datenqualität.</a:t>
               </a:r>
               <a:endParaRPr lang="de-DE" b="1" dirty="0">
@@ -28955,7 +28744,6 @@
                 <a:rPr lang="de-DE" dirty="0"/>
                 <a:t>Mehr Aufwand bei jeder Eingabe.</a:t>
               </a:r>
-              <a:endParaRPr lang="de-DE" dirty="0"/>
             </a:p>
             <a:p>
               <a:endParaRPr lang="de-DE" b="1" dirty="0">
@@ -29038,11 +28826,6 @@
               </a:rPr>
               <a:t>S.2</a:t>
             </a:r>
-            <a:endParaRPr lang="de-DE" dirty="0">
-              <a:solidFill>
-                <a:schemeClr val="tx1"/>
-              </a:solidFill>
-            </a:endParaRPr>
           </a:p>
           <a:p>
             <a:endParaRPr lang="de-DE" dirty="0">
@@ -29108,7 +28891,6 @@
               <a:rPr lang="de-DE" dirty="0"/>
               <a:t>Vollständigkeit vs. Usability.</a:t>
             </a:r>
-            <a:endParaRPr lang="de-DE" dirty="0"/>
           </a:p>
           <a:p>
             <a:endParaRPr lang="de-DE" b="1" dirty="0">
@@ -29235,10 +29017,18 @@
                     <a:schemeClr val="accent1"/>
                   </a:solidFill>
                 </a:rPr>
-                <a:t>-ID: </a:t>
-              </a:r>
-              <a:r>
-                <a:rPr lang="de-DE" dirty="0">
+                <a:t>-ID</a:t>
+              </a:r>
+              <a:r>
+                <a:rPr lang="de-DE" b="1">
+                  <a:solidFill>
+                    <a:schemeClr val="accent1"/>
+                  </a:solidFill>
+                </a:rPr>
+                <a:t>: </a:t>
+              </a:r>
+              <a:r>
+                <a:rPr lang="de-DE">
                   <a:solidFill>
                     <a:schemeClr val="tx1"/>
                   </a:solidFill>
@@ -29304,11 +29094,6 @@
                 </a:rPr>
                 <a:t>Funktional</a:t>
               </a:r>
-              <a:endParaRPr lang="de-DE">
-                <a:solidFill>
-                  <a:schemeClr val="tx1"/>
-                </a:solidFill>
-              </a:endParaRPr>
             </a:p>
           </p:txBody>
         </p:sp>
@@ -29363,11 +29148,6 @@
                 </a:rPr>
                 <a:t>weitere Beratungstermine.</a:t>
               </a:r>
-              <a:endParaRPr lang="de-DE">
-                <a:solidFill>
-                  <a:schemeClr val="tx1"/>
-                </a:solidFill>
-              </a:endParaRPr>
             </a:p>
           </p:txBody>
         </p:sp>
@@ -29488,7 +29268,6 @@
                 <a:rPr lang="de-DE"/>
                 <a:t>Beratungen sind fortlaufend, also müssen Fälle aktualisiert werden können.</a:t>
               </a:r>
-              <a:endParaRPr lang="de-DE"/>
             </a:p>
             <a:p>
               <a:endParaRPr lang="de-DE"/>
@@ -29628,11 +29407,6 @@
                 </a:rPr>
                 <a:t>Nutzerin kann bestimmte Fälle über Filter finden (Alias, Wohnort, Alter, Geschlechtsidentität,…). Der zuletzt bearbeitete Fall soll explizit aufrufbar sein.</a:t>
               </a:r>
-              <a:endParaRPr lang="de-DE" dirty="0">
-                <a:solidFill>
-                  <a:schemeClr val="tx1"/>
-                </a:solidFill>
-              </a:endParaRPr>
             </a:p>
           </p:txBody>
         </p:sp>
@@ -29660,7 +29434,7 @@
           <p:spPr>
             <a:xfrm>
               <a:off x="176530" y="1113153"/>
-              <a:ext cx="2309119" cy="369332"/>
+              <a:ext cx="2309119" cy="646331"/>
             </a:xfrm>
             <a:prstGeom prst="rect">
               <a:avLst/>
@@ -29698,6 +29472,8 @@
                 <a:rPr lang="de-DE"/>
                 <a:t>Must</a:t>
               </a:r>
+            </a:p>
+            <a:p>
               <a:endParaRPr lang="de-DE"/>
             </a:p>
           </p:txBody>
@@ -29908,11 +29684,6 @@
               </a:rPr>
               <a:t>S.3</a:t>
             </a:r>
-            <a:endParaRPr lang="de-DE" dirty="0">
-              <a:solidFill>
-                <a:schemeClr val="tx1"/>
-              </a:solidFill>
-            </a:endParaRPr>
           </a:p>
           <a:p>
             <a:endParaRPr lang="de-DE" b="1" dirty="0">
@@ -29978,7 +29749,6 @@
               <a:rPr lang="de-DE" dirty="0"/>
               <a:t>Suchtiefe vs. Übersicht.</a:t>
             </a:r>
-            <a:endParaRPr lang="de-DE" dirty="0"/>
           </a:p>
           <a:p>
             <a:endParaRPr lang="de-DE" b="1" dirty="0">
@@ -30105,10 +29875,18 @@
                     <a:schemeClr val="accent1"/>
                   </a:solidFill>
                 </a:rPr>
-                <a:t>-ID: </a:t>
-              </a:r>
-              <a:r>
-                <a:rPr lang="de-DE" dirty="0">
+                <a:t>-ID</a:t>
+              </a:r>
+              <a:r>
+                <a:rPr lang="de-DE" b="1">
+                  <a:solidFill>
+                    <a:schemeClr val="accent1"/>
+                  </a:solidFill>
+                </a:rPr>
+                <a:t>: </a:t>
+              </a:r>
+              <a:r>
+                <a:rPr lang="de-DE">
                   <a:solidFill>
                     <a:schemeClr val="tx1"/>
                   </a:solidFill>
@@ -30174,11 +29952,6 @@
                 </a:rPr>
                 <a:t>Funktional</a:t>
               </a:r>
-              <a:endParaRPr lang="de-DE">
-                <a:solidFill>
-                  <a:schemeClr val="tx1"/>
-                </a:solidFill>
-              </a:endParaRPr>
             </a:p>
           </p:txBody>
         </p:sp>
@@ -30233,11 +30006,6 @@
                 </a:rPr>
                 <a:t>z.B nachträgliche Terminzusage per E-Mail.</a:t>
               </a:r>
-              <a:endParaRPr lang="de-DE">
-                <a:solidFill>
-                  <a:schemeClr val="tx1"/>
-                </a:solidFill>
-              </a:endParaRPr>
             </a:p>
           </p:txBody>
         </p:sp>
@@ -30307,11 +30075,6 @@
                 </a:rPr>
                 <a:t>Nutzerinnen können nach allen Anfragen eines bestimmten Tages suchen und diese bearbeiten. (B/E/A)</a:t>
               </a:r>
-              <a:endParaRPr lang="de-DE">
-                <a:solidFill>
-                  <a:schemeClr val="tx1"/>
-                </a:solidFill>
-              </a:endParaRPr>
             </a:p>
             <a:p>
               <a:endParaRPr lang="de-DE"/>
@@ -30365,7 +30128,6 @@
                 <a:rPr lang="de-DE"/>
                 <a:t>Nachträgliche Informationen müssen nachgetragen werden können.</a:t>
               </a:r>
-              <a:endParaRPr lang="de-DE"/>
             </a:p>
             <a:p>
               <a:endParaRPr lang="de-DE"/>
@@ -30485,7 +30247,6 @@
                 <a:rPr lang="de-DE"/>
                 <a:t>Es gibt ein Suchfeld, in dem nach Anfragen zu einem bestimmten Tag gefiltert werden kann und die Anfragen können bearbeitet werden.</a:t>
               </a:r>
-              <a:endParaRPr lang="de-DE"/>
             </a:p>
           </p:txBody>
         </p:sp>
@@ -30499,9 +30260,9 @@
         <p:grpSpPr>
           <a:xfrm>
             <a:off x="168751" y="4866983"/>
-            <a:ext cx="11823383" cy="923330"/>
+            <a:ext cx="11823383" cy="646331"/>
             <a:chOff x="176530" y="1113153"/>
-            <a:chExt cx="11823383" cy="923330"/>
+            <a:chExt cx="11823383" cy="646331"/>
           </a:xfrm>
         </p:grpSpPr>
         <p:sp>
@@ -30513,7 +30274,7 @@
           <p:spPr>
             <a:xfrm>
               <a:off x="176530" y="1113153"/>
-              <a:ext cx="2309119" cy="369332"/>
+              <a:ext cx="2309119" cy="646331"/>
             </a:xfrm>
             <a:prstGeom prst="rect">
               <a:avLst/>
@@ -30551,6 +30312,8 @@
                 <a:rPr lang="de-DE"/>
                 <a:t>Must</a:t>
               </a:r>
+            </a:p>
+            <a:p>
               <a:endParaRPr lang="de-DE"/>
             </a:p>
           </p:txBody>
@@ -30564,7 +30327,7 @@
           <p:spPr>
             <a:xfrm>
               <a:off x="2630905" y="1113153"/>
-              <a:ext cx="3319839" cy="923330"/>
+              <a:ext cx="3319839" cy="584775"/>
             </a:xfrm>
             <a:prstGeom prst="rect">
               <a:avLst/>
@@ -30615,7 +30378,7 @@
                 <a:t>: </a:t>
               </a:r>
               <a:r>
-                <a:rPr lang="de-DE" dirty="0"/>
+                <a:rPr lang="de-DE" sz="1400" dirty="0"/>
                 <a:t>Einheitliche Oberfläche für Bearbeitung.</a:t>
               </a:r>
               <a:endParaRPr lang="de-DE" b="1" dirty="0">
@@ -30635,7 +30398,7 @@
           <p:spPr>
             <a:xfrm>
               <a:off x="6096000" y="1113153"/>
-              <a:ext cx="5903913" cy="923330"/>
+              <a:ext cx="5903913" cy="646331"/>
             </a:xfrm>
             <a:prstGeom prst="rect">
               <a:avLst/>
@@ -30687,11 +30450,12 @@
               </a:r>
               <a:r>
                 <a:rPr lang="de-DE" dirty="0"/>
-                <a:t>Fehlerhafte Änderungen wirken global.</a:t>
-              </a:r>
-              <a:endParaRPr lang="de-DE" dirty="0"/>
-            </a:p>
-            <a:p>
+                <a:t>Fehlerhafte Änderungen wirken </a:t>
+              </a:r>
+              <a:r>
+                <a:rPr lang="de-DE"/>
+                <a:t>global.</a:t>
+              </a:r>
               <a:endParaRPr lang="de-DE" b="1" dirty="0">
                 <a:solidFill>
                   <a:schemeClr val="accent1"/>
@@ -30701,158 +30465,173 @@
           </p:txBody>
         </p:sp>
       </p:grpSp>
-      <p:sp>
-        <p:nvSpPr>
-          <p:cNvPr id="19" name="Textfeld 18"/>
-          <p:cNvSpPr txBox="1"/>
+      <p:grpSp>
+        <p:nvGrpSpPr>
+          <p:cNvPr id="2" name="Gruppieren 1">
+            <a:extLst>
+              <a:ext uri="{FF2B5EF4-FFF2-40B4-BE49-F238E27FC236}">
+                <a16:creationId xmlns:a16="http://schemas.microsoft.com/office/drawing/2014/main" id="{B1A7F4D9-3074-3BC2-54A4-09F4709AE3CF}"/>
+              </a:ext>
+            </a:extLst>
+          </p:cNvPr>
+          <p:cNvGrpSpPr/>
           <p:nvPr/>
-        </p:nvSpPr>
-        <p:spPr>
+        </p:nvGrpSpPr>
+        <p:grpSpPr>
           <a:xfrm>
-            <a:off x="184308" y="5853691"/>
-            <a:ext cx="5766436" cy="646331"/>
+            <a:off x="184308" y="5656940"/>
+            <a:ext cx="11792269" cy="646331"/>
+            <a:chOff x="184308" y="5853691"/>
+            <a:chExt cx="11792269" cy="646331"/>
           </a:xfrm>
-          <a:prstGeom prst="rect">
-            <a:avLst/>
-          </a:prstGeom>
-        </p:spPr>
-        <p:style>
-          <a:lnRef idx="2">
-            <a:schemeClr val="dk1"/>
-          </a:lnRef>
-          <a:fillRef idx="1">
-            <a:schemeClr val="lt1"/>
-          </a:fillRef>
-          <a:effectRef idx="0">
-            <a:schemeClr val="dk1"/>
-          </a:effectRef>
-          <a:fontRef idx="minor">
-            <a:schemeClr val="dk1"/>
-          </a:fontRef>
-        </p:style>
-        <p:txBody>
-          <a:bodyPr wrap="square" rtlCol="0">
-            <a:spAutoFit/>
-          </a:bodyPr>
-          <a:lstStyle/>
-          <a:p>
-            <a:r>
-              <a:rPr lang="de-DE" b="1" dirty="0" err="1">
+        </p:grpSpPr>
+        <p:sp>
+          <p:nvSpPr>
+            <p:cNvPr id="19" name="Textfeld 18"/>
+            <p:cNvSpPr txBox="1"/>
+            <p:nvPr/>
+          </p:nvSpPr>
+          <p:spPr>
+            <a:xfrm>
+              <a:off x="184308" y="5853691"/>
+              <a:ext cx="5766436" cy="646331"/>
+            </a:xfrm>
+            <a:prstGeom prst="rect">
+              <a:avLst/>
+            </a:prstGeom>
+          </p:spPr>
+          <p:style>
+            <a:lnRef idx="2">
+              <a:schemeClr val="dk1"/>
+            </a:lnRef>
+            <a:fillRef idx="1">
+              <a:schemeClr val="lt1"/>
+            </a:fillRef>
+            <a:effectRef idx="0">
+              <a:schemeClr val="dk1"/>
+            </a:effectRef>
+            <a:fontRef idx="minor">
+              <a:schemeClr val="dk1"/>
+            </a:fontRef>
+          </p:style>
+          <p:txBody>
+            <a:bodyPr wrap="square" rtlCol="0">
+              <a:spAutoFit/>
+            </a:bodyPr>
+            <a:lstStyle/>
+            <a:p>
+              <a:r>
+                <a:rPr lang="de-DE" b="1" dirty="0" err="1">
+                  <a:solidFill>
+                    <a:schemeClr val="accent1"/>
+                  </a:solidFill>
+                </a:rPr>
+                <a:t>Supporting</a:t>
+              </a:r>
+              <a:r>
+                <a:rPr lang="de-DE" b="1" dirty="0">
+                  <a:solidFill>
+                    <a:schemeClr val="accent1"/>
+                  </a:solidFill>
+                </a:rPr>
+                <a:t> Material: </a:t>
+              </a:r>
+              <a:r>
+                <a:rPr lang="de-DE" dirty="0"/>
+                <a:t>Anforderungsbeschreibung,</a:t>
+              </a:r>
+              <a:r>
+                <a:rPr lang="de-DE" b="1" dirty="0">
+                  <a:solidFill>
+                    <a:schemeClr val="accent1"/>
+                  </a:solidFill>
+                </a:rPr>
+                <a:t> </a:t>
+              </a:r>
+              <a:r>
+                <a:rPr lang="de-DE" dirty="0">
+                  <a:solidFill>
+                    <a:schemeClr val="tx1"/>
+                  </a:solidFill>
+                </a:rPr>
+                <a:t>S.3</a:t>
+              </a:r>
+            </a:p>
+            <a:p>
+              <a:endParaRPr lang="de-DE" b="1" dirty="0">
                 <a:solidFill>
                   <a:schemeClr val="accent1"/>
                 </a:solidFill>
-              </a:rPr>
-              <a:t>Supporting</a:t>
-            </a:r>
-            <a:r>
-              <a:rPr lang="de-DE" b="1" dirty="0">
+              </a:endParaRPr>
+            </a:p>
+          </p:txBody>
+        </p:sp>
+        <p:sp>
+          <p:nvSpPr>
+            <p:cNvPr id="20" name="Textfeld 19"/>
+            <p:cNvSpPr txBox="1"/>
+            <p:nvPr/>
+          </p:nvSpPr>
+          <p:spPr>
+            <a:xfrm>
+              <a:off x="6088221" y="5853691"/>
+              <a:ext cx="5888356" cy="646331"/>
+            </a:xfrm>
+            <a:prstGeom prst="rect">
+              <a:avLst/>
+            </a:prstGeom>
+          </p:spPr>
+          <p:style>
+            <a:lnRef idx="2">
+              <a:schemeClr val="dk1"/>
+            </a:lnRef>
+            <a:fillRef idx="1">
+              <a:schemeClr val="lt1"/>
+            </a:fillRef>
+            <a:effectRef idx="0">
+              <a:schemeClr val="dk1"/>
+            </a:effectRef>
+            <a:fontRef idx="minor">
+              <a:schemeClr val="dk1"/>
+            </a:fontRef>
+          </p:style>
+          <p:txBody>
+            <a:bodyPr wrap="square" rtlCol="0">
+              <a:spAutoFit/>
+            </a:bodyPr>
+            <a:lstStyle/>
+            <a:p>
+              <a:r>
+                <a:rPr lang="de-DE" b="1" dirty="0" err="1">
+                  <a:solidFill>
+                    <a:schemeClr val="accent1"/>
+                  </a:solidFill>
+                </a:rPr>
+                <a:t>Conflicts</a:t>
+              </a:r>
+              <a:r>
+                <a:rPr lang="de-DE" b="1" dirty="0">
+                  <a:solidFill>
+                    <a:schemeClr val="accent1"/>
+                  </a:solidFill>
+                </a:rPr>
+                <a:t>: </a:t>
+              </a:r>
+              <a:r>
+                <a:rPr lang="de-DE" dirty="0"/>
+                <a:t>Flexibilität vs. Integrität.</a:t>
+              </a:r>
+            </a:p>
+            <a:p>
+              <a:endParaRPr lang="de-DE" b="1" dirty="0">
                 <a:solidFill>
                   <a:schemeClr val="accent1"/>
                 </a:solidFill>
-              </a:rPr>
-              <a:t> Material: </a:t>
-            </a:r>
-            <a:r>
-              <a:rPr lang="de-DE" dirty="0"/>
-              <a:t>Anforderungsbeschreibung,</a:t>
-            </a:r>
-            <a:r>
-              <a:rPr lang="de-DE" b="1" dirty="0">
-                <a:solidFill>
-                  <a:schemeClr val="accent1"/>
-                </a:solidFill>
-              </a:rPr>
-              <a:t> </a:t>
-            </a:r>
-            <a:r>
-              <a:rPr lang="de-DE" dirty="0">
-                <a:solidFill>
-                  <a:schemeClr val="tx1"/>
-                </a:solidFill>
-              </a:rPr>
-              <a:t>S.3</a:t>
-            </a:r>
-            <a:endParaRPr lang="de-DE" dirty="0">
-              <a:solidFill>
-                <a:schemeClr val="tx1"/>
-              </a:solidFill>
-            </a:endParaRPr>
-          </a:p>
-          <a:p>
-            <a:endParaRPr lang="de-DE" b="1" dirty="0">
-              <a:solidFill>
-                <a:schemeClr val="accent1"/>
-              </a:solidFill>
-            </a:endParaRPr>
-          </a:p>
-        </p:txBody>
-      </p:sp>
-      <p:sp>
-        <p:nvSpPr>
-          <p:cNvPr id="20" name="Textfeld 19"/>
-          <p:cNvSpPr txBox="1"/>
-          <p:nvPr/>
-        </p:nvSpPr>
-        <p:spPr>
-          <a:xfrm>
-            <a:off x="6088221" y="5853691"/>
-            <a:ext cx="5888356" cy="646331"/>
-          </a:xfrm>
-          <a:prstGeom prst="rect">
-            <a:avLst/>
-          </a:prstGeom>
-        </p:spPr>
-        <p:style>
-          <a:lnRef idx="2">
-            <a:schemeClr val="dk1"/>
-          </a:lnRef>
-          <a:fillRef idx="1">
-            <a:schemeClr val="lt1"/>
-          </a:fillRef>
-          <a:effectRef idx="0">
-            <a:schemeClr val="dk1"/>
-          </a:effectRef>
-          <a:fontRef idx="minor">
-            <a:schemeClr val="dk1"/>
-          </a:fontRef>
-        </p:style>
-        <p:txBody>
-          <a:bodyPr wrap="square" rtlCol="0">
-            <a:spAutoFit/>
-          </a:bodyPr>
-          <a:lstStyle/>
-          <a:p>
-            <a:r>
-              <a:rPr lang="de-DE" b="1" dirty="0" err="1">
-                <a:solidFill>
-                  <a:schemeClr val="accent1"/>
-                </a:solidFill>
-              </a:rPr>
-              <a:t>Conflicts</a:t>
-            </a:r>
-            <a:r>
-              <a:rPr lang="de-DE" b="1" dirty="0">
-                <a:solidFill>
-                  <a:schemeClr val="accent1"/>
-                </a:solidFill>
-              </a:rPr>
-              <a:t>: </a:t>
-            </a:r>
-            <a:r>
-              <a:rPr lang="de-DE" dirty="0"/>
-              <a:t>Flexibilität vs. Integrität.</a:t>
-            </a:r>
-            <a:endParaRPr lang="de-DE" dirty="0"/>
-          </a:p>
-          <a:p>
-            <a:endParaRPr lang="de-DE" b="1" dirty="0">
-              <a:solidFill>
-                <a:schemeClr val="accent1"/>
-              </a:solidFill>
-            </a:endParaRPr>
-          </a:p>
-        </p:txBody>
-      </p:sp>
+              </a:endParaRPr>
+            </a:p>
+          </p:txBody>
+        </p:sp>
+      </p:grpSp>
     </p:spTree>
   </p:cSld>
   <p:clrMapOvr>
@@ -30969,10 +30748,18 @@
                     <a:schemeClr val="accent1"/>
                   </a:solidFill>
                 </a:rPr>
-                <a:t>-ID: </a:t>
-              </a:r>
-              <a:r>
-                <a:rPr lang="de-DE" dirty="0">
+                <a:t>-ID</a:t>
+              </a:r>
+              <a:r>
+                <a:rPr lang="de-DE" b="1">
+                  <a:solidFill>
+                    <a:schemeClr val="accent1"/>
+                  </a:solidFill>
+                </a:rPr>
+                <a:t>: </a:t>
+              </a:r>
+              <a:r>
+                <a:rPr lang="de-DE">
                   <a:solidFill>
                     <a:schemeClr val="tx1"/>
                   </a:solidFill>
@@ -31038,11 +30825,6 @@
                 </a:rPr>
                 <a:t>Funktional</a:t>
               </a:r>
-              <a:endParaRPr lang="de-DE">
-                <a:solidFill>
-                  <a:schemeClr val="tx1"/>
-                </a:solidFill>
-              </a:endParaRPr>
             </a:p>
           </p:txBody>
         </p:sp>
@@ -31171,11 +30953,6 @@
                 </a:rPr>
                 <a:t>Aus einer vorangegangenen Anfrage können die Daten für einen neuen Fall übertragen werden. (B/E/A)</a:t>
               </a:r>
-              <a:endParaRPr lang="de-DE">
-                <a:solidFill>
-                  <a:schemeClr val="tx1"/>
-                </a:solidFill>
-              </a:endParaRPr>
             </a:p>
             <a:p>
               <a:endParaRPr lang="de-DE"/>
@@ -31233,11 +31010,6 @@
                 </a:rPr>
                 <a:t>Wenn aus einer Anfrage ein Fall resultiert, sollen nicht alle wichtigen Daten erneut eingetippt werden müssen.</a:t>
               </a:r>
-              <a:endParaRPr lang="de-DE">
-                <a:solidFill>
-                  <a:schemeClr val="tx1"/>
-                </a:solidFill>
-              </a:endParaRPr>
             </a:p>
             <a:p>
               <a:endParaRPr lang="de-DE"/>
@@ -31299,7 +31071,6 @@
                 <a:rPr lang="de-DE" dirty="0"/>
                 <a:t>Gruppe/Kundinnen </a:t>
               </a:r>
-              <a:endParaRPr lang="de-DE" dirty="0"/>
             </a:p>
             <a:p>
               <a:endParaRPr lang="de-DE" dirty="0"/>
@@ -31353,7 +31124,6 @@
                 <a:rPr lang="de-DE"/>
                 <a:t>Nutzerin kann in einer Anfrage ein Feld anklicken, wodurch die Daten direkt in einen neuen Fall importiert werden. Oder Nutzerin kann beim Anlegen eines neuen Falls die Daten einer Anfrage importieren.</a:t>
               </a:r>
-              <a:endParaRPr lang="de-DE"/>
             </a:p>
           </p:txBody>
         </p:sp>
@@ -31381,7 +31151,7 @@
           <p:spPr>
             <a:xfrm>
               <a:off x="176530" y="1113153"/>
-              <a:ext cx="2309119" cy="369332"/>
+              <a:ext cx="2309119" cy="646331"/>
             </a:xfrm>
             <a:prstGeom prst="rect">
               <a:avLst/>
@@ -31423,6 +31193,8 @@
                 </a:rPr>
                 <a:t>Could</a:t>
               </a:r>
+            </a:p>
+            <a:p>
               <a:endParaRPr lang="de-DE">
                 <a:solidFill>
                   <a:schemeClr val="tx1"/>
@@ -31637,11 +31409,6 @@
               </a:rPr>
               <a:t>S.3</a:t>
             </a:r>
-            <a:endParaRPr lang="de-DE" dirty="0">
-              <a:solidFill>
-                <a:schemeClr val="tx1"/>
-              </a:solidFill>
-            </a:endParaRPr>
           </a:p>
           <a:p>
             <a:endParaRPr lang="de-DE" b="1" dirty="0">
@@ -31707,7 +31474,6 @@
               <a:rPr lang="de-DE" dirty="0"/>
               <a:t>Zugriffsgeschwindigkeit vs. Konsistenz.</a:t>
             </a:r>
-            <a:endParaRPr lang="de-DE" dirty="0"/>
           </a:p>
           <a:p>
             <a:endParaRPr lang="de-DE" b="1" dirty="0">
@@ -31834,10 +31600,18 @@
                     <a:schemeClr val="accent1"/>
                   </a:solidFill>
                 </a:rPr>
-                <a:t>-ID: </a:t>
-              </a:r>
-              <a:r>
-                <a:rPr lang="de-DE" dirty="0">
+                <a:t>-ID</a:t>
+              </a:r>
+              <a:r>
+                <a:rPr lang="de-DE" b="1">
+                  <a:solidFill>
+                    <a:schemeClr val="accent1"/>
+                  </a:solidFill>
+                </a:rPr>
+                <a:t>: </a:t>
+              </a:r>
+              <a:r>
+                <a:rPr lang="de-DE">
                   <a:solidFill>
                     <a:schemeClr val="tx1"/>
                   </a:solidFill>
@@ -31903,11 +31677,6 @@
                 </a:rPr>
                 <a:t>Funktional</a:t>
               </a:r>
-              <a:endParaRPr lang="de-DE">
-                <a:solidFill>
-                  <a:schemeClr val="tx1"/>
-                </a:solidFill>
-              </a:endParaRPr>
             </a:p>
           </p:txBody>
         </p:sp>
@@ -32091,11 +31860,6 @@
                 </a:rPr>
                 <a:t>Es müssen regelmäßig Berichte und Zahlen für Fördermittel erstellt werden.</a:t>
               </a:r>
-              <a:endParaRPr lang="de-DE">
-                <a:solidFill>
-                  <a:schemeClr val="tx1"/>
-                </a:solidFill>
-              </a:endParaRPr>
             </a:p>
             <a:p>
               <a:endParaRPr lang="de-DE"/>
@@ -32146,7 +31910,7 @@
                 <a:t>Originator</a:t>
               </a:r>
               <a:r>
-                <a:rPr lang="de-DE" b="1" dirty="0">
+                <a:rPr lang="de-DE" b="1">
                   <a:solidFill>
                     <a:schemeClr val="accent1"/>
                   </a:solidFill>
@@ -32154,12 +31918,12 @@
                 <a:t>: </a:t>
               </a:r>
               <a:r>
-                <a:rPr lang="de-DE" dirty="0">
+                <a:rPr lang="de-DE">
                   <a:solidFill>
                     <a:schemeClr val="tx1"/>
                   </a:solidFill>
                 </a:rPr>
-                <a:t>Kundinnen </a:t>
+                <a:t>Gesetzgeber </a:t>
               </a:r>
               <a:endParaRPr lang="de-DE" dirty="0">
                 <a:solidFill>
@@ -32219,7 +31983,6 @@
                 <a:rPr lang="de-DE"/>
                 <a:t>Im Statistikbereich können diejenigen Attribute gefiltert werden, über die eine Statistik berechnet wird.</a:t>
               </a:r>
-              <a:endParaRPr lang="de-DE"/>
             </a:p>
             <a:p>
               <a:endParaRPr lang="de-DE"/>
@@ -32236,9 +31999,9 @@
         <p:grpSpPr>
           <a:xfrm>
             <a:off x="168751" y="4866983"/>
-            <a:ext cx="11823383" cy="923330"/>
+            <a:ext cx="11823383" cy="646331"/>
             <a:chOff x="176530" y="1113153"/>
-            <a:chExt cx="11823383" cy="923330"/>
+            <a:chExt cx="11823383" cy="646331"/>
           </a:xfrm>
         </p:grpSpPr>
         <p:sp>
@@ -32250,7 +32013,7 @@
           <p:spPr>
             <a:xfrm>
               <a:off x="176530" y="1113153"/>
-              <a:ext cx="2309119" cy="369332"/>
+              <a:ext cx="2309119" cy="646331"/>
             </a:xfrm>
             <a:prstGeom prst="rect">
               <a:avLst/>
@@ -32292,6 +32055,8 @@
                 </a:rPr>
                 <a:t>Must</a:t>
               </a:r>
+            </a:p>
+            <a:p>
               <a:endParaRPr lang="de-DE">
                 <a:solidFill>
                   <a:schemeClr val="tx1"/>
@@ -32309,7 +32074,7 @@
           <p:spPr>
             <a:xfrm>
               <a:off x="2630905" y="1113153"/>
-              <a:ext cx="3319839" cy="923330"/>
+              <a:ext cx="3319839" cy="584775"/>
             </a:xfrm>
             <a:prstGeom prst="rect">
               <a:avLst/>
@@ -32360,7 +32125,7 @@
                 <a:t>: </a:t>
               </a:r>
               <a:r>
-                <a:rPr lang="de-DE" dirty="0"/>
+                <a:rPr lang="de-DE" sz="1400" dirty="0"/>
                 <a:t>Berechnungen automatisch und fehlerfrei</a:t>
               </a:r>
               <a:endParaRPr lang="de-DE" b="1" dirty="0">
@@ -32451,7 +32216,7 @@
         </p:nvSpPr>
         <p:spPr>
           <a:xfrm>
-            <a:off x="168751" y="5843829"/>
+            <a:off x="168751" y="5661376"/>
             <a:ext cx="5766436" cy="646331"/>
           </a:xfrm>
           <a:prstGeom prst="rect">
@@ -32506,11 +32271,6 @@
               </a:rPr>
               <a:t>S.3</a:t>
             </a:r>
-            <a:endParaRPr lang="de-DE" dirty="0">
-              <a:solidFill>
-                <a:schemeClr val="tx1"/>
-              </a:solidFill>
-            </a:endParaRPr>
           </a:p>
           <a:p>
             <a:endParaRPr lang="de-DE" b="1" dirty="0">
@@ -32529,7 +32289,7 @@
         </p:nvSpPr>
         <p:spPr>
           <a:xfrm>
-            <a:off x="6088221" y="5839393"/>
+            <a:off x="6088221" y="5656940"/>
             <a:ext cx="5888356" cy="646331"/>
           </a:xfrm>
           <a:prstGeom prst="rect">
@@ -32576,7 +32336,6 @@
               <a:rPr lang="de-DE" dirty="0"/>
               <a:t>Performance vs. Genauigkeit.</a:t>
             </a:r>
-            <a:endParaRPr lang="de-DE" dirty="0"/>
           </a:p>
           <a:p>
             <a:endParaRPr lang="de-DE" b="1" dirty="0">
@@ -32815,6 +32574,7 @@
       </a:bgFillStyleLst>
     </a:fmtScheme>
   </a:themeElements>
+  <a:objectDefaults/>
   <a:extraClrSchemeLst>
     <a:extraClrScheme>
       <a:clrScheme name="4 1">
@@ -33568,6 +33328,8 @@
       </a:bgFillStyleLst>
     </a:fmtScheme>
   </a:themeElements>
+  <a:objectDefaults/>
+  <a:extraClrSchemeLst/>
   <a:extLst>
     <a:ext uri="{05A4C25C-085E-4340-85A3-A5531E510DB2}">
       <thm15:themeFamily xmlns:thm15="http://schemas.microsoft.com/office/thememl/2012/main" name="Office Theme" id="{62F939B6-93AF-4DB8-9C6B-D6C7DFDC589F}" vid="{4A3C46E8-61CC-4603-A589-7422A47A8E4A}"/>
@@ -33856,6 +33618,8 @@
       </a:bgFillStyleLst>
     </a:fmtScheme>
   </a:themeElements>
+  <a:objectDefaults/>
+  <a:extraClrSchemeLst/>
   <a:extLst>
     <a:ext uri="{05A4C25C-085E-4340-85A3-A5531E510DB2}">
       <thm15:themeFamily xmlns:thm15="http://schemas.microsoft.com/office/thememl/2012/main" name="Office Theme" id="{62F939B6-93AF-4DB8-9C6B-D6C7DFDC589F}" vid="{4A3C46E8-61CC-4603-A589-7422A47A8E4A}"/>
@@ -34115,6 +33879,8 @@
       </a:bgFillStyleLst>
     </a:fmtScheme>
   </a:themeElements>
+  <a:objectDefaults/>
+  <a:extraClrSchemeLst/>
   <a:extLst>
     <a:ext uri="{05A4C25C-085E-4340-85A3-A5531E510DB2}">
       <thm15:themeFamily xmlns:thm15="http://schemas.microsoft.com/office/thememl/2012/main" name="Office Theme" id="{62F939B6-93AF-4DB8-9C6B-D6C7DFDC589F}" vid="{4A3C46E8-61CC-4603-A589-7422A47A8E4A}"/>
